--- a/powerpoint/03_編輯器與第一個 Java 程式.pptx
+++ b/powerpoint/03_編輯器與第一個 Java 程式.pptx
@@ -5,20 +5,21 @@
     <p:sldMasterId id="2147483685" r:id="rId1"/>
   </p:sldMasterIdLst>
   <p:notesMasterIdLst>
-    <p:notesMasterId r:id="rId13"/>
+    <p:notesMasterId r:id="rId14"/>
   </p:notesMasterIdLst>
   <p:sldIdLst>
     <p:sldId id="261" r:id="rId2"/>
     <p:sldId id="268" r:id="rId3"/>
-    <p:sldId id="260" r:id="rId4"/>
-    <p:sldId id="262" r:id="rId5"/>
-    <p:sldId id="263" r:id="rId6"/>
-    <p:sldId id="264" r:id="rId7"/>
-    <p:sldId id="265" r:id="rId8"/>
-    <p:sldId id="267" r:id="rId9"/>
-    <p:sldId id="270" r:id="rId10"/>
-    <p:sldId id="271" r:id="rId11"/>
-    <p:sldId id="272" r:id="rId12"/>
+    <p:sldId id="273" r:id="rId4"/>
+    <p:sldId id="260" r:id="rId5"/>
+    <p:sldId id="262" r:id="rId6"/>
+    <p:sldId id="263" r:id="rId7"/>
+    <p:sldId id="264" r:id="rId8"/>
+    <p:sldId id="265" r:id="rId9"/>
+    <p:sldId id="267" r:id="rId10"/>
+    <p:sldId id="270" r:id="rId11"/>
+    <p:sldId id="271" r:id="rId12"/>
+    <p:sldId id="272" r:id="rId13"/>
   </p:sldIdLst>
   <p:sldSz cx="12192000" cy="6858000"/>
   <p:notesSz cx="6858000" cy="9144000"/>
@@ -518,6 +519,90 @@
           <a:bodyPr/>
           <a:lstStyle/>
           <a:p>
+            <a:endParaRPr lang="zh-TW" altLang="en-US"/>
+          </a:p>
+        </p:txBody>
+      </p:sp>
+      <p:sp>
+        <p:nvSpPr>
+          <p:cNvPr id="4" name="投影片編號版面配置區 3"/>
+          <p:cNvSpPr>
+            <a:spLocks noGrp="1"/>
+          </p:cNvSpPr>
+          <p:nvPr>
+            <p:ph type="sldNum" sz="quarter" idx="5"/>
+          </p:nvPr>
+        </p:nvSpPr>
+        <p:spPr/>
+        <p:txBody>
+          <a:bodyPr/>
+          <a:lstStyle/>
+          <a:p>
+            <a:fld id="{1C35631C-2D4E-4DBB-85B1-E5907F07B9E8}" type="slidenum">
+              <a:rPr lang="zh-TW" altLang="en-US" smtClean="0"/>
+              <a:t>3</a:t>
+            </a:fld>
+            <a:endParaRPr lang="zh-TW" altLang="en-US"/>
+          </a:p>
+        </p:txBody>
+      </p:sp>
+    </p:spTree>
+    <p:extLst>
+      <p:ext uri="{BB962C8B-B14F-4D97-AF65-F5344CB8AC3E}">
+        <p14:creationId xmlns:p14="http://schemas.microsoft.com/office/powerpoint/2010/main" val="3069642617"/>
+      </p:ext>
+    </p:extLst>
+  </p:cSld>
+  <p:clrMapOvr>
+    <a:masterClrMapping/>
+  </p:clrMapOvr>
+</p:notes>
+</file>
+
+<file path=ppt/notesSlides/notesSlide10.xml><?xml version="1.0" encoding="utf-8"?>
+<p:notes xmlns:a="http://schemas.openxmlformats.org/drawingml/2006/main" xmlns:r="http://schemas.openxmlformats.org/officeDocument/2006/relationships" xmlns:p="http://schemas.openxmlformats.org/presentationml/2006/main">
+  <p:cSld>
+    <p:spTree>
+      <p:nvGrpSpPr>
+        <p:cNvPr id="1" name=""/>
+        <p:cNvGrpSpPr/>
+        <p:nvPr/>
+      </p:nvGrpSpPr>
+      <p:grpSpPr>
+        <a:xfrm>
+          <a:off x="0" y="0"/>
+          <a:ext cx="0" cy="0"/>
+          <a:chOff x="0" y="0"/>
+          <a:chExt cx="0" cy="0"/>
+        </a:xfrm>
+      </p:grpSpPr>
+      <p:sp>
+        <p:nvSpPr>
+          <p:cNvPr id="2" name="投影片影像版面配置區 1"/>
+          <p:cNvSpPr>
+            <a:spLocks noGrp="1" noRot="1" noChangeAspect="1"/>
+          </p:cNvSpPr>
+          <p:nvPr>
+            <p:ph type="sldImg"/>
+          </p:nvPr>
+        </p:nvSpPr>
+        <p:spPr/>
+      </p:sp>
+      <p:sp>
+        <p:nvSpPr>
+          <p:cNvPr id="3" name="備忘稿版面配置區 2"/>
+          <p:cNvSpPr>
+            <a:spLocks noGrp="1"/>
+          </p:cNvSpPr>
+          <p:nvPr>
+            <p:ph type="body" idx="1"/>
+          </p:nvPr>
+        </p:nvSpPr>
+        <p:spPr/>
+        <p:txBody>
+          <a:bodyPr/>
+          <a:lstStyle/>
+          <a:p>
             <a:endParaRPr lang="en-US" altLang="zh-TW">
               <a:solidFill>
                 <a:srgbClr val="BCBEC4"/>
@@ -591,7 +676,7 @@
                 <a:tabLst/>
                 <a:defRPr/>
               </a:pPr>
-              <a:t>3</a:t>
+              <a:t>12</a:t>
             </a:fld>
             <a:endParaRPr kumimoji="0" lang="zh-TW" altLang="en-US" sz="1200" b="0" i="0" u="none" strike="noStrike" kern="1200" cap="none" spc="0" normalizeH="0" baseline="0" noProof="0">
               <a:ln>
@@ -613,7 +698,7 @@
     </p:spTree>
     <p:extLst>
       <p:ext uri="{BB962C8B-B14F-4D97-AF65-F5344CB8AC3E}">
-        <p14:creationId xmlns:p14="http://schemas.microsoft.com/office/powerpoint/2010/main" val="3643461312"/>
+        <p14:creationId xmlns:p14="http://schemas.microsoft.com/office/powerpoint/2010/main" val="29522989"/>
       </p:ext>
     </p:extLst>
   </p:cSld>
@@ -762,7 +847,7 @@
     </p:spTree>
     <p:extLst>
       <p:ext uri="{BB962C8B-B14F-4D97-AF65-F5344CB8AC3E}">
-        <p14:creationId xmlns:p14="http://schemas.microsoft.com/office/powerpoint/2010/main" val="3788532878"/>
+        <p14:creationId xmlns:p14="http://schemas.microsoft.com/office/powerpoint/2010/main" val="3643461312"/>
       </p:ext>
     </p:extLst>
   </p:cSld>
@@ -911,7 +996,7 @@
     </p:spTree>
     <p:extLst>
       <p:ext uri="{BB962C8B-B14F-4D97-AF65-F5344CB8AC3E}">
-        <p14:creationId xmlns:p14="http://schemas.microsoft.com/office/powerpoint/2010/main" val="3698260529"/>
+        <p14:creationId xmlns:p14="http://schemas.microsoft.com/office/powerpoint/2010/main" val="3788532878"/>
       </p:ext>
     </p:extLst>
   </p:cSld>
@@ -1060,7 +1145,7 @@
     </p:spTree>
     <p:extLst>
       <p:ext uri="{BB962C8B-B14F-4D97-AF65-F5344CB8AC3E}">
-        <p14:creationId xmlns:p14="http://schemas.microsoft.com/office/powerpoint/2010/main" val="2497585150"/>
+        <p14:creationId xmlns:p14="http://schemas.microsoft.com/office/powerpoint/2010/main" val="3698260529"/>
       </p:ext>
     </p:extLst>
   </p:cSld>
@@ -1209,7 +1294,7 @@
     </p:spTree>
     <p:extLst>
       <p:ext uri="{BB962C8B-B14F-4D97-AF65-F5344CB8AC3E}">
-        <p14:creationId xmlns:p14="http://schemas.microsoft.com/office/powerpoint/2010/main" val="3600739405"/>
+        <p14:creationId xmlns:p14="http://schemas.microsoft.com/office/powerpoint/2010/main" val="2497585150"/>
       </p:ext>
     </p:extLst>
   </p:cSld>
@@ -1358,7 +1443,7 @@
     </p:spTree>
     <p:extLst>
       <p:ext uri="{BB962C8B-B14F-4D97-AF65-F5344CB8AC3E}">
-        <p14:creationId xmlns:p14="http://schemas.microsoft.com/office/powerpoint/2010/main" val="670639160"/>
+        <p14:creationId xmlns:p14="http://schemas.microsoft.com/office/powerpoint/2010/main" val="3600739405"/>
       </p:ext>
     </p:extLst>
   </p:cSld>
@@ -1507,7 +1592,7 @@
     </p:spTree>
     <p:extLst>
       <p:ext uri="{BB962C8B-B14F-4D97-AF65-F5344CB8AC3E}">
-        <p14:creationId xmlns:p14="http://schemas.microsoft.com/office/powerpoint/2010/main" val="3348994766"/>
+        <p14:creationId xmlns:p14="http://schemas.microsoft.com/office/powerpoint/2010/main" val="670639160"/>
       </p:ext>
     </p:extLst>
   </p:cSld>
@@ -1656,7 +1741,7 @@
     </p:spTree>
     <p:extLst>
       <p:ext uri="{BB962C8B-B14F-4D97-AF65-F5344CB8AC3E}">
-        <p14:creationId xmlns:p14="http://schemas.microsoft.com/office/powerpoint/2010/main" val="3417935688"/>
+        <p14:creationId xmlns:p14="http://schemas.microsoft.com/office/powerpoint/2010/main" val="3348994766"/>
       </p:ext>
     </p:extLst>
   </p:cSld>
@@ -1805,7 +1890,7 @@
     </p:spTree>
     <p:extLst>
       <p:ext uri="{BB962C8B-B14F-4D97-AF65-F5344CB8AC3E}">
-        <p14:creationId xmlns:p14="http://schemas.microsoft.com/office/powerpoint/2010/main" val="29522989"/>
+        <p14:creationId xmlns:p14="http://schemas.microsoft.com/office/powerpoint/2010/main" val="3417935688"/>
       </p:ext>
     </p:extLst>
   </p:cSld>
@@ -9700,6 +9785,1053 @@
           <a:p>
             <a:r>
               <a:rPr lang="zh-TW" altLang="en-US"/>
+              <a:t>第一個 </a:t>
+            </a:r>
+            <a:r>
+              <a:rPr lang="en-US" altLang="zh-TW"/>
+              <a:t>Java</a:t>
+            </a:r>
+            <a:r>
+              <a:rPr lang="zh-TW" altLang="en-US"/>
+              <a:t> 程式</a:t>
+            </a:r>
+          </a:p>
+        </p:txBody>
+      </p:sp>
+      <p:sp>
+        <p:nvSpPr>
+          <p:cNvPr id="8" name="內容版面配置區 7">
+            <a:extLst>
+              <a:ext uri="{FF2B5EF4-FFF2-40B4-BE49-F238E27FC236}">
+                <a16:creationId xmlns:a16="http://schemas.microsoft.com/office/drawing/2014/main" id="{1F3AB24B-3CA6-4811-804E-E905C0A0E473}"/>
+              </a:ext>
+            </a:extLst>
+          </p:cNvPr>
+          <p:cNvSpPr>
+            <a:spLocks noGrp="1"/>
+          </p:cNvSpPr>
+          <p:nvPr>
+            <p:ph idx="1"/>
+          </p:nvPr>
+        </p:nvSpPr>
+        <p:spPr>
+          <a:xfrm>
+            <a:off x="838200" y="1608347"/>
+            <a:ext cx="10515600" cy="483009"/>
+          </a:xfrm>
+        </p:spPr>
+        <p:txBody>
+          <a:bodyPr>
+            <a:normAutofit/>
+          </a:bodyPr>
+          <a:lstStyle/>
+          <a:p>
+            <a:r>
+              <a:rPr lang="zh-TW" altLang="en-US"/>
+              <a:t>請使用 </a:t>
+            </a:r>
+            <a:r>
+              <a:rPr lang="en-US" altLang="zh-TW"/>
+              <a:t>Notepad++ </a:t>
+            </a:r>
+            <a:r>
+              <a:rPr lang="zh-TW" altLang="en-US"/>
+              <a:t>「親手」打出下列的程式碼</a:t>
+            </a:r>
+          </a:p>
+        </p:txBody>
+      </p:sp>
+      <p:grpSp>
+        <p:nvGrpSpPr>
+          <p:cNvPr id="7" name="群組 6">
+            <a:extLst>
+              <a:ext uri="{FF2B5EF4-FFF2-40B4-BE49-F238E27FC236}">
+                <a16:creationId xmlns:a16="http://schemas.microsoft.com/office/drawing/2014/main" id="{9C1814F8-3CC1-44F7-AF72-F152AE637EEE}"/>
+              </a:ext>
+            </a:extLst>
+          </p:cNvPr>
+          <p:cNvGrpSpPr/>
+          <p:nvPr/>
+        </p:nvGrpSpPr>
+        <p:grpSpPr>
+          <a:xfrm>
+            <a:off x="802481" y="2185706"/>
+            <a:ext cx="10587038" cy="4154984"/>
+            <a:chOff x="802481" y="2185706"/>
+            <a:chExt cx="10587038" cy="4154984"/>
+          </a:xfrm>
+        </p:grpSpPr>
+        <p:sp>
+          <p:nvSpPr>
+            <p:cNvPr id="6" name="Rectangle 2">
+              <a:extLst>
+                <a:ext uri="{FF2B5EF4-FFF2-40B4-BE49-F238E27FC236}">
+                  <a16:creationId xmlns:a16="http://schemas.microsoft.com/office/drawing/2014/main" id="{CB26EA14-F1AF-4F85-A5DD-5E14D4E66C53}"/>
+                </a:ext>
+              </a:extLst>
+            </p:cNvPr>
+            <p:cNvSpPr>
+              <a:spLocks noChangeArrowheads="1"/>
+            </p:cNvSpPr>
+            <p:nvPr/>
+          </p:nvSpPr>
+          <p:spPr bwMode="auto">
+            <a:xfrm>
+              <a:off x="802481" y="2185706"/>
+              <a:ext cx="10587038" cy="4154984"/>
+            </a:xfrm>
+            <a:prstGeom prst="rect">
+              <a:avLst/>
+            </a:prstGeom>
+            <a:solidFill>
+              <a:srgbClr val="1E1F22"/>
+            </a:solidFill>
+            <a:ln>
+              <a:noFill/>
+            </a:ln>
+            <a:effectLst/>
+            <a:extLst>
+              <a:ext uri="{91240B29-F687-4F45-9708-019B960494DF}">
+                <a14:hiddenLine xmlns:a14="http://schemas.microsoft.com/office/drawing/2010/main" w="9525">
+                  <a:solidFill>
+                    <a:schemeClr val="tx1"/>
+                  </a:solidFill>
+                  <a:miter lim="800000"/>
+                  <a:headEnd/>
+                  <a:tailEnd/>
+                </a14:hiddenLine>
+              </a:ext>
+              <a:ext uri="{AF507438-7753-43E0-B8FC-AC1667EBCBE1}">
+                <a14:hiddenEffects xmlns:a14="http://schemas.microsoft.com/office/drawing/2010/main">
+                  <a:effectLst>
+                    <a:outerShdw dist="35921" dir="2700000" algn="ctr" rotWithShape="0">
+                      <a:schemeClr val="bg2"/>
+                    </a:outerShdw>
+                  </a:effectLst>
+                </a14:hiddenEffects>
+              </a:ext>
+            </a:extLst>
+          </p:spPr>
+          <p:txBody>
+            <a:bodyPr vert="horz" wrap="square" lIns="91440" tIns="45720" rIns="91440" bIns="45720" numCol="1" anchor="ctr" anchorCtr="0" compatLnSpc="1">
+              <a:prstTxWarp prst="textNoShape">
+                <a:avLst/>
+              </a:prstTxWarp>
+              <a:spAutoFit/>
+            </a:bodyPr>
+            <a:lstStyle/>
+            <a:p>
+              <a:pPr marL="0" marR="0" lvl="0" indent="0" algn="l" defTabSz="914400" rtl="0" eaLnBrk="0" fontAlgn="base" latinLnBrk="0" hangingPunct="0">
+                <a:lnSpc>
+                  <a:spcPct val="100000"/>
+                </a:lnSpc>
+                <a:spcBef>
+                  <a:spcPct val="0"/>
+                </a:spcBef>
+                <a:spcAft>
+                  <a:spcPct val="0"/>
+                </a:spcAft>
+                <a:buClrTx/>
+                <a:buSzTx/>
+                <a:buFontTx/>
+                <a:buNone/>
+                <a:tabLst/>
+                <a:defRPr/>
+              </a:pPr>
+              <a:r>
+                <a:rPr kumimoji="0" lang="zh-TW" altLang="zh-TW" sz="2400" b="0" i="0" u="none" strike="noStrike" kern="1200" cap="none" spc="0" normalizeH="0" baseline="0" noProof="0">
+                  <a:ln>
+                    <a:noFill/>
+                  </a:ln>
+                  <a:solidFill>
+                    <a:srgbClr val="7A7E85"/>
+                  </a:solidFill>
+                  <a:effectLst/>
+                  <a:uLnTx/>
+                  <a:uFillTx/>
+                  <a:latin typeface="Consolas"/>
+                  <a:ea typeface="微軟正黑體 Light"/>
+                  <a:cs typeface="JetBrains Mono" panose="02000009000000000000" pitchFamily="49" charset="0"/>
+                </a:rPr>
+                <a:t>// </a:t>
+              </a:r>
+              <a:r>
+                <a:rPr kumimoji="0" lang="zh-TW" altLang="en-US" sz="2400" b="0" i="0" u="none" strike="noStrike" kern="1200" cap="none" spc="0" normalizeH="0" baseline="0" noProof="0">
+                  <a:ln>
+                    <a:noFill/>
+                  </a:ln>
+                  <a:solidFill>
+                    <a:srgbClr val="7A7E85"/>
+                  </a:solidFill>
+                  <a:effectLst/>
+                  <a:uLnTx/>
+                  <a:uFillTx/>
+                  <a:latin typeface="Consolas"/>
+                  <a:ea typeface="微軟正黑體 Light"/>
+                  <a:cs typeface="JetBrains Mono" panose="02000009000000000000" pitchFamily="49" charset="0"/>
+                </a:rPr>
+                <a:t>類別</a:t>
+              </a:r>
+              <a:r>
+                <a:rPr kumimoji="0" lang="en-US" altLang="zh-TW" sz="2400" b="0" i="0" u="none" strike="noStrike" kern="1200" cap="none" spc="0" normalizeH="0" baseline="0" noProof="0">
+                  <a:ln>
+                    <a:noFill/>
+                  </a:ln>
+                  <a:solidFill>
+                    <a:srgbClr val="7A7E85"/>
+                  </a:solidFill>
+                  <a:effectLst/>
+                  <a:uLnTx/>
+                  <a:uFillTx/>
+                  <a:latin typeface="Consolas"/>
+                  <a:ea typeface="微軟正黑體 Light"/>
+                  <a:cs typeface="JetBrains Mono" panose="02000009000000000000" pitchFamily="49" charset="0"/>
+                </a:rPr>
+                <a:t>(class)</a:t>
+              </a:r>
+              <a:r>
+                <a:rPr kumimoji="0" lang="zh-TW" altLang="zh-TW" sz="2400" b="0" i="0" u="none" strike="noStrike" kern="1200" cap="none" spc="0" normalizeH="0" baseline="0" noProof="0">
+                  <a:ln>
+                    <a:noFill/>
+                  </a:ln>
+                  <a:solidFill>
+                    <a:srgbClr val="7A7E85"/>
+                  </a:solidFill>
+                  <a:effectLst/>
+                  <a:uLnTx/>
+                  <a:uFillTx/>
+                  <a:latin typeface="Consolas"/>
+                  <a:ea typeface="微軟正黑體" panose="020B0604030504040204" pitchFamily="34" charset="-120"/>
+                  <a:cs typeface="JetBrains Mono" panose="02000009000000000000" pitchFamily="49" charset="0"/>
+                </a:rPr>
+                <a:t>名稱必須跟檔案名稱一樣</a:t>
+              </a:r>
+              <a:br>
+                <a:rPr kumimoji="0" lang="zh-TW" altLang="zh-TW" sz="2400" b="0" i="0" u="none" strike="noStrike" kern="1200" cap="none" spc="0" normalizeH="0" baseline="0" noProof="0">
+                  <a:ln>
+                    <a:noFill/>
+                  </a:ln>
+                  <a:solidFill>
+                    <a:srgbClr val="7A7E85"/>
+                  </a:solidFill>
+                  <a:effectLst/>
+                  <a:uLnTx/>
+                  <a:uFillTx/>
+                  <a:latin typeface="Consolas"/>
+                  <a:ea typeface="微軟正黑體" panose="020B0604030504040204" pitchFamily="34" charset="-120"/>
+                  <a:cs typeface="JetBrains Mono" panose="02000009000000000000" pitchFamily="49" charset="0"/>
+                </a:rPr>
+              </a:br>
+              <a:r>
+                <a:rPr kumimoji="0" lang="zh-TW" altLang="zh-TW" sz="2400" b="0" i="0" u="none" strike="noStrike" kern="1200" cap="none" spc="0" normalizeH="0" baseline="0" noProof="0">
+                  <a:ln>
+                    <a:noFill/>
+                  </a:ln>
+                  <a:solidFill>
+                    <a:srgbClr val="CF8E6D"/>
+                  </a:solidFill>
+                  <a:effectLst/>
+                  <a:uLnTx/>
+                  <a:uFillTx/>
+                  <a:latin typeface="Consolas"/>
+                  <a:ea typeface="微軟正黑體 Light"/>
+                  <a:cs typeface="JetBrains Mono" panose="02000009000000000000" pitchFamily="49" charset="0"/>
+                </a:rPr>
+                <a:t>public class </a:t>
+              </a:r>
+              <a:r>
+                <a:rPr kumimoji="0" lang="zh-TW" altLang="zh-TW" sz="2400" b="0" i="0" u="none" strike="noStrike" kern="1200" cap="none" spc="0" normalizeH="0" baseline="0" noProof="0">
+                  <a:ln>
+                    <a:noFill/>
+                  </a:ln>
+                  <a:solidFill>
+                    <a:srgbClr val="BCBEC4"/>
+                  </a:solidFill>
+                  <a:effectLst/>
+                  <a:uLnTx/>
+                  <a:uFillTx/>
+                  <a:latin typeface="Consolas"/>
+                  <a:ea typeface="微軟正黑體 Light"/>
+                  <a:cs typeface="JetBrains Mono" panose="02000009000000000000" pitchFamily="49" charset="0"/>
+                </a:rPr>
+                <a:t>Main {</a:t>
+              </a:r>
+              <a:br>
+                <a:rPr kumimoji="0" lang="zh-TW" altLang="zh-TW" sz="2400" b="0" i="0" u="none" strike="noStrike" kern="1200" cap="none" spc="0" normalizeH="0" baseline="0" noProof="0">
+                  <a:ln>
+                    <a:noFill/>
+                  </a:ln>
+                  <a:solidFill>
+                    <a:srgbClr val="BCBEC4"/>
+                  </a:solidFill>
+                  <a:effectLst/>
+                  <a:uLnTx/>
+                  <a:uFillTx/>
+                  <a:latin typeface="Consolas"/>
+                  <a:ea typeface="微軟正黑體 Light"/>
+                  <a:cs typeface="JetBrains Mono" panose="02000009000000000000" pitchFamily="49" charset="0"/>
+                </a:rPr>
+              </a:br>
+              <a:br>
+                <a:rPr kumimoji="0" lang="zh-TW" altLang="zh-TW" sz="2400" b="0" i="0" u="none" strike="noStrike" kern="1200" cap="none" spc="0" normalizeH="0" baseline="0" noProof="0">
+                  <a:ln>
+                    <a:noFill/>
+                  </a:ln>
+                  <a:solidFill>
+                    <a:srgbClr val="BCBEC4"/>
+                  </a:solidFill>
+                  <a:effectLst/>
+                  <a:uLnTx/>
+                  <a:uFillTx/>
+                  <a:latin typeface="Consolas"/>
+                  <a:ea typeface="微軟正黑體 Light"/>
+                  <a:cs typeface="JetBrains Mono" panose="02000009000000000000" pitchFamily="49" charset="0"/>
+                </a:rPr>
+              </a:br>
+              <a:r>
+                <a:rPr kumimoji="0" lang="zh-TW" altLang="zh-TW" sz="2400" b="0" i="0" u="none" strike="noStrike" kern="1200" cap="none" spc="0" normalizeH="0" baseline="0" noProof="0">
+                  <a:ln>
+                    <a:noFill/>
+                  </a:ln>
+                  <a:solidFill>
+                    <a:srgbClr val="BCBEC4"/>
+                  </a:solidFill>
+                  <a:effectLst/>
+                  <a:uLnTx/>
+                  <a:uFillTx/>
+                  <a:latin typeface="Consolas"/>
+                  <a:ea typeface="微軟正黑體 Light"/>
+                  <a:cs typeface="JetBrains Mono" panose="02000009000000000000" pitchFamily="49" charset="0"/>
+                </a:rPr>
+                <a:t>    </a:t>
+              </a:r>
+              <a:r>
+                <a:rPr kumimoji="0" lang="en-US" altLang="zh-TW" sz="2400" b="0" i="0" u="none" strike="noStrike" kern="1200" cap="none" spc="0" normalizeH="0" baseline="0" noProof="0">
+                  <a:ln>
+                    <a:noFill/>
+                  </a:ln>
+                  <a:solidFill>
+                    <a:srgbClr val="7A7E85"/>
+                  </a:solidFill>
+                  <a:effectLst/>
+                  <a:uLnTx/>
+                  <a:uFillTx/>
+                  <a:latin typeface="Consolas"/>
+                  <a:ea typeface="微軟正黑體 Light"/>
+                  <a:cs typeface="JetBrains Mono" panose="02000009000000000000" pitchFamily="49" charset="0"/>
+                </a:rPr>
+                <a:t>// Java </a:t>
+              </a:r>
+              <a:r>
+                <a:rPr kumimoji="0" lang="zh-TW" altLang="en-US" sz="2400" b="0" i="0" u="none" strike="noStrike" kern="1200" cap="none" spc="0" normalizeH="0" baseline="0" noProof="0">
+                  <a:ln>
+                    <a:noFill/>
+                  </a:ln>
+                  <a:solidFill>
+                    <a:srgbClr val="7A7E85"/>
+                  </a:solidFill>
+                  <a:effectLst/>
+                  <a:uLnTx/>
+                  <a:uFillTx/>
+                  <a:latin typeface="Consolas"/>
+                  <a:ea typeface="微軟正黑體 Light"/>
+                  <a:cs typeface="JetBrains Mono" panose="02000009000000000000" pitchFamily="49" charset="0"/>
+                </a:rPr>
+                <a:t>程式需要一個主方法</a:t>
+              </a:r>
+              <a:r>
+                <a:rPr kumimoji="0" lang="en-US" altLang="zh-TW" sz="2400" b="0" i="0" u="none" strike="noStrike" kern="1200" cap="none" spc="0" normalizeH="0" baseline="0" noProof="0">
+                  <a:ln>
+                    <a:noFill/>
+                  </a:ln>
+                  <a:solidFill>
+                    <a:srgbClr val="7A7E85"/>
+                  </a:solidFill>
+                  <a:effectLst/>
+                  <a:uLnTx/>
+                  <a:uFillTx/>
+                  <a:latin typeface="Consolas"/>
+                  <a:ea typeface="微軟正黑體 Light"/>
+                  <a:cs typeface="JetBrains Mono" panose="02000009000000000000" pitchFamily="49" charset="0"/>
+                </a:rPr>
+                <a:t>(main </a:t>
+              </a:r>
+              <a:r>
+                <a:rPr kumimoji="0" lang="zh-TW" altLang="en-US" sz="2400" b="0" i="0" u="none" strike="noStrike" kern="1200" cap="none" spc="0" normalizeH="0" baseline="0" noProof="0">
+                  <a:ln>
+                    <a:noFill/>
+                  </a:ln>
+                  <a:solidFill>
+                    <a:srgbClr val="7A7E85"/>
+                  </a:solidFill>
+                  <a:effectLst/>
+                  <a:uLnTx/>
+                  <a:uFillTx/>
+                  <a:latin typeface="Consolas"/>
+                  <a:ea typeface="微軟正黑體 Light"/>
+                  <a:cs typeface="JetBrains Mono" panose="02000009000000000000" pitchFamily="49" charset="0"/>
+                </a:rPr>
+                <a:t>方法</a:t>
+              </a:r>
+              <a:r>
+                <a:rPr kumimoji="0" lang="en-US" altLang="zh-TW" sz="2400" b="0" i="0" u="none" strike="noStrike" kern="1200" cap="none" spc="0" normalizeH="0" baseline="0" noProof="0">
+                  <a:ln>
+                    <a:noFill/>
+                  </a:ln>
+                  <a:solidFill>
+                    <a:srgbClr val="7A7E85"/>
+                  </a:solidFill>
+                  <a:effectLst/>
+                  <a:uLnTx/>
+                  <a:uFillTx/>
+                  <a:latin typeface="Consolas"/>
+                  <a:ea typeface="微軟正黑體 Light"/>
+                  <a:cs typeface="JetBrains Mono" panose="02000009000000000000" pitchFamily="49" charset="0"/>
+                </a:rPr>
+                <a:t>)</a:t>
+              </a:r>
+              <a:r>
+                <a:rPr kumimoji="0" lang="zh-TW" altLang="en-US" sz="2400" b="0" i="0" u="none" strike="noStrike" kern="1200" cap="none" spc="0" normalizeH="0" baseline="0" noProof="0">
+                  <a:ln>
+                    <a:noFill/>
+                  </a:ln>
+                  <a:solidFill>
+                    <a:srgbClr val="7A7E85"/>
+                  </a:solidFill>
+                  <a:effectLst/>
+                  <a:uLnTx/>
+                  <a:uFillTx/>
+                  <a:latin typeface="Consolas"/>
+                  <a:ea typeface="微軟正黑體 Light"/>
+                  <a:cs typeface="JetBrains Mono" panose="02000009000000000000" pitchFamily="49" charset="0"/>
+                </a:rPr>
+                <a:t>，程式從這裡開始執行</a:t>
+              </a:r>
+              <a:br>
+                <a:rPr kumimoji="0" lang="zh-TW" altLang="zh-TW" sz="2400" b="0" i="0" u="none" strike="noStrike" kern="1200" cap="none" spc="0" normalizeH="0" baseline="0" noProof="0">
+                  <a:ln>
+                    <a:noFill/>
+                  </a:ln>
+                  <a:solidFill>
+                    <a:srgbClr val="7A7E85"/>
+                  </a:solidFill>
+                  <a:effectLst/>
+                  <a:uLnTx/>
+                  <a:uFillTx/>
+                  <a:latin typeface="Consolas"/>
+                  <a:ea typeface="微軟正黑體 Light"/>
+                  <a:cs typeface="JetBrains Mono" panose="02000009000000000000" pitchFamily="49" charset="0"/>
+                </a:rPr>
+              </a:br>
+              <a:r>
+                <a:rPr kumimoji="0" lang="zh-TW" altLang="zh-TW" sz="2400" b="0" i="0" u="none" strike="noStrike" kern="1200" cap="none" spc="0" normalizeH="0" baseline="0" noProof="0">
+                  <a:ln>
+                    <a:noFill/>
+                  </a:ln>
+                  <a:solidFill>
+                    <a:srgbClr val="7A7E85"/>
+                  </a:solidFill>
+                  <a:effectLst/>
+                  <a:uLnTx/>
+                  <a:uFillTx/>
+                  <a:latin typeface="Consolas"/>
+                  <a:ea typeface="微軟正黑體 Light"/>
+                  <a:cs typeface="JetBrains Mono" panose="02000009000000000000" pitchFamily="49" charset="0"/>
+                </a:rPr>
+                <a:t>    </a:t>
+              </a:r>
+              <a:r>
+                <a:rPr kumimoji="0" lang="zh-TW" altLang="zh-TW" sz="2400" b="0" i="0" u="none" strike="noStrike" kern="1200" cap="none" spc="0" normalizeH="0" baseline="0" noProof="0">
+                  <a:ln>
+                    <a:noFill/>
+                  </a:ln>
+                  <a:solidFill>
+                    <a:srgbClr val="CF8E6D"/>
+                  </a:solidFill>
+                  <a:effectLst/>
+                  <a:uLnTx/>
+                  <a:uFillTx/>
+                  <a:latin typeface="Consolas"/>
+                  <a:ea typeface="微軟正黑體 Light"/>
+                  <a:cs typeface="JetBrains Mono" panose="02000009000000000000" pitchFamily="49" charset="0"/>
+                </a:rPr>
+                <a:t>public static void </a:t>
+              </a:r>
+              <a:r>
+                <a:rPr kumimoji="0" lang="zh-TW" altLang="zh-TW" sz="2400" b="0" i="0" u="none" strike="noStrike" kern="1200" cap="none" spc="0" normalizeH="0" baseline="0" noProof="0">
+                  <a:ln>
+                    <a:noFill/>
+                  </a:ln>
+                  <a:solidFill>
+                    <a:srgbClr val="56A8F5"/>
+                  </a:solidFill>
+                  <a:effectLst/>
+                  <a:uLnTx/>
+                  <a:uFillTx/>
+                  <a:latin typeface="Consolas"/>
+                  <a:ea typeface="微軟正黑體 Light"/>
+                  <a:cs typeface="JetBrains Mono" panose="02000009000000000000" pitchFamily="49" charset="0"/>
+                </a:rPr>
+                <a:t>main</a:t>
+              </a:r>
+              <a:r>
+                <a:rPr kumimoji="0" lang="zh-TW" altLang="zh-TW" sz="2400" b="0" i="0" u="none" strike="noStrike" kern="1200" cap="none" spc="0" normalizeH="0" baseline="0" noProof="0">
+                  <a:ln>
+                    <a:noFill/>
+                  </a:ln>
+                  <a:solidFill>
+                    <a:srgbClr val="BCBEC4"/>
+                  </a:solidFill>
+                  <a:effectLst/>
+                  <a:uLnTx/>
+                  <a:uFillTx/>
+                  <a:latin typeface="Consolas"/>
+                  <a:ea typeface="微軟正黑體 Light"/>
+                  <a:cs typeface="JetBrains Mono" panose="02000009000000000000" pitchFamily="49" charset="0"/>
+                </a:rPr>
+                <a:t>(String[] args) {</a:t>
+              </a:r>
+              <a:br>
+                <a:rPr kumimoji="0" lang="zh-TW" altLang="zh-TW" sz="2400" b="0" i="0" u="none" strike="noStrike" kern="1200" cap="none" spc="0" normalizeH="0" baseline="0" noProof="0">
+                  <a:ln>
+                    <a:noFill/>
+                  </a:ln>
+                  <a:solidFill>
+                    <a:srgbClr val="BCBEC4"/>
+                  </a:solidFill>
+                  <a:effectLst/>
+                  <a:uLnTx/>
+                  <a:uFillTx/>
+                  <a:latin typeface="Consolas"/>
+                  <a:ea typeface="微軟正黑體 Light"/>
+                  <a:cs typeface="JetBrains Mono" panose="02000009000000000000" pitchFamily="49" charset="0"/>
+                </a:rPr>
+              </a:br>
+              <a:br>
+                <a:rPr kumimoji="0" lang="zh-TW" altLang="zh-TW" sz="2400" b="0" i="0" u="none" strike="noStrike" kern="1200" cap="none" spc="0" normalizeH="0" baseline="0" noProof="0">
+                  <a:ln>
+                    <a:noFill/>
+                  </a:ln>
+                  <a:solidFill>
+                    <a:srgbClr val="BCBEC4"/>
+                  </a:solidFill>
+                  <a:effectLst/>
+                  <a:uLnTx/>
+                  <a:uFillTx/>
+                  <a:latin typeface="Consolas"/>
+                  <a:ea typeface="微軟正黑體 Light"/>
+                  <a:cs typeface="JetBrains Mono" panose="02000009000000000000" pitchFamily="49" charset="0"/>
+                </a:rPr>
+              </a:br>
+              <a:r>
+                <a:rPr kumimoji="0" lang="zh-TW" altLang="zh-TW" sz="2400" b="0" i="0" u="none" strike="noStrike" kern="1200" cap="none" spc="0" normalizeH="0" baseline="0" noProof="0">
+                  <a:ln>
+                    <a:noFill/>
+                  </a:ln>
+                  <a:solidFill>
+                    <a:srgbClr val="BCBEC4"/>
+                  </a:solidFill>
+                  <a:effectLst/>
+                  <a:uLnTx/>
+                  <a:uFillTx/>
+                  <a:latin typeface="Consolas"/>
+                  <a:ea typeface="微軟正黑體 Light"/>
+                  <a:cs typeface="JetBrains Mono" panose="02000009000000000000" pitchFamily="49" charset="0"/>
+                </a:rPr>
+                <a:t>        </a:t>
+              </a:r>
+              <a:r>
+                <a:rPr kumimoji="0" lang="zh-TW" altLang="zh-TW" sz="2400" b="0" i="0" u="none" strike="noStrike" kern="1200" cap="none" spc="0" normalizeH="0" baseline="0" noProof="0">
+                  <a:ln>
+                    <a:noFill/>
+                  </a:ln>
+                  <a:solidFill>
+                    <a:srgbClr val="7A7E85"/>
+                  </a:solidFill>
+                  <a:effectLst/>
+                  <a:uLnTx/>
+                  <a:uFillTx/>
+                  <a:latin typeface="Consolas"/>
+                  <a:ea typeface="微軟正黑體 Light"/>
+                  <a:cs typeface="JetBrains Mono" panose="02000009000000000000" pitchFamily="49" charset="0"/>
+                </a:rPr>
+                <a:t>// </a:t>
+              </a:r>
+              <a:r>
+                <a:rPr kumimoji="0" lang="zh-TW" altLang="zh-TW" sz="2400" b="0" i="0" u="none" strike="noStrike" kern="1200" cap="none" spc="0" normalizeH="0" baseline="0" noProof="0">
+                  <a:ln>
+                    <a:noFill/>
+                  </a:ln>
+                  <a:solidFill>
+                    <a:srgbClr val="7A7E85"/>
+                  </a:solidFill>
+                  <a:effectLst/>
+                  <a:uLnTx/>
+                  <a:uFillTx/>
+                  <a:latin typeface="Consolas"/>
+                  <a:ea typeface="微軟正黑體" panose="020B0604030504040204" pitchFamily="34" charset="-120"/>
+                  <a:cs typeface="JetBrains Mono" panose="02000009000000000000" pitchFamily="49" charset="0"/>
+                </a:rPr>
+                <a:t>在</a:t>
+              </a:r>
+              <a:r>
+                <a:rPr kumimoji="0" lang="zh-TW" altLang="zh-TW" sz="2400" b="0" i="0" u="none" strike="noStrike" kern="1200" cap="none" spc="0" normalizeH="0" baseline="0" noProof="0">
+                  <a:ln>
+                    <a:noFill/>
+                  </a:ln>
+                  <a:solidFill>
+                    <a:srgbClr val="7A7E85"/>
+                  </a:solidFill>
+                  <a:effectLst/>
+                  <a:uLnTx/>
+                  <a:uFillTx/>
+                  <a:latin typeface="Consolas"/>
+                  <a:ea typeface="微軟正黑體 Light"/>
+                  <a:cs typeface="JetBrains Mono" panose="02000009000000000000" pitchFamily="49" charset="0"/>
+                </a:rPr>
+                <a:t> Java </a:t>
+              </a:r>
+              <a:r>
+                <a:rPr kumimoji="0" lang="zh-TW" altLang="zh-TW" sz="2400" b="0" i="0" u="none" strike="noStrike" kern="1200" cap="none" spc="0" normalizeH="0" baseline="0" noProof="0">
+                  <a:ln>
+                    <a:noFill/>
+                  </a:ln>
+                  <a:solidFill>
+                    <a:srgbClr val="7A7E85"/>
+                  </a:solidFill>
+                  <a:effectLst/>
+                  <a:uLnTx/>
+                  <a:uFillTx/>
+                  <a:latin typeface="Consolas"/>
+                  <a:ea typeface="微軟正黑體" panose="020B0604030504040204" pitchFamily="34" charset="-120"/>
+                  <a:cs typeface="JetBrains Mono" panose="02000009000000000000" pitchFamily="49" charset="0"/>
+                </a:rPr>
+                <a:t>中，使用</a:t>
+              </a:r>
+              <a:r>
+                <a:rPr kumimoji="0" lang="zh-TW" altLang="zh-TW" sz="2400" b="0" i="0" u="none" strike="noStrike" kern="1200" cap="none" spc="0" normalizeH="0" baseline="0" noProof="0">
+                  <a:ln>
+                    <a:noFill/>
+                  </a:ln>
+                  <a:solidFill>
+                    <a:srgbClr val="7A7E85"/>
+                  </a:solidFill>
+                  <a:effectLst/>
+                  <a:uLnTx/>
+                  <a:uFillTx/>
+                  <a:latin typeface="Consolas"/>
+                  <a:ea typeface="微軟正黑體 Light"/>
+                  <a:cs typeface="JetBrains Mono" panose="02000009000000000000" pitchFamily="49" charset="0"/>
+                </a:rPr>
+                <a:t> System.out.println() </a:t>
+              </a:r>
+              <a:r>
+                <a:rPr kumimoji="0" lang="zh-TW" altLang="zh-TW" sz="2400" b="0" i="0" u="none" strike="noStrike" kern="1200" cap="none" spc="0" normalizeH="0" baseline="0" noProof="0">
+                  <a:ln>
+                    <a:noFill/>
+                  </a:ln>
+                  <a:solidFill>
+                    <a:srgbClr val="7A7E85"/>
+                  </a:solidFill>
+                  <a:effectLst/>
+                  <a:uLnTx/>
+                  <a:uFillTx/>
+                  <a:latin typeface="Consolas"/>
+                  <a:ea typeface="微軟正黑體" panose="020B0604030504040204" pitchFamily="34" charset="-120"/>
+                  <a:cs typeface="JetBrains Mono" panose="02000009000000000000" pitchFamily="49" charset="0"/>
+                </a:rPr>
+                <a:t>來輸出資料</a:t>
+              </a:r>
+              <a:br>
+                <a:rPr kumimoji="0" lang="zh-TW" altLang="zh-TW" sz="2400" b="0" i="0" u="none" strike="noStrike" kern="1200" cap="none" spc="0" normalizeH="0" baseline="0" noProof="0">
+                  <a:ln>
+                    <a:noFill/>
+                  </a:ln>
+                  <a:solidFill>
+                    <a:srgbClr val="7A7E85"/>
+                  </a:solidFill>
+                  <a:effectLst/>
+                  <a:uLnTx/>
+                  <a:uFillTx/>
+                  <a:latin typeface="Consolas"/>
+                  <a:ea typeface="微軟正黑體" panose="020B0604030504040204" pitchFamily="34" charset="-120"/>
+                  <a:cs typeface="JetBrains Mono" panose="02000009000000000000" pitchFamily="49" charset="0"/>
+                </a:rPr>
+              </a:br>
+              <a:r>
+                <a:rPr kumimoji="0" lang="zh-TW" altLang="zh-TW" sz="2400" b="0" i="0" u="none" strike="noStrike" kern="1200" cap="none" spc="0" normalizeH="0" baseline="0" noProof="0">
+                  <a:ln>
+                    <a:noFill/>
+                  </a:ln>
+                  <a:solidFill>
+                    <a:srgbClr val="7A7E85"/>
+                  </a:solidFill>
+                  <a:effectLst/>
+                  <a:uLnTx/>
+                  <a:uFillTx/>
+                  <a:latin typeface="Consolas"/>
+                  <a:ea typeface="微軟正黑體" panose="020B0604030504040204" pitchFamily="34" charset="-120"/>
+                  <a:cs typeface="JetBrains Mono" panose="02000009000000000000" pitchFamily="49" charset="0"/>
+                </a:rPr>
+                <a:t>        </a:t>
+              </a:r>
+              <a:r>
+                <a:rPr kumimoji="0" lang="zh-TW" altLang="zh-TW" sz="2400" b="0" i="0" u="none" strike="noStrike" kern="1200" cap="none" spc="0" normalizeH="0" baseline="0" noProof="0">
+                  <a:ln>
+                    <a:noFill/>
+                  </a:ln>
+                  <a:solidFill>
+                    <a:srgbClr val="BCBEC4"/>
+                  </a:solidFill>
+                  <a:effectLst/>
+                  <a:uLnTx/>
+                  <a:uFillTx/>
+                  <a:latin typeface="Consolas"/>
+                  <a:ea typeface="微軟正黑體 Light"/>
+                  <a:cs typeface="JetBrains Mono" panose="02000009000000000000" pitchFamily="49" charset="0"/>
+                </a:rPr>
+                <a:t>System.</a:t>
+              </a:r>
+              <a:r>
+                <a:rPr kumimoji="0" lang="zh-TW" altLang="zh-TW" sz="2400" b="0" i="1" u="none" strike="noStrike" kern="1200" cap="none" spc="0" normalizeH="0" baseline="0" noProof="0">
+                  <a:ln>
+                    <a:noFill/>
+                  </a:ln>
+                  <a:solidFill>
+                    <a:srgbClr val="C77DBB"/>
+                  </a:solidFill>
+                  <a:effectLst/>
+                  <a:uLnTx/>
+                  <a:uFillTx/>
+                  <a:latin typeface="Consolas"/>
+                  <a:ea typeface="微軟正黑體 Light"/>
+                  <a:cs typeface="JetBrains Mono" panose="02000009000000000000" pitchFamily="49" charset="0"/>
+                </a:rPr>
+                <a:t>out</a:t>
+              </a:r>
+              <a:r>
+                <a:rPr kumimoji="0" lang="zh-TW" altLang="zh-TW" sz="2400" b="0" i="0" u="none" strike="noStrike" kern="1200" cap="none" spc="0" normalizeH="0" baseline="0" noProof="0">
+                  <a:ln>
+                    <a:noFill/>
+                  </a:ln>
+                  <a:solidFill>
+                    <a:srgbClr val="BCBEC4"/>
+                  </a:solidFill>
+                  <a:effectLst/>
+                  <a:uLnTx/>
+                  <a:uFillTx/>
+                  <a:latin typeface="Consolas"/>
+                  <a:ea typeface="微軟正黑體 Light"/>
+                  <a:cs typeface="JetBrains Mono" panose="02000009000000000000" pitchFamily="49" charset="0"/>
+                </a:rPr>
+                <a:t>.println(</a:t>
+              </a:r>
+              <a:r>
+                <a:rPr kumimoji="0" lang="zh-TW" altLang="zh-TW" sz="2400" b="0" i="0" u="none" strike="noStrike" kern="1200" cap="none" spc="0" normalizeH="0" baseline="0" noProof="0">
+                  <a:ln>
+                    <a:noFill/>
+                  </a:ln>
+                  <a:solidFill>
+                    <a:srgbClr val="6AAB73"/>
+                  </a:solidFill>
+                  <a:effectLst/>
+                  <a:uLnTx/>
+                  <a:uFillTx/>
+                  <a:latin typeface="Consolas"/>
+                  <a:ea typeface="微軟正黑體 Light"/>
+                  <a:cs typeface="JetBrains Mono" panose="02000009000000000000" pitchFamily="49" charset="0"/>
+                </a:rPr>
+                <a:t>"Hello, World!"</a:t>
+              </a:r>
+              <a:r>
+                <a:rPr kumimoji="0" lang="zh-TW" altLang="zh-TW" sz="2400" b="0" i="0" u="none" strike="noStrike" kern="1200" cap="none" spc="0" normalizeH="0" baseline="0" noProof="0">
+                  <a:ln>
+                    <a:noFill/>
+                  </a:ln>
+                  <a:solidFill>
+                    <a:srgbClr val="BCBEC4"/>
+                  </a:solidFill>
+                  <a:effectLst/>
+                  <a:uLnTx/>
+                  <a:uFillTx/>
+                  <a:latin typeface="Consolas"/>
+                  <a:ea typeface="微軟正黑體 Light"/>
+                  <a:cs typeface="JetBrains Mono" panose="02000009000000000000" pitchFamily="49" charset="0"/>
+                </a:rPr>
+                <a:t>);</a:t>
+              </a:r>
+              <a:br>
+                <a:rPr kumimoji="0" lang="zh-TW" altLang="zh-TW" sz="2400" b="0" i="0" u="none" strike="noStrike" kern="1200" cap="none" spc="0" normalizeH="0" baseline="0" noProof="0">
+                  <a:ln>
+                    <a:noFill/>
+                  </a:ln>
+                  <a:solidFill>
+                    <a:srgbClr val="BCBEC4"/>
+                  </a:solidFill>
+                  <a:effectLst/>
+                  <a:uLnTx/>
+                  <a:uFillTx/>
+                  <a:latin typeface="Consolas"/>
+                  <a:ea typeface="微軟正黑體 Light"/>
+                  <a:cs typeface="JetBrains Mono" panose="02000009000000000000" pitchFamily="49" charset="0"/>
+                </a:rPr>
+              </a:br>
+              <a:br>
+                <a:rPr kumimoji="0" lang="zh-TW" altLang="zh-TW" sz="2400" b="0" i="0" u="none" strike="noStrike" kern="1200" cap="none" spc="0" normalizeH="0" baseline="0" noProof="0">
+                  <a:ln>
+                    <a:noFill/>
+                  </a:ln>
+                  <a:solidFill>
+                    <a:srgbClr val="BCBEC4"/>
+                  </a:solidFill>
+                  <a:effectLst/>
+                  <a:uLnTx/>
+                  <a:uFillTx/>
+                  <a:latin typeface="Consolas"/>
+                  <a:ea typeface="微軟正黑體 Light"/>
+                  <a:cs typeface="JetBrains Mono" panose="02000009000000000000" pitchFamily="49" charset="0"/>
+                </a:rPr>
+              </a:br>
+              <a:r>
+                <a:rPr kumimoji="0" lang="zh-TW" altLang="zh-TW" sz="2400" b="0" i="0" u="none" strike="noStrike" kern="1200" cap="none" spc="0" normalizeH="0" baseline="0" noProof="0">
+                  <a:ln>
+                    <a:noFill/>
+                  </a:ln>
+                  <a:solidFill>
+                    <a:srgbClr val="BCBEC4"/>
+                  </a:solidFill>
+                  <a:effectLst/>
+                  <a:uLnTx/>
+                  <a:uFillTx/>
+                  <a:latin typeface="Consolas"/>
+                  <a:ea typeface="微軟正黑體 Light"/>
+                  <a:cs typeface="JetBrains Mono" panose="02000009000000000000" pitchFamily="49" charset="0"/>
+                </a:rPr>
+                <a:t>    }</a:t>
+              </a:r>
+              <a:br>
+                <a:rPr kumimoji="0" lang="zh-TW" altLang="zh-TW" sz="2400" b="0" i="0" u="none" strike="noStrike" kern="1200" cap="none" spc="0" normalizeH="0" baseline="0" noProof="0">
+                  <a:ln>
+                    <a:noFill/>
+                  </a:ln>
+                  <a:solidFill>
+                    <a:srgbClr val="BCBEC4"/>
+                  </a:solidFill>
+                  <a:effectLst/>
+                  <a:uLnTx/>
+                  <a:uFillTx/>
+                  <a:latin typeface="Consolas"/>
+                  <a:ea typeface="微軟正黑體 Light"/>
+                  <a:cs typeface="JetBrains Mono" panose="02000009000000000000" pitchFamily="49" charset="0"/>
+                </a:rPr>
+              </a:br>
+              <a:r>
+                <a:rPr kumimoji="0" lang="zh-TW" altLang="zh-TW" sz="2400" b="0" i="0" u="none" strike="noStrike" kern="1200" cap="none" spc="0" normalizeH="0" baseline="0" noProof="0">
+                  <a:ln>
+                    <a:noFill/>
+                  </a:ln>
+                  <a:solidFill>
+                    <a:srgbClr val="BCBEC4"/>
+                  </a:solidFill>
+                  <a:effectLst/>
+                  <a:uLnTx/>
+                  <a:uFillTx/>
+                  <a:latin typeface="Consolas"/>
+                  <a:ea typeface="微軟正黑體 Light"/>
+                  <a:cs typeface="JetBrains Mono" panose="02000009000000000000" pitchFamily="49" charset="0"/>
+                </a:rPr>
+                <a:t>}</a:t>
+              </a:r>
+              <a:endParaRPr kumimoji="0" lang="zh-TW" altLang="zh-TW" sz="4000" b="0" i="0" u="none" strike="noStrike" kern="1200" cap="none" spc="0" normalizeH="0" baseline="0" noProof="0">
+                <a:ln>
+                  <a:noFill/>
+                </a:ln>
+                <a:solidFill>
+                  <a:prstClr val="white"/>
+                </a:solidFill>
+                <a:effectLst/>
+                <a:uLnTx/>
+                <a:uFillTx/>
+                <a:latin typeface="Consolas"/>
+                <a:ea typeface="微軟正黑體 Light"/>
+                <a:cs typeface="+mn-cs"/>
+              </a:endParaRPr>
+            </a:p>
+          </p:txBody>
+        </p:sp>
+        <p:pic>
+          <p:nvPicPr>
+            <p:cNvPr id="5" name="圖片 4">
+              <a:hlinkClick r:id="rId3"/>
+              <a:extLst>
+                <a:ext uri="{FF2B5EF4-FFF2-40B4-BE49-F238E27FC236}">
+                  <a16:creationId xmlns:a16="http://schemas.microsoft.com/office/drawing/2014/main" id="{75A21D52-E8EF-46DA-955C-3E4B01D47DD1}"/>
+                </a:ext>
+              </a:extLst>
+            </p:cNvPr>
+            <p:cNvPicPr>
+              <a:picLocks noChangeAspect="1"/>
+            </p:cNvPicPr>
+            <p:nvPr/>
+          </p:nvPicPr>
+          <p:blipFill>
+            <a:blip r:embed="rId4">
+              <a:extLst>
+                <a:ext uri="{28A0092B-C50C-407E-A947-70E740481C1C}">
+                  <a14:useLocalDpi xmlns:a14="http://schemas.microsoft.com/office/drawing/2010/main" val="0"/>
+                </a:ext>
+              </a:extLst>
+            </a:blip>
+            <a:stretch>
+              <a:fillRect/>
+            </a:stretch>
+          </p:blipFill>
+          <p:spPr>
+            <a:xfrm>
+              <a:off x="10805310" y="2185706"/>
+              <a:ext cx="584209" cy="571509"/>
+            </a:xfrm>
+            <a:prstGeom prst="rect">
+              <a:avLst/>
+            </a:prstGeom>
+          </p:spPr>
+        </p:pic>
+        <p:sp>
+          <p:nvSpPr>
+            <p:cNvPr id="4" name="文字方塊 3">
+              <a:extLst>
+                <a:ext uri="{FF2B5EF4-FFF2-40B4-BE49-F238E27FC236}">
+                  <a16:creationId xmlns:a16="http://schemas.microsoft.com/office/drawing/2014/main" id="{2F01F2E4-736E-45E5-A678-36FE233C3C11}"/>
+                </a:ext>
+              </a:extLst>
+            </p:cNvPr>
+            <p:cNvSpPr txBox="1"/>
+            <p:nvPr/>
+          </p:nvSpPr>
+          <p:spPr>
+            <a:xfrm>
+              <a:off x="10698304" y="5971358"/>
+              <a:ext cx="691215" cy="369332"/>
+            </a:xfrm>
+            <a:prstGeom prst="rect">
+              <a:avLst/>
+            </a:prstGeom>
+            <a:noFill/>
+          </p:spPr>
+          <p:txBody>
+            <a:bodyPr wrap="none" rtlCol="0">
+              <a:spAutoFit/>
+            </a:bodyPr>
+            <a:lstStyle/>
+            <a:p>
+              <a:pPr marL="0" marR="0" lvl="0" indent="0" algn="l" defTabSz="914400" rtl="0" eaLnBrk="1" fontAlgn="auto" latinLnBrk="0" hangingPunct="1">
+                <a:lnSpc>
+                  <a:spcPct val="100000"/>
+                </a:lnSpc>
+                <a:spcBef>
+                  <a:spcPts val="0"/>
+                </a:spcBef>
+                <a:spcAft>
+                  <a:spcPts val="0"/>
+                </a:spcAft>
+                <a:buClrTx/>
+                <a:buSzTx/>
+                <a:buFontTx/>
+                <a:buNone/>
+                <a:tabLst/>
+                <a:defRPr/>
+              </a:pPr>
+              <a:r>
+                <a:rPr kumimoji="0" lang="en-US" altLang="zh-TW" sz="1800" b="0" i="0" u="none" strike="noStrike" kern="1200" cap="none" spc="0" normalizeH="0" baseline="0" noProof="0">
+                  <a:ln>
+                    <a:noFill/>
+                  </a:ln>
+                  <a:solidFill>
+                    <a:srgbClr val="808080"/>
+                  </a:solidFill>
+                  <a:effectLst/>
+                  <a:uLnTx/>
+                  <a:uFillTx/>
+                  <a:latin typeface="Consolas"/>
+                  <a:ea typeface="微軟正黑體 Light"/>
+                  <a:cs typeface="+mn-cs"/>
+                </a:rPr>
+                <a:t>java</a:t>
+              </a:r>
+              <a:endParaRPr kumimoji="0" lang="zh-TW" altLang="en-US" sz="1800" b="0" i="0" u="none" strike="noStrike" kern="1200" cap="none" spc="0" normalizeH="0" baseline="0" noProof="0">
+                <a:ln>
+                  <a:noFill/>
+                </a:ln>
+                <a:solidFill>
+                  <a:srgbClr val="808080"/>
+                </a:solidFill>
+                <a:effectLst/>
+                <a:uLnTx/>
+                <a:uFillTx/>
+                <a:latin typeface="Consolas"/>
+                <a:ea typeface="微軟正黑體 Light"/>
+                <a:cs typeface="+mn-cs"/>
+              </a:endParaRPr>
+            </a:p>
+          </p:txBody>
+        </p:sp>
+      </p:grpSp>
+    </p:spTree>
+    <p:extLst>
+      <p:ext uri="{BB962C8B-B14F-4D97-AF65-F5344CB8AC3E}">
+        <p14:creationId xmlns:p14="http://schemas.microsoft.com/office/powerpoint/2010/main" val="3299016764"/>
+      </p:ext>
+    </p:extLst>
+  </p:cSld>
+  <p:clrMapOvr>
+    <a:masterClrMapping/>
+  </p:clrMapOvr>
+  <p:transition spd="slow">
+    <p:push dir="u"/>
+  </p:transition>
+</p:sld>
+</file>
+
+<file path=ppt/slides/slide11.xml><?xml version="1.0" encoding="utf-8"?>
+<p:sld xmlns:a="http://schemas.openxmlformats.org/drawingml/2006/main" xmlns:r="http://schemas.openxmlformats.org/officeDocument/2006/relationships" xmlns:p="http://schemas.openxmlformats.org/presentationml/2006/main">
+  <p:cSld>
+    <p:spTree>
+      <p:nvGrpSpPr>
+        <p:cNvPr id="1" name=""/>
+        <p:cNvGrpSpPr/>
+        <p:nvPr/>
+      </p:nvGrpSpPr>
+      <p:grpSpPr>
+        <a:xfrm>
+          <a:off x="0" y="0"/>
+          <a:ext cx="0" cy="0"/>
+          <a:chOff x="0" y="0"/>
+          <a:chExt cx="0" cy="0"/>
+        </a:xfrm>
+      </p:grpSpPr>
+      <p:sp>
+        <p:nvSpPr>
+          <p:cNvPr id="2" name="標題 1">
+            <a:extLst>
+              <a:ext uri="{FF2B5EF4-FFF2-40B4-BE49-F238E27FC236}">
+                <a16:creationId xmlns:a16="http://schemas.microsoft.com/office/drawing/2014/main" id="{9F2EE2D1-8102-410E-A569-41AEBA690F58}"/>
+              </a:ext>
+            </a:extLst>
+          </p:cNvPr>
+          <p:cNvSpPr>
+            <a:spLocks noGrp="1"/>
+          </p:cNvSpPr>
+          <p:nvPr>
+            <p:ph type="title"/>
+          </p:nvPr>
+        </p:nvSpPr>
+        <p:spPr/>
+        <p:txBody>
+          <a:bodyPr/>
+          <a:lstStyle/>
+          <a:p>
+            <a:r>
+              <a:rPr lang="zh-TW" altLang="en-US"/>
               <a:t>執行</a:t>
             </a:r>
           </a:p>
@@ -10898,7 +12030,7 @@
 </p:sld>
 </file>
 
-<file path=ppt/slides/slide11.xml><?xml version="1.0" encoding="utf-8"?>
+<file path=ppt/slides/slide12.xml><?xml version="1.0" encoding="utf-8"?>
 <p:sld xmlns:a="http://schemas.openxmlformats.org/drawingml/2006/main" xmlns:r="http://schemas.openxmlformats.org/officeDocument/2006/relationships" xmlns:p="http://schemas.openxmlformats.org/presentationml/2006/main">
   <p:cSld>
     <p:spTree>
@@ -12540,6 +13672,929 @@
           <p:cNvPr id="2" name="標題 1">
             <a:extLst>
               <a:ext uri="{FF2B5EF4-FFF2-40B4-BE49-F238E27FC236}">
+                <a16:creationId xmlns:a16="http://schemas.microsoft.com/office/drawing/2014/main" id="{A0449BBE-F0BA-4F7D-9EA9-F6B7E306FC21}"/>
+              </a:ext>
+            </a:extLst>
+          </p:cNvPr>
+          <p:cNvSpPr>
+            <a:spLocks noGrp="1"/>
+          </p:cNvSpPr>
+          <p:nvPr>
+            <p:ph type="title"/>
+          </p:nvPr>
+        </p:nvSpPr>
+        <p:spPr/>
+        <p:txBody>
+          <a:bodyPr/>
+          <a:lstStyle/>
+          <a:p>
+            <a:r>
+              <a:rPr lang="en-US" altLang="zh-TW"/>
+              <a:t>Java</a:t>
+            </a:r>
+            <a:r>
+              <a:rPr lang="zh-TW" altLang="en-US"/>
+              <a:t> 介紹</a:t>
+            </a:r>
+          </a:p>
+        </p:txBody>
+      </p:sp>
+      <p:grpSp>
+        <p:nvGrpSpPr>
+          <p:cNvPr id="34" name="群組 33">
+            <a:extLst>
+              <a:ext uri="{FF2B5EF4-FFF2-40B4-BE49-F238E27FC236}">
+                <a16:creationId xmlns:a16="http://schemas.microsoft.com/office/drawing/2014/main" id="{2B958523-A4D0-4A25-AB64-0F2C86C959A5}"/>
+              </a:ext>
+            </a:extLst>
+          </p:cNvPr>
+          <p:cNvGrpSpPr/>
+          <p:nvPr/>
+        </p:nvGrpSpPr>
+        <p:grpSpPr>
+          <a:xfrm>
+            <a:off x="340155" y="2304912"/>
+            <a:ext cx="11511690" cy="3769926"/>
+            <a:chOff x="508294" y="2419212"/>
+            <a:chExt cx="11511690" cy="3769926"/>
+          </a:xfrm>
+        </p:grpSpPr>
+        <p:grpSp>
+          <p:nvGrpSpPr>
+            <p:cNvPr id="10" name="群組 9">
+              <a:extLst>
+                <a:ext uri="{FF2B5EF4-FFF2-40B4-BE49-F238E27FC236}">
+                  <a16:creationId xmlns:a16="http://schemas.microsoft.com/office/drawing/2014/main" id="{5BDE1E55-4350-4576-B178-92B9A759D203}"/>
+                </a:ext>
+              </a:extLst>
+            </p:cNvPr>
+            <p:cNvGrpSpPr/>
+            <p:nvPr/>
+          </p:nvGrpSpPr>
+          <p:grpSpPr>
+            <a:xfrm>
+              <a:off x="508294" y="2419212"/>
+              <a:ext cx="3264904" cy="3769926"/>
+              <a:chOff x="1119615" y="2492476"/>
+              <a:chExt cx="3264904" cy="3769926"/>
+            </a:xfrm>
+          </p:grpSpPr>
+          <p:sp>
+            <p:nvSpPr>
+              <p:cNvPr id="32" name="文字方塊 31">
+                <a:extLst>
+                  <a:ext uri="{FF2B5EF4-FFF2-40B4-BE49-F238E27FC236}">
+                    <a16:creationId xmlns:a16="http://schemas.microsoft.com/office/drawing/2014/main" id="{78383380-0A55-48E0-A14C-04259058408A}"/>
+                  </a:ext>
+                </a:extLst>
+              </p:cNvPr>
+              <p:cNvSpPr txBox="1"/>
+              <p:nvPr/>
+            </p:nvSpPr>
+            <p:spPr>
+              <a:xfrm>
+                <a:off x="1269129" y="4877407"/>
+                <a:ext cx="3036409" cy="1384995"/>
+              </a:xfrm>
+              <a:prstGeom prst="rect">
+                <a:avLst/>
+              </a:prstGeom>
+              <a:noFill/>
+            </p:spPr>
+            <p:txBody>
+              <a:bodyPr wrap="none" rtlCol="0">
+                <a:spAutoFit/>
+              </a:bodyPr>
+              <a:lstStyle/>
+              <a:p>
+                <a:pPr marL="0" marR="0" lvl="0" indent="0" algn="l" defTabSz="914400" rtl="0" eaLnBrk="1" fontAlgn="auto" latinLnBrk="0" hangingPunct="1">
+                  <a:lnSpc>
+                    <a:spcPct val="100000"/>
+                  </a:lnSpc>
+                  <a:spcBef>
+                    <a:spcPts val="0"/>
+                  </a:spcBef>
+                  <a:spcAft>
+                    <a:spcPts val="0"/>
+                  </a:spcAft>
+                  <a:buClrTx/>
+                  <a:buSzTx/>
+                  <a:buFontTx/>
+                  <a:buNone/>
+                  <a:tabLst/>
+                  <a:defRPr/>
+                </a:pPr>
+                <a:r>
+                  <a:rPr kumimoji="0" lang="en-US" altLang="zh-TW" sz="2800" b="0" i="0" u="none" strike="noStrike" kern="1200" cap="none" spc="0" normalizeH="0" baseline="0" noProof="0">
+                    <a:ln>
+                      <a:noFill/>
+                    </a:ln>
+                    <a:solidFill>
+                      <a:prstClr val="white"/>
+                    </a:solidFill>
+                    <a:effectLst/>
+                    <a:uLnTx/>
+                    <a:uFillTx/>
+                    <a:latin typeface="Consolas"/>
+                    <a:ea typeface="微軟正黑體 Light"/>
+                    <a:cs typeface="+mn-cs"/>
+                  </a:rPr>
+                  <a:t>Java</a:t>
+                </a:r>
+                <a:r>
+                  <a:rPr kumimoji="0" lang="zh-TW" altLang="en-US" sz="2800" b="0" i="0" u="none" strike="noStrike" kern="1200" cap="none" spc="0" normalizeH="0" baseline="0" noProof="0">
+                    <a:ln>
+                      <a:noFill/>
+                    </a:ln>
+                    <a:solidFill>
+                      <a:prstClr val="white"/>
+                    </a:solidFill>
+                    <a:effectLst/>
+                    <a:uLnTx/>
+                    <a:uFillTx/>
+                    <a:latin typeface="Consolas"/>
+                    <a:ea typeface="微軟正黑體 Light"/>
+                    <a:cs typeface="+mn-cs"/>
+                  </a:rPr>
+                  <a:t> 創造公司：</a:t>
+                </a:r>
+                <a:endParaRPr kumimoji="0" lang="en-US" altLang="zh-TW" sz="2800" b="0" i="0" u="none" strike="noStrike" kern="1200" cap="none" spc="0" normalizeH="0" baseline="0" noProof="0">
+                  <a:ln>
+                    <a:noFill/>
+                  </a:ln>
+                  <a:solidFill>
+                    <a:prstClr val="white"/>
+                  </a:solidFill>
+                  <a:effectLst/>
+                  <a:uLnTx/>
+                  <a:uFillTx/>
+                  <a:latin typeface="Consolas"/>
+                  <a:ea typeface="微軟正黑體 Light"/>
+                  <a:cs typeface="+mn-cs"/>
+                </a:endParaRPr>
+              </a:p>
+              <a:p>
+                <a:pPr marL="0" marR="0" lvl="0" indent="0" algn="l" defTabSz="914400" rtl="0" eaLnBrk="1" fontAlgn="auto" latinLnBrk="0" hangingPunct="1">
+                  <a:lnSpc>
+                    <a:spcPct val="100000"/>
+                  </a:lnSpc>
+                  <a:spcBef>
+                    <a:spcPts val="0"/>
+                  </a:spcBef>
+                  <a:spcAft>
+                    <a:spcPts val="0"/>
+                  </a:spcAft>
+                  <a:buClrTx/>
+                  <a:buSzTx/>
+                  <a:buFontTx/>
+                  <a:buNone/>
+                  <a:tabLst/>
+                  <a:defRPr/>
+                </a:pPr>
+                <a:r>
+                  <a:rPr kumimoji="0" lang="zh-TW" altLang="en-US" sz="2800" b="0" i="0" u="none" strike="noStrike" kern="1200" cap="none" spc="0" normalizeH="0" baseline="0" noProof="0">
+                    <a:ln>
+                      <a:noFill/>
+                    </a:ln>
+                    <a:solidFill>
+                      <a:prstClr val="white"/>
+                    </a:solidFill>
+                    <a:effectLst/>
+                    <a:uLnTx/>
+                    <a:uFillTx/>
+                    <a:latin typeface="Consolas"/>
+                    <a:ea typeface="微軟正黑體 Light"/>
+                    <a:cs typeface="+mn-cs"/>
+                  </a:rPr>
+                  <a:t>昇陽電腦</a:t>
+                </a:r>
+                <a:r>
+                  <a:rPr kumimoji="0" lang="en-US" altLang="zh-TW" sz="2800" b="0" i="0" u="none" strike="noStrike" kern="1200" cap="none" spc="0" normalizeH="0" baseline="0" noProof="0">
+                    <a:ln>
+                      <a:noFill/>
+                    </a:ln>
+                    <a:solidFill>
+                      <a:prstClr val="white"/>
+                    </a:solidFill>
+                    <a:effectLst/>
+                    <a:uLnTx/>
+                    <a:uFillTx/>
+                    <a:latin typeface="Consolas"/>
+                    <a:ea typeface="微軟正黑體 Light"/>
+                    <a:cs typeface="+mn-cs"/>
+                  </a:rPr>
+                  <a:t>(Sun)</a:t>
+                </a:r>
+              </a:p>
+              <a:p>
+                <a:pPr marL="0" marR="0" lvl="0" indent="0" algn="l" defTabSz="914400" rtl="0" eaLnBrk="1" fontAlgn="auto" latinLnBrk="0" hangingPunct="1">
+                  <a:lnSpc>
+                    <a:spcPct val="100000"/>
+                  </a:lnSpc>
+                  <a:spcBef>
+                    <a:spcPts val="0"/>
+                  </a:spcBef>
+                  <a:spcAft>
+                    <a:spcPts val="0"/>
+                  </a:spcAft>
+                  <a:buClrTx/>
+                  <a:buSzTx/>
+                  <a:buFontTx/>
+                  <a:buNone/>
+                  <a:tabLst/>
+                  <a:defRPr/>
+                </a:pPr>
+                <a:r>
+                  <a:rPr lang="en-US" altLang="zh-TW" sz="2800">
+                    <a:solidFill>
+                      <a:prstClr val="white"/>
+                    </a:solidFill>
+                    <a:latin typeface="Consolas"/>
+                    <a:ea typeface="微軟正黑體 Light"/>
+                  </a:rPr>
+                  <a:t>1995</a:t>
+                </a:r>
+                <a:r>
+                  <a:rPr lang="zh-TW" altLang="en-US" sz="2800">
+                    <a:solidFill>
+                      <a:prstClr val="white"/>
+                    </a:solidFill>
+                    <a:latin typeface="Consolas"/>
+                    <a:ea typeface="微軟正黑體 Light"/>
+                  </a:rPr>
+                  <a:t>年創造 </a:t>
+                </a:r>
+                <a:r>
+                  <a:rPr lang="en-US" altLang="zh-TW" sz="2800">
+                    <a:solidFill>
+                      <a:prstClr val="white"/>
+                    </a:solidFill>
+                    <a:latin typeface="Consolas"/>
+                    <a:ea typeface="微軟正黑體 Light"/>
+                  </a:rPr>
+                  <a:t>Java</a:t>
+                </a:r>
+                <a:endParaRPr kumimoji="0" lang="zh-TW" altLang="en-US" sz="2800" b="0" i="0" u="none" strike="noStrike" kern="1200" cap="none" spc="0" normalizeH="0" baseline="0" noProof="0">
+                  <a:ln>
+                    <a:noFill/>
+                  </a:ln>
+                  <a:solidFill>
+                    <a:prstClr val="white"/>
+                  </a:solidFill>
+                  <a:effectLst/>
+                  <a:uLnTx/>
+                  <a:uFillTx/>
+                  <a:latin typeface="Consolas"/>
+                  <a:ea typeface="微軟正黑體 Light"/>
+                  <a:cs typeface="+mn-cs"/>
+                </a:endParaRPr>
+              </a:p>
+            </p:txBody>
+          </p:sp>
+          <p:pic>
+            <p:nvPicPr>
+              <p:cNvPr id="4" name="圖形 3">
+                <a:extLst>
+                  <a:ext uri="{FF2B5EF4-FFF2-40B4-BE49-F238E27FC236}">
+                    <a16:creationId xmlns:a16="http://schemas.microsoft.com/office/drawing/2014/main" id="{413A00C7-AF0C-44D2-ADB1-8E83D051254A}"/>
+                  </a:ext>
+                </a:extLst>
+              </p:cNvPr>
+              <p:cNvPicPr>
+                <a:picLocks noChangeAspect="1"/>
+              </p:cNvPicPr>
+              <p:nvPr/>
+            </p:nvPicPr>
+            <p:blipFill>
+              <a:blip r:embed="rId3">
+                <a:extLst>
+                  <a:ext uri="{28A0092B-C50C-407E-A947-70E740481C1C}">
+                    <a14:useLocalDpi xmlns:a14="http://schemas.microsoft.com/office/drawing/2010/main" val="0"/>
+                  </a:ext>
+                  <a:ext uri="{96DAC541-7B7A-43D3-8B79-37D633B846F1}">
+                    <asvg:svgBlip xmlns:asvg="http://schemas.microsoft.com/office/drawing/2016/SVG/main" r:embed="rId4"/>
+                  </a:ext>
+                </a:extLst>
+              </a:blip>
+              <a:stretch>
+                <a:fillRect/>
+              </a:stretch>
+            </p:blipFill>
+            <p:spPr>
+              <a:xfrm>
+                <a:off x="1119615" y="2492476"/>
+                <a:ext cx="3264904" cy="1417323"/>
+              </a:xfrm>
+              <a:prstGeom prst="rect">
+                <a:avLst/>
+              </a:prstGeom>
+            </p:spPr>
+          </p:pic>
+        </p:grpSp>
+        <p:grpSp>
+          <p:nvGrpSpPr>
+            <p:cNvPr id="11" name="群組 10">
+              <a:extLst>
+                <a:ext uri="{FF2B5EF4-FFF2-40B4-BE49-F238E27FC236}">
+                  <a16:creationId xmlns:a16="http://schemas.microsoft.com/office/drawing/2014/main" id="{4E1E2837-6AE5-46F0-9228-66953E110647}"/>
+                </a:ext>
+              </a:extLst>
+            </p:cNvPr>
+            <p:cNvGrpSpPr/>
+            <p:nvPr/>
+          </p:nvGrpSpPr>
+          <p:grpSpPr>
+            <a:xfrm>
+              <a:off x="3995385" y="2421527"/>
+              <a:ext cx="3819503" cy="3767611"/>
+              <a:chOff x="4376106" y="2494791"/>
+              <a:chExt cx="3819503" cy="3767611"/>
+            </a:xfrm>
+          </p:grpSpPr>
+          <p:sp>
+            <p:nvSpPr>
+              <p:cNvPr id="30" name="文字方塊 29">
+                <a:extLst>
+                  <a:ext uri="{FF2B5EF4-FFF2-40B4-BE49-F238E27FC236}">
+                    <a16:creationId xmlns:a16="http://schemas.microsoft.com/office/drawing/2014/main" id="{CA3C3D37-E819-48BD-B1B3-D9D462C2F2E7}"/>
+                  </a:ext>
+                </a:extLst>
+              </p:cNvPr>
+              <p:cNvSpPr txBox="1"/>
+              <p:nvPr/>
+            </p:nvSpPr>
+            <p:spPr>
+              <a:xfrm>
+                <a:off x="4507165" y="4877407"/>
+                <a:ext cx="3557384" cy="1384995"/>
+              </a:xfrm>
+              <a:prstGeom prst="rect">
+                <a:avLst/>
+              </a:prstGeom>
+              <a:noFill/>
+            </p:spPr>
+            <p:txBody>
+              <a:bodyPr wrap="none" rtlCol="0">
+                <a:spAutoFit/>
+              </a:bodyPr>
+              <a:lstStyle/>
+              <a:p>
+                <a:pPr marL="0" marR="0" lvl="0" indent="0" algn="l" defTabSz="914400" rtl="0" eaLnBrk="1" fontAlgn="auto" latinLnBrk="0" hangingPunct="1">
+                  <a:lnSpc>
+                    <a:spcPct val="100000"/>
+                  </a:lnSpc>
+                  <a:spcBef>
+                    <a:spcPts val="0"/>
+                  </a:spcBef>
+                  <a:spcAft>
+                    <a:spcPts val="0"/>
+                  </a:spcAft>
+                  <a:buClrTx/>
+                  <a:buSzTx/>
+                  <a:buFontTx/>
+                  <a:buNone/>
+                  <a:tabLst/>
+                  <a:defRPr/>
+                </a:pPr>
+                <a:r>
+                  <a:rPr kumimoji="0" lang="en-US" altLang="zh-TW" sz="2800" b="0" i="0" u="none" strike="noStrike" kern="1200" cap="none" spc="0" normalizeH="0" baseline="0" noProof="0">
+                    <a:ln>
+                      <a:noFill/>
+                    </a:ln>
+                    <a:solidFill>
+                      <a:prstClr val="white"/>
+                    </a:solidFill>
+                    <a:effectLst/>
+                    <a:uLnTx/>
+                    <a:uFillTx/>
+                    <a:latin typeface="Consolas"/>
+                    <a:ea typeface="微軟正黑體 Light"/>
+                    <a:cs typeface="+mn-cs"/>
+                  </a:rPr>
+                  <a:t>Java</a:t>
+                </a:r>
+                <a:r>
+                  <a:rPr kumimoji="0" lang="zh-TW" altLang="en-US" sz="2800" b="0" i="0" u="none" strike="noStrike" kern="1200" cap="none" spc="0" normalizeH="0" baseline="0" noProof="0">
+                    <a:ln>
+                      <a:noFill/>
+                    </a:ln>
+                    <a:solidFill>
+                      <a:prstClr val="white"/>
+                    </a:solidFill>
+                    <a:effectLst/>
+                    <a:uLnTx/>
+                    <a:uFillTx/>
+                    <a:latin typeface="Consolas"/>
+                    <a:ea typeface="微軟正黑體 Light"/>
+                    <a:cs typeface="+mn-cs"/>
+                  </a:rPr>
+                  <a:t> 領導組織：</a:t>
+                </a:r>
+                <a:endParaRPr kumimoji="0" lang="en-US" altLang="zh-TW" sz="2800" b="0" i="0" u="none" strike="noStrike" kern="1200" cap="none" spc="0" normalizeH="0" baseline="0" noProof="0">
+                  <a:ln>
+                    <a:noFill/>
+                  </a:ln>
+                  <a:solidFill>
+                    <a:prstClr val="white"/>
+                  </a:solidFill>
+                  <a:effectLst/>
+                  <a:uLnTx/>
+                  <a:uFillTx/>
+                  <a:latin typeface="Consolas"/>
+                  <a:ea typeface="微軟正黑體 Light"/>
+                  <a:cs typeface="+mn-cs"/>
+                </a:endParaRPr>
+              </a:p>
+              <a:p>
+                <a:pPr marL="0" marR="0" lvl="0" indent="0" algn="l" defTabSz="914400" rtl="0" eaLnBrk="1" fontAlgn="auto" latinLnBrk="0" hangingPunct="1">
+                  <a:lnSpc>
+                    <a:spcPct val="100000"/>
+                  </a:lnSpc>
+                  <a:spcBef>
+                    <a:spcPts val="0"/>
+                  </a:spcBef>
+                  <a:spcAft>
+                    <a:spcPts val="0"/>
+                  </a:spcAft>
+                  <a:buClrTx/>
+                  <a:buSzTx/>
+                  <a:buFontTx/>
+                  <a:buNone/>
+                  <a:tabLst/>
+                  <a:defRPr/>
+                </a:pPr>
+                <a:r>
+                  <a:rPr kumimoji="0" lang="zh-TW" altLang="en-US" sz="2800" b="0" i="0" u="none" strike="noStrike" kern="1200" cap="none" spc="0" normalizeH="0" baseline="0" noProof="0">
+                    <a:ln>
+                      <a:noFill/>
+                    </a:ln>
+                    <a:solidFill>
+                      <a:prstClr val="white"/>
+                    </a:solidFill>
+                    <a:effectLst/>
+                    <a:uLnTx/>
+                    <a:uFillTx/>
+                    <a:latin typeface="Consolas"/>
+                    <a:ea typeface="微軟正黑體 Light"/>
+                    <a:cs typeface="+mn-cs"/>
+                  </a:rPr>
+                  <a:t>甲骨文公司</a:t>
+                </a:r>
+                <a:r>
+                  <a:rPr kumimoji="0" lang="en-US" altLang="zh-TW" sz="2800" b="0" i="0" u="none" strike="noStrike" kern="1200" cap="none" spc="0" normalizeH="0" baseline="0" noProof="0">
+                    <a:ln>
+                      <a:noFill/>
+                    </a:ln>
+                    <a:solidFill>
+                      <a:prstClr val="white"/>
+                    </a:solidFill>
+                    <a:effectLst/>
+                    <a:uLnTx/>
+                    <a:uFillTx/>
+                    <a:latin typeface="Consolas"/>
+                    <a:ea typeface="微軟正黑體 Light"/>
+                    <a:cs typeface="+mn-cs"/>
+                  </a:rPr>
+                  <a:t>(Oracle)</a:t>
+                </a:r>
+              </a:p>
+              <a:p>
+                <a:pPr>
+                  <a:defRPr/>
+                </a:pPr>
+                <a:r>
+                  <a:rPr lang="en-US" altLang="zh-TW" sz="2800">
+                    <a:solidFill>
+                      <a:prstClr val="white"/>
+                    </a:solidFill>
+                    <a:latin typeface="Consolas"/>
+                    <a:ea typeface="微軟正黑體 Light"/>
+                  </a:rPr>
+                  <a:t>2010 </a:t>
+                </a:r>
+                <a:r>
+                  <a:rPr lang="zh-TW" altLang="en-US" sz="2800">
+                    <a:solidFill>
+                      <a:prstClr val="white"/>
+                    </a:solidFill>
+                    <a:latin typeface="Consolas"/>
+                    <a:ea typeface="微軟正黑體 Light"/>
+                  </a:rPr>
+                  <a:t>收購</a:t>
+                </a:r>
+                <a:r>
+                  <a:rPr kumimoji="0" lang="zh-TW" altLang="en-US" sz="2800" b="0" i="0" u="none" strike="noStrike" kern="1200" cap="none" spc="0" normalizeH="0" baseline="0" noProof="0">
+                    <a:ln>
+                      <a:noFill/>
+                    </a:ln>
+                    <a:solidFill>
+                      <a:prstClr val="white"/>
+                    </a:solidFill>
+                    <a:effectLst/>
+                    <a:uLnTx/>
+                    <a:uFillTx/>
+                    <a:latin typeface="Consolas"/>
+                    <a:ea typeface="微軟正黑體 Light"/>
+                    <a:cs typeface="+mn-cs"/>
+                  </a:rPr>
+                  <a:t>昇陽電腦</a:t>
+                </a:r>
+              </a:p>
+            </p:txBody>
+          </p:sp>
+          <p:pic>
+            <p:nvPicPr>
+              <p:cNvPr id="7" name="圖形 6">
+                <a:extLst>
+                  <a:ext uri="{FF2B5EF4-FFF2-40B4-BE49-F238E27FC236}">
+                    <a16:creationId xmlns:a16="http://schemas.microsoft.com/office/drawing/2014/main" id="{DBE28E99-0FCD-4D4A-B471-E117190893A4}"/>
+                  </a:ext>
+                </a:extLst>
+              </p:cNvPr>
+              <p:cNvPicPr>
+                <a:picLocks noChangeAspect="1"/>
+              </p:cNvPicPr>
+              <p:nvPr/>
+            </p:nvPicPr>
+            <p:blipFill>
+              <a:blip r:embed="rId5">
+                <a:extLst>
+                  <a:ext uri="{28A0092B-C50C-407E-A947-70E740481C1C}">
+                    <a14:useLocalDpi xmlns:a14="http://schemas.microsoft.com/office/drawing/2010/main" val="0"/>
+                  </a:ext>
+                  <a:ext uri="{96DAC541-7B7A-43D3-8B79-37D633B846F1}">
+                    <asvg:svgBlip xmlns:asvg="http://schemas.microsoft.com/office/drawing/2016/SVG/main" r:embed="rId6"/>
+                  </a:ext>
+                </a:extLst>
+              </a:blip>
+              <a:stretch>
+                <a:fillRect/>
+              </a:stretch>
+            </p:blipFill>
+            <p:spPr>
+              <a:xfrm>
+                <a:off x="4376106" y="2494791"/>
+                <a:ext cx="3819503" cy="1412692"/>
+              </a:xfrm>
+              <a:prstGeom prst="rect">
+                <a:avLst/>
+              </a:prstGeom>
+            </p:spPr>
+          </p:pic>
+        </p:grpSp>
+        <p:grpSp>
+          <p:nvGrpSpPr>
+            <p:cNvPr id="12" name="群組 11">
+              <a:extLst>
+                <a:ext uri="{FF2B5EF4-FFF2-40B4-BE49-F238E27FC236}">
+                  <a16:creationId xmlns:a16="http://schemas.microsoft.com/office/drawing/2014/main" id="{CD8DCCA2-17CE-4C76-ABF3-6CDC8C28657F}"/>
+                </a:ext>
+              </a:extLst>
+            </p:cNvPr>
+            <p:cNvGrpSpPr/>
+            <p:nvPr/>
+          </p:nvGrpSpPr>
+          <p:grpSpPr>
+            <a:xfrm>
+              <a:off x="7673922" y="2421527"/>
+              <a:ext cx="4346062" cy="3767611"/>
+              <a:chOff x="8075693" y="2494791"/>
+              <a:chExt cx="4346062" cy="3767611"/>
+            </a:xfrm>
+          </p:grpSpPr>
+          <p:sp>
+            <p:nvSpPr>
+              <p:cNvPr id="28" name="文字方塊 27">
+                <a:extLst>
+                  <a:ext uri="{FF2B5EF4-FFF2-40B4-BE49-F238E27FC236}">
+                    <a16:creationId xmlns:a16="http://schemas.microsoft.com/office/drawing/2014/main" id="{760EF96A-19D5-440A-A699-BDD627568934}"/>
+                  </a:ext>
+                </a:extLst>
+              </p:cNvPr>
+              <p:cNvSpPr txBox="1"/>
+              <p:nvPr/>
+            </p:nvSpPr>
+            <p:spPr>
+              <a:xfrm>
+                <a:off x="8075693" y="4877407"/>
+                <a:ext cx="4346062" cy="1384995"/>
+              </a:xfrm>
+              <a:prstGeom prst="rect">
+                <a:avLst/>
+              </a:prstGeom>
+              <a:noFill/>
+            </p:spPr>
+            <p:txBody>
+              <a:bodyPr wrap="none" rtlCol="0">
+                <a:spAutoFit/>
+              </a:bodyPr>
+              <a:lstStyle/>
+              <a:p>
+                <a:pPr marL="0" marR="0" lvl="0" indent="0" algn="l" defTabSz="914400" rtl="0" eaLnBrk="1" fontAlgn="auto" latinLnBrk="0" hangingPunct="1">
+                  <a:lnSpc>
+                    <a:spcPct val="100000"/>
+                  </a:lnSpc>
+                  <a:spcBef>
+                    <a:spcPts val="0"/>
+                  </a:spcBef>
+                  <a:spcAft>
+                    <a:spcPts val="0"/>
+                  </a:spcAft>
+                  <a:buClrTx/>
+                  <a:buSzTx/>
+                  <a:buFontTx/>
+                  <a:buNone/>
+                  <a:tabLst/>
+                  <a:defRPr/>
+                </a:pPr>
+                <a:r>
+                  <a:rPr kumimoji="0" lang="zh-TW" altLang="en-US" sz="2800" b="0" i="0" u="none" strike="noStrike" kern="1200" cap="none" spc="0" normalizeH="0" baseline="0" noProof="0">
+                    <a:ln>
+                      <a:noFill/>
+                    </a:ln>
+                    <a:solidFill>
+                      <a:prstClr val="white"/>
+                    </a:solidFill>
+                    <a:effectLst/>
+                    <a:uLnTx/>
+                    <a:uFillTx/>
+                    <a:latin typeface="Consolas"/>
+                    <a:ea typeface="微軟正黑體 Light"/>
+                    <a:cs typeface="+mn-cs"/>
+                  </a:rPr>
+                  <a:t>和 </a:t>
+                </a:r>
+                <a:r>
+                  <a:rPr kumimoji="0" lang="en-US" altLang="zh-TW" sz="2800" b="0" i="0" u="none" strike="noStrike" kern="1200" cap="none" spc="0" normalizeH="0" baseline="0" noProof="0">
+                    <a:ln>
+                      <a:noFill/>
+                    </a:ln>
+                    <a:solidFill>
+                      <a:prstClr val="white"/>
+                    </a:solidFill>
+                    <a:effectLst/>
+                    <a:uLnTx/>
+                    <a:uFillTx/>
+                    <a:latin typeface="Consolas"/>
+                    <a:ea typeface="微軟正黑體 Light"/>
+                    <a:cs typeface="+mn-cs"/>
+                  </a:rPr>
+                  <a:t>JavaScript </a:t>
+                </a:r>
+                <a:r>
+                  <a:rPr kumimoji="0" lang="zh-TW" altLang="en-US" sz="2800" b="0" i="0" u="none" strike="noStrike" kern="1200" cap="none" spc="0" normalizeH="0" baseline="0" noProof="0">
+                    <a:ln>
+                      <a:noFill/>
+                    </a:ln>
+                    <a:solidFill>
+                      <a:prstClr val="white"/>
+                    </a:solidFill>
+                    <a:effectLst/>
+                    <a:uLnTx/>
+                    <a:uFillTx/>
+                    <a:latin typeface="Consolas"/>
+                    <a:ea typeface="微軟正黑體 Light"/>
+                    <a:cs typeface="+mn-cs"/>
+                  </a:rPr>
+                  <a:t>的關係：</a:t>
+                </a:r>
+                <a:endParaRPr kumimoji="0" lang="en-US" altLang="zh-TW" sz="2800" b="0" i="0" u="none" strike="noStrike" kern="1200" cap="none" spc="0" normalizeH="0" baseline="0" noProof="0">
+                  <a:ln>
+                    <a:noFill/>
+                  </a:ln>
+                  <a:solidFill>
+                    <a:prstClr val="white"/>
+                  </a:solidFill>
+                  <a:effectLst/>
+                  <a:uLnTx/>
+                  <a:uFillTx/>
+                  <a:latin typeface="Consolas"/>
+                  <a:ea typeface="微軟正黑體 Light"/>
+                  <a:cs typeface="+mn-cs"/>
+                </a:endParaRPr>
+              </a:p>
+              <a:p>
+                <a:pPr marL="0" marR="0" lvl="0" indent="0" algn="l" defTabSz="914400" rtl="0" eaLnBrk="1" fontAlgn="auto" latinLnBrk="0" hangingPunct="1">
+                  <a:lnSpc>
+                    <a:spcPct val="100000"/>
+                  </a:lnSpc>
+                  <a:spcBef>
+                    <a:spcPts val="0"/>
+                  </a:spcBef>
+                  <a:spcAft>
+                    <a:spcPts val="0"/>
+                  </a:spcAft>
+                  <a:buClrTx/>
+                  <a:buSzTx/>
+                  <a:buFontTx/>
+                  <a:buNone/>
+                  <a:tabLst/>
+                  <a:defRPr/>
+                </a:pPr>
+                <a:r>
+                  <a:rPr kumimoji="0" lang="zh-TW" altLang="en-US" sz="2800" b="0" i="0" u="none" strike="noStrike" kern="1200" cap="none" spc="0" normalizeH="0" baseline="0" noProof="0">
+                    <a:ln>
+                      <a:noFill/>
+                    </a:ln>
+                    <a:solidFill>
+                      <a:prstClr val="white"/>
+                    </a:solidFill>
+                    <a:effectLst/>
+                    <a:uLnTx/>
+                    <a:uFillTx/>
+                    <a:latin typeface="Consolas"/>
+                    <a:ea typeface="微軟正黑體 Light"/>
+                    <a:cs typeface="+mn-cs"/>
+                  </a:rPr>
+                  <a:t>只是當時 </a:t>
+                </a:r>
+                <a:r>
+                  <a:rPr kumimoji="0" lang="en-US" altLang="zh-TW" sz="2800" b="0" i="0" u="none" strike="noStrike" kern="1200" cap="none" spc="0" normalizeH="0" baseline="0" noProof="0">
+                    <a:ln>
+                      <a:noFill/>
+                    </a:ln>
+                    <a:solidFill>
+                      <a:prstClr val="white"/>
+                    </a:solidFill>
+                    <a:effectLst/>
+                    <a:uLnTx/>
+                    <a:uFillTx/>
+                    <a:latin typeface="Consolas"/>
+                    <a:ea typeface="微軟正黑體 Light"/>
+                    <a:cs typeface="+mn-cs"/>
+                  </a:rPr>
+                  <a:t>Java</a:t>
+                </a:r>
+                <a:r>
+                  <a:rPr kumimoji="0" lang="zh-TW" altLang="en-US" sz="2800" b="0" i="0" u="none" strike="noStrike" kern="1200" cap="none" spc="0" normalizeH="0" baseline="0" noProof="0">
+                    <a:ln>
+                      <a:noFill/>
+                    </a:ln>
+                    <a:solidFill>
+                      <a:prstClr val="white"/>
+                    </a:solidFill>
+                    <a:effectLst/>
+                    <a:uLnTx/>
+                    <a:uFillTx/>
+                    <a:latin typeface="Consolas"/>
+                    <a:ea typeface="微軟正黑體 Light"/>
+                    <a:cs typeface="+mn-cs"/>
+                  </a:rPr>
+                  <a:t> 很熱門</a:t>
+                </a:r>
+                <a:endParaRPr kumimoji="0" lang="en-US" altLang="zh-TW" sz="2800" b="0" i="0" u="none" strike="noStrike" kern="1200" cap="none" spc="0" normalizeH="0" baseline="0" noProof="0">
+                  <a:ln>
+                    <a:noFill/>
+                  </a:ln>
+                  <a:solidFill>
+                    <a:prstClr val="white"/>
+                  </a:solidFill>
+                  <a:effectLst/>
+                  <a:uLnTx/>
+                  <a:uFillTx/>
+                  <a:latin typeface="Consolas"/>
+                  <a:ea typeface="微軟正黑體 Light"/>
+                  <a:cs typeface="+mn-cs"/>
+                </a:endParaRPr>
+              </a:p>
+              <a:p>
+                <a:pPr marL="0" marR="0" lvl="0" indent="0" algn="l" defTabSz="914400" rtl="0" eaLnBrk="1" fontAlgn="auto" latinLnBrk="0" hangingPunct="1">
+                  <a:lnSpc>
+                    <a:spcPct val="100000"/>
+                  </a:lnSpc>
+                  <a:spcBef>
+                    <a:spcPts val="0"/>
+                  </a:spcBef>
+                  <a:spcAft>
+                    <a:spcPts val="0"/>
+                  </a:spcAft>
+                  <a:buClrTx/>
+                  <a:buSzTx/>
+                  <a:buFontTx/>
+                  <a:buNone/>
+                  <a:tabLst/>
+                  <a:defRPr/>
+                </a:pPr>
+                <a:r>
+                  <a:rPr kumimoji="0" lang="en-US" altLang="zh-TW" sz="2800" b="0" i="0" u="none" strike="noStrike" kern="1200" cap="none" spc="0" normalizeH="0" baseline="0" noProof="0">
+                    <a:ln>
+                      <a:noFill/>
+                    </a:ln>
+                    <a:solidFill>
+                      <a:prstClr val="white"/>
+                    </a:solidFill>
+                    <a:effectLst/>
+                    <a:uLnTx/>
+                    <a:uFillTx/>
+                    <a:latin typeface="Consolas"/>
+                    <a:ea typeface="微軟正黑體 Light"/>
+                    <a:cs typeface="+mn-cs"/>
+                  </a:rPr>
+                  <a:t>JavaScript</a:t>
+                </a:r>
+                <a:r>
+                  <a:rPr lang="zh-TW" altLang="en-US" sz="2800">
+                    <a:solidFill>
+                      <a:prstClr val="white"/>
+                    </a:solidFill>
+                    <a:latin typeface="Consolas"/>
+                    <a:ea typeface="微軟正黑體 Light"/>
+                  </a:rPr>
+                  <a:t> 就借鑑名字</a:t>
+                </a:r>
+                <a:endParaRPr kumimoji="0" lang="zh-TW" altLang="en-US" sz="2800" b="0" i="0" u="none" strike="noStrike" kern="1200" cap="none" spc="0" normalizeH="0" baseline="0" noProof="0">
+                  <a:ln>
+                    <a:noFill/>
+                  </a:ln>
+                  <a:solidFill>
+                    <a:prstClr val="white"/>
+                  </a:solidFill>
+                  <a:effectLst/>
+                  <a:uLnTx/>
+                  <a:uFillTx/>
+                  <a:latin typeface="Consolas"/>
+                  <a:ea typeface="微軟正黑體 Light"/>
+                  <a:cs typeface="+mn-cs"/>
+                </a:endParaRPr>
+              </a:p>
+            </p:txBody>
+          </p:sp>
+          <p:pic>
+            <p:nvPicPr>
+              <p:cNvPr id="9" name="圖片 8">
+                <a:extLst>
+                  <a:ext uri="{FF2B5EF4-FFF2-40B4-BE49-F238E27FC236}">
+                    <a16:creationId xmlns:a16="http://schemas.microsoft.com/office/drawing/2014/main" id="{05A99B82-E274-4BA6-9AF2-D9E7853C5E6C}"/>
+                  </a:ext>
+                </a:extLst>
+              </p:cNvPr>
+              <p:cNvPicPr>
+                <a:picLocks noChangeAspect="1"/>
+              </p:cNvPicPr>
+              <p:nvPr/>
+            </p:nvPicPr>
+            <p:blipFill>
+              <a:blip r:embed="rId7">
+                <a:extLst>
+                  <a:ext uri="{28A0092B-C50C-407E-A947-70E740481C1C}">
+                    <a14:useLocalDpi xmlns:a14="http://schemas.microsoft.com/office/drawing/2010/main" val="0"/>
+                  </a:ext>
+                </a:extLst>
+              </a:blip>
+              <a:stretch>
+                <a:fillRect/>
+              </a:stretch>
+            </p:blipFill>
+            <p:spPr>
+              <a:xfrm>
+                <a:off x="9351878" y="2494791"/>
+                <a:ext cx="1412692" cy="1412692"/>
+              </a:xfrm>
+              <a:prstGeom prst="rect">
+                <a:avLst/>
+              </a:prstGeom>
+            </p:spPr>
+          </p:pic>
+        </p:grpSp>
+      </p:grpSp>
+    </p:spTree>
+    <p:extLst>
+      <p:ext uri="{BB962C8B-B14F-4D97-AF65-F5344CB8AC3E}">
+        <p14:creationId xmlns:p14="http://schemas.microsoft.com/office/powerpoint/2010/main" val="1708290206"/>
+      </p:ext>
+    </p:extLst>
+  </p:cSld>
+  <p:clrMapOvr>
+    <a:masterClrMapping/>
+  </p:clrMapOvr>
+  <p:transition spd="slow">
+    <p:push dir="u"/>
+  </p:transition>
+</p:sld>
+</file>
+
+<file path=ppt/slides/slide4.xml><?xml version="1.0" encoding="utf-8"?>
+<p:sld xmlns:a="http://schemas.openxmlformats.org/drawingml/2006/main" xmlns:r="http://schemas.openxmlformats.org/officeDocument/2006/relationships" xmlns:p="http://schemas.openxmlformats.org/presentationml/2006/main">
+  <p:cSld>
+    <p:spTree>
+      <p:nvGrpSpPr>
+        <p:cNvPr id="1" name=""/>
+        <p:cNvGrpSpPr/>
+        <p:nvPr/>
+      </p:nvGrpSpPr>
+      <p:grpSpPr>
+        <a:xfrm>
+          <a:off x="0" y="0"/>
+          <a:ext cx="0" cy="0"/>
+          <a:chOff x="0" y="0"/>
+          <a:chExt cx="0" cy="0"/>
+        </a:xfrm>
+      </p:grpSpPr>
+      <p:sp>
+        <p:nvSpPr>
+          <p:cNvPr id="2" name="標題 1">
+            <a:extLst>
+              <a:ext uri="{FF2B5EF4-FFF2-40B4-BE49-F238E27FC236}">
                 <a16:creationId xmlns:a16="http://schemas.microsoft.com/office/drawing/2014/main" id="{9F2EE2D1-8102-410E-A569-41AEBA690F58}"/>
               </a:ext>
             </a:extLst>
@@ -12877,7 +14932,7 @@
                 <a:t>    </a:t>
               </a:r>
               <a:r>
-                <a:rPr kumimoji="0" lang="zh-TW" altLang="zh-TW" sz="2400" b="0" i="0" u="none" strike="noStrike" kern="1200" cap="none" spc="0" normalizeH="0" baseline="0" noProof="0">
+                <a:rPr kumimoji="0" lang="en-US" altLang="zh-TW" sz="2400" b="0" i="0" u="none" strike="noStrike" kern="1200" cap="none" spc="0" normalizeH="0" baseline="0" noProof="0">
                   <a:ln>
                     <a:noFill/>
                   </a:ln>
@@ -12891,27 +14946,10 @@
                   <a:ea typeface="微軟正黑體 Light"/>
                   <a:cs typeface="JetBrains Mono" panose="02000009000000000000" pitchFamily="49" charset="0"/>
                 </a:rPr>
-                <a:t>// </a:t>
+                <a:t>// Java </a:t>
               </a:r>
               <a:r>
-                <a:rPr kumimoji="0" lang="zh-TW" altLang="zh-TW" sz="2400" b="0" i="0" u="none" strike="noStrike" kern="1200" cap="none" spc="0" normalizeH="0" baseline="0" noProof="0">
-                  <a:ln>
-                    <a:noFill/>
-                  </a:ln>
-                  <a:solidFill>
-                    <a:srgbClr val="7A7E85"/>
-                  </a:solidFill>
-                  <a:effectLst/>
-                  <a:uLnTx/>
-                  <a:uFillTx/>
-                  <a:latin typeface="Consolas"/>
-                  <a:ea typeface="微軟正黑體" panose="020B0604030504040204" pitchFamily="34" charset="-120"/>
-                  <a:cs typeface="JetBrains Mono" panose="02000009000000000000" pitchFamily="49" charset="0"/>
-                </a:rPr>
-                <a:t>任何一個</a:t>
-              </a:r>
-              <a:r>
-                <a:rPr kumimoji="0" lang="zh-TW" altLang="zh-TW" sz="2400" b="0" i="0" u="none" strike="noStrike" kern="1200" cap="none" spc="0" normalizeH="0" baseline="0" noProof="0">
+                <a:rPr kumimoji="0" lang="zh-TW" altLang="en-US" sz="2400" b="0" i="0" u="none" strike="noStrike" kern="1200" cap="none" spc="0" normalizeH="0" baseline="0" noProof="0">
                   <a:ln>
                     <a:noFill/>
                   </a:ln>
@@ -12925,44 +14963,10 @@
                   <a:ea typeface="微軟正黑體 Light"/>
                   <a:cs typeface="JetBrains Mono" panose="02000009000000000000" pitchFamily="49" charset="0"/>
                 </a:rPr>
-                <a:t> Java </a:t>
+                <a:t>程式需要一個主方法</a:t>
               </a:r>
               <a:r>
-                <a:rPr kumimoji="0" lang="zh-TW" altLang="zh-TW" sz="2400" b="0" i="0" u="none" strike="noStrike" kern="1200" cap="none" spc="0" normalizeH="0" baseline="0" noProof="0">
-                  <a:ln>
-                    <a:noFill/>
-                  </a:ln>
-                  <a:solidFill>
-                    <a:srgbClr val="7A7E85"/>
-                  </a:solidFill>
-                  <a:effectLst/>
-                  <a:uLnTx/>
-                  <a:uFillTx/>
-                  <a:latin typeface="Consolas"/>
-                  <a:ea typeface="微軟正黑體" panose="020B0604030504040204" pitchFamily="34" charset="-120"/>
-                  <a:cs typeface="JetBrains Mono" panose="02000009000000000000" pitchFamily="49" charset="0"/>
-                </a:rPr>
-                <a:t>程式都需要一個主</a:t>
-              </a:r>
-              <a:r>
-                <a:rPr kumimoji="0" lang="zh-TW" altLang="en-US" sz="2400" b="0" i="0" u="none" strike="noStrike" kern="1200" cap="none" spc="0" normalizeH="0" baseline="0" noProof="0">
-                  <a:ln>
-                    <a:noFill/>
-                  </a:ln>
-                  <a:solidFill>
-                    <a:srgbClr val="7A7E85"/>
-                  </a:solidFill>
-                  <a:effectLst/>
-                  <a:uLnTx/>
-                  <a:uFillTx/>
-                  <a:latin typeface="Consolas"/>
-                  <a:ea typeface="微軟正黑體" panose="020B0604030504040204" pitchFamily="34" charset="-120"/>
-                  <a:cs typeface="JetBrains Mono" panose="02000009000000000000" pitchFamily="49" charset="0"/>
-                </a:rPr>
-                <a:t>方法</a:t>
-              </a:r>
-              <a:r>
-                <a:rPr kumimoji="0" lang="zh-TW" altLang="zh-TW" sz="2400" b="0" i="0" u="none" strike="noStrike" kern="1200" cap="none" spc="0" normalizeH="0" baseline="0" noProof="0">
+                <a:rPr kumimoji="0" lang="en-US" altLang="zh-TW" sz="2400" b="0" i="0" u="none" strike="noStrike" kern="1200" cap="none" spc="0" normalizeH="0" baseline="0" noProof="0">
                   <a:ln>
                     <a:noFill/>
                   </a:ln>
@@ -12979,7 +14983,7 @@
                 <a:t>(main </a:t>
               </a:r>
               <a:r>
-                <a:rPr kumimoji="0" lang="en-US" altLang="zh-TW" sz="2400" b="0" i="0" u="none" strike="noStrike" kern="1200" cap="none" spc="0" normalizeH="0" baseline="0" noProof="0">
+                <a:rPr kumimoji="0" lang="zh-TW" altLang="en-US" sz="2400" b="0" i="0" u="none" strike="noStrike" kern="1200" cap="none" spc="0" normalizeH="0" baseline="0" noProof="0">
                   <a:ln>
                     <a:noFill/>
                   </a:ln>
@@ -12990,13 +14994,13 @@
                   <a:uLnTx/>
                   <a:uFillTx/>
                   <a:latin typeface="Consolas"/>
-                  <a:ea typeface="微軟正黑體" panose="020B0604030504040204" pitchFamily="34" charset="-120"/>
+                  <a:ea typeface="微軟正黑體 Light"/>
                   <a:cs typeface="JetBrains Mono" panose="02000009000000000000" pitchFamily="49" charset="0"/>
                 </a:rPr>
-                <a:t>method</a:t>
+                <a:t>方法</a:t>
               </a:r>
               <a:r>
-                <a:rPr kumimoji="0" lang="zh-TW" altLang="zh-TW" sz="2400" b="0" i="0" u="none" strike="noStrike" kern="1200" cap="none" spc="0" normalizeH="0" baseline="0" noProof="0">
+                <a:rPr kumimoji="0" lang="en-US" altLang="zh-TW" sz="2400" b="0" i="0" u="none" strike="noStrike" kern="1200" cap="none" spc="0" normalizeH="0" baseline="0" noProof="0">
                   <a:ln>
                     <a:noFill/>
                   </a:ln>
@@ -13011,6 +15015,23 @@
                   <a:cs typeface="JetBrains Mono" panose="02000009000000000000" pitchFamily="49" charset="0"/>
                 </a:rPr>
                 <a:t>)</a:t>
+              </a:r>
+              <a:r>
+                <a:rPr kumimoji="0" lang="zh-TW" altLang="en-US" sz="2400" b="0" i="0" u="none" strike="noStrike" kern="1200" cap="none" spc="0" normalizeH="0" baseline="0" noProof="0">
+                  <a:ln>
+                    <a:noFill/>
+                  </a:ln>
+                  <a:solidFill>
+                    <a:srgbClr val="7A7E85"/>
+                  </a:solidFill>
+                  <a:effectLst/>
+                  <a:uLnTx/>
+                  <a:uFillTx/>
+                  <a:latin typeface="Consolas"/>
+                  <a:ea typeface="微軟正黑體 Light"/>
+                  <a:cs typeface="JetBrains Mono" panose="02000009000000000000" pitchFamily="49" charset="0"/>
+                </a:rPr>
+                <a:t>，程式從這裡開始執行</a:t>
               </a:r>
               <a:br>
                 <a:rPr kumimoji="0" lang="zh-TW" altLang="zh-TW" sz="2400" b="0" i="0" u="none" strike="noStrike" kern="1200" cap="none" spc="0" normalizeH="0" baseline="0" noProof="0">
@@ -13597,7 +15618,7 @@
 </p:sld>
 </file>
 
-<file path=ppt/slides/slide4.xml><?xml version="1.0" encoding="utf-8"?>
+<file path=ppt/slides/slide5.xml><?xml version="1.0" encoding="utf-8"?>
 <p:sld xmlns:a="http://schemas.openxmlformats.org/drawingml/2006/main" xmlns:r="http://schemas.openxmlformats.org/officeDocument/2006/relationships" xmlns:p="http://schemas.openxmlformats.org/presentationml/2006/main">
   <p:cSld>
     <p:spTree>
@@ -14264,7 +16285,7 @@
 </p:sld>
 </file>
 
-<file path=ppt/slides/slide5.xml><?xml version="1.0" encoding="utf-8"?>
+<file path=ppt/slides/slide6.xml><?xml version="1.0" encoding="utf-8"?>
 <p:sld xmlns:a="http://schemas.openxmlformats.org/drawingml/2006/main" xmlns:r="http://schemas.openxmlformats.org/officeDocument/2006/relationships" xmlns:p="http://schemas.openxmlformats.org/presentationml/2006/main">
   <p:cSld>
     <p:spTree>
@@ -17508,7 +19529,7 @@
 </p:sld>
 </file>
 
-<file path=ppt/slides/slide6.xml><?xml version="1.0" encoding="utf-8"?>
+<file path=ppt/slides/slide7.xml><?xml version="1.0" encoding="utf-8"?>
 <p:sld xmlns:a="http://schemas.openxmlformats.org/drawingml/2006/main" xmlns:r="http://schemas.openxmlformats.org/officeDocument/2006/relationships" xmlns:p="http://schemas.openxmlformats.org/presentationml/2006/main">
   <p:cSld>
     <p:spTree>
@@ -19760,7 +21781,7 @@
 </p:sld>
 </file>
 
-<file path=ppt/slides/slide7.xml><?xml version="1.0" encoding="utf-8"?>
+<file path=ppt/slides/slide8.xml><?xml version="1.0" encoding="utf-8"?>
 <p:sld xmlns:a="http://schemas.openxmlformats.org/drawingml/2006/main" xmlns:r="http://schemas.openxmlformats.org/officeDocument/2006/relationships" xmlns:p="http://schemas.openxmlformats.org/presentationml/2006/main">
   <p:cSld>
     <p:spTree>
@@ -21637,7 +23658,7 @@
 </p:sld>
 </file>
 
-<file path=ppt/slides/slide8.xml><?xml version="1.0" encoding="utf-8"?>
+<file path=ppt/slides/slide9.xml><?xml version="1.0" encoding="utf-8"?>
 <p:sld xmlns:a="http://schemas.openxmlformats.org/drawingml/2006/main" xmlns:r="http://schemas.openxmlformats.org/officeDocument/2006/relationships" xmlns:p="http://schemas.openxmlformats.org/presentationml/2006/main">
   <p:cSld>
     <p:spTree>
@@ -22838,1087 +24859,6 @@
     <p:extLst>
       <p:ext uri="{BB962C8B-B14F-4D97-AF65-F5344CB8AC3E}">
         <p14:creationId xmlns:p14="http://schemas.microsoft.com/office/powerpoint/2010/main" val="1880865130"/>
-      </p:ext>
-    </p:extLst>
-  </p:cSld>
-  <p:clrMapOvr>
-    <a:masterClrMapping/>
-  </p:clrMapOvr>
-  <p:transition spd="slow">
-    <p:push dir="u"/>
-  </p:transition>
-</p:sld>
-</file>
-
-<file path=ppt/slides/slide9.xml><?xml version="1.0" encoding="utf-8"?>
-<p:sld xmlns:a="http://schemas.openxmlformats.org/drawingml/2006/main" xmlns:r="http://schemas.openxmlformats.org/officeDocument/2006/relationships" xmlns:p="http://schemas.openxmlformats.org/presentationml/2006/main">
-  <p:cSld>
-    <p:spTree>
-      <p:nvGrpSpPr>
-        <p:cNvPr id="1" name=""/>
-        <p:cNvGrpSpPr/>
-        <p:nvPr/>
-      </p:nvGrpSpPr>
-      <p:grpSpPr>
-        <a:xfrm>
-          <a:off x="0" y="0"/>
-          <a:ext cx="0" cy="0"/>
-          <a:chOff x="0" y="0"/>
-          <a:chExt cx="0" cy="0"/>
-        </a:xfrm>
-      </p:grpSpPr>
-      <p:sp>
-        <p:nvSpPr>
-          <p:cNvPr id="2" name="標題 1">
-            <a:extLst>
-              <a:ext uri="{FF2B5EF4-FFF2-40B4-BE49-F238E27FC236}">
-                <a16:creationId xmlns:a16="http://schemas.microsoft.com/office/drawing/2014/main" id="{9F2EE2D1-8102-410E-A569-41AEBA690F58}"/>
-              </a:ext>
-            </a:extLst>
-          </p:cNvPr>
-          <p:cNvSpPr>
-            <a:spLocks noGrp="1"/>
-          </p:cNvSpPr>
-          <p:nvPr>
-            <p:ph type="title"/>
-          </p:nvPr>
-        </p:nvSpPr>
-        <p:spPr/>
-        <p:txBody>
-          <a:bodyPr/>
-          <a:lstStyle/>
-          <a:p>
-            <a:r>
-              <a:rPr lang="zh-TW" altLang="en-US"/>
-              <a:t>第一個 </a:t>
-            </a:r>
-            <a:r>
-              <a:rPr lang="en-US" altLang="zh-TW"/>
-              <a:t>Java</a:t>
-            </a:r>
-            <a:r>
-              <a:rPr lang="zh-TW" altLang="en-US"/>
-              <a:t> 程式</a:t>
-            </a:r>
-          </a:p>
-        </p:txBody>
-      </p:sp>
-      <p:sp>
-        <p:nvSpPr>
-          <p:cNvPr id="8" name="內容版面配置區 7">
-            <a:extLst>
-              <a:ext uri="{FF2B5EF4-FFF2-40B4-BE49-F238E27FC236}">
-                <a16:creationId xmlns:a16="http://schemas.microsoft.com/office/drawing/2014/main" id="{1F3AB24B-3CA6-4811-804E-E905C0A0E473}"/>
-              </a:ext>
-            </a:extLst>
-          </p:cNvPr>
-          <p:cNvSpPr>
-            <a:spLocks noGrp="1"/>
-          </p:cNvSpPr>
-          <p:nvPr>
-            <p:ph idx="1"/>
-          </p:nvPr>
-        </p:nvSpPr>
-        <p:spPr>
-          <a:xfrm>
-            <a:off x="838200" y="1608347"/>
-            <a:ext cx="10515600" cy="483009"/>
-          </a:xfrm>
-        </p:spPr>
-        <p:txBody>
-          <a:bodyPr>
-            <a:normAutofit/>
-          </a:bodyPr>
-          <a:lstStyle/>
-          <a:p>
-            <a:r>
-              <a:rPr lang="zh-TW" altLang="en-US"/>
-              <a:t>請使用 </a:t>
-            </a:r>
-            <a:r>
-              <a:rPr lang="en-US" altLang="zh-TW"/>
-              <a:t>Notepad++ </a:t>
-            </a:r>
-            <a:r>
-              <a:rPr lang="zh-TW" altLang="en-US"/>
-              <a:t>「親手」打出下列的程式碼</a:t>
-            </a:r>
-          </a:p>
-        </p:txBody>
-      </p:sp>
-      <p:grpSp>
-        <p:nvGrpSpPr>
-          <p:cNvPr id="7" name="群組 6">
-            <a:extLst>
-              <a:ext uri="{FF2B5EF4-FFF2-40B4-BE49-F238E27FC236}">
-                <a16:creationId xmlns:a16="http://schemas.microsoft.com/office/drawing/2014/main" id="{9C1814F8-3CC1-44F7-AF72-F152AE637EEE}"/>
-              </a:ext>
-            </a:extLst>
-          </p:cNvPr>
-          <p:cNvGrpSpPr/>
-          <p:nvPr/>
-        </p:nvGrpSpPr>
-        <p:grpSpPr>
-          <a:xfrm>
-            <a:off x="802481" y="2185706"/>
-            <a:ext cx="10587038" cy="4154984"/>
-            <a:chOff x="802481" y="2185706"/>
-            <a:chExt cx="10587038" cy="4154984"/>
-          </a:xfrm>
-        </p:grpSpPr>
-        <p:sp>
-          <p:nvSpPr>
-            <p:cNvPr id="6" name="Rectangle 2">
-              <a:extLst>
-                <a:ext uri="{FF2B5EF4-FFF2-40B4-BE49-F238E27FC236}">
-                  <a16:creationId xmlns:a16="http://schemas.microsoft.com/office/drawing/2014/main" id="{CB26EA14-F1AF-4F85-A5DD-5E14D4E66C53}"/>
-                </a:ext>
-              </a:extLst>
-            </p:cNvPr>
-            <p:cNvSpPr>
-              <a:spLocks noChangeArrowheads="1"/>
-            </p:cNvSpPr>
-            <p:nvPr/>
-          </p:nvSpPr>
-          <p:spPr bwMode="auto">
-            <a:xfrm>
-              <a:off x="802481" y="2185706"/>
-              <a:ext cx="10587038" cy="4154984"/>
-            </a:xfrm>
-            <a:prstGeom prst="rect">
-              <a:avLst/>
-            </a:prstGeom>
-            <a:solidFill>
-              <a:srgbClr val="1E1F22"/>
-            </a:solidFill>
-            <a:ln>
-              <a:noFill/>
-            </a:ln>
-            <a:effectLst/>
-            <a:extLst>
-              <a:ext uri="{91240B29-F687-4F45-9708-019B960494DF}">
-                <a14:hiddenLine xmlns:a14="http://schemas.microsoft.com/office/drawing/2010/main" w="9525">
-                  <a:solidFill>
-                    <a:schemeClr val="tx1"/>
-                  </a:solidFill>
-                  <a:miter lim="800000"/>
-                  <a:headEnd/>
-                  <a:tailEnd/>
-                </a14:hiddenLine>
-              </a:ext>
-              <a:ext uri="{AF507438-7753-43E0-B8FC-AC1667EBCBE1}">
-                <a14:hiddenEffects xmlns:a14="http://schemas.microsoft.com/office/drawing/2010/main">
-                  <a:effectLst>
-                    <a:outerShdw dist="35921" dir="2700000" algn="ctr" rotWithShape="0">
-                      <a:schemeClr val="bg2"/>
-                    </a:outerShdw>
-                  </a:effectLst>
-                </a14:hiddenEffects>
-              </a:ext>
-            </a:extLst>
-          </p:spPr>
-          <p:txBody>
-            <a:bodyPr vert="horz" wrap="square" lIns="91440" tIns="45720" rIns="91440" bIns="45720" numCol="1" anchor="ctr" anchorCtr="0" compatLnSpc="1">
-              <a:prstTxWarp prst="textNoShape">
-                <a:avLst/>
-              </a:prstTxWarp>
-              <a:spAutoFit/>
-            </a:bodyPr>
-            <a:lstStyle/>
-            <a:p>
-              <a:pPr marL="0" marR="0" lvl="0" indent="0" algn="l" defTabSz="914400" rtl="0" eaLnBrk="0" fontAlgn="base" latinLnBrk="0" hangingPunct="0">
-                <a:lnSpc>
-                  <a:spcPct val="100000"/>
-                </a:lnSpc>
-                <a:spcBef>
-                  <a:spcPct val="0"/>
-                </a:spcBef>
-                <a:spcAft>
-                  <a:spcPct val="0"/>
-                </a:spcAft>
-                <a:buClrTx/>
-                <a:buSzTx/>
-                <a:buFontTx/>
-                <a:buNone/>
-                <a:tabLst/>
-                <a:defRPr/>
-              </a:pPr>
-              <a:r>
-                <a:rPr kumimoji="0" lang="zh-TW" altLang="zh-TW" sz="2400" b="0" i="0" u="none" strike="noStrike" kern="1200" cap="none" spc="0" normalizeH="0" baseline="0" noProof="0">
-                  <a:ln>
-                    <a:noFill/>
-                  </a:ln>
-                  <a:solidFill>
-                    <a:srgbClr val="7A7E85"/>
-                  </a:solidFill>
-                  <a:effectLst/>
-                  <a:uLnTx/>
-                  <a:uFillTx/>
-                  <a:latin typeface="Consolas"/>
-                  <a:ea typeface="微軟正黑體 Light"/>
-                  <a:cs typeface="JetBrains Mono" panose="02000009000000000000" pitchFamily="49" charset="0"/>
-                </a:rPr>
-                <a:t>// </a:t>
-              </a:r>
-              <a:r>
-                <a:rPr kumimoji="0" lang="zh-TW" altLang="en-US" sz="2400" b="0" i="0" u="none" strike="noStrike" kern="1200" cap="none" spc="0" normalizeH="0" baseline="0" noProof="0">
-                  <a:ln>
-                    <a:noFill/>
-                  </a:ln>
-                  <a:solidFill>
-                    <a:srgbClr val="7A7E85"/>
-                  </a:solidFill>
-                  <a:effectLst/>
-                  <a:uLnTx/>
-                  <a:uFillTx/>
-                  <a:latin typeface="Consolas"/>
-                  <a:ea typeface="微軟正黑體 Light"/>
-                  <a:cs typeface="JetBrains Mono" panose="02000009000000000000" pitchFamily="49" charset="0"/>
-                </a:rPr>
-                <a:t>類別</a:t>
-              </a:r>
-              <a:r>
-                <a:rPr kumimoji="0" lang="en-US" altLang="zh-TW" sz="2400" b="0" i="0" u="none" strike="noStrike" kern="1200" cap="none" spc="0" normalizeH="0" baseline="0" noProof="0">
-                  <a:ln>
-                    <a:noFill/>
-                  </a:ln>
-                  <a:solidFill>
-                    <a:srgbClr val="7A7E85"/>
-                  </a:solidFill>
-                  <a:effectLst/>
-                  <a:uLnTx/>
-                  <a:uFillTx/>
-                  <a:latin typeface="Consolas"/>
-                  <a:ea typeface="微軟正黑體 Light"/>
-                  <a:cs typeface="JetBrains Mono" panose="02000009000000000000" pitchFamily="49" charset="0"/>
-                </a:rPr>
-                <a:t>(class)</a:t>
-              </a:r>
-              <a:r>
-                <a:rPr kumimoji="0" lang="zh-TW" altLang="zh-TW" sz="2400" b="0" i="0" u="none" strike="noStrike" kern="1200" cap="none" spc="0" normalizeH="0" baseline="0" noProof="0">
-                  <a:ln>
-                    <a:noFill/>
-                  </a:ln>
-                  <a:solidFill>
-                    <a:srgbClr val="7A7E85"/>
-                  </a:solidFill>
-                  <a:effectLst/>
-                  <a:uLnTx/>
-                  <a:uFillTx/>
-                  <a:latin typeface="Consolas"/>
-                  <a:ea typeface="微軟正黑體" panose="020B0604030504040204" pitchFamily="34" charset="-120"/>
-                  <a:cs typeface="JetBrains Mono" panose="02000009000000000000" pitchFamily="49" charset="0"/>
-                </a:rPr>
-                <a:t>名稱必須跟檔案名稱一樣</a:t>
-              </a:r>
-              <a:br>
-                <a:rPr kumimoji="0" lang="zh-TW" altLang="zh-TW" sz="2400" b="0" i="0" u="none" strike="noStrike" kern="1200" cap="none" spc="0" normalizeH="0" baseline="0" noProof="0">
-                  <a:ln>
-                    <a:noFill/>
-                  </a:ln>
-                  <a:solidFill>
-                    <a:srgbClr val="7A7E85"/>
-                  </a:solidFill>
-                  <a:effectLst/>
-                  <a:uLnTx/>
-                  <a:uFillTx/>
-                  <a:latin typeface="Consolas"/>
-                  <a:ea typeface="微軟正黑體" panose="020B0604030504040204" pitchFamily="34" charset="-120"/>
-                  <a:cs typeface="JetBrains Mono" panose="02000009000000000000" pitchFamily="49" charset="0"/>
-                </a:rPr>
-              </a:br>
-              <a:r>
-                <a:rPr kumimoji="0" lang="zh-TW" altLang="zh-TW" sz="2400" b="0" i="0" u="none" strike="noStrike" kern="1200" cap="none" spc="0" normalizeH="0" baseline="0" noProof="0">
-                  <a:ln>
-                    <a:noFill/>
-                  </a:ln>
-                  <a:solidFill>
-                    <a:srgbClr val="CF8E6D"/>
-                  </a:solidFill>
-                  <a:effectLst/>
-                  <a:uLnTx/>
-                  <a:uFillTx/>
-                  <a:latin typeface="Consolas"/>
-                  <a:ea typeface="微軟正黑體 Light"/>
-                  <a:cs typeface="JetBrains Mono" panose="02000009000000000000" pitchFamily="49" charset="0"/>
-                </a:rPr>
-                <a:t>public class </a:t>
-              </a:r>
-              <a:r>
-                <a:rPr kumimoji="0" lang="zh-TW" altLang="zh-TW" sz="2400" b="0" i="0" u="none" strike="noStrike" kern="1200" cap="none" spc="0" normalizeH="0" baseline="0" noProof="0">
-                  <a:ln>
-                    <a:noFill/>
-                  </a:ln>
-                  <a:solidFill>
-                    <a:srgbClr val="BCBEC4"/>
-                  </a:solidFill>
-                  <a:effectLst/>
-                  <a:uLnTx/>
-                  <a:uFillTx/>
-                  <a:latin typeface="Consolas"/>
-                  <a:ea typeface="微軟正黑體 Light"/>
-                  <a:cs typeface="JetBrains Mono" panose="02000009000000000000" pitchFamily="49" charset="0"/>
-                </a:rPr>
-                <a:t>Main {</a:t>
-              </a:r>
-              <a:br>
-                <a:rPr kumimoji="0" lang="zh-TW" altLang="zh-TW" sz="2400" b="0" i="0" u="none" strike="noStrike" kern="1200" cap="none" spc="0" normalizeH="0" baseline="0" noProof="0">
-                  <a:ln>
-                    <a:noFill/>
-                  </a:ln>
-                  <a:solidFill>
-                    <a:srgbClr val="BCBEC4"/>
-                  </a:solidFill>
-                  <a:effectLst/>
-                  <a:uLnTx/>
-                  <a:uFillTx/>
-                  <a:latin typeface="Consolas"/>
-                  <a:ea typeface="微軟正黑體 Light"/>
-                  <a:cs typeface="JetBrains Mono" panose="02000009000000000000" pitchFamily="49" charset="0"/>
-                </a:rPr>
-              </a:br>
-              <a:br>
-                <a:rPr kumimoji="0" lang="zh-TW" altLang="zh-TW" sz="2400" b="0" i="0" u="none" strike="noStrike" kern="1200" cap="none" spc="0" normalizeH="0" baseline="0" noProof="0">
-                  <a:ln>
-                    <a:noFill/>
-                  </a:ln>
-                  <a:solidFill>
-                    <a:srgbClr val="BCBEC4"/>
-                  </a:solidFill>
-                  <a:effectLst/>
-                  <a:uLnTx/>
-                  <a:uFillTx/>
-                  <a:latin typeface="Consolas"/>
-                  <a:ea typeface="微軟正黑體 Light"/>
-                  <a:cs typeface="JetBrains Mono" panose="02000009000000000000" pitchFamily="49" charset="0"/>
-                </a:rPr>
-              </a:br>
-              <a:r>
-                <a:rPr kumimoji="0" lang="zh-TW" altLang="zh-TW" sz="2400" b="0" i="0" u="none" strike="noStrike" kern="1200" cap="none" spc="0" normalizeH="0" baseline="0" noProof="0">
-                  <a:ln>
-                    <a:noFill/>
-                  </a:ln>
-                  <a:solidFill>
-                    <a:srgbClr val="BCBEC4"/>
-                  </a:solidFill>
-                  <a:effectLst/>
-                  <a:uLnTx/>
-                  <a:uFillTx/>
-                  <a:latin typeface="Consolas"/>
-                  <a:ea typeface="微軟正黑體 Light"/>
-                  <a:cs typeface="JetBrains Mono" panose="02000009000000000000" pitchFamily="49" charset="0"/>
-                </a:rPr>
-                <a:t>    </a:t>
-              </a:r>
-              <a:r>
-                <a:rPr kumimoji="0" lang="zh-TW" altLang="zh-TW" sz="2400" b="0" i="0" u="none" strike="noStrike" kern="1200" cap="none" spc="0" normalizeH="0" baseline="0" noProof="0">
-                  <a:ln>
-                    <a:noFill/>
-                  </a:ln>
-                  <a:solidFill>
-                    <a:srgbClr val="7A7E85"/>
-                  </a:solidFill>
-                  <a:effectLst/>
-                  <a:uLnTx/>
-                  <a:uFillTx/>
-                  <a:latin typeface="Consolas"/>
-                  <a:ea typeface="微軟正黑體 Light"/>
-                  <a:cs typeface="JetBrains Mono" panose="02000009000000000000" pitchFamily="49" charset="0"/>
-                </a:rPr>
-                <a:t>// </a:t>
-              </a:r>
-              <a:r>
-                <a:rPr kumimoji="0" lang="zh-TW" altLang="zh-TW" sz="2400" b="0" i="0" u="none" strike="noStrike" kern="1200" cap="none" spc="0" normalizeH="0" baseline="0" noProof="0">
-                  <a:ln>
-                    <a:noFill/>
-                  </a:ln>
-                  <a:solidFill>
-                    <a:srgbClr val="7A7E85"/>
-                  </a:solidFill>
-                  <a:effectLst/>
-                  <a:uLnTx/>
-                  <a:uFillTx/>
-                  <a:latin typeface="Consolas"/>
-                  <a:ea typeface="微軟正黑體" panose="020B0604030504040204" pitchFamily="34" charset="-120"/>
-                  <a:cs typeface="JetBrains Mono" panose="02000009000000000000" pitchFamily="49" charset="0"/>
-                </a:rPr>
-                <a:t>任何一個</a:t>
-              </a:r>
-              <a:r>
-                <a:rPr kumimoji="0" lang="zh-TW" altLang="zh-TW" sz="2400" b="0" i="0" u="none" strike="noStrike" kern="1200" cap="none" spc="0" normalizeH="0" baseline="0" noProof="0">
-                  <a:ln>
-                    <a:noFill/>
-                  </a:ln>
-                  <a:solidFill>
-                    <a:srgbClr val="7A7E85"/>
-                  </a:solidFill>
-                  <a:effectLst/>
-                  <a:uLnTx/>
-                  <a:uFillTx/>
-                  <a:latin typeface="Consolas"/>
-                  <a:ea typeface="微軟正黑體 Light"/>
-                  <a:cs typeface="JetBrains Mono" panose="02000009000000000000" pitchFamily="49" charset="0"/>
-                </a:rPr>
-                <a:t> Java </a:t>
-              </a:r>
-              <a:r>
-                <a:rPr kumimoji="0" lang="zh-TW" altLang="zh-TW" sz="2400" b="0" i="0" u="none" strike="noStrike" kern="1200" cap="none" spc="0" normalizeH="0" baseline="0" noProof="0">
-                  <a:ln>
-                    <a:noFill/>
-                  </a:ln>
-                  <a:solidFill>
-                    <a:srgbClr val="7A7E85"/>
-                  </a:solidFill>
-                  <a:effectLst/>
-                  <a:uLnTx/>
-                  <a:uFillTx/>
-                  <a:latin typeface="Consolas"/>
-                  <a:ea typeface="微軟正黑體" panose="020B0604030504040204" pitchFamily="34" charset="-120"/>
-                  <a:cs typeface="JetBrains Mono" panose="02000009000000000000" pitchFamily="49" charset="0"/>
-                </a:rPr>
-                <a:t>程式都需要一個主</a:t>
-              </a:r>
-              <a:r>
-                <a:rPr kumimoji="0" lang="zh-TW" altLang="en-US" sz="2400" b="0" i="0" u="none" strike="noStrike" kern="1200" cap="none" spc="0" normalizeH="0" baseline="0" noProof="0">
-                  <a:ln>
-                    <a:noFill/>
-                  </a:ln>
-                  <a:solidFill>
-                    <a:srgbClr val="7A7E85"/>
-                  </a:solidFill>
-                  <a:effectLst/>
-                  <a:uLnTx/>
-                  <a:uFillTx/>
-                  <a:latin typeface="Consolas"/>
-                  <a:ea typeface="微軟正黑體" panose="020B0604030504040204" pitchFamily="34" charset="-120"/>
-                  <a:cs typeface="JetBrains Mono" panose="02000009000000000000" pitchFamily="49" charset="0"/>
-                </a:rPr>
-                <a:t>方法</a:t>
-              </a:r>
-              <a:r>
-                <a:rPr kumimoji="0" lang="zh-TW" altLang="zh-TW" sz="2400" b="0" i="0" u="none" strike="noStrike" kern="1200" cap="none" spc="0" normalizeH="0" baseline="0" noProof="0">
-                  <a:ln>
-                    <a:noFill/>
-                  </a:ln>
-                  <a:solidFill>
-                    <a:srgbClr val="7A7E85"/>
-                  </a:solidFill>
-                  <a:effectLst/>
-                  <a:uLnTx/>
-                  <a:uFillTx/>
-                  <a:latin typeface="Consolas"/>
-                  <a:ea typeface="微軟正黑體 Light"/>
-                  <a:cs typeface="JetBrains Mono" panose="02000009000000000000" pitchFamily="49" charset="0"/>
-                </a:rPr>
-                <a:t>(main </a:t>
-              </a:r>
-              <a:r>
-                <a:rPr kumimoji="0" lang="en-US" altLang="zh-TW" sz="2400" b="0" i="0" u="none" strike="noStrike" kern="1200" cap="none" spc="0" normalizeH="0" baseline="0" noProof="0">
-                  <a:ln>
-                    <a:noFill/>
-                  </a:ln>
-                  <a:solidFill>
-                    <a:srgbClr val="7A7E85"/>
-                  </a:solidFill>
-                  <a:effectLst/>
-                  <a:uLnTx/>
-                  <a:uFillTx/>
-                  <a:latin typeface="Consolas"/>
-                  <a:ea typeface="微軟正黑體" panose="020B0604030504040204" pitchFamily="34" charset="-120"/>
-                  <a:cs typeface="JetBrains Mono" panose="02000009000000000000" pitchFamily="49" charset="0"/>
-                </a:rPr>
-                <a:t>method</a:t>
-              </a:r>
-              <a:r>
-                <a:rPr kumimoji="0" lang="zh-TW" altLang="zh-TW" sz="2400" b="0" i="0" u="none" strike="noStrike" kern="1200" cap="none" spc="0" normalizeH="0" baseline="0" noProof="0">
-                  <a:ln>
-                    <a:noFill/>
-                  </a:ln>
-                  <a:solidFill>
-                    <a:srgbClr val="7A7E85"/>
-                  </a:solidFill>
-                  <a:effectLst/>
-                  <a:uLnTx/>
-                  <a:uFillTx/>
-                  <a:latin typeface="Consolas"/>
-                  <a:ea typeface="微軟正黑體 Light"/>
-                  <a:cs typeface="JetBrains Mono" panose="02000009000000000000" pitchFamily="49" charset="0"/>
-                </a:rPr>
-                <a:t>)</a:t>
-              </a:r>
-              <a:br>
-                <a:rPr kumimoji="0" lang="zh-TW" altLang="zh-TW" sz="2400" b="0" i="0" u="none" strike="noStrike" kern="1200" cap="none" spc="0" normalizeH="0" baseline="0" noProof="0">
-                  <a:ln>
-                    <a:noFill/>
-                  </a:ln>
-                  <a:solidFill>
-                    <a:srgbClr val="7A7E85"/>
-                  </a:solidFill>
-                  <a:effectLst/>
-                  <a:uLnTx/>
-                  <a:uFillTx/>
-                  <a:latin typeface="Consolas"/>
-                  <a:ea typeface="微軟正黑體 Light"/>
-                  <a:cs typeface="JetBrains Mono" panose="02000009000000000000" pitchFamily="49" charset="0"/>
-                </a:rPr>
-              </a:br>
-              <a:r>
-                <a:rPr kumimoji="0" lang="zh-TW" altLang="zh-TW" sz="2400" b="0" i="0" u="none" strike="noStrike" kern="1200" cap="none" spc="0" normalizeH="0" baseline="0" noProof="0">
-                  <a:ln>
-                    <a:noFill/>
-                  </a:ln>
-                  <a:solidFill>
-                    <a:srgbClr val="7A7E85"/>
-                  </a:solidFill>
-                  <a:effectLst/>
-                  <a:uLnTx/>
-                  <a:uFillTx/>
-                  <a:latin typeface="Consolas"/>
-                  <a:ea typeface="微軟正黑體 Light"/>
-                  <a:cs typeface="JetBrains Mono" panose="02000009000000000000" pitchFamily="49" charset="0"/>
-                </a:rPr>
-                <a:t>    </a:t>
-              </a:r>
-              <a:r>
-                <a:rPr kumimoji="0" lang="zh-TW" altLang="zh-TW" sz="2400" b="0" i="0" u="none" strike="noStrike" kern="1200" cap="none" spc="0" normalizeH="0" baseline="0" noProof="0">
-                  <a:ln>
-                    <a:noFill/>
-                  </a:ln>
-                  <a:solidFill>
-                    <a:srgbClr val="CF8E6D"/>
-                  </a:solidFill>
-                  <a:effectLst/>
-                  <a:uLnTx/>
-                  <a:uFillTx/>
-                  <a:latin typeface="Consolas"/>
-                  <a:ea typeface="微軟正黑體 Light"/>
-                  <a:cs typeface="JetBrains Mono" panose="02000009000000000000" pitchFamily="49" charset="0"/>
-                </a:rPr>
-                <a:t>public static void </a:t>
-              </a:r>
-              <a:r>
-                <a:rPr kumimoji="0" lang="zh-TW" altLang="zh-TW" sz="2400" b="0" i="0" u="none" strike="noStrike" kern="1200" cap="none" spc="0" normalizeH="0" baseline="0" noProof="0">
-                  <a:ln>
-                    <a:noFill/>
-                  </a:ln>
-                  <a:solidFill>
-                    <a:srgbClr val="56A8F5"/>
-                  </a:solidFill>
-                  <a:effectLst/>
-                  <a:uLnTx/>
-                  <a:uFillTx/>
-                  <a:latin typeface="Consolas"/>
-                  <a:ea typeface="微軟正黑體 Light"/>
-                  <a:cs typeface="JetBrains Mono" panose="02000009000000000000" pitchFamily="49" charset="0"/>
-                </a:rPr>
-                <a:t>main</a:t>
-              </a:r>
-              <a:r>
-                <a:rPr kumimoji="0" lang="zh-TW" altLang="zh-TW" sz="2400" b="0" i="0" u="none" strike="noStrike" kern="1200" cap="none" spc="0" normalizeH="0" baseline="0" noProof="0">
-                  <a:ln>
-                    <a:noFill/>
-                  </a:ln>
-                  <a:solidFill>
-                    <a:srgbClr val="BCBEC4"/>
-                  </a:solidFill>
-                  <a:effectLst/>
-                  <a:uLnTx/>
-                  <a:uFillTx/>
-                  <a:latin typeface="Consolas"/>
-                  <a:ea typeface="微軟正黑體 Light"/>
-                  <a:cs typeface="JetBrains Mono" panose="02000009000000000000" pitchFamily="49" charset="0"/>
-                </a:rPr>
-                <a:t>(String[] args) {</a:t>
-              </a:r>
-              <a:br>
-                <a:rPr kumimoji="0" lang="zh-TW" altLang="zh-TW" sz="2400" b="0" i="0" u="none" strike="noStrike" kern="1200" cap="none" spc="0" normalizeH="0" baseline="0" noProof="0">
-                  <a:ln>
-                    <a:noFill/>
-                  </a:ln>
-                  <a:solidFill>
-                    <a:srgbClr val="BCBEC4"/>
-                  </a:solidFill>
-                  <a:effectLst/>
-                  <a:uLnTx/>
-                  <a:uFillTx/>
-                  <a:latin typeface="Consolas"/>
-                  <a:ea typeface="微軟正黑體 Light"/>
-                  <a:cs typeface="JetBrains Mono" panose="02000009000000000000" pitchFamily="49" charset="0"/>
-                </a:rPr>
-              </a:br>
-              <a:br>
-                <a:rPr kumimoji="0" lang="zh-TW" altLang="zh-TW" sz="2400" b="0" i="0" u="none" strike="noStrike" kern="1200" cap="none" spc="0" normalizeH="0" baseline="0" noProof="0">
-                  <a:ln>
-                    <a:noFill/>
-                  </a:ln>
-                  <a:solidFill>
-                    <a:srgbClr val="BCBEC4"/>
-                  </a:solidFill>
-                  <a:effectLst/>
-                  <a:uLnTx/>
-                  <a:uFillTx/>
-                  <a:latin typeface="Consolas"/>
-                  <a:ea typeface="微軟正黑體 Light"/>
-                  <a:cs typeface="JetBrains Mono" panose="02000009000000000000" pitchFamily="49" charset="0"/>
-                </a:rPr>
-              </a:br>
-              <a:r>
-                <a:rPr kumimoji="0" lang="zh-TW" altLang="zh-TW" sz="2400" b="0" i="0" u="none" strike="noStrike" kern="1200" cap="none" spc="0" normalizeH="0" baseline="0" noProof="0">
-                  <a:ln>
-                    <a:noFill/>
-                  </a:ln>
-                  <a:solidFill>
-                    <a:srgbClr val="BCBEC4"/>
-                  </a:solidFill>
-                  <a:effectLst/>
-                  <a:uLnTx/>
-                  <a:uFillTx/>
-                  <a:latin typeface="Consolas"/>
-                  <a:ea typeface="微軟正黑體 Light"/>
-                  <a:cs typeface="JetBrains Mono" panose="02000009000000000000" pitchFamily="49" charset="0"/>
-                </a:rPr>
-                <a:t>        </a:t>
-              </a:r>
-              <a:r>
-                <a:rPr kumimoji="0" lang="zh-TW" altLang="zh-TW" sz="2400" b="0" i="0" u="none" strike="noStrike" kern="1200" cap="none" spc="0" normalizeH="0" baseline="0" noProof="0">
-                  <a:ln>
-                    <a:noFill/>
-                  </a:ln>
-                  <a:solidFill>
-                    <a:srgbClr val="7A7E85"/>
-                  </a:solidFill>
-                  <a:effectLst/>
-                  <a:uLnTx/>
-                  <a:uFillTx/>
-                  <a:latin typeface="Consolas"/>
-                  <a:ea typeface="微軟正黑體 Light"/>
-                  <a:cs typeface="JetBrains Mono" panose="02000009000000000000" pitchFamily="49" charset="0"/>
-                </a:rPr>
-                <a:t>// </a:t>
-              </a:r>
-              <a:r>
-                <a:rPr kumimoji="0" lang="zh-TW" altLang="zh-TW" sz="2400" b="0" i="0" u="none" strike="noStrike" kern="1200" cap="none" spc="0" normalizeH="0" baseline="0" noProof="0">
-                  <a:ln>
-                    <a:noFill/>
-                  </a:ln>
-                  <a:solidFill>
-                    <a:srgbClr val="7A7E85"/>
-                  </a:solidFill>
-                  <a:effectLst/>
-                  <a:uLnTx/>
-                  <a:uFillTx/>
-                  <a:latin typeface="Consolas"/>
-                  <a:ea typeface="微軟正黑體" panose="020B0604030504040204" pitchFamily="34" charset="-120"/>
-                  <a:cs typeface="JetBrains Mono" panose="02000009000000000000" pitchFamily="49" charset="0"/>
-                </a:rPr>
-                <a:t>在</a:t>
-              </a:r>
-              <a:r>
-                <a:rPr kumimoji="0" lang="zh-TW" altLang="zh-TW" sz="2400" b="0" i="0" u="none" strike="noStrike" kern="1200" cap="none" spc="0" normalizeH="0" baseline="0" noProof="0">
-                  <a:ln>
-                    <a:noFill/>
-                  </a:ln>
-                  <a:solidFill>
-                    <a:srgbClr val="7A7E85"/>
-                  </a:solidFill>
-                  <a:effectLst/>
-                  <a:uLnTx/>
-                  <a:uFillTx/>
-                  <a:latin typeface="Consolas"/>
-                  <a:ea typeface="微軟正黑體 Light"/>
-                  <a:cs typeface="JetBrains Mono" panose="02000009000000000000" pitchFamily="49" charset="0"/>
-                </a:rPr>
-                <a:t> Java </a:t>
-              </a:r>
-              <a:r>
-                <a:rPr kumimoji="0" lang="zh-TW" altLang="zh-TW" sz="2400" b="0" i="0" u="none" strike="noStrike" kern="1200" cap="none" spc="0" normalizeH="0" baseline="0" noProof="0">
-                  <a:ln>
-                    <a:noFill/>
-                  </a:ln>
-                  <a:solidFill>
-                    <a:srgbClr val="7A7E85"/>
-                  </a:solidFill>
-                  <a:effectLst/>
-                  <a:uLnTx/>
-                  <a:uFillTx/>
-                  <a:latin typeface="Consolas"/>
-                  <a:ea typeface="微軟正黑體" panose="020B0604030504040204" pitchFamily="34" charset="-120"/>
-                  <a:cs typeface="JetBrains Mono" panose="02000009000000000000" pitchFamily="49" charset="0"/>
-                </a:rPr>
-                <a:t>中，使用</a:t>
-              </a:r>
-              <a:r>
-                <a:rPr kumimoji="0" lang="zh-TW" altLang="zh-TW" sz="2400" b="0" i="0" u="none" strike="noStrike" kern="1200" cap="none" spc="0" normalizeH="0" baseline="0" noProof="0">
-                  <a:ln>
-                    <a:noFill/>
-                  </a:ln>
-                  <a:solidFill>
-                    <a:srgbClr val="7A7E85"/>
-                  </a:solidFill>
-                  <a:effectLst/>
-                  <a:uLnTx/>
-                  <a:uFillTx/>
-                  <a:latin typeface="Consolas"/>
-                  <a:ea typeface="微軟正黑體 Light"/>
-                  <a:cs typeface="JetBrains Mono" panose="02000009000000000000" pitchFamily="49" charset="0"/>
-                </a:rPr>
-                <a:t> System.out.println() </a:t>
-              </a:r>
-              <a:r>
-                <a:rPr kumimoji="0" lang="zh-TW" altLang="zh-TW" sz="2400" b="0" i="0" u="none" strike="noStrike" kern="1200" cap="none" spc="0" normalizeH="0" baseline="0" noProof="0">
-                  <a:ln>
-                    <a:noFill/>
-                  </a:ln>
-                  <a:solidFill>
-                    <a:srgbClr val="7A7E85"/>
-                  </a:solidFill>
-                  <a:effectLst/>
-                  <a:uLnTx/>
-                  <a:uFillTx/>
-                  <a:latin typeface="Consolas"/>
-                  <a:ea typeface="微軟正黑體" panose="020B0604030504040204" pitchFamily="34" charset="-120"/>
-                  <a:cs typeface="JetBrains Mono" panose="02000009000000000000" pitchFamily="49" charset="0"/>
-                </a:rPr>
-                <a:t>來輸出資料</a:t>
-              </a:r>
-              <a:br>
-                <a:rPr kumimoji="0" lang="zh-TW" altLang="zh-TW" sz="2400" b="0" i="0" u="none" strike="noStrike" kern="1200" cap="none" spc="0" normalizeH="0" baseline="0" noProof="0">
-                  <a:ln>
-                    <a:noFill/>
-                  </a:ln>
-                  <a:solidFill>
-                    <a:srgbClr val="7A7E85"/>
-                  </a:solidFill>
-                  <a:effectLst/>
-                  <a:uLnTx/>
-                  <a:uFillTx/>
-                  <a:latin typeface="Consolas"/>
-                  <a:ea typeface="微軟正黑體" panose="020B0604030504040204" pitchFamily="34" charset="-120"/>
-                  <a:cs typeface="JetBrains Mono" panose="02000009000000000000" pitchFamily="49" charset="0"/>
-                </a:rPr>
-              </a:br>
-              <a:r>
-                <a:rPr kumimoji="0" lang="zh-TW" altLang="zh-TW" sz="2400" b="0" i="0" u="none" strike="noStrike" kern="1200" cap="none" spc="0" normalizeH="0" baseline="0" noProof="0">
-                  <a:ln>
-                    <a:noFill/>
-                  </a:ln>
-                  <a:solidFill>
-                    <a:srgbClr val="7A7E85"/>
-                  </a:solidFill>
-                  <a:effectLst/>
-                  <a:uLnTx/>
-                  <a:uFillTx/>
-                  <a:latin typeface="Consolas"/>
-                  <a:ea typeface="微軟正黑體" panose="020B0604030504040204" pitchFamily="34" charset="-120"/>
-                  <a:cs typeface="JetBrains Mono" panose="02000009000000000000" pitchFamily="49" charset="0"/>
-                </a:rPr>
-                <a:t>        </a:t>
-              </a:r>
-              <a:r>
-                <a:rPr kumimoji="0" lang="zh-TW" altLang="zh-TW" sz="2400" b="0" i="0" u="none" strike="noStrike" kern="1200" cap="none" spc="0" normalizeH="0" baseline="0" noProof="0">
-                  <a:ln>
-                    <a:noFill/>
-                  </a:ln>
-                  <a:solidFill>
-                    <a:srgbClr val="BCBEC4"/>
-                  </a:solidFill>
-                  <a:effectLst/>
-                  <a:uLnTx/>
-                  <a:uFillTx/>
-                  <a:latin typeface="Consolas"/>
-                  <a:ea typeface="微軟正黑體 Light"/>
-                  <a:cs typeface="JetBrains Mono" panose="02000009000000000000" pitchFamily="49" charset="0"/>
-                </a:rPr>
-                <a:t>System.</a:t>
-              </a:r>
-              <a:r>
-                <a:rPr kumimoji="0" lang="zh-TW" altLang="zh-TW" sz="2400" b="0" i="1" u="none" strike="noStrike" kern="1200" cap="none" spc="0" normalizeH="0" baseline="0" noProof="0">
-                  <a:ln>
-                    <a:noFill/>
-                  </a:ln>
-                  <a:solidFill>
-                    <a:srgbClr val="C77DBB"/>
-                  </a:solidFill>
-                  <a:effectLst/>
-                  <a:uLnTx/>
-                  <a:uFillTx/>
-                  <a:latin typeface="Consolas"/>
-                  <a:ea typeface="微軟正黑體 Light"/>
-                  <a:cs typeface="JetBrains Mono" panose="02000009000000000000" pitchFamily="49" charset="0"/>
-                </a:rPr>
-                <a:t>out</a:t>
-              </a:r>
-              <a:r>
-                <a:rPr kumimoji="0" lang="zh-TW" altLang="zh-TW" sz="2400" b="0" i="0" u="none" strike="noStrike" kern="1200" cap="none" spc="0" normalizeH="0" baseline="0" noProof="0">
-                  <a:ln>
-                    <a:noFill/>
-                  </a:ln>
-                  <a:solidFill>
-                    <a:srgbClr val="BCBEC4"/>
-                  </a:solidFill>
-                  <a:effectLst/>
-                  <a:uLnTx/>
-                  <a:uFillTx/>
-                  <a:latin typeface="Consolas"/>
-                  <a:ea typeface="微軟正黑體 Light"/>
-                  <a:cs typeface="JetBrains Mono" panose="02000009000000000000" pitchFamily="49" charset="0"/>
-                </a:rPr>
-                <a:t>.println(</a:t>
-              </a:r>
-              <a:r>
-                <a:rPr kumimoji="0" lang="zh-TW" altLang="zh-TW" sz="2400" b="0" i="0" u="none" strike="noStrike" kern="1200" cap="none" spc="0" normalizeH="0" baseline="0" noProof="0">
-                  <a:ln>
-                    <a:noFill/>
-                  </a:ln>
-                  <a:solidFill>
-                    <a:srgbClr val="6AAB73"/>
-                  </a:solidFill>
-                  <a:effectLst/>
-                  <a:uLnTx/>
-                  <a:uFillTx/>
-                  <a:latin typeface="Consolas"/>
-                  <a:ea typeface="微軟正黑體 Light"/>
-                  <a:cs typeface="JetBrains Mono" panose="02000009000000000000" pitchFamily="49" charset="0"/>
-                </a:rPr>
-                <a:t>"Hello, World!"</a:t>
-              </a:r>
-              <a:r>
-                <a:rPr kumimoji="0" lang="zh-TW" altLang="zh-TW" sz="2400" b="0" i="0" u="none" strike="noStrike" kern="1200" cap="none" spc="0" normalizeH="0" baseline="0" noProof="0">
-                  <a:ln>
-                    <a:noFill/>
-                  </a:ln>
-                  <a:solidFill>
-                    <a:srgbClr val="BCBEC4"/>
-                  </a:solidFill>
-                  <a:effectLst/>
-                  <a:uLnTx/>
-                  <a:uFillTx/>
-                  <a:latin typeface="Consolas"/>
-                  <a:ea typeface="微軟正黑體 Light"/>
-                  <a:cs typeface="JetBrains Mono" panose="02000009000000000000" pitchFamily="49" charset="0"/>
-                </a:rPr>
-                <a:t>);</a:t>
-              </a:r>
-              <a:br>
-                <a:rPr kumimoji="0" lang="zh-TW" altLang="zh-TW" sz="2400" b="0" i="0" u="none" strike="noStrike" kern="1200" cap="none" spc="0" normalizeH="0" baseline="0" noProof="0">
-                  <a:ln>
-                    <a:noFill/>
-                  </a:ln>
-                  <a:solidFill>
-                    <a:srgbClr val="BCBEC4"/>
-                  </a:solidFill>
-                  <a:effectLst/>
-                  <a:uLnTx/>
-                  <a:uFillTx/>
-                  <a:latin typeface="Consolas"/>
-                  <a:ea typeface="微軟正黑體 Light"/>
-                  <a:cs typeface="JetBrains Mono" panose="02000009000000000000" pitchFamily="49" charset="0"/>
-                </a:rPr>
-              </a:br>
-              <a:br>
-                <a:rPr kumimoji="0" lang="zh-TW" altLang="zh-TW" sz="2400" b="0" i="0" u="none" strike="noStrike" kern="1200" cap="none" spc="0" normalizeH="0" baseline="0" noProof="0">
-                  <a:ln>
-                    <a:noFill/>
-                  </a:ln>
-                  <a:solidFill>
-                    <a:srgbClr val="BCBEC4"/>
-                  </a:solidFill>
-                  <a:effectLst/>
-                  <a:uLnTx/>
-                  <a:uFillTx/>
-                  <a:latin typeface="Consolas"/>
-                  <a:ea typeface="微軟正黑體 Light"/>
-                  <a:cs typeface="JetBrains Mono" panose="02000009000000000000" pitchFamily="49" charset="0"/>
-                </a:rPr>
-              </a:br>
-              <a:r>
-                <a:rPr kumimoji="0" lang="zh-TW" altLang="zh-TW" sz="2400" b="0" i="0" u="none" strike="noStrike" kern="1200" cap="none" spc="0" normalizeH="0" baseline="0" noProof="0">
-                  <a:ln>
-                    <a:noFill/>
-                  </a:ln>
-                  <a:solidFill>
-                    <a:srgbClr val="BCBEC4"/>
-                  </a:solidFill>
-                  <a:effectLst/>
-                  <a:uLnTx/>
-                  <a:uFillTx/>
-                  <a:latin typeface="Consolas"/>
-                  <a:ea typeface="微軟正黑體 Light"/>
-                  <a:cs typeface="JetBrains Mono" panose="02000009000000000000" pitchFamily="49" charset="0"/>
-                </a:rPr>
-                <a:t>    }</a:t>
-              </a:r>
-              <a:br>
-                <a:rPr kumimoji="0" lang="zh-TW" altLang="zh-TW" sz="2400" b="0" i="0" u="none" strike="noStrike" kern="1200" cap="none" spc="0" normalizeH="0" baseline="0" noProof="0">
-                  <a:ln>
-                    <a:noFill/>
-                  </a:ln>
-                  <a:solidFill>
-                    <a:srgbClr val="BCBEC4"/>
-                  </a:solidFill>
-                  <a:effectLst/>
-                  <a:uLnTx/>
-                  <a:uFillTx/>
-                  <a:latin typeface="Consolas"/>
-                  <a:ea typeface="微軟正黑體 Light"/>
-                  <a:cs typeface="JetBrains Mono" panose="02000009000000000000" pitchFamily="49" charset="0"/>
-                </a:rPr>
-              </a:br>
-              <a:r>
-                <a:rPr kumimoji="0" lang="zh-TW" altLang="zh-TW" sz="2400" b="0" i="0" u="none" strike="noStrike" kern="1200" cap="none" spc="0" normalizeH="0" baseline="0" noProof="0">
-                  <a:ln>
-                    <a:noFill/>
-                  </a:ln>
-                  <a:solidFill>
-                    <a:srgbClr val="BCBEC4"/>
-                  </a:solidFill>
-                  <a:effectLst/>
-                  <a:uLnTx/>
-                  <a:uFillTx/>
-                  <a:latin typeface="Consolas"/>
-                  <a:ea typeface="微軟正黑體 Light"/>
-                  <a:cs typeface="JetBrains Mono" panose="02000009000000000000" pitchFamily="49" charset="0"/>
-                </a:rPr>
-                <a:t>}</a:t>
-              </a:r>
-              <a:endParaRPr kumimoji="0" lang="zh-TW" altLang="zh-TW" sz="4000" b="0" i="0" u="none" strike="noStrike" kern="1200" cap="none" spc="0" normalizeH="0" baseline="0" noProof="0">
-                <a:ln>
-                  <a:noFill/>
-                </a:ln>
-                <a:solidFill>
-                  <a:prstClr val="white"/>
-                </a:solidFill>
-                <a:effectLst/>
-                <a:uLnTx/>
-                <a:uFillTx/>
-                <a:latin typeface="Consolas"/>
-                <a:ea typeface="微軟正黑體 Light"/>
-                <a:cs typeface="+mn-cs"/>
-              </a:endParaRPr>
-            </a:p>
-          </p:txBody>
-        </p:sp>
-        <p:pic>
-          <p:nvPicPr>
-            <p:cNvPr id="5" name="圖片 4">
-              <a:hlinkClick r:id="rId3"/>
-              <a:extLst>
-                <a:ext uri="{FF2B5EF4-FFF2-40B4-BE49-F238E27FC236}">
-                  <a16:creationId xmlns:a16="http://schemas.microsoft.com/office/drawing/2014/main" id="{75A21D52-E8EF-46DA-955C-3E4B01D47DD1}"/>
-                </a:ext>
-              </a:extLst>
-            </p:cNvPr>
-            <p:cNvPicPr>
-              <a:picLocks noChangeAspect="1"/>
-            </p:cNvPicPr>
-            <p:nvPr/>
-          </p:nvPicPr>
-          <p:blipFill>
-            <a:blip r:embed="rId4">
-              <a:extLst>
-                <a:ext uri="{28A0092B-C50C-407E-A947-70E740481C1C}">
-                  <a14:useLocalDpi xmlns:a14="http://schemas.microsoft.com/office/drawing/2010/main" val="0"/>
-                </a:ext>
-              </a:extLst>
-            </a:blip>
-            <a:stretch>
-              <a:fillRect/>
-            </a:stretch>
-          </p:blipFill>
-          <p:spPr>
-            <a:xfrm>
-              <a:off x="10805310" y="2185706"/>
-              <a:ext cx="584209" cy="571509"/>
-            </a:xfrm>
-            <a:prstGeom prst="rect">
-              <a:avLst/>
-            </a:prstGeom>
-          </p:spPr>
-        </p:pic>
-        <p:sp>
-          <p:nvSpPr>
-            <p:cNvPr id="4" name="文字方塊 3">
-              <a:extLst>
-                <a:ext uri="{FF2B5EF4-FFF2-40B4-BE49-F238E27FC236}">
-                  <a16:creationId xmlns:a16="http://schemas.microsoft.com/office/drawing/2014/main" id="{2F01F2E4-736E-45E5-A678-36FE233C3C11}"/>
-                </a:ext>
-              </a:extLst>
-            </p:cNvPr>
-            <p:cNvSpPr txBox="1"/>
-            <p:nvPr/>
-          </p:nvSpPr>
-          <p:spPr>
-            <a:xfrm>
-              <a:off x="10698304" y="5971358"/>
-              <a:ext cx="691215" cy="369332"/>
-            </a:xfrm>
-            <a:prstGeom prst="rect">
-              <a:avLst/>
-            </a:prstGeom>
-            <a:noFill/>
-          </p:spPr>
-          <p:txBody>
-            <a:bodyPr wrap="none" rtlCol="0">
-              <a:spAutoFit/>
-            </a:bodyPr>
-            <a:lstStyle/>
-            <a:p>
-              <a:pPr marL="0" marR="0" lvl="0" indent="0" algn="l" defTabSz="914400" rtl="0" eaLnBrk="1" fontAlgn="auto" latinLnBrk="0" hangingPunct="1">
-                <a:lnSpc>
-                  <a:spcPct val="100000"/>
-                </a:lnSpc>
-                <a:spcBef>
-                  <a:spcPts val="0"/>
-                </a:spcBef>
-                <a:spcAft>
-                  <a:spcPts val="0"/>
-                </a:spcAft>
-                <a:buClrTx/>
-                <a:buSzTx/>
-                <a:buFontTx/>
-                <a:buNone/>
-                <a:tabLst/>
-                <a:defRPr/>
-              </a:pPr>
-              <a:r>
-                <a:rPr kumimoji="0" lang="en-US" altLang="zh-TW" sz="1800" b="0" i="0" u="none" strike="noStrike" kern="1200" cap="none" spc="0" normalizeH="0" baseline="0" noProof="0">
-                  <a:ln>
-                    <a:noFill/>
-                  </a:ln>
-                  <a:solidFill>
-                    <a:srgbClr val="808080"/>
-                  </a:solidFill>
-                  <a:effectLst/>
-                  <a:uLnTx/>
-                  <a:uFillTx/>
-                  <a:latin typeface="Consolas"/>
-                  <a:ea typeface="微軟正黑體 Light"/>
-                  <a:cs typeface="+mn-cs"/>
-                </a:rPr>
-                <a:t>java</a:t>
-              </a:r>
-              <a:endParaRPr kumimoji="0" lang="zh-TW" altLang="en-US" sz="1800" b="0" i="0" u="none" strike="noStrike" kern="1200" cap="none" spc="0" normalizeH="0" baseline="0" noProof="0">
-                <a:ln>
-                  <a:noFill/>
-                </a:ln>
-                <a:solidFill>
-                  <a:srgbClr val="808080"/>
-                </a:solidFill>
-                <a:effectLst/>
-                <a:uLnTx/>
-                <a:uFillTx/>
-                <a:latin typeface="Consolas"/>
-                <a:ea typeface="微軟正黑體 Light"/>
-                <a:cs typeface="+mn-cs"/>
-              </a:endParaRPr>
-            </a:p>
-          </p:txBody>
-        </p:sp>
-      </p:grpSp>
-    </p:spTree>
-    <p:extLst>
-      <p:ext uri="{BB962C8B-B14F-4D97-AF65-F5344CB8AC3E}">
-        <p14:creationId xmlns:p14="http://schemas.microsoft.com/office/powerpoint/2010/main" val="3299016764"/>
       </p:ext>
     </p:extLst>
   </p:cSld>

--- a/powerpoint/03_編輯器與第一個 Java 程式.pptx
+++ b/powerpoint/03_編輯器與第一個 Java 程式.pptx
@@ -5,7 +5,7 @@
     <p:sldMasterId id="2147483685" r:id="rId1"/>
   </p:sldMasterIdLst>
   <p:notesMasterIdLst>
-    <p:notesMasterId r:id="rId14"/>
+    <p:notesMasterId r:id="rId15"/>
   </p:notesMasterIdLst>
   <p:sldIdLst>
     <p:sldId id="261" r:id="rId2"/>
@@ -18,8 +18,9 @@
     <p:sldId id="265" r:id="rId9"/>
     <p:sldId id="267" r:id="rId10"/>
     <p:sldId id="270" r:id="rId11"/>
-    <p:sldId id="271" r:id="rId12"/>
-    <p:sldId id="272" r:id="rId13"/>
+    <p:sldId id="274" r:id="rId12"/>
+    <p:sldId id="271" r:id="rId13"/>
+    <p:sldId id="272" r:id="rId14"/>
   </p:sldIdLst>
   <p:sldSz cx="12192000" cy="6858000"/>
   <p:notesSz cx="6858000" cy="9144000"/>
@@ -208,7 +209,7 @@
           <a:p>
             <a:fld id="{7CB51037-9A88-43F8-8062-A2DDD941B0DA}" type="datetimeFigureOut">
               <a:rPr lang="zh-TW" altLang="en-US" smtClean="0"/>
-              <a:t>2024/7/6</a:t>
+              <a:t>2024/7/7</a:t>
             </a:fld>
             <a:endParaRPr lang="zh-TW" altLang="en-US"/>
           </a:p>
@@ -676,7 +677,7 @@
                 <a:tabLst/>
                 <a:defRPr/>
               </a:pPr>
-              <a:t>12</a:t>
+              <a:t>13</a:t>
             </a:fld>
             <a:endParaRPr kumimoji="0" lang="zh-TW" altLang="en-US" sz="1200" b="0" i="0" u="none" strike="noStrike" kern="1200" cap="none" spc="0" normalizeH="0" baseline="0" noProof="0">
               <a:ln>
@@ -1868,7 +1869,7 @@
                 <a:tabLst/>
                 <a:defRPr/>
               </a:pPr>
-              <a:t>11</a:t>
+              <a:t>12</a:t>
             </a:fld>
             <a:endParaRPr kumimoji="0" lang="zh-TW" altLang="en-US" sz="1200" b="0" i="0" u="none" strike="noStrike" kern="1200" cap="none" spc="0" normalizeH="0" baseline="0" noProof="0">
               <a:ln>
@@ -10814,7 +10815,7 @@
           <p:cNvPr id="2" name="標題 1">
             <a:extLst>
               <a:ext uri="{FF2B5EF4-FFF2-40B4-BE49-F238E27FC236}">
-                <a16:creationId xmlns:a16="http://schemas.microsoft.com/office/drawing/2014/main" id="{9F2EE2D1-8102-410E-A569-41AEBA690F58}"/>
+                <a16:creationId xmlns:a16="http://schemas.microsoft.com/office/drawing/2014/main" id="{1B18F80A-9D65-4B79-9334-54FAE46C88A5}"/>
               </a:ext>
             </a:extLst>
           </p:cNvPr>
@@ -10825,24 +10826,42 @@
             <p:ph type="title"/>
           </p:nvPr>
         </p:nvSpPr>
-        <p:spPr/>
+        <p:spPr>
+          <a:xfrm>
+            <a:off x="838200" y="284442"/>
+            <a:ext cx="10515600" cy="1325563"/>
+          </a:xfrm>
+        </p:spPr>
         <p:txBody>
           <a:bodyPr/>
           <a:lstStyle/>
           <a:p>
             <a:r>
               <a:rPr lang="zh-TW" altLang="en-US"/>
-              <a:t>執行</a:t>
-            </a:r>
+              <a:t>編譯</a:t>
+            </a:r>
+            <a:r>
+              <a:rPr lang="en-US" altLang="zh-TW"/>
+              <a:t>(Compile)</a:t>
+            </a:r>
+            <a:r>
+              <a:rPr lang="zh-TW" altLang="en-US"/>
+              <a:t>與執行</a:t>
+            </a:r>
+            <a:r>
+              <a:rPr lang="en-US" altLang="zh-TW"/>
+              <a:t>(Run)</a:t>
+            </a:r>
+            <a:endParaRPr lang="zh-TW" altLang="en-US"/>
           </a:p>
         </p:txBody>
       </p:sp>
       <p:sp>
         <p:nvSpPr>
-          <p:cNvPr id="4" name="內容版面配置區 3">
+          <p:cNvPr id="3" name="內容版面配置區 2">
             <a:extLst>
               <a:ext uri="{FF2B5EF4-FFF2-40B4-BE49-F238E27FC236}">
-                <a16:creationId xmlns:a16="http://schemas.microsoft.com/office/drawing/2014/main" id="{C0B4A68A-EEAA-4220-82DB-398B567DDF5C}"/>
+                <a16:creationId xmlns:a16="http://schemas.microsoft.com/office/drawing/2014/main" id="{F7B1D3D7-1529-4ADD-BFFC-419E628C8D12}"/>
               </a:ext>
             </a:extLst>
           </p:cNvPr>
@@ -10855,27 +10874,63 @@
         </p:nvSpPr>
         <p:spPr>
           <a:xfrm>
-            <a:off x="838200" y="1654175"/>
-            <a:ext cx="10515600" cy="519223"/>
+            <a:off x="838200" y="1610472"/>
+            <a:ext cx="10515600" cy="1096869"/>
           </a:xfrm>
         </p:spPr>
         <p:txBody>
-          <a:bodyPr>
-            <a:normAutofit/>
-          </a:bodyPr>
+          <a:bodyPr/>
           <a:lstStyle/>
           <a:p>
             <a:r>
+              <a:rPr lang="en-US" altLang="zh-TW"/>
+              <a:t>Java </a:t>
+            </a:r>
+            <a:r>
               <a:rPr lang="zh-TW" altLang="en-US"/>
-              <a:t>在 </a:t>
+              <a:t>程式須經過編譯器</a:t>
             </a:r>
             <a:r>
               <a:rPr lang="en-US" altLang="zh-TW"/>
-              <a:t>bash/cmd/PowerShell </a:t>
+              <a:t>(compiler)</a:t>
             </a:r>
             <a:r>
               <a:rPr lang="zh-TW" altLang="en-US"/>
-              <a:t>中，依序使用下列指令來執行：</a:t>
+              <a:t>編譯成位元組碼</a:t>
+            </a:r>
+            <a:r>
+              <a:rPr lang="en-US" altLang="zh-TW"/>
+              <a:t>(bytecode)</a:t>
+            </a:r>
+          </a:p>
+          <a:p>
+            <a:r>
+              <a:rPr lang="zh-TW" altLang="en-US"/>
+              <a:t>才能被 </a:t>
+            </a:r>
+            <a:r>
+              <a:rPr lang="en-US" altLang="zh-TW"/>
+              <a:t>Java</a:t>
+            </a:r>
+            <a:r>
+              <a:rPr lang="zh-TW" altLang="en-US"/>
+              <a:t> 虛擬機</a:t>
+            </a:r>
+            <a:r>
+              <a:rPr lang="en-US" altLang="zh-TW"/>
+              <a:t>(Java Virtual Machine</a:t>
+            </a:r>
+            <a:r>
+              <a:rPr lang="zh-TW" altLang="en-US"/>
+              <a:t>，簡稱</a:t>
+            </a:r>
+            <a:r>
+              <a:rPr lang="en-US" altLang="zh-TW"/>
+              <a:t>JVM)</a:t>
+            </a:r>
+            <a:r>
+              <a:rPr lang="zh-TW" altLang="en-US"/>
+              <a:t>執行</a:t>
             </a:r>
             <a:endParaRPr lang="en-US" altLang="zh-TW"/>
           </a:p>
@@ -10883,10 +10938,10 @@
       </p:sp>
       <p:grpSp>
         <p:nvGrpSpPr>
-          <p:cNvPr id="17" name="群組 16">
+          <p:cNvPr id="4" name="群組 3">
             <a:extLst>
               <a:ext uri="{FF2B5EF4-FFF2-40B4-BE49-F238E27FC236}">
-                <a16:creationId xmlns:a16="http://schemas.microsoft.com/office/drawing/2014/main" id="{BE856424-8A99-4017-92D8-AD0C405A591C}"/>
+                <a16:creationId xmlns:a16="http://schemas.microsoft.com/office/drawing/2014/main" id="{A12469AE-F47A-43DE-B3BC-17373CDD4DD7}"/>
               </a:ext>
             </a:extLst>
           </p:cNvPr>
@@ -10895,18 +10950,18 @@
         </p:nvGrpSpPr>
         <p:grpSpPr>
           <a:xfrm>
-            <a:off x="838200" y="2308335"/>
-            <a:ext cx="4191000" cy="885371"/>
-            <a:chOff x="838200" y="2479785"/>
-            <a:chExt cx="4191000" cy="885371"/>
+            <a:off x="838200" y="2781480"/>
+            <a:ext cx="4952860" cy="1869743"/>
+            <a:chOff x="802481" y="3328325"/>
+            <a:chExt cx="4952860" cy="1869743"/>
           </a:xfrm>
         </p:grpSpPr>
         <p:sp>
           <p:nvSpPr>
-            <p:cNvPr id="13" name="Rectangle 2">
+            <p:cNvPr id="5" name="Rectangle 2">
               <a:extLst>
                 <a:ext uri="{FF2B5EF4-FFF2-40B4-BE49-F238E27FC236}">
-                  <a16:creationId xmlns:a16="http://schemas.microsoft.com/office/drawing/2014/main" id="{422DE6DC-888D-4CE1-AA97-0FB231523989}"/>
+                  <a16:creationId xmlns:a16="http://schemas.microsoft.com/office/drawing/2014/main" id="{6B287D6C-8D91-457D-B029-97B892F15E9E}"/>
                 </a:ext>
               </a:extLst>
             </p:cNvPr>
@@ -10917,8 +10972,8 @@
           </p:nvSpPr>
           <p:spPr bwMode="auto">
             <a:xfrm>
-              <a:off x="838200" y="2479785"/>
-              <a:ext cx="4191000" cy="885371"/>
+              <a:off x="802481" y="3328325"/>
+              <a:ext cx="4952860" cy="1869743"/>
             </a:xfrm>
             <a:prstGeom prst="rect">
               <a:avLst/>
@@ -10961,150 +11016,733 @@
             </a:bodyPr>
             <a:lstStyle/>
             <a:p>
-              <a:pPr marL="0" marR="0" lvl="0" indent="0" algn="l" defTabSz="914400" rtl="0" eaLnBrk="1" fontAlgn="auto" latinLnBrk="0" hangingPunct="1">
+              <a:pPr marL="0" marR="0" lvl="0" indent="0" algn="l" defTabSz="914400" rtl="0" eaLnBrk="0" fontAlgn="base" latinLnBrk="0" hangingPunct="0">
                 <a:lnSpc>
-                  <a:spcPct val="90000"/>
+                  <a:spcPct val="100000"/>
                 </a:lnSpc>
                 <a:spcBef>
-                  <a:spcPts val="1000"/>
+                  <a:spcPct val="0"/>
                 </a:spcBef>
                 <a:spcAft>
-                  <a:spcPts val="0"/>
+                  <a:spcPct val="0"/>
                 </a:spcAft>
                 <a:buClrTx/>
                 <a:buSzTx/>
-                <a:buFont typeface="Arial" panose="020B0604020202020204" pitchFamily="34" charset="0"/>
+                <a:buFontTx/>
                 <a:buNone/>
                 <a:tabLst/>
                 <a:defRPr/>
               </a:pPr>
               <a:r>
-                <a:rPr kumimoji="0" lang="fr-FR" altLang="zh-TW" sz="2400" b="0" i="0" u="none" strike="noStrike" kern="1200" cap="none" spc="0" normalizeH="0" baseline="0" noProof="0">
+                <a:rPr kumimoji="0" lang="zh-TW" altLang="zh-TW" sz="1050" b="0" i="0" u="none" strike="noStrike" kern="1200" cap="none" spc="0" normalizeH="0" baseline="0" noProof="0">
                   <a:ln>
                     <a:noFill/>
                   </a:ln>
                   <a:solidFill>
-                    <a:srgbClr val="00B0F0"/>
+                    <a:srgbClr val="7A7E85"/>
                   </a:solidFill>
                   <a:effectLst/>
                   <a:uLnTx/>
                   <a:uFillTx/>
                   <a:latin typeface="Consolas"/>
                   <a:ea typeface="微軟正黑體 Light"/>
-                  <a:cs typeface="+mn-cs"/>
+                  <a:cs typeface="JetBrains Mono" panose="02000009000000000000" pitchFamily="49" charset="0"/>
                 </a:rPr>
-                <a:t>javac</a:t>
+                <a:t>// </a:t>
               </a:r>
               <a:r>
-                <a:rPr kumimoji="0" lang="fr-FR" altLang="zh-TW" sz="2400" b="0" i="0" u="none" strike="noStrike" kern="1200" cap="none" spc="0" normalizeH="0" baseline="0" noProof="0">
+                <a:rPr kumimoji="0" lang="zh-TW" altLang="en-US" sz="1050" b="0" i="0" u="none" strike="noStrike" kern="1200" cap="none" spc="0" normalizeH="0" baseline="0" noProof="0">
                   <a:ln>
                     <a:noFill/>
                   </a:ln>
                   <a:solidFill>
-                    <a:prstClr val="white"/>
+                    <a:srgbClr val="7A7E85"/>
                   </a:solidFill>
                   <a:effectLst/>
                   <a:uLnTx/>
                   <a:uFillTx/>
                   <a:latin typeface="Consolas"/>
                   <a:ea typeface="微軟正黑體 Light"/>
-                  <a:cs typeface="+mn-cs"/>
+                  <a:cs typeface="JetBrains Mono" panose="02000009000000000000" pitchFamily="49" charset="0"/>
                 </a:rPr>
-                <a:t> </a:t>
+                <a:t>類別</a:t>
               </a:r>
               <a:r>
-                <a:rPr kumimoji="0" lang="fr-FR" altLang="zh-TW" sz="2400" b="0" i="0" u="none" strike="noStrike" kern="1200" cap="none" spc="0" normalizeH="0" baseline="0" noProof="0">
+                <a:rPr kumimoji="0" lang="en-US" altLang="zh-TW" sz="1050" b="0" i="0" u="none" strike="noStrike" kern="1200" cap="none" spc="0" normalizeH="0" baseline="0" noProof="0">
                   <a:ln>
                     <a:noFill/>
                   </a:ln>
                   <a:solidFill>
-                    <a:srgbClr val="B2B2B2"/>
+                    <a:srgbClr val="7A7E85"/>
                   </a:solidFill>
                   <a:effectLst/>
                   <a:uLnTx/>
                   <a:uFillTx/>
                   <a:latin typeface="Consolas"/>
                   <a:ea typeface="微軟正黑體 Light"/>
-                  <a:cs typeface="+mn-cs"/>
+                  <a:cs typeface="JetBrains Mono" panose="02000009000000000000" pitchFamily="49" charset="0"/>
                 </a:rPr>
-                <a:t>Main.java</a:t>
+                <a:t>(class)</a:t>
               </a:r>
-            </a:p>
-            <a:p>
-              <a:pPr marL="0" marR="0" lvl="0" indent="0" algn="l" defTabSz="914400" rtl="0" eaLnBrk="1" fontAlgn="auto" latinLnBrk="0" hangingPunct="1">
-                <a:lnSpc>
-                  <a:spcPct val="90000"/>
-                </a:lnSpc>
-                <a:spcBef>
-                  <a:spcPts val="1000"/>
-                </a:spcBef>
-                <a:spcAft>
-                  <a:spcPts val="0"/>
-                </a:spcAft>
-                <a:buClrTx/>
-                <a:buSzTx/>
-                <a:buFont typeface="Arial" panose="020B0604020202020204" pitchFamily="34" charset="0"/>
-                <a:buNone/>
-                <a:tabLst/>
-                <a:defRPr/>
-              </a:pPr>
               <a:r>
-                <a:rPr kumimoji="0" lang="fr-FR" altLang="zh-TW" sz="2400" b="0" i="0" u="none" strike="noStrike" kern="1200" cap="none" spc="0" normalizeH="0" baseline="0" noProof="0">
+                <a:rPr kumimoji="0" lang="zh-TW" altLang="zh-TW" sz="1050" b="0" i="0" u="none" strike="noStrike" kern="1200" cap="none" spc="0" normalizeH="0" baseline="0" noProof="0">
                   <a:ln>
                     <a:noFill/>
                   </a:ln>
                   <a:solidFill>
-                    <a:srgbClr val="00B0F0"/>
+                    <a:srgbClr val="7A7E85"/>
+                  </a:solidFill>
+                  <a:effectLst/>
+                  <a:uLnTx/>
+                  <a:uFillTx/>
+                  <a:latin typeface="Consolas"/>
+                  <a:ea typeface="微軟正黑體" panose="020B0604030504040204" pitchFamily="34" charset="-120"/>
+                  <a:cs typeface="JetBrains Mono" panose="02000009000000000000" pitchFamily="49" charset="0"/>
+                </a:rPr>
+                <a:t>名稱必須跟檔案名稱一樣</a:t>
+              </a:r>
+              <a:br>
+                <a:rPr kumimoji="0" lang="zh-TW" altLang="zh-TW" sz="1050" b="0" i="0" u="none" strike="noStrike" kern="1200" cap="none" spc="0" normalizeH="0" baseline="0" noProof="0">
+                  <a:ln>
+                    <a:noFill/>
+                  </a:ln>
+                  <a:solidFill>
+                    <a:srgbClr val="7A7E85"/>
+                  </a:solidFill>
+                  <a:effectLst/>
+                  <a:uLnTx/>
+                  <a:uFillTx/>
+                  <a:latin typeface="Consolas"/>
+                  <a:ea typeface="微軟正黑體" panose="020B0604030504040204" pitchFamily="34" charset="-120"/>
+                  <a:cs typeface="JetBrains Mono" panose="02000009000000000000" pitchFamily="49" charset="0"/>
+                </a:rPr>
+              </a:br>
+              <a:r>
+                <a:rPr kumimoji="0" lang="zh-TW" altLang="zh-TW" sz="1050" b="0" i="0" u="none" strike="noStrike" kern="1200" cap="none" spc="0" normalizeH="0" baseline="0" noProof="0">
+                  <a:ln>
+                    <a:noFill/>
+                  </a:ln>
+                  <a:solidFill>
+                    <a:srgbClr val="CF8E6D"/>
                   </a:solidFill>
                   <a:effectLst/>
                   <a:uLnTx/>
                   <a:uFillTx/>
                   <a:latin typeface="Consolas"/>
                   <a:ea typeface="微軟正黑體 Light"/>
-                  <a:cs typeface="+mn-cs"/>
+                  <a:cs typeface="JetBrains Mono" panose="02000009000000000000" pitchFamily="49" charset="0"/>
                 </a:rPr>
-                <a:t>java</a:t>
+                <a:t>public class </a:t>
               </a:r>
               <a:r>
-                <a:rPr kumimoji="0" lang="fr-FR" altLang="zh-TW" sz="2400" b="0" i="0" u="none" strike="noStrike" kern="1200" cap="none" spc="0" normalizeH="0" baseline="0" noProof="0">
+                <a:rPr kumimoji="0" lang="zh-TW" altLang="zh-TW" sz="1050" b="0" i="0" u="none" strike="noStrike" kern="1200" cap="none" spc="0" normalizeH="0" baseline="0" noProof="0">
                   <a:ln>
                     <a:noFill/>
                   </a:ln>
                   <a:solidFill>
-                    <a:prstClr val="white"/>
+                    <a:srgbClr val="BCBEC4"/>
                   </a:solidFill>
                   <a:effectLst/>
                   <a:uLnTx/>
                   <a:uFillTx/>
                   <a:latin typeface="Consolas"/>
                   <a:ea typeface="微軟正黑體 Light"/>
-                  <a:cs typeface="+mn-cs"/>
+                  <a:cs typeface="JetBrains Mono" panose="02000009000000000000" pitchFamily="49" charset="0"/>
                 </a:rPr>
-                <a:t> </a:t>
+                <a:t>Main {</a:t>
               </a:r>
-              <a:r>
-                <a:rPr kumimoji="0" lang="fr-FR" altLang="zh-TW" sz="2400" b="0" i="0" u="none" strike="noStrike" kern="1200" cap="none" spc="0" normalizeH="0" baseline="0" noProof="0">
+              <a:br>
+                <a:rPr kumimoji="0" lang="zh-TW" altLang="zh-TW" sz="1050" b="0" i="0" u="none" strike="noStrike" kern="1200" cap="none" spc="0" normalizeH="0" baseline="0" noProof="0">
                   <a:ln>
                     <a:noFill/>
                   </a:ln>
                   <a:solidFill>
-                    <a:srgbClr val="B2B2B2"/>
+                    <a:srgbClr val="BCBEC4"/>
                   </a:solidFill>
                   <a:effectLst/>
                   <a:uLnTx/>
                   <a:uFillTx/>
                   <a:latin typeface="Consolas"/>
                   <a:ea typeface="微軟正黑體 Light"/>
-                  <a:cs typeface="+mn-cs"/>
+                  <a:cs typeface="JetBrains Mono" panose="02000009000000000000" pitchFamily="49" charset="0"/>
                 </a:rPr>
-                <a:t>Main</a:t>
+              </a:br>
+              <a:br>
+                <a:rPr kumimoji="0" lang="zh-TW" altLang="zh-TW" sz="1050" b="0" i="0" u="none" strike="noStrike" kern="1200" cap="none" spc="0" normalizeH="0" baseline="0" noProof="0">
+                  <a:ln>
+                    <a:noFill/>
+                  </a:ln>
+                  <a:solidFill>
+                    <a:srgbClr val="BCBEC4"/>
+                  </a:solidFill>
+                  <a:effectLst/>
+                  <a:uLnTx/>
+                  <a:uFillTx/>
+                  <a:latin typeface="Consolas"/>
+                  <a:ea typeface="微軟正黑體 Light"/>
+                  <a:cs typeface="JetBrains Mono" panose="02000009000000000000" pitchFamily="49" charset="0"/>
+                </a:rPr>
+              </a:br>
+              <a:r>
+                <a:rPr kumimoji="0" lang="zh-TW" altLang="zh-TW" sz="1050" b="0" i="0" u="none" strike="noStrike" kern="1200" cap="none" spc="0" normalizeH="0" baseline="0" noProof="0">
+                  <a:ln>
+                    <a:noFill/>
+                  </a:ln>
+                  <a:solidFill>
+                    <a:srgbClr val="BCBEC4"/>
+                  </a:solidFill>
+                  <a:effectLst/>
+                  <a:uLnTx/>
+                  <a:uFillTx/>
+                  <a:latin typeface="Consolas"/>
+                  <a:ea typeface="微軟正黑體 Light"/>
+                  <a:cs typeface="JetBrains Mono" panose="02000009000000000000" pitchFamily="49" charset="0"/>
+                </a:rPr>
+                <a:t>    </a:t>
               </a:r>
-              <a:endParaRPr kumimoji="0" lang="en-US" altLang="zh-TW" sz="2400" b="0" i="0" u="none" strike="noStrike" kern="1200" cap="none" spc="0" normalizeH="0" baseline="0" noProof="0">
+              <a:r>
+                <a:rPr kumimoji="0" lang="en-US" altLang="zh-TW" sz="1050" b="0" i="0" u="none" strike="noStrike" kern="1200" cap="none" spc="0" normalizeH="0" baseline="0" noProof="0">
+                  <a:ln>
+                    <a:noFill/>
+                  </a:ln>
+                  <a:solidFill>
+                    <a:srgbClr val="7A7E85"/>
+                  </a:solidFill>
+                  <a:effectLst/>
+                  <a:uLnTx/>
+                  <a:uFillTx/>
+                  <a:latin typeface="Consolas"/>
+                  <a:ea typeface="微軟正黑體 Light"/>
+                  <a:cs typeface="JetBrains Mono" panose="02000009000000000000" pitchFamily="49" charset="0"/>
+                </a:rPr>
+                <a:t>// Java </a:t>
+              </a:r>
+              <a:r>
+                <a:rPr kumimoji="0" lang="zh-TW" altLang="en-US" sz="1050" b="0" i="0" u="none" strike="noStrike" kern="1200" cap="none" spc="0" normalizeH="0" baseline="0" noProof="0">
+                  <a:ln>
+                    <a:noFill/>
+                  </a:ln>
+                  <a:solidFill>
+                    <a:srgbClr val="7A7E85"/>
+                  </a:solidFill>
+                  <a:effectLst/>
+                  <a:uLnTx/>
+                  <a:uFillTx/>
+                  <a:latin typeface="Consolas"/>
+                  <a:ea typeface="微軟正黑體 Light"/>
+                  <a:cs typeface="JetBrains Mono" panose="02000009000000000000" pitchFamily="49" charset="0"/>
+                </a:rPr>
+                <a:t>程式需要一個主方法</a:t>
+              </a:r>
+              <a:r>
+                <a:rPr kumimoji="0" lang="en-US" altLang="zh-TW" sz="1050" b="0" i="0" u="none" strike="noStrike" kern="1200" cap="none" spc="0" normalizeH="0" baseline="0" noProof="0">
+                  <a:ln>
+                    <a:noFill/>
+                  </a:ln>
+                  <a:solidFill>
+                    <a:srgbClr val="7A7E85"/>
+                  </a:solidFill>
+                  <a:effectLst/>
+                  <a:uLnTx/>
+                  <a:uFillTx/>
+                  <a:latin typeface="Consolas"/>
+                  <a:ea typeface="微軟正黑體 Light"/>
+                  <a:cs typeface="JetBrains Mono" panose="02000009000000000000" pitchFamily="49" charset="0"/>
+                </a:rPr>
+                <a:t>(main </a:t>
+              </a:r>
+              <a:r>
+                <a:rPr kumimoji="0" lang="zh-TW" altLang="en-US" sz="1050" b="0" i="0" u="none" strike="noStrike" kern="1200" cap="none" spc="0" normalizeH="0" baseline="0" noProof="0">
+                  <a:ln>
+                    <a:noFill/>
+                  </a:ln>
+                  <a:solidFill>
+                    <a:srgbClr val="7A7E85"/>
+                  </a:solidFill>
+                  <a:effectLst/>
+                  <a:uLnTx/>
+                  <a:uFillTx/>
+                  <a:latin typeface="Consolas"/>
+                  <a:ea typeface="微軟正黑體 Light"/>
+                  <a:cs typeface="JetBrains Mono" panose="02000009000000000000" pitchFamily="49" charset="0"/>
+                </a:rPr>
+                <a:t>方法</a:t>
+              </a:r>
+              <a:r>
+                <a:rPr kumimoji="0" lang="en-US" altLang="zh-TW" sz="1050" b="0" i="0" u="none" strike="noStrike" kern="1200" cap="none" spc="0" normalizeH="0" baseline="0" noProof="0">
+                  <a:ln>
+                    <a:noFill/>
+                  </a:ln>
+                  <a:solidFill>
+                    <a:srgbClr val="7A7E85"/>
+                  </a:solidFill>
+                  <a:effectLst/>
+                  <a:uLnTx/>
+                  <a:uFillTx/>
+                  <a:latin typeface="Consolas"/>
+                  <a:ea typeface="微軟正黑體 Light"/>
+                  <a:cs typeface="JetBrains Mono" panose="02000009000000000000" pitchFamily="49" charset="0"/>
+                </a:rPr>
+                <a:t>)</a:t>
+              </a:r>
+              <a:r>
+                <a:rPr kumimoji="0" lang="zh-TW" altLang="en-US" sz="1050" b="0" i="0" u="none" strike="noStrike" kern="1200" cap="none" spc="0" normalizeH="0" baseline="0" noProof="0">
+                  <a:ln>
+                    <a:noFill/>
+                  </a:ln>
+                  <a:solidFill>
+                    <a:srgbClr val="7A7E85"/>
+                  </a:solidFill>
+                  <a:effectLst/>
+                  <a:uLnTx/>
+                  <a:uFillTx/>
+                  <a:latin typeface="Consolas"/>
+                  <a:ea typeface="微軟正黑體 Light"/>
+                  <a:cs typeface="JetBrains Mono" panose="02000009000000000000" pitchFamily="49" charset="0"/>
+                </a:rPr>
+                <a:t>，程式從這裡開始執行</a:t>
+              </a:r>
+              <a:br>
+                <a:rPr kumimoji="0" lang="zh-TW" altLang="zh-TW" sz="1050" b="0" i="0" u="none" strike="noStrike" kern="1200" cap="none" spc="0" normalizeH="0" baseline="0" noProof="0">
+                  <a:ln>
+                    <a:noFill/>
+                  </a:ln>
+                  <a:solidFill>
+                    <a:srgbClr val="7A7E85"/>
+                  </a:solidFill>
+                  <a:effectLst/>
+                  <a:uLnTx/>
+                  <a:uFillTx/>
+                  <a:latin typeface="Consolas"/>
+                  <a:ea typeface="微軟正黑體 Light"/>
+                  <a:cs typeface="JetBrains Mono" panose="02000009000000000000" pitchFamily="49" charset="0"/>
+                </a:rPr>
+              </a:br>
+              <a:r>
+                <a:rPr kumimoji="0" lang="zh-TW" altLang="zh-TW" sz="1050" b="0" i="0" u="none" strike="noStrike" kern="1200" cap="none" spc="0" normalizeH="0" baseline="0" noProof="0">
+                  <a:ln>
+                    <a:noFill/>
+                  </a:ln>
+                  <a:solidFill>
+                    <a:srgbClr val="7A7E85"/>
+                  </a:solidFill>
+                  <a:effectLst/>
+                  <a:uLnTx/>
+                  <a:uFillTx/>
+                  <a:latin typeface="Consolas"/>
+                  <a:ea typeface="微軟正黑體 Light"/>
+                  <a:cs typeface="JetBrains Mono" panose="02000009000000000000" pitchFamily="49" charset="0"/>
+                </a:rPr>
+                <a:t>    </a:t>
+              </a:r>
+              <a:r>
+                <a:rPr kumimoji="0" lang="zh-TW" altLang="zh-TW" sz="1050" b="0" i="0" u="none" strike="noStrike" kern="1200" cap="none" spc="0" normalizeH="0" baseline="0" noProof="0">
+                  <a:ln>
+                    <a:noFill/>
+                  </a:ln>
+                  <a:solidFill>
+                    <a:srgbClr val="CF8E6D"/>
+                  </a:solidFill>
+                  <a:effectLst/>
+                  <a:uLnTx/>
+                  <a:uFillTx/>
+                  <a:latin typeface="Consolas"/>
+                  <a:ea typeface="微軟正黑體 Light"/>
+                  <a:cs typeface="JetBrains Mono" panose="02000009000000000000" pitchFamily="49" charset="0"/>
+                </a:rPr>
+                <a:t>public static void </a:t>
+              </a:r>
+              <a:r>
+                <a:rPr kumimoji="0" lang="zh-TW" altLang="zh-TW" sz="1050" b="0" i="0" u="none" strike="noStrike" kern="1200" cap="none" spc="0" normalizeH="0" baseline="0" noProof="0">
+                  <a:ln>
+                    <a:noFill/>
+                  </a:ln>
+                  <a:solidFill>
+                    <a:srgbClr val="56A8F5"/>
+                  </a:solidFill>
+                  <a:effectLst/>
+                  <a:uLnTx/>
+                  <a:uFillTx/>
+                  <a:latin typeface="Consolas"/>
+                  <a:ea typeface="微軟正黑體 Light"/>
+                  <a:cs typeface="JetBrains Mono" panose="02000009000000000000" pitchFamily="49" charset="0"/>
+                </a:rPr>
+                <a:t>main</a:t>
+              </a:r>
+              <a:r>
+                <a:rPr kumimoji="0" lang="zh-TW" altLang="zh-TW" sz="1050" b="0" i="0" u="none" strike="noStrike" kern="1200" cap="none" spc="0" normalizeH="0" baseline="0" noProof="0">
+                  <a:ln>
+                    <a:noFill/>
+                  </a:ln>
+                  <a:solidFill>
+                    <a:srgbClr val="BCBEC4"/>
+                  </a:solidFill>
+                  <a:effectLst/>
+                  <a:uLnTx/>
+                  <a:uFillTx/>
+                  <a:latin typeface="Consolas"/>
+                  <a:ea typeface="微軟正黑體 Light"/>
+                  <a:cs typeface="JetBrains Mono" panose="02000009000000000000" pitchFamily="49" charset="0"/>
+                </a:rPr>
+                <a:t>(String[] args) {</a:t>
+              </a:r>
+              <a:br>
+                <a:rPr kumimoji="0" lang="zh-TW" altLang="zh-TW" sz="1050" b="0" i="0" u="none" strike="noStrike" kern="1200" cap="none" spc="0" normalizeH="0" baseline="0" noProof="0">
+                  <a:ln>
+                    <a:noFill/>
+                  </a:ln>
+                  <a:solidFill>
+                    <a:srgbClr val="BCBEC4"/>
+                  </a:solidFill>
+                  <a:effectLst/>
+                  <a:uLnTx/>
+                  <a:uFillTx/>
+                  <a:latin typeface="Consolas"/>
+                  <a:ea typeface="微軟正黑體 Light"/>
+                  <a:cs typeface="JetBrains Mono" panose="02000009000000000000" pitchFamily="49" charset="0"/>
+                </a:rPr>
+              </a:br>
+              <a:br>
+                <a:rPr kumimoji="0" lang="zh-TW" altLang="zh-TW" sz="1050" b="0" i="0" u="none" strike="noStrike" kern="1200" cap="none" spc="0" normalizeH="0" baseline="0" noProof="0">
+                  <a:ln>
+                    <a:noFill/>
+                  </a:ln>
+                  <a:solidFill>
+                    <a:srgbClr val="BCBEC4"/>
+                  </a:solidFill>
+                  <a:effectLst/>
+                  <a:uLnTx/>
+                  <a:uFillTx/>
+                  <a:latin typeface="Consolas"/>
+                  <a:ea typeface="微軟正黑體 Light"/>
+                  <a:cs typeface="JetBrains Mono" panose="02000009000000000000" pitchFamily="49" charset="0"/>
+                </a:rPr>
+              </a:br>
+              <a:r>
+                <a:rPr kumimoji="0" lang="zh-TW" altLang="zh-TW" sz="1050" b="0" i="0" u="none" strike="noStrike" kern="1200" cap="none" spc="0" normalizeH="0" baseline="0" noProof="0">
+                  <a:ln>
+                    <a:noFill/>
+                  </a:ln>
+                  <a:solidFill>
+                    <a:srgbClr val="BCBEC4"/>
+                  </a:solidFill>
+                  <a:effectLst/>
+                  <a:uLnTx/>
+                  <a:uFillTx/>
+                  <a:latin typeface="Consolas"/>
+                  <a:ea typeface="微軟正黑體 Light"/>
+                  <a:cs typeface="JetBrains Mono" panose="02000009000000000000" pitchFamily="49" charset="0"/>
+                </a:rPr>
+                <a:t>        </a:t>
+              </a:r>
+              <a:r>
+                <a:rPr kumimoji="0" lang="zh-TW" altLang="zh-TW" sz="1050" b="0" i="0" u="none" strike="noStrike" kern="1200" cap="none" spc="0" normalizeH="0" baseline="0" noProof="0">
+                  <a:ln>
+                    <a:noFill/>
+                  </a:ln>
+                  <a:solidFill>
+                    <a:srgbClr val="7A7E85"/>
+                  </a:solidFill>
+                  <a:effectLst/>
+                  <a:uLnTx/>
+                  <a:uFillTx/>
+                  <a:latin typeface="Consolas"/>
+                  <a:ea typeface="微軟正黑體 Light"/>
+                  <a:cs typeface="JetBrains Mono" panose="02000009000000000000" pitchFamily="49" charset="0"/>
+                </a:rPr>
+                <a:t>// </a:t>
+              </a:r>
+              <a:r>
+                <a:rPr kumimoji="0" lang="zh-TW" altLang="zh-TW" sz="1050" b="0" i="0" u="none" strike="noStrike" kern="1200" cap="none" spc="0" normalizeH="0" baseline="0" noProof="0">
+                  <a:ln>
+                    <a:noFill/>
+                  </a:ln>
+                  <a:solidFill>
+                    <a:srgbClr val="7A7E85"/>
+                  </a:solidFill>
+                  <a:effectLst/>
+                  <a:uLnTx/>
+                  <a:uFillTx/>
+                  <a:latin typeface="Consolas"/>
+                  <a:ea typeface="微軟正黑體" panose="020B0604030504040204" pitchFamily="34" charset="-120"/>
+                  <a:cs typeface="JetBrains Mono" panose="02000009000000000000" pitchFamily="49" charset="0"/>
+                </a:rPr>
+                <a:t>在</a:t>
+              </a:r>
+              <a:r>
+                <a:rPr kumimoji="0" lang="zh-TW" altLang="zh-TW" sz="1050" b="0" i="0" u="none" strike="noStrike" kern="1200" cap="none" spc="0" normalizeH="0" baseline="0" noProof="0">
+                  <a:ln>
+                    <a:noFill/>
+                  </a:ln>
+                  <a:solidFill>
+                    <a:srgbClr val="7A7E85"/>
+                  </a:solidFill>
+                  <a:effectLst/>
+                  <a:uLnTx/>
+                  <a:uFillTx/>
+                  <a:latin typeface="Consolas"/>
+                  <a:ea typeface="微軟正黑體 Light"/>
+                  <a:cs typeface="JetBrains Mono" panose="02000009000000000000" pitchFamily="49" charset="0"/>
+                </a:rPr>
+                <a:t> Java </a:t>
+              </a:r>
+              <a:r>
+                <a:rPr kumimoji="0" lang="zh-TW" altLang="zh-TW" sz="1050" b="0" i="0" u="none" strike="noStrike" kern="1200" cap="none" spc="0" normalizeH="0" baseline="0" noProof="0">
+                  <a:ln>
+                    <a:noFill/>
+                  </a:ln>
+                  <a:solidFill>
+                    <a:srgbClr val="7A7E85"/>
+                  </a:solidFill>
+                  <a:effectLst/>
+                  <a:uLnTx/>
+                  <a:uFillTx/>
+                  <a:latin typeface="Consolas"/>
+                  <a:ea typeface="微軟正黑體" panose="020B0604030504040204" pitchFamily="34" charset="-120"/>
+                  <a:cs typeface="JetBrains Mono" panose="02000009000000000000" pitchFamily="49" charset="0"/>
+                </a:rPr>
+                <a:t>中，使用</a:t>
+              </a:r>
+              <a:r>
+                <a:rPr kumimoji="0" lang="zh-TW" altLang="zh-TW" sz="1050" b="0" i="0" u="none" strike="noStrike" kern="1200" cap="none" spc="0" normalizeH="0" baseline="0" noProof="0">
+                  <a:ln>
+                    <a:noFill/>
+                  </a:ln>
+                  <a:solidFill>
+                    <a:srgbClr val="7A7E85"/>
+                  </a:solidFill>
+                  <a:effectLst/>
+                  <a:uLnTx/>
+                  <a:uFillTx/>
+                  <a:latin typeface="Consolas"/>
+                  <a:ea typeface="微軟正黑體 Light"/>
+                  <a:cs typeface="JetBrains Mono" panose="02000009000000000000" pitchFamily="49" charset="0"/>
+                </a:rPr>
+                <a:t> System.out.println() </a:t>
+              </a:r>
+              <a:r>
+                <a:rPr kumimoji="0" lang="zh-TW" altLang="zh-TW" sz="1050" b="0" i="0" u="none" strike="noStrike" kern="1200" cap="none" spc="0" normalizeH="0" baseline="0" noProof="0">
+                  <a:ln>
+                    <a:noFill/>
+                  </a:ln>
+                  <a:solidFill>
+                    <a:srgbClr val="7A7E85"/>
+                  </a:solidFill>
+                  <a:effectLst/>
+                  <a:uLnTx/>
+                  <a:uFillTx/>
+                  <a:latin typeface="Consolas"/>
+                  <a:ea typeface="微軟正黑體" panose="020B0604030504040204" pitchFamily="34" charset="-120"/>
+                  <a:cs typeface="JetBrains Mono" panose="02000009000000000000" pitchFamily="49" charset="0"/>
+                </a:rPr>
+                <a:t>來輸出資料</a:t>
+              </a:r>
+              <a:br>
+                <a:rPr kumimoji="0" lang="zh-TW" altLang="zh-TW" sz="1050" b="0" i="0" u="none" strike="noStrike" kern="1200" cap="none" spc="0" normalizeH="0" baseline="0" noProof="0">
+                  <a:ln>
+                    <a:noFill/>
+                  </a:ln>
+                  <a:solidFill>
+                    <a:srgbClr val="7A7E85"/>
+                  </a:solidFill>
+                  <a:effectLst/>
+                  <a:uLnTx/>
+                  <a:uFillTx/>
+                  <a:latin typeface="Consolas"/>
+                  <a:ea typeface="微軟正黑體" panose="020B0604030504040204" pitchFamily="34" charset="-120"/>
+                  <a:cs typeface="JetBrains Mono" panose="02000009000000000000" pitchFamily="49" charset="0"/>
+                </a:rPr>
+              </a:br>
+              <a:r>
+                <a:rPr kumimoji="0" lang="zh-TW" altLang="zh-TW" sz="1050" b="0" i="0" u="none" strike="noStrike" kern="1200" cap="none" spc="0" normalizeH="0" baseline="0" noProof="0">
+                  <a:ln>
+                    <a:noFill/>
+                  </a:ln>
+                  <a:solidFill>
+                    <a:srgbClr val="7A7E85"/>
+                  </a:solidFill>
+                  <a:effectLst/>
+                  <a:uLnTx/>
+                  <a:uFillTx/>
+                  <a:latin typeface="Consolas"/>
+                  <a:ea typeface="微軟正黑體" panose="020B0604030504040204" pitchFamily="34" charset="-120"/>
+                  <a:cs typeface="JetBrains Mono" panose="02000009000000000000" pitchFamily="49" charset="0"/>
+                </a:rPr>
+                <a:t>        </a:t>
+              </a:r>
+              <a:r>
+                <a:rPr kumimoji="0" lang="zh-TW" altLang="zh-TW" sz="1050" b="0" i="0" u="none" strike="noStrike" kern="1200" cap="none" spc="0" normalizeH="0" baseline="0" noProof="0">
+                  <a:ln>
+                    <a:noFill/>
+                  </a:ln>
+                  <a:solidFill>
+                    <a:srgbClr val="BCBEC4"/>
+                  </a:solidFill>
+                  <a:effectLst/>
+                  <a:uLnTx/>
+                  <a:uFillTx/>
+                  <a:latin typeface="Consolas"/>
+                  <a:ea typeface="微軟正黑體 Light"/>
+                  <a:cs typeface="JetBrains Mono" panose="02000009000000000000" pitchFamily="49" charset="0"/>
+                </a:rPr>
+                <a:t>System.</a:t>
+              </a:r>
+              <a:r>
+                <a:rPr kumimoji="0" lang="zh-TW" altLang="zh-TW" sz="1050" b="0" i="1" u="none" strike="noStrike" kern="1200" cap="none" spc="0" normalizeH="0" baseline="0" noProof="0">
+                  <a:ln>
+                    <a:noFill/>
+                  </a:ln>
+                  <a:solidFill>
+                    <a:srgbClr val="C77DBB"/>
+                  </a:solidFill>
+                  <a:effectLst/>
+                  <a:uLnTx/>
+                  <a:uFillTx/>
+                  <a:latin typeface="Consolas"/>
+                  <a:ea typeface="微軟正黑體 Light"/>
+                  <a:cs typeface="JetBrains Mono" panose="02000009000000000000" pitchFamily="49" charset="0"/>
+                </a:rPr>
+                <a:t>out</a:t>
+              </a:r>
+              <a:r>
+                <a:rPr kumimoji="0" lang="zh-TW" altLang="zh-TW" sz="1050" b="0" i="0" u="none" strike="noStrike" kern="1200" cap="none" spc="0" normalizeH="0" baseline="0" noProof="0">
+                  <a:ln>
+                    <a:noFill/>
+                  </a:ln>
+                  <a:solidFill>
+                    <a:srgbClr val="BCBEC4"/>
+                  </a:solidFill>
+                  <a:effectLst/>
+                  <a:uLnTx/>
+                  <a:uFillTx/>
+                  <a:latin typeface="Consolas"/>
+                  <a:ea typeface="微軟正黑體 Light"/>
+                  <a:cs typeface="JetBrains Mono" panose="02000009000000000000" pitchFamily="49" charset="0"/>
+                </a:rPr>
+                <a:t>.println(</a:t>
+              </a:r>
+              <a:r>
+                <a:rPr kumimoji="0" lang="zh-TW" altLang="zh-TW" sz="1050" b="0" i="0" u="none" strike="noStrike" kern="1200" cap="none" spc="0" normalizeH="0" baseline="0" noProof="0">
+                  <a:ln>
+                    <a:noFill/>
+                  </a:ln>
+                  <a:solidFill>
+                    <a:srgbClr val="6AAB73"/>
+                  </a:solidFill>
+                  <a:effectLst/>
+                  <a:uLnTx/>
+                  <a:uFillTx/>
+                  <a:latin typeface="Consolas"/>
+                  <a:ea typeface="微軟正黑體 Light"/>
+                  <a:cs typeface="JetBrains Mono" panose="02000009000000000000" pitchFamily="49" charset="0"/>
+                </a:rPr>
+                <a:t>"Hello, World!"</a:t>
+              </a:r>
+              <a:r>
+                <a:rPr kumimoji="0" lang="zh-TW" altLang="zh-TW" sz="1050" b="0" i="0" u="none" strike="noStrike" kern="1200" cap="none" spc="0" normalizeH="0" baseline="0" noProof="0">
+                  <a:ln>
+                    <a:noFill/>
+                  </a:ln>
+                  <a:solidFill>
+                    <a:srgbClr val="BCBEC4"/>
+                  </a:solidFill>
+                  <a:effectLst/>
+                  <a:uLnTx/>
+                  <a:uFillTx/>
+                  <a:latin typeface="Consolas"/>
+                  <a:ea typeface="微軟正黑體 Light"/>
+                  <a:cs typeface="JetBrains Mono" panose="02000009000000000000" pitchFamily="49" charset="0"/>
+                </a:rPr>
+                <a:t>);</a:t>
+              </a:r>
+              <a:br>
+                <a:rPr kumimoji="0" lang="zh-TW" altLang="zh-TW" sz="1050" b="0" i="0" u="none" strike="noStrike" kern="1200" cap="none" spc="0" normalizeH="0" baseline="0" noProof="0">
+                  <a:ln>
+                    <a:noFill/>
+                  </a:ln>
+                  <a:solidFill>
+                    <a:srgbClr val="BCBEC4"/>
+                  </a:solidFill>
+                  <a:effectLst/>
+                  <a:uLnTx/>
+                  <a:uFillTx/>
+                  <a:latin typeface="Consolas"/>
+                  <a:ea typeface="微軟正黑體 Light"/>
+                  <a:cs typeface="JetBrains Mono" panose="02000009000000000000" pitchFamily="49" charset="0"/>
+                </a:rPr>
+              </a:br>
+              <a:br>
+                <a:rPr kumimoji="0" lang="zh-TW" altLang="zh-TW" sz="1050" b="0" i="0" u="none" strike="noStrike" kern="1200" cap="none" spc="0" normalizeH="0" baseline="0" noProof="0">
+                  <a:ln>
+                    <a:noFill/>
+                  </a:ln>
+                  <a:solidFill>
+                    <a:srgbClr val="BCBEC4"/>
+                  </a:solidFill>
+                  <a:effectLst/>
+                  <a:uLnTx/>
+                  <a:uFillTx/>
+                  <a:latin typeface="Consolas"/>
+                  <a:ea typeface="微軟正黑體 Light"/>
+                  <a:cs typeface="JetBrains Mono" panose="02000009000000000000" pitchFamily="49" charset="0"/>
+                </a:rPr>
+              </a:br>
+              <a:r>
+                <a:rPr kumimoji="0" lang="zh-TW" altLang="zh-TW" sz="1050" b="0" i="0" u="none" strike="noStrike" kern="1200" cap="none" spc="0" normalizeH="0" baseline="0" noProof="0">
+                  <a:ln>
+                    <a:noFill/>
+                  </a:ln>
+                  <a:solidFill>
+                    <a:srgbClr val="BCBEC4"/>
+                  </a:solidFill>
+                  <a:effectLst/>
+                  <a:uLnTx/>
+                  <a:uFillTx/>
+                  <a:latin typeface="Consolas"/>
+                  <a:ea typeface="微軟正黑體 Light"/>
+                  <a:cs typeface="JetBrains Mono" panose="02000009000000000000" pitchFamily="49" charset="0"/>
+                </a:rPr>
+                <a:t>    }</a:t>
+              </a:r>
+              <a:br>
+                <a:rPr kumimoji="0" lang="zh-TW" altLang="zh-TW" sz="1050" b="0" i="0" u="none" strike="noStrike" kern="1200" cap="none" spc="0" normalizeH="0" baseline="0" noProof="0">
+                  <a:ln>
+                    <a:noFill/>
+                  </a:ln>
+                  <a:solidFill>
+                    <a:srgbClr val="BCBEC4"/>
+                  </a:solidFill>
+                  <a:effectLst/>
+                  <a:uLnTx/>
+                  <a:uFillTx/>
+                  <a:latin typeface="Consolas"/>
+                  <a:ea typeface="微軟正黑體 Light"/>
+                  <a:cs typeface="JetBrains Mono" panose="02000009000000000000" pitchFamily="49" charset="0"/>
+                </a:rPr>
+              </a:br>
+              <a:r>
+                <a:rPr kumimoji="0" lang="zh-TW" altLang="zh-TW" sz="1050" b="0" i="0" u="none" strike="noStrike" kern="1200" cap="none" spc="0" normalizeH="0" baseline="0" noProof="0">
+                  <a:ln>
+                    <a:noFill/>
+                  </a:ln>
+                  <a:solidFill>
+                    <a:srgbClr val="BCBEC4"/>
+                  </a:solidFill>
+                  <a:effectLst/>
+                  <a:uLnTx/>
+                  <a:uFillTx/>
+                  <a:latin typeface="Consolas"/>
+                  <a:ea typeface="微軟正黑體 Light"/>
+                  <a:cs typeface="JetBrains Mono" panose="02000009000000000000" pitchFamily="49" charset="0"/>
+                </a:rPr>
+                <a:t>}</a:t>
+              </a:r>
+              <a:endParaRPr kumimoji="0" lang="zh-TW" altLang="zh-TW" sz="1600" b="0" i="0" u="none" strike="noStrike" kern="1200" cap="none" spc="0" normalizeH="0" baseline="0" noProof="0">
                 <a:ln>
                   <a:noFill/>
                 </a:ln>
                 <a:solidFill>
-                  <a:srgbClr val="B2B2B2"/>
+                  <a:prstClr val="white"/>
                 </a:solidFill>
                 <a:effectLst/>
                 <a:uLnTx/>
@@ -11116,12 +11754,49 @@
             </a:p>
           </p:txBody>
         </p:sp>
+        <p:pic>
+          <p:nvPicPr>
+            <p:cNvPr id="6" name="圖片 5">
+              <a:hlinkClick r:id="rId2"/>
+              <a:extLst>
+                <a:ext uri="{FF2B5EF4-FFF2-40B4-BE49-F238E27FC236}">
+                  <a16:creationId xmlns:a16="http://schemas.microsoft.com/office/drawing/2014/main" id="{ABAA4BF6-08AE-485C-BCA0-18B15998B6CF}"/>
+                </a:ext>
+              </a:extLst>
+            </p:cNvPr>
+            <p:cNvPicPr>
+              <a:picLocks noChangeAspect="1"/>
+            </p:cNvPicPr>
+            <p:nvPr/>
+          </p:nvPicPr>
+          <p:blipFill>
+            <a:blip r:embed="rId3">
+              <a:extLst>
+                <a:ext uri="{28A0092B-C50C-407E-A947-70E740481C1C}">
+                  <a14:useLocalDpi xmlns:a14="http://schemas.microsoft.com/office/drawing/2010/main" val="0"/>
+                </a:ext>
+              </a:extLst>
+            </a:blip>
+            <a:stretch>
+              <a:fillRect/>
+            </a:stretch>
+          </p:blipFill>
+          <p:spPr>
+            <a:xfrm>
+              <a:off x="5472187" y="3328325"/>
+              <a:ext cx="283154" cy="276999"/>
+            </a:xfrm>
+            <a:prstGeom prst="rect">
+              <a:avLst/>
+            </a:prstGeom>
+          </p:spPr>
+        </p:pic>
         <p:sp>
           <p:nvSpPr>
-            <p:cNvPr id="14" name="文字方塊 13">
+            <p:cNvPr id="7" name="文字方塊 6">
               <a:extLst>
                 <a:ext uri="{FF2B5EF4-FFF2-40B4-BE49-F238E27FC236}">
-                  <a16:creationId xmlns:a16="http://schemas.microsoft.com/office/drawing/2014/main" id="{7C5C2F8A-BC69-47CD-856B-C3579132A857}"/>
+                  <a16:creationId xmlns:a16="http://schemas.microsoft.com/office/drawing/2014/main" id="{FB92C758-5E63-45FA-85E0-8697B7225DD2}"/>
                 </a:ext>
               </a:extLst>
             </p:cNvPr>
@@ -11130,8 +11805,8 @@
           </p:nvSpPr>
           <p:spPr>
             <a:xfrm>
-              <a:off x="4337985" y="2995824"/>
-              <a:ext cx="691215" cy="369332"/>
+              <a:off x="5230838" y="4921069"/>
+              <a:ext cx="524503" cy="276999"/>
             </a:xfrm>
             <a:prstGeom prst="rect">
               <a:avLst/>
@@ -11162,7 +11837,7 @@
                 <a:defRPr/>
               </a:pPr>
               <a:r>
-                <a:rPr kumimoji="0" lang="en-US" altLang="zh-TW" sz="1800" b="0" i="0" u="none" strike="noStrike" kern="1200" cap="none" spc="0" normalizeH="0" baseline="0" noProof="0">
+                <a:rPr kumimoji="0" lang="en-US" altLang="zh-TW" sz="1200" b="0" i="0" u="none" strike="noStrike" kern="1200" cap="none" spc="0" normalizeH="0" baseline="0" noProof="0">
                   <a:ln>
                     <a:noFill/>
                   </a:ln>
@@ -11176,9 +11851,9 @@
                   <a:ea typeface="微軟正黑體 Light"/>
                   <a:cs typeface="+mn-cs"/>
                 </a:rPr>
-                <a:t>bash</a:t>
+                <a:t>java</a:t>
               </a:r>
-              <a:endParaRPr kumimoji="0" lang="zh-TW" altLang="en-US" sz="1800" b="0" i="0" u="none" strike="noStrike" kern="1200" cap="none" spc="0" normalizeH="0" baseline="0" noProof="0">
+              <a:endParaRPr kumimoji="0" lang="zh-TW" altLang="en-US" sz="1200" b="0" i="0" u="none" strike="noStrike" kern="1200" cap="none" spc="0" normalizeH="0" baseline="0" noProof="0">
                 <a:ln>
                   <a:noFill/>
                 </a:ln>
@@ -11196,6 +11871,851 @@
           </p:txBody>
         </p:sp>
       </p:grpSp>
+      <p:sp>
+        <p:nvSpPr>
+          <p:cNvPr id="10" name="箭號: 向右 9">
+            <a:extLst>
+              <a:ext uri="{FF2B5EF4-FFF2-40B4-BE49-F238E27FC236}">
+                <a16:creationId xmlns:a16="http://schemas.microsoft.com/office/drawing/2014/main" id="{7BD68E95-72A4-4350-ADE9-8F343DCA82BB}"/>
+              </a:ext>
+            </a:extLst>
+          </p:cNvPr>
+          <p:cNvSpPr/>
+          <p:nvPr/>
+        </p:nvSpPr>
+        <p:spPr>
+          <a:xfrm>
+            <a:off x="5876542" y="3577397"/>
+            <a:ext cx="1864625" cy="277907"/>
+          </a:xfrm>
+          <a:prstGeom prst="rightArrow">
+            <a:avLst/>
+          </a:prstGeom>
+          <a:solidFill>
+            <a:srgbClr val="FFC000"/>
+          </a:solidFill>
+          <a:ln>
+            <a:noFill/>
+          </a:ln>
+        </p:spPr>
+        <p:style>
+          <a:lnRef idx="2">
+            <a:schemeClr val="accent1">
+              <a:shade val="50000"/>
+            </a:schemeClr>
+          </a:lnRef>
+          <a:fillRef idx="1">
+            <a:schemeClr val="accent1"/>
+          </a:fillRef>
+          <a:effectRef idx="0">
+            <a:schemeClr val="accent1"/>
+          </a:effectRef>
+          <a:fontRef idx="minor">
+            <a:schemeClr val="lt1"/>
+          </a:fontRef>
+        </p:style>
+        <p:txBody>
+          <a:bodyPr rtlCol="0" anchor="ctr"/>
+          <a:lstStyle/>
+          <a:p>
+            <a:pPr algn="ctr"/>
+            <a:endParaRPr lang="zh-TW" altLang="en-US"/>
+          </a:p>
+        </p:txBody>
+      </p:sp>
+      <p:grpSp>
+        <p:nvGrpSpPr>
+          <p:cNvPr id="18" name="群組 17">
+            <a:extLst>
+              <a:ext uri="{FF2B5EF4-FFF2-40B4-BE49-F238E27FC236}">
+                <a16:creationId xmlns:a16="http://schemas.microsoft.com/office/drawing/2014/main" id="{B97973BC-D254-4A82-B5A1-16758E39A521}"/>
+              </a:ext>
+            </a:extLst>
+          </p:cNvPr>
+          <p:cNvGrpSpPr/>
+          <p:nvPr/>
+        </p:nvGrpSpPr>
+        <p:grpSpPr>
+          <a:xfrm>
+            <a:off x="7826826" y="2717500"/>
+            <a:ext cx="1487506" cy="2044303"/>
+            <a:chOff x="7226188" y="2771286"/>
+            <a:chExt cx="2106072" cy="2894408"/>
+          </a:xfrm>
+        </p:grpSpPr>
+        <p:grpSp>
+          <p:nvGrpSpPr>
+            <p:cNvPr id="14" name="群組 13">
+              <a:extLst>
+                <a:ext uri="{FF2B5EF4-FFF2-40B4-BE49-F238E27FC236}">
+                  <a16:creationId xmlns:a16="http://schemas.microsoft.com/office/drawing/2014/main" id="{1CF3208E-A532-43E6-A430-63234CD0C5AD}"/>
+                </a:ext>
+              </a:extLst>
+            </p:cNvPr>
+            <p:cNvGrpSpPr/>
+            <p:nvPr/>
+          </p:nvGrpSpPr>
+          <p:grpSpPr>
+            <a:xfrm>
+              <a:off x="7226188" y="2771286"/>
+              <a:ext cx="2106072" cy="2894408"/>
+              <a:chOff x="7176098" y="2835265"/>
+              <a:chExt cx="3082813" cy="4236758"/>
+            </a:xfrm>
+          </p:grpSpPr>
+          <p:sp>
+            <p:nvSpPr>
+              <p:cNvPr id="13" name="矩形: 圓角 12">
+                <a:extLst>
+                  <a:ext uri="{FF2B5EF4-FFF2-40B4-BE49-F238E27FC236}">
+                    <a16:creationId xmlns:a16="http://schemas.microsoft.com/office/drawing/2014/main" id="{D08E6DB2-009E-4D6D-AC65-814D99BE2766}"/>
+                  </a:ext>
+                </a:extLst>
+              </p:cNvPr>
+              <p:cNvSpPr/>
+              <p:nvPr/>
+            </p:nvSpPr>
+            <p:spPr>
+              <a:xfrm>
+                <a:off x="7176098" y="2835265"/>
+                <a:ext cx="3082813" cy="4236758"/>
+              </a:xfrm>
+              <a:prstGeom prst="roundRect">
+                <a:avLst/>
+              </a:prstGeom>
+              <a:ln>
+                <a:noFill/>
+              </a:ln>
+            </p:spPr>
+            <p:style>
+              <a:lnRef idx="2">
+                <a:schemeClr val="accent1">
+                  <a:shade val="50000"/>
+                </a:schemeClr>
+              </a:lnRef>
+              <a:fillRef idx="1">
+                <a:schemeClr val="accent1"/>
+              </a:fillRef>
+              <a:effectRef idx="0">
+                <a:schemeClr val="accent1"/>
+              </a:effectRef>
+              <a:fontRef idx="minor">
+                <a:schemeClr val="lt1"/>
+              </a:fontRef>
+            </p:style>
+            <p:txBody>
+              <a:bodyPr rtlCol="0" anchor="ctr"/>
+              <a:lstStyle/>
+              <a:p>
+                <a:pPr algn="ctr"/>
+                <a:endParaRPr lang="zh-TW" altLang="en-US"/>
+              </a:p>
+            </p:txBody>
+          </p:sp>
+          <p:pic>
+            <p:nvPicPr>
+              <p:cNvPr id="12" name="圖片 11">
+                <a:extLst>
+                  <a:ext uri="{FF2B5EF4-FFF2-40B4-BE49-F238E27FC236}">
+                    <a16:creationId xmlns:a16="http://schemas.microsoft.com/office/drawing/2014/main" id="{052FA7E3-76DF-412D-8B0A-5F8E2B97DDBC}"/>
+                  </a:ext>
+                </a:extLst>
+              </p:cNvPr>
+              <p:cNvPicPr>
+                <a:picLocks noChangeAspect="1"/>
+              </p:cNvPicPr>
+              <p:nvPr/>
+            </p:nvPicPr>
+            <p:blipFill>
+              <a:blip r:embed="rId4">
+                <a:extLst>
+                  <a:ext uri="{28A0092B-C50C-407E-A947-70E740481C1C}">
+                    <a14:useLocalDpi xmlns:a14="http://schemas.microsoft.com/office/drawing/2010/main" val="0"/>
+                  </a:ext>
+                </a:extLst>
+              </a:blip>
+              <a:stretch>
+                <a:fillRect/>
+              </a:stretch>
+            </p:blipFill>
+            <p:spPr>
+              <a:xfrm>
+                <a:off x="7438824" y="3097991"/>
+                <a:ext cx="2557360" cy="2557360"/>
+              </a:xfrm>
+              <a:prstGeom prst="rect">
+                <a:avLst/>
+              </a:prstGeom>
+            </p:spPr>
+          </p:pic>
+        </p:grpSp>
+        <p:sp>
+          <p:nvSpPr>
+            <p:cNvPr id="17" name="文字方塊 16">
+              <a:extLst>
+                <a:ext uri="{FF2B5EF4-FFF2-40B4-BE49-F238E27FC236}">
+                  <a16:creationId xmlns:a16="http://schemas.microsoft.com/office/drawing/2014/main" id="{0BA6AE0E-CCA9-4C21-89FD-723705EC8074}"/>
+                </a:ext>
+              </a:extLst>
+            </p:cNvPr>
+            <p:cNvSpPr txBox="1"/>
+            <p:nvPr/>
+          </p:nvSpPr>
+          <p:spPr>
+            <a:xfrm>
+              <a:off x="7226188" y="4649314"/>
+              <a:ext cx="2106072" cy="1002254"/>
+            </a:xfrm>
+            <a:prstGeom prst="rect">
+              <a:avLst/>
+            </a:prstGeom>
+            <a:noFill/>
+          </p:spPr>
+          <p:txBody>
+            <a:bodyPr wrap="square">
+              <a:spAutoFit/>
+            </a:bodyPr>
+            <a:lstStyle/>
+            <a:p>
+              <a:pPr algn="ctr"/>
+              <a:r>
+                <a:rPr lang="en-US" altLang="zh-TW" sz="2000">
+                  <a:solidFill>
+                    <a:schemeClr val="bg2"/>
+                  </a:solidFill>
+                </a:rPr>
+                <a:t>Java</a:t>
+              </a:r>
+            </a:p>
+            <a:p>
+              <a:pPr algn="ctr"/>
+              <a:r>
+                <a:rPr lang="en-US" altLang="zh-TW" sz="2000">
+                  <a:solidFill>
+                    <a:schemeClr val="bg2"/>
+                  </a:solidFill>
+                </a:rPr>
+                <a:t>bytecode</a:t>
+              </a:r>
+              <a:endParaRPr lang="zh-TW" altLang="en-US" sz="2000">
+                <a:solidFill>
+                  <a:schemeClr val="bg2"/>
+                </a:solidFill>
+              </a:endParaRPr>
+            </a:p>
+          </p:txBody>
+        </p:sp>
+      </p:grpSp>
+      <p:sp>
+        <p:nvSpPr>
+          <p:cNvPr id="19" name="箭號: 向右 18">
+            <a:extLst>
+              <a:ext uri="{FF2B5EF4-FFF2-40B4-BE49-F238E27FC236}">
+                <a16:creationId xmlns:a16="http://schemas.microsoft.com/office/drawing/2014/main" id="{0B7CC601-F082-4B53-B660-35463BEFB6E8}"/>
+              </a:ext>
+            </a:extLst>
+          </p:cNvPr>
+          <p:cNvSpPr/>
+          <p:nvPr/>
+        </p:nvSpPr>
+        <p:spPr>
+          <a:xfrm>
+            <a:off x="9476615" y="3577397"/>
+            <a:ext cx="1854775" cy="277907"/>
+          </a:xfrm>
+          <a:prstGeom prst="rightArrow">
+            <a:avLst/>
+          </a:prstGeom>
+          <a:solidFill>
+            <a:srgbClr val="FFC000"/>
+          </a:solidFill>
+          <a:ln>
+            <a:noFill/>
+          </a:ln>
+        </p:spPr>
+        <p:style>
+          <a:lnRef idx="2">
+            <a:schemeClr val="accent1">
+              <a:shade val="50000"/>
+            </a:schemeClr>
+          </a:lnRef>
+          <a:fillRef idx="1">
+            <a:schemeClr val="accent1"/>
+          </a:fillRef>
+          <a:effectRef idx="0">
+            <a:schemeClr val="accent1"/>
+          </a:effectRef>
+          <a:fontRef idx="minor">
+            <a:schemeClr val="lt1"/>
+          </a:fontRef>
+        </p:style>
+        <p:txBody>
+          <a:bodyPr rtlCol="0" anchor="ctr"/>
+          <a:lstStyle/>
+          <a:p>
+            <a:pPr algn="ctr"/>
+            <a:endParaRPr lang="zh-TW" altLang="en-US"/>
+          </a:p>
+        </p:txBody>
+      </p:sp>
+      <p:grpSp>
+        <p:nvGrpSpPr>
+          <p:cNvPr id="27" name="群組 26">
+            <a:extLst>
+              <a:ext uri="{FF2B5EF4-FFF2-40B4-BE49-F238E27FC236}">
+                <a16:creationId xmlns:a16="http://schemas.microsoft.com/office/drawing/2014/main" id="{DAD4D107-E684-4366-9C9D-E8109D0E76CA}"/>
+              </a:ext>
+            </a:extLst>
+          </p:cNvPr>
+          <p:cNvGrpSpPr/>
+          <p:nvPr/>
+        </p:nvGrpSpPr>
+        <p:grpSpPr>
+          <a:xfrm>
+            <a:off x="9476615" y="4018415"/>
+            <a:ext cx="1658471" cy="2496826"/>
+            <a:chOff x="9628093" y="2783675"/>
+            <a:chExt cx="2217053" cy="3337771"/>
+          </a:xfrm>
+        </p:grpSpPr>
+        <p:sp>
+          <p:nvSpPr>
+            <p:cNvPr id="23" name="矩形: 圓角 22">
+              <a:extLst>
+                <a:ext uri="{FF2B5EF4-FFF2-40B4-BE49-F238E27FC236}">
+                  <a16:creationId xmlns:a16="http://schemas.microsoft.com/office/drawing/2014/main" id="{6522AA41-EB07-4C61-AB72-6A590530AB4D}"/>
+                </a:ext>
+              </a:extLst>
+            </p:cNvPr>
+            <p:cNvSpPr/>
+            <p:nvPr/>
+          </p:nvSpPr>
+          <p:spPr>
+            <a:xfrm>
+              <a:off x="9628093" y="2783675"/>
+              <a:ext cx="2217053" cy="3337771"/>
+            </a:xfrm>
+            <a:prstGeom prst="roundRect">
+              <a:avLst/>
+            </a:prstGeom>
+            <a:solidFill>
+              <a:schemeClr val="tx1"/>
+            </a:solidFill>
+            <a:ln>
+              <a:noFill/>
+            </a:ln>
+          </p:spPr>
+          <p:style>
+            <a:lnRef idx="2">
+              <a:schemeClr val="accent1">
+                <a:shade val="50000"/>
+              </a:schemeClr>
+            </a:lnRef>
+            <a:fillRef idx="1">
+              <a:schemeClr val="accent1"/>
+            </a:fillRef>
+            <a:effectRef idx="0">
+              <a:schemeClr val="accent1"/>
+            </a:effectRef>
+            <a:fontRef idx="minor">
+              <a:schemeClr val="lt1"/>
+            </a:fontRef>
+          </p:style>
+          <p:txBody>
+            <a:bodyPr rtlCol="0" anchor="ctr"/>
+            <a:lstStyle/>
+            <a:p>
+              <a:pPr algn="ctr"/>
+              <a:endParaRPr lang="zh-TW" altLang="en-US"/>
+            </a:p>
+          </p:txBody>
+        </p:sp>
+        <p:pic>
+          <p:nvPicPr>
+            <p:cNvPr id="25" name="圖形 24">
+              <a:extLst>
+                <a:ext uri="{FF2B5EF4-FFF2-40B4-BE49-F238E27FC236}">
+                  <a16:creationId xmlns:a16="http://schemas.microsoft.com/office/drawing/2014/main" id="{2B9852A7-A7E4-43CF-B401-B0920BC3571A}"/>
+                </a:ext>
+              </a:extLst>
+            </p:cNvPr>
+            <p:cNvPicPr>
+              <a:picLocks noChangeAspect="1"/>
+            </p:cNvPicPr>
+            <p:nvPr/>
+          </p:nvPicPr>
+          <p:blipFill rotWithShape="1">
+            <a:blip r:embed="rId5">
+              <a:extLst>
+                <a:ext uri="{28A0092B-C50C-407E-A947-70E740481C1C}">
+                  <a14:useLocalDpi xmlns:a14="http://schemas.microsoft.com/office/drawing/2010/main" val="0"/>
+                </a:ext>
+                <a:ext uri="{96DAC541-7B7A-43D3-8B79-37D633B846F1}">
+                  <asvg:svgBlip xmlns:asvg="http://schemas.microsoft.com/office/drawing/2016/SVG/main" r:embed="rId6"/>
+                </a:ext>
+              </a:extLst>
+            </a:blip>
+            <a:srcRect b="27900"/>
+            <a:stretch/>
+          </p:blipFill>
+          <p:spPr>
+            <a:xfrm>
+              <a:off x="9975307" y="2813349"/>
+              <a:ext cx="1522624" cy="2007965"/>
+            </a:xfrm>
+            <a:prstGeom prst="rect">
+              <a:avLst/>
+            </a:prstGeom>
+          </p:spPr>
+        </p:pic>
+        <p:sp>
+          <p:nvSpPr>
+            <p:cNvPr id="26" name="文字方塊 25">
+              <a:extLst>
+                <a:ext uri="{FF2B5EF4-FFF2-40B4-BE49-F238E27FC236}">
+                  <a16:creationId xmlns:a16="http://schemas.microsoft.com/office/drawing/2014/main" id="{ED107219-897F-4BB3-943E-BFE54408BD01}"/>
+                </a:ext>
+              </a:extLst>
+            </p:cNvPr>
+            <p:cNvSpPr txBox="1"/>
+            <p:nvPr/>
+          </p:nvSpPr>
+          <p:spPr>
+            <a:xfrm>
+              <a:off x="9843436" y="4763702"/>
+              <a:ext cx="1786366" cy="1357744"/>
+            </a:xfrm>
+            <a:prstGeom prst="rect">
+              <a:avLst/>
+            </a:prstGeom>
+            <a:noFill/>
+          </p:spPr>
+          <p:txBody>
+            <a:bodyPr wrap="square">
+              <a:spAutoFit/>
+            </a:bodyPr>
+            <a:lstStyle/>
+            <a:p>
+              <a:pPr algn="ctr"/>
+              <a:r>
+                <a:rPr lang="en-US" altLang="zh-TW" sz="2000">
+                  <a:solidFill>
+                    <a:schemeClr val="bg2"/>
+                  </a:solidFill>
+                </a:rPr>
+                <a:t>Java</a:t>
+              </a:r>
+            </a:p>
+            <a:p>
+              <a:pPr algn="ctr"/>
+              <a:r>
+                <a:rPr lang="en-US" altLang="zh-TW" sz="2000">
+                  <a:solidFill>
+                    <a:schemeClr val="bg2"/>
+                  </a:solidFill>
+                </a:rPr>
+                <a:t>Virtual</a:t>
+              </a:r>
+            </a:p>
+            <a:p>
+              <a:pPr algn="ctr"/>
+              <a:r>
+                <a:rPr lang="en-US" altLang="zh-TW" sz="2000">
+                  <a:solidFill>
+                    <a:schemeClr val="bg2"/>
+                  </a:solidFill>
+                </a:rPr>
+                <a:t>Machine</a:t>
+              </a:r>
+              <a:endParaRPr lang="zh-TW" altLang="en-US" sz="2000">
+                <a:solidFill>
+                  <a:schemeClr val="bg2"/>
+                </a:solidFill>
+              </a:endParaRPr>
+            </a:p>
+          </p:txBody>
+        </p:sp>
+      </p:grpSp>
+      <p:sp>
+        <p:nvSpPr>
+          <p:cNvPr id="28" name="文字方塊 27">
+            <a:extLst>
+              <a:ext uri="{FF2B5EF4-FFF2-40B4-BE49-F238E27FC236}">
+                <a16:creationId xmlns:a16="http://schemas.microsoft.com/office/drawing/2014/main" id="{63114F1D-F3FE-42FD-9733-13694EAEE64D}"/>
+              </a:ext>
+            </a:extLst>
+          </p:cNvPr>
+          <p:cNvSpPr txBox="1"/>
+          <p:nvPr/>
+        </p:nvSpPr>
+        <p:spPr>
+          <a:xfrm>
+            <a:off x="6096000" y="3107307"/>
+            <a:ext cx="1487506" cy="523220"/>
+          </a:xfrm>
+          <a:prstGeom prst="rect">
+            <a:avLst/>
+          </a:prstGeom>
+          <a:noFill/>
+        </p:spPr>
+        <p:txBody>
+          <a:bodyPr wrap="square">
+            <a:spAutoFit/>
+          </a:bodyPr>
+          <a:lstStyle/>
+          <a:p>
+            <a:pPr algn="ctr"/>
+            <a:r>
+              <a:rPr lang="zh-TW" altLang="en-US" sz="2800"/>
+              <a:t>編譯</a:t>
+            </a:r>
+          </a:p>
+        </p:txBody>
+      </p:sp>
+      <p:sp>
+        <p:nvSpPr>
+          <p:cNvPr id="30" name="文字方塊 29">
+            <a:extLst>
+              <a:ext uri="{FF2B5EF4-FFF2-40B4-BE49-F238E27FC236}">
+                <a16:creationId xmlns:a16="http://schemas.microsoft.com/office/drawing/2014/main" id="{198625E0-8FD9-47F6-B63A-42A54891C347}"/>
+              </a:ext>
+            </a:extLst>
+          </p:cNvPr>
+          <p:cNvSpPr txBox="1"/>
+          <p:nvPr/>
+        </p:nvSpPr>
+        <p:spPr>
+          <a:xfrm>
+            <a:off x="9562097" y="3107307"/>
+            <a:ext cx="1487506" cy="523220"/>
+          </a:xfrm>
+          <a:prstGeom prst="rect">
+            <a:avLst/>
+          </a:prstGeom>
+          <a:noFill/>
+        </p:spPr>
+        <p:txBody>
+          <a:bodyPr wrap="square">
+            <a:spAutoFit/>
+          </a:bodyPr>
+          <a:lstStyle/>
+          <a:p>
+            <a:pPr algn="ctr"/>
+            <a:r>
+              <a:rPr lang="zh-TW" altLang="en-US" sz="2800"/>
+              <a:t>執行</a:t>
+            </a:r>
+          </a:p>
+        </p:txBody>
+      </p:sp>
+      <p:grpSp>
+        <p:nvGrpSpPr>
+          <p:cNvPr id="31" name="群組 30">
+            <a:extLst>
+              <a:ext uri="{FF2B5EF4-FFF2-40B4-BE49-F238E27FC236}">
+                <a16:creationId xmlns:a16="http://schemas.microsoft.com/office/drawing/2014/main" id="{10AE3CC1-5393-4655-997D-CDC257FA6F2B}"/>
+              </a:ext>
+            </a:extLst>
+          </p:cNvPr>
+          <p:cNvGrpSpPr/>
+          <p:nvPr/>
+        </p:nvGrpSpPr>
+        <p:grpSpPr>
+          <a:xfrm>
+            <a:off x="6035389" y="3984449"/>
+            <a:ext cx="1658471" cy="2189049"/>
+            <a:chOff x="9628093" y="2783675"/>
+            <a:chExt cx="2217053" cy="2926333"/>
+          </a:xfrm>
+        </p:grpSpPr>
+        <p:sp>
+          <p:nvSpPr>
+            <p:cNvPr id="32" name="矩形: 圓角 31">
+              <a:extLst>
+                <a:ext uri="{FF2B5EF4-FFF2-40B4-BE49-F238E27FC236}">
+                  <a16:creationId xmlns:a16="http://schemas.microsoft.com/office/drawing/2014/main" id="{03616254-89FF-4D88-AFE8-1AD970751966}"/>
+                </a:ext>
+              </a:extLst>
+            </p:cNvPr>
+            <p:cNvSpPr/>
+            <p:nvPr/>
+          </p:nvSpPr>
+          <p:spPr>
+            <a:xfrm>
+              <a:off x="9628093" y="2783675"/>
+              <a:ext cx="2217053" cy="2926333"/>
+            </a:xfrm>
+            <a:prstGeom prst="roundRect">
+              <a:avLst/>
+            </a:prstGeom>
+            <a:solidFill>
+              <a:schemeClr val="tx1"/>
+            </a:solidFill>
+            <a:ln>
+              <a:noFill/>
+            </a:ln>
+          </p:spPr>
+          <p:style>
+            <a:lnRef idx="2">
+              <a:schemeClr val="accent1">
+                <a:shade val="50000"/>
+              </a:schemeClr>
+            </a:lnRef>
+            <a:fillRef idx="1">
+              <a:schemeClr val="accent1"/>
+            </a:fillRef>
+            <a:effectRef idx="0">
+              <a:schemeClr val="accent1"/>
+            </a:effectRef>
+            <a:fontRef idx="minor">
+              <a:schemeClr val="lt1"/>
+            </a:fontRef>
+          </p:style>
+          <p:txBody>
+            <a:bodyPr rtlCol="0" anchor="ctr"/>
+            <a:lstStyle/>
+            <a:p>
+              <a:pPr algn="ctr"/>
+              <a:endParaRPr lang="zh-TW" altLang="en-US"/>
+            </a:p>
+          </p:txBody>
+        </p:sp>
+        <p:pic>
+          <p:nvPicPr>
+            <p:cNvPr id="33" name="圖形 32">
+              <a:extLst>
+                <a:ext uri="{FF2B5EF4-FFF2-40B4-BE49-F238E27FC236}">
+                  <a16:creationId xmlns:a16="http://schemas.microsoft.com/office/drawing/2014/main" id="{4AB11632-4A85-4C14-92CC-A2A647BF181F}"/>
+                </a:ext>
+              </a:extLst>
+            </p:cNvPr>
+            <p:cNvPicPr>
+              <a:picLocks noChangeAspect="1"/>
+            </p:cNvPicPr>
+            <p:nvPr/>
+          </p:nvPicPr>
+          <p:blipFill rotWithShape="1">
+            <a:blip r:embed="rId5">
+              <a:extLst>
+                <a:ext uri="{28A0092B-C50C-407E-A947-70E740481C1C}">
+                  <a14:useLocalDpi xmlns:a14="http://schemas.microsoft.com/office/drawing/2010/main" val="0"/>
+                </a:ext>
+                <a:ext uri="{96DAC541-7B7A-43D3-8B79-37D633B846F1}">
+                  <asvg:svgBlip xmlns:asvg="http://schemas.microsoft.com/office/drawing/2016/SVG/main" r:embed="rId6"/>
+                </a:ext>
+              </a:extLst>
+            </a:blip>
+            <a:srcRect b="27900"/>
+            <a:stretch/>
+          </p:blipFill>
+          <p:spPr>
+            <a:xfrm>
+              <a:off x="9975307" y="2813349"/>
+              <a:ext cx="1522624" cy="2007965"/>
+            </a:xfrm>
+            <a:prstGeom prst="rect">
+              <a:avLst/>
+            </a:prstGeom>
+          </p:spPr>
+        </p:pic>
+        <p:sp>
+          <p:nvSpPr>
+            <p:cNvPr id="34" name="文字方塊 33">
+              <a:extLst>
+                <a:ext uri="{FF2B5EF4-FFF2-40B4-BE49-F238E27FC236}">
+                  <a16:creationId xmlns:a16="http://schemas.microsoft.com/office/drawing/2014/main" id="{CB5303F6-4C71-4D32-A96D-29BC658933D2}"/>
+                </a:ext>
+              </a:extLst>
+            </p:cNvPr>
+            <p:cNvSpPr txBox="1"/>
+            <p:nvPr/>
+          </p:nvSpPr>
+          <p:spPr>
+            <a:xfrm>
+              <a:off x="9843436" y="4763702"/>
+              <a:ext cx="1786366" cy="946306"/>
+            </a:xfrm>
+            <a:prstGeom prst="rect">
+              <a:avLst/>
+            </a:prstGeom>
+            <a:noFill/>
+          </p:spPr>
+          <p:txBody>
+            <a:bodyPr wrap="square">
+              <a:spAutoFit/>
+            </a:bodyPr>
+            <a:lstStyle/>
+            <a:p>
+              <a:pPr algn="ctr"/>
+              <a:r>
+                <a:rPr lang="en-US" altLang="zh-TW" sz="2000">
+                  <a:solidFill>
+                    <a:schemeClr val="bg2"/>
+                  </a:solidFill>
+                </a:rPr>
+                <a:t>Java</a:t>
+              </a:r>
+            </a:p>
+            <a:p>
+              <a:pPr algn="ctr"/>
+              <a:r>
+                <a:rPr lang="en-US" altLang="zh-TW" sz="2000">
+                  <a:solidFill>
+                    <a:schemeClr val="bg2"/>
+                  </a:solidFill>
+                </a:rPr>
+                <a:t>Compiler</a:t>
+              </a:r>
+              <a:endParaRPr lang="zh-TW" altLang="en-US" sz="2000">
+                <a:solidFill>
+                  <a:schemeClr val="bg2"/>
+                </a:solidFill>
+              </a:endParaRPr>
+            </a:p>
+          </p:txBody>
+        </p:sp>
+      </p:grpSp>
+      <p:sp>
+        <p:nvSpPr>
+          <p:cNvPr id="36" name="文字方塊 35">
+            <a:extLst>
+              <a:ext uri="{FF2B5EF4-FFF2-40B4-BE49-F238E27FC236}">
+                <a16:creationId xmlns:a16="http://schemas.microsoft.com/office/drawing/2014/main" id="{627DEED8-BE54-475A-A9F5-D80C8CB523DF}"/>
+              </a:ext>
+            </a:extLst>
+          </p:cNvPr>
+          <p:cNvSpPr txBox="1"/>
+          <p:nvPr/>
+        </p:nvSpPr>
+        <p:spPr>
+          <a:xfrm>
+            <a:off x="2570877" y="4716978"/>
+            <a:ext cx="1487506" cy="523220"/>
+          </a:xfrm>
+          <a:prstGeom prst="rect">
+            <a:avLst/>
+          </a:prstGeom>
+          <a:noFill/>
+        </p:spPr>
+        <p:txBody>
+          <a:bodyPr wrap="square">
+            <a:spAutoFit/>
+          </a:bodyPr>
+          <a:lstStyle/>
+          <a:p>
+            <a:pPr algn="ctr"/>
+            <a:r>
+              <a:rPr lang="zh-TW" altLang="en-US" sz="2800"/>
+              <a:t>程式碼</a:t>
+            </a:r>
+          </a:p>
+        </p:txBody>
+      </p:sp>
+    </p:spTree>
+    <p:extLst>
+      <p:ext uri="{BB962C8B-B14F-4D97-AF65-F5344CB8AC3E}">
+        <p14:creationId xmlns:p14="http://schemas.microsoft.com/office/powerpoint/2010/main" val="1712613684"/>
+      </p:ext>
+    </p:extLst>
+  </p:cSld>
+  <p:clrMapOvr>
+    <a:masterClrMapping/>
+  </p:clrMapOvr>
+  <p:transition spd="slow">
+    <p:push dir="u"/>
+  </p:transition>
+</p:sld>
+</file>
+
+<file path=ppt/slides/slide12.xml><?xml version="1.0" encoding="utf-8"?>
+<p:sld xmlns:a="http://schemas.openxmlformats.org/drawingml/2006/main" xmlns:r="http://schemas.openxmlformats.org/officeDocument/2006/relationships" xmlns:p="http://schemas.openxmlformats.org/presentationml/2006/main">
+  <p:cSld>
+    <p:spTree>
+      <p:nvGrpSpPr>
+        <p:cNvPr id="1" name=""/>
+        <p:cNvGrpSpPr/>
+        <p:nvPr/>
+      </p:nvGrpSpPr>
+      <p:grpSpPr>
+        <a:xfrm>
+          <a:off x="0" y="0"/>
+          <a:ext cx="0" cy="0"/>
+          <a:chOff x="0" y="0"/>
+          <a:chExt cx="0" cy="0"/>
+        </a:xfrm>
+      </p:grpSpPr>
+      <p:sp>
+        <p:nvSpPr>
+          <p:cNvPr id="2" name="標題 1">
+            <a:extLst>
+              <a:ext uri="{FF2B5EF4-FFF2-40B4-BE49-F238E27FC236}">
+                <a16:creationId xmlns:a16="http://schemas.microsoft.com/office/drawing/2014/main" id="{9F2EE2D1-8102-410E-A569-41AEBA690F58}"/>
+              </a:ext>
+            </a:extLst>
+          </p:cNvPr>
+          <p:cNvSpPr>
+            <a:spLocks noGrp="1"/>
+          </p:cNvSpPr>
+          <p:nvPr>
+            <p:ph type="title"/>
+          </p:nvPr>
+        </p:nvSpPr>
+        <p:spPr/>
+        <p:txBody>
+          <a:bodyPr/>
+          <a:lstStyle/>
+          <a:p>
+            <a:r>
+              <a:rPr lang="zh-TW" altLang="en-US"/>
+              <a:t>編譯與執行</a:t>
+            </a:r>
+          </a:p>
+        </p:txBody>
+      </p:sp>
+      <p:sp>
+        <p:nvSpPr>
+          <p:cNvPr id="4" name="內容版面配置區 3">
+            <a:extLst>
+              <a:ext uri="{FF2B5EF4-FFF2-40B4-BE49-F238E27FC236}">
+                <a16:creationId xmlns:a16="http://schemas.microsoft.com/office/drawing/2014/main" id="{C0B4A68A-EEAA-4220-82DB-398B567DDF5C}"/>
+              </a:ext>
+            </a:extLst>
+          </p:cNvPr>
+          <p:cNvSpPr>
+            <a:spLocks noGrp="1"/>
+          </p:cNvSpPr>
+          <p:nvPr>
+            <p:ph idx="1"/>
+          </p:nvPr>
+        </p:nvSpPr>
+        <p:spPr>
+          <a:xfrm>
+            <a:off x="838200" y="1654175"/>
+            <a:ext cx="10515600" cy="519223"/>
+          </a:xfrm>
+        </p:spPr>
+        <p:txBody>
+          <a:bodyPr>
+            <a:normAutofit/>
+          </a:bodyPr>
+          <a:lstStyle/>
+          <a:p>
+            <a:r>
+              <a:rPr lang="zh-TW" altLang="en-US"/>
+              <a:t>在 </a:t>
+            </a:r>
+            <a:r>
+              <a:rPr lang="en-US" altLang="zh-TW"/>
+              <a:t>bash/cmd/PowerShell </a:t>
+            </a:r>
+            <a:r>
+              <a:rPr lang="zh-TW" altLang="en-US"/>
+              <a:t>中，依序使用下列指令來編譯和執行：</a:t>
+            </a:r>
+            <a:endParaRPr lang="en-US" altLang="zh-TW"/>
+          </a:p>
+        </p:txBody>
+      </p:sp>
       <p:sp>
         <p:nvSpPr>
           <p:cNvPr id="15" name="內容版面配置區 3">
@@ -11420,7 +12940,75 @@
                 <a:ea typeface="微軟正黑體 Light"/>
                 <a:cs typeface="+mn-cs"/>
               </a:rPr>
-              <a:t>注意第二條指令後面沒有 </a:t>
+              <a:t>注意第二條指令</a:t>
+            </a:r>
+            <a:r>
+              <a:rPr kumimoji="0" lang="en-US" altLang="zh-TW" sz="2800" b="0" i="0" u="none" strike="noStrike" kern="1200" cap="none" spc="0" normalizeH="0" baseline="0" noProof="0">
+                <a:ln>
+                  <a:noFill/>
+                </a:ln>
+                <a:solidFill>
+                  <a:prstClr val="white"/>
+                </a:solidFill>
+                <a:effectLst/>
+                <a:uLnTx/>
+                <a:uFillTx/>
+                <a:latin typeface="Consolas"/>
+                <a:ea typeface="微軟正黑體 Light"/>
+                <a:cs typeface="+mn-cs"/>
+              </a:rPr>
+              <a:t>(</a:t>
+            </a:r>
+            <a:r>
+              <a:rPr kumimoji="0" lang="zh-TW" altLang="en-US" sz="2800" b="0" i="0" u="none" strike="noStrike" kern="1200" cap="none" spc="0" normalizeH="0" baseline="0" noProof="0">
+                <a:ln>
+                  <a:noFill/>
+                </a:ln>
+                <a:solidFill>
+                  <a:prstClr val="white"/>
+                </a:solidFill>
+                <a:effectLst/>
+                <a:uLnTx/>
+                <a:uFillTx/>
+                <a:latin typeface="Consolas"/>
+                <a:ea typeface="微軟正黑體 Light"/>
+                <a:cs typeface="+mn-cs"/>
+              </a:rPr>
+              <a:t>執行程式指令</a:t>
+            </a:r>
+            <a:r>
+              <a:rPr kumimoji="0" lang="en-US" altLang="zh-TW" sz="2800" b="0" i="0" u="none" strike="noStrike" kern="1200" cap="none" spc="0" normalizeH="0" baseline="0" noProof="0">
+                <a:ln>
+                  <a:noFill/>
+                </a:ln>
+                <a:solidFill>
+                  <a:prstClr val="white"/>
+                </a:solidFill>
+                <a:effectLst/>
+                <a:uLnTx/>
+                <a:uFillTx/>
+                <a:latin typeface="Consolas"/>
+                <a:ea typeface="微軟正黑體 Light"/>
+                <a:cs typeface="+mn-cs"/>
+              </a:rPr>
+              <a:t>)</a:t>
+            </a:r>
+            <a:r>
+              <a:rPr kumimoji="0" lang="zh-TW" altLang="en-US" sz="2800" b="0" i="0" u="none" strike="noStrike" kern="1200" cap="none" spc="0" normalizeH="0" baseline="0" noProof="0">
+                <a:ln>
+                  <a:noFill/>
+                </a:ln>
+                <a:solidFill>
+                  <a:prstClr val="white"/>
+                </a:solidFill>
+                <a:effectLst/>
+                <a:uLnTx/>
+                <a:uFillTx/>
+                <a:latin typeface="Consolas"/>
+                <a:ea typeface="微軟正黑體 Light"/>
+                <a:cs typeface="+mn-cs"/>
+              </a:rPr>
+              <a:t>後面沒有 </a:t>
             </a:r>
             <a:r>
               <a:rPr kumimoji="0" lang="en-US" altLang="zh-TW" sz="2800" b="0" i="0" u="none" strike="noStrike" kern="1200" cap="none" spc="0" normalizeH="0" baseline="0" noProof="0">
@@ -12014,6 +13602,412 @@
           </a:p>
         </p:txBody>
       </p:sp>
+      <p:grpSp>
+        <p:nvGrpSpPr>
+          <p:cNvPr id="6" name="群組 5">
+            <a:extLst>
+              <a:ext uri="{FF2B5EF4-FFF2-40B4-BE49-F238E27FC236}">
+                <a16:creationId xmlns:a16="http://schemas.microsoft.com/office/drawing/2014/main" id="{9F7D85FD-96DE-4FA4-93B0-036C34D0AE9F}"/>
+              </a:ext>
+            </a:extLst>
+          </p:cNvPr>
+          <p:cNvGrpSpPr/>
+          <p:nvPr/>
+        </p:nvGrpSpPr>
+        <p:grpSpPr>
+          <a:xfrm>
+            <a:off x="838200" y="2306282"/>
+            <a:ext cx="10395446" cy="926246"/>
+            <a:chOff x="958353" y="2306282"/>
+            <a:chExt cx="10395446" cy="926246"/>
+          </a:xfrm>
+        </p:grpSpPr>
+        <p:grpSp>
+          <p:nvGrpSpPr>
+            <p:cNvPr id="17" name="群組 16">
+              <a:extLst>
+                <a:ext uri="{FF2B5EF4-FFF2-40B4-BE49-F238E27FC236}">
+                  <a16:creationId xmlns:a16="http://schemas.microsoft.com/office/drawing/2014/main" id="{BE856424-8A99-4017-92D8-AD0C405A591C}"/>
+                </a:ext>
+              </a:extLst>
+            </p:cNvPr>
+            <p:cNvGrpSpPr/>
+            <p:nvPr/>
+          </p:nvGrpSpPr>
+          <p:grpSpPr>
+            <a:xfrm>
+              <a:off x="1758573" y="2308335"/>
+              <a:ext cx="9595226" cy="885371"/>
+              <a:chOff x="1758573" y="2479785"/>
+              <a:chExt cx="9595226" cy="885371"/>
+            </a:xfrm>
+          </p:grpSpPr>
+          <p:sp>
+            <p:nvSpPr>
+              <p:cNvPr id="13" name="Rectangle 2">
+                <a:extLst>
+                  <a:ext uri="{FF2B5EF4-FFF2-40B4-BE49-F238E27FC236}">
+                    <a16:creationId xmlns:a16="http://schemas.microsoft.com/office/drawing/2014/main" id="{422DE6DC-888D-4CE1-AA97-0FB231523989}"/>
+                  </a:ext>
+                </a:extLst>
+              </p:cNvPr>
+              <p:cNvSpPr>
+                <a:spLocks noChangeArrowheads="1"/>
+              </p:cNvSpPr>
+              <p:nvPr/>
+            </p:nvSpPr>
+            <p:spPr bwMode="auto">
+              <a:xfrm>
+                <a:off x="1758573" y="2479785"/>
+                <a:ext cx="9595226" cy="885371"/>
+              </a:xfrm>
+              <a:prstGeom prst="rect">
+                <a:avLst/>
+              </a:prstGeom>
+              <a:solidFill>
+                <a:srgbClr val="1E1F22"/>
+              </a:solidFill>
+              <a:ln>
+                <a:noFill/>
+              </a:ln>
+              <a:effectLst/>
+              <a:extLst>
+                <a:ext uri="{91240B29-F687-4F45-9708-019B960494DF}">
+                  <a14:hiddenLine xmlns:a14="http://schemas.microsoft.com/office/drawing/2010/main" w="9525">
+                    <a:solidFill>
+                      <a:schemeClr val="tx1"/>
+                    </a:solidFill>
+                    <a:miter lim="800000"/>
+                    <a:headEnd/>
+                    <a:tailEnd/>
+                  </a14:hiddenLine>
+                </a:ext>
+                <a:ext uri="{AF507438-7753-43E0-B8FC-AC1667EBCBE1}">
+                  <a14:hiddenEffects xmlns:a14="http://schemas.microsoft.com/office/drawing/2010/main">
+                    <a:effectLst>
+                      <a:outerShdw dist="35921" dir="2700000" algn="ctr" rotWithShape="0">
+                        <a:schemeClr val="bg2"/>
+                      </a:outerShdw>
+                    </a:effectLst>
+                  </a14:hiddenEffects>
+                </a:ext>
+              </a:extLst>
+            </p:spPr>
+            <p:txBody>
+              <a:bodyPr vert="horz" wrap="square" lIns="91440" tIns="45720" rIns="91440" bIns="45720" numCol="1" anchor="ctr" anchorCtr="0" compatLnSpc="1">
+                <a:prstTxWarp prst="textNoShape">
+                  <a:avLst/>
+                </a:prstTxWarp>
+                <a:spAutoFit/>
+              </a:bodyPr>
+              <a:lstStyle/>
+              <a:p>
+                <a:pPr marL="0" marR="0" lvl="0" indent="0" algn="l" defTabSz="914400" rtl="0" eaLnBrk="1" fontAlgn="auto" latinLnBrk="0" hangingPunct="1">
+                  <a:lnSpc>
+                    <a:spcPct val="90000"/>
+                  </a:lnSpc>
+                  <a:spcBef>
+                    <a:spcPts val="1000"/>
+                  </a:spcBef>
+                  <a:spcAft>
+                    <a:spcPts val="0"/>
+                  </a:spcAft>
+                  <a:buClrTx/>
+                  <a:buSzTx/>
+                  <a:buFont typeface="Arial" panose="020B0604020202020204" pitchFamily="34" charset="0"/>
+                  <a:buNone/>
+                  <a:tabLst/>
+                  <a:defRPr/>
+                </a:pPr>
+                <a:r>
+                  <a:rPr kumimoji="0" lang="fr-FR" altLang="zh-TW" sz="2400" b="0" i="0" u="none" strike="noStrike" kern="1200" cap="none" spc="0" normalizeH="0" baseline="0" noProof="0">
+                    <a:ln>
+                      <a:noFill/>
+                    </a:ln>
+                    <a:solidFill>
+                      <a:srgbClr val="00B0F0"/>
+                    </a:solidFill>
+                    <a:effectLst/>
+                    <a:uLnTx/>
+                    <a:uFillTx/>
+                    <a:latin typeface="Consolas"/>
+                    <a:ea typeface="微軟正黑體 Light"/>
+                    <a:cs typeface="+mn-cs"/>
+                  </a:rPr>
+                  <a:t>javac</a:t>
+                </a:r>
+                <a:r>
+                  <a:rPr kumimoji="0" lang="fr-FR" altLang="zh-TW" sz="2400" b="0" i="0" u="none" strike="noStrike" kern="1200" cap="none" spc="0" normalizeH="0" baseline="0" noProof="0">
+                    <a:ln>
+                      <a:noFill/>
+                    </a:ln>
+                    <a:solidFill>
+                      <a:prstClr val="white"/>
+                    </a:solidFill>
+                    <a:effectLst/>
+                    <a:uLnTx/>
+                    <a:uFillTx/>
+                    <a:latin typeface="Consolas"/>
+                    <a:ea typeface="微軟正黑體 Light"/>
+                    <a:cs typeface="+mn-cs"/>
+                  </a:rPr>
+                  <a:t> </a:t>
+                </a:r>
+                <a:r>
+                  <a:rPr kumimoji="0" lang="fr-FR" altLang="zh-TW" sz="2400" b="0" i="0" u="none" strike="noStrike" kern="1200" cap="none" spc="0" normalizeH="0" baseline="0" noProof="0">
+                    <a:ln>
+                      <a:noFill/>
+                    </a:ln>
+                    <a:solidFill>
+                      <a:srgbClr val="B2B2B2"/>
+                    </a:solidFill>
+                    <a:effectLst/>
+                    <a:uLnTx/>
+                    <a:uFillTx/>
+                    <a:latin typeface="Consolas"/>
+                    <a:ea typeface="微軟正黑體 Light"/>
+                    <a:cs typeface="+mn-cs"/>
+                  </a:rPr>
+                  <a:t>Main.java</a:t>
+                </a:r>
+              </a:p>
+              <a:p>
+                <a:pPr marL="0" marR="0" lvl="0" indent="0" algn="l" defTabSz="914400" rtl="0" eaLnBrk="1" fontAlgn="auto" latinLnBrk="0" hangingPunct="1">
+                  <a:lnSpc>
+                    <a:spcPct val="90000"/>
+                  </a:lnSpc>
+                  <a:spcBef>
+                    <a:spcPts val="1000"/>
+                  </a:spcBef>
+                  <a:spcAft>
+                    <a:spcPts val="0"/>
+                  </a:spcAft>
+                  <a:buClrTx/>
+                  <a:buSzTx/>
+                  <a:buFont typeface="Arial" panose="020B0604020202020204" pitchFamily="34" charset="0"/>
+                  <a:buNone/>
+                  <a:tabLst/>
+                  <a:defRPr/>
+                </a:pPr>
+                <a:r>
+                  <a:rPr kumimoji="0" lang="fr-FR" altLang="zh-TW" sz="2400" b="0" i="0" u="none" strike="noStrike" kern="1200" cap="none" spc="0" normalizeH="0" baseline="0" noProof="0">
+                    <a:ln>
+                      <a:noFill/>
+                    </a:ln>
+                    <a:solidFill>
+                      <a:srgbClr val="00B0F0"/>
+                    </a:solidFill>
+                    <a:effectLst/>
+                    <a:uLnTx/>
+                    <a:uFillTx/>
+                    <a:latin typeface="Consolas"/>
+                    <a:ea typeface="微軟正黑體 Light"/>
+                    <a:cs typeface="+mn-cs"/>
+                  </a:rPr>
+                  <a:t>java</a:t>
+                </a:r>
+                <a:r>
+                  <a:rPr kumimoji="0" lang="fr-FR" altLang="zh-TW" sz="2400" b="0" i="0" u="none" strike="noStrike" kern="1200" cap="none" spc="0" normalizeH="0" baseline="0" noProof="0">
+                    <a:ln>
+                      <a:noFill/>
+                    </a:ln>
+                    <a:solidFill>
+                      <a:prstClr val="white"/>
+                    </a:solidFill>
+                    <a:effectLst/>
+                    <a:uLnTx/>
+                    <a:uFillTx/>
+                    <a:latin typeface="Consolas"/>
+                    <a:ea typeface="微軟正黑體 Light"/>
+                    <a:cs typeface="+mn-cs"/>
+                  </a:rPr>
+                  <a:t> </a:t>
+                </a:r>
+                <a:r>
+                  <a:rPr kumimoji="0" lang="fr-FR" altLang="zh-TW" sz="2400" b="0" i="0" u="none" strike="noStrike" kern="1200" cap="none" spc="0" normalizeH="0" baseline="0" noProof="0">
+                    <a:ln>
+                      <a:noFill/>
+                    </a:ln>
+                    <a:solidFill>
+                      <a:srgbClr val="B2B2B2"/>
+                    </a:solidFill>
+                    <a:effectLst/>
+                    <a:uLnTx/>
+                    <a:uFillTx/>
+                    <a:latin typeface="Consolas"/>
+                    <a:ea typeface="微軟正黑體 Light"/>
+                    <a:cs typeface="+mn-cs"/>
+                  </a:rPr>
+                  <a:t>Main</a:t>
+                </a:r>
+                <a:endParaRPr kumimoji="0" lang="en-US" altLang="zh-TW" sz="2400" b="0" i="0" u="none" strike="noStrike" kern="1200" cap="none" spc="0" normalizeH="0" baseline="0" noProof="0">
+                  <a:ln>
+                    <a:noFill/>
+                  </a:ln>
+                  <a:solidFill>
+                    <a:srgbClr val="B2B2B2"/>
+                  </a:solidFill>
+                  <a:effectLst/>
+                  <a:uLnTx/>
+                  <a:uFillTx/>
+                  <a:latin typeface="Consolas"/>
+                  <a:ea typeface="微軟正黑體 Light"/>
+                  <a:cs typeface="+mn-cs"/>
+                </a:endParaRPr>
+              </a:p>
+            </p:txBody>
+          </p:sp>
+          <p:sp>
+            <p:nvSpPr>
+              <p:cNvPr id="14" name="文字方塊 13">
+                <a:extLst>
+                  <a:ext uri="{FF2B5EF4-FFF2-40B4-BE49-F238E27FC236}">
+                    <a16:creationId xmlns:a16="http://schemas.microsoft.com/office/drawing/2014/main" id="{7C5C2F8A-BC69-47CD-856B-C3579132A857}"/>
+                  </a:ext>
+                </a:extLst>
+              </p:cNvPr>
+              <p:cNvSpPr txBox="1"/>
+              <p:nvPr/>
+            </p:nvSpPr>
+            <p:spPr>
+              <a:xfrm>
+                <a:off x="10662583" y="2995824"/>
+                <a:ext cx="691215" cy="369332"/>
+              </a:xfrm>
+              <a:prstGeom prst="rect">
+                <a:avLst/>
+              </a:prstGeom>
+              <a:noFill/>
+            </p:spPr>
+            <p:txBody>
+              <a:bodyPr wrap="none" rtlCol="0">
+                <a:spAutoFit/>
+              </a:bodyPr>
+              <a:lstStyle/>
+              <a:p>
+                <a:pPr marL="0" marR="0" lvl="0" indent="0" algn="l" defTabSz="914400" rtl="0" eaLnBrk="1" fontAlgn="auto" latinLnBrk="0" hangingPunct="1">
+                  <a:lnSpc>
+                    <a:spcPct val="100000"/>
+                  </a:lnSpc>
+                  <a:spcBef>
+                    <a:spcPts val="0"/>
+                  </a:spcBef>
+                  <a:spcAft>
+                    <a:spcPts val="0"/>
+                  </a:spcAft>
+                  <a:buClrTx/>
+                  <a:buSzTx/>
+                  <a:buFontTx/>
+                  <a:buNone/>
+                  <a:tabLst/>
+                  <a:defRPr/>
+                </a:pPr>
+                <a:r>
+                  <a:rPr kumimoji="0" lang="en-US" altLang="zh-TW" sz="1800" b="0" i="0" u="none" strike="noStrike" kern="1200" cap="none" spc="0" normalizeH="0" baseline="0" noProof="0">
+                    <a:ln>
+                      <a:noFill/>
+                    </a:ln>
+                    <a:solidFill>
+                      <a:srgbClr val="808080"/>
+                    </a:solidFill>
+                    <a:effectLst/>
+                    <a:uLnTx/>
+                    <a:uFillTx/>
+                    <a:latin typeface="Consolas"/>
+                    <a:ea typeface="微軟正黑體 Light"/>
+                    <a:cs typeface="+mn-cs"/>
+                  </a:rPr>
+                  <a:t>bash</a:t>
+                </a:r>
+                <a:endParaRPr kumimoji="0" lang="zh-TW" altLang="en-US" sz="1800" b="0" i="0" u="none" strike="noStrike" kern="1200" cap="none" spc="0" normalizeH="0" baseline="0" noProof="0">
+                  <a:ln>
+                    <a:noFill/>
+                  </a:ln>
+                  <a:solidFill>
+                    <a:srgbClr val="808080"/>
+                  </a:solidFill>
+                  <a:effectLst/>
+                  <a:uLnTx/>
+                  <a:uFillTx/>
+                  <a:latin typeface="Consolas"/>
+                  <a:ea typeface="微軟正黑體 Light"/>
+                  <a:cs typeface="+mn-cs"/>
+                </a:endParaRPr>
+              </a:p>
+            </p:txBody>
+          </p:sp>
+        </p:grpSp>
+        <p:sp>
+          <p:nvSpPr>
+            <p:cNvPr id="5" name="文字方塊 4">
+              <a:extLst>
+                <a:ext uri="{FF2B5EF4-FFF2-40B4-BE49-F238E27FC236}">
+                  <a16:creationId xmlns:a16="http://schemas.microsoft.com/office/drawing/2014/main" id="{BB2A213F-E7C8-4ECE-9CB8-E4A6E12D69E8}"/>
+                </a:ext>
+              </a:extLst>
+            </p:cNvPr>
+            <p:cNvSpPr txBox="1"/>
+            <p:nvPr/>
+          </p:nvSpPr>
+          <p:spPr>
+            <a:xfrm>
+              <a:off x="958353" y="2306282"/>
+              <a:ext cx="800219" cy="461665"/>
+            </a:xfrm>
+            <a:prstGeom prst="rect">
+              <a:avLst/>
+            </a:prstGeom>
+            <a:noFill/>
+          </p:spPr>
+          <p:txBody>
+            <a:bodyPr wrap="none" rtlCol="0">
+              <a:spAutoFit/>
+            </a:bodyPr>
+            <a:lstStyle/>
+            <a:p>
+              <a:r>
+                <a:rPr lang="zh-TW" altLang="en-US" sz="2400"/>
+                <a:t>編譯</a:t>
+              </a:r>
+            </a:p>
+          </p:txBody>
+        </p:sp>
+        <p:sp>
+          <p:nvSpPr>
+            <p:cNvPr id="16" name="文字方塊 15">
+              <a:extLst>
+                <a:ext uri="{FF2B5EF4-FFF2-40B4-BE49-F238E27FC236}">
+                  <a16:creationId xmlns:a16="http://schemas.microsoft.com/office/drawing/2014/main" id="{3511DDDC-F40F-4AEA-961A-EE3A70FE251D}"/>
+                </a:ext>
+              </a:extLst>
+            </p:cNvPr>
+            <p:cNvSpPr txBox="1"/>
+            <p:nvPr/>
+          </p:nvSpPr>
+          <p:spPr>
+            <a:xfrm>
+              <a:off x="958353" y="2770863"/>
+              <a:ext cx="800219" cy="461665"/>
+            </a:xfrm>
+            <a:prstGeom prst="rect">
+              <a:avLst/>
+            </a:prstGeom>
+            <a:noFill/>
+          </p:spPr>
+          <p:txBody>
+            <a:bodyPr wrap="none" rtlCol="0">
+              <a:spAutoFit/>
+            </a:bodyPr>
+            <a:lstStyle/>
+            <a:p>
+              <a:r>
+                <a:rPr lang="zh-TW" altLang="en-US" sz="2400"/>
+                <a:t>執行</a:t>
+              </a:r>
+            </a:p>
+          </p:txBody>
+        </p:sp>
+      </p:grpSp>
     </p:spTree>
     <p:extLst>
       <p:ext uri="{BB962C8B-B14F-4D97-AF65-F5344CB8AC3E}">
@@ -12030,7 +14024,7 @@
 </p:sld>
 </file>
 
-<file path=ppt/slides/slide12.xml><?xml version="1.0" encoding="utf-8"?>
+<file path=ppt/slides/slide13.xml><?xml version="1.0" encoding="utf-8"?>
 <p:sld xmlns:a="http://schemas.openxmlformats.org/drawingml/2006/main" xmlns:r="http://schemas.openxmlformats.org/officeDocument/2006/relationships" xmlns:p="http://schemas.openxmlformats.org/presentationml/2006/main">
   <p:cSld>
     <p:spTree>
@@ -13714,9 +15708,9 @@
         <p:grpSpPr>
           <a:xfrm>
             <a:off x="340155" y="2304912"/>
-            <a:ext cx="11511690" cy="3769926"/>
+            <a:ext cx="11511690" cy="3034818"/>
             <a:chOff x="508294" y="2419212"/>
-            <a:chExt cx="11511690" cy="3769926"/>
+            <a:chExt cx="11511690" cy="3034818"/>
           </a:xfrm>
         </p:grpSpPr>
         <p:grpSp>
@@ -13734,9 +15728,9 @@
           <p:grpSpPr>
             <a:xfrm>
               <a:off x="508294" y="2419212"/>
-              <a:ext cx="3264904" cy="3769926"/>
+              <a:ext cx="3264904" cy="3034818"/>
               <a:chOff x="1119615" y="2492476"/>
-              <a:chExt cx="3264904" cy="3769926"/>
+              <a:chExt cx="3264904" cy="3034818"/>
             </a:xfrm>
           </p:grpSpPr>
           <p:sp>
@@ -13753,7 +15747,7 @@
             </p:nvSpPr>
             <p:spPr>
               <a:xfrm>
-                <a:off x="1269129" y="4877407"/>
+                <a:off x="1269129" y="4142299"/>
                 <a:ext cx="3036409" cy="1384995"/>
               </a:xfrm>
               <a:prstGeom prst="rect">
@@ -14006,9 +16000,9 @@
           <p:grpSpPr>
             <a:xfrm>
               <a:off x="3995385" y="2421527"/>
-              <a:ext cx="3819503" cy="3767611"/>
+              <a:ext cx="3819503" cy="3032503"/>
               <a:chOff x="4376106" y="2494791"/>
-              <a:chExt cx="3819503" cy="3767611"/>
+              <a:chExt cx="3819503" cy="3032503"/>
             </a:xfrm>
           </p:grpSpPr>
           <p:sp>
@@ -14025,7 +16019,7 @@
             </p:nvSpPr>
             <p:spPr>
               <a:xfrm>
-                <a:off x="4507165" y="4877407"/>
+                <a:off x="4507165" y="4142299"/>
                 <a:ext cx="3557384" cy="1384995"/>
               </a:xfrm>
               <a:prstGeom prst="rect">
@@ -14257,9 +16251,9 @@
           <p:grpSpPr>
             <a:xfrm>
               <a:off x="7673922" y="2421527"/>
-              <a:ext cx="4346062" cy="3767611"/>
+              <a:ext cx="4346062" cy="3032503"/>
               <a:chOff x="8075693" y="2494791"/>
-              <a:chExt cx="4346062" cy="3767611"/>
+              <a:chExt cx="4346062" cy="3032503"/>
             </a:xfrm>
           </p:grpSpPr>
           <p:sp>
@@ -14276,7 +16270,7 @@
             </p:nvSpPr>
             <p:spPr>
               <a:xfrm>
-                <a:off x="8075693" y="4877407"/>
+                <a:off x="8075693" y="4142299"/>
                 <a:ext cx="4346062" cy="1384995"/>
               </a:xfrm>
               <a:prstGeom prst="rect">
@@ -21598,7 +23592,7 @@
                             </p:stCondLst>
                             <p:childTnLst>
                               <p:par>
-                                <p:cTn id="12" presetID="22" presetClass="entr" presetSubtype="4" fill="hold" nodeType="afterEffect">
+                                <p:cTn id="12" presetID="22" presetClass="entr" presetSubtype="8" fill="hold" nodeType="afterEffect">
                                   <p:stCondLst>
                                     <p:cond delay="0"/>
                                   </p:stCondLst>
@@ -21621,7 +23615,7 @@
                                         <p:strVal val="visible"/>
                                       </p:to>
                                     </p:set>
-                                    <p:animEffect transition="in" filter="wipe(down)">
+                                    <p:animEffect transition="in" filter="wipe(left)">
                                       <p:cBhvr>
                                         <p:cTn id="14" dur="500"/>
                                         <p:tgtEl>
@@ -21633,7 +23627,7 @@
                                 </p:cTn>
                               </p:par>
                               <p:par>
-                                <p:cTn id="15" presetID="22" presetClass="entr" presetSubtype="4" fill="hold" nodeType="withEffect">
+                                <p:cTn id="15" presetID="22" presetClass="entr" presetSubtype="8" fill="hold" nodeType="withEffect">
                                   <p:stCondLst>
                                     <p:cond delay="0"/>
                                   </p:stCondLst>
@@ -21656,7 +23650,7 @@
                                         <p:strVal val="visible"/>
                                       </p:to>
                                     </p:set>
-                                    <p:animEffect transition="in" filter="wipe(down)">
+                                    <p:animEffect transition="in" filter="wipe(left)">
                                       <p:cBhvr>
                                         <p:cTn id="17" dur="500"/>
                                         <p:tgtEl>
@@ -23546,7 +25540,7 @@
                             </p:stCondLst>
                             <p:childTnLst>
                               <p:par>
-                                <p:cTn id="9" presetID="22" presetClass="entr" presetSubtype="4" fill="hold" nodeType="afterEffect">
+                                <p:cTn id="9" presetID="22" presetClass="entr" presetSubtype="2" fill="hold" nodeType="afterEffect">
                                   <p:stCondLst>
                                     <p:cond delay="0"/>
                                   </p:stCondLst>
@@ -23569,7 +25563,7 @@
                                         <p:strVal val="visible"/>
                                       </p:to>
                                     </p:set>
-                                    <p:animEffect transition="in" filter="wipe(down)">
+                                    <p:animEffect transition="in" filter="wipe(right)">
                                       <p:cBhvr>
                                         <p:cTn id="11" dur="500"/>
                                         <p:tgtEl>

--- a/powerpoint/03_編輯器與第一個 Java 程式.pptx
+++ b/powerpoint/03_編輯器與第一個 Java 程式.pptx
@@ -5,7 +5,7 @@
     <p:sldMasterId id="2147483685" r:id="rId1"/>
   </p:sldMasterIdLst>
   <p:notesMasterIdLst>
-    <p:notesMasterId r:id="rId15"/>
+    <p:notesMasterId r:id="rId17"/>
   </p:notesMasterIdLst>
   <p:sldIdLst>
     <p:sldId id="261" r:id="rId2"/>
@@ -19,8 +19,10 @@
     <p:sldId id="267" r:id="rId10"/>
     <p:sldId id="270" r:id="rId11"/>
     <p:sldId id="274" r:id="rId12"/>
-    <p:sldId id="271" r:id="rId13"/>
-    <p:sldId id="272" r:id="rId14"/>
+    <p:sldId id="275" r:id="rId13"/>
+    <p:sldId id="276" r:id="rId14"/>
+    <p:sldId id="271" r:id="rId15"/>
+    <p:sldId id="272" r:id="rId16"/>
   </p:sldIdLst>
   <p:sldSz cx="12192000" cy="6858000"/>
   <p:notesSz cx="6858000" cy="9144000"/>
@@ -209,7 +211,7 @@
           <a:p>
             <a:fld id="{7CB51037-9A88-43F8-8062-A2DDD941B0DA}" type="datetimeFigureOut">
               <a:rPr lang="zh-TW" altLang="en-US" smtClean="0"/>
-              <a:t>2024/7/7</a:t>
+              <a:t>2024/7/9</a:t>
             </a:fld>
             <a:endParaRPr lang="zh-TW" altLang="en-US"/>
           </a:p>
@@ -677,7 +679,7 @@
                 <a:tabLst/>
                 <a:defRPr/>
               </a:pPr>
-              <a:t>13</a:t>
+              <a:t>15</a:t>
             </a:fld>
             <a:endParaRPr kumimoji="0" lang="zh-TW" altLang="en-US" sz="1200" b="0" i="0" u="none" strike="noStrike" kern="1200" cap="none" spc="0" normalizeH="0" baseline="0" noProof="0">
               <a:ln>
@@ -1869,7 +1871,7 @@
                 <a:tabLst/>
                 <a:defRPr/>
               </a:pPr>
-              <a:t>12</a:t>
+              <a:t>14</a:t>
             </a:fld>
             <a:endParaRPr kumimoji="0" lang="zh-TW" altLang="en-US" sz="1200" b="0" i="0" u="none" strike="noStrike" kern="1200" cap="none" spc="0" normalizeH="0" baseline="0" noProof="0">
               <a:ln>
@@ -10874,13 +10876,34 @@
         </p:nvSpPr>
         <p:spPr>
           <a:xfrm>
-            <a:off x="838200" y="1610472"/>
-            <a:ext cx="10515600" cy="1096869"/>
+            <a:off x="286871" y="1610472"/>
+            <a:ext cx="11618258" cy="1592277"/>
           </a:xfrm>
         </p:spPr>
         <p:txBody>
-          <a:bodyPr/>
+          <a:bodyPr>
+            <a:normAutofit/>
+          </a:bodyPr>
           <a:lstStyle/>
+          <a:p>
+            <a:r>
+              <a:rPr lang="en-US" altLang="zh-TW"/>
+              <a:t>Java</a:t>
+            </a:r>
+            <a:r>
+              <a:rPr lang="zh-TW" altLang="en-US"/>
+              <a:t> 是個跨平臺語言，程式編譯後便可以在所有安裝 </a:t>
+            </a:r>
+            <a:r>
+              <a:rPr lang="en-US" altLang="zh-TW"/>
+              <a:t>Java</a:t>
+            </a:r>
+            <a:r>
+              <a:rPr lang="zh-TW" altLang="en-US"/>
+              <a:t> 的地方執行</a:t>
+            </a:r>
+            <a:endParaRPr lang="en-US" altLang="zh-TW"/>
+          </a:p>
           <a:p>
             <a:r>
               <a:rPr lang="en-US" altLang="zh-TW"/>
@@ -10950,7 +10973,7 @@
         </p:nvGrpSpPr>
         <p:grpSpPr>
           <a:xfrm>
-            <a:off x="838200" y="2781480"/>
+            <a:off x="838200" y="3202749"/>
             <a:ext cx="4952860" cy="1869743"/>
             <a:chOff x="802481" y="3328325"/>
             <a:chExt cx="4952860" cy="1869743"/>
@@ -11885,7 +11908,7 @@
         </p:nvSpPr>
         <p:spPr>
           <a:xfrm>
-            <a:off x="5876542" y="3577397"/>
+            <a:off x="5876542" y="3998666"/>
             <a:ext cx="1864625" cy="277907"/>
           </a:xfrm>
           <a:prstGeom prst="rightArrow">
@@ -11937,7 +11960,7 @@
         </p:nvGrpSpPr>
         <p:grpSpPr>
           <a:xfrm>
-            <a:off x="7826826" y="2717500"/>
+            <a:off x="7826826" y="3138769"/>
             <a:ext cx="1487506" cy="2044303"/>
             <a:chOff x="7226188" y="2771286"/>
             <a:chExt cx="2106072" cy="2894408"/>
@@ -12120,7 +12143,7 @@
         </p:nvSpPr>
         <p:spPr>
           <a:xfrm>
-            <a:off x="9476615" y="3577397"/>
+            <a:off x="9476615" y="3998666"/>
             <a:ext cx="1854775" cy="277907"/>
           </a:xfrm>
           <a:prstGeom prst="rightArrow">
@@ -12172,10 +12195,10 @@
         </p:nvGrpSpPr>
         <p:grpSpPr>
           <a:xfrm>
-            <a:off x="9476615" y="4018415"/>
-            <a:ext cx="1658471" cy="2496826"/>
+            <a:off x="9476615" y="4439684"/>
+            <a:ext cx="1658471" cy="2196676"/>
             <a:chOff x="9628093" y="2783675"/>
-            <a:chExt cx="2217053" cy="3337771"/>
+            <a:chExt cx="2217053" cy="2936529"/>
           </a:xfrm>
         </p:grpSpPr>
         <p:sp>
@@ -12193,7 +12216,7 @@
           <p:spPr>
             <a:xfrm>
               <a:off x="9628093" y="2783675"/>
-              <a:ext cx="2217053" cy="3337771"/>
+              <a:ext cx="2217053" cy="2936529"/>
             </a:xfrm>
             <a:prstGeom prst="roundRect">
               <a:avLst/>
@@ -12260,8 +12283,8 @@
           </p:blipFill>
           <p:spPr>
             <a:xfrm>
-              <a:off x="9975307" y="2813349"/>
-              <a:ext cx="1522624" cy="2007965"/>
+              <a:off x="10120670" y="2783675"/>
+              <a:ext cx="1231898" cy="1624569"/>
             </a:xfrm>
             <a:prstGeom prst="rect">
               <a:avLst/>
@@ -12282,7 +12305,7 @@
           </p:nvSpPr>
           <p:spPr>
             <a:xfrm>
-              <a:off x="9843436" y="4763702"/>
+              <a:off x="9843436" y="4362460"/>
               <a:ext cx="1786366" cy="1357744"/>
             </a:xfrm>
             <a:prstGeom prst="rect">
@@ -12350,7 +12373,7 @@
         </p:nvSpPr>
         <p:spPr>
           <a:xfrm>
-            <a:off x="6096000" y="3107307"/>
+            <a:off x="6096000" y="3528576"/>
             <a:ext cx="1487506" cy="523220"/>
           </a:xfrm>
           <a:prstGeom prst="rect">
@@ -12386,7 +12409,7 @@
         </p:nvSpPr>
         <p:spPr>
           <a:xfrm>
-            <a:off x="9562097" y="3107307"/>
+            <a:off x="9562097" y="3528576"/>
             <a:ext cx="1487506" cy="523220"/>
           </a:xfrm>
           <a:prstGeom prst="rect">
@@ -12422,10 +12445,10 @@
         </p:nvGrpSpPr>
         <p:grpSpPr>
           <a:xfrm>
-            <a:off x="6035389" y="3984449"/>
-            <a:ext cx="1658471" cy="2189049"/>
+            <a:off x="6035389" y="4405718"/>
+            <a:ext cx="1658471" cy="1948131"/>
             <a:chOff x="9628093" y="2783675"/>
-            <a:chExt cx="2217053" cy="2926333"/>
+            <a:chExt cx="2217053" cy="2604272"/>
           </a:xfrm>
         </p:grpSpPr>
         <p:sp>
@@ -12443,7 +12466,7 @@
           <p:spPr>
             <a:xfrm>
               <a:off x="9628093" y="2783675"/>
-              <a:ext cx="2217053" cy="2926333"/>
+              <a:ext cx="2217053" cy="2604272"/>
             </a:xfrm>
             <a:prstGeom prst="roundRect">
               <a:avLst/>
@@ -12510,8 +12533,8 @@
           </p:blipFill>
           <p:spPr>
             <a:xfrm>
-              <a:off x="9975307" y="2813349"/>
-              <a:ext cx="1522624" cy="2007965"/>
+              <a:off x="10110319" y="2813277"/>
+              <a:ext cx="1252600" cy="1651869"/>
             </a:xfrm>
             <a:prstGeom prst="rect">
               <a:avLst/>
@@ -12532,7 +12555,7 @@
           </p:nvSpPr>
           <p:spPr>
             <a:xfrm>
-              <a:off x="9843436" y="4763702"/>
+              <a:off x="9843436" y="4441641"/>
               <a:ext cx="1786366" cy="946306"/>
             </a:xfrm>
             <a:prstGeom prst="rect">
@@ -12589,7 +12612,7 @@
         </p:nvSpPr>
         <p:spPr>
           <a:xfrm>
-            <a:off x="2570877" y="4716978"/>
+            <a:off x="2570877" y="5138247"/>
             <a:ext cx="1487506" cy="523220"/>
           </a:xfrm>
           <a:prstGeom prst="rect">
@@ -12628,6 +12651,1371 @@
 </file>
 
 <file path=ppt/slides/slide12.xml><?xml version="1.0" encoding="utf-8"?>
+<p:sld xmlns:a="http://schemas.openxmlformats.org/drawingml/2006/main" xmlns:r="http://schemas.openxmlformats.org/officeDocument/2006/relationships" xmlns:p="http://schemas.openxmlformats.org/presentationml/2006/main" show="0">
+  <p:cSld>
+    <p:spTree>
+      <p:nvGrpSpPr>
+        <p:cNvPr id="1" name=""/>
+        <p:cNvGrpSpPr/>
+        <p:nvPr/>
+      </p:nvGrpSpPr>
+      <p:grpSpPr>
+        <a:xfrm>
+          <a:off x="0" y="0"/>
+          <a:ext cx="0" cy="0"/>
+          <a:chOff x="0" y="0"/>
+          <a:chExt cx="0" cy="0"/>
+        </a:xfrm>
+      </p:grpSpPr>
+      <p:sp>
+        <p:nvSpPr>
+          <p:cNvPr id="2" name="標題 1">
+            <a:extLst>
+              <a:ext uri="{FF2B5EF4-FFF2-40B4-BE49-F238E27FC236}">
+                <a16:creationId xmlns:a16="http://schemas.microsoft.com/office/drawing/2014/main" id="{AA78E4DE-F248-4C27-B4CA-52D34138B5B5}"/>
+              </a:ext>
+            </a:extLst>
+          </p:cNvPr>
+          <p:cNvSpPr>
+            <a:spLocks noGrp="1"/>
+          </p:cNvSpPr>
+          <p:nvPr>
+            <p:ph type="title"/>
+          </p:nvPr>
+        </p:nvSpPr>
+        <p:spPr/>
+        <p:txBody>
+          <a:bodyPr/>
+          <a:lstStyle/>
+          <a:p>
+            <a:r>
+              <a:rPr lang="zh-TW" altLang="en-US"/>
+              <a:t>補充：編譯與執行</a:t>
+            </a:r>
+            <a:r>
+              <a:rPr lang="en-US" altLang="zh-TW"/>
+              <a:t>-C/C++</a:t>
+            </a:r>
+            <a:endParaRPr lang="zh-TW" altLang="en-US"/>
+          </a:p>
+        </p:txBody>
+      </p:sp>
+      <p:sp>
+        <p:nvSpPr>
+          <p:cNvPr id="3" name="內容版面配置區 2">
+            <a:extLst>
+              <a:ext uri="{FF2B5EF4-FFF2-40B4-BE49-F238E27FC236}">
+                <a16:creationId xmlns:a16="http://schemas.microsoft.com/office/drawing/2014/main" id="{26D8E12A-AD96-45DD-8743-A3247D848C0F}"/>
+              </a:ext>
+            </a:extLst>
+          </p:cNvPr>
+          <p:cNvSpPr>
+            <a:spLocks noGrp="1"/>
+          </p:cNvSpPr>
+          <p:nvPr>
+            <p:ph idx="1"/>
+          </p:nvPr>
+        </p:nvSpPr>
+        <p:spPr>
+          <a:xfrm>
+            <a:off x="838200" y="1825625"/>
+            <a:ext cx="10515600" cy="3176681"/>
+          </a:xfrm>
+        </p:spPr>
+        <p:txBody>
+          <a:bodyPr>
+            <a:normAutofit/>
+          </a:bodyPr>
+          <a:lstStyle/>
+          <a:p>
+            <a:r>
+              <a:rPr lang="en-US" altLang="zh-TW"/>
+              <a:t>C/C++</a:t>
+            </a:r>
+            <a:r>
+              <a:rPr lang="zh-TW" altLang="en-US"/>
+              <a:t> 程式碼會直接被編譯器編譯成機器碼</a:t>
+            </a:r>
+            <a:endParaRPr lang="en-US" altLang="zh-TW"/>
+          </a:p>
+          <a:p>
+            <a:r>
+              <a:rPr lang="zh-TW" altLang="en-US"/>
+              <a:t>所以 </a:t>
+            </a:r>
+            <a:r>
+              <a:rPr lang="en-US" altLang="zh-TW"/>
+              <a:t>C/C++ </a:t>
+            </a:r>
+            <a:r>
+              <a:rPr lang="zh-TW" altLang="en-US"/>
+              <a:t>無法一次編譯到處執行</a:t>
+            </a:r>
+            <a:endParaRPr lang="en-US" altLang="zh-TW"/>
+          </a:p>
+          <a:p>
+            <a:r>
+              <a:rPr lang="zh-TW" altLang="en-US"/>
+              <a:t>只能在同系統、同</a:t>
+            </a:r>
+            <a:r>
+              <a:rPr lang="en-US" altLang="zh-TW"/>
+              <a:t>CPU</a:t>
+            </a:r>
+            <a:r>
+              <a:rPr lang="zh-TW" altLang="en-US"/>
+              <a:t>指令集</a:t>
+            </a:r>
+            <a:r>
+              <a:rPr lang="en-US" altLang="zh-TW"/>
+              <a:t>(Instruction Set)</a:t>
+            </a:r>
+            <a:r>
+              <a:rPr lang="zh-TW" altLang="en-US"/>
+              <a:t>的電腦上執行</a:t>
+            </a:r>
+            <a:endParaRPr lang="en-US" altLang="zh-TW"/>
+          </a:p>
+          <a:p>
+            <a:r>
+              <a:rPr lang="zh-TW" altLang="en-US"/>
+              <a:t>如在 </a:t>
+            </a:r>
+            <a:r>
+              <a:rPr lang="en-US" altLang="zh-TW"/>
+              <a:t>Windows </a:t>
+            </a:r>
+            <a:r>
+              <a:rPr lang="zh-TW" altLang="en-US"/>
+              <a:t>上編譯的可執行檔無法在 </a:t>
+            </a:r>
+            <a:r>
+              <a:rPr lang="en-US" altLang="zh-TW"/>
+              <a:t>Linux</a:t>
+            </a:r>
+            <a:r>
+              <a:rPr lang="zh-TW" altLang="en-US"/>
+              <a:t> 上執行</a:t>
+            </a:r>
+            <a:endParaRPr lang="en-US" altLang="zh-TW"/>
+          </a:p>
+          <a:p>
+            <a:r>
+              <a:rPr lang="zh-TW" altLang="en-US"/>
+              <a:t>但在 </a:t>
+            </a:r>
+            <a:r>
+              <a:rPr lang="en-US" altLang="zh-TW"/>
+              <a:t>Intel</a:t>
+            </a:r>
+            <a:r>
+              <a:rPr lang="zh-TW" altLang="en-US"/>
+              <a:t> </a:t>
+            </a:r>
+            <a:r>
+              <a:rPr lang="en-US" altLang="zh-TW"/>
+              <a:t>Core i9 </a:t>
+            </a:r>
+            <a:r>
+              <a:rPr lang="zh-TW" altLang="en-US"/>
+              <a:t>上編譯的可執行檔可在 </a:t>
+            </a:r>
+            <a:r>
+              <a:rPr lang="en-US" altLang="zh-TW"/>
+              <a:t>AMD Ryzen</a:t>
+            </a:r>
+            <a:r>
+              <a:rPr lang="zh-TW" altLang="en-US"/>
+              <a:t> 執行</a:t>
+            </a:r>
+            <a:endParaRPr lang="en-US" altLang="zh-TW"/>
+          </a:p>
+          <a:p>
+            <a:r>
+              <a:rPr lang="zh-TW" altLang="en-US"/>
+              <a:t>因為他們皆使用 </a:t>
+            </a:r>
+            <a:r>
+              <a:rPr lang="en-US" altLang="zh-TW"/>
+              <a:t>x86_64 (x64</a:t>
+            </a:r>
+            <a:r>
+              <a:rPr lang="zh-TW" altLang="en-US"/>
+              <a:t>、</a:t>
+            </a:r>
+            <a:r>
+              <a:rPr lang="en-US" altLang="zh-TW"/>
+              <a:t>Intel 64</a:t>
+            </a:r>
+            <a:r>
+              <a:rPr lang="zh-TW" altLang="en-US"/>
+              <a:t>、</a:t>
+            </a:r>
+            <a:r>
+              <a:rPr lang="en-US" altLang="zh-TW"/>
+              <a:t>AMD 64) </a:t>
+            </a:r>
+            <a:r>
+              <a:rPr lang="zh-TW" altLang="en-US"/>
+              <a:t>指令集</a:t>
+            </a:r>
+          </a:p>
+        </p:txBody>
+      </p:sp>
+      <p:grpSp>
+        <p:nvGrpSpPr>
+          <p:cNvPr id="48" name="群組 47">
+            <a:extLst>
+              <a:ext uri="{FF2B5EF4-FFF2-40B4-BE49-F238E27FC236}">
+                <a16:creationId xmlns:a16="http://schemas.microsoft.com/office/drawing/2014/main" id="{865E45F7-2610-4890-8979-E252CDF0D00F}"/>
+              </a:ext>
+            </a:extLst>
+          </p:cNvPr>
+          <p:cNvGrpSpPr/>
+          <p:nvPr/>
+        </p:nvGrpSpPr>
+        <p:grpSpPr>
+          <a:xfrm>
+            <a:off x="667864" y="5002305"/>
+            <a:ext cx="10856271" cy="1281953"/>
+            <a:chOff x="932330" y="5002305"/>
+            <a:chExt cx="10856271" cy="1281953"/>
+          </a:xfrm>
+        </p:grpSpPr>
+        <p:sp>
+          <p:nvSpPr>
+            <p:cNvPr id="4" name="矩形: 圓角 3">
+              <a:extLst>
+                <a:ext uri="{FF2B5EF4-FFF2-40B4-BE49-F238E27FC236}">
+                  <a16:creationId xmlns:a16="http://schemas.microsoft.com/office/drawing/2014/main" id="{F7C2A3B2-8C8F-4563-8CAA-2D1B4BD75AAD}"/>
+                </a:ext>
+              </a:extLst>
+            </p:cNvPr>
+            <p:cNvSpPr/>
+            <p:nvPr/>
+          </p:nvSpPr>
+          <p:spPr>
+            <a:xfrm>
+              <a:off x="932330" y="5002305"/>
+              <a:ext cx="1057836" cy="412377"/>
+            </a:xfrm>
+            <a:prstGeom prst="roundRect">
+              <a:avLst/>
+            </a:prstGeom>
+            <a:noFill/>
+            <a:ln w="38100">
+              <a:solidFill>
+                <a:srgbClr val="00B0F0"/>
+              </a:solidFill>
+            </a:ln>
+          </p:spPr>
+          <p:style>
+            <a:lnRef idx="2">
+              <a:schemeClr val="accent1">
+                <a:shade val="50000"/>
+              </a:schemeClr>
+            </a:lnRef>
+            <a:fillRef idx="1">
+              <a:schemeClr val="accent1"/>
+            </a:fillRef>
+            <a:effectRef idx="0">
+              <a:schemeClr val="accent1"/>
+            </a:effectRef>
+            <a:fontRef idx="minor">
+              <a:schemeClr val="lt1"/>
+            </a:fontRef>
+          </p:style>
+          <p:txBody>
+            <a:bodyPr rtlCol="0" anchor="ctr"/>
+            <a:lstStyle/>
+            <a:p>
+              <a:pPr algn="ctr"/>
+              <a:r>
+                <a:rPr lang="zh-TW" altLang="en-US" sz="2000"/>
+                <a:t>程式碼</a:t>
+              </a:r>
+            </a:p>
+          </p:txBody>
+        </p:sp>
+        <p:sp>
+          <p:nvSpPr>
+            <p:cNvPr id="5" name="矩形: 圓角 4">
+              <a:extLst>
+                <a:ext uri="{FF2B5EF4-FFF2-40B4-BE49-F238E27FC236}">
+                  <a16:creationId xmlns:a16="http://schemas.microsoft.com/office/drawing/2014/main" id="{CF191AC4-3AC6-4699-8EA5-77746E500C38}"/>
+                </a:ext>
+              </a:extLst>
+            </p:cNvPr>
+            <p:cNvSpPr/>
+            <p:nvPr/>
+          </p:nvSpPr>
+          <p:spPr>
+            <a:xfrm>
+              <a:off x="2270313" y="5002305"/>
+              <a:ext cx="1281953" cy="412377"/>
+            </a:xfrm>
+            <a:prstGeom prst="roundRect">
+              <a:avLst/>
+            </a:prstGeom>
+            <a:noFill/>
+            <a:ln w="38100">
+              <a:solidFill>
+                <a:srgbClr val="FFC000"/>
+              </a:solidFill>
+            </a:ln>
+          </p:spPr>
+          <p:style>
+            <a:lnRef idx="2">
+              <a:schemeClr val="accent1">
+                <a:shade val="50000"/>
+              </a:schemeClr>
+            </a:lnRef>
+            <a:fillRef idx="1">
+              <a:schemeClr val="accent1"/>
+            </a:fillRef>
+            <a:effectRef idx="0">
+              <a:schemeClr val="accent1"/>
+            </a:effectRef>
+            <a:fontRef idx="minor">
+              <a:schemeClr val="lt1"/>
+            </a:fontRef>
+          </p:style>
+          <p:txBody>
+            <a:bodyPr rtlCol="0" anchor="ctr"/>
+            <a:lstStyle/>
+            <a:p>
+              <a:pPr algn="ctr"/>
+              <a:r>
+                <a:rPr lang="zh-TW" altLang="en-US" sz="2000"/>
+                <a:t>前置處理</a:t>
+              </a:r>
+            </a:p>
+          </p:txBody>
+        </p:sp>
+        <p:sp>
+          <p:nvSpPr>
+            <p:cNvPr id="6" name="矩形: 圓角 5">
+              <a:extLst>
+                <a:ext uri="{FF2B5EF4-FFF2-40B4-BE49-F238E27FC236}">
+                  <a16:creationId xmlns:a16="http://schemas.microsoft.com/office/drawing/2014/main" id="{20D39195-C21C-4F77-A3A1-D47CC89C27CA}"/>
+                </a:ext>
+              </a:extLst>
+            </p:cNvPr>
+            <p:cNvSpPr/>
+            <p:nvPr/>
+          </p:nvSpPr>
+          <p:spPr>
+            <a:xfrm>
+              <a:off x="3832413" y="5002305"/>
+              <a:ext cx="869577" cy="412377"/>
+            </a:xfrm>
+            <a:prstGeom prst="roundRect">
+              <a:avLst/>
+            </a:prstGeom>
+            <a:noFill/>
+            <a:ln w="38100">
+              <a:solidFill>
+                <a:srgbClr val="FFC000"/>
+              </a:solidFill>
+            </a:ln>
+          </p:spPr>
+          <p:style>
+            <a:lnRef idx="2">
+              <a:schemeClr val="accent1">
+                <a:shade val="50000"/>
+              </a:schemeClr>
+            </a:lnRef>
+            <a:fillRef idx="1">
+              <a:schemeClr val="accent1"/>
+            </a:fillRef>
+            <a:effectRef idx="0">
+              <a:schemeClr val="accent1"/>
+            </a:effectRef>
+            <a:fontRef idx="minor">
+              <a:schemeClr val="lt1"/>
+            </a:fontRef>
+          </p:style>
+          <p:txBody>
+            <a:bodyPr rtlCol="0" anchor="ctr"/>
+            <a:lstStyle/>
+            <a:p>
+              <a:pPr algn="ctr"/>
+              <a:r>
+                <a:rPr lang="zh-TW" altLang="en-US" sz="2000"/>
+                <a:t>編譯</a:t>
+              </a:r>
+            </a:p>
+          </p:txBody>
+        </p:sp>
+        <p:sp>
+          <p:nvSpPr>
+            <p:cNvPr id="7" name="矩形: 圓角 6">
+              <a:extLst>
+                <a:ext uri="{FF2B5EF4-FFF2-40B4-BE49-F238E27FC236}">
+                  <a16:creationId xmlns:a16="http://schemas.microsoft.com/office/drawing/2014/main" id="{66890154-D4D0-4E6E-8595-C78E9DB58C8D}"/>
+                </a:ext>
+              </a:extLst>
+            </p:cNvPr>
+            <p:cNvSpPr/>
+            <p:nvPr/>
+          </p:nvSpPr>
+          <p:spPr>
+            <a:xfrm>
+              <a:off x="6577858" y="5002305"/>
+              <a:ext cx="869577" cy="412377"/>
+            </a:xfrm>
+            <a:prstGeom prst="roundRect">
+              <a:avLst/>
+            </a:prstGeom>
+            <a:noFill/>
+            <a:ln w="38100">
+              <a:solidFill>
+                <a:srgbClr val="FFC000"/>
+              </a:solidFill>
+            </a:ln>
+          </p:spPr>
+          <p:style>
+            <a:lnRef idx="2">
+              <a:schemeClr val="accent1">
+                <a:shade val="50000"/>
+              </a:schemeClr>
+            </a:lnRef>
+            <a:fillRef idx="1">
+              <a:schemeClr val="accent1"/>
+            </a:fillRef>
+            <a:effectRef idx="0">
+              <a:schemeClr val="accent1"/>
+            </a:effectRef>
+            <a:fontRef idx="minor">
+              <a:schemeClr val="lt1"/>
+            </a:fontRef>
+          </p:style>
+          <p:txBody>
+            <a:bodyPr rtlCol="0" anchor="ctr"/>
+            <a:lstStyle/>
+            <a:p>
+              <a:pPr algn="ctr"/>
+              <a:r>
+                <a:rPr lang="zh-TW" altLang="en-US" sz="2000"/>
+                <a:t>組繹</a:t>
+              </a:r>
+            </a:p>
+          </p:txBody>
+        </p:sp>
+        <p:sp>
+          <p:nvSpPr>
+            <p:cNvPr id="8" name="矩形: 圓角 7">
+              <a:extLst>
+                <a:ext uri="{FF2B5EF4-FFF2-40B4-BE49-F238E27FC236}">
+                  <a16:creationId xmlns:a16="http://schemas.microsoft.com/office/drawing/2014/main" id="{B39A4502-270D-46FF-9DF9-1299B558669E}"/>
+                </a:ext>
+              </a:extLst>
+            </p:cNvPr>
+            <p:cNvSpPr/>
+            <p:nvPr/>
+          </p:nvSpPr>
+          <p:spPr>
+            <a:xfrm>
+              <a:off x="4982137" y="5002305"/>
+              <a:ext cx="1315574" cy="412377"/>
+            </a:xfrm>
+            <a:prstGeom prst="roundRect">
+              <a:avLst/>
+            </a:prstGeom>
+            <a:noFill/>
+            <a:ln w="38100">
+              <a:solidFill>
+                <a:srgbClr val="00B0F0"/>
+              </a:solidFill>
+            </a:ln>
+          </p:spPr>
+          <p:style>
+            <a:lnRef idx="2">
+              <a:schemeClr val="accent1">
+                <a:shade val="50000"/>
+              </a:schemeClr>
+            </a:lnRef>
+            <a:fillRef idx="1">
+              <a:schemeClr val="accent1"/>
+            </a:fillRef>
+            <a:effectRef idx="0">
+              <a:schemeClr val="accent1"/>
+            </a:effectRef>
+            <a:fontRef idx="minor">
+              <a:schemeClr val="lt1"/>
+            </a:fontRef>
+          </p:style>
+          <p:txBody>
+            <a:bodyPr rtlCol="0" anchor="ctr"/>
+            <a:lstStyle/>
+            <a:p>
+              <a:pPr algn="ctr"/>
+              <a:r>
+                <a:rPr lang="zh-TW" altLang="en-US" sz="2000"/>
+                <a:t>組合語言</a:t>
+              </a:r>
+            </a:p>
+          </p:txBody>
+        </p:sp>
+        <p:sp>
+          <p:nvSpPr>
+            <p:cNvPr id="10" name="矩形: 圓角 9">
+              <a:extLst>
+                <a:ext uri="{FF2B5EF4-FFF2-40B4-BE49-F238E27FC236}">
+                  <a16:creationId xmlns:a16="http://schemas.microsoft.com/office/drawing/2014/main" id="{EDC7BE7B-CB03-42B8-BE37-DCF676904461}"/>
+                </a:ext>
+              </a:extLst>
+            </p:cNvPr>
+            <p:cNvSpPr/>
+            <p:nvPr/>
+          </p:nvSpPr>
+          <p:spPr>
+            <a:xfrm>
+              <a:off x="7727582" y="5002305"/>
+              <a:ext cx="1315574" cy="412377"/>
+            </a:xfrm>
+            <a:prstGeom prst="roundRect">
+              <a:avLst/>
+            </a:prstGeom>
+            <a:noFill/>
+            <a:ln w="38100">
+              <a:solidFill>
+                <a:srgbClr val="00B0F0"/>
+              </a:solidFill>
+            </a:ln>
+          </p:spPr>
+          <p:style>
+            <a:lnRef idx="2">
+              <a:schemeClr val="accent1">
+                <a:shade val="50000"/>
+              </a:schemeClr>
+            </a:lnRef>
+            <a:fillRef idx="1">
+              <a:schemeClr val="accent1"/>
+            </a:fillRef>
+            <a:effectRef idx="0">
+              <a:schemeClr val="accent1"/>
+            </a:effectRef>
+            <a:fontRef idx="minor">
+              <a:schemeClr val="lt1"/>
+            </a:fontRef>
+          </p:style>
+          <p:txBody>
+            <a:bodyPr rtlCol="0" anchor="ctr"/>
+            <a:lstStyle/>
+            <a:p>
+              <a:pPr algn="ctr"/>
+              <a:r>
+                <a:rPr lang="zh-TW" altLang="en-US" sz="2000"/>
+                <a:t>目標文件</a:t>
+              </a:r>
+            </a:p>
+          </p:txBody>
+        </p:sp>
+        <p:sp>
+          <p:nvSpPr>
+            <p:cNvPr id="12" name="矩形: 圓角 11">
+              <a:extLst>
+                <a:ext uri="{FF2B5EF4-FFF2-40B4-BE49-F238E27FC236}">
+                  <a16:creationId xmlns:a16="http://schemas.microsoft.com/office/drawing/2014/main" id="{9AE53CB5-B27B-46C1-A858-66E8B7A201C3}"/>
+                </a:ext>
+              </a:extLst>
+            </p:cNvPr>
+            <p:cNvSpPr/>
+            <p:nvPr/>
+          </p:nvSpPr>
+          <p:spPr>
+            <a:xfrm>
+              <a:off x="9323303" y="5002305"/>
+              <a:ext cx="869577" cy="412377"/>
+            </a:xfrm>
+            <a:prstGeom prst="roundRect">
+              <a:avLst/>
+            </a:prstGeom>
+            <a:noFill/>
+            <a:ln w="38100">
+              <a:solidFill>
+                <a:srgbClr val="FFC000"/>
+              </a:solidFill>
+            </a:ln>
+          </p:spPr>
+          <p:style>
+            <a:lnRef idx="2">
+              <a:schemeClr val="accent1">
+                <a:shade val="50000"/>
+              </a:schemeClr>
+            </a:lnRef>
+            <a:fillRef idx="1">
+              <a:schemeClr val="accent1"/>
+            </a:fillRef>
+            <a:effectRef idx="0">
+              <a:schemeClr val="accent1"/>
+            </a:effectRef>
+            <a:fontRef idx="minor">
+              <a:schemeClr val="lt1"/>
+            </a:fontRef>
+          </p:style>
+          <p:txBody>
+            <a:bodyPr rtlCol="0" anchor="ctr"/>
+            <a:lstStyle/>
+            <a:p>
+              <a:pPr algn="ctr"/>
+              <a:r>
+                <a:rPr lang="zh-TW" altLang="en-US" sz="2000"/>
+                <a:t>連結</a:t>
+              </a:r>
+            </a:p>
+          </p:txBody>
+        </p:sp>
+        <p:sp>
+          <p:nvSpPr>
+            <p:cNvPr id="13" name="矩形: 圓角 12">
+              <a:extLst>
+                <a:ext uri="{FF2B5EF4-FFF2-40B4-BE49-F238E27FC236}">
+                  <a16:creationId xmlns:a16="http://schemas.microsoft.com/office/drawing/2014/main" id="{BDC36E2F-CBC2-480A-8801-260462DFBC6E}"/>
+                </a:ext>
+              </a:extLst>
+            </p:cNvPr>
+            <p:cNvSpPr/>
+            <p:nvPr/>
+          </p:nvSpPr>
+          <p:spPr>
+            <a:xfrm>
+              <a:off x="10473027" y="5002305"/>
+              <a:ext cx="1315574" cy="412377"/>
+            </a:xfrm>
+            <a:prstGeom prst="roundRect">
+              <a:avLst/>
+            </a:prstGeom>
+            <a:noFill/>
+            <a:ln w="38100">
+              <a:solidFill>
+                <a:srgbClr val="00B0F0"/>
+              </a:solidFill>
+            </a:ln>
+          </p:spPr>
+          <p:style>
+            <a:lnRef idx="2">
+              <a:schemeClr val="accent1">
+                <a:shade val="50000"/>
+              </a:schemeClr>
+            </a:lnRef>
+            <a:fillRef idx="1">
+              <a:schemeClr val="accent1"/>
+            </a:fillRef>
+            <a:effectRef idx="0">
+              <a:schemeClr val="accent1"/>
+            </a:effectRef>
+            <a:fontRef idx="minor">
+              <a:schemeClr val="lt1"/>
+            </a:fontRef>
+          </p:style>
+          <p:txBody>
+            <a:bodyPr rtlCol="0" anchor="ctr"/>
+            <a:lstStyle/>
+            <a:p>
+              <a:pPr algn="ctr"/>
+              <a:r>
+                <a:rPr lang="zh-TW" altLang="en-US" sz="2000"/>
+                <a:t>可執行檔</a:t>
+              </a:r>
+            </a:p>
+          </p:txBody>
+        </p:sp>
+        <p:cxnSp>
+          <p:nvCxnSpPr>
+            <p:cNvPr id="15" name="直線單箭頭接點 14">
+              <a:extLst>
+                <a:ext uri="{FF2B5EF4-FFF2-40B4-BE49-F238E27FC236}">
+                  <a16:creationId xmlns:a16="http://schemas.microsoft.com/office/drawing/2014/main" id="{6EA367A8-489D-4AEE-BDCD-5D99A4793090}"/>
+                </a:ext>
+              </a:extLst>
+            </p:cNvPr>
+            <p:cNvCxnSpPr>
+              <a:stCxn id="4" idx="3"/>
+              <a:endCxn id="5" idx="1"/>
+            </p:cNvCxnSpPr>
+            <p:nvPr/>
+          </p:nvCxnSpPr>
+          <p:spPr>
+            <a:xfrm>
+              <a:off x="1990166" y="5208494"/>
+              <a:ext cx="280147" cy="0"/>
+            </a:xfrm>
+            <a:prstGeom prst="straightConnector1">
+              <a:avLst/>
+            </a:prstGeom>
+            <a:ln w="38100">
+              <a:solidFill>
+                <a:srgbClr val="92D050"/>
+              </a:solidFill>
+              <a:tailEnd type="triangle"/>
+            </a:ln>
+          </p:spPr>
+          <p:style>
+            <a:lnRef idx="1">
+              <a:schemeClr val="accent1"/>
+            </a:lnRef>
+            <a:fillRef idx="0">
+              <a:schemeClr val="accent1"/>
+            </a:fillRef>
+            <a:effectRef idx="0">
+              <a:schemeClr val="accent1"/>
+            </a:effectRef>
+            <a:fontRef idx="minor">
+              <a:schemeClr val="tx1"/>
+            </a:fontRef>
+          </p:style>
+        </p:cxnSp>
+        <p:cxnSp>
+          <p:nvCxnSpPr>
+            <p:cNvPr id="17" name="直線單箭頭接點 16">
+              <a:extLst>
+                <a:ext uri="{FF2B5EF4-FFF2-40B4-BE49-F238E27FC236}">
+                  <a16:creationId xmlns:a16="http://schemas.microsoft.com/office/drawing/2014/main" id="{60FC1306-B7AA-4346-B7EE-C194FE0AB288}"/>
+                </a:ext>
+              </a:extLst>
+            </p:cNvPr>
+            <p:cNvCxnSpPr>
+              <a:stCxn id="5" idx="3"/>
+              <a:endCxn id="6" idx="1"/>
+            </p:cNvCxnSpPr>
+            <p:nvPr/>
+          </p:nvCxnSpPr>
+          <p:spPr>
+            <a:xfrm>
+              <a:off x="3552266" y="5208494"/>
+              <a:ext cx="280147" cy="0"/>
+            </a:xfrm>
+            <a:prstGeom prst="straightConnector1">
+              <a:avLst/>
+            </a:prstGeom>
+            <a:ln w="38100">
+              <a:solidFill>
+                <a:srgbClr val="92D050"/>
+              </a:solidFill>
+              <a:tailEnd type="triangle"/>
+            </a:ln>
+          </p:spPr>
+          <p:style>
+            <a:lnRef idx="1">
+              <a:schemeClr val="accent1"/>
+            </a:lnRef>
+            <a:fillRef idx="0">
+              <a:schemeClr val="accent1"/>
+            </a:fillRef>
+            <a:effectRef idx="0">
+              <a:schemeClr val="accent1"/>
+            </a:effectRef>
+            <a:fontRef idx="minor">
+              <a:schemeClr val="tx1"/>
+            </a:fontRef>
+          </p:style>
+        </p:cxnSp>
+        <p:cxnSp>
+          <p:nvCxnSpPr>
+            <p:cNvPr id="18" name="直線單箭頭接點 17">
+              <a:extLst>
+                <a:ext uri="{FF2B5EF4-FFF2-40B4-BE49-F238E27FC236}">
+                  <a16:creationId xmlns:a16="http://schemas.microsoft.com/office/drawing/2014/main" id="{0CBA4B14-7760-4F31-BE1E-039BF5AB72A9}"/>
+                </a:ext>
+              </a:extLst>
+            </p:cNvPr>
+            <p:cNvCxnSpPr>
+              <a:cxnSpLocks/>
+              <a:stCxn id="6" idx="3"/>
+              <a:endCxn id="8" idx="1"/>
+            </p:cNvCxnSpPr>
+            <p:nvPr/>
+          </p:nvCxnSpPr>
+          <p:spPr>
+            <a:xfrm>
+              <a:off x="4701990" y="5208494"/>
+              <a:ext cx="280147" cy="0"/>
+            </a:xfrm>
+            <a:prstGeom prst="straightConnector1">
+              <a:avLst/>
+            </a:prstGeom>
+            <a:ln w="38100">
+              <a:solidFill>
+                <a:srgbClr val="92D050"/>
+              </a:solidFill>
+              <a:tailEnd type="triangle"/>
+            </a:ln>
+          </p:spPr>
+          <p:style>
+            <a:lnRef idx="1">
+              <a:schemeClr val="accent1"/>
+            </a:lnRef>
+            <a:fillRef idx="0">
+              <a:schemeClr val="accent1"/>
+            </a:fillRef>
+            <a:effectRef idx="0">
+              <a:schemeClr val="accent1"/>
+            </a:effectRef>
+            <a:fontRef idx="minor">
+              <a:schemeClr val="tx1"/>
+            </a:fontRef>
+          </p:style>
+        </p:cxnSp>
+        <p:cxnSp>
+          <p:nvCxnSpPr>
+            <p:cNvPr id="21" name="直線單箭頭接點 20">
+              <a:extLst>
+                <a:ext uri="{FF2B5EF4-FFF2-40B4-BE49-F238E27FC236}">
+                  <a16:creationId xmlns:a16="http://schemas.microsoft.com/office/drawing/2014/main" id="{903E048F-E710-4796-8F42-C5A9E3146D35}"/>
+                </a:ext>
+              </a:extLst>
+            </p:cNvPr>
+            <p:cNvCxnSpPr>
+              <a:cxnSpLocks/>
+              <a:stCxn id="8" idx="3"/>
+              <a:endCxn id="7" idx="1"/>
+            </p:cNvCxnSpPr>
+            <p:nvPr/>
+          </p:nvCxnSpPr>
+          <p:spPr>
+            <a:xfrm>
+              <a:off x="6297711" y="5208494"/>
+              <a:ext cx="280147" cy="0"/>
+            </a:xfrm>
+            <a:prstGeom prst="straightConnector1">
+              <a:avLst/>
+            </a:prstGeom>
+            <a:ln w="38100">
+              <a:solidFill>
+                <a:srgbClr val="92D050"/>
+              </a:solidFill>
+              <a:tailEnd type="triangle"/>
+            </a:ln>
+          </p:spPr>
+          <p:style>
+            <a:lnRef idx="1">
+              <a:schemeClr val="accent1"/>
+            </a:lnRef>
+            <a:fillRef idx="0">
+              <a:schemeClr val="accent1"/>
+            </a:fillRef>
+            <a:effectRef idx="0">
+              <a:schemeClr val="accent1"/>
+            </a:effectRef>
+            <a:fontRef idx="minor">
+              <a:schemeClr val="tx1"/>
+            </a:fontRef>
+          </p:style>
+        </p:cxnSp>
+        <p:cxnSp>
+          <p:nvCxnSpPr>
+            <p:cNvPr id="24" name="直線單箭頭接點 23">
+              <a:extLst>
+                <a:ext uri="{FF2B5EF4-FFF2-40B4-BE49-F238E27FC236}">
+                  <a16:creationId xmlns:a16="http://schemas.microsoft.com/office/drawing/2014/main" id="{1B92C281-D739-42D5-A22B-80F264DAD496}"/>
+                </a:ext>
+              </a:extLst>
+            </p:cNvPr>
+            <p:cNvCxnSpPr>
+              <a:cxnSpLocks/>
+              <a:stCxn id="7" idx="3"/>
+              <a:endCxn id="10" idx="1"/>
+            </p:cNvCxnSpPr>
+            <p:nvPr/>
+          </p:nvCxnSpPr>
+          <p:spPr>
+            <a:xfrm>
+              <a:off x="7447435" y="5208494"/>
+              <a:ext cx="280147" cy="0"/>
+            </a:xfrm>
+            <a:prstGeom prst="straightConnector1">
+              <a:avLst/>
+            </a:prstGeom>
+            <a:ln w="38100">
+              <a:solidFill>
+                <a:srgbClr val="92D050"/>
+              </a:solidFill>
+              <a:tailEnd type="triangle"/>
+            </a:ln>
+          </p:spPr>
+          <p:style>
+            <a:lnRef idx="1">
+              <a:schemeClr val="accent1"/>
+            </a:lnRef>
+            <a:fillRef idx="0">
+              <a:schemeClr val="accent1"/>
+            </a:fillRef>
+            <a:effectRef idx="0">
+              <a:schemeClr val="accent1"/>
+            </a:effectRef>
+            <a:fontRef idx="minor">
+              <a:schemeClr val="tx1"/>
+            </a:fontRef>
+          </p:style>
+        </p:cxnSp>
+        <p:cxnSp>
+          <p:nvCxnSpPr>
+            <p:cNvPr id="27" name="直線單箭頭接點 26">
+              <a:extLst>
+                <a:ext uri="{FF2B5EF4-FFF2-40B4-BE49-F238E27FC236}">
+                  <a16:creationId xmlns:a16="http://schemas.microsoft.com/office/drawing/2014/main" id="{88B50E97-6644-4F1F-8B75-029E9B44F163}"/>
+                </a:ext>
+              </a:extLst>
+            </p:cNvPr>
+            <p:cNvCxnSpPr>
+              <a:cxnSpLocks/>
+              <a:stCxn id="10" idx="3"/>
+              <a:endCxn id="12" idx="1"/>
+            </p:cNvCxnSpPr>
+            <p:nvPr/>
+          </p:nvCxnSpPr>
+          <p:spPr>
+            <a:xfrm>
+              <a:off x="9043156" y="5208494"/>
+              <a:ext cx="280147" cy="0"/>
+            </a:xfrm>
+            <a:prstGeom prst="straightConnector1">
+              <a:avLst/>
+            </a:prstGeom>
+            <a:ln w="38100">
+              <a:solidFill>
+                <a:srgbClr val="92D050"/>
+              </a:solidFill>
+              <a:tailEnd type="triangle"/>
+            </a:ln>
+          </p:spPr>
+          <p:style>
+            <a:lnRef idx="1">
+              <a:schemeClr val="accent1"/>
+            </a:lnRef>
+            <a:fillRef idx="0">
+              <a:schemeClr val="accent1"/>
+            </a:fillRef>
+            <a:effectRef idx="0">
+              <a:schemeClr val="accent1"/>
+            </a:effectRef>
+            <a:fontRef idx="minor">
+              <a:schemeClr val="tx1"/>
+            </a:fontRef>
+          </p:style>
+        </p:cxnSp>
+        <p:cxnSp>
+          <p:nvCxnSpPr>
+            <p:cNvPr id="30" name="直線單箭頭接點 29">
+              <a:extLst>
+                <a:ext uri="{FF2B5EF4-FFF2-40B4-BE49-F238E27FC236}">
+                  <a16:creationId xmlns:a16="http://schemas.microsoft.com/office/drawing/2014/main" id="{4316EAD5-5243-442E-86AC-1FD3E8063CA5}"/>
+                </a:ext>
+              </a:extLst>
+            </p:cNvPr>
+            <p:cNvCxnSpPr>
+              <a:cxnSpLocks/>
+              <a:stCxn id="12" idx="3"/>
+              <a:endCxn id="13" idx="1"/>
+            </p:cNvCxnSpPr>
+            <p:nvPr/>
+          </p:nvCxnSpPr>
+          <p:spPr>
+            <a:xfrm>
+              <a:off x="10192880" y="5208494"/>
+              <a:ext cx="280147" cy="0"/>
+            </a:xfrm>
+            <a:prstGeom prst="straightConnector1">
+              <a:avLst/>
+            </a:prstGeom>
+            <a:ln w="38100">
+              <a:solidFill>
+                <a:srgbClr val="92D050"/>
+              </a:solidFill>
+              <a:tailEnd type="triangle"/>
+            </a:ln>
+          </p:spPr>
+          <p:style>
+            <a:lnRef idx="1">
+              <a:schemeClr val="accent1"/>
+            </a:lnRef>
+            <a:fillRef idx="0">
+              <a:schemeClr val="accent1"/>
+            </a:fillRef>
+            <a:effectRef idx="0">
+              <a:schemeClr val="accent1"/>
+            </a:effectRef>
+            <a:fontRef idx="minor">
+              <a:schemeClr val="tx1"/>
+            </a:fontRef>
+          </p:style>
+        </p:cxnSp>
+        <p:sp>
+          <p:nvSpPr>
+            <p:cNvPr id="36" name="矩形: 圓角 35">
+              <a:extLst>
+                <a:ext uri="{FF2B5EF4-FFF2-40B4-BE49-F238E27FC236}">
+                  <a16:creationId xmlns:a16="http://schemas.microsoft.com/office/drawing/2014/main" id="{F5244CD5-2C82-43D7-9726-92AAB4AC6F86}"/>
+                </a:ext>
+              </a:extLst>
+            </p:cNvPr>
+            <p:cNvSpPr/>
+            <p:nvPr/>
+          </p:nvSpPr>
+          <p:spPr>
+            <a:xfrm>
+              <a:off x="2382371" y="5871881"/>
+              <a:ext cx="1057836" cy="412377"/>
+            </a:xfrm>
+            <a:prstGeom prst="roundRect">
+              <a:avLst/>
+            </a:prstGeom>
+            <a:noFill/>
+            <a:ln w="38100">
+              <a:solidFill>
+                <a:srgbClr val="00B0F0"/>
+              </a:solidFill>
+            </a:ln>
+          </p:spPr>
+          <p:style>
+            <a:lnRef idx="2">
+              <a:schemeClr val="accent1">
+                <a:shade val="50000"/>
+              </a:schemeClr>
+            </a:lnRef>
+            <a:fillRef idx="1">
+              <a:schemeClr val="accent1"/>
+            </a:fillRef>
+            <a:effectRef idx="0">
+              <a:schemeClr val="accent1"/>
+            </a:effectRef>
+            <a:fontRef idx="minor">
+              <a:schemeClr val="lt1"/>
+            </a:fontRef>
+          </p:style>
+          <p:txBody>
+            <a:bodyPr rtlCol="0" anchor="ctr"/>
+            <a:lstStyle/>
+            <a:p>
+              <a:pPr algn="ctr"/>
+              <a:r>
+                <a:rPr lang="zh-TW" altLang="en-US" sz="2000"/>
+                <a:t>標頭檔</a:t>
+              </a:r>
+            </a:p>
+          </p:txBody>
+        </p:sp>
+        <p:cxnSp>
+          <p:nvCxnSpPr>
+            <p:cNvPr id="37" name="直線單箭頭接點 36">
+              <a:extLst>
+                <a:ext uri="{FF2B5EF4-FFF2-40B4-BE49-F238E27FC236}">
+                  <a16:creationId xmlns:a16="http://schemas.microsoft.com/office/drawing/2014/main" id="{12D49094-755A-487F-96F4-2593DBBE6F48}"/>
+                </a:ext>
+              </a:extLst>
+            </p:cNvPr>
+            <p:cNvCxnSpPr>
+              <a:cxnSpLocks/>
+              <a:stCxn id="36" idx="0"/>
+              <a:endCxn id="5" idx="2"/>
+            </p:cNvCxnSpPr>
+            <p:nvPr/>
+          </p:nvCxnSpPr>
+          <p:spPr>
+            <a:xfrm flipV="1">
+              <a:off x="2911289" y="5414682"/>
+              <a:ext cx="1" cy="457199"/>
+            </a:xfrm>
+            <a:prstGeom prst="straightConnector1">
+              <a:avLst/>
+            </a:prstGeom>
+            <a:ln w="38100">
+              <a:solidFill>
+                <a:srgbClr val="92D050"/>
+              </a:solidFill>
+              <a:tailEnd type="triangle"/>
+            </a:ln>
+          </p:spPr>
+          <p:style>
+            <a:lnRef idx="1">
+              <a:schemeClr val="accent1"/>
+            </a:lnRef>
+            <a:fillRef idx="0">
+              <a:schemeClr val="accent1"/>
+            </a:fillRef>
+            <a:effectRef idx="0">
+              <a:schemeClr val="accent1"/>
+            </a:effectRef>
+            <a:fontRef idx="minor">
+              <a:schemeClr val="tx1"/>
+            </a:fontRef>
+          </p:style>
+        </p:cxnSp>
+        <p:sp>
+          <p:nvSpPr>
+            <p:cNvPr id="41" name="矩形: 圓角 40">
+              <a:extLst>
+                <a:ext uri="{FF2B5EF4-FFF2-40B4-BE49-F238E27FC236}">
+                  <a16:creationId xmlns:a16="http://schemas.microsoft.com/office/drawing/2014/main" id="{22592740-E0AC-491A-A4F0-FFFE2A5455F6}"/>
+                </a:ext>
+              </a:extLst>
+            </p:cNvPr>
+            <p:cNvSpPr/>
+            <p:nvPr/>
+          </p:nvSpPr>
+          <p:spPr>
+            <a:xfrm>
+              <a:off x="8863867" y="5871881"/>
+              <a:ext cx="1788450" cy="412377"/>
+            </a:xfrm>
+            <a:prstGeom prst="roundRect">
+              <a:avLst/>
+            </a:prstGeom>
+            <a:noFill/>
+            <a:ln w="38100">
+              <a:solidFill>
+                <a:srgbClr val="00B0F0"/>
+              </a:solidFill>
+            </a:ln>
+          </p:spPr>
+          <p:style>
+            <a:lnRef idx="2">
+              <a:schemeClr val="accent1">
+                <a:shade val="50000"/>
+              </a:schemeClr>
+            </a:lnRef>
+            <a:fillRef idx="1">
+              <a:schemeClr val="accent1"/>
+            </a:fillRef>
+            <a:effectRef idx="0">
+              <a:schemeClr val="accent1"/>
+            </a:effectRef>
+            <a:fontRef idx="minor">
+              <a:schemeClr val="lt1"/>
+            </a:fontRef>
+          </p:style>
+          <p:txBody>
+            <a:bodyPr rtlCol="0" anchor="ctr"/>
+            <a:lstStyle/>
+            <a:p>
+              <a:pPr algn="ctr"/>
+              <a:r>
+                <a:rPr lang="zh-TW" altLang="en-US" sz="2000"/>
+                <a:t>其他目標文件</a:t>
+              </a:r>
+            </a:p>
+          </p:txBody>
+        </p:sp>
+        <p:cxnSp>
+          <p:nvCxnSpPr>
+            <p:cNvPr id="42" name="直線單箭頭接點 41">
+              <a:extLst>
+                <a:ext uri="{FF2B5EF4-FFF2-40B4-BE49-F238E27FC236}">
+                  <a16:creationId xmlns:a16="http://schemas.microsoft.com/office/drawing/2014/main" id="{575C83EC-31FF-4FA9-BDF8-6B18423CD53C}"/>
+                </a:ext>
+              </a:extLst>
+            </p:cNvPr>
+            <p:cNvCxnSpPr>
+              <a:cxnSpLocks/>
+              <a:stCxn id="41" idx="0"/>
+              <a:endCxn id="12" idx="2"/>
+            </p:cNvCxnSpPr>
+            <p:nvPr/>
+          </p:nvCxnSpPr>
+          <p:spPr>
+            <a:xfrm flipV="1">
+              <a:off x="9758092" y="5414682"/>
+              <a:ext cx="0" cy="457199"/>
+            </a:xfrm>
+            <a:prstGeom prst="straightConnector1">
+              <a:avLst/>
+            </a:prstGeom>
+            <a:ln w="38100">
+              <a:solidFill>
+                <a:srgbClr val="92D050"/>
+              </a:solidFill>
+              <a:tailEnd type="triangle"/>
+            </a:ln>
+          </p:spPr>
+          <p:style>
+            <a:lnRef idx="1">
+              <a:schemeClr val="accent1"/>
+            </a:lnRef>
+            <a:fillRef idx="0">
+              <a:schemeClr val="accent1"/>
+            </a:fillRef>
+            <a:effectRef idx="0">
+              <a:schemeClr val="accent1"/>
+            </a:effectRef>
+            <a:fontRef idx="minor">
+              <a:schemeClr val="tx1"/>
+            </a:fontRef>
+          </p:style>
+        </p:cxnSp>
+      </p:grpSp>
+    </p:spTree>
+    <p:extLst>
+      <p:ext uri="{BB962C8B-B14F-4D97-AF65-F5344CB8AC3E}">
+        <p14:creationId xmlns:p14="http://schemas.microsoft.com/office/powerpoint/2010/main" val="474862724"/>
+      </p:ext>
+    </p:extLst>
+  </p:cSld>
+  <p:clrMapOvr>
+    <a:masterClrMapping/>
+  </p:clrMapOvr>
+  <p:transition spd="slow">
+    <p:push dir="u"/>
+  </p:transition>
+</p:sld>
+</file>
+
+<file path=ppt/slides/slide13.xml><?xml version="1.0" encoding="utf-8"?>
+<p:sld xmlns:a="http://schemas.openxmlformats.org/drawingml/2006/main" xmlns:r="http://schemas.openxmlformats.org/officeDocument/2006/relationships" xmlns:p="http://schemas.openxmlformats.org/presentationml/2006/main" show="0">
+  <p:cSld>
+    <p:spTree>
+      <p:nvGrpSpPr>
+        <p:cNvPr id="1" name=""/>
+        <p:cNvGrpSpPr/>
+        <p:nvPr/>
+      </p:nvGrpSpPr>
+      <p:grpSpPr>
+        <a:xfrm>
+          <a:off x="0" y="0"/>
+          <a:ext cx="0" cy="0"/>
+          <a:chOff x="0" y="0"/>
+          <a:chExt cx="0" cy="0"/>
+        </a:xfrm>
+      </p:grpSpPr>
+      <p:sp>
+        <p:nvSpPr>
+          <p:cNvPr id="2" name="標題 1">
+            <a:extLst>
+              <a:ext uri="{FF2B5EF4-FFF2-40B4-BE49-F238E27FC236}">
+                <a16:creationId xmlns:a16="http://schemas.microsoft.com/office/drawing/2014/main" id="{622D4116-361C-433B-AED4-C06925B80821}"/>
+              </a:ext>
+            </a:extLst>
+          </p:cNvPr>
+          <p:cNvSpPr>
+            <a:spLocks noGrp="1"/>
+          </p:cNvSpPr>
+          <p:nvPr>
+            <p:ph type="title"/>
+          </p:nvPr>
+        </p:nvSpPr>
+        <p:spPr/>
+        <p:txBody>
+          <a:bodyPr/>
+          <a:lstStyle/>
+          <a:p>
+            <a:r>
+              <a:rPr lang="zh-TW" altLang="en-US"/>
+              <a:t>補充：編譯與執行</a:t>
+            </a:r>
+            <a:r>
+              <a:rPr lang="en-US" altLang="zh-TW"/>
+              <a:t>-Python</a:t>
+            </a:r>
+            <a:endParaRPr lang="zh-TW" altLang="en-US"/>
+          </a:p>
+        </p:txBody>
+      </p:sp>
+      <p:sp>
+        <p:nvSpPr>
+          <p:cNvPr id="3" name="內容版面配置區 2">
+            <a:extLst>
+              <a:ext uri="{FF2B5EF4-FFF2-40B4-BE49-F238E27FC236}">
+                <a16:creationId xmlns:a16="http://schemas.microsoft.com/office/drawing/2014/main" id="{001A87A2-15EE-4D40-97BC-9EC26A449CC9}"/>
+              </a:ext>
+            </a:extLst>
+          </p:cNvPr>
+          <p:cNvSpPr>
+            <a:spLocks noGrp="1"/>
+          </p:cNvSpPr>
+          <p:nvPr>
+            <p:ph idx="1"/>
+          </p:nvPr>
+        </p:nvSpPr>
+        <p:spPr/>
+        <p:txBody>
+          <a:bodyPr/>
+          <a:lstStyle/>
+          <a:p>
+            <a:r>
+              <a:rPr lang="en-US" altLang="zh-TW"/>
+              <a:t>Python </a:t>
+            </a:r>
+            <a:r>
+              <a:rPr lang="zh-TW" altLang="en-US"/>
+              <a:t>程式不需要經過編譯</a:t>
+            </a:r>
+            <a:endParaRPr lang="en-US" altLang="zh-TW"/>
+          </a:p>
+          <a:p>
+            <a:r>
+              <a:rPr lang="zh-TW" altLang="en-US"/>
+              <a:t>而是經由直譯器</a:t>
+            </a:r>
+            <a:r>
+              <a:rPr lang="en-US" altLang="zh-TW"/>
+              <a:t>(interpreter)</a:t>
+            </a:r>
+            <a:r>
+              <a:rPr lang="zh-TW" altLang="en-US"/>
+              <a:t>執行一行翻譯一行</a:t>
+            </a:r>
+            <a:endParaRPr lang="en-US" altLang="zh-TW"/>
+          </a:p>
+          <a:p>
+            <a:r>
+              <a:rPr lang="zh-TW" altLang="en-US"/>
+              <a:t>所以執行起來速度與效率相較 </a:t>
+            </a:r>
+            <a:r>
+              <a:rPr lang="en-US" altLang="zh-TW"/>
+              <a:t>C/C++ </a:t>
+            </a:r>
+            <a:r>
+              <a:rPr lang="zh-TW" altLang="en-US"/>
+              <a:t>慢許多</a:t>
+            </a:r>
+            <a:endParaRPr lang="en-US" altLang="zh-TW"/>
+          </a:p>
+          <a:p>
+            <a:r>
+              <a:rPr lang="zh-TW" altLang="en-US"/>
+              <a:t>因為執行時花很多時間在翻譯上</a:t>
+            </a:r>
+            <a:endParaRPr lang="en-US" altLang="zh-TW"/>
+          </a:p>
+          <a:p>
+            <a:r>
+              <a:rPr lang="zh-TW" altLang="en-US"/>
+              <a:t>類似的語言還有 </a:t>
+            </a:r>
+            <a:r>
+              <a:rPr lang="en-US" altLang="zh-TW"/>
+              <a:t>JavaScript</a:t>
+            </a:r>
+            <a:r>
+              <a:rPr lang="zh-TW" altLang="en-US"/>
+              <a:t> 等腳本語言</a:t>
+            </a:r>
+            <a:r>
+              <a:rPr lang="en-US" altLang="zh-TW"/>
+              <a:t>(Scripting language)</a:t>
+            </a:r>
+          </a:p>
+        </p:txBody>
+      </p:sp>
+    </p:spTree>
+    <p:extLst>
+      <p:ext uri="{BB962C8B-B14F-4D97-AF65-F5344CB8AC3E}">
+        <p14:creationId xmlns:p14="http://schemas.microsoft.com/office/powerpoint/2010/main" val="2100076448"/>
+      </p:ext>
+    </p:extLst>
+  </p:cSld>
+  <p:clrMapOvr>
+    <a:masterClrMapping/>
+  </p:clrMapOvr>
+  <p:transition spd="slow">
+    <p:push dir="u"/>
+  </p:transition>
+</p:sld>
+</file>
+
+<file path=ppt/slides/slide14.xml><?xml version="1.0" encoding="utf-8"?>
 <p:sld xmlns:a="http://schemas.openxmlformats.org/drawingml/2006/main" xmlns:r="http://schemas.openxmlformats.org/officeDocument/2006/relationships" xmlns:p="http://schemas.openxmlformats.org/presentationml/2006/main">
   <p:cSld>
     <p:spTree>
@@ -14024,7 +15412,7 @@
 </p:sld>
 </file>
 
-<file path=ppt/slides/slide13.xml><?xml version="1.0" encoding="utf-8"?>
+<file path=ppt/slides/slide15.xml><?xml version="1.0" encoding="utf-8"?>
 <p:sld xmlns:a="http://schemas.openxmlformats.org/drawingml/2006/main" xmlns:r="http://schemas.openxmlformats.org/officeDocument/2006/relationships" xmlns:p="http://schemas.openxmlformats.org/presentationml/2006/main">
   <p:cSld>
     <p:spTree>

--- a/powerpoint/03_編輯器與第一個 Java 程式.pptx
+++ b/powerpoint/03_編輯器與第一個 Java 程式.pptx
@@ -5,7 +5,7 @@
     <p:sldMasterId id="2147483685" r:id="rId1"/>
   </p:sldMasterIdLst>
   <p:notesMasterIdLst>
-    <p:notesMasterId r:id="rId17"/>
+    <p:notesMasterId r:id="rId18"/>
   </p:notesMasterIdLst>
   <p:sldIdLst>
     <p:sldId id="261" r:id="rId2"/>
@@ -17,12 +17,13 @@
     <p:sldId id="264" r:id="rId8"/>
     <p:sldId id="265" r:id="rId9"/>
     <p:sldId id="267" r:id="rId10"/>
-    <p:sldId id="270" r:id="rId11"/>
-    <p:sldId id="274" r:id="rId12"/>
-    <p:sldId id="275" r:id="rId13"/>
-    <p:sldId id="276" r:id="rId14"/>
-    <p:sldId id="271" r:id="rId15"/>
-    <p:sldId id="272" r:id="rId16"/>
+    <p:sldId id="259" r:id="rId11"/>
+    <p:sldId id="270" r:id="rId12"/>
+    <p:sldId id="274" r:id="rId13"/>
+    <p:sldId id="275" r:id="rId14"/>
+    <p:sldId id="276" r:id="rId15"/>
+    <p:sldId id="271" r:id="rId16"/>
+    <p:sldId id="272" r:id="rId17"/>
   </p:sldIdLst>
   <p:sldSz cx="12192000" cy="6858000"/>
   <p:notesSz cx="6858000" cy="9144000"/>
@@ -679,7 +680,7 @@
                 <a:tabLst/>
                 <a:defRPr/>
               </a:pPr>
-              <a:t>15</a:t>
+              <a:t>16</a:t>
             </a:fld>
             <a:endParaRPr kumimoji="0" lang="zh-TW" altLang="en-US" sz="1200" b="0" i="0" u="none" strike="noStrike" kern="1200" cap="none" spc="0" normalizeH="0" baseline="0" noProof="0">
               <a:ln>
@@ -1722,7 +1723,7 @@
                 <a:tabLst/>
                 <a:defRPr/>
               </a:pPr>
-              <a:t>10</a:t>
+              <a:t>11</a:t>
             </a:fld>
             <a:endParaRPr kumimoji="0" lang="zh-TW" altLang="en-US" sz="1200" b="0" i="0" u="none" strike="noStrike" kern="1200" cap="none" spc="0" normalizeH="0" baseline="0" noProof="0">
               <a:ln>
@@ -1871,7 +1872,7 @@
                 <a:tabLst/>
                 <a:defRPr/>
               </a:pPr>
-              <a:t>14</a:t>
+              <a:t>15</a:t>
             </a:fld>
             <a:endParaRPr kumimoji="0" lang="zh-TW" altLang="en-US" sz="1200" b="0" i="0" u="none" strike="noStrike" kern="1200" cap="none" spc="0" normalizeH="0" baseline="0" noProof="0">
               <a:ln>
@@ -9749,6 +9750,394 @@
 </file>
 
 <file path=ppt/slides/slide10.xml><?xml version="1.0" encoding="utf-8"?>
+<p:sld xmlns:a="http://schemas.openxmlformats.org/drawingml/2006/main" xmlns:r="http://schemas.openxmlformats.org/officeDocument/2006/relationships" xmlns:p="http://schemas.openxmlformats.org/presentationml/2006/main">
+  <p:cSld>
+    <p:spTree>
+      <p:nvGrpSpPr>
+        <p:cNvPr id="1" name=""/>
+        <p:cNvGrpSpPr/>
+        <p:nvPr/>
+      </p:nvGrpSpPr>
+      <p:grpSpPr>
+        <a:xfrm>
+          <a:off x="0" y="0"/>
+          <a:ext cx="0" cy="0"/>
+          <a:chOff x="0" y="0"/>
+          <a:chExt cx="0" cy="0"/>
+        </a:xfrm>
+      </p:grpSpPr>
+      <p:sp>
+        <p:nvSpPr>
+          <p:cNvPr id="2" name="標題 1">
+            <a:extLst>
+              <a:ext uri="{FF2B5EF4-FFF2-40B4-BE49-F238E27FC236}">
+                <a16:creationId xmlns:a16="http://schemas.microsoft.com/office/drawing/2014/main" id="{BD6681DD-ADCF-4792-88C3-D755C5AA131C}"/>
+              </a:ext>
+            </a:extLst>
+          </p:cNvPr>
+          <p:cNvSpPr>
+            <a:spLocks noGrp="1"/>
+          </p:cNvSpPr>
+          <p:nvPr>
+            <p:ph type="title"/>
+          </p:nvPr>
+        </p:nvSpPr>
+        <p:spPr/>
+        <p:txBody>
+          <a:bodyPr/>
+          <a:lstStyle/>
+          <a:p>
+            <a:r>
+              <a:rPr lang="zh-TW" altLang="en-US"/>
+              <a:t>常用快捷鍵</a:t>
+            </a:r>
+          </a:p>
+        </p:txBody>
+      </p:sp>
+      <p:sp>
+        <p:nvSpPr>
+          <p:cNvPr id="3" name="內容版面配置區 2">
+            <a:extLst>
+              <a:ext uri="{FF2B5EF4-FFF2-40B4-BE49-F238E27FC236}">
+                <a16:creationId xmlns:a16="http://schemas.microsoft.com/office/drawing/2014/main" id="{85EF9455-ACF1-40EE-9EED-D72C0D6ED26B}"/>
+              </a:ext>
+            </a:extLst>
+          </p:cNvPr>
+          <p:cNvSpPr>
+            <a:spLocks noGrp="1"/>
+          </p:cNvSpPr>
+          <p:nvPr>
+            <p:ph idx="1"/>
+          </p:nvPr>
+        </p:nvSpPr>
+        <p:spPr>
+          <a:xfrm>
+            <a:off x="838200" y="1663700"/>
+            <a:ext cx="8870576" cy="4794250"/>
+          </a:xfrm>
+        </p:spPr>
+        <p:txBody>
+          <a:bodyPr>
+            <a:normAutofit/>
+          </a:bodyPr>
+          <a:lstStyle/>
+          <a:p>
+            <a:pPr marL="514350" indent="-514350">
+              <a:buAutoNum type="arabicPeriod"/>
+            </a:pPr>
+            <a:r>
+              <a:rPr lang="en-US" altLang="zh-TW" noProof="1"/>
+              <a:t>Ctrl+A</a:t>
+            </a:r>
+            <a:r>
+              <a:rPr lang="en-US" altLang="zh-TW" dirty="0"/>
+              <a:t> </a:t>
+            </a:r>
+            <a:r>
+              <a:rPr lang="zh-TW" altLang="en-US"/>
+              <a:t>全選</a:t>
+            </a:r>
+            <a:endParaRPr lang="en-US" altLang="zh-TW" dirty="0"/>
+          </a:p>
+          <a:p>
+            <a:pPr marL="514350" indent="-514350">
+              <a:buAutoNum type="arabicPeriod"/>
+            </a:pPr>
+            <a:r>
+              <a:rPr lang="en-US" altLang="zh-TW" noProof="1"/>
+              <a:t>Ctrl+C</a:t>
+            </a:r>
+            <a:r>
+              <a:rPr lang="en-US" altLang="zh-TW" dirty="0"/>
+              <a:t> </a:t>
+            </a:r>
+            <a:r>
+              <a:rPr lang="zh-TW" altLang="en-US" dirty="0"/>
+              <a:t>複製</a:t>
+            </a:r>
+            <a:endParaRPr lang="en-US" altLang="zh-TW" dirty="0"/>
+          </a:p>
+          <a:p>
+            <a:pPr marL="514350" indent="-514350">
+              <a:buAutoNum type="arabicPeriod"/>
+            </a:pPr>
+            <a:r>
+              <a:rPr lang="en-US" altLang="zh-TW" dirty="0"/>
+              <a:t>Ctrl+V </a:t>
+            </a:r>
+            <a:r>
+              <a:rPr lang="zh-TW" altLang="en-US" dirty="0"/>
+              <a:t>貼上</a:t>
+            </a:r>
+            <a:endParaRPr lang="en-US" altLang="zh-TW" dirty="0"/>
+          </a:p>
+          <a:p>
+            <a:pPr marL="514350" indent="-514350">
+              <a:buAutoNum type="arabicPeriod"/>
+            </a:pPr>
+            <a:r>
+              <a:rPr lang="en-US" altLang="zh-TW" dirty="0"/>
+              <a:t>Ctrl+X </a:t>
+            </a:r>
+            <a:r>
+              <a:rPr lang="zh-TW" altLang="en-US" dirty="0"/>
+              <a:t>剪下</a:t>
+            </a:r>
+            <a:endParaRPr lang="en-US" altLang="zh-TW" dirty="0"/>
+          </a:p>
+          <a:p>
+            <a:pPr marL="514350" indent="-514350">
+              <a:buAutoNum type="arabicPeriod"/>
+            </a:pPr>
+            <a:r>
+              <a:rPr lang="en-US" altLang="zh-TW" dirty="0"/>
+              <a:t>Ctrl+Z </a:t>
+            </a:r>
+            <a:r>
+              <a:rPr lang="zh-TW" altLang="en-US" dirty="0"/>
+              <a:t>復原</a:t>
+            </a:r>
+            <a:endParaRPr lang="en-US" altLang="zh-TW" dirty="0"/>
+          </a:p>
+          <a:p>
+            <a:pPr marL="514350" indent="-514350">
+              <a:buAutoNum type="arabicPeriod"/>
+            </a:pPr>
+            <a:r>
+              <a:rPr lang="en-US" altLang="zh-TW" dirty="0"/>
+              <a:t>Ctrl+Y </a:t>
+            </a:r>
+            <a:r>
+              <a:rPr lang="zh-TW" altLang="en-US" dirty="0"/>
+              <a:t>或 </a:t>
+            </a:r>
+            <a:r>
+              <a:rPr lang="en-US" altLang="zh-TW" dirty="0"/>
+              <a:t>Ctrl+Shift+</a:t>
+            </a:r>
+            <a:r>
+              <a:rPr lang="en-US" altLang="zh-TW"/>
+              <a:t>Z </a:t>
+            </a:r>
+            <a:r>
+              <a:rPr lang="zh-TW" altLang="en-US"/>
+              <a:t>重做</a:t>
+            </a:r>
+            <a:r>
+              <a:rPr lang="en-US" altLang="zh-TW"/>
+              <a:t>(</a:t>
+            </a:r>
+            <a:r>
+              <a:rPr lang="zh-TW" altLang="en-US"/>
+              <a:t>視編輯程式而定</a:t>
+            </a:r>
+            <a:r>
+              <a:rPr lang="en-US" altLang="zh-TW"/>
+              <a:t>)</a:t>
+            </a:r>
+          </a:p>
+          <a:p>
+            <a:pPr marL="514350" indent="-514350">
+              <a:buAutoNum type="arabicPeriod"/>
+            </a:pPr>
+            <a:r>
+              <a:rPr lang="en-US" altLang="zh-TW"/>
+              <a:t>Ctrl+S </a:t>
+            </a:r>
+            <a:r>
+              <a:rPr lang="zh-TW" altLang="en-US"/>
+              <a:t>存檔</a:t>
+            </a:r>
+            <a:endParaRPr lang="en-US" altLang="zh-TW" dirty="0"/>
+          </a:p>
+          <a:p>
+            <a:pPr marL="514350" indent="-514350">
+              <a:buAutoNum type="arabicPeriod"/>
+            </a:pPr>
+            <a:r>
+              <a:rPr lang="en-US" altLang="zh-TW" noProof="1"/>
+              <a:t>Alt+Tab</a:t>
+            </a:r>
+            <a:r>
+              <a:rPr lang="zh-TW" altLang="en-US" dirty="0"/>
+              <a:t> 切換視窗</a:t>
+            </a:r>
+            <a:endParaRPr lang="en-US" altLang="zh-TW" dirty="0"/>
+          </a:p>
+          <a:p>
+            <a:pPr marL="514350" indent="-514350">
+              <a:buAutoNum type="arabicPeriod"/>
+            </a:pPr>
+            <a:r>
+              <a:rPr lang="en-US" altLang="zh-TW" noProof="1"/>
+              <a:t>Windows+V</a:t>
+            </a:r>
+            <a:r>
+              <a:rPr lang="en-US" altLang="zh-TW" dirty="0"/>
+              <a:t> </a:t>
+            </a:r>
+            <a:r>
+              <a:rPr lang="zh-TW" altLang="en-US" dirty="0"/>
+              <a:t>剪貼簿</a:t>
+            </a:r>
+            <a:endParaRPr lang="en-US" altLang="zh-TW" dirty="0"/>
+          </a:p>
+          <a:p>
+            <a:pPr marL="514350" indent="-514350">
+              <a:buAutoNum type="arabicPeriod"/>
+            </a:pPr>
+            <a:endParaRPr lang="zh-TW" altLang="en-US" dirty="0"/>
+          </a:p>
+        </p:txBody>
+      </p:sp>
+      <p:grpSp>
+        <p:nvGrpSpPr>
+          <p:cNvPr id="37" name="群組 36">
+            <a:extLst>
+              <a:ext uri="{FF2B5EF4-FFF2-40B4-BE49-F238E27FC236}">
+                <a16:creationId xmlns:a16="http://schemas.microsoft.com/office/drawing/2014/main" id="{B8BB4FBB-AC2B-4455-ABFB-EA45C4B5230E}"/>
+              </a:ext>
+            </a:extLst>
+          </p:cNvPr>
+          <p:cNvGrpSpPr/>
+          <p:nvPr/>
+        </p:nvGrpSpPr>
+        <p:grpSpPr>
+          <a:xfrm>
+            <a:off x="3971365" y="1663700"/>
+            <a:ext cx="7953701" cy="2449676"/>
+            <a:chOff x="3686175" y="1749425"/>
+            <a:chExt cx="8391291" cy="2584450"/>
+          </a:xfrm>
+        </p:grpSpPr>
+        <p:pic>
+          <p:nvPicPr>
+            <p:cNvPr id="33" name="圖形 32">
+              <a:extLst>
+                <a:ext uri="{FF2B5EF4-FFF2-40B4-BE49-F238E27FC236}">
+                  <a16:creationId xmlns:a16="http://schemas.microsoft.com/office/drawing/2014/main" id="{E3EB3D8A-B34C-44FC-9334-28ADA4B781EC}"/>
+                </a:ext>
+              </a:extLst>
+            </p:cNvPr>
+            <p:cNvPicPr>
+              <a:picLocks noChangeAspect="1"/>
+            </p:cNvPicPr>
+            <p:nvPr/>
+          </p:nvPicPr>
+          <p:blipFill rotWithShape="1">
+            <a:blip r:embed="rId2">
+              <a:extLst>
+                <a:ext uri="{28A0092B-C50C-407E-A947-70E740481C1C}">
+                  <a14:useLocalDpi xmlns:a14="http://schemas.microsoft.com/office/drawing/2010/main" val="0"/>
+                </a:ext>
+                <a:ext uri="{96DAC541-7B7A-43D3-8B79-37D633B846F1}">
+                  <asvg:svgBlip xmlns:asvg="http://schemas.microsoft.com/office/drawing/2016/SVG/main" r:embed="rId3"/>
+                </a:ext>
+              </a:extLst>
+            </a:blip>
+            <a:srcRect t="3338" b="32744"/>
+            <a:stretch/>
+          </p:blipFill>
+          <p:spPr>
+            <a:xfrm>
+              <a:off x="3686175" y="1749425"/>
+              <a:ext cx="8391291" cy="2584450"/>
+            </a:xfrm>
+            <a:prstGeom prst="rect">
+              <a:avLst/>
+            </a:prstGeom>
+          </p:spPr>
+        </p:pic>
+        <p:pic>
+          <p:nvPicPr>
+            <p:cNvPr id="35" name="圖片 34">
+              <a:extLst>
+                <a:ext uri="{FF2B5EF4-FFF2-40B4-BE49-F238E27FC236}">
+                  <a16:creationId xmlns:a16="http://schemas.microsoft.com/office/drawing/2014/main" id="{33DE3C15-47CA-4452-BBEC-484085149178}"/>
+                </a:ext>
+              </a:extLst>
+            </p:cNvPr>
+            <p:cNvPicPr>
+              <a:picLocks noChangeAspect="1"/>
+            </p:cNvPicPr>
+            <p:nvPr/>
+          </p:nvPicPr>
+          <p:blipFill>
+            <a:blip r:embed="rId4">
+              <a:extLst>
+                <a:ext uri="{28A0092B-C50C-407E-A947-70E740481C1C}">
+                  <a14:useLocalDpi xmlns:a14="http://schemas.microsoft.com/office/drawing/2010/main" val="0"/>
+                </a:ext>
+              </a:extLst>
+            </a:blip>
+            <a:stretch>
+              <a:fillRect/>
+            </a:stretch>
+          </p:blipFill>
+          <p:spPr>
+            <a:xfrm>
+              <a:off x="4622006" y="3748087"/>
+              <a:ext cx="142875" cy="142875"/>
+            </a:xfrm>
+            <a:prstGeom prst="rect">
+              <a:avLst/>
+            </a:prstGeom>
+          </p:spPr>
+        </p:pic>
+        <p:pic>
+          <p:nvPicPr>
+            <p:cNvPr id="36" name="圖片 35">
+              <a:extLst>
+                <a:ext uri="{FF2B5EF4-FFF2-40B4-BE49-F238E27FC236}">
+                  <a16:creationId xmlns:a16="http://schemas.microsoft.com/office/drawing/2014/main" id="{81E55520-5A43-48FF-A2D7-796D08F5E5B3}"/>
+                </a:ext>
+              </a:extLst>
+            </p:cNvPr>
+            <p:cNvPicPr>
+              <a:picLocks noChangeAspect="1"/>
+            </p:cNvPicPr>
+            <p:nvPr/>
+          </p:nvPicPr>
+          <p:blipFill>
+            <a:blip r:embed="rId4">
+              <a:extLst>
+                <a:ext uri="{28A0092B-C50C-407E-A947-70E740481C1C}">
+                  <a14:useLocalDpi xmlns:a14="http://schemas.microsoft.com/office/drawing/2010/main" val="0"/>
+                </a:ext>
+              </a:extLst>
+            </a:blip>
+            <a:stretch>
+              <a:fillRect/>
+            </a:stretch>
+          </p:blipFill>
+          <p:spPr>
+            <a:xfrm>
+              <a:off x="7810382" y="3748087"/>
+              <a:ext cx="142875" cy="142875"/>
+            </a:xfrm>
+            <a:prstGeom prst="rect">
+              <a:avLst/>
+            </a:prstGeom>
+          </p:spPr>
+        </p:pic>
+      </p:grpSp>
+    </p:spTree>
+    <p:extLst>
+      <p:ext uri="{BB962C8B-B14F-4D97-AF65-F5344CB8AC3E}">
+        <p14:creationId xmlns:p14="http://schemas.microsoft.com/office/powerpoint/2010/main" val="1626098002"/>
+      </p:ext>
+    </p:extLst>
+  </p:cSld>
+  <p:clrMapOvr>
+    <a:masterClrMapping/>
+  </p:clrMapOvr>
+  <p:transition spd="slow">
+    <p:push dir="u"/>
+  </p:transition>
+</p:sld>
+</file>
+
+<file path=ppt/slides/slide11.xml><?xml version="1.0" encoding="utf-8"?>
 <p:sld xmlns:a="http://schemas.openxmlformats.org/drawingml/2006/main" xmlns:r="http://schemas.openxmlformats.org/officeDocument/2006/relationships" xmlns:p="http://schemas.openxmlformats.org/presentationml/2006/main">
   <p:cSld>
     <p:spTree>
@@ -10795,7 +11184,7 @@
 </p:sld>
 </file>
 
-<file path=ppt/slides/slide11.xml><?xml version="1.0" encoding="utf-8"?>
+<file path=ppt/slides/slide12.xml><?xml version="1.0" encoding="utf-8"?>
 <p:sld xmlns:a="http://schemas.openxmlformats.org/drawingml/2006/main" xmlns:r="http://schemas.openxmlformats.org/officeDocument/2006/relationships" xmlns:p="http://schemas.openxmlformats.org/presentationml/2006/main">
   <p:cSld>
     <p:spTree>
@@ -12650,7 +13039,7 @@
 </p:sld>
 </file>
 
-<file path=ppt/slides/slide12.xml><?xml version="1.0" encoding="utf-8"?>
+<file path=ppt/slides/slide13.xml><?xml version="1.0" encoding="utf-8"?>
 <p:sld xmlns:a="http://schemas.openxmlformats.org/drawingml/2006/main" xmlns:r="http://schemas.openxmlformats.org/officeDocument/2006/relationships" xmlns:p="http://schemas.openxmlformats.org/presentationml/2006/main" show="0">
   <p:cSld>
     <p:spTree>
@@ -13861,7 +14250,7 @@
 </p:sld>
 </file>
 
-<file path=ppt/slides/slide13.xml><?xml version="1.0" encoding="utf-8"?>
+<file path=ppt/slides/slide14.xml><?xml version="1.0" encoding="utf-8"?>
 <p:sld xmlns:a="http://schemas.openxmlformats.org/drawingml/2006/main" xmlns:r="http://schemas.openxmlformats.org/officeDocument/2006/relationships" xmlns:p="http://schemas.openxmlformats.org/presentationml/2006/main" show="0">
   <p:cSld>
     <p:spTree>
@@ -14015,7 +14404,7 @@
 </p:sld>
 </file>
 
-<file path=ppt/slides/slide14.xml><?xml version="1.0" encoding="utf-8"?>
+<file path=ppt/slides/slide15.xml><?xml version="1.0" encoding="utf-8"?>
 <p:sld xmlns:a="http://schemas.openxmlformats.org/drawingml/2006/main" xmlns:r="http://schemas.openxmlformats.org/officeDocument/2006/relationships" xmlns:p="http://schemas.openxmlformats.org/presentationml/2006/main">
   <p:cSld>
     <p:spTree>
@@ -15412,7 +15801,7 @@
 </p:sld>
 </file>
 
-<file path=ppt/slides/slide15.xml><?xml version="1.0" encoding="utf-8"?>
+<file path=ppt/slides/slide16.xml><?xml version="1.0" encoding="utf-8"?>
 <p:sld xmlns:a="http://schemas.openxmlformats.org/drawingml/2006/main" xmlns:r="http://schemas.openxmlformats.org/officeDocument/2006/relationships" xmlns:p="http://schemas.openxmlformats.org/presentationml/2006/main">
   <p:cSld>
     <p:spTree>

--- a/powerpoint/03_編輯器與第一個 Java 程式.pptx
+++ b/powerpoint/03_編輯器與第一個 Java 程式.pptx
@@ -5,7 +5,7 @@
     <p:sldMasterId id="2147483685" r:id="rId1"/>
   </p:sldMasterIdLst>
   <p:notesMasterIdLst>
-    <p:notesMasterId r:id="rId18"/>
+    <p:notesMasterId r:id="rId19"/>
   </p:notesMasterIdLst>
   <p:sldIdLst>
     <p:sldId id="261" r:id="rId2"/>
@@ -16,14 +16,15 @@
     <p:sldId id="263" r:id="rId7"/>
     <p:sldId id="264" r:id="rId8"/>
     <p:sldId id="265" r:id="rId9"/>
-    <p:sldId id="267" r:id="rId10"/>
-    <p:sldId id="259" r:id="rId11"/>
-    <p:sldId id="270" r:id="rId12"/>
-    <p:sldId id="274" r:id="rId13"/>
-    <p:sldId id="275" r:id="rId14"/>
-    <p:sldId id="276" r:id="rId15"/>
-    <p:sldId id="271" r:id="rId16"/>
-    <p:sldId id="272" r:id="rId17"/>
+    <p:sldId id="277" r:id="rId10"/>
+    <p:sldId id="267" r:id="rId11"/>
+    <p:sldId id="259" r:id="rId12"/>
+    <p:sldId id="270" r:id="rId13"/>
+    <p:sldId id="274" r:id="rId14"/>
+    <p:sldId id="275" r:id="rId15"/>
+    <p:sldId id="276" r:id="rId16"/>
+    <p:sldId id="271" r:id="rId17"/>
+    <p:sldId id="272" r:id="rId18"/>
   </p:sldIdLst>
   <p:sldSz cx="12192000" cy="6858000"/>
   <p:notesSz cx="6858000" cy="9144000"/>
@@ -212,7 +213,7 @@
           <a:p>
             <a:fld id="{7CB51037-9A88-43F8-8062-A2DDD941B0DA}" type="datetimeFigureOut">
               <a:rPr lang="zh-TW" altLang="en-US" smtClean="0"/>
-              <a:t>2024/7/9</a:t>
+              <a:t>2024/7/10</a:t>
             </a:fld>
             <a:endParaRPr lang="zh-TW" altLang="en-US"/>
           </a:p>
@@ -680,7 +681,7 @@
                 <a:tabLst/>
                 <a:defRPr/>
               </a:pPr>
-              <a:t>16</a:t>
+              <a:t>17</a:t>
             </a:fld>
             <a:endParaRPr kumimoji="0" lang="zh-TW" altLang="en-US" sz="1200" b="0" i="0" u="none" strike="noStrike" kern="1200" cap="none" spc="0" normalizeH="0" baseline="0" noProof="0">
               <a:ln>
@@ -1574,7 +1575,7 @@
                 <a:tabLst/>
                 <a:defRPr/>
               </a:pPr>
-              <a:t>9</a:t>
+              <a:t>10</a:t>
             </a:fld>
             <a:endParaRPr kumimoji="0" lang="zh-TW" altLang="en-US" sz="1200" b="0" i="0" u="none" strike="noStrike" kern="1200" cap="none" spc="0" normalizeH="0" baseline="0" noProof="0">
               <a:ln>
@@ -1723,7 +1724,7 @@
                 <a:tabLst/>
                 <a:defRPr/>
               </a:pPr>
-              <a:t>11</a:t>
+              <a:t>12</a:t>
             </a:fld>
             <a:endParaRPr kumimoji="0" lang="zh-TW" altLang="en-US" sz="1200" b="0" i="0" u="none" strike="noStrike" kern="1200" cap="none" spc="0" normalizeH="0" baseline="0" noProof="0">
               <a:ln>
@@ -1872,7 +1873,7 @@
                 <a:tabLst/>
                 <a:defRPr/>
               </a:pPr>
-              <a:t>15</a:t>
+              <a:t>16</a:t>
             </a:fld>
             <a:endParaRPr kumimoji="0" lang="zh-TW" altLang="en-US" sz="1200" b="0" i="0" u="none" strike="noStrike" kern="1200" cap="none" spc="0" normalizeH="0" baseline="0" noProof="0">
               <a:ln>
@@ -9771,6 +9772,1219 @@
           <p:cNvPr id="2" name="標題 1">
             <a:extLst>
               <a:ext uri="{FF2B5EF4-FFF2-40B4-BE49-F238E27FC236}">
+                <a16:creationId xmlns:a16="http://schemas.microsoft.com/office/drawing/2014/main" id="{9F2EE2D1-8102-410E-A569-41AEBA690F58}"/>
+              </a:ext>
+            </a:extLst>
+          </p:cNvPr>
+          <p:cNvSpPr>
+            <a:spLocks noGrp="1"/>
+          </p:cNvSpPr>
+          <p:nvPr>
+            <p:ph type="title"/>
+          </p:nvPr>
+        </p:nvSpPr>
+        <p:spPr/>
+        <p:txBody>
+          <a:bodyPr/>
+          <a:lstStyle/>
+          <a:p>
+            <a:r>
+              <a:rPr lang="zh-TW" altLang="en-US"/>
+              <a:t>第一個 </a:t>
+            </a:r>
+            <a:r>
+              <a:rPr lang="en-US" altLang="zh-TW"/>
+              <a:t>Java </a:t>
+            </a:r>
+            <a:r>
+              <a:rPr lang="zh-TW" altLang="en-US"/>
+              <a:t>程式</a:t>
+            </a:r>
+          </a:p>
+        </p:txBody>
+      </p:sp>
+      <p:sp>
+        <p:nvSpPr>
+          <p:cNvPr id="11" name="內容版面配置區 10">
+            <a:extLst>
+              <a:ext uri="{FF2B5EF4-FFF2-40B4-BE49-F238E27FC236}">
+                <a16:creationId xmlns:a16="http://schemas.microsoft.com/office/drawing/2014/main" id="{761F458B-06C0-4585-99E3-9A4CE4E0EC3E}"/>
+              </a:ext>
+            </a:extLst>
+          </p:cNvPr>
+          <p:cNvSpPr>
+            <a:spLocks noGrp="1"/>
+          </p:cNvSpPr>
+          <p:nvPr>
+            <p:ph idx="1"/>
+          </p:nvPr>
+        </p:nvSpPr>
+        <p:spPr>
+          <a:xfrm>
+            <a:off x="838200" y="1825625"/>
+            <a:ext cx="9835836" cy="1198454"/>
+          </a:xfrm>
+        </p:spPr>
+        <p:txBody>
+          <a:bodyPr>
+            <a:normAutofit/>
+          </a:bodyPr>
+          <a:lstStyle/>
+          <a:p>
+            <a:r>
+              <a:rPr lang="zh-TW" altLang="en-US"/>
+              <a:t>讓我們用 </a:t>
+            </a:r>
+            <a:r>
+              <a:rPr lang="en-US" altLang="zh-TW"/>
+              <a:t>Notepad++</a:t>
+            </a:r>
+            <a:r>
+              <a:rPr lang="zh-TW" altLang="en-US"/>
+              <a:t> 撰寫我們的第一個 </a:t>
+            </a:r>
+            <a:r>
+              <a:rPr lang="en-US" altLang="zh-TW"/>
+              <a:t>Java</a:t>
+            </a:r>
+            <a:r>
+              <a:rPr lang="zh-TW" altLang="en-US"/>
+              <a:t> 程式</a:t>
+            </a:r>
+            <a:endParaRPr lang="en-US" altLang="zh-TW"/>
+          </a:p>
+          <a:p>
+            <a:r>
+              <a:rPr lang="en-US" altLang="zh-TW"/>
+              <a:t>Notepad++ </a:t>
+            </a:r>
+            <a:r>
+              <a:rPr lang="zh-TW" altLang="en-US"/>
+              <a:t>是個體積小、易使用的文字編輯器</a:t>
+            </a:r>
+          </a:p>
+        </p:txBody>
+      </p:sp>
+      <p:grpSp>
+        <p:nvGrpSpPr>
+          <p:cNvPr id="85" name="群組 84">
+            <a:extLst>
+              <a:ext uri="{FF2B5EF4-FFF2-40B4-BE49-F238E27FC236}">
+                <a16:creationId xmlns:a16="http://schemas.microsoft.com/office/drawing/2014/main" id="{872F9939-2B76-4F08-9AFB-E02C71810502}"/>
+              </a:ext>
+            </a:extLst>
+          </p:cNvPr>
+          <p:cNvGrpSpPr/>
+          <p:nvPr/>
+        </p:nvGrpSpPr>
+        <p:grpSpPr>
+          <a:xfrm>
+            <a:off x="6536080" y="3281458"/>
+            <a:ext cx="5052707" cy="2244224"/>
+            <a:chOff x="852793" y="2817093"/>
+            <a:chExt cx="5052707" cy="2244224"/>
+          </a:xfrm>
+        </p:grpSpPr>
+        <p:sp>
+          <p:nvSpPr>
+            <p:cNvPr id="84" name="手繪多邊形: 圖案 83">
+              <a:extLst>
+                <a:ext uri="{FF2B5EF4-FFF2-40B4-BE49-F238E27FC236}">
+                  <a16:creationId xmlns:a16="http://schemas.microsoft.com/office/drawing/2014/main" id="{6DAF2514-A196-4C0D-B023-ED2D11CFF0E1}"/>
+                </a:ext>
+              </a:extLst>
+            </p:cNvPr>
+            <p:cNvSpPr/>
+            <p:nvPr/>
+          </p:nvSpPr>
+          <p:spPr>
+            <a:xfrm>
+              <a:off x="853441" y="3387023"/>
+              <a:ext cx="5052059" cy="1674294"/>
+            </a:xfrm>
+            <a:custGeom>
+              <a:avLst/>
+              <a:gdLst>
+                <a:gd name="connsiteX0" fmla="*/ 3221956 w 5052059"/>
+                <a:gd name="connsiteY0" fmla="*/ 0 h 1674294"/>
+                <a:gd name="connsiteX1" fmla="*/ 3933294 w 5052059"/>
+                <a:gd name="connsiteY1" fmla="*/ 0 h 1674294"/>
+                <a:gd name="connsiteX2" fmla="*/ 3947159 w 5052059"/>
+                <a:gd name="connsiteY2" fmla="*/ 0 h 1674294"/>
+                <a:gd name="connsiteX3" fmla="*/ 4210999 w 5052059"/>
+                <a:gd name="connsiteY3" fmla="*/ 0 h 1674294"/>
+                <a:gd name="connsiteX4" fmla="*/ 4740598 w 5052059"/>
+                <a:gd name="connsiteY4" fmla="*/ 0 h 1674294"/>
+                <a:gd name="connsiteX5" fmla="*/ 5052058 w 5052059"/>
+                <a:gd name="connsiteY5" fmla="*/ 366571 h 1674294"/>
+                <a:gd name="connsiteX6" fmla="*/ 5052058 w 5052059"/>
+                <a:gd name="connsiteY6" fmla="*/ 1190043 h 1674294"/>
+                <a:gd name="connsiteX7" fmla="*/ 5052059 w 5052059"/>
+                <a:gd name="connsiteY7" fmla="*/ 1190043 h 1674294"/>
+                <a:gd name="connsiteX8" fmla="*/ 5052059 w 5052059"/>
+                <a:gd name="connsiteY8" fmla="*/ 1307723 h 1674294"/>
+                <a:gd name="connsiteX9" fmla="*/ 4740599 w 5052059"/>
+                <a:gd name="connsiteY9" fmla="*/ 1674294 h 1674294"/>
+                <a:gd name="connsiteX10" fmla="*/ 4211000 w 5052059"/>
+                <a:gd name="connsiteY10" fmla="*/ 1674294 h 1674294"/>
+                <a:gd name="connsiteX11" fmla="*/ 3947159 w 5052059"/>
+                <a:gd name="connsiteY11" fmla="*/ 1674294 h 1674294"/>
+                <a:gd name="connsiteX12" fmla="*/ 3933294 w 5052059"/>
+                <a:gd name="connsiteY12" fmla="*/ 1674294 h 1674294"/>
+                <a:gd name="connsiteX13" fmla="*/ 841061 w 5052059"/>
+                <a:gd name="connsiteY13" fmla="*/ 1674294 h 1674294"/>
+                <a:gd name="connsiteX14" fmla="*/ 311462 w 5052059"/>
+                <a:gd name="connsiteY14" fmla="*/ 1674294 h 1674294"/>
+                <a:gd name="connsiteX15" fmla="*/ 2 w 5052059"/>
+                <a:gd name="connsiteY15" fmla="*/ 1307723 h 1674294"/>
+                <a:gd name="connsiteX16" fmla="*/ 2 w 5052059"/>
+                <a:gd name="connsiteY16" fmla="*/ 1212137 h 1674294"/>
+                <a:gd name="connsiteX17" fmla="*/ 1 w 5052059"/>
+                <a:gd name="connsiteY17" fmla="*/ 1212137 h 1674294"/>
+                <a:gd name="connsiteX18" fmla="*/ 1 w 5052059"/>
+                <a:gd name="connsiteY18" fmla="*/ 377589 h 1674294"/>
+                <a:gd name="connsiteX19" fmla="*/ 0 w 5052059"/>
+                <a:gd name="connsiteY19" fmla="*/ 377589 h 1674294"/>
+                <a:gd name="connsiteX20" fmla="*/ 0 w 5052059"/>
+                <a:gd name="connsiteY20" fmla="*/ 1536 h 1674294"/>
+                <a:gd name="connsiteX21" fmla="*/ 3221956 w 5052059"/>
+                <a:gd name="connsiteY21" fmla="*/ 1536 h 1674294"/>
+              </a:gdLst>
+              <a:ahLst/>
+              <a:cxnLst>
+                <a:cxn ang="0">
+                  <a:pos x="connsiteX0" y="connsiteY0"/>
+                </a:cxn>
+                <a:cxn ang="0">
+                  <a:pos x="connsiteX1" y="connsiteY1"/>
+                </a:cxn>
+                <a:cxn ang="0">
+                  <a:pos x="connsiteX2" y="connsiteY2"/>
+                </a:cxn>
+                <a:cxn ang="0">
+                  <a:pos x="connsiteX3" y="connsiteY3"/>
+                </a:cxn>
+                <a:cxn ang="0">
+                  <a:pos x="connsiteX4" y="connsiteY4"/>
+                </a:cxn>
+                <a:cxn ang="0">
+                  <a:pos x="connsiteX5" y="connsiteY5"/>
+                </a:cxn>
+                <a:cxn ang="0">
+                  <a:pos x="connsiteX6" y="connsiteY6"/>
+                </a:cxn>
+                <a:cxn ang="0">
+                  <a:pos x="connsiteX7" y="connsiteY7"/>
+                </a:cxn>
+                <a:cxn ang="0">
+                  <a:pos x="connsiteX8" y="connsiteY8"/>
+                </a:cxn>
+                <a:cxn ang="0">
+                  <a:pos x="connsiteX9" y="connsiteY9"/>
+                </a:cxn>
+                <a:cxn ang="0">
+                  <a:pos x="connsiteX10" y="connsiteY10"/>
+                </a:cxn>
+                <a:cxn ang="0">
+                  <a:pos x="connsiteX11" y="connsiteY11"/>
+                </a:cxn>
+                <a:cxn ang="0">
+                  <a:pos x="connsiteX12" y="connsiteY12"/>
+                </a:cxn>
+                <a:cxn ang="0">
+                  <a:pos x="connsiteX13" y="connsiteY13"/>
+                </a:cxn>
+                <a:cxn ang="0">
+                  <a:pos x="connsiteX14" y="connsiteY14"/>
+                </a:cxn>
+                <a:cxn ang="0">
+                  <a:pos x="connsiteX15" y="connsiteY15"/>
+                </a:cxn>
+                <a:cxn ang="0">
+                  <a:pos x="connsiteX16" y="connsiteY16"/>
+                </a:cxn>
+                <a:cxn ang="0">
+                  <a:pos x="connsiteX17" y="connsiteY17"/>
+                </a:cxn>
+                <a:cxn ang="0">
+                  <a:pos x="connsiteX18" y="connsiteY18"/>
+                </a:cxn>
+                <a:cxn ang="0">
+                  <a:pos x="connsiteX19" y="connsiteY19"/>
+                </a:cxn>
+                <a:cxn ang="0">
+                  <a:pos x="connsiteX20" y="connsiteY20"/>
+                </a:cxn>
+                <a:cxn ang="0">
+                  <a:pos x="connsiteX21" y="connsiteY21"/>
+                </a:cxn>
+              </a:cxnLst>
+              <a:rect l="l" t="t" r="r" b="b"/>
+              <a:pathLst>
+                <a:path w="5052059" h="1674294">
+                  <a:moveTo>
+                    <a:pt x="3221956" y="0"/>
+                  </a:moveTo>
+                  <a:lnTo>
+                    <a:pt x="3933294" y="0"/>
+                  </a:lnTo>
+                  <a:lnTo>
+                    <a:pt x="3947159" y="0"/>
+                  </a:lnTo>
+                  <a:lnTo>
+                    <a:pt x="4210999" y="0"/>
+                  </a:lnTo>
+                  <a:lnTo>
+                    <a:pt x="4740598" y="0"/>
+                  </a:lnTo>
+                  <a:cubicBezTo>
+                    <a:pt x="4912613" y="0"/>
+                    <a:pt x="5052058" y="164120"/>
+                    <a:pt x="5052058" y="366571"/>
+                  </a:cubicBezTo>
+                  <a:lnTo>
+                    <a:pt x="5052058" y="1190043"/>
+                  </a:lnTo>
+                  <a:lnTo>
+                    <a:pt x="5052059" y="1190043"/>
+                  </a:lnTo>
+                  <a:lnTo>
+                    <a:pt x="5052059" y="1307723"/>
+                  </a:lnTo>
+                  <a:cubicBezTo>
+                    <a:pt x="5052059" y="1510174"/>
+                    <a:pt x="4912614" y="1674294"/>
+                    <a:pt x="4740599" y="1674294"/>
+                  </a:cubicBezTo>
+                  <a:lnTo>
+                    <a:pt x="4211000" y="1674294"/>
+                  </a:lnTo>
+                  <a:lnTo>
+                    <a:pt x="3947159" y="1674294"/>
+                  </a:lnTo>
+                  <a:lnTo>
+                    <a:pt x="3933294" y="1674294"/>
+                  </a:lnTo>
+                  <a:lnTo>
+                    <a:pt x="841061" y="1674294"/>
+                  </a:lnTo>
+                  <a:lnTo>
+                    <a:pt x="311462" y="1674294"/>
+                  </a:lnTo>
+                  <a:cubicBezTo>
+                    <a:pt x="139447" y="1674294"/>
+                    <a:pt x="2" y="1510174"/>
+                    <a:pt x="2" y="1307723"/>
+                  </a:cubicBezTo>
+                  <a:lnTo>
+                    <a:pt x="2" y="1212137"/>
+                  </a:lnTo>
+                  <a:lnTo>
+                    <a:pt x="1" y="1212137"/>
+                  </a:lnTo>
+                  <a:lnTo>
+                    <a:pt x="1" y="377589"/>
+                  </a:lnTo>
+                  <a:lnTo>
+                    <a:pt x="0" y="377589"/>
+                  </a:lnTo>
+                  <a:lnTo>
+                    <a:pt x="0" y="1536"/>
+                  </a:lnTo>
+                  <a:lnTo>
+                    <a:pt x="3221956" y="1536"/>
+                  </a:lnTo>
+                  <a:close/>
+                </a:path>
+              </a:pathLst>
+            </a:custGeom>
+            <a:solidFill>
+              <a:srgbClr val="CCFFCC"/>
+            </a:solidFill>
+            <a:ln w="28575">
+              <a:solidFill>
+                <a:srgbClr val="00B050"/>
+              </a:solidFill>
+            </a:ln>
+          </p:spPr>
+          <p:style>
+            <a:lnRef idx="2">
+              <a:schemeClr val="accent1">
+                <a:shade val="50000"/>
+              </a:schemeClr>
+            </a:lnRef>
+            <a:fillRef idx="1">
+              <a:schemeClr val="accent1"/>
+            </a:fillRef>
+            <a:effectRef idx="0">
+              <a:schemeClr val="accent1"/>
+            </a:effectRef>
+            <a:fontRef idx="minor">
+              <a:schemeClr val="lt1"/>
+            </a:fontRef>
+          </p:style>
+          <p:txBody>
+            <a:bodyPr wrap="square" rtlCol="0" anchor="ctr">
+              <a:noAutofit/>
+            </a:bodyPr>
+            <a:lstStyle/>
+            <a:p>
+              <a:pPr marL="0" marR="0" lvl="0" indent="0" algn="ctr" defTabSz="914400" rtl="0" eaLnBrk="1" fontAlgn="auto" latinLnBrk="0" hangingPunct="1">
+                <a:lnSpc>
+                  <a:spcPct val="100000"/>
+                </a:lnSpc>
+                <a:spcBef>
+                  <a:spcPts val="0"/>
+                </a:spcBef>
+                <a:spcAft>
+                  <a:spcPts val="0"/>
+                </a:spcAft>
+                <a:buClrTx/>
+                <a:buSzTx/>
+                <a:buFontTx/>
+                <a:buNone/>
+                <a:tabLst/>
+                <a:defRPr/>
+              </a:pPr>
+              <a:endParaRPr kumimoji="0" lang="zh-TW" altLang="en-US" sz="1800" b="0" i="0" u="none" strike="noStrike" kern="1200" cap="none" spc="0" normalizeH="0" baseline="0" noProof="0">
+                <a:ln>
+                  <a:noFill/>
+                </a:ln>
+                <a:solidFill>
+                  <a:prstClr val="white"/>
+                </a:solidFill>
+                <a:effectLst/>
+                <a:uLnTx/>
+                <a:uFillTx/>
+                <a:latin typeface="Consolas"/>
+                <a:ea typeface="微軟正黑體 Light"/>
+                <a:cs typeface="+mn-cs"/>
+              </a:endParaRPr>
+            </a:p>
+          </p:txBody>
+        </p:sp>
+        <p:sp>
+          <p:nvSpPr>
+            <p:cNvPr id="16" name="文字方塊 15">
+              <a:extLst>
+                <a:ext uri="{FF2B5EF4-FFF2-40B4-BE49-F238E27FC236}">
+                  <a16:creationId xmlns:a16="http://schemas.microsoft.com/office/drawing/2014/main" id="{122A283F-DC82-4411-9FBD-BB342F21DD80}"/>
+                </a:ext>
+              </a:extLst>
+            </p:cNvPr>
+            <p:cNvSpPr txBox="1"/>
+            <p:nvPr/>
+          </p:nvSpPr>
+          <p:spPr>
+            <a:xfrm>
+              <a:off x="2862476" y="3429000"/>
+              <a:ext cx="3043024" cy="1631216"/>
+            </a:xfrm>
+            <a:prstGeom prst="rect">
+              <a:avLst/>
+            </a:prstGeom>
+            <a:noFill/>
+          </p:spPr>
+          <p:txBody>
+            <a:bodyPr wrap="square" rtlCol="0">
+              <a:spAutoFit/>
+            </a:bodyPr>
+            <a:lstStyle/>
+            <a:p>
+              <a:pPr marL="0" marR="0" lvl="0" indent="0" algn="l" defTabSz="914400" rtl="0" eaLnBrk="1" fontAlgn="auto" latinLnBrk="0" hangingPunct="1">
+                <a:lnSpc>
+                  <a:spcPct val="100000"/>
+                </a:lnSpc>
+                <a:spcBef>
+                  <a:spcPts val="0"/>
+                </a:spcBef>
+                <a:spcAft>
+                  <a:spcPts val="0"/>
+                </a:spcAft>
+                <a:buClrTx/>
+                <a:buSzTx/>
+                <a:buFontTx/>
+                <a:buNone/>
+                <a:tabLst/>
+                <a:defRPr/>
+              </a:pPr>
+              <a:r>
+                <a:rPr kumimoji="0" lang="zh-TW" altLang="en-US" sz="2000" b="0" i="0" u="none" strike="noStrike" kern="1200" cap="none" spc="0" normalizeH="0" baseline="0" noProof="0">
+                  <a:ln>
+                    <a:noFill/>
+                  </a:ln>
+                  <a:solidFill>
+                    <a:prstClr val="black"/>
+                  </a:solidFill>
+                  <a:effectLst/>
+                  <a:uLnTx/>
+                  <a:uFillTx/>
+                  <a:latin typeface="Consolas"/>
+                  <a:ea typeface="微軟正黑體 Light"/>
+                  <a:cs typeface="+mn-cs"/>
+                </a:rPr>
+                <a:t>作者：侯今吾</a:t>
+              </a:r>
+              <a:r>
+                <a:rPr kumimoji="0" lang="en-US" altLang="zh-TW" sz="2000" b="0" i="0" u="none" strike="noStrike" kern="1200" cap="none" spc="0" normalizeH="0" baseline="0" noProof="0">
+                  <a:ln>
+                    <a:noFill/>
+                  </a:ln>
+                  <a:solidFill>
+                    <a:prstClr val="black"/>
+                  </a:solidFill>
+                  <a:effectLst/>
+                  <a:uLnTx/>
+                  <a:uFillTx/>
+                  <a:latin typeface="Consolas"/>
+                  <a:ea typeface="微軟正黑體 Light"/>
+                  <a:cs typeface="+mn-cs"/>
+                </a:rPr>
+                <a:t>(</a:t>
+              </a:r>
+              <a:r>
+                <a:rPr kumimoji="0" lang="zh-TW" altLang="en-US" sz="2000" b="0" i="0" u="none" strike="noStrike" kern="1200" cap="none" spc="0" normalizeH="0" baseline="0" noProof="0">
+                  <a:ln>
+                    <a:noFill/>
+                  </a:ln>
+                  <a:solidFill>
+                    <a:prstClr val="black"/>
+                  </a:solidFill>
+                  <a:effectLst/>
+                  <a:uLnTx/>
+                  <a:uFillTx/>
+                  <a:latin typeface="Consolas"/>
+                  <a:ea typeface="微軟正黑體 Light"/>
+                  <a:cs typeface="+mn-cs"/>
+                </a:rPr>
+                <a:t>台灣人</a:t>
+              </a:r>
+              <a:r>
+                <a:rPr kumimoji="0" lang="en-US" altLang="zh-TW" sz="2000" b="0" i="0" u="none" strike="noStrike" kern="1200" cap="none" spc="0" normalizeH="0" baseline="0" noProof="0">
+                  <a:ln>
+                    <a:noFill/>
+                  </a:ln>
+                  <a:solidFill>
+                    <a:prstClr val="black"/>
+                  </a:solidFill>
+                  <a:effectLst/>
+                  <a:uLnTx/>
+                  <a:uFillTx/>
+                  <a:latin typeface="Consolas"/>
+                  <a:ea typeface="微軟正黑體 Light"/>
+                  <a:cs typeface="+mn-cs"/>
+                </a:rPr>
+                <a:t>)</a:t>
+              </a:r>
+            </a:p>
+            <a:p>
+              <a:pPr marL="0" marR="0" lvl="0" indent="0" algn="l" defTabSz="914400" rtl="0" eaLnBrk="1" fontAlgn="auto" latinLnBrk="0" hangingPunct="1">
+                <a:lnSpc>
+                  <a:spcPct val="100000"/>
+                </a:lnSpc>
+                <a:spcBef>
+                  <a:spcPts val="0"/>
+                </a:spcBef>
+                <a:spcAft>
+                  <a:spcPts val="0"/>
+                </a:spcAft>
+                <a:buClrTx/>
+                <a:buSzTx/>
+                <a:buFontTx/>
+                <a:buNone/>
+                <a:tabLst/>
+                <a:defRPr/>
+              </a:pPr>
+              <a:r>
+                <a:rPr kumimoji="0" lang="zh-TW" altLang="en-US" sz="2000" b="0" i="0" u="none" strike="noStrike" kern="1200" cap="none" spc="0" normalizeH="0" baseline="0" noProof="0">
+                  <a:ln>
+                    <a:noFill/>
+                  </a:ln>
+                  <a:solidFill>
+                    <a:prstClr val="black"/>
+                  </a:solidFill>
+                  <a:effectLst/>
+                  <a:uLnTx/>
+                  <a:uFillTx/>
+                  <a:latin typeface="Consolas"/>
+                  <a:ea typeface="微軟正黑體 Light"/>
+                  <a:cs typeface="+mn-cs"/>
+                </a:rPr>
+                <a:t>自由開源軟體</a:t>
+              </a:r>
+              <a:endParaRPr kumimoji="0" lang="en-US" altLang="zh-TW" sz="2000" b="0" i="0" u="none" strike="noStrike" kern="1200" cap="none" spc="0" normalizeH="0" baseline="0" noProof="0">
+                <a:ln>
+                  <a:noFill/>
+                </a:ln>
+                <a:solidFill>
+                  <a:prstClr val="black"/>
+                </a:solidFill>
+                <a:effectLst/>
+                <a:uLnTx/>
+                <a:uFillTx/>
+                <a:latin typeface="Consolas"/>
+                <a:ea typeface="微軟正黑體 Light"/>
+                <a:cs typeface="+mn-cs"/>
+              </a:endParaRPr>
+            </a:p>
+            <a:p>
+              <a:pPr marL="0" marR="0" lvl="0" indent="0" algn="l" defTabSz="914400" rtl="0" eaLnBrk="1" fontAlgn="auto" latinLnBrk="0" hangingPunct="1">
+                <a:lnSpc>
+                  <a:spcPct val="100000"/>
+                </a:lnSpc>
+                <a:spcBef>
+                  <a:spcPts val="0"/>
+                </a:spcBef>
+                <a:spcAft>
+                  <a:spcPts val="0"/>
+                </a:spcAft>
+                <a:buClrTx/>
+                <a:buSzTx/>
+                <a:buFontTx/>
+                <a:buNone/>
+                <a:tabLst/>
+                <a:defRPr/>
+              </a:pPr>
+              <a:r>
+                <a:rPr kumimoji="0" lang="zh-TW" altLang="en-US" sz="2000" b="0" i="0" u="none" strike="noStrike" kern="1200" cap="none" spc="0" normalizeH="0" baseline="0" noProof="0">
+                  <a:ln>
+                    <a:noFill/>
+                  </a:ln>
+                  <a:solidFill>
+                    <a:prstClr val="black"/>
+                  </a:solidFill>
+                  <a:effectLst/>
+                  <a:uLnTx/>
+                  <a:uFillTx/>
+                  <a:latin typeface="Consolas"/>
+                  <a:ea typeface="微軟正黑體 Light"/>
+                  <a:cs typeface="+mn-cs"/>
+                </a:rPr>
+                <a:t>曾被票選為最佳開發工具</a:t>
+              </a:r>
+              <a:endParaRPr kumimoji="0" lang="en-US" altLang="zh-TW" sz="2000" b="0" i="0" u="none" strike="noStrike" kern="1200" cap="none" spc="0" normalizeH="0" baseline="0" noProof="0">
+                <a:ln>
+                  <a:noFill/>
+                </a:ln>
+                <a:solidFill>
+                  <a:prstClr val="black"/>
+                </a:solidFill>
+                <a:effectLst/>
+                <a:uLnTx/>
+                <a:uFillTx/>
+                <a:latin typeface="Consolas"/>
+                <a:ea typeface="微軟正黑體 Light"/>
+                <a:cs typeface="+mn-cs"/>
+              </a:endParaRPr>
+            </a:p>
+            <a:p>
+              <a:pPr marL="0" marR="0" lvl="0" indent="0" algn="l" defTabSz="914400" rtl="0" eaLnBrk="1" fontAlgn="auto" latinLnBrk="0" hangingPunct="1">
+                <a:lnSpc>
+                  <a:spcPct val="100000"/>
+                </a:lnSpc>
+                <a:spcBef>
+                  <a:spcPts val="0"/>
+                </a:spcBef>
+                <a:spcAft>
+                  <a:spcPts val="0"/>
+                </a:spcAft>
+                <a:buClrTx/>
+                <a:buSzTx/>
+                <a:buFontTx/>
+                <a:buNone/>
+                <a:tabLst/>
+                <a:defRPr/>
+              </a:pPr>
+              <a:r>
+                <a:rPr kumimoji="0" lang="zh-TW" altLang="en-US" sz="2000" b="0" i="0" u="none" strike="noStrike" kern="1200" cap="none" spc="0" normalizeH="0" baseline="0" noProof="0">
+                  <a:ln>
+                    <a:noFill/>
+                  </a:ln>
+                  <a:solidFill>
+                    <a:prstClr val="black"/>
+                  </a:solidFill>
+                  <a:effectLst/>
+                  <a:uLnTx/>
+                  <a:uFillTx/>
+                  <a:latin typeface="Consolas"/>
+                  <a:ea typeface="微軟正黑體 Light"/>
+                  <a:cs typeface="+mn-cs"/>
+                </a:rPr>
+                <a:t>使用 </a:t>
+              </a:r>
+              <a:r>
+                <a:rPr kumimoji="0" lang="en-US" altLang="zh-TW" sz="2000" b="0" i="0" u="none" strike="noStrike" kern="1200" cap="none" spc="0" normalizeH="0" baseline="0" noProof="0">
+                  <a:ln>
+                    <a:noFill/>
+                  </a:ln>
+                  <a:solidFill>
+                    <a:prstClr val="black"/>
+                  </a:solidFill>
+                  <a:effectLst/>
+                  <a:uLnTx/>
+                  <a:uFillTx/>
+                  <a:latin typeface="Consolas"/>
+                  <a:ea typeface="微軟正黑體 Light"/>
+                  <a:cs typeface="+mn-cs"/>
+                </a:rPr>
+                <a:t>C++</a:t>
+              </a:r>
+              <a:r>
+                <a:rPr kumimoji="0" lang="zh-TW" altLang="en-US" sz="2000" b="0" i="0" u="none" strike="noStrike" kern="1200" cap="none" spc="0" normalizeH="0" baseline="0" noProof="0">
+                  <a:ln>
+                    <a:noFill/>
+                  </a:ln>
+                  <a:solidFill>
+                    <a:prstClr val="black"/>
+                  </a:solidFill>
+                  <a:effectLst/>
+                  <a:uLnTx/>
+                  <a:uFillTx/>
+                  <a:latin typeface="Consolas"/>
+                  <a:ea typeface="微軟正黑體 Light"/>
+                  <a:cs typeface="+mn-cs"/>
+                </a:rPr>
+                <a:t> 編寫</a:t>
+              </a:r>
+              <a:endParaRPr kumimoji="0" lang="en-US" altLang="zh-TW" sz="2000" b="0" i="0" u="none" strike="noStrike" kern="1200" cap="none" spc="0" normalizeH="0" baseline="0" noProof="0">
+                <a:ln>
+                  <a:noFill/>
+                </a:ln>
+                <a:solidFill>
+                  <a:prstClr val="black"/>
+                </a:solidFill>
+                <a:effectLst/>
+                <a:uLnTx/>
+                <a:uFillTx/>
+                <a:latin typeface="Consolas"/>
+                <a:ea typeface="微軟正黑體 Light"/>
+                <a:cs typeface="+mn-cs"/>
+              </a:endParaRPr>
+            </a:p>
+            <a:p>
+              <a:pPr marL="0" marR="0" lvl="0" indent="0" algn="l" defTabSz="914400" rtl="0" eaLnBrk="1" fontAlgn="auto" latinLnBrk="0" hangingPunct="1">
+                <a:lnSpc>
+                  <a:spcPct val="100000"/>
+                </a:lnSpc>
+                <a:spcBef>
+                  <a:spcPts val="0"/>
+                </a:spcBef>
+                <a:spcAft>
+                  <a:spcPts val="0"/>
+                </a:spcAft>
+                <a:buClrTx/>
+                <a:buSzTx/>
+                <a:buFontTx/>
+                <a:buNone/>
+                <a:tabLst/>
+                <a:defRPr/>
+              </a:pPr>
+              <a:r>
+                <a:rPr kumimoji="0" lang="zh-TW" altLang="en-US" sz="2000" b="0" i="0" u="none" strike="sngStrike" kern="1200" cap="none" spc="0" normalizeH="0" baseline="0" noProof="0">
+                  <a:ln>
+                    <a:noFill/>
+                  </a:ln>
+                  <a:solidFill>
+                    <a:srgbClr val="808080"/>
+                  </a:solidFill>
+                  <a:effectLst/>
+                  <a:uLnTx/>
+                  <a:uFillTx/>
+                  <a:latin typeface="Consolas"/>
+                  <a:ea typeface="微軟正黑體 Light"/>
+                  <a:cs typeface="+mn-cs"/>
+                </a:rPr>
+                <a:t>作者言論很火爆</a:t>
+              </a:r>
+              <a:endParaRPr kumimoji="0" lang="en-US" altLang="zh-TW" sz="2400" b="0" i="0" u="none" strike="sngStrike" kern="1200" cap="none" spc="0" normalizeH="0" baseline="0" noProof="0">
+                <a:ln>
+                  <a:noFill/>
+                </a:ln>
+                <a:solidFill>
+                  <a:srgbClr val="808080"/>
+                </a:solidFill>
+                <a:effectLst/>
+                <a:uLnTx/>
+                <a:uFillTx/>
+                <a:latin typeface="Consolas"/>
+                <a:ea typeface="微軟正黑體 Light"/>
+                <a:cs typeface="+mn-cs"/>
+              </a:endParaRPr>
+            </a:p>
+          </p:txBody>
+        </p:sp>
+        <p:pic>
+          <p:nvPicPr>
+            <p:cNvPr id="1026" name="Picture 2" descr="undefined">
+              <a:extLst>
+                <a:ext uri="{FF2B5EF4-FFF2-40B4-BE49-F238E27FC236}">
+                  <a16:creationId xmlns:a16="http://schemas.microsoft.com/office/drawing/2014/main" id="{6D3BF477-9005-433A-BE74-846AA07636E0}"/>
+                </a:ext>
+              </a:extLst>
+            </p:cNvPr>
+            <p:cNvPicPr>
+              <a:picLocks noChangeAspect="1" noChangeArrowheads="1"/>
+            </p:cNvPicPr>
+            <p:nvPr/>
+          </p:nvPicPr>
+          <p:blipFill>
+            <a:blip r:embed="rId3">
+              <a:extLst>
+                <a:ext uri="{28A0092B-C50C-407E-A947-70E740481C1C}">
+                  <a14:useLocalDpi xmlns:a14="http://schemas.microsoft.com/office/drawing/2010/main" val="0"/>
+                </a:ext>
+              </a:extLst>
+            </a:blip>
+            <a:srcRect/>
+            <a:stretch>
+              <a:fillRect/>
+            </a:stretch>
+          </p:blipFill>
+          <p:spPr bwMode="auto">
+            <a:xfrm>
+              <a:off x="980101" y="3532880"/>
+              <a:ext cx="1867135" cy="1423457"/>
+            </a:xfrm>
+            <a:prstGeom prst="rect">
+              <a:avLst/>
+            </a:prstGeom>
+            <a:noFill/>
+            <a:extLst>
+              <a:ext uri="{909E8E84-426E-40DD-AFC4-6F175D3DCCD1}">
+                <a14:hiddenFill xmlns:a14="http://schemas.microsoft.com/office/drawing/2010/main">
+                  <a:solidFill>
+                    <a:srgbClr val="FFFFFF"/>
+                  </a:solidFill>
+                </a14:hiddenFill>
+              </a:ext>
+            </a:extLst>
+          </p:spPr>
+        </p:pic>
+        <p:sp>
+          <p:nvSpPr>
+            <p:cNvPr id="87" name="手繪多邊形: 圖案 86">
+              <a:extLst>
+                <a:ext uri="{FF2B5EF4-FFF2-40B4-BE49-F238E27FC236}">
+                  <a16:creationId xmlns:a16="http://schemas.microsoft.com/office/drawing/2014/main" id="{87CE8732-8389-421C-BBF9-FBE8820B0C2D}"/>
+                </a:ext>
+              </a:extLst>
+            </p:cNvPr>
+            <p:cNvSpPr/>
+            <p:nvPr/>
+          </p:nvSpPr>
+          <p:spPr>
+            <a:xfrm>
+              <a:off x="852793" y="2817093"/>
+              <a:ext cx="2879446" cy="568797"/>
+            </a:xfrm>
+            <a:custGeom>
+              <a:avLst/>
+              <a:gdLst>
+                <a:gd name="connsiteX0" fmla="*/ 383043 w 2879446"/>
+                <a:gd name="connsiteY0" fmla="*/ 0 h 568797"/>
+                <a:gd name="connsiteX1" fmla="*/ 958313 w 2879446"/>
+                <a:gd name="connsiteY1" fmla="*/ 0 h 568797"/>
+                <a:gd name="connsiteX2" fmla="*/ 1921134 w 2879446"/>
+                <a:gd name="connsiteY2" fmla="*/ 0 h 568797"/>
+                <a:gd name="connsiteX3" fmla="*/ 2496404 w 2879446"/>
+                <a:gd name="connsiteY3" fmla="*/ 0 h 568797"/>
+                <a:gd name="connsiteX4" fmla="*/ 2496715 w 2879446"/>
+                <a:gd name="connsiteY4" fmla="*/ 39 h 568797"/>
+                <a:gd name="connsiteX5" fmla="*/ 2567986 w 2879446"/>
+                <a:gd name="connsiteY5" fmla="*/ 39 h 568797"/>
+                <a:gd name="connsiteX6" fmla="*/ 2879446 w 2879446"/>
+                <a:gd name="connsiteY6" fmla="*/ 366610 h 568797"/>
+                <a:gd name="connsiteX7" fmla="*/ 2879446 w 2879446"/>
+                <a:gd name="connsiteY7" fmla="*/ 476868 h 568797"/>
+                <a:gd name="connsiteX8" fmla="*/ 2879446 w 2879446"/>
+                <a:gd name="connsiteY8" fmla="*/ 477293 h 568797"/>
+                <a:gd name="connsiteX9" fmla="*/ 2879446 w 2879446"/>
+                <a:gd name="connsiteY9" fmla="*/ 477294 h 568797"/>
+                <a:gd name="connsiteX10" fmla="*/ 2879446 w 2879446"/>
+                <a:gd name="connsiteY10" fmla="*/ 497662 h 568797"/>
+                <a:gd name="connsiteX11" fmla="*/ 2879446 w 2879446"/>
+                <a:gd name="connsiteY11" fmla="*/ 568797 h 568797"/>
+                <a:gd name="connsiteX12" fmla="*/ 0 w 2879446"/>
+                <a:gd name="connsiteY12" fmla="*/ 568797 h 568797"/>
+                <a:gd name="connsiteX13" fmla="*/ 0 w 2879446"/>
+                <a:gd name="connsiteY13" fmla="*/ 498455 h 568797"/>
+                <a:gd name="connsiteX14" fmla="*/ 0 w 2879446"/>
+                <a:gd name="connsiteY14" fmla="*/ 477294 h 568797"/>
+                <a:gd name="connsiteX15" fmla="*/ 0 w 2879446"/>
+                <a:gd name="connsiteY15" fmla="*/ 477293 h 568797"/>
+                <a:gd name="connsiteX16" fmla="*/ 0 w 2879446"/>
+                <a:gd name="connsiteY16" fmla="*/ 476868 h 568797"/>
+                <a:gd name="connsiteX17" fmla="*/ 0 w 2879446"/>
+                <a:gd name="connsiteY17" fmla="*/ 367403 h 568797"/>
+                <a:gd name="connsiteX18" fmla="*/ 311460 w 2879446"/>
+                <a:gd name="connsiteY18" fmla="*/ 832 h 568797"/>
+                <a:gd name="connsiteX19" fmla="*/ 376414 w 2879446"/>
+                <a:gd name="connsiteY19" fmla="*/ 832 h 568797"/>
+              </a:gdLst>
+              <a:ahLst/>
+              <a:cxnLst>
+                <a:cxn ang="0">
+                  <a:pos x="connsiteX0" y="connsiteY0"/>
+                </a:cxn>
+                <a:cxn ang="0">
+                  <a:pos x="connsiteX1" y="connsiteY1"/>
+                </a:cxn>
+                <a:cxn ang="0">
+                  <a:pos x="connsiteX2" y="connsiteY2"/>
+                </a:cxn>
+                <a:cxn ang="0">
+                  <a:pos x="connsiteX3" y="connsiteY3"/>
+                </a:cxn>
+                <a:cxn ang="0">
+                  <a:pos x="connsiteX4" y="connsiteY4"/>
+                </a:cxn>
+                <a:cxn ang="0">
+                  <a:pos x="connsiteX5" y="connsiteY5"/>
+                </a:cxn>
+                <a:cxn ang="0">
+                  <a:pos x="connsiteX6" y="connsiteY6"/>
+                </a:cxn>
+                <a:cxn ang="0">
+                  <a:pos x="connsiteX7" y="connsiteY7"/>
+                </a:cxn>
+                <a:cxn ang="0">
+                  <a:pos x="connsiteX8" y="connsiteY8"/>
+                </a:cxn>
+                <a:cxn ang="0">
+                  <a:pos x="connsiteX9" y="connsiteY9"/>
+                </a:cxn>
+                <a:cxn ang="0">
+                  <a:pos x="connsiteX10" y="connsiteY10"/>
+                </a:cxn>
+                <a:cxn ang="0">
+                  <a:pos x="connsiteX11" y="connsiteY11"/>
+                </a:cxn>
+                <a:cxn ang="0">
+                  <a:pos x="connsiteX12" y="connsiteY12"/>
+                </a:cxn>
+                <a:cxn ang="0">
+                  <a:pos x="connsiteX13" y="connsiteY13"/>
+                </a:cxn>
+                <a:cxn ang="0">
+                  <a:pos x="connsiteX14" y="connsiteY14"/>
+                </a:cxn>
+                <a:cxn ang="0">
+                  <a:pos x="connsiteX15" y="connsiteY15"/>
+                </a:cxn>
+                <a:cxn ang="0">
+                  <a:pos x="connsiteX16" y="connsiteY16"/>
+                </a:cxn>
+                <a:cxn ang="0">
+                  <a:pos x="connsiteX17" y="connsiteY17"/>
+                </a:cxn>
+                <a:cxn ang="0">
+                  <a:pos x="connsiteX18" y="connsiteY18"/>
+                </a:cxn>
+                <a:cxn ang="0">
+                  <a:pos x="connsiteX19" y="connsiteY19"/>
+                </a:cxn>
+              </a:cxnLst>
+              <a:rect l="l" t="t" r="r" b="b"/>
+              <a:pathLst>
+                <a:path w="2879446" h="568797">
+                  <a:moveTo>
+                    <a:pt x="383043" y="0"/>
+                  </a:moveTo>
+                  <a:lnTo>
+                    <a:pt x="958313" y="0"/>
+                  </a:lnTo>
+                  <a:lnTo>
+                    <a:pt x="1921134" y="0"/>
+                  </a:lnTo>
+                  <a:lnTo>
+                    <a:pt x="2496404" y="0"/>
+                  </a:lnTo>
+                  <a:lnTo>
+                    <a:pt x="2496715" y="39"/>
+                  </a:lnTo>
+                  <a:lnTo>
+                    <a:pt x="2567986" y="39"/>
+                  </a:lnTo>
+                  <a:cubicBezTo>
+                    <a:pt x="2740001" y="39"/>
+                    <a:pt x="2879446" y="164159"/>
+                    <a:pt x="2879446" y="366610"/>
+                  </a:cubicBezTo>
+                  <a:lnTo>
+                    <a:pt x="2879446" y="476868"/>
+                  </a:lnTo>
+                  <a:lnTo>
+                    <a:pt x="2879446" y="477293"/>
+                  </a:lnTo>
+                  <a:lnTo>
+                    <a:pt x="2879446" y="477294"/>
+                  </a:lnTo>
+                  <a:lnTo>
+                    <a:pt x="2879446" y="497662"/>
+                  </a:lnTo>
+                  <a:lnTo>
+                    <a:pt x="2879446" y="568797"/>
+                  </a:lnTo>
+                  <a:lnTo>
+                    <a:pt x="0" y="568797"/>
+                  </a:lnTo>
+                  <a:lnTo>
+                    <a:pt x="0" y="498455"/>
+                  </a:lnTo>
+                  <a:lnTo>
+                    <a:pt x="0" y="477294"/>
+                  </a:lnTo>
+                  <a:lnTo>
+                    <a:pt x="0" y="477293"/>
+                  </a:lnTo>
+                  <a:lnTo>
+                    <a:pt x="0" y="476868"/>
+                  </a:lnTo>
+                  <a:lnTo>
+                    <a:pt x="0" y="367403"/>
+                  </a:lnTo>
+                  <a:cubicBezTo>
+                    <a:pt x="0" y="164952"/>
+                    <a:pt x="139445" y="832"/>
+                    <a:pt x="311460" y="832"/>
+                  </a:cubicBezTo>
+                  <a:lnTo>
+                    <a:pt x="376414" y="832"/>
+                  </a:lnTo>
+                  <a:close/>
+                </a:path>
+              </a:pathLst>
+            </a:custGeom>
+            <a:solidFill>
+              <a:srgbClr val="92D050"/>
+            </a:solidFill>
+            <a:ln w="28575">
+              <a:solidFill>
+                <a:srgbClr val="00B050"/>
+              </a:solidFill>
+            </a:ln>
+          </p:spPr>
+          <p:style>
+            <a:lnRef idx="2">
+              <a:schemeClr val="accent1">
+                <a:shade val="50000"/>
+              </a:schemeClr>
+            </a:lnRef>
+            <a:fillRef idx="1">
+              <a:schemeClr val="accent1"/>
+            </a:fillRef>
+            <a:effectRef idx="0">
+              <a:schemeClr val="accent1"/>
+            </a:effectRef>
+            <a:fontRef idx="minor">
+              <a:schemeClr val="lt1"/>
+            </a:fontRef>
+          </p:style>
+          <p:txBody>
+            <a:bodyPr wrap="square" rtlCol="0" anchor="ctr">
+              <a:noAutofit/>
+            </a:bodyPr>
+            <a:lstStyle/>
+            <a:p>
+              <a:pPr marL="0" marR="0" lvl="0" indent="0" algn="ctr" defTabSz="914400" rtl="0" eaLnBrk="1" fontAlgn="auto" latinLnBrk="0" hangingPunct="1">
+                <a:lnSpc>
+                  <a:spcPct val="100000"/>
+                </a:lnSpc>
+                <a:spcBef>
+                  <a:spcPts val="0"/>
+                </a:spcBef>
+                <a:spcAft>
+                  <a:spcPts val="0"/>
+                </a:spcAft>
+                <a:buClrTx/>
+                <a:buSzTx/>
+                <a:buFontTx/>
+                <a:buNone/>
+                <a:tabLst/>
+                <a:defRPr/>
+              </a:pPr>
+              <a:endParaRPr kumimoji="0" lang="zh-TW" altLang="en-US" sz="1800" b="0" i="0" u="none" strike="noStrike" kern="1200" cap="none" spc="0" normalizeH="0" baseline="0" noProof="0">
+                <a:ln>
+                  <a:noFill/>
+                </a:ln>
+                <a:solidFill>
+                  <a:prstClr val="white"/>
+                </a:solidFill>
+                <a:effectLst/>
+                <a:uLnTx/>
+                <a:uFillTx/>
+                <a:latin typeface="Consolas"/>
+                <a:ea typeface="微軟正黑體 Light"/>
+                <a:cs typeface="+mn-cs"/>
+              </a:endParaRPr>
+            </a:p>
+          </p:txBody>
+        </p:sp>
+        <p:sp>
+          <p:nvSpPr>
+            <p:cNvPr id="25" name="文字方塊 24">
+              <a:extLst>
+                <a:ext uri="{FF2B5EF4-FFF2-40B4-BE49-F238E27FC236}">
+                  <a16:creationId xmlns:a16="http://schemas.microsoft.com/office/drawing/2014/main" id="{0F4D5B10-6017-4D5C-B794-9BA4DFCA78F5}"/>
+                </a:ext>
+              </a:extLst>
+            </p:cNvPr>
+            <p:cNvSpPr txBox="1"/>
+            <p:nvPr/>
+          </p:nvSpPr>
+          <p:spPr>
+            <a:xfrm>
+              <a:off x="853032" y="2870659"/>
+              <a:ext cx="2878969" cy="461665"/>
+            </a:xfrm>
+            <a:prstGeom prst="rect">
+              <a:avLst/>
+            </a:prstGeom>
+            <a:noFill/>
+          </p:spPr>
+          <p:txBody>
+            <a:bodyPr wrap="square" rtlCol="0">
+              <a:spAutoFit/>
+            </a:bodyPr>
+            <a:lstStyle/>
+            <a:p>
+              <a:pPr marL="0" marR="0" lvl="0" indent="0" algn="ctr" defTabSz="914400" rtl="0" eaLnBrk="1" fontAlgn="auto" latinLnBrk="0" hangingPunct="1">
+                <a:lnSpc>
+                  <a:spcPct val="100000"/>
+                </a:lnSpc>
+                <a:spcBef>
+                  <a:spcPts val="0"/>
+                </a:spcBef>
+                <a:spcAft>
+                  <a:spcPts val="0"/>
+                </a:spcAft>
+                <a:buClrTx/>
+                <a:buSzTx/>
+                <a:buFontTx/>
+                <a:buNone/>
+                <a:tabLst/>
+                <a:defRPr/>
+              </a:pPr>
+              <a:r>
+                <a:rPr kumimoji="0" lang="en-US" altLang="zh-TW" sz="2400" b="0" i="0" u="none" strike="noStrike" kern="1200" cap="none" spc="0" normalizeH="0" baseline="0" noProof="0">
+                  <a:ln>
+                    <a:noFill/>
+                  </a:ln>
+                  <a:solidFill>
+                    <a:prstClr val="black"/>
+                  </a:solidFill>
+                  <a:effectLst/>
+                  <a:uLnTx/>
+                  <a:uFillTx/>
+                  <a:latin typeface="Consolas"/>
+                  <a:ea typeface="微軟正黑體 Light"/>
+                  <a:cs typeface="+mn-cs"/>
+                </a:rPr>
+                <a:t>Notepad++</a:t>
+              </a:r>
+              <a:r>
+                <a:rPr kumimoji="0" lang="zh-TW" altLang="en-US" sz="2400" b="0" i="0" u="none" strike="noStrike" kern="1200" cap="none" spc="0" normalizeH="0" baseline="0" noProof="0">
+                  <a:ln>
+                    <a:noFill/>
+                  </a:ln>
+                  <a:solidFill>
+                    <a:prstClr val="black"/>
+                  </a:solidFill>
+                  <a:effectLst/>
+                  <a:uLnTx/>
+                  <a:uFillTx/>
+                  <a:latin typeface="Consolas"/>
+                  <a:ea typeface="微軟正黑體 Light"/>
+                  <a:cs typeface="+mn-cs"/>
+                </a:rPr>
+                <a:t> 小百科</a:t>
+              </a:r>
+              <a:endParaRPr kumimoji="0" lang="en-US" altLang="zh-TW" sz="2400" b="0" i="0" u="none" strike="noStrike" kern="1200" cap="none" spc="0" normalizeH="0" baseline="0" noProof="0">
+                <a:ln>
+                  <a:noFill/>
+                </a:ln>
+                <a:solidFill>
+                  <a:prstClr val="black"/>
+                </a:solidFill>
+                <a:effectLst/>
+                <a:uLnTx/>
+                <a:uFillTx/>
+                <a:latin typeface="Consolas"/>
+                <a:ea typeface="微軟正黑體 Light"/>
+                <a:cs typeface="+mn-cs"/>
+              </a:endParaRPr>
+            </a:p>
+          </p:txBody>
+        </p:sp>
+      </p:grpSp>
+      <p:pic>
+        <p:nvPicPr>
+          <p:cNvPr id="52" name="圖片 51">
+            <a:extLst>
+              <a:ext uri="{FF2B5EF4-FFF2-40B4-BE49-F238E27FC236}">
+                <a16:creationId xmlns:a16="http://schemas.microsoft.com/office/drawing/2014/main" id="{95A05459-FEDF-40B0-A3A0-E12E1FCF3CC7}"/>
+              </a:ext>
+            </a:extLst>
+          </p:cNvPr>
+          <p:cNvPicPr>
+            <a:picLocks noChangeAspect="1"/>
+          </p:cNvPicPr>
+          <p:nvPr/>
+        </p:nvPicPr>
+        <p:blipFill>
+          <a:blip r:embed="rId4"/>
+          <a:stretch>
+            <a:fillRect/>
+          </a:stretch>
+        </p:blipFill>
+        <p:spPr>
+          <a:xfrm>
+            <a:off x="838200" y="3037991"/>
+            <a:ext cx="5420605" cy="2734335"/>
+          </a:xfrm>
+          <a:prstGeom prst="rect">
+            <a:avLst/>
+          </a:prstGeom>
+        </p:spPr>
+      </p:pic>
+    </p:spTree>
+    <p:extLst>
+      <p:ext uri="{BB962C8B-B14F-4D97-AF65-F5344CB8AC3E}">
+        <p14:creationId xmlns:p14="http://schemas.microsoft.com/office/powerpoint/2010/main" val="1880865130"/>
+      </p:ext>
+    </p:extLst>
+  </p:cSld>
+  <p:clrMapOvr>
+    <a:masterClrMapping/>
+  </p:clrMapOvr>
+  <p:transition spd="slow">
+    <p:push dir="u"/>
+  </p:transition>
+</p:sld>
+</file>
+
+<file path=ppt/slides/slide11.xml><?xml version="1.0" encoding="utf-8"?>
+<p:sld xmlns:a="http://schemas.openxmlformats.org/drawingml/2006/main" xmlns:r="http://schemas.openxmlformats.org/officeDocument/2006/relationships" xmlns:p="http://schemas.openxmlformats.org/presentationml/2006/main">
+  <p:cSld>
+    <p:spTree>
+      <p:nvGrpSpPr>
+        <p:cNvPr id="1" name=""/>
+        <p:cNvGrpSpPr/>
+        <p:nvPr/>
+      </p:nvGrpSpPr>
+      <p:grpSpPr>
+        <a:xfrm>
+          <a:off x="0" y="0"/>
+          <a:ext cx="0" cy="0"/>
+          <a:chOff x="0" y="0"/>
+          <a:chExt cx="0" cy="0"/>
+        </a:xfrm>
+      </p:grpSpPr>
+      <p:sp>
+        <p:nvSpPr>
+          <p:cNvPr id="2" name="標題 1">
+            <a:extLst>
+              <a:ext uri="{FF2B5EF4-FFF2-40B4-BE49-F238E27FC236}">
                 <a16:creationId xmlns:a16="http://schemas.microsoft.com/office/drawing/2014/main" id="{BD6681DD-ADCF-4792-88C3-D755C5AA131C}"/>
               </a:ext>
             </a:extLst>
@@ -10137,7 +11351,7 @@
 </p:sld>
 </file>
 
-<file path=ppt/slides/slide11.xml><?xml version="1.0" encoding="utf-8"?>
+<file path=ppt/slides/slide12.xml><?xml version="1.0" encoding="utf-8"?>
 <p:sld xmlns:a="http://schemas.openxmlformats.org/drawingml/2006/main" xmlns:r="http://schemas.openxmlformats.org/officeDocument/2006/relationships" xmlns:p="http://schemas.openxmlformats.org/presentationml/2006/main">
   <p:cSld>
     <p:spTree>
@@ -11184,7 +12398,7 @@
 </p:sld>
 </file>
 
-<file path=ppt/slides/slide12.xml><?xml version="1.0" encoding="utf-8"?>
+<file path=ppt/slides/slide13.xml><?xml version="1.0" encoding="utf-8"?>
 <p:sld xmlns:a="http://schemas.openxmlformats.org/drawingml/2006/main" xmlns:r="http://schemas.openxmlformats.org/officeDocument/2006/relationships" xmlns:p="http://schemas.openxmlformats.org/presentationml/2006/main">
   <p:cSld>
     <p:spTree>
@@ -13039,7 +14253,7 @@
 </p:sld>
 </file>
 
-<file path=ppt/slides/slide13.xml><?xml version="1.0" encoding="utf-8"?>
+<file path=ppt/slides/slide14.xml><?xml version="1.0" encoding="utf-8"?>
 <p:sld xmlns:a="http://schemas.openxmlformats.org/drawingml/2006/main" xmlns:r="http://schemas.openxmlformats.org/officeDocument/2006/relationships" xmlns:p="http://schemas.openxmlformats.org/presentationml/2006/main" show="0">
   <p:cSld>
     <p:spTree>
@@ -14250,7 +15464,7 @@
 </p:sld>
 </file>
 
-<file path=ppt/slides/slide14.xml><?xml version="1.0" encoding="utf-8"?>
+<file path=ppt/slides/slide15.xml><?xml version="1.0" encoding="utf-8"?>
 <p:sld xmlns:a="http://schemas.openxmlformats.org/drawingml/2006/main" xmlns:r="http://schemas.openxmlformats.org/officeDocument/2006/relationships" xmlns:p="http://schemas.openxmlformats.org/presentationml/2006/main" show="0">
   <p:cSld>
     <p:spTree>
@@ -14404,7 +15618,7 @@
 </p:sld>
 </file>
 
-<file path=ppt/slides/slide15.xml><?xml version="1.0" encoding="utf-8"?>
+<file path=ppt/slides/slide16.xml><?xml version="1.0" encoding="utf-8"?>
 <p:sld xmlns:a="http://schemas.openxmlformats.org/drawingml/2006/main" xmlns:r="http://schemas.openxmlformats.org/officeDocument/2006/relationships" xmlns:p="http://schemas.openxmlformats.org/presentationml/2006/main">
   <p:cSld>
     <p:spTree>
@@ -15801,7 +17015,7 @@
 </p:sld>
 </file>
 
-<file path=ppt/slides/slide16.xml><?xml version="1.0" encoding="utf-8"?>
+<file path=ppt/slides/slide17.xml><?xml version="1.0" encoding="utf-8"?>
 <p:sld xmlns:a="http://schemas.openxmlformats.org/drawingml/2006/main" xmlns:r="http://schemas.openxmlformats.org/officeDocument/2006/relationships" xmlns:p="http://schemas.openxmlformats.org/presentationml/2006/main">
   <p:cSld>
     <p:spTree>
@@ -20660,6 +21874,9 @@
           <a:solidFill>
             <a:srgbClr val="CCECFF"/>
           </a:solidFill>
+          <a:ln>
+            <a:noFill/>
+          </a:ln>
         </p:spPr>
         <p:style>
           <a:lnRef idx="2">
@@ -21126,7 +22343,7 @@
                 <a:ea typeface="微軟正黑體 Light"/>
                 <a:cs typeface="+mn-cs"/>
               </a:rPr>
-              <a:t>Spyder</a:t>
+              <a:t>PyCharm</a:t>
             </a:r>
             <a:r>
               <a:rPr kumimoji="0" lang="zh-TW" altLang="en-US" sz="2400" b="0" i="0" u="none" strike="noStrike" kern="1200" cap="none" spc="0" normalizeH="0" baseline="0" noProof="0">
@@ -21362,7 +22579,7 @@
                 <a:ea typeface="微軟正黑體 Light"/>
                 <a:cs typeface="+mn-cs"/>
               </a:rPr>
-              <a:t>IntellJ IDEA</a:t>
+              <a:t>IntelliJ IDEA</a:t>
             </a:r>
           </a:p>
         </p:txBody>
@@ -25689,6 +26906,9 @@
           <a:solidFill>
             <a:srgbClr val="CCECFF"/>
           </a:solidFill>
+          <a:ln>
+            <a:noFill/>
+          </a:ln>
         </p:spPr>
         <p:style>
           <a:lnRef idx="2">
@@ -26391,7 +27611,7 @@
                 <a:ea typeface="微軟正黑體 Light"/>
                 <a:cs typeface="+mn-cs"/>
               </a:rPr>
-              <a:t>IntellJ IDEA</a:t>
+              <a:t>IntelliJ IDEA</a:t>
             </a:r>
           </a:p>
         </p:txBody>
@@ -27115,8 +28335,8 @@
         </p:nvSpPr>
         <p:spPr>
           <a:xfrm>
-            <a:off x="8446883" y="5929742"/>
-            <a:ext cx="2100404" cy="280657"/>
+            <a:off x="8384131" y="5929742"/>
+            <a:ext cx="2212152" cy="280657"/>
           </a:xfrm>
           <a:prstGeom prst="roundRect">
             <a:avLst/>
@@ -27193,6 +28413,7 @@
           </p:cNvPr>
           <p:cNvCxnSpPr>
             <a:cxnSpLocks/>
+            <a:stCxn id="11" idx="1"/>
             <a:endCxn id="4" idx="3"/>
           </p:cNvCxnSpPr>
           <p:nvPr/>
@@ -27200,7 +28421,7 @@
         <p:spPr>
           <a:xfrm flipH="1" flipV="1">
             <a:off x="5821377" y="3753387"/>
-            <a:ext cx="2625506" cy="2321488"/>
+            <a:ext cx="2562754" cy="2316684"/>
           </a:xfrm>
           <a:prstGeom prst="straightConnector1">
             <a:avLst/>
@@ -27446,110 +28667,12 @@
           <a:chExt cx="0" cy="0"/>
         </a:xfrm>
       </p:grpSpPr>
-      <p:sp>
-        <p:nvSpPr>
-          <p:cNvPr id="2" name="標題 1">
+      <p:grpSp>
+        <p:nvGrpSpPr>
+          <p:cNvPr id="6" name="群組 5">
             <a:extLst>
               <a:ext uri="{FF2B5EF4-FFF2-40B4-BE49-F238E27FC236}">
-                <a16:creationId xmlns:a16="http://schemas.microsoft.com/office/drawing/2014/main" id="{9F2EE2D1-8102-410E-A569-41AEBA690F58}"/>
-              </a:ext>
-            </a:extLst>
-          </p:cNvPr>
-          <p:cNvSpPr>
-            <a:spLocks noGrp="1"/>
-          </p:cNvSpPr>
-          <p:nvPr>
-            <p:ph type="title"/>
-          </p:nvPr>
-        </p:nvSpPr>
-        <p:spPr/>
-        <p:txBody>
-          <a:bodyPr/>
-          <a:lstStyle/>
-          <a:p>
-            <a:r>
-              <a:rPr lang="zh-TW" altLang="en-US"/>
-              <a:t>第一個 </a:t>
-            </a:r>
-            <a:r>
-              <a:rPr lang="en-US" altLang="zh-TW"/>
-              <a:t>Java </a:t>
-            </a:r>
-            <a:r>
-              <a:rPr lang="zh-TW" altLang="en-US"/>
-              <a:t>程式</a:t>
-            </a:r>
-          </a:p>
-        </p:txBody>
-      </p:sp>
-      <p:sp>
-        <p:nvSpPr>
-          <p:cNvPr id="11" name="內容版面配置區 10">
-            <a:extLst>
-              <a:ext uri="{FF2B5EF4-FFF2-40B4-BE49-F238E27FC236}">
-                <a16:creationId xmlns:a16="http://schemas.microsoft.com/office/drawing/2014/main" id="{761F458B-06C0-4585-99E3-9A4CE4E0EC3E}"/>
-              </a:ext>
-            </a:extLst>
-          </p:cNvPr>
-          <p:cNvSpPr>
-            <a:spLocks noGrp="1"/>
-          </p:cNvSpPr>
-          <p:nvPr>
-            <p:ph idx="1"/>
-          </p:nvPr>
-        </p:nvSpPr>
-        <p:spPr>
-          <a:xfrm>
-            <a:off x="838200" y="1825625"/>
-            <a:ext cx="9835836" cy="1198454"/>
-          </a:xfrm>
-        </p:spPr>
-        <p:txBody>
-          <a:bodyPr>
-            <a:normAutofit/>
-          </a:bodyPr>
-          <a:lstStyle/>
-          <a:p>
-            <a:r>
-              <a:rPr lang="zh-TW" altLang="en-US"/>
-              <a:t>讓我們用 </a:t>
-            </a:r>
-            <a:r>
-              <a:rPr lang="en-US" altLang="zh-TW"/>
-              <a:t>Notepad++</a:t>
-            </a:r>
-            <a:r>
-              <a:rPr lang="zh-TW" altLang="en-US"/>
-              <a:t> 撰寫我們的第一個 </a:t>
-            </a:r>
-            <a:r>
-              <a:rPr lang="en-US" altLang="zh-TW"/>
-              <a:t>Java</a:t>
-            </a:r>
-            <a:r>
-              <a:rPr lang="zh-TW" altLang="en-US"/>
-              <a:t> 程式</a:t>
-            </a:r>
-            <a:endParaRPr lang="en-US" altLang="zh-TW"/>
-          </a:p>
-          <a:p>
-            <a:r>
-              <a:rPr lang="en-US" altLang="zh-TW"/>
-              <a:t>Notepad++ </a:t>
-            </a:r>
-            <a:r>
-              <a:rPr lang="zh-TW" altLang="en-US"/>
-              <a:t>是個體積小、易使用的文字編輯器</a:t>
-            </a:r>
-          </a:p>
-        </p:txBody>
-      </p:sp>
-      <p:grpSp>
-        <p:nvGrpSpPr>
-          <p:cNvPr id="85" name="群組 84">
-            <a:extLst>
-              <a:ext uri="{FF2B5EF4-FFF2-40B4-BE49-F238E27FC236}">
-                <a16:creationId xmlns:a16="http://schemas.microsoft.com/office/drawing/2014/main" id="{872F9939-2B76-4F08-9AFB-E02C71810502}"/>
+                <a16:creationId xmlns:a16="http://schemas.microsoft.com/office/drawing/2014/main" id="{33C9041B-DCD7-4271-8B4A-39452ADC2BAA}"/>
               </a:ext>
             </a:extLst>
           </p:cNvPr>
@@ -27558,18 +28681,361 @@
         </p:nvGrpSpPr>
         <p:grpSpPr>
           <a:xfrm>
-            <a:off x="6536080" y="3281458"/>
-            <a:ext cx="5052707" cy="2244224"/>
-            <a:chOff x="852793" y="2817093"/>
-            <a:chExt cx="5052707" cy="2244224"/>
+            <a:off x="295202" y="1559396"/>
+            <a:ext cx="11402860" cy="4834037"/>
+            <a:chOff x="295202" y="1559396"/>
+            <a:chExt cx="11402860" cy="4834037"/>
           </a:xfrm>
         </p:grpSpPr>
+        <p:grpSp>
+          <p:nvGrpSpPr>
+            <p:cNvPr id="115" name="群組 114">
+              <a:extLst>
+                <a:ext uri="{FF2B5EF4-FFF2-40B4-BE49-F238E27FC236}">
+                  <a16:creationId xmlns:a16="http://schemas.microsoft.com/office/drawing/2014/main" id="{1A46D6A5-33B3-4472-88AC-404A91FA6282}"/>
+                </a:ext>
+              </a:extLst>
+            </p:cNvPr>
+            <p:cNvGrpSpPr/>
+            <p:nvPr/>
+          </p:nvGrpSpPr>
+          <p:grpSpPr>
+            <a:xfrm>
+              <a:off x="9078822" y="1559396"/>
+              <a:ext cx="2619240" cy="4834036"/>
+              <a:chOff x="9078822" y="1559396"/>
+              <a:chExt cx="2619240" cy="4834036"/>
+            </a:xfrm>
+          </p:grpSpPr>
+          <p:pic>
+            <p:nvPicPr>
+              <p:cNvPr id="110" name="圖片 109">
+                <a:extLst>
+                  <a:ext uri="{FF2B5EF4-FFF2-40B4-BE49-F238E27FC236}">
+                    <a16:creationId xmlns:a16="http://schemas.microsoft.com/office/drawing/2014/main" id="{5CDA09B7-9B9E-4563-B250-E2616873A30C}"/>
+                  </a:ext>
+                </a:extLst>
+              </p:cNvPr>
+              <p:cNvPicPr>
+                <a:picLocks noChangeAspect="1"/>
+              </p:cNvPicPr>
+              <p:nvPr/>
+            </p:nvPicPr>
+            <p:blipFill rotWithShape="1">
+              <a:blip r:embed="rId2"/>
+              <a:srcRect b="862"/>
+              <a:stretch/>
+            </p:blipFill>
+            <p:spPr>
+              <a:xfrm>
+                <a:off x="9078822" y="1601041"/>
+                <a:ext cx="2619240" cy="4792391"/>
+              </a:xfrm>
+              <a:custGeom>
+                <a:avLst/>
+                <a:gdLst>
+                  <a:gd name="connsiteX0" fmla="*/ 1 w 2619240"/>
+                  <a:gd name="connsiteY0" fmla="*/ 0 h 4792391"/>
+                  <a:gd name="connsiteX1" fmla="*/ 2619240 w 2619240"/>
+                  <a:gd name="connsiteY1" fmla="*/ 0 h 4792391"/>
+                  <a:gd name="connsiteX2" fmla="*/ 2619240 w 2619240"/>
+                  <a:gd name="connsiteY2" fmla="*/ 4607725 h 4792391"/>
+                  <a:gd name="connsiteX3" fmla="*/ 2619240 w 2619240"/>
+                  <a:gd name="connsiteY3" fmla="*/ 4719482 h 4792391"/>
+                  <a:gd name="connsiteX4" fmla="*/ 2619240 w 2619240"/>
+                  <a:gd name="connsiteY4" fmla="*/ 4792391 h 4792391"/>
+                  <a:gd name="connsiteX5" fmla="*/ 0 w 2619240"/>
+                  <a:gd name="connsiteY5" fmla="*/ 4792391 h 4792391"/>
+                  <a:gd name="connsiteX6" fmla="*/ 0 w 2619240"/>
+                  <a:gd name="connsiteY6" fmla="*/ 4607725 h 4792391"/>
+                  <a:gd name="connsiteX7" fmla="*/ 1 w 2619240"/>
+                  <a:gd name="connsiteY7" fmla="*/ 4607725 h 4792391"/>
+                </a:gdLst>
+                <a:ahLst/>
+                <a:cxnLst>
+                  <a:cxn ang="0">
+                    <a:pos x="connsiteX0" y="connsiteY0"/>
+                  </a:cxn>
+                  <a:cxn ang="0">
+                    <a:pos x="connsiteX1" y="connsiteY1"/>
+                  </a:cxn>
+                  <a:cxn ang="0">
+                    <a:pos x="connsiteX2" y="connsiteY2"/>
+                  </a:cxn>
+                  <a:cxn ang="0">
+                    <a:pos x="connsiteX3" y="connsiteY3"/>
+                  </a:cxn>
+                  <a:cxn ang="0">
+                    <a:pos x="connsiteX4" y="connsiteY4"/>
+                  </a:cxn>
+                  <a:cxn ang="0">
+                    <a:pos x="connsiteX5" y="connsiteY5"/>
+                  </a:cxn>
+                  <a:cxn ang="0">
+                    <a:pos x="connsiteX6" y="connsiteY6"/>
+                  </a:cxn>
+                  <a:cxn ang="0">
+                    <a:pos x="connsiteX7" y="connsiteY7"/>
+                  </a:cxn>
+                </a:cxnLst>
+                <a:rect l="l" t="t" r="r" b="b"/>
+                <a:pathLst>
+                  <a:path w="2619240" h="4792391">
+                    <a:moveTo>
+                      <a:pt x="1" y="0"/>
+                    </a:moveTo>
+                    <a:lnTo>
+                      <a:pt x="2619240" y="0"/>
+                    </a:lnTo>
+                    <a:lnTo>
+                      <a:pt x="2619240" y="4607725"/>
+                    </a:lnTo>
+                    <a:lnTo>
+                      <a:pt x="2619240" y="4719482"/>
+                    </a:lnTo>
+                    <a:lnTo>
+                      <a:pt x="2619240" y="4792391"/>
+                    </a:lnTo>
+                    <a:lnTo>
+                      <a:pt x="0" y="4792391"/>
+                    </a:lnTo>
+                    <a:lnTo>
+                      <a:pt x="0" y="4607725"/>
+                    </a:lnTo>
+                    <a:lnTo>
+                      <a:pt x="1" y="4607725"/>
+                    </a:lnTo>
+                    <a:close/>
+                  </a:path>
+                </a:pathLst>
+              </a:custGeom>
+            </p:spPr>
+          </p:pic>
+          <p:sp>
+            <p:nvSpPr>
+              <p:cNvPr id="113" name="矩形 112">
+                <a:extLst>
+                  <a:ext uri="{FF2B5EF4-FFF2-40B4-BE49-F238E27FC236}">
+                    <a16:creationId xmlns:a16="http://schemas.microsoft.com/office/drawing/2014/main" id="{516115E9-A143-4D74-BDC5-D5698AA98CAA}"/>
+                  </a:ext>
+                </a:extLst>
+              </p:cNvPr>
+              <p:cNvSpPr/>
+              <p:nvPr/>
+            </p:nvSpPr>
+            <p:spPr>
+              <a:xfrm>
+                <a:off x="9078822" y="1559396"/>
+                <a:ext cx="2619240" cy="45719"/>
+              </a:xfrm>
+              <a:prstGeom prst="rect">
+                <a:avLst/>
+              </a:prstGeom>
+              <a:solidFill>
+                <a:srgbClr val="273D44"/>
+              </a:solidFill>
+              <a:ln>
+                <a:noFill/>
+              </a:ln>
+            </p:spPr>
+            <p:style>
+              <a:lnRef idx="2">
+                <a:schemeClr val="accent1">
+                  <a:shade val="50000"/>
+                </a:schemeClr>
+              </a:lnRef>
+              <a:fillRef idx="1">
+                <a:schemeClr val="accent1"/>
+              </a:fillRef>
+              <a:effectRef idx="0">
+                <a:schemeClr val="accent1"/>
+              </a:effectRef>
+              <a:fontRef idx="minor">
+                <a:schemeClr val="lt1"/>
+              </a:fontRef>
+            </p:style>
+            <p:txBody>
+              <a:bodyPr rtlCol="0" anchor="ctr"/>
+              <a:lstStyle/>
+              <a:p>
+                <a:pPr algn="ctr"/>
+                <a:endParaRPr lang="zh-TW" altLang="en-US"/>
+              </a:p>
+            </p:txBody>
+          </p:sp>
+        </p:grpSp>
+        <p:pic>
+          <p:nvPicPr>
+            <p:cNvPr id="7" name="圖片 6">
+              <a:extLst>
+                <a:ext uri="{FF2B5EF4-FFF2-40B4-BE49-F238E27FC236}">
+                  <a16:creationId xmlns:a16="http://schemas.microsoft.com/office/drawing/2014/main" id="{FA1FF675-E2E3-4990-89B4-9EBA7DC20769}"/>
+                </a:ext>
+              </a:extLst>
+            </p:cNvPr>
+            <p:cNvPicPr>
+              <a:picLocks noChangeAspect="1"/>
+            </p:cNvPicPr>
+            <p:nvPr/>
+          </p:nvPicPr>
+          <p:blipFill>
+            <a:blip r:embed="rId3"/>
+            <a:stretch>
+              <a:fillRect/>
+            </a:stretch>
+          </p:blipFill>
+          <p:spPr>
+            <a:xfrm>
+              <a:off x="493938" y="1559396"/>
+              <a:ext cx="6819306" cy="4070439"/>
+            </a:xfrm>
+            <a:prstGeom prst="rect">
+              <a:avLst/>
+            </a:prstGeom>
+          </p:spPr>
+        </p:pic>
+        <p:pic>
+          <p:nvPicPr>
+            <p:cNvPr id="9" name="圖片 8">
+              <a:extLst>
+                <a:ext uri="{FF2B5EF4-FFF2-40B4-BE49-F238E27FC236}">
+                  <a16:creationId xmlns:a16="http://schemas.microsoft.com/office/drawing/2014/main" id="{31961948-269C-49AC-9606-27F8269F8F1B}"/>
+                </a:ext>
+              </a:extLst>
+            </p:cNvPr>
+            <p:cNvPicPr>
+              <a:picLocks noChangeAspect="1"/>
+            </p:cNvPicPr>
+            <p:nvPr/>
+          </p:nvPicPr>
+          <p:blipFill>
+            <a:blip r:embed="rId4"/>
+            <a:stretch>
+              <a:fillRect/>
+            </a:stretch>
+          </p:blipFill>
+          <p:spPr>
+            <a:xfrm>
+              <a:off x="7313244" y="1559396"/>
+              <a:ext cx="1765580" cy="4834037"/>
+            </a:xfrm>
+            <a:prstGeom prst="rect">
+              <a:avLst/>
+            </a:prstGeom>
+          </p:spPr>
+        </p:pic>
         <p:sp>
           <p:nvSpPr>
-            <p:cNvPr id="84" name="手繪多邊形: 圖案 83">
+            <p:cNvPr id="14" name="文字方塊 13">
               <a:extLst>
                 <a:ext uri="{FF2B5EF4-FFF2-40B4-BE49-F238E27FC236}">
-                  <a16:creationId xmlns:a16="http://schemas.microsoft.com/office/drawing/2014/main" id="{6DAF2514-A196-4C0D-B023-ED2D11CFF0E1}"/>
+                  <a16:creationId xmlns:a16="http://schemas.microsoft.com/office/drawing/2014/main" id="{7E4DA029-54E0-4039-911B-8024AA9F3A52}"/>
+                </a:ext>
+              </a:extLst>
+            </p:cNvPr>
+            <p:cNvSpPr txBox="1"/>
+            <p:nvPr/>
+          </p:nvSpPr>
+          <p:spPr>
+            <a:xfrm>
+              <a:off x="493936" y="6024101"/>
+              <a:ext cx="3179075" cy="369332"/>
+            </a:xfrm>
+            <a:prstGeom prst="rect">
+              <a:avLst/>
+            </a:prstGeom>
+            <a:noFill/>
+          </p:spPr>
+          <p:txBody>
+            <a:bodyPr wrap="none" rtlCol="0">
+              <a:spAutoFit/>
+            </a:bodyPr>
+            <a:lstStyle/>
+            <a:p>
+              <a:r>
+                <a:rPr lang="en-US" altLang="zh-TW"/>
+                <a:t>2023 Stack Overflow </a:t>
+              </a:r>
+              <a:r>
+                <a:rPr lang="zh-TW" altLang="en-US"/>
+                <a:t>調查</a:t>
+              </a:r>
+            </a:p>
+          </p:txBody>
+        </p:sp>
+        <p:pic>
+          <p:nvPicPr>
+            <p:cNvPr id="15" name="圖片 14">
+              <a:hlinkClick r:id="rId5"/>
+              <a:extLst>
+                <a:ext uri="{FF2B5EF4-FFF2-40B4-BE49-F238E27FC236}">
+                  <a16:creationId xmlns:a16="http://schemas.microsoft.com/office/drawing/2014/main" id="{60C235B3-0977-4325-82CD-974FCB1C8F97}"/>
+                </a:ext>
+              </a:extLst>
+            </p:cNvPr>
+            <p:cNvPicPr>
+              <a:picLocks noChangeAspect="1"/>
+            </p:cNvPicPr>
+            <p:nvPr/>
+          </p:nvPicPr>
+          <p:blipFill>
+            <a:blip r:embed="rId6">
+              <a:extLst>
+                <a:ext uri="{28A0092B-C50C-407E-A947-70E740481C1C}">
+                  <a14:useLocalDpi xmlns:a14="http://schemas.microsoft.com/office/drawing/2010/main" val="0"/>
+                </a:ext>
+              </a:extLst>
+            </a:blip>
+            <a:stretch>
+              <a:fillRect/>
+            </a:stretch>
+          </p:blipFill>
+          <p:spPr>
+            <a:xfrm>
+              <a:off x="2150366" y="5629835"/>
+              <a:ext cx="394266" cy="394266"/>
+            </a:xfrm>
+            <a:prstGeom prst="rect">
+              <a:avLst/>
+            </a:prstGeom>
+          </p:spPr>
+        </p:pic>
+        <p:pic>
+          <p:nvPicPr>
+            <p:cNvPr id="17" name="圖片 16">
+              <a:extLst>
+                <a:ext uri="{FF2B5EF4-FFF2-40B4-BE49-F238E27FC236}">
+                  <a16:creationId xmlns:a16="http://schemas.microsoft.com/office/drawing/2014/main" id="{3AD1BC7B-8696-4D21-A818-E92ACCCCCFCD}"/>
+                </a:ext>
+              </a:extLst>
+            </p:cNvPr>
+            <p:cNvPicPr>
+              <a:picLocks noChangeAspect="1"/>
+            </p:cNvPicPr>
+            <p:nvPr/>
+          </p:nvPicPr>
+          <p:blipFill>
+            <a:blip r:embed="rId7"/>
+            <a:stretch>
+              <a:fillRect/>
+            </a:stretch>
+          </p:blipFill>
+          <p:spPr>
+            <a:xfrm>
+              <a:off x="493937" y="5612625"/>
+              <a:ext cx="1657581" cy="428685"/>
+            </a:xfrm>
+            <a:prstGeom prst="rect">
+              <a:avLst/>
+            </a:prstGeom>
+          </p:spPr>
+        </p:pic>
+        <p:sp>
+          <p:nvSpPr>
+            <p:cNvPr id="21" name="矩形: 圓角 20">
+              <a:extLst>
+                <a:ext uri="{FF2B5EF4-FFF2-40B4-BE49-F238E27FC236}">
+                  <a16:creationId xmlns:a16="http://schemas.microsoft.com/office/drawing/2014/main" id="{95F0E5DD-6E69-4BD7-9FCF-5ECF9B30B203}"/>
                 </a:ext>
               </a:extLst>
             </p:cNvPr>
@@ -27578,211 +29044,16 @@
           </p:nvSpPr>
           <p:spPr>
             <a:xfrm>
-              <a:off x="853441" y="3387023"/>
-              <a:ext cx="5052059" cy="1674294"/>
+              <a:off x="10318376" y="3688080"/>
+              <a:ext cx="457200" cy="197223"/>
             </a:xfrm>
-            <a:custGeom>
+            <a:prstGeom prst="roundRect">
               <a:avLst/>
-              <a:gdLst>
-                <a:gd name="connsiteX0" fmla="*/ 3221956 w 5052059"/>
-                <a:gd name="connsiteY0" fmla="*/ 0 h 1674294"/>
-                <a:gd name="connsiteX1" fmla="*/ 3933294 w 5052059"/>
-                <a:gd name="connsiteY1" fmla="*/ 0 h 1674294"/>
-                <a:gd name="connsiteX2" fmla="*/ 3947159 w 5052059"/>
-                <a:gd name="connsiteY2" fmla="*/ 0 h 1674294"/>
-                <a:gd name="connsiteX3" fmla="*/ 4210999 w 5052059"/>
-                <a:gd name="connsiteY3" fmla="*/ 0 h 1674294"/>
-                <a:gd name="connsiteX4" fmla="*/ 4740598 w 5052059"/>
-                <a:gd name="connsiteY4" fmla="*/ 0 h 1674294"/>
-                <a:gd name="connsiteX5" fmla="*/ 5052058 w 5052059"/>
-                <a:gd name="connsiteY5" fmla="*/ 366571 h 1674294"/>
-                <a:gd name="connsiteX6" fmla="*/ 5052058 w 5052059"/>
-                <a:gd name="connsiteY6" fmla="*/ 1190043 h 1674294"/>
-                <a:gd name="connsiteX7" fmla="*/ 5052059 w 5052059"/>
-                <a:gd name="connsiteY7" fmla="*/ 1190043 h 1674294"/>
-                <a:gd name="connsiteX8" fmla="*/ 5052059 w 5052059"/>
-                <a:gd name="connsiteY8" fmla="*/ 1307723 h 1674294"/>
-                <a:gd name="connsiteX9" fmla="*/ 4740599 w 5052059"/>
-                <a:gd name="connsiteY9" fmla="*/ 1674294 h 1674294"/>
-                <a:gd name="connsiteX10" fmla="*/ 4211000 w 5052059"/>
-                <a:gd name="connsiteY10" fmla="*/ 1674294 h 1674294"/>
-                <a:gd name="connsiteX11" fmla="*/ 3947159 w 5052059"/>
-                <a:gd name="connsiteY11" fmla="*/ 1674294 h 1674294"/>
-                <a:gd name="connsiteX12" fmla="*/ 3933294 w 5052059"/>
-                <a:gd name="connsiteY12" fmla="*/ 1674294 h 1674294"/>
-                <a:gd name="connsiteX13" fmla="*/ 841061 w 5052059"/>
-                <a:gd name="connsiteY13" fmla="*/ 1674294 h 1674294"/>
-                <a:gd name="connsiteX14" fmla="*/ 311462 w 5052059"/>
-                <a:gd name="connsiteY14" fmla="*/ 1674294 h 1674294"/>
-                <a:gd name="connsiteX15" fmla="*/ 2 w 5052059"/>
-                <a:gd name="connsiteY15" fmla="*/ 1307723 h 1674294"/>
-                <a:gd name="connsiteX16" fmla="*/ 2 w 5052059"/>
-                <a:gd name="connsiteY16" fmla="*/ 1212137 h 1674294"/>
-                <a:gd name="connsiteX17" fmla="*/ 1 w 5052059"/>
-                <a:gd name="connsiteY17" fmla="*/ 1212137 h 1674294"/>
-                <a:gd name="connsiteX18" fmla="*/ 1 w 5052059"/>
-                <a:gd name="connsiteY18" fmla="*/ 377589 h 1674294"/>
-                <a:gd name="connsiteX19" fmla="*/ 0 w 5052059"/>
-                <a:gd name="connsiteY19" fmla="*/ 377589 h 1674294"/>
-                <a:gd name="connsiteX20" fmla="*/ 0 w 5052059"/>
-                <a:gd name="connsiteY20" fmla="*/ 1536 h 1674294"/>
-                <a:gd name="connsiteX21" fmla="*/ 3221956 w 5052059"/>
-                <a:gd name="connsiteY21" fmla="*/ 1536 h 1674294"/>
-              </a:gdLst>
-              <a:ahLst/>
-              <a:cxnLst>
-                <a:cxn ang="0">
-                  <a:pos x="connsiteX0" y="connsiteY0"/>
-                </a:cxn>
-                <a:cxn ang="0">
-                  <a:pos x="connsiteX1" y="connsiteY1"/>
-                </a:cxn>
-                <a:cxn ang="0">
-                  <a:pos x="connsiteX2" y="connsiteY2"/>
-                </a:cxn>
-                <a:cxn ang="0">
-                  <a:pos x="connsiteX3" y="connsiteY3"/>
-                </a:cxn>
-                <a:cxn ang="0">
-                  <a:pos x="connsiteX4" y="connsiteY4"/>
-                </a:cxn>
-                <a:cxn ang="0">
-                  <a:pos x="connsiteX5" y="connsiteY5"/>
-                </a:cxn>
-                <a:cxn ang="0">
-                  <a:pos x="connsiteX6" y="connsiteY6"/>
-                </a:cxn>
-                <a:cxn ang="0">
-                  <a:pos x="connsiteX7" y="connsiteY7"/>
-                </a:cxn>
-                <a:cxn ang="0">
-                  <a:pos x="connsiteX8" y="connsiteY8"/>
-                </a:cxn>
-                <a:cxn ang="0">
-                  <a:pos x="connsiteX9" y="connsiteY9"/>
-                </a:cxn>
-                <a:cxn ang="0">
-                  <a:pos x="connsiteX10" y="connsiteY10"/>
-                </a:cxn>
-                <a:cxn ang="0">
-                  <a:pos x="connsiteX11" y="connsiteY11"/>
-                </a:cxn>
-                <a:cxn ang="0">
-                  <a:pos x="connsiteX12" y="connsiteY12"/>
-                </a:cxn>
-                <a:cxn ang="0">
-                  <a:pos x="connsiteX13" y="connsiteY13"/>
-                </a:cxn>
-                <a:cxn ang="0">
-                  <a:pos x="connsiteX14" y="connsiteY14"/>
-                </a:cxn>
-                <a:cxn ang="0">
-                  <a:pos x="connsiteX15" y="connsiteY15"/>
-                </a:cxn>
-                <a:cxn ang="0">
-                  <a:pos x="connsiteX16" y="connsiteY16"/>
-                </a:cxn>
-                <a:cxn ang="0">
-                  <a:pos x="connsiteX17" y="connsiteY17"/>
-                </a:cxn>
-                <a:cxn ang="0">
-                  <a:pos x="connsiteX18" y="connsiteY18"/>
-                </a:cxn>
-                <a:cxn ang="0">
-                  <a:pos x="connsiteX19" y="connsiteY19"/>
-                </a:cxn>
-                <a:cxn ang="0">
-                  <a:pos x="connsiteX20" y="connsiteY20"/>
-                </a:cxn>
-                <a:cxn ang="0">
-                  <a:pos x="connsiteX21" y="connsiteY21"/>
-                </a:cxn>
-              </a:cxnLst>
-              <a:rect l="l" t="t" r="r" b="b"/>
-              <a:pathLst>
-                <a:path w="5052059" h="1674294">
-                  <a:moveTo>
-                    <a:pt x="3221956" y="0"/>
-                  </a:moveTo>
-                  <a:lnTo>
-                    <a:pt x="3933294" y="0"/>
-                  </a:lnTo>
-                  <a:lnTo>
-                    <a:pt x="3947159" y="0"/>
-                  </a:lnTo>
-                  <a:lnTo>
-                    <a:pt x="4210999" y="0"/>
-                  </a:lnTo>
-                  <a:lnTo>
-                    <a:pt x="4740598" y="0"/>
-                  </a:lnTo>
-                  <a:cubicBezTo>
-                    <a:pt x="4912613" y="0"/>
-                    <a:pt x="5052058" y="164120"/>
-                    <a:pt x="5052058" y="366571"/>
-                  </a:cubicBezTo>
-                  <a:lnTo>
-                    <a:pt x="5052058" y="1190043"/>
-                  </a:lnTo>
-                  <a:lnTo>
-                    <a:pt x="5052059" y="1190043"/>
-                  </a:lnTo>
-                  <a:lnTo>
-                    <a:pt x="5052059" y="1307723"/>
-                  </a:lnTo>
-                  <a:cubicBezTo>
-                    <a:pt x="5052059" y="1510174"/>
-                    <a:pt x="4912614" y="1674294"/>
-                    <a:pt x="4740599" y="1674294"/>
-                  </a:cubicBezTo>
-                  <a:lnTo>
-                    <a:pt x="4211000" y="1674294"/>
-                  </a:lnTo>
-                  <a:lnTo>
-                    <a:pt x="3947159" y="1674294"/>
-                  </a:lnTo>
-                  <a:lnTo>
-                    <a:pt x="3933294" y="1674294"/>
-                  </a:lnTo>
-                  <a:lnTo>
-                    <a:pt x="841061" y="1674294"/>
-                  </a:lnTo>
-                  <a:lnTo>
-                    <a:pt x="311462" y="1674294"/>
-                  </a:lnTo>
-                  <a:cubicBezTo>
-                    <a:pt x="139447" y="1674294"/>
-                    <a:pt x="2" y="1510174"/>
-                    <a:pt x="2" y="1307723"/>
-                  </a:cubicBezTo>
-                  <a:lnTo>
-                    <a:pt x="2" y="1212137"/>
-                  </a:lnTo>
-                  <a:lnTo>
-                    <a:pt x="1" y="1212137"/>
-                  </a:lnTo>
-                  <a:lnTo>
-                    <a:pt x="1" y="377589"/>
-                  </a:lnTo>
-                  <a:lnTo>
-                    <a:pt x="0" y="377589"/>
-                  </a:lnTo>
-                  <a:lnTo>
-                    <a:pt x="0" y="1536"/>
-                  </a:lnTo>
-                  <a:lnTo>
-                    <a:pt x="3221956" y="1536"/>
-                  </a:lnTo>
-                  <a:close/>
-                </a:path>
-              </a:pathLst>
-            </a:custGeom>
-            <a:solidFill>
-              <a:srgbClr val="CCFFCC"/>
-            </a:solidFill>
+            </a:prstGeom>
+            <a:noFill/>
             <a:ln w="28575">
               <a:solidFill>
-                <a:srgbClr val="00B050"/>
+                <a:srgbClr val="FF0000"/>
               </a:solidFill>
             </a:ln>
           </p:spPr>
@@ -27803,448 +29074,20 @@
             </a:fontRef>
           </p:style>
           <p:txBody>
-            <a:bodyPr wrap="square" rtlCol="0" anchor="ctr">
-              <a:noAutofit/>
-            </a:bodyPr>
+            <a:bodyPr rtlCol="0" anchor="ctr"/>
             <a:lstStyle/>
             <a:p>
-              <a:pPr marL="0" marR="0" lvl="0" indent="0" algn="ctr" defTabSz="914400" rtl="0" eaLnBrk="1" fontAlgn="auto" latinLnBrk="0" hangingPunct="1">
-                <a:lnSpc>
-                  <a:spcPct val="100000"/>
-                </a:lnSpc>
-                <a:spcBef>
-                  <a:spcPts val="0"/>
-                </a:spcBef>
-                <a:spcAft>
-                  <a:spcPts val="0"/>
-                </a:spcAft>
-                <a:buClrTx/>
-                <a:buSzTx/>
-                <a:buFontTx/>
-                <a:buNone/>
-                <a:tabLst/>
-                <a:defRPr/>
-              </a:pPr>
-              <a:endParaRPr kumimoji="0" lang="zh-TW" altLang="en-US" sz="1800" b="0" i="0" u="none" strike="noStrike" kern="1200" cap="none" spc="0" normalizeH="0" baseline="0" noProof="0">
-                <a:ln>
-                  <a:noFill/>
-                </a:ln>
-                <a:solidFill>
-                  <a:prstClr val="white"/>
-                </a:solidFill>
-                <a:effectLst/>
-                <a:uLnTx/>
-                <a:uFillTx/>
-                <a:latin typeface="Consolas"/>
-                <a:ea typeface="微軟正黑體 Light"/>
-                <a:cs typeface="+mn-cs"/>
-              </a:endParaRPr>
+              <a:pPr algn="ctr"/>
+              <a:endParaRPr lang="zh-TW" altLang="en-US"/>
             </a:p>
           </p:txBody>
         </p:sp>
         <p:sp>
           <p:nvSpPr>
-            <p:cNvPr id="16" name="文字方塊 15">
+            <p:cNvPr id="22" name="矩形: 圓角 21">
               <a:extLst>
                 <a:ext uri="{FF2B5EF4-FFF2-40B4-BE49-F238E27FC236}">
-                  <a16:creationId xmlns:a16="http://schemas.microsoft.com/office/drawing/2014/main" id="{122A283F-DC82-4411-9FBD-BB342F21DD80}"/>
-                </a:ext>
-              </a:extLst>
-            </p:cNvPr>
-            <p:cNvSpPr txBox="1"/>
-            <p:nvPr/>
-          </p:nvSpPr>
-          <p:spPr>
-            <a:xfrm>
-              <a:off x="2862476" y="3429000"/>
-              <a:ext cx="3043024" cy="1631216"/>
-            </a:xfrm>
-            <a:prstGeom prst="rect">
-              <a:avLst/>
-            </a:prstGeom>
-            <a:noFill/>
-          </p:spPr>
-          <p:txBody>
-            <a:bodyPr wrap="square" rtlCol="0">
-              <a:spAutoFit/>
-            </a:bodyPr>
-            <a:lstStyle/>
-            <a:p>
-              <a:pPr marL="0" marR="0" lvl="0" indent="0" algn="l" defTabSz="914400" rtl="0" eaLnBrk="1" fontAlgn="auto" latinLnBrk="0" hangingPunct="1">
-                <a:lnSpc>
-                  <a:spcPct val="100000"/>
-                </a:lnSpc>
-                <a:spcBef>
-                  <a:spcPts val="0"/>
-                </a:spcBef>
-                <a:spcAft>
-                  <a:spcPts val="0"/>
-                </a:spcAft>
-                <a:buClrTx/>
-                <a:buSzTx/>
-                <a:buFontTx/>
-                <a:buNone/>
-                <a:tabLst/>
-                <a:defRPr/>
-              </a:pPr>
-              <a:r>
-                <a:rPr kumimoji="0" lang="zh-TW" altLang="en-US" sz="2000" b="0" i="0" u="none" strike="noStrike" kern="1200" cap="none" spc="0" normalizeH="0" baseline="0" noProof="0">
-                  <a:ln>
-                    <a:noFill/>
-                  </a:ln>
-                  <a:solidFill>
-                    <a:prstClr val="black"/>
-                  </a:solidFill>
-                  <a:effectLst/>
-                  <a:uLnTx/>
-                  <a:uFillTx/>
-                  <a:latin typeface="Consolas"/>
-                  <a:ea typeface="微軟正黑體 Light"/>
-                  <a:cs typeface="+mn-cs"/>
-                </a:rPr>
-                <a:t>作者：侯今吾</a:t>
-              </a:r>
-              <a:r>
-                <a:rPr kumimoji="0" lang="en-US" altLang="zh-TW" sz="2000" b="0" i="0" u="none" strike="noStrike" kern="1200" cap="none" spc="0" normalizeH="0" baseline="0" noProof="0">
-                  <a:ln>
-                    <a:noFill/>
-                  </a:ln>
-                  <a:solidFill>
-                    <a:prstClr val="black"/>
-                  </a:solidFill>
-                  <a:effectLst/>
-                  <a:uLnTx/>
-                  <a:uFillTx/>
-                  <a:latin typeface="Consolas"/>
-                  <a:ea typeface="微軟正黑體 Light"/>
-                  <a:cs typeface="+mn-cs"/>
-                </a:rPr>
-                <a:t>(</a:t>
-              </a:r>
-              <a:r>
-                <a:rPr kumimoji="0" lang="zh-TW" altLang="en-US" sz="2000" b="0" i="0" u="none" strike="noStrike" kern="1200" cap="none" spc="0" normalizeH="0" baseline="0" noProof="0">
-                  <a:ln>
-                    <a:noFill/>
-                  </a:ln>
-                  <a:solidFill>
-                    <a:prstClr val="black"/>
-                  </a:solidFill>
-                  <a:effectLst/>
-                  <a:uLnTx/>
-                  <a:uFillTx/>
-                  <a:latin typeface="Consolas"/>
-                  <a:ea typeface="微軟正黑體 Light"/>
-                  <a:cs typeface="+mn-cs"/>
-                </a:rPr>
-                <a:t>台灣人</a:t>
-              </a:r>
-              <a:r>
-                <a:rPr kumimoji="0" lang="en-US" altLang="zh-TW" sz="2000" b="0" i="0" u="none" strike="noStrike" kern="1200" cap="none" spc="0" normalizeH="0" baseline="0" noProof="0">
-                  <a:ln>
-                    <a:noFill/>
-                  </a:ln>
-                  <a:solidFill>
-                    <a:prstClr val="black"/>
-                  </a:solidFill>
-                  <a:effectLst/>
-                  <a:uLnTx/>
-                  <a:uFillTx/>
-                  <a:latin typeface="Consolas"/>
-                  <a:ea typeface="微軟正黑體 Light"/>
-                  <a:cs typeface="+mn-cs"/>
-                </a:rPr>
-                <a:t>)</a:t>
-              </a:r>
-            </a:p>
-            <a:p>
-              <a:pPr marL="0" marR="0" lvl="0" indent="0" algn="l" defTabSz="914400" rtl="0" eaLnBrk="1" fontAlgn="auto" latinLnBrk="0" hangingPunct="1">
-                <a:lnSpc>
-                  <a:spcPct val="100000"/>
-                </a:lnSpc>
-                <a:spcBef>
-                  <a:spcPts val="0"/>
-                </a:spcBef>
-                <a:spcAft>
-                  <a:spcPts val="0"/>
-                </a:spcAft>
-                <a:buClrTx/>
-                <a:buSzTx/>
-                <a:buFontTx/>
-                <a:buNone/>
-                <a:tabLst/>
-                <a:defRPr/>
-              </a:pPr>
-              <a:r>
-                <a:rPr kumimoji="0" lang="zh-TW" altLang="en-US" sz="2000" b="0" i="0" u="none" strike="noStrike" kern="1200" cap="none" spc="0" normalizeH="0" baseline="0" noProof="0">
-                  <a:ln>
-                    <a:noFill/>
-                  </a:ln>
-                  <a:solidFill>
-                    <a:prstClr val="black"/>
-                  </a:solidFill>
-                  <a:effectLst/>
-                  <a:uLnTx/>
-                  <a:uFillTx/>
-                  <a:latin typeface="Consolas"/>
-                  <a:ea typeface="微軟正黑體 Light"/>
-                  <a:cs typeface="+mn-cs"/>
-                </a:rPr>
-                <a:t>自由開源軟體</a:t>
-              </a:r>
-              <a:endParaRPr kumimoji="0" lang="en-US" altLang="zh-TW" sz="2000" b="0" i="0" u="none" strike="noStrike" kern="1200" cap="none" spc="0" normalizeH="0" baseline="0" noProof="0">
-                <a:ln>
-                  <a:noFill/>
-                </a:ln>
-                <a:solidFill>
-                  <a:prstClr val="black"/>
-                </a:solidFill>
-                <a:effectLst/>
-                <a:uLnTx/>
-                <a:uFillTx/>
-                <a:latin typeface="Consolas"/>
-                <a:ea typeface="微軟正黑體 Light"/>
-                <a:cs typeface="+mn-cs"/>
-              </a:endParaRPr>
-            </a:p>
-            <a:p>
-              <a:pPr marL="0" marR="0" lvl="0" indent="0" algn="l" defTabSz="914400" rtl="0" eaLnBrk="1" fontAlgn="auto" latinLnBrk="0" hangingPunct="1">
-                <a:lnSpc>
-                  <a:spcPct val="100000"/>
-                </a:lnSpc>
-                <a:spcBef>
-                  <a:spcPts val="0"/>
-                </a:spcBef>
-                <a:spcAft>
-                  <a:spcPts val="0"/>
-                </a:spcAft>
-                <a:buClrTx/>
-                <a:buSzTx/>
-                <a:buFontTx/>
-                <a:buNone/>
-                <a:tabLst/>
-                <a:defRPr/>
-              </a:pPr>
-              <a:r>
-                <a:rPr kumimoji="0" lang="zh-TW" altLang="en-US" sz="2000" b="0" i="0" u="none" strike="noStrike" kern="1200" cap="none" spc="0" normalizeH="0" baseline="0" noProof="0">
-                  <a:ln>
-                    <a:noFill/>
-                  </a:ln>
-                  <a:solidFill>
-                    <a:prstClr val="black"/>
-                  </a:solidFill>
-                  <a:effectLst/>
-                  <a:uLnTx/>
-                  <a:uFillTx/>
-                  <a:latin typeface="Consolas"/>
-                  <a:ea typeface="微軟正黑體 Light"/>
-                  <a:cs typeface="+mn-cs"/>
-                </a:rPr>
-                <a:t>曾被票選為最佳開發工具</a:t>
-              </a:r>
-              <a:endParaRPr kumimoji="0" lang="en-US" altLang="zh-TW" sz="2000" b="0" i="0" u="none" strike="noStrike" kern="1200" cap="none" spc="0" normalizeH="0" baseline="0" noProof="0">
-                <a:ln>
-                  <a:noFill/>
-                </a:ln>
-                <a:solidFill>
-                  <a:prstClr val="black"/>
-                </a:solidFill>
-                <a:effectLst/>
-                <a:uLnTx/>
-                <a:uFillTx/>
-                <a:latin typeface="Consolas"/>
-                <a:ea typeface="微軟正黑體 Light"/>
-                <a:cs typeface="+mn-cs"/>
-              </a:endParaRPr>
-            </a:p>
-            <a:p>
-              <a:pPr marL="0" marR="0" lvl="0" indent="0" algn="l" defTabSz="914400" rtl="0" eaLnBrk="1" fontAlgn="auto" latinLnBrk="0" hangingPunct="1">
-                <a:lnSpc>
-                  <a:spcPct val="100000"/>
-                </a:lnSpc>
-                <a:spcBef>
-                  <a:spcPts val="0"/>
-                </a:spcBef>
-                <a:spcAft>
-                  <a:spcPts val="0"/>
-                </a:spcAft>
-                <a:buClrTx/>
-                <a:buSzTx/>
-                <a:buFontTx/>
-                <a:buNone/>
-                <a:tabLst/>
-                <a:defRPr/>
-              </a:pPr>
-              <a:r>
-                <a:rPr kumimoji="0" lang="zh-TW" altLang="en-US" sz="2000" b="0" i="0" u="none" strike="noStrike" kern="1200" cap="none" spc="0" normalizeH="0" baseline="0" noProof="0">
-                  <a:ln>
-                    <a:noFill/>
-                  </a:ln>
-                  <a:solidFill>
-                    <a:prstClr val="black"/>
-                  </a:solidFill>
-                  <a:effectLst/>
-                  <a:uLnTx/>
-                  <a:uFillTx/>
-                  <a:latin typeface="Consolas"/>
-                  <a:ea typeface="微軟正黑體 Light"/>
-                  <a:cs typeface="+mn-cs"/>
-                </a:rPr>
-                <a:t>使用 </a:t>
-              </a:r>
-              <a:r>
-                <a:rPr kumimoji="0" lang="en-US" altLang="zh-TW" sz="2000" b="0" i="0" u="none" strike="noStrike" kern="1200" cap="none" spc="0" normalizeH="0" baseline="0" noProof="0">
-                  <a:ln>
-                    <a:noFill/>
-                  </a:ln>
-                  <a:solidFill>
-                    <a:prstClr val="black"/>
-                  </a:solidFill>
-                  <a:effectLst/>
-                  <a:uLnTx/>
-                  <a:uFillTx/>
-                  <a:latin typeface="Consolas"/>
-                  <a:ea typeface="微軟正黑體 Light"/>
-                  <a:cs typeface="+mn-cs"/>
-                </a:rPr>
-                <a:t>C++</a:t>
-              </a:r>
-              <a:r>
-                <a:rPr kumimoji="0" lang="zh-TW" altLang="en-US" sz="2000" b="0" i="0" u="none" strike="noStrike" kern="1200" cap="none" spc="0" normalizeH="0" baseline="0" noProof="0">
-                  <a:ln>
-                    <a:noFill/>
-                  </a:ln>
-                  <a:solidFill>
-                    <a:prstClr val="black"/>
-                  </a:solidFill>
-                  <a:effectLst/>
-                  <a:uLnTx/>
-                  <a:uFillTx/>
-                  <a:latin typeface="Consolas"/>
-                  <a:ea typeface="微軟正黑體 Light"/>
-                  <a:cs typeface="+mn-cs"/>
-                </a:rPr>
-                <a:t> 編寫</a:t>
-              </a:r>
-              <a:endParaRPr kumimoji="0" lang="en-US" altLang="zh-TW" sz="2000" b="0" i="0" u="none" strike="noStrike" kern="1200" cap="none" spc="0" normalizeH="0" baseline="0" noProof="0">
-                <a:ln>
-                  <a:noFill/>
-                </a:ln>
-                <a:solidFill>
-                  <a:prstClr val="black"/>
-                </a:solidFill>
-                <a:effectLst/>
-                <a:uLnTx/>
-                <a:uFillTx/>
-                <a:latin typeface="Consolas"/>
-                <a:ea typeface="微軟正黑體 Light"/>
-                <a:cs typeface="+mn-cs"/>
-              </a:endParaRPr>
-            </a:p>
-            <a:p>
-              <a:pPr marL="0" marR="0" lvl="0" indent="0" algn="l" defTabSz="914400" rtl="0" eaLnBrk="1" fontAlgn="auto" latinLnBrk="0" hangingPunct="1">
-                <a:lnSpc>
-                  <a:spcPct val="100000"/>
-                </a:lnSpc>
-                <a:spcBef>
-                  <a:spcPts val="0"/>
-                </a:spcBef>
-                <a:spcAft>
-                  <a:spcPts val="0"/>
-                </a:spcAft>
-                <a:buClrTx/>
-                <a:buSzTx/>
-                <a:buFontTx/>
-                <a:buNone/>
-                <a:tabLst/>
-                <a:defRPr/>
-              </a:pPr>
-              <a:r>
-                <a:rPr kumimoji="0" lang="zh-TW" altLang="en-US" sz="2000" b="0" i="0" u="none" strike="sngStrike" kern="1200" cap="none" spc="0" normalizeH="0" baseline="0" noProof="0">
-                  <a:ln>
-                    <a:noFill/>
-                  </a:ln>
-                  <a:solidFill>
-                    <a:srgbClr val="808080"/>
-                  </a:solidFill>
-                  <a:effectLst/>
-                  <a:uLnTx/>
-                  <a:uFillTx/>
-                  <a:latin typeface="Consolas"/>
-                  <a:ea typeface="微軟正黑體 Light"/>
-                  <a:cs typeface="+mn-cs"/>
-                </a:rPr>
-                <a:t>作者言論很火爆</a:t>
-              </a:r>
-              <a:endParaRPr kumimoji="0" lang="en-US" altLang="zh-TW" sz="2400" b="0" i="0" u="none" strike="sngStrike" kern="1200" cap="none" spc="0" normalizeH="0" baseline="0" noProof="0">
-                <a:ln>
-                  <a:noFill/>
-                </a:ln>
-                <a:solidFill>
-                  <a:srgbClr val="808080"/>
-                </a:solidFill>
-                <a:effectLst/>
-                <a:uLnTx/>
-                <a:uFillTx/>
-                <a:latin typeface="Consolas"/>
-                <a:ea typeface="微軟正黑體 Light"/>
-                <a:cs typeface="+mn-cs"/>
-              </a:endParaRPr>
-            </a:p>
-          </p:txBody>
-        </p:sp>
-        <p:pic>
-          <p:nvPicPr>
-            <p:cNvPr id="1026" name="Picture 2" descr="undefined">
-              <a:extLst>
-                <a:ext uri="{FF2B5EF4-FFF2-40B4-BE49-F238E27FC236}">
-                  <a16:creationId xmlns:a16="http://schemas.microsoft.com/office/drawing/2014/main" id="{6D3BF477-9005-433A-BE74-846AA07636E0}"/>
-                </a:ext>
-              </a:extLst>
-            </p:cNvPr>
-            <p:cNvPicPr>
-              <a:picLocks noChangeAspect="1" noChangeArrowheads="1"/>
-            </p:cNvPicPr>
-            <p:nvPr/>
-          </p:nvPicPr>
-          <p:blipFill>
-            <a:blip r:embed="rId3">
-              <a:extLst>
-                <a:ext uri="{28A0092B-C50C-407E-A947-70E740481C1C}">
-                  <a14:useLocalDpi xmlns:a14="http://schemas.microsoft.com/office/drawing/2010/main" val="0"/>
-                </a:ext>
-              </a:extLst>
-            </a:blip>
-            <a:srcRect/>
-            <a:stretch>
-              <a:fillRect/>
-            </a:stretch>
-          </p:blipFill>
-          <p:spPr bwMode="auto">
-            <a:xfrm>
-              <a:off x="980101" y="3532880"/>
-              <a:ext cx="1867135" cy="1423457"/>
-            </a:xfrm>
-            <a:prstGeom prst="rect">
-              <a:avLst/>
-            </a:prstGeom>
-            <a:noFill/>
-            <a:extLst>
-              <a:ext uri="{909E8E84-426E-40DD-AFC4-6F175D3DCCD1}">
-                <a14:hiddenFill xmlns:a14="http://schemas.microsoft.com/office/drawing/2010/main">
-                  <a:solidFill>
-                    <a:srgbClr val="FFFFFF"/>
-                  </a:solidFill>
-                </a14:hiddenFill>
-              </a:ext>
-            </a:extLst>
-          </p:spPr>
-        </p:pic>
-        <p:sp>
-          <p:nvSpPr>
-            <p:cNvPr id="87" name="手繪多邊形: 圖案 86">
-              <a:extLst>
-                <a:ext uri="{FF2B5EF4-FFF2-40B4-BE49-F238E27FC236}">
-                  <a16:creationId xmlns:a16="http://schemas.microsoft.com/office/drawing/2014/main" id="{87CE8732-8389-421C-BBF9-FBE8820B0C2D}"/>
+                  <a16:creationId xmlns:a16="http://schemas.microsoft.com/office/drawing/2014/main" id="{1904CA26-C839-401B-A6CD-2F1C0BBB03FF}"/>
                 </a:ext>
               </a:extLst>
             </p:cNvPr>
@@ -28253,193 +29096,16 @@
           </p:nvSpPr>
           <p:spPr>
             <a:xfrm>
-              <a:off x="852793" y="2817093"/>
-              <a:ext cx="2879446" cy="568797"/>
+              <a:off x="9996677" y="1646761"/>
+              <a:ext cx="787864" cy="197223"/>
             </a:xfrm>
-            <a:custGeom>
+            <a:prstGeom prst="roundRect">
               <a:avLst/>
-              <a:gdLst>
-                <a:gd name="connsiteX0" fmla="*/ 383043 w 2879446"/>
-                <a:gd name="connsiteY0" fmla="*/ 0 h 568797"/>
-                <a:gd name="connsiteX1" fmla="*/ 958313 w 2879446"/>
-                <a:gd name="connsiteY1" fmla="*/ 0 h 568797"/>
-                <a:gd name="connsiteX2" fmla="*/ 1921134 w 2879446"/>
-                <a:gd name="connsiteY2" fmla="*/ 0 h 568797"/>
-                <a:gd name="connsiteX3" fmla="*/ 2496404 w 2879446"/>
-                <a:gd name="connsiteY3" fmla="*/ 0 h 568797"/>
-                <a:gd name="connsiteX4" fmla="*/ 2496715 w 2879446"/>
-                <a:gd name="connsiteY4" fmla="*/ 39 h 568797"/>
-                <a:gd name="connsiteX5" fmla="*/ 2567986 w 2879446"/>
-                <a:gd name="connsiteY5" fmla="*/ 39 h 568797"/>
-                <a:gd name="connsiteX6" fmla="*/ 2879446 w 2879446"/>
-                <a:gd name="connsiteY6" fmla="*/ 366610 h 568797"/>
-                <a:gd name="connsiteX7" fmla="*/ 2879446 w 2879446"/>
-                <a:gd name="connsiteY7" fmla="*/ 476868 h 568797"/>
-                <a:gd name="connsiteX8" fmla="*/ 2879446 w 2879446"/>
-                <a:gd name="connsiteY8" fmla="*/ 477293 h 568797"/>
-                <a:gd name="connsiteX9" fmla="*/ 2879446 w 2879446"/>
-                <a:gd name="connsiteY9" fmla="*/ 477294 h 568797"/>
-                <a:gd name="connsiteX10" fmla="*/ 2879446 w 2879446"/>
-                <a:gd name="connsiteY10" fmla="*/ 497662 h 568797"/>
-                <a:gd name="connsiteX11" fmla="*/ 2879446 w 2879446"/>
-                <a:gd name="connsiteY11" fmla="*/ 568797 h 568797"/>
-                <a:gd name="connsiteX12" fmla="*/ 0 w 2879446"/>
-                <a:gd name="connsiteY12" fmla="*/ 568797 h 568797"/>
-                <a:gd name="connsiteX13" fmla="*/ 0 w 2879446"/>
-                <a:gd name="connsiteY13" fmla="*/ 498455 h 568797"/>
-                <a:gd name="connsiteX14" fmla="*/ 0 w 2879446"/>
-                <a:gd name="connsiteY14" fmla="*/ 477294 h 568797"/>
-                <a:gd name="connsiteX15" fmla="*/ 0 w 2879446"/>
-                <a:gd name="connsiteY15" fmla="*/ 477293 h 568797"/>
-                <a:gd name="connsiteX16" fmla="*/ 0 w 2879446"/>
-                <a:gd name="connsiteY16" fmla="*/ 476868 h 568797"/>
-                <a:gd name="connsiteX17" fmla="*/ 0 w 2879446"/>
-                <a:gd name="connsiteY17" fmla="*/ 367403 h 568797"/>
-                <a:gd name="connsiteX18" fmla="*/ 311460 w 2879446"/>
-                <a:gd name="connsiteY18" fmla="*/ 832 h 568797"/>
-                <a:gd name="connsiteX19" fmla="*/ 376414 w 2879446"/>
-                <a:gd name="connsiteY19" fmla="*/ 832 h 568797"/>
-              </a:gdLst>
-              <a:ahLst/>
-              <a:cxnLst>
-                <a:cxn ang="0">
-                  <a:pos x="connsiteX0" y="connsiteY0"/>
-                </a:cxn>
-                <a:cxn ang="0">
-                  <a:pos x="connsiteX1" y="connsiteY1"/>
-                </a:cxn>
-                <a:cxn ang="0">
-                  <a:pos x="connsiteX2" y="connsiteY2"/>
-                </a:cxn>
-                <a:cxn ang="0">
-                  <a:pos x="connsiteX3" y="connsiteY3"/>
-                </a:cxn>
-                <a:cxn ang="0">
-                  <a:pos x="connsiteX4" y="connsiteY4"/>
-                </a:cxn>
-                <a:cxn ang="0">
-                  <a:pos x="connsiteX5" y="connsiteY5"/>
-                </a:cxn>
-                <a:cxn ang="0">
-                  <a:pos x="connsiteX6" y="connsiteY6"/>
-                </a:cxn>
-                <a:cxn ang="0">
-                  <a:pos x="connsiteX7" y="connsiteY7"/>
-                </a:cxn>
-                <a:cxn ang="0">
-                  <a:pos x="connsiteX8" y="connsiteY8"/>
-                </a:cxn>
-                <a:cxn ang="0">
-                  <a:pos x="connsiteX9" y="connsiteY9"/>
-                </a:cxn>
-                <a:cxn ang="0">
-                  <a:pos x="connsiteX10" y="connsiteY10"/>
-                </a:cxn>
-                <a:cxn ang="0">
-                  <a:pos x="connsiteX11" y="connsiteY11"/>
-                </a:cxn>
-                <a:cxn ang="0">
-                  <a:pos x="connsiteX12" y="connsiteY12"/>
-                </a:cxn>
-                <a:cxn ang="0">
-                  <a:pos x="connsiteX13" y="connsiteY13"/>
-                </a:cxn>
-                <a:cxn ang="0">
-                  <a:pos x="connsiteX14" y="connsiteY14"/>
-                </a:cxn>
-                <a:cxn ang="0">
-                  <a:pos x="connsiteX15" y="connsiteY15"/>
-                </a:cxn>
-                <a:cxn ang="0">
-                  <a:pos x="connsiteX16" y="connsiteY16"/>
-                </a:cxn>
-                <a:cxn ang="0">
-                  <a:pos x="connsiteX17" y="connsiteY17"/>
-                </a:cxn>
-                <a:cxn ang="0">
-                  <a:pos x="connsiteX18" y="connsiteY18"/>
-                </a:cxn>
-                <a:cxn ang="0">
-                  <a:pos x="connsiteX19" y="connsiteY19"/>
-                </a:cxn>
-              </a:cxnLst>
-              <a:rect l="l" t="t" r="r" b="b"/>
-              <a:pathLst>
-                <a:path w="2879446" h="568797">
-                  <a:moveTo>
-                    <a:pt x="383043" y="0"/>
-                  </a:moveTo>
-                  <a:lnTo>
-                    <a:pt x="958313" y="0"/>
-                  </a:lnTo>
-                  <a:lnTo>
-                    <a:pt x="1921134" y="0"/>
-                  </a:lnTo>
-                  <a:lnTo>
-                    <a:pt x="2496404" y="0"/>
-                  </a:lnTo>
-                  <a:lnTo>
-                    <a:pt x="2496715" y="39"/>
-                  </a:lnTo>
-                  <a:lnTo>
-                    <a:pt x="2567986" y="39"/>
-                  </a:lnTo>
-                  <a:cubicBezTo>
-                    <a:pt x="2740001" y="39"/>
-                    <a:pt x="2879446" y="164159"/>
-                    <a:pt x="2879446" y="366610"/>
-                  </a:cubicBezTo>
-                  <a:lnTo>
-                    <a:pt x="2879446" y="476868"/>
-                  </a:lnTo>
-                  <a:lnTo>
-                    <a:pt x="2879446" y="477293"/>
-                  </a:lnTo>
-                  <a:lnTo>
-                    <a:pt x="2879446" y="477294"/>
-                  </a:lnTo>
-                  <a:lnTo>
-                    <a:pt x="2879446" y="497662"/>
-                  </a:lnTo>
-                  <a:lnTo>
-                    <a:pt x="2879446" y="568797"/>
-                  </a:lnTo>
-                  <a:lnTo>
-                    <a:pt x="0" y="568797"/>
-                  </a:lnTo>
-                  <a:lnTo>
-                    <a:pt x="0" y="498455"/>
-                  </a:lnTo>
-                  <a:lnTo>
-                    <a:pt x="0" y="477294"/>
-                  </a:lnTo>
-                  <a:lnTo>
-                    <a:pt x="0" y="477293"/>
-                  </a:lnTo>
-                  <a:lnTo>
-                    <a:pt x="0" y="476868"/>
-                  </a:lnTo>
-                  <a:lnTo>
-                    <a:pt x="0" y="367403"/>
-                  </a:lnTo>
-                  <a:cubicBezTo>
-                    <a:pt x="0" y="164952"/>
-                    <a:pt x="139445" y="832"/>
-                    <a:pt x="311460" y="832"/>
-                  </a:cubicBezTo>
-                  <a:lnTo>
-                    <a:pt x="376414" y="832"/>
-                  </a:lnTo>
-                  <a:close/>
-                </a:path>
-              </a:pathLst>
-            </a:custGeom>
-            <a:solidFill>
-              <a:srgbClr val="92D050"/>
-            </a:solidFill>
+            </a:prstGeom>
+            <a:noFill/>
             <a:ln w="28575">
               <a:solidFill>
-                <a:srgbClr val="00B050"/>
+                <a:srgbClr val="FF0000"/>
               </a:solidFill>
             </a:ln>
           </p:spPr>
@@ -28460,51 +29126,918 @@
             </a:fontRef>
           </p:style>
           <p:txBody>
-            <a:bodyPr wrap="square" rtlCol="0" anchor="ctr">
-              <a:noAutofit/>
-            </a:bodyPr>
+            <a:bodyPr rtlCol="0" anchor="ctr"/>
             <a:lstStyle/>
             <a:p>
-              <a:pPr marL="0" marR="0" lvl="0" indent="0" algn="ctr" defTabSz="914400" rtl="0" eaLnBrk="1" fontAlgn="auto" latinLnBrk="0" hangingPunct="1">
-                <a:lnSpc>
-                  <a:spcPct val="100000"/>
-                </a:lnSpc>
-                <a:spcBef>
-                  <a:spcPts val="0"/>
-                </a:spcBef>
-                <a:spcAft>
-                  <a:spcPts val="0"/>
-                </a:spcAft>
-                <a:buClrTx/>
-                <a:buSzTx/>
-                <a:buFontTx/>
-                <a:buNone/>
-                <a:tabLst/>
-                <a:defRPr/>
-              </a:pPr>
-              <a:endParaRPr kumimoji="0" lang="zh-TW" altLang="en-US" sz="1800" b="0" i="0" u="none" strike="noStrike" kern="1200" cap="none" spc="0" normalizeH="0" baseline="0" noProof="0">
-                <a:ln>
-                  <a:noFill/>
-                </a:ln>
-                <a:solidFill>
-                  <a:prstClr val="white"/>
-                </a:solidFill>
-                <a:effectLst/>
-                <a:uLnTx/>
-                <a:uFillTx/>
-                <a:latin typeface="Consolas"/>
-                <a:ea typeface="微軟正黑體 Light"/>
-                <a:cs typeface="+mn-cs"/>
-              </a:endParaRPr>
+              <a:pPr algn="ctr"/>
+              <a:endParaRPr lang="zh-TW" altLang="en-US"/>
             </a:p>
           </p:txBody>
         </p:sp>
         <p:sp>
           <p:nvSpPr>
-            <p:cNvPr id="25" name="文字方塊 24">
+            <p:cNvPr id="23" name="矩形: 圓角 22">
               <a:extLst>
                 <a:ext uri="{FF2B5EF4-FFF2-40B4-BE49-F238E27FC236}">
-                  <a16:creationId xmlns:a16="http://schemas.microsoft.com/office/drawing/2014/main" id="{0F4D5B10-6017-4D5C-B794-9BA4DFCA78F5}"/>
+                  <a16:creationId xmlns:a16="http://schemas.microsoft.com/office/drawing/2014/main" id="{313D98DE-2E23-4A73-A29B-8746C8DAFE96}"/>
+                </a:ext>
+              </a:extLst>
+            </p:cNvPr>
+            <p:cNvSpPr/>
+            <p:nvPr/>
+          </p:nvSpPr>
+          <p:spPr>
+            <a:xfrm>
+              <a:off x="1147482" y="1735512"/>
+              <a:ext cx="1183342" cy="209829"/>
+            </a:xfrm>
+            <a:prstGeom prst="roundRect">
+              <a:avLst/>
+            </a:prstGeom>
+            <a:noFill/>
+            <a:ln w="28575">
+              <a:solidFill>
+                <a:srgbClr val="FF0000"/>
+              </a:solidFill>
+            </a:ln>
+          </p:spPr>
+          <p:style>
+            <a:lnRef idx="2">
+              <a:schemeClr val="accent1">
+                <a:shade val="50000"/>
+              </a:schemeClr>
+            </a:lnRef>
+            <a:fillRef idx="1">
+              <a:schemeClr val="accent1"/>
+            </a:fillRef>
+            <a:effectRef idx="0">
+              <a:schemeClr val="accent1"/>
+            </a:effectRef>
+            <a:fontRef idx="minor">
+              <a:schemeClr val="lt1"/>
+            </a:fontRef>
+          </p:style>
+          <p:txBody>
+            <a:bodyPr rtlCol="0" anchor="ctr"/>
+            <a:lstStyle/>
+            <a:p>
+              <a:pPr algn="ctr"/>
+              <a:endParaRPr lang="zh-TW" altLang="en-US"/>
+            </a:p>
+          </p:txBody>
+        </p:sp>
+        <p:sp>
+          <p:nvSpPr>
+            <p:cNvPr id="24" name="矩形: 圓角 23">
+              <a:extLst>
+                <a:ext uri="{FF2B5EF4-FFF2-40B4-BE49-F238E27FC236}">
+                  <a16:creationId xmlns:a16="http://schemas.microsoft.com/office/drawing/2014/main" id="{D38C031E-2B45-471F-8234-1886908296D3}"/>
+                </a:ext>
+              </a:extLst>
+            </p:cNvPr>
+            <p:cNvSpPr/>
+            <p:nvPr/>
+          </p:nvSpPr>
+          <p:spPr>
+            <a:xfrm>
+              <a:off x="1606549" y="2929783"/>
+              <a:ext cx="740949" cy="209829"/>
+            </a:xfrm>
+            <a:prstGeom prst="roundRect">
+              <a:avLst/>
+            </a:prstGeom>
+            <a:noFill/>
+            <a:ln w="28575">
+              <a:solidFill>
+                <a:srgbClr val="FF0000"/>
+              </a:solidFill>
+            </a:ln>
+          </p:spPr>
+          <p:style>
+            <a:lnRef idx="2">
+              <a:schemeClr val="accent1">
+                <a:shade val="50000"/>
+              </a:schemeClr>
+            </a:lnRef>
+            <a:fillRef idx="1">
+              <a:schemeClr val="accent1"/>
+            </a:fillRef>
+            <a:effectRef idx="0">
+              <a:schemeClr val="accent1"/>
+            </a:effectRef>
+            <a:fontRef idx="minor">
+              <a:schemeClr val="lt1"/>
+            </a:fontRef>
+          </p:style>
+          <p:txBody>
+            <a:bodyPr rtlCol="0" anchor="ctr"/>
+            <a:lstStyle/>
+            <a:p>
+              <a:pPr algn="ctr"/>
+              <a:endParaRPr lang="zh-TW" altLang="en-US"/>
+            </a:p>
+          </p:txBody>
+        </p:sp>
+        <p:sp>
+          <p:nvSpPr>
+            <p:cNvPr id="33" name="矩形: 圓角 32">
+              <a:extLst>
+                <a:ext uri="{FF2B5EF4-FFF2-40B4-BE49-F238E27FC236}">
+                  <a16:creationId xmlns:a16="http://schemas.microsoft.com/office/drawing/2014/main" id="{482E6613-5721-476A-B697-648B56AE44C1}"/>
+                </a:ext>
+              </a:extLst>
+            </p:cNvPr>
+            <p:cNvSpPr/>
+            <p:nvPr/>
+          </p:nvSpPr>
+          <p:spPr>
+            <a:xfrm>
+              <a:off x="1720850" y="4143104"/>
+              <a:ext cx="626648" cy="209829"/>
+            </a:xfrm>
+            <a:prstGeom prst="roundRect">
+              <a:avLst/>
+            </a:prstGeom>
+            <a:noFill/>
+            <a:ln w="28575">
+              <a:solidFill>
+                <a:srgbClr val="FF0000"/>
+              </a:solidFill>
+            </a:ln>
+          </p:spPr>
+          <p:style>
+            <a:lnRef idx="2">
+              <a:schemeClr val="accent1">
+                <a:shade val="50000"/>
+              </a:schemeClr>
+            </a:lnRef>
+            <a:fillRef idx="1">
+              <a:schemeClr val="accent1"/>
+            </a:fillRef>
+            <a:effectRef idx="0">
+              <a:schemeClr val="accent1"/>
+            </a:effectRef>
+            <a:fontRef idx="minor">
+              <a:schemeClr val="lt1"/>
+            </a:fontRef>
+          </p:style>
+          <p:txBody>
+            <a:bodyPr rtlCol="0" anchor="ctr"/>
+            <a:lstStyle/>
+            <a:p>
+              <a:pPr algn="ctr"/>
+              <a:endParaRPr lang="zh-TW" altLang="en-US"/>
+            </a:p>
+          </p:txBody>
+        </p:sp>
+        <p:sp>
+          <p:nvSpPr>
+            <p:cNvPr id="34" name="矩形: 圓角 33">
+              <a:extLst>
+                <a:ext uri="{FF2B5EF4-FFF2-40B4-BE49-F238E27FC236}">
+                  <a16:creationId xmlns:a16="http://schemas.microsoft.com/office/drawing/2014/main" id="{A4D20F6F-E1B5-486B-A14C-631A4BB554B5}"/>
+                </a:ext>
+              </a:extLst>
+            </p:cNvPr>
+            <p:cNvSpPr/>
+            <p:nvPr/>
+          </p:nvSpPr>
+          <p:spPr>
+            <a:xfrm>
+              <a:off x="506637" y="4535044"/>
+              <a:ext cx="1824188" cy="209829"/>
+            </a:xfrm>
+            <a:prstGeom prst="roundRect">
+              <a:avLst/>
+            </a:prstGeom>
+            <a:noFill/>
+            <a:ln w="28575">
+              <a:solidFill>
+                <a:srgbClr val="FF0000"/>
+              </a:solidFill>
+            </a:ln>
+          </p:spPr>
+          <p:style>
+            <a:lnRef idx="2">
+              <a:schemeClr val="accent1">
+                <a:shade val="50000"/>
+              </a:schemeClr>
+            </a:lnRef>
+            <a:fillRef idx="1">
+              <a:schemeClr val="accent1"/>
+            </a:fillRef>
+            <a:effectRef idx="0">
+              <a:schemeClr val="accent1"/>
+            </a:effectRef>
+            <a:fontRef idx="minor">
+              <a:schemeClr val="lt1"/>
+            </a:fontRef>
+          </p:style>
+          <p:txBody>
+            <a:bodyPr rtlCol="0" anchor="ctr"/>
+            <a:lstStyle/>
+            <a:p>
+              <a:pPr algn="ctr"/>
+              <a:endParaRPr lang="zh-TW" altLang="en-US"/>
+            </a:p>
+          </p:txBody>
+        </p:sp>
+        <p:sp>
+          <p:nvSpPr>
+            <p:cNvPr id="36" name="矩形: 圓角 35">
+              <a:extLst>
+                <a:ext uri="{FF2B5EF4-FFF2-40B4-BE49-F238E27FC236}">
+                  <a16:creationId xmlns:a16="http://schemas.microsoft.com/office/drawing/2014/main" id="{F843B7E9-38AF-4B4C-B953-2E606D644D75}"/>
+                </a:ext>
+              </a:extLst>
+            </p:cNvPr>
+            <p:cNvSpPr/>
+            <p:nvPr/>
+          </p:nvSpPr>
+          <p:spPr>
+            <a:xfrm>
+              <a:off x="1562100" y="2535517"/>
+              <a:ext cx="785398" cy="209829"/>
+            </a:xfrm>
+            <a:prstGeom prst="roundRect">
+              <a:avLst/>
+            </a:prstGeom>
+            <a:noFill/>
+            <a:ln w="28575">
+              <a:solidFill>
+                <a:srgbClr val="FF0000"/>
+              </a:solidFill>
+            </a:ln>
+          </p:spPr>
+          <p:style>
+            <a:lnRef idx="2">
+              <a:schemeClr val="accent1">
+                <a:shade val="50000"/>
+              </a:schemeClr>
+            </a:lnRef>
+            <a:fillRef idx="1">
+              <a:schemeClr val="accent1"/>
+            </a:fillRef>
+            <a:effectRef idx="0">
+              <a:schemeClr val="accent1"/>
+            </a:effectRef>
+            <a:fontRef idx="minor">
+              <a:schemeClr val="lt1"/>
+            </a:fontRef>
+          </p:style>
+          <p:txBody>
+            <a:bodyPr rtlCol="0" anchor="ctr"/>
+            <a:lstStyle/>
+            <a:p>
+              <a:pPr algn="ctr"/>
+              <a:endParaRPr lang="zh-TW" altLang="en-US"/>
+            </a:p>
+          </p:txBody>
+        </p:sp>
+        <p:sp>
+          <p:nvSpPr>
+            <p:cNvPr id="37" name="矩形: 圓角 36">
+              <a:extLst>
+                <a:ext uri="{FF2B5EF4-FFF2-40B4-BE49-F238E27FC236}">
+                  <a16:creationId xmlns:a16="http://schemas.microsoft.com/office/drawing/2014/main" id="{8E2934CD-C423-448C-90F4-B386987585EF}"/>
+                </a:ext>
+              </a:extLst>
+            </p:cNvPr>
+            <p:cNvSpPr/>
+            <p:nvPr/>
+          </p:nvSpPr>
+          <p:spPr>
+            <a:xfrm>
+              <a:off x="1504950" y="2124817"/>
+              <a:ext cx="842548" cy="209829"/>
+            </a:xfrm>
+            <a:prstGeom prst="roundRect">
+              <a:avLst/>
+            </a:prstGeom>
+            <a:noFill/>
+            <a:ln w="28575">
+              <a:solidFill>
+                <a:srgbClr val="FF0000"/>
+              </a:solidFill>
+            </a:ln>
+          </p:spPr>
+          <p:style>
+            <a:lnRef idx="2">
+              <a:schemeClr val="accent1">
+                <a:shade val="50000"/>
+              </a:schemeClr>
+            </a:lnRef>
+            <a:fillRef idx="1">
+              <a:schemeClr val="accent1"/>
+            </a:fillRef>
+            <a:effectRef idx="0">
+              <a:schemeClr val="accent1"/>
+            </a:effectRef>
+            <a:fontRef idx="minor">
+              <a:schemeClr val="lt1"/>
+            </a:fontRef>
+          </p:style>
+          <p:txBody>
+            <a:bodyPr rtlCol="0" anchor="ctr"/>
+            <a:lstStyle/>
+            <a:p>
+              <a:pPr algn="ctr"/>
+              <a:endParaRPr lang="zh-TW" altLang="en-US"/>
+            </a:p>
+          </p:txBody>
+        </p:sp>
+        <p:sp>
+          <p:nvSpPr>
+            <p:cNvPr id="38" name="矩形: 圓角 37">
+              <a:extLst>
+                <a:ext uri="{FF2B5EF4-FFF2-40B4-BE49-F238E27FC236}">
+                  <a16:creationId xmlns:a16="http://schemas.microsoft.com/office/drawing/2014/main" id="{46600370-DD7E-4973-B391-6F42ED54412A}"/>
+                </a:ext>
+              </a:extLst>
+            </p:cNvPr>
+            <p:cNvSpPr/>
+            <p:nvPr/>
+          </p:nvSpPr>
+          <p:spPr>
+            <a:xfrm>
+              <a:off x="7589520" y="1614643"/>
+              <a:ext cx="429628" cy="209829"/>
+            </a:xfrm>
+            <a:prstGeom prst="roundRect">
+              <a:avLst/>
+            </a:prstGeom>
+            <a:noFill/>
+            <a:ln w="28575">
+              <a:solidFill>
+                <a:srgbClr val="FF0000"/>
+              </a:solidFill>
+            </a:ln>
+          </p:spPr>
+          <p:style>
+            <a:lnRef idx="2">
+              <a:schemeClr val="accent1">
+                <a:shade val="50000"/>
+              </a:schemeClr>
+            </a:lnRef>
+            <a:fillRef idx="1">
+              <a:schemeClr val="accent1"/>
+            </a:fillRef>
+            <a:effectRef idx="0">
+              <a:schemeClr val="accent1"/>
+            </a:effectRef>
+            <a:fontRef idx="minor">
+              <a:schemeClr val="lt1"/>
+            </a:fontRef>
+          </p:style>
+          <p:txBody>
+            <a:bodyPr rtlCol="0" anchor="ctr"/>
+            <a:lstStyle/>
+            <a:p>
+              <a:pPr algn="ctr"/>
+              <a:endParaRPr lang="zh-TW" altLang="en-US"/>
+            </a:p>
+          </p:txBody>
+        </p:sp>
+        <p:cxnSp>
+          <p:nvCxnSpPr>
+            <p:cNvPr id="41" name="直線接點 40">
+              <a:extLst>
+                <a:ext uri="{FF2B5EF4-FFF2-40B4-BE49-F238E27FC236}">
+                  <a16:creationId xmlns:a16="http://schemas.microsoft.com/office/drawing/2014/main" id="{20C27844-2668-466F-AB45-F2144A92759C}"/>
+                </a:ext>
+              </a:extLst>
+            </p:cNvPr>
+            <p:cNvCxnSpPr>
+              <a:cxnSpLocks/>
+            </p:cNvCxnSpPr>
+            <p:nvPr/>
+          </p:nvCxnSpPr>
+          <p:spPr>
+            <a:xfrm flipH="1">
+              <a:off x="617390" y="4248018"/>
+              <a:ext cx="989159" cy="0"/>
+            </a:xfrm>
+            <a:prstGeom prst="line">
+              <a:avLst/>
+            </a:prstGeom>
+            <a:ln w="38100">
+              <a:solidFill>
+                <a:srgbClr val="00B0F0"/>
+              </a:solidFill>
+              <a:headEnd type="triangle" w="med" len="med"/>
+              <a:tailEnd type="none" w="med" len="med"/>
+            </a:ln>
+          </p:spPr>
+          <p:style>
+            <a:lnRef idx="1">
+              <a:schemeClr val="accent1"/>
+            </a:lnRef>
+            <a:fillRef idx="0">
+              <a:schemeClr val="accent1"/>
+            </a:fillRef>
+            <a:effectRef idx="0">
+              <a:schemeClr val="accent1"/>
+            </a:effectRef>
+            <a:fontRef idx="minor">
+              <a:schemeClr val="tx1"/>
+            </a:fontRef>
+          </p:style>
+        </p:cxnSp>
+        <p:cxnSp>
+          <p:nvCxnSpPr>
+            <p:cNvPr id="42" name="直線接點 41">
+              <a:extLst>
+                <a:ext uri="{FF2B5EF4-FFF2-40B4-BE49-F238E27FC236}">
+                  <a16:creationId xmlns:a16="http://schemas.microsoft.com/office/drawing/2014/main" id="{9AA2389D-7B2F-430A-AF2B-260D231EEE65}"/>
+                </a:ext>
+              </a:extLst>
+            </p:cNvPr>
+            <p:cNvCxnSpPr>
+              <a:cxnSpLocks/>
+            </p:cNvCxnSpPr>
+            <p:nvPr/>
+          </p:nvCxnSpPr>
+          <p:spPr>
+            <a:xfrm flipV="1">
+              <a:off x="635861" y="2430780"/>
+              <a:ext cx="0" cy="1817238"/>
+            </a:xfrm>
+            <a:prstGeom prst="line">
+              <a:avLst/>
+            </a:prstGeom>
+            <a:ln w="38100">
+              <a:solidFill>
+                <a:srgbClr val="00B0F0"/>
+              </a:solidFill>
+            </a:ln>
+          </p:spPr>
+          <p:style>
+            <a:lnRef idx="1">
+              <a:schemeClr val="accent1"/>
+            </a:lnRef>
+            <a:fillRef idx="0">
+              <a:schemeClr val="accent1"/>
+            </a:fillRef>
+            <a:effectRef idx="0">
+              <a:schemeClr val="accent1"/>
+            </a:effectRef>
+            <a:fontRef idx="minor">
+              <a:schemeClr val="tx1"/>
+            </a:fontRef>
+          </p:style>
+        </p:cxnSp>
+        <p:cxnSp>
+          <p:nvCxnSpPr>
+            <p:cNvPr id="43" name="直線單箭頭接點 42">
+              <a:extLst>
+                <a:ext uri="{FF2B5EF4-FFF2-40B4-BE49-F238E27FC236}">
+                  <a16:creationId xmlns:a16="http://schemas.microsoft.com/office/drawing/2014/main" id="{CFFF25C4-6A38-4029-8532-CD55B95E3EB5}"/>
+                </a:ext>
+              </a:extLst>
+            </p:cNvPr>
+            <p:cNvCxnSpPr>
+              <a:cxnSpLocks/>
+            </p:cNvCxnSpPr>
+            <p:nvPr/>
+          </p:nvCxnSpPr>
+          <p:spPr>
+            <a:xfrm>
+              <a:off x="617389" y="2640431"/>
+              <a:ext cx="887561" cy="0"/>
+            </a:xfrm>
+            <a:prstGeom prst="straightConnector1">
+              <a:avLst/>
+            </a:prstGeom>
+            <a:ln w="38100">
+              <a:solidFill>
+                <a:srgbClr val="00B0F0"/>
+              </a:solidFill>
+              <a:headEnd type="none" w="med" len="med"/>
+              <a:tailEnd type="none" w="med" len="med"/>
+            </a:ln>
+          </p:spPr>
+          <p:style>
+            <a:lnRef idx="1">
+              <a:schemeClr val="accent1"/>
+            </a:lnRef>
+            <a:fillRef idx="0">
+              <a:schemeClr val="accent1"/>
+            </a:fillRef>
+            <a:effectRef idx="0">
+              <a:schemeClr val="accent1"/>
+            </a:effectRef>
+            <a:fontRef idx="minor">
+              <a:schemeClr val="tx1"/>
+            </a:fontRef>
+          </p:style>
+        </p:cxnSp>
+        <p:cxnSp>
+          <p:nvCxnSpPr>
+            <p:cNvPr id="50" name="直線接點 49">
+              <a:extLst>
+                <a:ext uri="{FF2B5EF4-FFF2-40B4-BE49-F238E27FC236}">
+                  <a16:creationId xmlns:a16="http://schemas.microsoft.com/office/drawing/2014/main" id="{5DAF21C8-AC6C-4ABB-A3CE-3A65EC5EEBD2}"/>
+                </a:ext>
+              </a:extLst>
+            </p:cNvPr>
+            <p:cNvCxnSpPr>
+              <a:cxnSpLocks/>
+            </p:cNvCxnSpPr>
+            <p:nvPr/>
+          </p:nvCxnSpPr>
+          <p:spPr>
+            <a:xfrm flipH="1">
+              <a:off x="6894204" y="2676291"/>
+              <a:ext cx="485618" cy="0"/>
+            </a:xfrm>
+            <a:prstGeom prst="line">
+              <a:avLst/>
+            </a:prstGeom>
+            <a:ln w="38100">
+              <a:solidFill>
+                <a:srgbClr val="00B0F0"/>
+              </a:solidFill>
+              <a:headEnd type="triangle" w="med" len="med"/>
+              <a:tailEnd type="none" w="med" len="med"/>
+            </a:ln>
+          </p:spPr>
+          <p:style>
+            <a:lnRef idx="1">
+              <a:schemeClr val="accent1"/>
+            </a:lnRef>
+            <a:fillRef idx="0">
+              <a:schemeClr val="accent1"/>
+            </a:fillRef>
+            <a:effectRef idx="0">
+              <a:schemeClr val="accent1"/>
+            </a:effectRef>
+            <a:fontRef idx="minor">
+              <a:schemeClr val="tx1"/>
+            </a:fontRef>
+          </p:style>
+        </p:cxnSp>
+        <p:cxnSp>
+          <p:nvCxnSpPr>
+            <p:cNvPr id="51" name="直線接點 50">
+              <a:extLst>
+                <a:ext uri="{FF2B5EF4-FFF2-40B4-BE49-F238E27FC236}">
+                  <a16:creationId xmlns:a16="http://schemas.microsoft.com/office/drawing/2014/main" id="{8A4EE1A5-1D45-479D-9C75-5955F3056005}"/>
+                </a:ext>
+              </a:extLst>
+            </p:cNvPr>
+            <p:cNvCxnSpPr>
+              <a:cxnSpLocks/>
+            </p:cNvCxnSpPr>
+            <p:nvPr/>
+          </p:nvCxnSpPr>
+          <p:spPr>
+            <a:xfrm flipH="1">
+              <a:off x="6894204" y="2989872"/>
+              <a:ext cx="485617" cy="0"/>
+            </a:xfrm>
+            <a:prstGeom prst="line">
+              <a:avLst/>
+            </a:prstGeom>
+            <a:ln w="38100">
+              <a:solidFill>
+                <a:srgbClr val="00B0F0"/>
+              </a:solidFill>
+              <a:headEnd type="triangle" w="med" len="med"/>
+              <a:tailEnd type="none" w="med" len="med"/>
+            </a:ln>
+          </p:spPr>
+          <p:style>
+            <a:lnRef idx="1">
+              <a:schemeClr val="accent1"/>
+            </a:lnRef>
+            <a:fillRef idx="0">
+              <a:schemeClr val="accent1"/>
+            </a:fillRef>
+            <a:effectRef idx="0">
+              <a:schemeClr val="accent1"/>
+            </a:effectRef>
+            <a:fontRef idx="minor">
+              <a:schemeClr val="tx1"/>
+            </a:fontRef>
+          </p:style>
+        </p:cxnSp>
+        <p:cxnSp>
+          <p:nvCxnSpPr>
+            <p:cNvPr id="52" name="直線接點 51">
+              <a:extLst>
+                <a:ext uri="{FF2B5EF4-FFF2-40B4-BE49-F238E27FC236}">
+                  <a16:creationId xmlns:a16="http://schemas.microsoft.com/office/drawing/2014/main" id="{C7B5723D-6969-41C4-BB52-44D1B959DE8F}"/>
+                </a:ext>
+              </a:extLst>
+            </p:cNvPr>
+            <p:cNvCxnSpPr>
+              <a:cxnSpLocks/>
+            </p:cNvCxnSpPr>
+            <p:nvPr/>
+          </p:nvCxnSpPr>
+          <p:spPr>
+            <a:xfrm flipH="1">
+              <a:off x="6894204" y="4297468"/>
+              <a:ext cx="700771" cy="0"/>
+            </a:xfrm>
+            <a:prstGeom prst="line">
+              <a:avLst/>
+            </a:prstGeom>
+            <a:ln w="38100">
+              <a:solidFill>
+                <a:srgbClr val="00B0F0"/>
+              </a:solidFill>
+              <a:headEnd type="triangle" w="med" len="med"/>
+              <a:tailEnd type="none" w="med" len="med"/>
+            </a:ln>
+          </p:spPr>
+          <p:style>
+            <a:lnRef idx="1">
+              <a:schemeClr val="accent1"/>
+            </a:lnRef>
+            <a:fillRef idx="0">
+              <a:schemeClr val="accent1"/>
+            </a:fillRef>
+            <a:effectRef idx="0">
+              <a:schemeClr val="accent1"/>
+            </a:effectRef>
+            <a:fontRef idx="minor">
+              <a:schemeClr val="tx1"/>
+            </a:fontRef>
+          </p:style>
+        </p:cxnSp>
+        <p:cxnSp>
+          <p:nvCxnSpPr>
+            <p:cNvPr id="54" name="直線接點 53">
+              <a:extLst>
+                <a:ext uri="{FF2B5EF4-FFF2-40B4-BE49-F238E27FC236}">
+                  <a16:creationId xmlns:a16="http://schemas.microsoft.com/office/drawing/2014/main" id="{44FC525D-269A-425E-AF71-F3B920FA3758}"/>
+                </a:ext>
+              </a:extLst>
+            </p:cNvPr>
+            <p:cNvCxnSpPr>
+              <a:cxnSpLocks/>
+            </p:cNvCxnSpPr>
+            <p:nvPr/>
+          </p:nvCxnSpPr>
+          <p:spPr>
+            <a:xfrm flipV="1">
+              <a:off x="6894204" y="2430781"/>
+              <a:ext cx="0" cy="3145984"/>
+            </a:xfrm>
+            <a:prstGeom prst="line">
+              <a:avLst/>
+            </a:prstGeom>
+            <a:ln w="38100">
+              <a:solidFill>
+                <a:srgbClr val="00B0F0"/>
+              </a:solidFill>
+            </a:ln>
+          </p:spPr>
+          <p:style>
+            <a:lnRef idx="1">
+              <a:schemeClr val="accent1"/>
+            </a:lnRef>
+            <a:fillRef idx="0">
+              <a:schemeClr val="accent1"/>
+            </a:fillRef>
+            <a:effectRef idx="0">
+              <a:schemeClr val="accent1"/>
+            </a:effectRef>
+            <a:fontRef idx="minor">
+              <a:schemeClr val="tx1"/>
+            </a:fontRef>
+          </p:style>
+        </p:cxnSp>
+        <p:cxnSp>
+          <p:nvCxnSpPr>
+            <p:cNvPr id="68" name="直線單箭頭接點 67">
+              <a:extLst>
+                <a:ext uri="{FF2B5EF4-FFF2-40B4-BE49-F238E27FC236}">
+                  <a16:creationId xmlns:a16="http://schemas.microsoft.com/office/drawing/2014/main" id="{7DEB538E-955C-488B-9A9E-44979DB6030A}"/>
+                </a:ext>
+              </a:extLst>
+            </p:cNvPr>
+            <p:cNvCxnSpPr>
+              <a:cxnSpLocks/>
+            </p:cNvCxnSpPr>
+            <p:nvPr/>
+          </p:nvCxnSpPr>
+          <p:spPr>
+            <a:xfrm>
+              <a:off x="617389" y="2444077"/>
+              <a:ext cx="6284435" cy="0"/>
+            </a:xfrm>
+            <a:prstGeom prst="straightConnector1">
+              <a:avLst/>
+            </a:prstGeom>
+            <a:ln w="38100">
+              <a:solidFill>
+                <a:srgbClr val="00B0F0"/>
+              </a:solidFill>
+              <a:headEnd type="none" w="med" len="med"/>
+              <a:tailEnd type="none" w="med" len="med"/>
+            </a:ln>
+          </p:spPr>
+          <p:style>
+            <a:lnRef idx="1">
+              <a:schemeClr val="accent1"/>
+            </a:lnRef>
+            <a:fillRef idx="0">
+              <a:schemeClr val="accent1"/>
+            </a:fillRef>
+            <a:effectRef idx="0">
+              <a:schemeClr val="accent1"/>
+            </a:effectRef>
+            <a:fontRef idx="minor">
+              <a:schemeClr val="tx1"/>
+            </a:fontRef>
+          </p:style>
+        </p:cxnSp>
+        <p:cxnSp>
+          <p:nvCxnSpPr>
+            <p:cNvPr id="72" name="直線接點 71">
+              <a:extLst>
+                <a:ext uri="{FF2B5EF4-FFF2-40B4-BE49-F238E27FC236}">
+                  <a16:creationId xmlns:a16="http://schemas.microsoft.com/office/drawing/2014/main" id="{A40BFA4B-2FAE-4380-8AF7-1F4AF51F2C72}"/>
+                </a:ext>
+              </a:extLst>
+            </p:cNvPr>
+            <p:cNvCxnSpPr>
+              <a:cxnSpLocks/>
+            </p:cNvCxnSpPr>
+            <p:nvPr/>
+          </p:nvCxnSpPr>
+          <p:spPr>
+            <a:xfrm flipH="1">
+              <a:off x="6874669" y="5576765"/>
+              <a:ext cx="722688" cy="0"/>
+            </a:xfrm>
+            <a:prstGeom prst="line">
+              <a:avLst/>
+            </a:prstGeom>
+            <a:ln w="38100">
+              <a:solidFill>
+                <a:srgbClr val="00B0F0"/>
+              </a:solidFill>
+              <a:headEnd type="triangle" w="med" len="med"/>
+              <a:tailEnd type="none" w="med" len="med"/>
+            </a:ln>
+          </p:spPr>
+          <p:style>
+            <a:lnRef idx="1">
+              <a:schemeClr val="accent1"/>
+            </a:lnRef>
+            <a:fillRef idx="0">
+              <a:schemeClr val="accent1"/>
+            </a:fillRef>
+            <a:effectRef idx="0">
+              <a:schemeClr val="accent1"/>
+            </a:effectRef>
+            <a:fontRef idx="minor">
+              <a:schemeClr val="tx1"/>
+            </a:fontRef>
+          </p:style>
+        </p:cxnSp>
+        <p:cxnSp>
+          <p:nvCxnSpPr>
+            <p:cNvPr id="80" name="直線接點 79">
+              <a:extLst>
+                <a:ext uri="{FF2B5EF4-FFF2-40B4-BE49-F238E27FC236}">
+                  <a16:creationId xmlns:a16="http://schemas.microsoft.com/office/drawing/2014/main" id="{D0DA59F0-C904-4E46-987D-E21154F819A0}"/>
+                </a:ext>
+              </a:extLst>
+            </p:cNvPr>
+            <p:cNvCxnSpPr>
+              <a:cxnSpLocks/>
+            </p:cNvCxnSpPr>
+            <p:nvPr/>
+          </p:nvCxnSpPr>
+          <p:spPr>
+            <a:xfrm flipH="1">
+              <a:off x="6894204" y="4115549"/>
+              <a:ext cx="3300537" cy="0"/>
+            </a:xfrm>
+            <a:prstGeom prst="line">
+              <a:avLst/>
+            </a:prstGeom>
+            <a:ln w="38100">
+              <a:solidFill>
+                <a:srgbClr val="00B0F0"/>
+              </a:solidFill>
+              <a:headEnd type="triangle" w="med" len="med"/>
+              <a:tailEnd type="none" w="med" len="med"/>
+            </a:ln>
+          </p:spPr>
+          <p:style>
+            <a:lnRef idx="1">
+              <a:schemeClr val="accent1"/>
+            </a:lnRef>
+            <a:fillRef idx="0">
+              <a:schemeClr val="accent1"/>
+            </a:fillRef>
+            <a:effectRef idx="0">
+              <a:schemeClr val="accent1"/>
+            </a:effectRef>
+            <a:fontRef idx="minor">
+              <a:schemeClr val="tx1"/>
+            </a:fontRef>
+          </p:style>
+        </p:cxnSp>
+        <p:cxnSp>
+          <p:nvCxnSpPr>
+            <p:cNvPr id="81" name="直線接點 80">
+              <a:extLst>
+                <a:ext uri="{FF2B5EF4-FFF2-40B4-BE49-F238E27FC236}">
+                  <a16:creationId xmlns:a16="http://schemas.microsoft.com/office/drawing/2014/main" id="{70BB80D0-941D-4E27-9BFF-DE055D8C9D47}"/>
+                </a:ext>
+              </a:extLst>
+            </p:cNvPr>
+            <p:cNvCxnSpPr>
+              <a:cxnSpLocks/>
+            </p:cNvCxnSpPr>
+            <p:nvPr/>
+          </p:nvCxnSpPr>
+          <p:spPr>
+            <a:xfrm flipH="1">
+              <a:off x="9718088" y="2718451"/>
+              <a:ext cx="700771" cy="0"/>
+            </a:xfrm>
+            <a:prstGeom prst="line">
+              <a:avLst/>
+            </a:prstGeom>
+            <a:ln w="38100">
+              <a:solidFill>
+                <a:srgbClr val="92D050"/>
+              </a:solidFill>
+              <a:headEnd type="triangle" w="med" len="med"/>
+              <a:tailEnd type="none" w="med" len="med"/>
+            </a:ln>
+          </p:spPr>
+          <p:style>
+            <a:lnRef idx="1">
+              <a:schemeClr val="accent1"/>
+            </a:lnRef>
+            <a:fillRef idx="0">
+              <a:schemeClr val="accent1"/>
+            </a:fillRef>
+            <a:effectRef idx="0">
+              <a:schemeClr val="accent1"/>
+            </a:effectRef>
+            <a:fontRef idx="minor">
+              <a:schemeClr val="tx1"/>
+            </a:fontRef>
+          </p:style>
+        </p:cxnSp>
+        <p:cxnSp>
+          <p:nvCxnSpPr>
+            <p:cNvPr id="82" name="直線接點 81">
+              <a:extLst>
+                <a:ext uri="{FF2B5EF4-FFF2-40B4-BE49-F238E27FC236}">
+                  <a16:creationId xmlns:a16="http://schemas.microsoft.com/office/drawing/2014/main" id="{9E426905-1A89-48D5-88CA-8B653853A4D0}"/>
+                </a:ext>
+              </a:extLst>
+            </p:cNvPr>
+            <p:cNvCxnSpPr>
+              <a:cxnSpLocks/>
+            </p:cNvCxnSpPr>
+            <p:nvPr/>
+          </p:nvCxnSpPr>
+          <p:spPr>
+            <a:xfrm flipV="1">
+              <a:off x="9718088" y="2700522"/>
+              <a:ext cx="0" cy="1415027"/>
+            </a:xfrm>
+            <a:prstGeom prst="line">
+              <a:avLst/>
+            </a:prstGeom>
+            <a:ln w="38100">
+              <a:solidFill>
+                <a:srgbClr val="92D050"/>
+              </a:solidFill>
+            </a:ln>
+          </p:spPr>
+          <p:style>
+            <a:lnRef idx="1">
+              <a:schemeClr val="accent1"/>
+            </a:lnRef>
+            <a:fillRef idx="0">
+              <a:schemeClr val="accent1"/>
+            </a:fillRef>
+            <a:effectRef idx="0">
+              <a:schemeClr val="accent1"/>
+            </a:effectRef>
+            <a:fontRef idx="minor">
+              <a:schemeClr val="tx1"/>
+            </a:fontRef>
+          </p:style>
+        </p:cxnSp>
+        <p:sp>
+          <p:nvSpPr>
+            <p:cNvPr id="85" name="文字方塊 84">
+              <a:extLst>
+                <a:ext uri="{FF2B5EF4-FFF2-40B4-BE49-F238E27FC236}">
+                  <a16:creationId xmlns:a16="http://schemas.microsoft.com/office/drawing/2014/main" id="{DF0B3DC5-8221-40CD-8504-2E470CDF786F}"/>
                 </a:ext>
               </a:extLst>
             </p:cNvPr>
@@ -28513,8 +30046,8 @@
           </p:nvSpPr>
           <p:spPr>
             <a:xfrm>
-              <a:off x="853032" y="2870659"/>
-              <a:ext cx="2878969" cy="461665"/>
+              <a:off x="9686600" y="2780199"/>
+              <a:ext cx="461665" cy="1246495"/>
             </a:xfrm>
             <a:prstGeom prst="rect">
               <a:avLst/>
@@ -28522,114 +30055,569 @@
             <a:noFill/>
           </p:spPr>
           <p:txBody>
-            <a:bodyPr wrap="square" rtlCol="0">
+            <a:bodyPr vert="eaVert" wrap="none" rtlCol="0">
               <a:spAutoFit/>
             </a:bodyPr>
             <a:lstStyle/>
             <a:p>
-              <a:pPr marL="0" marR="0" lvl="0" indent="0" algn="ctr" defTabSz="914400" rtl="0" eaLnBrk="1" fontAlgn="auto" latinLnBrk="0" hangingPunct="1">
-                <a:lnSpc>
-                  <a:spcPct val="100000"/>
-                </a:lnSpc>
-                <a:spcBef>
-                  <a:spcPts val="0"/>
-                </a:spcBef>
-                <a:spcAft>
-                  <a:spcPts val="0"/>
-                </a:spcAft>
-                <a:buClrTx/>
-                <a:buSzTx/>
-                <a:buFontTx/>
-                <a:buNone/>
-                <a:tabLst/>
-                <a:defRPr/>
-              </a:pPr>
               <a:r>
-                <a:rPr kumimoji="0" lang="en-US" altLang="zh-TW" sz="2400" b="0" i="0" u="none" strike="noStrike" kern="1200" cap="none" spc="0" normalizeH="0" baseline="0" noProof="0">
-                  <a:ln>
-                    <a:noFill/>
-                  </a:ln>
+                <a:rPr lang="zh-TW" altLang="en-US">
                   <a:solidFill>
-                    <a:prstClr val="black"/>
+                    <a:srgbClr val="92D050"/>
                   </a:solidFill>
-                  <a:effectLst/>
-                  <a:uLnTx/>
-                  <a:uFillTx/>
-                  <a:latin typeface="Consolas"/>
-                  <a:ea typeface="微軟正黑體 Light"/>
-                  <a:cs typeface="+mn-cs"/>
                 </a:rPr>
-                <a:t>Notepad++</a:t>
+                <a:t>同公司產品</a:t>
               </a:r>
-              <a:r>
-                <a:rPr kumimoji="0" lang="zh-TW" altLang="en-US" sz="2400" b="0" i="0" u="none" strike="noStrike" kern="1200" cap="none" spc="0" normalizeH="0" baseline="0" noProof="0">
-                  <a:ln>
-                    <a:noFill/>
-                  </a:ln>
-                  <a:solidFill>
-                    <a:prstClr val="black"/>
-                  </a:solidFill>
-                  <a:effectLst/>
-                  <a:uLnTx/>
-                  <a:uFillTx/>
-                  <a:latin typeface="Consolas"/>
-                  <a:ea typeface="微軟正黑體 Light"/>
-                  <a:cs typeface="+mn-cs"/>
-                </a:rPr>
-                <a:t> 小百科</a:t>
-              </a:r>
-              <a:endParaRPr kumimoji="0" lang="en-US" altLang="zh-TW" sz="2400" b="0" i="0" u="none" strike="noStrike" kern="1200" cap="none" spc="0" normalizeH="0" baseline="0" noProof="0">
-                <a:ln>
-                  <a:noFill/>
-                </a:ln>
-                <a:solidFill>
-                  <a:prstClr val="black"/>
-                </a:solidFill>
-                <a:effectLst/>
-                <a:uLnTx/>
-                <a:uFillTx/>
-                <a:latin typeface="Consolas"/>
-                <a:ea typeface="微軟正黑體 Light"/>
-                <a:cs typeface="+mn-cs"/>
-              </a:endParaRPr>
             </a:p>
           </p:txBody>
         </p:sp>
+        <p:cxnSp>
+          <p:nvCxnSpPr>
+            <p:cNvPr id="86" name="直線接點 85">
+              <a:extLst>
+                <a:ext uri="{FF2B5EF4-FFF2-40B4-BE49-F238E27FC236}">
+                  <a16:creationId xmlns:a16="http://schemas.microsoft.com/office/drawing/2014/main" id="{3D8BFFC9-9F7C-4387-AC6E-FEA7D9F02A2D}"/>
+                </a:ext>
+              </a:extLst>
+            </p:cNvPr>
+            <p:cNvCxnSpPr>
+              <a:cxnSpLocks/>
+            </p:cNvCxnSpPr>
+            <p:nvPr/>
+          </p:nvCxnSpPr>
+          <p:spPr>
+            <a:xfrm flipH="1">
+              <a:off x="6894205" y="3961858"/>
+              <a:ext cx="609254" cy="0"/>
+            </a:xfrm>
+            <a:prstGeom prst="line">
+              <a:avLst/>
+            </a:prstGeom>
+            <a:ln w="38100">
+              <a:solidFill>
+                <a:srgbClr val="00B0F0"/>
+              </a:solidFill>
+              <a:headEnd type="triangle" w="med" len="med"/>
+              <a:tailEnd type="none" w="med" len="med"/>
+            </a:ln>
+          </p:spPr>
+          <p:style>
+            <a:lnRef idx="1">
+              <a:schemeClr val="accent1"/>
+            </a:lnRef>
+            <a:fillRef idx="0">
+              <a:schemeClr val="accent1"/>
+            </a:fillRef>
+            <a:effectRef idx="0">
+              <a:schemeClr val="accent1"/>
+            </a:effectRef>
+            <a:fontRef idx="minor">
+              <a:schemeClr val="tx1"/>
+            </a:fontRef>
+          </p:style>
+        </p:cxnSp>
+        <p:sp>
+          <p:nvSpPr>
+            <p:cNvPr id="90" name="文字方塊 89">
+              <a:extLst>
+                <a:ext uri="{FF2B5EF4-FFF2-40B4-BE49-F238E27FC236}">
+                  <a16:creationId xmlns:a16="http://schemas.microsoft.com/office/drawing/2014/main" id="{FAB4B86A-A982-4D18-88A8-E0CF9C814C27}"/>
+                </a:ext>
+              </a:extLst>
+            </p:cNvPr>
+            <p:cNvSpPr txBox="1"/>
+            <p:nvPr/>
+          </p:nvSpPr>
+          <p:spPr>
+            <a:xfrm>
+              <a:off x="650302" y="2718451"/>
+              <a:ext cx="461665" cy="1246495"/>
+            </a:xfrm>
+            <a:prstGeom prst="rect">
+              <a:avLst/>
+            </a:prstGeom>
+            <a:noFill/>
+          </p:spPr>
+          <p:txBody>
+            <a:bodyPr vert="eaVert" wrap="none" rtlCol="0">
+              <a:spAutoFit/>
+            </a:bodyPr>
+            <a:lstStyle/>
+            <a:p>
+              <a:r>
+                <a:rPr lang="zh-TW" altLang="en-US">
+                  <a:solidFill>
+                    <a:srgbClr val="00B0F0"/>
+                  </a:solidFill>
+                </a:rPr>
+                <a:t>同核心產品</a:t>
+              </a:r>
+            </a:p>
+          </p:txBody>
+        </p:sp>
+        <p:sp>
+          <p:nvSpPr>
+            <p:cNvPr id="91" name="矩形: 圓角 90">
+              <a:extLst>
+                <a:ext uri="{FF2B5EF4-FFF2-40B4-BE49-F238E27FC236}">
+                  <a16:creationId xmlns:a16="http://schemas.microsoft.com/office/drawing/2014/main" id="{55ADB175-DD94-4F5F-B9AA-CE2B1D040472}"/>
+                </a:ext>
+              </a:extLst>
+            </p:cNvPr>
+            <p:cNvSpPr/>
+            <p:nvPr/>
+          </p:nvSpPr>
+          <p:spPr>
+            <a:xfrm>
+              <a:off x="7462838" y="5790509"/>
+              <a:ext cx="556310" cy="209829"/>
+            </a:xfrm>
+            <a:prstGeom prst="roundRect">
+              <a:avLst/>
+            </a:prstGeom>
+            <a:noFill/>
+            <a:ln w="28575">
+              <a:solidFill>
+                <a:srgbClr val="FF0000"/>
+              </a:solidFill>
+            </a:ln>
+          </p:spPr>
+          <p:style>
+            <a:lnRef idx="2">
+              <a:schemeClr val="accent1">
+                <a:shade val="50000"/>
+              </a:schemeClr>
+            </a:lnRef>
+            <a:fillRef idx="1">
+              <a:schemeClr val="accent1"/>
+            </a:fillRef>
+            <a:effectRef idx="0">
+              <a:schemeClr val="accent1"/>
+            </a:effectRef>
+            <a:fontRef idx="minor">
+              <a:schemeClr val="lt1"/>
+            </a:fontRef>
+          </p:style>
+          <p:txBody>
+            <a:bodyPr rtlCol="0" anchor="ctr"/>
+            <a:lstStyle/>
+            <a:p>
+              <a:pPr algn="ctr"/>
+              <a:endParaRPr lang="zh-TW" altLang="en-US"/>
+            </a:p>
+          </p:txBody>
+        </p:sp>
+        <p:cxnSp>
+          <p:nvCxnSpPr>
+            <p:cNvPr id="92" name="直線接點 91">
+              <a:extLst>
+                <a:ext uri="{FF2B5EF4-FFF2-40B4-BE49-F238E27FC236}">
+                  <a16:creationId xmlns:a16="http://schemas.microsoft.com/office/drawing/2014/main" id="{B77F36C4-6E7D-4E7E-AF73-F799C414B080}"/>
+                </a:ext>
+              </a:extLst>
+            </p:cNvPr>
+            <p:cNvCxnSpPr>
+              <a:cxnSpLocks/>
+            </p:cNvCxnSpPr>
+            <p:nvPr/>
+          </p:nvCxnSpPr>
+          <p:spPr>
+            <a:xfrm flipH="1">
+              <a:off x="295202" y="5440323"/>
+              <a:ext cx="1523194" cy="0"/>
+            </a:xfrm>
+            <a:prstGeom prst="line">
+              <a:avLst/>
+            </a:prstGeom>
+            <a:ln w="38100">
+              <a:solidFill>
+                <a:srgbClr val="FFC000"/>
+              </a:solidFill>
+              <a:headEnd type="triangle" w="med" len="med"/>
+              <a:tailEnd type="none" w="med" len="med"/>
+            </a:ln>
+          </p:spPr>
+          <p:style>
+            <a:lnRef idx="1">
+              <a:schemeClr val="accent1"/>
+            </a:lnRef>
+            <a:fillRef idx="0">
+              <a:schemeClr val="accent1"/>
+            </a:fillRef>
+            <a:effectRef idx="0">
+              <a:schemeClr val="accent1"/>
+            </a:effectRef>
+            <a:fontRef idx="minor">
+              <a:schemeClr val="tx1"/>
+            </a:fontRef>
+          </p:style>
+        </p:cxnSp>
+        <p:cxnSp>
+          <p:nvCxnSpPr>
+            <p:cNvPr id="94" name="直線接點 93">
+              <a:extLst>
+                <a:ext uri="{FF2B5EF4-FFF2-40B4-BE49-F238E27FC236}">
+                  <a16:creationId xmlns:a16="http://schemas.microsoft.com/office/drawing/2014/main" id="{A26FE690-1093-45E0-AF9A-A4100DD22233}"/>
+                </a:ext>
+              </a:extLst>
+            </p:cNvPr>
+            <p:cNvCxnSpPr>
+              <a:cxnSpLocks/>
+            </p:cNvCxnSpPr>
+            <p:nvPr/>
+          </p:nvCxnSpPr>
+          <p:spPr>
+            <a:xfrm flipV="1">
+              <a:off x="313132" y="4074759"/>
+              <a:ext cx="0" cy="1356600"/>
+            </a:xfrm>
+            <a:prstGeom prst="line">
+              <a:avLst/>
+            </a:prstGeom>
+            <a:ln w="38100">
+              <a:solidFill>
+                <a:srgbClr val="FFC000"/>
+              </a:solidFill>
+            </a:ln>
+          </p:spPr>
+          <p:style>
+            <a:lnRef idx="1">
+              <a:schemeClr val="accent1"/>
+            </a:lnRef>
+            <a:fillRef idx="0">
+              <a:schemeClr val="accent1"/>
+            </a:fillRef>
+            <a:effectRef idx="0">
+              <a:schemeClr val="accent1"/>
+            </a:effectRef>
+            <a:fontRef idx="minor">
+              <a:schemeClr val="tx1"/>
+            </a:fontRef>
+          </p:style>
+        </p:cxnSp>
+        <p:cxnSp>
+          <p:nvCxnSpPr>
+            <p:cNvPr id="96" name="直線單箭頭接點 95">
+              <a:extLst>
+                <a:ext uri="{FF2B5EF4-FFF2-40B4-BE49-F238E27FC236}">
+                  <a16:creationId xmlns:a16="http://schemas.microsoft.com/office/drawing/2014/main" id="{05047FD8-4923-45E6-9FE7-498127F389E5}"/>
+                </a:ext>
+              </a:extLst>
+            </p:cNvPr>
+            <p:cNvCxnSpPr>
+              <a:cxnSpLocks/>
+            </p:cNvCxnSpPr>
+            <p:nvPr/>
+          </p:nvCxnSpPr>
+          <p:spPr>
+            <a:xfrm>
+              <a:off x="1264024" y="3429000"/>
+              <a:ext cx="771019" cy="0"/>
+            </a:xfrm>
+            <a:prstGeom prst="straightConnector1">
+              <a:avLst/>
+            </a:prstGeom>
+            <a:ln w="38100">
+              <a:solidFill>
+                <a:srgbClr val="FFC000"/>
+              </a:solidFill>
+              <a:headEnd type="none" w="med" len="med"/>
+              <a:tailEnd type="none" w="med" len="med"/>
+            </a:ln>
+          </p:spPr>
+          <p:style>
+            <a:lnRef idx="1">
+              <a:schemeClr val="accent1"/>
+            </a:lnRef>
+            <a:fillRef idx="0">
+              <a:schemeClr val="accent1"/>
+            </a:fillRef>
+            <a:effectRef idx="0">
+              <a:schemeClr val="accent1"/>
+            </a:effectRef>
+            <a:fontRef idx="minor">
+              <a:schemeClr val="tx1"/>
+            </a:fontRef>
+          </p:style>
+        </p:cxnSp>
+        <p:cxnSp>
+          <p:nvCxnSpPr>
+            <p:cNvPr id="99" name="直線接點 98">
+              <a:extLst>
+                <a:ext uri="{FF2B5EF4-FFF2-40B4-BE49-F238E27FC236}">
+                  <a16:creationId xmlns:a16="http://schemas.microsoft.com/office/drawing/2014/main" id="{62C9A261-DCE6-44D0-9019-91E779716117}"/>
+                </a:ext>
+              </a:extLst>
+            </p:cNvPr>
+            <p:cNvCxnSpPr>
+              <a:cxnSpLocks/>
+            </p:cNvCxnSpPr>
+            <p:nvPr/>
+          </p:nvCxnSpPr>
+          <p:spPr>
+            <a:xfrm flipV="1">
+              <a:off x="1272989" y="3414389"/>
+              <a:ext cx="0" cy="669335"/>
+            </a:xfrm>
+            <a:prstGeom prst="line">
+              <a:avLst/>
+            </a:prstGeom>
+            <a:ln w="38100">
+              <a:solidFill>
+                <a:srgbClr val="FFC000"/>
+              </a:solidFill>
+            </a:ln>
+          </p:spPr>
+          <p:style>
+            <a:lnRef idx="1">
+              <a:schemeClr val="accent1"/>
+            </a:lnRef>
+            <a:fillRef idx="0">
+              <a:schemeClr val="accent1"/>
+            </a:fillRef>
+            <a:effectRef idx="0">
+              <a:schemeClr val="accent1"/>
+            </a:effectRef>
+            <a:fontRef idx="minor">
+              <a:schemeClr val="tx1"/>
+            </a:fontRef>
+          </p:style>
+        </p:cxnSp>
+        <p:cxnSp>
+          <p:nvCxnSpPr>
+            <p:cNvPr id="101" name="直線單箭頭接點 100">
+              <a:extLst>
+                <a:ext uri="{FF2B5EF4-FFF2-40B4-BE49-F238E27FC236}">
+                  <a16:creationId xmlns:a16="http://schemas.microsoft.com/office/drawing/2014/main" id="{6E4D2338-C06F-450D-BA90-1DEE68290E62}"/>
+                </a:ext>
+              </a:extLst>
+            </p:cNvPr>
+            <p:cNvCxnSpPr>
+              <a:cxnSpLocks/>
+            </p:cNvCxnSpPr>
+            <p:nvPr/>
+          </p:nvCxnSpPr>
+          <p:spPr>
+            <a:xfrm>
+              <a:off x="295202" y="4070601"/>
+              <a:ext cx="986752" cy="0"/>
+            </a:xfrm>
+            <a:prstGeom prst="straightConnector1">
+              <a:avLst/>
+            </a:prstGeom>
+            <a:ln w="38100">
+              <a:solidFill>
+                <a:srgbClr val="FFC000"/>
+              </a:solidFill>
+              <a:headEnd type="none" w="med" len="med"/>
+              <a:tailEnd type="none" w="med" len="med"/>
+            </a:ln>
+          </p:spPr>
+          <p:style>
+            <a:lnRef idx="1">
+              <a:schemeClr val="accent1"/>
+            </a:lnRef>
+            <a:fillRef idx="0">
+              <a:schemeClr val="accent1"/>
+            </a:fillRef>
+            <a:effectRef idx="0">
+              <a:schemeClr val="accent1"/>
+            </a:effectRef>
+            <a:fontRef idx="minor">
+              <a:schemeClr val="tx1"/>
+            </a:fontRef>
+          </p:style>
+        </p:cxnSp>
+        <p:sp>
+          <p:nvSpPr>
+            <p:cNvPr id="106" name="文字方塊 105">
+              <a:extLst>
+                <a:ext uri="{FF2B5EF4-FFF2-40B4-BE49-F238E27FC236}">
+                  <a16:creationId xmlns:a16="http://schemas.microsoft.com/office/drawing/2014/main" id="{52DDBF00-F430-47F1-8885-2158D868467D}"/>
+                </a:ext>
+              </a:extLst>
+            </p:cNvPr>
+            <p:cNvSpPr txBox="1"/>
+            <p:nvPr/>
+          </p:nvSpPr>
+          <p:spPr>
+            <a:xfrm>
+              <a:off x="772400" y="5046160"/>
+              <a:ext cx="646331" cy="369332"/>
+            </a:xfrm>
+            <a:prstGeom prst="rect">
+              <a:avLst/>
+            </a:prstGeom>
+            <a:noFill/>
+          </p:spPr>
+          <p:txBody>
+            <a:bodyPr wrap="none" rtlCol="0">
+              <a:spAutoFit/>
+            </a:bodyPr>
+            <a:lstStyle/>
+            <a:p>
+              <a:r>
+                <a:rPr lang="zh-TW" altLang="en-US">
+                  <a:solidFill>
+                    <a:srgbClr val="FFC000"/>
+                  </a:solidFill>
+                </a:rPr>
+                <a:t>增強</a:t>
+              </a:r>
+            </a:p>
+          </p:txBody>
+        </p:sp>
+        <p:cxnSp>
+          <p:nvCxnSpPr>
+            <p:cNvPr id="117" name="直線接點 116">
+              <a:extLst>
+                <a:ext uri="{FF2B5EF4-FFF2-40B4-BE49-F238E27FC236}">
+                  <a16:creationId xmlns:a16="http://schemas.microsoft.com/office/drawing/2014/main" id="{5C15D603-ED01-4D86-A94A-F30B0F9DDCCB}"/>
+                </a:ext>
+              </a:extLst>
+            </p:cNvPr>
+            <p:cNvCxnSpPr>
+              <a:cxnSpLocks/>
+            </p:cNvCxnSpPr>
+            <p:nvPr/>
+          </p:nvCxnSpPr>
+          <p:spPr>
+            <a:xfrm flipH="1">
+              <a:off x="6894205" y="3641818"/>
+              <a:ext cx="703152" cy="0"/>
+            </a:xfrm>
+            <a:prstGeom prst="line">
+              <a:avLst/>
+            </a:prstGeom>
+            <a:ln w="38100">
+              <a:solidFill>
+                <a:srgbClr val="00B0F0"/>
+              </a:solidFill>
+              <a:headEnd type="triangle" w="med" len="med"/>
+              <a:tailEnd type="none" w="med" len="med"/>
+            </a:ln>
+          </p:spPr>
+          <p:style>
+            <a:lnRef idx="1">
+              <a:schemeClr val="accent1"/>
+            </a:lnRef>
+            <a:fillRef idx="0">
+              <a:schemeClr val="accent1"/>
+            </a:fillRef>
+            <a:effectRef idx="0">
+              <a:schemeClr val="accent1"/>
+            </a:effectRef>
+            <a:fontRef idx="minor">
+              <a:schemeClr val="tx1"/>
+            </a:fontRef>
+          </p:style>
+        </p:cxnSp>
       </p:grpSp>
-      <p:pic>
-        <p:nvPicPr>
-          <p:cNvPr id="52" name="圖片 51">
+      <p:sp>
+        <p:nvSpPr>
+          <p:cNvPr id="2" name="標題 1">
             <a:extLst>
               <a:ext uri="{FF2B5EF4-FFF2-40B4-BE49-F238E27FC236}">
-                <a16:creationId xmlns:a16="http://schemas.microsoft.com/office/drawing/2014/main" id="{95A05459-FEDF-40B0-A3A0-E12E1FCF3CC7}"/>
+                <a16:creationId xmlns:a16="http://schemas.microsoft.com/office/drawing/2014/main" id="{714AE33D-EDA7-4733-97C7-710C62366856}"/>
               </a:ext>
             </a:extLst>
           </p:cNvPr>
-          <p:cNvPicPr>
-            <a:picLocks noChangeAspect="1"/>
-          </p:cNvPicPr>
-          <p:nvPr/>
-        </p:nvPicPr>
-        <p:blipFill>
-          <a:blip r:embed="rId4"/>
-          <a:stretch>
-            <a:fillRect/>
-          </a:stretch>
-        </p:blipFill>
+          <p:cNvSpPr>
+            <a:spLocks noGrp="1"/>
+          </p:cNvSpPr>
+          <p:nvPr>
+            <p:ph type="title"/>
+          </p:nvPr>
+        </p:nvSpPr>
         <p:spPr>
           <a:xfrm>
-            <a:off x="838200" y="3037991"/>
-            <a:ext cx="5420605" cy="2734335"/>
+            <a:off x="838200" y="365125"/>
+            <a:ext cx="10515600" cy="1325563"/>
           </a:xfrm>
-          <a:prstGeom prst="rect">
+        </p:spPr>
+        <p:txBody>
+          <a:bodyPr/>
+          <a:lstStyle/>
+          <a:p>
+            <a:r>
+              <a:rPr lang="zh-TW" altLang="en-US"/>
+              <a:t>編輯器</a:t>
+            </a:r>
+          </a:p>
+        </p:txBody>
+      </p:sp>
+      <p:sp>
+        <p:nvSpPr>
+          <p:cNvPr id="40" name="矩形: 圓角 39">
+            <a:extLst>
+              <a:ext uri="{FF2B5EF4-FFF2-40B4-BE49-F238E27FC236}">
+                <a16:creationId xmlns:a16="http://schemas.microsoft.com/office/drawing/2014/main" id="{4F9E6429-5875-44F9-869B-20297BA0130F}"/>
+              </a:ext>
+            </a:extLst>
+          </p:cNvPr>
+          <p:cNvSpPr/>
+          <p:nvPr/>
+        </p:nvSpPr>
+        <p:spPr>
+          <a:xfrm>
+            <a:off x="4521995" y="3239610"/>
+            <a:ext cx="2192571" cy="1230426"/>
+          </a:xfrm>
+          <a:prstGeom prst="roundRect">
             <a:avLst/>
           </a:prstGeom>
+          <a:noFill/>
+          <a:ln w="38100">
+            <a:solidFill>
+              <a:srgbClr val="FF0000"/>
+            </a:solidFill>
+          </a:ln>
         </p:spPr>
-      </p:pic>
+        <p:style>
+          <a:lnRef idx="2">
+            <a:schemeClr val="accent1">
+              <a:shade val="50000"/>
+            </a:schemeClr>
+          </a:lnRef>
+          <a:fillRef idx="1">
+            <a:schemeClr val="accent1"/>
+          </a:fillRef>
+          <a:effectRef idx="0">
+            <a:schemeClr val="accent1"/>
+          </a:effectRef>
+          <a:fontRef idx="minor">
+            <a:schemeClr val="lt1"/>
+          </a:fontRef>
+        </p:style>
+        <p:txBody>
+          <a:bodyPr rtlCol="0" anchor="ctr"/>
+          <a:lstStyle/>
+          <a:p>
+            <a:r>
+              <a:rPr lang="zh-TW" altLang="en-US" sz="2400"/>
+              <a:t>沒有在榜上：</a:t>
+            </a:r>
+            <a:endParaRPr lang="en-US" altLang="zh-TW" sz="2400"/>
+          </a:p>
+          <a:p>
+            <a:r>
+              <a:rPr lang="en-US" altLang="zh-TW" sz="2400"/>
+              <a:t>Dev-C++</a:t>
+            </a:r>
+          </a:p>
+          <a:p>
+            <a:r>
+              <a:rPr lang="en-US" altLang="zh-TW" sz="2400"/>
+              <a:t>Python IDLE</a:t>
+            </a:r>
+            <a:endParaRPr lang="zh-TW" altLang="en-US" sz="2400"/>
+          </a:p>
+        </p:txBody>
+      </p:sp>
     </p:spTree>
     <p:extLst>
       <p:ext uri="{BB962C8B-B14F-4D97-AF65-F5344CB8AC3E}">
-        <p14:creationId xmlns:p14="http://schemas.microsoft.com/office/powerpoint/2010/main" val="1880865130"/>
+        <p14:creationId xmlns:p14="http://schemas.microsoft.com/office/powerpoint/2010/main" val="1708501495"/>
       </p:ext>
     </p:extLst>
   </p:cSld>
@@ -28639,6 +30627,92 @@
   <p:transition spd="slow">
     <p:push dir="u"/>
   </p:transition>
+  <p:timing>
+    <p:tnLst>
+      <p:par>
+        <p:cTn id="1" dur="indefinite" restart="never" nodeType="tmRoot">
+          <p:childTnLst>
+            <p:seq concurrent="1" nextAc="seek">
+              <p:cTn id="2" dur="indefinite" nodeType="mainSeq">
+                <p:childTnLst>
+                  <p:par>
+                    <p:cTn id="3" fill="hold">
+                      <p:stCondLst>
+                        <p:cond delay="indefinite"/>
+                      </p:stCondLst>
+                      <p:childTnLst>
+                        <p:par>
+                          <p:cTn id="4" fill="hold">
+                            <p:stCondLst>
+                              <p:cond delay="0"/>
+                            </p:stCondLst>
+                            <p:childTnLst>
+                              <p:par>
+                                <p:cTn id="5" presetID="10" presetClass="entr" presetSubtype="0" fill="hold" grpId="0" nodeType="clickEffect">
+                                  <p:stCondLst>
+                                    <p:cond delay="0"/>
+                                  </p:stCondLst>
+                                  <p:childTnLst>
+                                    <p:set>
+                                      <p:cBhvr>
+                                        <p:cTn id="6" dur="1" fill="hold">
+                                          <p:stCondLst>
+                                            <p:cond delay="0"/>
+                                          </p:stCondLst>
+                                        </p:cTn>
+                                        <p:tgtEl>
+                                          <p:spTgt spid="40"/>
+                                        </p:tgtEl>
+                                        <p:attrNameLst>
+                                          <p:attrName>style.visibility</p:attrName>
+                                        </p:attrNameLst>
+                                      </p:cBhvr>
+                                      <p:to>
+                                        <p:strVal val="visible"/>
+                                      </p:to>
+                                    </p:set>
+                                    <p:animEffect transition="in" filter="fade">
+                                      <p:cBhvr>
+                                        <p:cTn id="7" dur="500"/>
+                                        <p:tgtEl>
+                                          <p:spTgt spid="40"/>
+                                        </p:tgtEl>
+                                      </p:cBhvr>
+                                    </p:animEffect>
+                                  </p:childTnLst>
+                                </p:cTn>
+                              </p:par>
+                            </p:childTnLst>
+                          </p:cTn>
+                        </p:par>
+                      </p:childTnLst>
+                    </p:cTn>
+                  </p:par>
+                </p:childTnLst>
+              </p:cTn>
+              <p:prevCondLst>
+                <p:cond evt="onPrev" delay="0">
+                  <p:tgtEl>
+                    <p:sldTgt/>
+                  </p:tgtEl>
+                </p:cond>
+              </p:prevCondLst>
+              <p:nextCondLst>
+                <p:cond evt="onNext" delay="0">
+                  <p:tgtEl>
+                    <p:sldTgt/>
+                  </p:tgtEl>
+                </p:cond>
+              </p:nextCondLst>
+            </p:seq>
+          </p:childTnLst>
+        </p:cTn>
+      </p:par>
+    </p:tnLst>
+    <p:bldLst>
+      <p:bldP spid="40" grpId="0" animBg="1"/>
+    </p:bldLst>
+  </p:timing>
 </p:sld>
 </file>
 

--- a/powerpoint/03_編輯器與第一個 Java 程式.pptx
+++ b/powerpoint/03_編輯器與第一個 Java 程式.pptx
@@ -213,7 +213,7 @@
           <a:p>
             <a:fld id="{7CB51037-9A88-43F8-8062-A2DDD941B0DA}" type="datetimeFigureOut">
               <a:rPr lang="zh-TW" altLang="en-US" smtClean="0"/>
-              <a:t>2024/7/10</a:t>
+              <a:t>2024/7/12</a:t>
             </a:fld>
             <a:endParaRPr lang="zh-TW" altLang="en-US"/>
           </a:p>
@@ -10996,7 +10996,12 @@
             <p:ph type="title"/>
           </p:nvPr>
         </p:nvSpPr>
-        <p:spPr/>
+        <p:spPr>
+          <a:xfrm>
+            <a:off x="838200" y="0"/>
+            <a:ext cx="10515600" cy="1325563"/>
+          </a:xfrm>
+        </p:spPr>
         <p:txBody>
           <a:bodyPr/>
           <a:lstStyle/>
@@ -11026,13 +11031,13 @@
         </p:nvSpPr>
         <p:spPr>
           <a:xfrm>
-            <a:off x="838200" y="1663700"/>
-            <a:ext cx="8870576" cy="4794250"/>
+            <a:off x="838200" y="1200338"/>
+            <a:ext cx="10869706" cy="5294032"/>
           </a:xfrm>
         </p:spPr>
         <p:txBody>
           <a:bodyPr>
-            <a:normAutofit/>
+            <a:normAutofit lnSpcReduction="10000"/>
           </a:bodyPr>
           <a:lstStyle/>
           <a:p>
@@ -11041,10 +11046,10 @@
             </a:pPr>
             <a:r>
               <a:rPr lang="en-US" altLang="zh-TW" noProof="1"/>
-              <a:t>Ctrl+A</a:t>
-            </a:r>
-            <a:r>
-              <a:rPr lang="en-US" altLang="zh-TW" dirty="0"/>
+              <a:t>Ctrl + A</a:t>
+            </a:r>
+            <a:r>
+              <a:rPr lang="en-US" altLang="zh-TW"/>
               <a:t> </a:t>
             </a:r>
             <a:r>
@@ -11059,10 +11064,10 @@
             </a:pPr>
             <a:r>
               <a:rPr lang="en-US" altLang="zh-TW" noProof="1"/>
-              <a:t>Ctrl+C</a:t>
-            </a:r>
-            <a:r>
-              <a:rPr lang="en-US" altLang="zh-TW" dirty="0"/>
+              <a:t>Ctrl + C</a:t>
+            </a:r>
+            <a:r>
+              <a:rPr lang="en-US" altLang="zh-TW"/>
               <a:t> </a:t>
             </a:r>
             <a:r>
@@ -11076,8 +11081,8 @@
               <a:buAutoNum type="arabicPeriod"/>
             </a:pPr>
             <a:r>
-              <a:rPr lang="en-US" altLang="zh-TW" dirty="0"/>
-              <a:t>Ctrl+V </a:t>
+              <a:rPr lang="en-US" altLang="zh-TW"/>
+              <a:t>Ctrl + V </a:t>
             </a:r>
             <a:r>
               <a:rPr lang="zh-TW" altLang="en-US" dirty="0"/>
@@ -11090,8 +11095,8 @@
               <a:buAutoNum type="arabicPeriod"/>
             </a:pPr>
             <a:r>
-              <a:rPr lang="en-US" altLang="zh-TW" dirty="0"/>
-              <a:t>Ctrl+X </a:t>
+              <a:rPr lang="en-US" altLang="zh-TW"/>
+              <a:t>Ctrl + X </a:t>
             </a:r>
             <a:r>
               <a:rPr lang="zh-TW" altLang="en-US" dirty="0"/>
@@ -11104,51 +11109,28 @@
               <a:buAutoNum type="arabicPeriod"/>
             </a:pPr>
             <a:r>
-              <a:rPr lang="en-US" altLang="zh-TW" dirty="0"/>
-              <a:t>Ctrl+Z </a:t>
-            </a:r>
-            <a:r>
-              <a:rPr lang="zh-TW" altLang="en-US" dirty="0"/>
+              <a:rPr lang="en-US" altLang="zh-TW"/>
+              <a:t>Ctrl + Z </a:t>
+            </a:r>
+            <a:r>
+              <a:rPr lang="zh-TW" altLang="en-US"/>
               <a:t>復原</a:t>
             </a:r>
-            <a:endParaRPr lang="en-US" altLang="zh-TW" dirty="0"/>
+            <a:endParaRPr lang="en-US" altLang="zh-TW"/>
           </a:p>
           <a:p>
             <a:pPr marL="514350" indent="-514350">
               <a:buAutoNum type="arabicPeriod"/>
             </a:pPr>
             <a:r>
-              <a:rPr lang="en-US" altLang="zh-TW" dirty="0"/>
-              <a:t>Ctrl+Y </a:t>
-            </a:r>
-            <a:r>
-              <a:rPr lang="zh-TW" altLang="en-US" dirty="0"/>
-              <a:t>或 </a:t>
-            </a:r>
-            <a:r>
-              <a:rPr lang="en-US" altLang="zh-TW" dirty="0"/>
-              <a:t>Ctrl+Shift+</a:t>
-            </a:r>
-            <a:r>
               <a:rPr lang="en-US" altLang="zh-TW"/>
-              <a:t>Z </a:t>
+              <a:t>Ctrl + S </a:t>
             </a:r>
             <a:r>
               <a:rPr lang="zh-TW" altLang="en-US"/>
-              <a:t>重做</a:t>
-            </a:r>
-            <a:r>
-              <a:rPr lang="en-US" altLang="zh-TW"/>
-              <a:t>(</a:t>
-            </a:r>
-            <a:r>
-              <a:rPr lang="zh-TW" altLang="en-US"/>
-              <a:t>視編輯程式而定</a:t>
-            </a:r>
-            <a:r>
-              <a:rPr lang="en-US" altLang="zh-TW"/>
-              <a:t>)</a:t>
-            </a:r>
+              <a:t>存檔</a:t>
+            </a:r>
+            <a:endParaRPr lang="en-US" altLang="zh-TW"/>
           </a:p>
           <a:p>
             <a:pPr marL="514350" indent="-514350">
@@ -11156,13 +11138,62 @@
             </a:pPr>
             <a:r>
               <a:rPr lang="en-US" altLang="zh-TW"/>
-              <a:t>Ctrl+S </a:t>
+              <a:t>Ctrl + F </a:t>
             </a:r>
             <a:r>
               <a:rPr lang="zh-TW" altLang="en-US"/>
-              <a:t>存檔</a:t>
+              <a:t>搜尋</a:t>
             </a:r>
             <a:endParaRPr lang="en-US" altLang="zh-TW" dirty="0"/>
+          </a:p>
+          <a:p>
+            <a:pPr marL="514350" indent="-514350">
+              <a:buFont typeface="Arial" panose="020B0604020202020204" pitchFamily="34" charset="0"/>
+              <a:buAutoNum type="arabicPeriod"/>
+            </a:pPr>
+            <a:r>
+              <a:rPr lang="en-US" altLang="zh-TW" noProof="1"/>
+              <a:t>Shift + </a:t>
+            </a:r>
+            <a:r>
+              <a:rPr lang="zh-TW" altLang="en-US" noProof="1"/>
+              <a:t>上下左右 選取</a:t>
+            </a:r>
+            <a:endParaRPr lang="en-US" altLang="zh-TW" noProof="1"/>
+          </a:p>
+          <a:p>
+            <a:pPr marL="514350" indent="-514350">
+              <a:buFont typeface="Arial" panose="020B0604020202020204" pitchFamily="34" charset="0"/>
+              <a:buAutoNum type="arabicPeriod"/>
+            </a:pPr>
+            <a:r>
+              <a:rPr lang="en-US" altLang="zh-TW"/>
+              <a:t>Ctrl + Y </a:t>
+            </a:r>
+            <a:r>
+              <a:rPr lang="zh-TW" altLang="en-US"/>
+              <a:t>或 </a:t>
+            </a:r>
+            <a:r>
+              <a:rPr lang="en-US" altLang="zh-TW"/>
+              <a:t>Ctrl + Shift + Z </a:t>
+            </a:r>
+            <a:r>
+              <a:rPr lang="zh-TW" altLang="en-US"/>
+              <a:t>重做</a:t>
+            </a:r>
+            <a:r>
+              <a:rPr lang="en-US" altLang="zh-TW"/>
+              <a:t>(</a:t>
+            </a:r>
+            <a:r>
+              <a:rPr lang="zh-TW" altLang="en-US"/>
+              <a:t>視編輯程式而定</a:t>
+            </a:r>
+            <a:r>
+              <a:rPr lang="en-US" altLang="zh-TW"/>
+              <a:t>)</a:t>
+            </a:r>
           </a:p>
           <a:p>
             <a:pPr marL="514350" indent="-514350">
@@ -11170,13 +11201,13 @@
             </a:pPr>
             <a:r>
               <a:rPr lang="en-US" altLang="zh-TW" noProof="1"/>
-              <a:t>Alt+Tab</a:t>
-            </a:r>
-            <a:r>
-              <a:rPr lang="zh-TW" altLang="en-US" dirty="0"/>
+              <a:t>Alt + Tab</a:t>
+            </a:r>
+            <a:r>
+              <a:rPr lang="zh-TW" altLang="en-US"/>
               <a:t> 切換視窗</a:t>
             </a:r>
-            <a:endParaRPr lang="en-US" altLang="zh-TW" dirty="0"/>
+            <a:endParaRPr lang="en-US" altLang="zh-TW"/>
           </a:p>
           <a:p>
             <a:pPr marL="514350" indent="-514350">
@@ -11184,15 +11215,35 @@
             </a:pPr>
             <a:r>
               <a:rPr lang="en-US" altLang="zh-TW" noProof="1"/>
-              <a:t>Windows+V</a:t>
-            </a:r>
-            <a:r>
-              <a:rPr lang="en-US" altLang="zh-TW" dirty="0"/>
+              <a:t>Windows</a:t>
+            </a:r>
+            <a:r>
+              <a:rPr lang="zh-TW" altLang="en-US" noProof="1"/>
               <a:t> </a:t>
             </a:r>
             <a:r>
+              <a:rPr lang="en-US" altLang="zh-TW" noProof="1"/>
+              <a:t>+</a:t>
+            </a:r>
+            <a:r>
+              <a:rPr lang="zh-TW" altLang="en-US" noProof="1"/>
+              <a:t> </a:t>
+            </a:r>
+            <a:r>
+              <a:rPr lang="en-US" altLang="zh-TW" noProof="1"/>
+              <a:t>V</a:t>
+            </a:r>
+            <a:r>
+              <a:rPr lang="en-US" altLang="zh-TW"/>
+              <a:t> Windows </a:t>
+            </a:r>
+            <a:r>
+              <a:rPr lang="zh-TW" altLang="en-US"/>
+              <a:t>剪貼</a:t>
+            </a:r>
+            <a:r>
               <a:rPr lang="zh-TW" altLang="en-US" dirty="0"/>
-              <a:t>剪貼簿</a:t>
+              <a:t>簿</a:t>
             </a:r>
             <a:endParaRPr lang="en-US" altLang="zh-TW" dirty="0"/>
           </a:p>
@@ -11218,7 +11269,7 @@
         </p:nvGrpSpPr>
         <p:grpSpPr>
           <a:xfrm>
-            <a:off x="3971365" y="1663700"/>
+            <a:off x="3971365" y="1567891"/>
             <a:ext cx="7953701" cy="2449676"/>
             <a:chOff x="3686175" y="1749425"/>
             <a:chExt cx="8391291" cy="2584450"/>
@@ -15530,7 +15581,12 @@
             <p:ph idx="1"/>
           </p:nvPr>
         </p:nvSpPr>
-        <p:spPr/>
+        <p:spPr>
+          <a:xfrm>
+            <a:off x="838200" y="2515908"/>
+            <a:ext cx="10663518" cy="2611904"/>
+          </a:xfrm>
+        </p:spPr>
         <p:txBody>
           <a:bodyPr/>
           <a:lstStyle/>

--- a/powerpoint/03_編輯器與第一個 Java 程式.pptx
+++ b/powerpoint/03_編輯器與第一個 Java 程式.pptx
@@ -214,7 +214,7 @@
           <a:p>
             <a:fld id="{7CB51037-9A88-43F8-8062-A2DDD941B0DA}" type="datetimeFigureOut">
               <a:rPr lang="zh-TW" altLang="en-US" smtClean="0"/>
-              <a:t>2024/7/15</a:t>
+              <a:t>2024/7/30</a:t>
             </a:fld>
             <a:endParaRPr lang="zh-TW" altLang="en-US"/>
           </a:p>
@@ -11903,12 +11903,24 @@
               <a:t>讓我們用 </a:t>
             </a:r>
             <a:r>
-              <a:rPr lang="en-US" altLang="zh-TW"/>
+              <a:rPr lang="en-US" altLang="zh-TW">
+                <a:solidFill>
+                  <a:srgbClr val="92D050"/>
+                </a:solidFill>
+              </a:rPr>
               <a:t>Notepad++</a:t>
             </a:r>
             <a:r>
+              <a:rPr lang="zh-TW" altLang="en-US">
+                <a:solidFill>
+                  <a:srgbClr val="92D050"/>
+                </a:solidFill>
+              </a:rPr>
+              <a:t> </a:t>
+            </a:r>
+            <a:r>
               <a:rPr lang="zh-TW" altLang="en-US"/>
-              <a:t> 撰寫我們的第一個 </a:t>
+              <a:t>撰寫我們的第一個 </a:t>
             </a:r>
             <a:r>
               <a:rPr lang="en-US" altLang="zh-TW"/>
@@ -11922,7 +11934,11 @@
           </a:p>
           <a:p>
             <a:r>
-              <a:rPr lang="en-US" altLang="zh-TW"/>
+              <a:rPr lang="en-US" altLang="zh-TW">
+                <a:solidFill>
+                  <a:srgbClr val="92D050"/>
+                </a:solidFill>
+              </a:rPr>
               <a:t>Notepad++ </a:t>
             </a:r>
             <a:r>
@@ -13555,7 +13571,11 @@
               <a:t>請使用 </a:t>
             </a:r>
             <a:r>
-              <a:rPr lang="en-US" altLang="zh-TW"/>
+              <a:rPr lang="en-US" altLang="zh-TW">
+                <a:solidFill>
+                  <a:srgbClr val="92D050"/>
+                </a:solidFill>
+              </a:rPr>
               <a:t>Notepad++ </a:t>
             </a:r>
             <a:r>
@@ -14551,7 +14571,7 @@
         </p:nvSpPr>
         <p:spPr>
           <a:xfrm>
-            <a:off x="838200" y="284442"/>
+            <a:off x="838200" y="0"/>
             <a:ext cx="10515600" cy="1325563"/>
           </a:xfrm>
         </p:spPr>
@@ -14561,21 +14581,8 @@
           <a:p>
             <a:r>
               <a:rPr lang="zh-TW" altLang="en-US"/>
-              <a:t>編譯</a:t>
-            </a:r>
-            <a:r>
-              <a:rPr lang="en-US" altLang="zh-TW"/>
-              <a:t>(Compile)</a:t>
-            </a:r>
-            <a:r>
-              <a:rPr lang="zh-TW" altLang="en-US"/>
-              <a:t>與執行</a:t>
-            </a:r>
-            <a:r>
-              <a:rPr lang="en-US" altLang="zh-TW"/>
-              <a:t>(Run)</a:t>
-            </a:r>
-            <a:endParaRPr lang="zh-TW" altLang="en-US"/>
+              <a:t>編譯與執行</a:t>
+            </a:r>
           </a:p>
         </p:txBody>
       </p:sp>
@@ -14597,8 +14604,8 @@
         </p:nvSpPr>
         <p:spPr>
           <a:xfrm>
-            <a:off x="286871" y="1610472"/>
-            <a:ext cx="11618258" cy="1592277"/>
+            <a:off x="829236" y="982400"/>
+            <a:ext cx="10524564" cy="2074813"/>
           </a:xfrm>
         </p:spPr>
         <p:txBody>
@@ -14613,7 +14620,46 @@
             </a:r>
             <a:r>
               <a:rPr lang="zh-TW" altLang="en-US"/>
-              <a:t> 是個跨平臺語言，程式編譯後便可以在所有安裝 </a:t>
+              <a:t> 是個</a:t>
+            </a:r>
+            <a:r>
+              <a:rPr lang="zh-TW" altLang="en-US">
+                <a:solidFill>
+                  <a:srgbClr val="00B0F0"/>
+                </a:solidFill>
+              </a:rPr>
+              <a:t>跨平臺語言</a:t>
+            </a:r>
+            <a:endParaRPr lang="en-US" altLang="zh-TW">
+              <a:solidFill>
+                <a:srgbClr val="00B0F0"/>
+              </a:solidFill>
+            </a:endParaRPr>
+          </a:p>
+          <a:p>
+            <a:r>
+              <a:rPr lang="zh-TW" altLang="en-US"/>
+              <a:t>程式</a:t>
+            </a:r>
+            <a:r>
+              <a:rPr lang="zh-TW" altLang="en-US">
+                <a:solidFill>
+                  <a:srgbClr val="FFC000"/>
+                </a:solidFill>
+              </a:rPr>
+              <a:t>編譯</a:t>
+            </a:r>
+            <a:r>
+              <a:rPr lang="en-US" altLang="zh-TW">
+                <a:solidFill>
+                  <a:srgbClr val="FFC000"/>
+                </a:solidFill>
+              </a:rPr>
+              <a:t>(compile)</a:t>
+            </a:r>
+            <a:r>
+              <a:rPr lang="zh-TW" altLang="en-US"/>
+              <a:t>後便可以在所有安裝 </a:t>
             </a:r>
             <a:r>
               <a:rPr lang="en-US" altLang="zh-TW"/>
@@ -14621,9 +14667,24 @@
             </a:r>
             <a:r>
               <a:rPr lang="zh-TW" altLang="en-US"/>
-              <a:t> 的地方執行</a:t>
-            </a:r>
-            <a:endParaRPr lang="en-US" altLang="zh-TW"/>
+              <a:t> 的地方</a:t>
+            </a:r>
+            <a:r>
+              <a:rPr lang="zh-TW" altLang="en-US">
+                <a:solidFill>
+                  <a:srgbClr val="FFC000"/>
+                </a:solidFill>
+              </a:rPr>
+              <a:t>執行</a:t>
+            </a:r>
+            <a:r>
+              <a:rPr lang="en-US" altLang="zh-TW">
+                <a:solidFill>
+                  <a:srgbClr val="FFC000"/>
+                </a:solidFill>
+              </a:rPr>
+              <a:t>(run)</a:t>
+            </a:r>
           </a:p>
           <a:p>
             <a:r>
@@ -14632,18 +14693,50 @@
             </a:r>
             <a:r>
               <a:rPr lang="zh-TW" altLang="en-US"/>
-              <a:t>程式須經過編譯器</a:t>
-            </a:r>
-            <a:r>
-              <a:rPr lang="en-US" altLang="zh-TW"/>
+              <a:t>程式須經過</a:t>
+            </a:r>
+            <a:r>
+              <a:rPr lang="zh-TW" altLang="en-US">
+                <a:solidFill>
+                  <a:srgbClr val="00B0F0"/>
+                </a:solidFill>
+              </a:rPr>
+              <a:t>編譯器</a:t>
+            </a:r>
+            <a:r>
+              <a:rPr lang="en-US" altLang="zh-TW">
+                <a:solidFill>
+                  <a:srgbClr val="00B0F0"/>
+                </a:solidFill>
+              </a:rPr>
               <a:t>(compiler)</a:t>
             </a:r>
             <a:r>
+              <a:rPr lang="zh-TW" altLang="en-US">
+                <a:solidFill>
+                  <a:srgbClr val="FFC000"/>
+                </a:solidFill>
+              </a:rPr>
+              <a:t>編譯</a:t>
+            </a:r>
+            <a:r>
               <a:rPr lang="zh-TW" altLang="en-US"/>
-              <a:t>編譯成位元組碼</a:t>
-            </a:r>
-            <a:r>
-              <a:rPr lang="en-US" altLang="zh-TW"/>
+              <a:t>成</a:t>
+            </a:r>
+            <a:r>
+              <a:rPr lang="zh-TW" altLang="en-US">
+                <a:solidFill>
+                  <a:srgbClr val="00B0F0"/>
+                </a:solidFill>
+              </a:rPr>
+              <a:t>位元組碼</a:t>
+            </a:r>
+            <a:r>
+              <a:rPr lang="en-US" altLang="zh-TW">
+                <a:solidFill>
+                  <a:srgbClr val="00B0F0"/>
+                </a:solidFill>
+              </a:rPr>
               <a:t>(bytecode)</a:t>
             </a:r>
           </a:p>
@@ -14653,30 +14746,58 @@
               <a:t>才能被 </a:t>
             </a:r>
             <a:r>
-              <a:rPr lang="en-US" altLang="zh-TW"/>
+              <a:rPr lang="en-US" altLang="zh-TW">
+                <a:solidFill>
+                  <a:srgbClr val="00B0F0"/>
+                </a:solidFill>
+              </a:rPr>
               <a:t>Java</a:t>
             </a:r>
             <a:r>
-              <a:rPr lang="zh-TW" altLang="en-US"/>
+              <a:rPr lang="zh-TW" altLang="en-US">
+                <a:solidFill>
+                  <a:srgbClr val="00B0F0"/>
+                </a:solidFill>
+              </a:rPr>
               <a:t> 虛擬機</a:t>
             </a:r>
             <a:r>
-              <a:rPr lang="en-US" altLang="zh-TW"/>
+              <a:rPr lang="en-US" altLang="zh-TW">
+                <a:solidFill>
+                  <a:srgbClr val="00B0F0"/>
+                </a:solidFill>
+              </a:rPr>
               <a:t>(Java Virtual Machine</a:t>
             </a:r>
             <a:r>
-              <a:rPr lang="zh-TW" altLang="en-US"/>
+              <a:rPr lang="zh-TW" altLang="en-US">
+                <a:solidFill>
+                  <a:srgbClr val="00B0F0"/>
+                </a:solidFill>
+              </a:rPr>
               <a:t>，簡稱</a:t>
             </a:r>
             <a:r>
-              <a:rPr lang="en-US" altLang="zh-TW"/>
+              <a:rPr lang="en-US" altLang="zh-TW">
+                <a:solidFill>
+                  <a:srgbClr val="00B0F0"/>
+                </a:solidFill>
+              </a:rPr>
               <a:t>JVM)</a:t>
             </a:r>
             <a:r>
-              <a:rPr lang="zh-TW" altLang="en-US"/>
+              <a:rPr lang="zh-TW" altLang="en-US">
+                <a:solidFill>
+                  <a:srgbClr val="FFC000"/>
+                </a:solidFill>
+              </a:rPr>
               <a:t>執行</a:t>
             </a:r>
-            <a:endParaRPr lang="en-US" altLang="zh-TW"/>
+            <a:endParaRPr lang="en-US" altLang="zh-TW">
+              <a:solidFill>
+                <a:srgbClr val="FFC000"/>
+              </a:solidFill>
+            </a:endParaRPr>
           </a:p>
         </p:txBody>
       </p:sp>
@@ -17664,50 +17785,106 @@
             </a:r>
             <a:r>
               <a:rPr lang="zh-TW" altLang="en-US"/>
-              <a:t>程式不需要經過編譯</a:t>
+              <a:t>程式不需要經過</a:t>
+            </a:r>
+            <a:r>
+              <a:rPr lang="zh-TW" altLang="en-US">
+                <a:solidFill>
+                  <a:srgbClr val="FFC000"/>
+                </a:solidFill>
+              </a:rPr>
+              <a:t>編譯</a:t>
+            </a:r>
+            <a:endParaRPr lang="en-US" altLang="zh-TW">
+              <a:solidFill>
+                <a:srgbClr val="FFC000"/>
+              </a:solidFill>
+            </a:endParaRPr>
+          </a:p>
+          <a:p>
+            <a:r>
+              <a:rPr lang="zh-TW" altLang="en-US"/>
+              <a:t>而是經由</a:t>
+            </a:r>
+            <a:r>
+              <a:rPr lang="zh-TW" altLang="en-US">
+                <a:solidFill>
+                  <a:srgbClr val="00B0F0"/>
+                </a:solidFill>
+              </a:rPr>
+              <a:t>直譯器</a:t>
+            </a:r>
+            <a:r>
+              <a:rPr lang="en-US" altLang="zh-TW">
+                <a:solidFill>
+                  <a:srgbClr val="00B0F0"/>
+                </a:solidFill>
+              </a:rPr>
+              <a:t>(interpreter)</a:t>
+            </a:r>
+            <a:r>
+              <a:rPr lang="zh-TW" altLang="en-US"/>
+              <a:t>執行一行</a:t>
+            </a:r>
+            <a:r>
+              <a:rPr lang="zh-TW" altLang="en-US">
+                <a:solidFill>
+                  <a:srgbClr val="FFC000"/>
+                </a:solidFill>
+              </a:rPr>
+              <a:t>翻譯</a:t>
+            </a:r>
+            <a:r>
+              <a:rPr lang="en-US" altLang="zh-TW">
+                <a:solidFill>
+                  <a:srgbClr val="FFC000"/>
+                </a:solidFill>
+              </a:rPr>
+              <a:t>(translate)</a:t>
+            </a:r>
+            <a:r>
+              <a:rPr lang="zh-TW" altLang="en-US"/>
+              <a:t>一行</a:t>
             </a:r>
             <a:endParaRPr lang="en-US" altLang="zh-TW"/>
           </a:p>
           <a:p>
             <a:r>
               <a:rPr lang="zh-TW" altLang="en-US"/>
-              <a:t>而是經由直譯器</a:t>
+              <a:t>所以執行起來速度與效率相較 </a:t>
             </a:r>
             <a:r>
               <a:rPr lang="en-US" altLang="zh-TW"/>
-              <a:t>(interpreter)</a:t>
+              <a:t>C/C++ </a:t>
             </a:r>
             <a:r>
               <a:rPr lang="zh-TW" altLang="en-US"/>
-              <a:t>執行一行翻譯一行</a:t>
+              <a:t>慢許多</a:t>
             </a:r>
             <a:endParaRPr lang="en-US" altLang="zh-TW"/>
           </a:p>
           <a:p>
             <a:r>
               <a:rPr lang="zh-TW" altLang="en-US"/>
-              <a:t>所以執行起來速度與效率相較 </a:t>
-            </a:r>
-            <a:r>
-              <a:rPr lang="en-US" altLang="zh-TW"/>
-              <a:t>C/C++ </a:t>
+              <a:t>因為執行時花很多時間在</a:t>
+            </a:r>
+            <a:r>
+              <a:rPr lang="zh-TW" altLang="en-US">
+                <a:solidFill>
+                  <a:srgbClr val="FFC000"/>
+                </a:solidFill>
+              </a:rPr>
+              <a:t>翻譯</a:t>
             </a:r>
             <a:r>
               <a:rPr lang="zh-TW" altLang="en-US"/>
-              <a:t>慢許多</a:t>
+              <a:t>上</a:t>
             </a:r>
             <a:endParaRPr lang="en-US" altLang="zh-TW"/>
           </a:p>
           <a:p>
             <a:r>
               <a:rPr lang="zh-TW" altLang="en-US"/>
-              <a:t>因為執行時花很多時間在翻譯上</a:t>
-            </a:r>
-            <a:endParaRPr lang="en-US" altLang="zh-TW"/>
-          </a:p>
-          <a:p>
-            <a:r>
-              <a:rPr lang="zh-TW" altLang="en-US"/>
               <a:t>類似的語言還有 </a:t>
             </a:r>
             <a:r>
@@ -17716,10 +17893,22 @@
             </a:r>
             <a:r>
               <a:rPr lang="zh-TW" altLang="en-US"/>
-              <a:t> 等腳本語言</a:t>
-            </a:r>
-            <a:r>
-              <a:rPr lang="en-US" altLang="zh-TW"/>
+              <a:t> 等</a:t>
+            </a:r>
+            <a:r>
+              <a:rPr lang="zh-TW" altLang="en-US">
+                <a:solidFill>
+                  <a:srgbClr val="00B0F0"/>
+                </a:solidFill>
+              </a:rPr>
+              <a:t>腳本語言</a:t>
+            </a:r>
+            <a:r>
+              <a:rPr lang="en-US" altLang="zh-TW">
+                <a:solidFill>
+                  <a:srgbClr val="00B0F0"/>
+                </a:solidFill>
+              </a:rPr>
               <a:t>(Scripting language)</a:t>
             </a:r>
           </a:p>
@@ -17824,7 +18013,31 @@
             </a:r>
             <a:r>
               <a:rPr lang="zh-TW" altLang="en-US"/>
-              <a:t>中，依序使用下列指令來編譯和執行：</a:t>
+              <a:t>中，依序使用下列指令來</a:t>
+            </a:r>
+            <a:r>
+              <a:rPr lang="zh-TW" altLang="en-US">
+                <a:solidFill>
+                  <a:srgbClr val="FFC000"/>
+                </a:solidFill>
+              </a:rPr>
+              <a:t>編譯</a:t>
+            </a:r>
+            <a:r>
+              <a:rPr lang="zh-TW" altLang="en-US"/>
+              <a:t>和</a:t>
+            </a:r>
+            <a:r>
+              <a:rPr lang="zh-TW" altLang="en-US">
+                <a:solidFill>
+                  <a:srgbClr val="FFC000"/>
+                </a:solidFill>
+              </a:rPr>
+              <a:t>執行</a:t>
+            </a:r>
+            <a:r>
+              <a:rPr lang="zh-TW" altLang="en-US"/>
+              <a:t>：</a:t>
             </a:r>
             <a:endParaRPr lang="en-US" altLang="zh-TW"/>
           </a:p>
@@ -18156,7 +18369,7 @@
                 <a:ea typeface="微軟正黑體 Light"/>
                 <a:cs typeface="+mn-cs"/>
               </a:rPr>
-              <a:t> 喔！</a:t>
+              <a:t> </a:t>
             </a:r>
             <a:endParaRPr kumimoji="0" lang="en-US" altLang="zh-TW" sz="2800" b="0" i="0" u="none" strike="noStrike" kern="1200" cap="none" spc="0" normalizeH="0" baseline="0" noProof="0">
               <a:ln>
@@ -19182,7 +19395,23 @@
             </a:r>
             <a:r>
               <a:rPr lang="en-US" altLang="zh-TW"/>
-              <a:t>PowerShell/cmd</a:t>
+              <a:t>PowerShell</a:t>
+            </a:r>
+            <a:r>
+              <a:rPr lang="zh-TW" altLang="en-US"/>
+              <a:t> </a:t>
+            </a:r>
+            <a:r>
+              <a:rPr lang="en-US" altLang="zh-TW"/>
+              <a:t>/</a:t>
+            </a:r>
+            <a:r>
+              <a:rPr lang="zh-TW" altLang="en-US"/>
+              <a:t> </a:t>
+            </a:r>
+            <a:r>
+              <a:rPr lang="en-US" altLang="zh-TW"/>
+              <a:t>cmd</a:t>
             </a:r>
             <a:endParaRPr lang="zh-TW" altLang="en-US"/>
           </a:p>
@@ -19412,7 +19641,7 @@
         </p:nvSpPr>
         <p:spPr>
           <a:xfrm>
-            <a:off x="838200" y="3170681"/>
+            <a:off x="838200" y="3093172"/>
             <a:ext cx="7167420" cy="1093066"/>
           </a:xfrm>
           <a:prstGeom prst="rect">
@@ -20257,9 +20486,9 @@
           <p:grpSpPr>
             <a:xfrm>
               <a:off x="4957178" y="1720633"/>
-              <a:ext cx="3416320" cy="4689035"/>
+              <a:ext cx="3522118" cy="4689035"/>
               <a:chOff x="5081413" y="1720633"/>
-              <a:chExt cx="3416320" cy="4689035"/>
+              <a:chExt cx="3522118" cy="4689035"/>
             </a:xfrm>
           </p:grpSpPr>
           <p:pic>
@@ -20316,7 +20545,7 @@
             <p:spPr>
               <a:xfrm>
                 <a:off x="5081413" y="5024673"/>
-                <a:ext cx="3416320" cy="1384995"/>
+                <a:ext cx="3522118" cy="1384995"/>
               </a:xfrm>
               <a:prstGeom prst="rect">
                 <a:avLst/>
@@ -20478,7 +20707,7 @@
                     <a:ea typeface="微軟正黑體 Light"/>
                     <a:cs typeface="+mn-cs"/>
                   </a:rPr>
-                  <a:t>印度</a:t>
+                  <a:t>印度 </a:t>
                 </a:r>
                 <a:r>
                   <a:rPr kumimoji="0" lang="en-US" altLang="zh-TW" sz="2800" b="0" i="0" u="none" strike="noStrike" kern="1200" cap="none" spc="0" normalizeH="0" baseline="0" noProof="0">
@@ -20512,7 +20741,7 @@
                     <a:ea typeface="微軟正黑體 Light"/>
                     <a:cs typeface="+mn-cs"/>
                   </a:rPr>
-                  <a:t>島的咖啡</a:t>
+                  <a:t> 島的咖啡</a:t>
                 </a:r>
               </a:p>
             </p:txBody>

--- a/powerpoint/03_編輯器與第一個 Java 程式.pptx
+++ b/powerpoint/03_編輯器與第一個 Java 程式.pptx
@@ -214,7 +214,7 @@
           <a:p>
             <a:fld id="{7CB51037-9A88-43F8-8062-A2DDD941B0DA}" type="datetimeFigureOut">
               <a:rPr lang="zh-TW" altLang="en-US" smtClean="0"/>
-              <a:t>2024/7/30</a:t>
+              <a:t>2024/8/6</a:t>
             </a:fld>
             <a:endParaRPr lang="zh-TW" altLang="en-US"/>
           </a:p>
@@ -682,6 +682,155 @@
                 <a:tabLst/>
                 <a:defRPr/>
               </a:pPr>
+              <a:t>17</a:t>
+            </a:fld>
+            <a:endParaRPr kumimoji="0" lang="zh-TW" altLang="en-US" sz="1200" b="0" i="0" u="none" strike="noStrike" kern="1200" cap="none" spc="0" normalizeH="0" baseline="0" noProof="0">
+              <a:ln>
+                <a:noFill/>
+              </a:ln>
+              <a:solidFill>
+                <a:prstClr val="black"/>
+              </a:solidFill>
+              <a:effectLst/>
+              <a:uLnTx/>
+              <a:uFillTx/>
+              <a:latin typeface="Calibri" panose="020F0502020204030204"/>
+              <a:ea typeface="新細明體" panose="02020500000000000000" pitchFamily="18" charset="-120"/>
+              <a:cs typeface="+mn-cs"/>
+            </a:endParaRPr>
+          </a:p>
+        </p:txBody>
+      </p:sp>
+    </p:spTree>
+    <p:extLst>
+      <p:ext uri="{BB962C8B-B14F-4D97-AF65-F5344CB8AC3E}">
+        <p14:creationId xmlns:p14="http://schemas.microsoft.com/office/powerpoint/2010/main" val="3417935688"/>
+      </p:ext>
+    </p:extLst>
+  </p:cSld>
+  <p:clrMapOvr>
+    <a:masterClrMapping/>
+  </p:clrMapOvr>
+</p:notes>
+</file>
+
+<file path=ppt/notesSlides/notesSlide11.xml><?xml version="1.0" encoding="utf-8"?>
+<p:notes xmlns:a="http://schemas.openxmlformats.org/drawingml/2006/main" xmlns:r="http://schemas.openxmlformats.org/officeDocument/2006/relationships" xmlns:p="http://schemas.openxmlformats.org/presentationml/2006/main">
+  <p:cSld>
+    <p:spTree>
+      <p:nvGrpSpPr>
+        <p:cNvPr id="1" name=""/>
+        <p:cNvGrpSpPr/>
+        <p:nvPr/>
+      </p:nvGrpSpPr>
+      <p:grpSpPr>
+        <a:xfrm>
+          <a:off x="0" y="0"/>
+          <a:ext cx="0" cy="0"/>
+          <a:chOff x="0" y="0"/>
+          <a:chExt cx="0" cy="0"/>
+        </a:xfrm>
+      </p:grpSpPr>
+      <p:sp>
+        <p:nvSpPr>
+          <p:cNvPr id="2" name="投影片影像版面配置區 1"/>
+          <p:cNvSpPr>
+            <a:spLocks noGrp="1" noRot="1" noChangeAspect="1"/>
+          </p:cNvSpPr>
+          <p:nvPr>
+            <p:ph type="sldImg"/>
+          </p:nvPr>
+        </p:nvSpPr>
+        <p:spPr/>
+      </p:sp>
+      <p:sp>
+        <p:nvSpPr>
+          <p:cNvPr id="3" name="備忘稿版面配置區 2"/>
+          <p:cNvSpPr>
+            <a:spLocks noGrp="1"/>
+          </p:cNvSpPr>
+          <p:nvPr>
+            <p:ph type="body" idx="1"/>
+          </p:nvPr>
+        </p:nvSpPr>
+        <p:spPr/>
+        <p:txBody>
+          <a:bodyPr/>
+          <a:lstStyle/>
+          <a:p>
+            <a:endParaRPr lang="en-US" altLang="zh-TW">
+              <a:solidFill>
+                <a:srgbClr val="BCBEC4"/>
+              </a:solidFill>
+              <a:effectLst/>
+            </a:endParaRPr>
+          </a:p>
+        </p:txBody>
+      </p:sp>
+      <p:sp>
+        <p:nvSpPr>
+          <p:cNvPr id="4" name="投影片編號版面配置區 3"/>
+          <p:cNvSpPr>
+            <a:spLocks noGrp="1"/>
+          </p:cNvSpPr>
+          <p:nvPr>
+            <p:ph type="sldNum" sz="quarter" idx="5"/>
+          </p:nvPr>
+        </p:nvSpPr>
+        <p:spPr/>
+        <p:txBody>
+          <a:bodyPr/>
+          <a:lstStyle/>
+          <a:p>
+            <a:pPr marL="0" marR="0" lvl="0" indent="0" algn="r" defTabSz="914400" rtl="0" eaLnBrk="1" fontAlgn="auto" latinLnBrk="0" hangingPunct="1">
+              <a:lnSpc>
+                <a:spcPct val="100000"/>
+              </a:lnSpc>
+              <a:spcBef>
+                <a:spcPts val="0"/>
+              </a:spcBef>
+              <a:spcAft>
+                <a:spcPts val="0"/>
+              </a:spcAft>
+              <a:buClrTx/>
+              <a:buSzTx/>
+              <a:buFontTx/>
+              <a:buNone/>
+              <a:tabLst/>
+              <a:defRPr/>
+            </a:pPr>
+            <a:fld id="{B29CB067-BC29-4E03-9D8B-5E2AC68A99F3}" type="slidenum">
+              <a:rPr kumimoji="0" lang="zh-TW" altLang="en-US" sz="1200" b="0" i="0" u="none" strike="noStrike" kern="1200" cap="none" spc="0" normalizeH="0" baseline="0" noProof="0" smtClean="0">
+                <a:ln>
+                  <a:noFill/>
+                </a:ln>
+                <a:solidFill>
+                  <a:prstClr val="black"/>
+                </a:solidFill>
+                <a:effectLst/>
+                <a:uLnTx/>
+                <a:uFillTx/>
+                <a:latin typeface="Calibri" panose="020F0502020204030204"/>
+                <a:ea typeface="新細明體" panose="02020500000000000000" pitchFamily="18" charset="-120"/>
+                <a:cs typeface="+mn-cs"/>
+              </a:rPr>
+              <a:pPr marL="0" marR="0" lvl="0" indent="0" algn="r" defTabSz="914400" rtl="0" eaLnBrk="1" fontAlgn="auto" latinLnBrk="0" hangingPunct="1">
+                <a:lnSpc>
+                  <a:spcPct val="100000"/>
+                </a:lnSpc>
+                <a:spcBef>
+                  <a:spcPts val="0"/>
+                </a:spcBef>
+                <a:spcAft>
+                  <a:spcPts val="0"/>
+                </a:spcAft>
+                <a:buClrTx/>
+                <a:buSzTx/>
+                <a:buFontTx/>
+                <a:buNone/>
+                <a:tabLst/>
+                <a:defRPr/>
+              </a:pPr>
               <a:t>18</a:t>
             </a:fld>
             <a:endParaRPr kumimoji="0" lang="zh-TW" altLang="en-US" sz="1200" b="0" i="0" u="none" strike="noStrike" kern="1200" cap="none" spc="0" normalizeH="0" baseline="0" noProof="0">
@@ -1503,12 +1652,7 @@
           <a:bodyPr/>
           <a:lstStyle/>
           <a:p>
-            <a:endParaRPr lang="en-US" altLang="zh-TW">
-              <a:solidFill>
-                <a:srgbClr val="BCBEC4"/>
-              </a:solidFill>
-              <a:effectLst/>
-            </a:endParaRPr>
+            <a:endParaRPr lang="zh-TW" altLang="en-US"/>
           </a:p>
         </p:txBody>
       </p:sp>
@@ -1527,78 +1671,18 @@
           <a:bodyPr/>
           <a:lstStyle/>
           <a:p>
-            <a:pPr marL="0" marR="0" lvl="0" indent="0" algn="r" defTabSz="914400" rtl="0" eaLnBrk="1" fontAlgn="auto" latinLnBrk="0" hangingPunct="1">
-              <a:lnSpc>
-                <a:spcPct val="100000"/>
-              </a:lnSpc>
-              <a:spcBef>
-                <a:spcPts val="0"/>
-              </a:spcBef>
-              <a:spcAft>
-                <a:spcPts val="0"/>
-              </a:spcAft>
-              <a:buClrTx/>
-              <a:buSzTx/>
-              <a:buFontTx/>
-              <a:buNone/>
-              <a:tabLst/>
-              <a:defRPr/>
-            </a:pPr>
-            <a:fld id="{B29CB067-BC29-4E03-9D8B-5E2AC68A99F3}" type="slidenum">
-              <a:rPr kumimoji="0" lang="zh-TW" altLang="en-US" sz="1200" b="0" i="0" u="none" strike="noStrike" kern="1200" cap="none" spc="0" normalizeH="0" baseline="0" noProof="0" smtClean="0">
-                <a:ln>
-                  <a:noFill/>
-                </a:ln>
-                <a:solidFill>
-                  <a:prstClr val="black"/>
-                </a:solidFill>
-                <a:effectLst/>
-                <a:uLnTx/>
-                <a:uFillTx/>
-                <a:latin typeface="Calibri" panose="020F0502020204030204"/>
-                <a:ea typeface="新細明體" panose="02020500000000000000" pitchFamily="18" charset="-120"/>
-                <a:cs typeface="+mn-cs"/>
-              </a:rPr>
-              <a:pPr marL="0" marR="0" lvl="0" indent="0" algn="r" defTabSz="914400" rtl="0" eaLnBrk="1" fontAlgn="auto" latinLnBrk="0" hangingPunct="1">
-                <a:lnSpc>
-                  <a:spcPct val="100000"/>
-                </a:lnSpc>
-                <a:spcBef>
-                  <a:spcPts val="0"/>
-                </a:spcBef>
-                <a:spcAft>
-                  <a:spcPts val="0"/>
-                </a:spcAft>
-                <a:buClrTx/>
-                <a:buSzTx/>
-                <a:buFontTx/>
-                <a:buNone/>
-                <a:tabLst/>
-                <a:defRPr/>
-              </a:pPr>
-              <a:t>11</a:t>
+            <a:fld id="{1C35631C-2D4E-4DBB-85B1-E5907F07B9E8}" type="slidenum">
+              <a:rPr lang="zh-TW" altLang="en-US" smtClean="0"/>
+              <a:t>10</a:t>
             </a:fld>
-            <a:endParaRPr kumimoji="0" lang="zh-TW" altLang="en-US" sz="1200" b="0" i="0" u="none" strike="noStrike" kern="1200" cap="none" spc="0" normalizeH="0" baseline="0" noProof="0">
-              <a:ln>
-                <a:noFill/>
-              </a:ln>
-              <a:solidFill>
-                <a:prstClr val="black"/>
-              </a:solidFill>
-              <a:effectLst/>
-              <a:uLnTx/>
-              <a:uFillTx/>
-              <a:latin typeface="Calibri" panose="020F0502020204030204"/>
-              <a:ea typeface="新細明體" panose="02020500000000000000" pitchFamily="18" charset="-120"/>
-              <a:cs typeface="+mn-cs"/>
-            </a:endParaRPr>
+            <a:endParaRPr lang="zh-TW" altLang="en-US"/>
           </a:p>
         </p:txBody>
       </p:sp>
     </p:spTree>
     <p:extLst>
       <p:ext uri="{BB962C8B-B14F-4D97-AF65-F5344CB8AC3E}">
-        <p14:creationId xmlns:p14="http://schemas.microsoft.com/office/powerpoint/2010/main" val="670639160"/>
+        <p14:creationId xmlns:p14="http://schemas.microsoft.com/office/powerpoint/2010/main" val="3916460391"/>
       </p:ext>
     </p:extLst>
   </p:cSld>
@@ -1725,7 +1809,7 @@
                 <a:tabLst/>
                 <a:defRPr/>
               </a:pPr>
-              <a:t>13</a:t>
+              <a:t>11</a:t>
             </a:fld>
             <a:endParaRPr kumimoji="0" lang="zh-TW" altLang="en-US" sz="1200" b="0" i="0" u="none" strike="noStrike" kern="1200" cap="none" spc="0" normalizeH="0" baseline="0" noProof="0">
               <a:ln>
@@ -1747,7 +1831,7 @@
     </p:spTree>
     <p:extLst>
       <p:ext uri="{BB962C8B-B14F-4D97-AF65-F5344CB8AC3E}">
-        <p14:creationId xmlns:p14="http://schemas.microsoft.com/office/powerpoint/2010/main" val="3348994766"/>
+        <p14:creationId xmlns:p14="http://schemas.microsoft.com/office/powerpoint/2010/main" val="670639160"/>
       </p:ext>
     </p:extLst>
   </p:cSld>
@@ -1874,7 +1958,7 @@
                 <a:tabLst/>
                 <a:defRPr/>
               </a:pPr>
-              <a:t>17</a:t>
+              <a:t>13</a:t>
             </a:fld>
             <a:endParaRPr kumimoji="0" lang="zh-TW" altLang="en-US" sz="1200" b="0" i="0" u="none" strike="noStrike" kern="1200" cap="none" spc="0" normalizeH="0" baseline="0" noProof="0">
               <a:ln>
@@ -1896,7 +1980,7 @@
     </p:spTree>
     <p:extLst>
       <p:ext uri="{BB962C8B-B14F-4D97-AF65-F5344CB8AC3E}">
-        <p14:creationId xmlns:p14="http://schemas.microsoft.com/office/powerpoint/2010/main" val="3417935688"/>
+        <p14:creationId xmlns:p14="http://schemas.microsoft.com/office/powerpoint/2010/main" val="3348994766"/>
       </p:ext>
     </p:extLst>
   </p:cSld>
@@ -9782,10 +9866,10 @@
         </p:nvGrpSpPr>
         <p:grpSpPr>
           <a:xfrm>
-            <a:off x="295202" y="1559396"/>
-            <a:ext cx="11402860" cy="4834037"/>
-            <a:chOff x="295202" y="1559396"/>
-            <a:chExt cx="11402860" cy="4834037"/>
+            <a:off x="295202" y="1380005"/>
+            <a:ext cx="11402860" cy="5013428"/>
+            <a:chOff x="295202" y="1380005"/>
+            <a:chExt cx="11402860" cy="5013428"/>
           </a:xfrm>
         </p:grpSpPr>
         <p:grpSp>
@@ -9823,7 +9907,7 @@
               <p:nvPr/>
             </p:nvPicPr>
             <p:blipFill rotWithShape="1">
-              <a:blip r:embed="rId2"/>
+              <a:blip r:embed="rId3"/>
               <a:srcRect b="862"/>
               <a:stretch/>
             </p:blipFill>
@@ -9980,7 +10064,7 @@
             <p:nvPr/>
           </p:nvPicPr>
           <p:blipFill>
-            <a:blip r:embed="rId3"/>
+            <a:blip r:embed="rId4"/>
             <a:stretch>
               <a:fillRect/>
             </a:stretch>
@@ -10010,7 +10094,7 @@
             <p:nvPr/>
           </p:nvPicPr>
           <p:blipFill>
-            <a:blip r:embed="rId4"/>
+            <a:blip r:embed="rId5"/>
             <a:stretch>
               <a:fillRect/>
             </a:stretch>
@@ -10067,7 +10151,7 @@
         <p:pic>
           <p:nvPicPr>
             <p:cNvPr id="15" name="圖片 14">
-              <a:hlinkClick r:id="rId5"/>
+              <a:hlinkClick r:id="rId6"/>
               <a:extLst>
                 <a:ext uri="{FF2B5EF4-FFF2-40B4-BE49-F238E27FC236}">
                   <a16:creationId xmlns:a16="http://schemas.microsoft.com/office/drawing/2014/main" id="{60C235B3-0977-4325-82CD-974FCB1C8F97}"/>
@@ -10080,7 +10164,7 @@
             <p:nvPr/>
           </p:nvPicPr>
           <p:blipFill>
-            <a:blip r:embed="rId6">
+            <a:blip r:embed="rId7">
               <a:extLst>
                 <a:ext uri="{28A0092B-C50C-407E-A947-70E740481C1C}">
                   <a14:useLocalDpi xmlns:a14="http://schemas.microsoft.com/office/drawing/2010/main" val="0"/>
@@ -10116,7 +10200,7 @@
             <p:nvPr/>
           </p:nvPicPr>
           <p:blipFill>
-            <a:blip r:embed="rId7"/>
+            <a:blip r:embed="rId8"/>
             <a:stretch>
               <a:fillRect/>
             </a:stretch>
@@ -11061,7 +11145,7 @@
           </p:nvCxnSpPr>
           <p:spPr>
             <a:xfrm flipH="1">
-              <a:off x="9718088" y="2718451"/>
+              <a:off x="9718088" y="2753934"/>
               <a:ext cx="700771" cy="0"/>
             </a:xfrm>
             <a:prstGeom prst="line">
@@ -11106,8 +11190,8 @@
           </p:nvCxnSpPr>
           <p:spPr>
             <a:xfrm flipV="1">
-              <a:off x="9718088" y="2700522"/>
-              <a:ext cx="0" cy="1415027"/>
+              <a:off x="9737140" y="2745346"/>
+              <a:ext cx="0" cy="1370204"/>
             </a:xfrm>
             <a:prstGeom prst="line">
               <a:avLst/>
@@ -11147,7 +11231,7 @@
           </p:nvSpPr>
           <p:spPr>
             <a:xfrm>
-              <a:off x="9686600" y="2780199"/>
+              <a:off x="9686600" y="2811494"/>
               <a:ext cx="461665" cy="1246495"/>
             </a:xfrm>
             <a:prstGeom prst="rect">
@@ -11585,7 +11669,7 @@
           <p:spPr>
             <a:xfrm flipH="1">
               <a:off x="6894205" y="3641818"/>
-              <a:ext cx="703152" cy="0"/>
+              <a:ext cx="773420" cy="0"/>
             </a:xfrm>
             <a:prstGeom prst="line">
               <a:avLst/>
@@ -11613,6 +11697,45 @@
             </a:fontRef>
           </p:style>
         </p:cxnSp>
+        <p:sp>
+          <p:nvSpPr>
+            <p:cNvPr id="53" name="文字方塊 52">
+              <a:extLst>
+                <a:ext uri="{FF2B5EF4-FFF2-40B4-BE49-F238E27FC236}">
+                  <a16:creationId xmlns:a16="http://schemas.microsoft.com/office/drawing/2014/main" id="{EF058FCB-668F-4135-B18D-041C8AFA1F19}"/>
+                </a:ext>
+              </a:extLst>
+            </p:cNvPr>
+            <p:cNvSpPr txBox="1"/>
+            <p:nvPr/>
+          </p:nvSpPr>
+          <p:spPr>
+            <a:xfrm>
+              <a:off x="519224" y="1380005"/>
+              <a:ext cx="1338828" cy="369332"/>
+            </a:xfrm>
+            <a:prstGeom prst="rect">
+              <a:avLst/>
+            </a:prstGeom>
+            <a:noFill/>
+          </p:spPr>
+          <p:txBody>
+            <a:bodyPr wrap="none" rtlCol="0">
+              <a:spAutoFit/>
+            </a:bodyPr>
+            <a:lstStyle/>
+            <a:p>
+              <a:r>
+                <a:rPr lang="zh-TW" altLang="en-US">
+                  <a:solidFill>
+                    <a:srgbClr val="92D050"/>
+                  </a:solidFill>
+                </a:rPr>
+                <a:t>同公司產品</a:t>
+              </a:r>
+            </a:p>
+          </p:txBody>
+        </p:sp>
       </p:grpSp>
       <p:sp>
         <p:nvSpPr>
@@ -11647,74 +11770,139 @@
           </a:p>
         </p:txBody>
       </p:sp>
-      <p:sp>
-        <p:nvSpPr>
-          <p:cNvPr id="40" name="矩形: 圓角 39">
+      <p:cxnSp>
+        <p:nvCxnSpPr>
+          <p:cNvPr id="45" name="直線接點 44">
             <a:extLst>
               <a:ext uri="{FF2B5EF4-FFF2-40B4-BE49-F238E27FC236}">
-                <a16:creationId xmlns:a16="http://schemas.microsoft.com/office/drawing/2014/main" id="{4F9E6429-5875-44F9-869B-20297BA0130F}"/>
+                <a16:creationId xmlns:a16="http://schemas.microsoft.com/office/drawing/2014/main" id="{77530A20-0DA2-494F-BD64-68F6F0DF81BD}"/>
               </a:ext>
             </a:extLst>
           </p:cNvPr>
-          <p:cNvSpPr/>
+          <p:cNvCxnSpPr>
+            <a:cxnSpLocks/>
+          </p:cNvCxnSpPr>
           <p:nvPr/>
-        </p:nvSpPr>
+        </p:nvCxnSpPr>
         <p:spPr>
-          <a:xfrm>
-            <a:off x="4521995" y="3239610"/>
-            <a:ext cx="2192571" cy="1230426"/>
+          <a:xfrm flipH="1">
+            <a:off x="635861" y="1843984"/>
+            <a:ext cx="476107" cy="0"/>
           </a:xfrm>
-          <a:prstGeom prst="roundRect">
+          <a:prstGeom prst="line">
             <a:avLst/>
           </a:prstGeom>
-          <a:noFill/>
           <a:ln w="38100">
             <a:solidFill>
-              <a:srgbClr val="FF0000"/>
+              <a:srgbClr val="92D050"/>
             </a:solidFill>
+            <a:headEnd type="triangle" w="med" len="med"/>
+            <a:tailEnd type="none" w="med" len="med"/>
           </a:ln>
         </p:spPr>
         <p:style>
-          <a:lnRef idx="2">
-            <a:schemeClr val="accent1">
-              <a:shade val="50000"/>
-            </a:schemeClr>
+          <a:lnRef idx="1">
+            <a:schemeClr val="accent1"/>
           </a:lnRef>
-          <a:fillRef idx="1">
+          <a:fillRef idx="0">
             <a:schemeClr val="accent1"/>
           </a:fillRef>
           <a:effectRef idx="0">
             <a:schemeClr val="accent1"/>
           </a:effectRef>
           <a:fontRef idx="minor">
-            <a:schemeClr val="lt1"/>
+            <a:schemeClr val="tx1"/>
           </a:fontRef>
         </p:style>
-        <p:txBody>
-          <a:bodyPr rtlCol="0" anchor="ctr"/>
-          <a:lstStyle/>
-          <a:p>
-            <a:r>
-              <a:rPr lang="zh-TW" altLang="en-US" sz="2400"/>
-              <a:t>沒有在榜上：</a:t>
-            </a:r>
-            <a:endParaRPr lang="en-US" altLang="zh-TW" sz="2400"/>
-          </a:p>
-          <a:p>
-            <a:r>
-              <a:rPr lang="en-US" altLang="zh-TW" sz="2400"/>
-              <a:t>Dev-C++</a:t>
-            </a:r>
-          </a:p>
-          <a:p>
-            <a:r>
-              <a:rPr lang="en-US" altLang="zh-TW" sz="2400"/>
-              <a:t>Python IDLE</a:t>
-            </a:r>
-            <a:endParaRPr lang="zh-TW" altLang="en-US" sz="2400"/>
-          </a:p>
-        </p:txBody>
-      </p:sp>
+      </p:cxnSp>
+      <p:cxnSp>
+        <p:nvCxnSpPr>
+          <p:cNvPr id="47" name="直線接點 46">
+            <a:extLst>
+              <a:ext uri="{FF2B5EF4-FFF2-40B4-BE49-F238E27FC236}">
+                <a16:creationId xmlns:a16="http://schemas.microsoft.com/office/drawing/2014/main" id="{45EA66E3-F2E8-4DB4-A584-3CC2E381A70D}"/>
+              </a:ext>
+            </a:extLst>
+          </p:cNvPr>
+          <p:cNvCxnSpPr>
+            <a:cxnSpLocks/>
+          </p:cNvCxnSpPr>
+          <p:nvPr/>
+        </p:nvCxnSpPr>
+        <p:spPr>
+          <a:xfrm flipV="1">
+            <a:off x="655064" y="1838045"/>
+            <a:ext cx="0" cy="409241"/>
+          </a:xfrm>
+          <a:prstGeom prst="line">
+            <a:avLst/>
+          </a:prstGeom>
+          <a:ln w="38100">
+            <a:solidFill>
+              <a:srgbClr val="92D050"/>
+            </a:solidFill>
+          </a:ln>
+        </p:spPr>
+        <p:style>
+          <a:lnRef idx="1">
+            <a:schemeClr val="accent1"/>
+          </a:lnRef>
+          <a:fillRef idx="0">
+            <a:schemeClr val="accent1"/>
+          </a:fillRef>
+          <a:effectRef idx="0">
+            <a:schemeClr val="accent1"/>
+          </a:effectRef>
+          <a:fontRef idx="minor">
+            <a:schemeClr val="tx1"/>
+          </a:fontRef>
+        </p:style>
+      </p:cxnSp>
+      <p:cxnSp>
+        <p:nvCxnSpPr>
+          <p:cNvPr id="49" name="直線接點 48">
+            <a:extLst>
+              <a:ext uri="{FF2B5EF4-FFF2-40B4-BE49-F238E27FC236}">
+                <a16:creationId xmlns:a16="http://schemas.microsoft.com/office/drawing/2014/main" id="{4982D681-6996-4170-A231-1E4CA650A659}"/>
+              </a:ext>
+            </a:extLst>
+          </p:cNvPr>
+          <p:cNvCxnSpPr>
+            <a:cxnSpLocks/>
+          </p:cNvCxnSpPr>
+          <p:nvPr/>
+        </p:nvCxnSpPr>
+        <p:spPr>
+          <a:xfrm flipH="1">
+            <a:off x="643686" y="2230067"/>
+            <a:ext cx="826226" cy="0"/>
+          </a:xfrm>
+          <a:prstGeom prst="line">
+            <a:avLst/>
+          </a:prstGeom>
+          <a:ln w="38100">
+            <a:solidFill>
+              <a:srgbClr val="92D050"/>
+            </a:solidFill>
+            <a:headEnd type="triangle" w="med" len="med"/>
+            <a:tailEnd type="none" w="med" len="med"/>
+          </a:ln>
+        </p:spPr>
+        <p:style>
+          <a:lnRef idx="1">
+            <a:schemeClr val="accent1"/>
+          </a:lnRef>
+          <a:fillRef idx="0">
+            <a:schemeClr val="accent1"/>
+          </a:fillRef>
+          <a:effectRef idx="0">
+            <a:schemeClr val="accent1"/>
+          </a:effectRef>
+          <a:fontRef idx="minor">
+            <a:schemeClr val="tx1"/>
+          </a:fontRef>
+        </p:style>
+      </p:cxnSp>
     </p:spTree>
     <p:extLst>
       <p:ext uri="{BB962C8B-B14F-4D97-AF65-F5344CB8AC3E}">
@@ -11728,92 +11916,6 @@
   <p:transition spd="slow">
     <p:push dir="u"/>
   </p:transition>
-  <p:timing>
-    <p:tnLst>
-      <p:par>
-        <p:cTn id="1" dur="indefinite" restart="never" nodeType="tmRoot">
-          <p:childTnLst>
-            <p:seq concurrent="1" nextAc="seek">
-              <p:cTn id="2" dur="indefinite" nodeType="mainSeq">
-                <p:childTnLst>
-                  <p:par>
-                    <p:cTn id="3" fill="hold">
-                      <p:stCondLst>
-                        <p:cond delay="indefinite"/>
-                      </p:stCondLst>
-                      <p:childTnLst>
-                        <p:par>
-                          <p:cTn id="4" fill="hold">
-                            <p:stCondLst>
-                              <p:cond delay="0"/>
-                            </p:stCondLst>
-                            <p:childTnLst>
-                              <p:par>
-                                <p:cTn id="5" presetID="10" presetClass="entr" presetSubtype="0" fill="hold" grpId="0" nodeType="clickEffect">
-                                  <p:stCondLst>
-                                    <p:cond delay="0"/>
-                                  </p:stCondLst>
-                                  <p:childTnLst>
-                                    <p:set>
-                                      <p:cBhvr>
-                                        <p:cTn id="6" dur="1" fill="hold">
-                                          <p:stCondLst>
-                                            <p:cond delay="0"/>
-                                          </p:stCondLst>
-                                        </p:cTn>
-                                        <p:tgtEl>
-                                          <p:spTgt spid="40"/>
-                                        </p:tgtEl>
-                                        <p:attrNameLst>
-                                          <p:attrName>style.visibility</p:attrName>
-                                        </p:attrNameLst>
-                                      </p:cBhvr>
-                                      <p:to>
-                                        <p:strVal val="visible"/>
-                                      </p:to>
-                                    </p:set>
-                                    <p:animEffect transition="in" filter="fade">
-                                      <p:cBhvr>
-                                        <p:cTn id="7" dur="500"/>
-                                        <p:tgtEl>
-                                          <p:spTgt spid="40"/>
-                                        </p:tgtEl>
-                                      </p:cBhvr>
-                                    </p:animEffect>
-                                  </p:childTnLst>
-                                </p:cTn>
-                              </p:par>
-                            </p:childTnLst>
-                          </p:cTn>
-                        </p:par>
-                      </p:childTnLst>
-                    </p:cTn>
-                  </p:par>
-                </p:childTnLst>
-              </p:cTn>
-              <p:prevCondLst>
-                <p:cond evt="onPrev" delay="0">
-                  <p:tgtEl>
-                    <p:sldTgt/>
-                  </p:tgtEl>
-                </p:cond>
-              </p:prevCondLst>
-              <p:nextCondLst>
-                <p:cond evt="onNext" delay="0">
-                  <p:tgtEl>
-                    <p:sldTgt/>
-                  </p:tgtEl>
-                </p:cond>
-              </p:nextCondLst>
-            </p:seq>
-          </p:childTnLst>
-        </p:cTn>
-      </p:par>
-    </p:tnLst>
-    <p:bldLst>
-      <p:bldP spid="40" grpId="0" animBg="1"/>
-    </p:bldLst>
-  </p:timing>
 </p:sld>
 </file>
 
@@ -14604,8 +14706,8 @@
         </p:nvSpPr>
         <p:spPr>
           <a:xfrm>
-            <a:off x="829236" y="982400"/>
-            <a:ext cx="10524564" cy="2074813"/>
+            <a:off x="851646" y="939273"/>
+            <a:ext cx="10479744" cy="2252404"/>
           </a:xfrm>
         </p:spPr>
         <p:txBody>
@@ -14615,34 +14717,37 @@
           <a:lstStyle/>
           <a:p>
             <a:r>
-              <a:rPr lang="en-US" altLang="zh-TW"/>
+              <a:rPr lang="en-US" altLang="zh-TW" sz="2400"/>
               <a:t>Java</a:t>
             </a:r>
             <a:r>
-              <a:rPr lang="zh-TW" altLang="en-US"/>
+              <a:rPr lang="zh-TW" altLang="en-US" sz="2400"/>
               <a:t> 是個</a:t>
             </a:r>
             <a:r>
-              <a:rPr lang="zh-TW" altLang="en-US">
+              <a:rPr lang="zh-TW" altLang="en-US" sz="2400">
                 <a:solidFill>
                   <a:srgbClr val="00B0F0"/>
                 </a:solidFill>
               </a:rPr>
               <a:t>跨平臺語言</a:t>
             </a:r>
-            <a:endParaRPr lang="en-US" altLang="zh-TW">
-              <a:solidFill>
-                <a:srgbClr val="00B0F0"/>
-              </a:solidFill>
-            </a:endParaRPr>
+            <a:r>
+              <a:rPr lang="en-US" altLang="zh-TW" sz="2400">
+                <a:solidFill>
+                  <a:srgbClr val="00B0F0"/>
+                </a:solidFill>
+              </a:rPr>
+              <a:t>(cross-platform programming language)</a:t>
+            </a:r>
           </a:p>
           <a:p>
             <a:r>
-              <a:rPr lang="zh-TW" altLang="en-US"/>
+              <a:rPr lang="zh-TW" altLang="en-US" sz="2400"/>
               <a:t>程式</a:t>
             </a:r>
             <a:r>
-              <a:rPr lang="zh-TW" altLang="en-US">
+              <a:rPr lang="zh-TW" altLang="en-US" sz="2400">
                 <a:solidFill>
                   <a:srgbClr val="FFC000"/>
                 </a:solidFill>
@@ -14650,7 +14755,7 @@
               <a:t>編譯</a:t>
             </a:r>
             <a:r>
-              <a:rPr lang="en-US" altLang="zh-TW">
+              <a:rPr lang="en-US" altLang="zh-TW" sz="2400">
                 <a:solidFill>
                   <a:srgbClr val="FFC000"/>
                 </a:solidFill>
@@ -14658,19 +14763,19 @@
               <a:t>(compile)</a:t>
             </a:r>
             <a:r>
-              <a:rPr lang="zh-TW" altLang="en-US"/>
+              <a:rPr lang="zh-TW" altLang="en-US" sz="2400"/>
               <a:t>後便可以在所有安裝 </a:t>
             </a:r>
             <a:r>
-              <a:rPr lang="en-US" altLang="zh-TW"/>
+              <a:rPr lang="en-US" altLang="zh-TW" sz="2400"/>
               <a:t>Java</a:t>
             </a:r>
             <a:r>
-              <a:rPr lang="zh-TW" altLang="en-US"/>
+              <a:rPr lang="zh-TW" altLang="en-US" sz="2400"/>
               <a:t> 的地方</a:t>
             </a:r>
             <a:r>
-              <a:rPr lang="zh-TW" altLang="en-US">
+              <a:rPr lang="zh-TW" altLang="en-US" sz="2400">
                 <a:solidFill>
                   <a:srgbClr val="FFC000"/>
                 </a:solidFill>
@@ -14678,7 +14783,7 @@
               <a:t>執行</a:t>
             </a:r>
             <a:r>
-              <a:rPr lang="en-US" altLang="zh-TW">
+              <a:rPr lang="en-US" altLang="zh-TW" sz="2400">
                 <a:solidFill>
                   <a:srgbClr val="FFC000"/>
                 </a:solidFill>
@@ -14688,15 +14793,37 @@
           </a:p>
           <a:p>
             <a:r>
-              <a:rPr lang="en-US" altLang="zh-TW"/>
+              <a:rPr lang="zh-TW" altLang="en-US" sz="2400"/>
+              <a:t>也就是</a:t>
+            </a:r>
+            <a:r>
+              <a:rPr lang="zh-TW" altLang="en-US" sz="2400">
+                <a:solidFill>
+                  <a:srgbClr val="FFC000"/>
+                </a:solidFill>
+              </a:rPr>
+              <a:t>一次編寫，到處執行</a:t>
+            </a:r>
+            <a:r>
+              <a:rPr lang="en-US" altLang="zh-TW" sz="2400">
+                <a:solidFill>
+                  <a:srgbClr val="FFC000"/>
+                </a:solidFill>
+              </a:rPr>
+              <a:t>(Write once, run anywhere)</a:t>
+            </a:r>
+          </a:p>
+          <a:p>
+            <a:r>
+              <a:rPr lang="en-US" altLang="zh-TW" sz="2400"/>
               <a:t>Java </a:t>
             </a:r>
             <a:r>
-              <a:rPr lang="zh-TW" altLang="en-US"/>
+              <a:rPr lang="zh-TW" altLang="en-US" sz="2400"/>
               <a:t>程式須經過</a:t>
             </a:r>
             <a:r>
-              <a:rPr lang="zh-TW" altLang="en-US">
+              <a:rPr lang="zh-TW" altLang="en-US" sz="2400">
                 <a:solidFill>
                   <a:srgbClr val="00B0F0"/>
                 </a:solidFill>
@@ -14704,7 +14831,7 @@
               <a:t>編譯器</a:t>
             </a:r>
             <a:r>
-              <a:rPr lang="en-US" altLang="zh-TW">
+              <a:rPr lang="en-US" altLang="zh-TW" sz="2400">
                 <a:solidFill>
                   <a:srgbClr val="00B0F0"/>
                 </a:solidFill>
@@ -14712,7 +14839,7 @@
               <a:t>(compiler)</a:t>
             </a:r>
             <a:r>
-              <a:rPr lang="zh-TW" altLang="en-US">
+              <a:rPr lang="zh-TW" altLang="en-US" sz="2400">
                 <a:solidFill>
                   <a:srgbClr val="FFC000"/>
                 </a:solidFill>
@@ -14720,11 +14847,11 @@
               <a:t>編譯</a:t>
             </a:r>
             <a:r>
-              <a:rPr lang="zh-TW" altLang="en-US"/>
+              <a:rPr lang="zh-TW" altLang="en-US" sz="2400"/>
               <a:t>成</a:t>
             </a:r>
             <a:r>
-              <a:rPr lang="zh-TW" altLang="en-US">
+              <a:rPr lang="zh-TW" altLang="en-US" sz="2400">
                 <a:solidFill>
                   <a:srgbClr val="00B0F0"/>
                 </a:solidFill>
@@ -14732,7 +14859,7 @@
               <a:t>位元組碼</a:t>
             </a:r>
             <a:r>
-              <a:rPr lang="en-US" altLang="zh-TW">
+              <a:rPr lang="en-US" altLang="zh-TW" sz="2400">
                 <a:solidFill>
                   <a:srgbClr val="00B0F0"/>
                 </a:solidFill>
@@ -14742,11 +14869,11 @@
           </a:p>
           <a:p>
             <a:r>
-              <a:rPr lang="zh-TW" altLang="en-US"/>
+              <a:rPr lang="zh-TW" altLang="en-US" sz="2400"/>
               <a:t>才能被 </a:t>
             </a:r>
             <a:r>
-              <a:rPr lang="en-US" altLang="zh-TW">
+              <a:rPr lang="en-US" altLang="zh-TW" sz="2400">
                 <a:solidFill>
                   <a:srgbClr val="00B0F0"/>
                 </a:solidFill>
@@ -14754,7 +14881,7 @@
               <a:t>Java</a:t>
             </a:r>
             <a:r>
-              <a:rPr lang="zh-TW" altLang="en-US">
+              <a:rPr lang="zh-TW" altLang="en-US" sz="2400">
                 <a:solidFill>
                   <a:srgbClr val="00B0F0"/>
                 </a:solidFill>
@@ -14762,7 +14889,7 @@
               <a:t> 虛擬機</a:t>
             </a:r>
             <a:r>
-              <a:rPr lang="en-US" altLang="zh-TW">
+              <a:rPr lang="en-US" altLang="zh-TW" sz="2400">
                 <a:solidFill>
                   <a:srgbClr val="00B0F0"/>
                 </a:solidFill>
@@ -14770,7 +14897,7 @@
               <a:t>(Java Virtual Machine</a:t>
             </a:r>
             <a:r>
-              <a:rPr lang="zh-TW" altLang="en-US">
+              <a:rPr lang="zh-TW" altLang="en-US" sz="2400">
                 <a:solidFill>
                   <a:srgbClr val="00B0F0"/>
                 </a:solidFill>
@@ -14778,7 +14905,7 @@
               <a:t>，簡稱</a:t>
             </a:r>
             <a:r>
-              <a:rPr lang="en-US" altLang="zh-TW">
+              <a:rPr lang="en-US" altLang="zh-TW" sz="2400">
                 <a:solidFill>
                   <a:srgbClr val="00B0F0"/>
                 </a:solidFill>
@@ -14786,14 +14913,14 @@
               <a:t>JVM)</a:t>
             </a:r>
             <a:r>
-              <a:rPr lang="zh-TW" altLang="en-US">
+              <a:rPr lang="zh-TW" altLang="en-US" sz="2400">
                 <a:solidFill>
                   <a:srgbClr val="FFC000"/>
                 </a:solidFill>
               </a:rPr>
               <a:t>執行</a:t>
             </a:r>
-            <a:endParaRPr lang="en-US" altLang="zh-TW">
+            <a:endParaRPr lang="en-US" altLang="zh-TW" sz="2400">
               <a:solidFill>
                 <a:srgbClr val="FFC000"/>
               </a:solidFill>
@@ -14803,10 +14930,10 @@
       </p:sp>
       <p:grpSp>
         <p:nvGrpSpPr>
-          <p:cNvPr id="4" name="群組 3">
+          <p:cNvPr id="8" name="群組 7">
             <a:extLst>
               <a:ext uri="{FF2B5EF4-FFF2-40B4-BE49-F238E27FC236}">
-                <a16:creationId xmlns:a16="http://schemas.microsoft.com/office/drawing/2014/main" id="{A12469AE-F47A-43DE-B3BC-17373CDD4DD7}"/>
+                <a16:creationId xmlns:a16="http://schemas.microsoft.com/office/drawing/2014/main" id="{0C643484-96EC-41A0-B274-2F66A778088F}"/>
               </a:ext>
             </a:extLst>
           </p:cNvPr>
@@ -14815,894 +14942,930 @@
         </p:nvGrpSpPr>
         <p:grpSpPr>
           <a:xfrm>
-            <a:off x="838200" y="3202749"/>
-            <a:ext cx="4952860" cy="1869743"/>
-            <a:chOff x="802481" y="3328325"/>
-            <a:chExt cx="4952860" cy="1869743"/>
+            <a:off x="838200" y="3191677"/>
+            <a:ext cx="10493190" cy="3497591"/>
+            <a:chOff x="838200" y="3138769"/>
+            <a:chExt cx="10493190" cy="3497591"/>
           </a:xfrm>
         </p:grpSpPr>
-        <p:sp>
-          <p:nvSpPr>
-            <p:cNvPr id="5" name="Rectangle 2">
+        <p:grpSp>
+          <p:nvGrpSpPr>
+            <p:cNvPr id="4" name="群組 3">
               <a:extLst>
                 <a:ext uri="{FF2B5EF4-FFF2-40B4-BE49-F238E27FC236}">
-                  <a16:creationId xmlns:a16="http://schemas.microsoft.com/office/drawing/2014/main" id="{6B287D6C-8D91-457D-B029-97B892F15E9E}"/>
+                  <a16:creationId xmlns:a16="http://schemas.microsoft.com/office/drawing/2014/main" id="{A12469AE-F47A-43DE-B3BC-17373CDD4DD7}"/>
                 </a:ext>
               </a:extLst>
             </p:cNvPr>
-            <p:cNvSpPr>
-              <a:spLocks noChangeArrowheads="1"/>
-            </p:cNvSpPr>
+            <p:cNvGrpSpPr/>
             <p:nvPr/>
-          </p:nvSpPr>
-          <p:spPr bwMode="auto">
+          </p:nvGrpSpPr>
+          <p:grpSpPr>
             <a:xfrm>
-              <a:off x="802481" y="3328325"/>
+              <a:off x="838200" y="3202749"/>
               <a:ext cx="4952860" cy="1869743"/>
+              <a:chOff x="802481" y="3328325"/>
+              <a:chExt cx="4952860" cy="1869743"/>
             </a:xfrm>
-            <a:prstGeom prst="rect">
-              <a:avLst/>
-            </a:prstGeom>
-            <a:solidFill>
-              <a:srgbClr val="1E1F22"/>
-            </a:solidFill>
-            <a:ln>
-              <a:noFill/>
-            </a:ln>
-            <a:effectLst/>
-            <a:extLst>
-              <a:ext uri="{91240B29-F687-4F45-9708-019B960494DF}">
-                <a14:hiddenLine xmlns:a14="http://schemas.microsoft.com/office/drawing/2010/main" w="9525">
-                  <a:solidFill>
-                    <a:schemeClr val="tx1"/>
-                  </a:solidFill>
-                  <a:miter lim="800000"/>
-                  <a:headEnd/>
-                  <a:tailEnd/>
-                </a14:hiddenLine>
-              </a:ext>
-              <a:ext uri="{AF507438-7753-43E0-B8FC-AC1667EBCBE1}">
-                <a14:hiddenEffects xmlns:a14="http://schemas.microsoft.com/office/drawing/2010/main">
-                  <a:effectLst>
-                    <a:outerShdw dist="35921" dir="2700000" algn="ctr" rotWithShape="0">
-                      <a:schemeClr val="bg2"/>
-                    </a:outerShdw>
-                  </a:effectLst>
-                </a14:hiddenEffects>
-              </a:ext>
-            </a:extLst>
-          </p:spPr>
-          <p:txBody>
-            <a:bodyPr vert="horz" wrap="square" lIns="91440" tIns="45720" rIns="91440" bIns="45720" numCol="1" anchor="ctr" anchorCtr="0" compatLnSpc="1">
-              <a:prstTxWarp prst="textNoShape">
+          </p:grpSpPr>
+          <p:sp>
+            <p:nvSpPr>
+              <p:cNvPr id="5" name="Rectangle 2">
+                <a:extLst>
+                  <a:ext uri="{FF2B5EF4-FFF2-40B4-BE49-F238E27FC236}">
+                    <a16:creationId xmlns:a16="http://schemas.microsoft.com/office/drawing/2014/main" id="{6B287D6C-8D91-457D-B029-97B892F15E9E}"/>
+                  </a:ext>
+                </a:extLst>
+              </p:cNvPr>
+              <p:cNvSpPr>
+                <a:spLocks noChangeArrowheads="1"/>
+              </p:cNvSpPr>
+              <p:nvPr/>
+            </p:nvSpPr>
+            <p:spPr bwMode="auto">
+              <a:xfrm>
+                <a:off x="802481" y="3328325"/>
+                <a:ext cx="4952860" cy="1869743"/>
+              </a:xfrm>
+              <a:prstGeom prst="rect">
                 <a:avLst/>
-              </a:prstTxWarp>
-              <a:spAutoFit/>
-            </a:bodyPr>
-            <a:lstStyle/>
-            <a:p>
-              <a:pPr marL="0" marR="0" lvl="0" indent="0" algn="l" defTabSz="914400" rtl="0" eaLnBrk="0" fontAlgn="base" latinLnBrk="0" hangingPunct="0">
-                <a:lnSpc>
-                  <a:spcPct val="100000"/>
-                </a:lnSpc>
-                <a:spcBef>
-                  <a:spcPct val="0"/>
-                </a:spcBef>
-                <a:spcAft>
-                  <a:spcPct val="0"/>
-                </a:spcAft>
-                <a:buClrTx/>
-                <a:buSzTx/>
-                <a:buFontTx/>
-                <a:buNone/>
-                <a:tabLst/>
-                <a:defRPr/>
-              </a:pPr>
-              <a:r>
-                <a:rPr kumimoji="0" lang="zh-TW" altLang="zh-TW" sz="1050" b="0" i="0" u="none" strike="noStrike" kern="1200" cap="none" spc="0" normalizeH="0" baseline="0" noProof="0">
+              </a:prstGeom>
+              <a:solidFill>
+                <a:srgbClr val="1E1F22"/>
+              </a:solidFill>
+              <a:ln>
+                <a:noFill/>
+              </a:ln>
+              <a:effectLst/>
+              <a:extLst>
+                <a:ext uri="{91240B29-F687-4F45-9708-019B960494DF}">
+                  <a14:hiddenLine xmlns:a14="http://schemas.microsoft.com/office/drawing/2010/main" w="9525">
+                    <a:solidFill>
+                      <a:schemeClr val="tx1"/>
+                    </a:solidFill>
+                    <a:miter lim="800000"/>
+                    <a:headEnd/>
+                    <a:tailEnd/>
+                  </a14:hiddenLine>
+                </a:ext>
+                <a:ext uri="{AF507438-7753-43E0-B8FC-AC1667EBCBE1}">
+                  <a14:hiddenEffects xmlns:a14="http://schemas.microsoft.com/office/drawing/2010/main">
+                    <a:effectLst>
+                      <a:outerShdw dist="35921" dir="2700000" algn="ctr" rotWithShape="0">
+                        <a:schemeClr val="bg2"/>
+                      </a:outerShdw>
+                    </a:effectLst>
+                  </a14:hiddenEffects>
+                </a:ext>
+              </a:extLst>
+            </p:spPr>
+            <p:txBody>
+              <a:bodyPr vert="horz" wrap="square" lIns="91440" tIns="45720" rIns="91440" bIns="45720" numCol="1" anchor="ctr" anchorCtr="0" compatLnSpc="1">
+                <a:prstTxWarp prst="textNoShape">
+                  <a:avLst/>
+                </a:prstTxWarp>
+                <a:spAutoFit/>
+              </a:bodyPr>
+              <a:lstStyle/>
+              <a:p>
+                <a:pPr marL="0" marR="0" lvl="0" indent="0" algn="l" defTabSz="914400" rtl="0" eaLnBrk="0" fontAlgn="base" latinLnBrk="0" hangingPunct="0">
+                  <a:lnSpc>
+                    <a:spcPct val="100000"/>
+                  </a:lnSpc>
+                  <a:spcBef>
+                    <a:spcPct val="0"/>
+                  </a:spcBef>
+                  <a:spcAft>
+                    <a:spcPct val="0"/>
+                  </a:spcAft>
+                  <a:buClrTx/>
+                  <a:buSzTx/>
+                  <a:buFontTx/>
+                  <a:buNone/>
+                  <a:tabLst/>
+                  <a:defRPr/>
+                </a:pPr>
+                <a:r>
+                  <a:rPr kumimoji="0" lang="zh-TW" altLang="zh-TW" sz="1050" b="0" i="0" u="none" strike="noStrike" kern="1200" cap="none" spc="0" normalizeH="0" baseline="0" noProof="0">
+                    <a:ln>
+                      <a:noFill/>
+                    </a:ln>
+                    <a:solidFill>
+                      <a:srgbClr val="7A7E85"/>
+                    </a:solidFill>
+                    <a:effectLst/>
+                    <a:uLnTx/>
+                    <a:uFillTx/>
+                    <a:latin typeface="Consolas"/>
+                    <a:ea typeface="微軟正黑體 Light"/>
+                    <a:cs typeface="JetBrains Mono" panose="02000009000000000000" pitchFamily="49" charset="0"/>
+                  </a:rPr>
+                  <a:t>// </a:t>
+                </a:r>
+                <a:r>
+                  <a:rPr kumimoji="0" lang="zh-TW" altLang="en-US" sz="1050" b="0" i="0" u="none" strike="noStrike" kern="1200" cap="none" spc="0" normalizeH="0" baseline="0" noProof="0">
+                    <a:ln>
+                      <a:noFill/>
+                    </a:ln>
+                    <a:solidFill>
+                      <a:srgbClr val="7A7E85"/>
+                    </a:solidFill>
+                    <a:effectLst/>
+                    <a:uLnTx/>
+                    <a:uFillTx/>
+                    <a:latin typeface="Consolas"/>
+                    <a:ea typeface="微軟正黑體 Light"/>
+                    <a:cs typeface="JetBrains Mono" panose="02000009000000000000" pitchFamily="49" charset="0"/>
+                  </a:rPr>
+                  <a:t>類別</a:t>
+                </a:r>
+                <a:r>
+                  <a:rPr kumimoji="0" lang="en-US" altLang="zh-TW" sz="1050" b="0" i="0" u="none" strike="noStrike" kern="1200" cap="none" spc="0" normalizeH="0" baseline="0" noProof="0">
+                    <a:ln>
+                      <a:noFill/>
+                    </a:ln>
+                    <a:solidFill>
+                      <a:srgbClr val="7A7E85"/>
+                    </a:solidFill>
+                    <a:effectLst/>
+                    <a:uLnTx/>
+                    <a:uFillTx/>
+                    <a:latin typeface="Consolas"/>
+                    <a:ea typeface="微軟正黑體 Light"/>
+                    <a:cs typeface="JetBrains Mono" panose="02000009000000000000" pitchFamily="49" charset="0"/>
+                  </a:rPr>
+                  <a:t>(class)</a:t>
+                </a:r>
+                <a:r>
+                  <a:rPr kumimoji="0" lang="zh-TW" altLang="zh-TW" sz="1050" b="0" i="0" u="none" strike="noStrike" kern="1200" cap="none" spc="0" normalizeH="0" baseline="0" noProof="0">
+                    <a:ln>
+                      <a:noFill/>
+                    </a:ln>
+                    <a:solidFill>
+                      <a:srgbClr val="7A7E85"/>
+                    </a:solidFill>
+                    <a:effectLst/>
+                    <a:uLnTx/>
+                    <a:uFillTx/>
+                    <a:latin typeface="Consolas"/>
+                    <a:ea typeface="微軟正黑體" panose="020B0604030504040204" pitchFamily="34" charset="-120"/>
+                    <a:cs typeface="JetBrains Mono" panose="02000009000000000000" pitchFamily="49" charset="0"/>
+                  </a:rPr>
+                  <a:t>名稱必須跟檔案名稱一樣</a:t>
+                </a:r>
+                <a:br>
+                  <a:rPr kumimoji="0" lang="zh-TW" altLang="zh-TW" sz="1050" b="0" i="0" u="none" strike="noStrike" kern="1200" cap="none" spc="0" normalizeH="0" baseline="0" noProof="0">
+                    <a:ln>
+                      <a:noFill/>
+                    </a:ln>
+                    <a:solidFill>
+                      <a:srgbClr val="7A7E85"/>
+                    </a:solidFill>
+                    <a:effectLst/>
+                    <a:uLnTx/>
+                    <a:uFillTx/>
+                    <a:latin typeface="Consolas"/>
+                    <a:ea typeface="微軟正黑體" panose="020B0604030504040204" pitchFamily="34" charset="-120"/>
+                    <a:cs typeface="JetBrains Mono" panose="02000009000000000000" pitchFamily="49" charset="0"/>
+                  </a:rPr>
+                </a:br>
+                <a:r>
+                  <a:rPr kumimoji="0" lang="zh-TW" altLang="zh-TW" sz="1050" b="0" i="0" u="none" strike="noStrike" kern="1200" cap="none" spc="0" normalizeH="0" baseline="0" noProof="0">
+                    <a:ln>
+                      <a:noFill/>
+                    </a:ln>
+                    <a:solidFill>
+                      <a:srgbClr val="CF8E6D"/>
+                    </a:solidFill>
+                    <a:effectLst/>
+                    <a:uLnTx/>
+                    <a:uFillTx/>
+                    <a:latin typeface="Consolas"/>
+                    <a:ea typeface="微軟正黑體 Light"/>
+                    <a:cs typeface="JetBrains Mono" panose="02000009000000000000" pitchFamily="49" charset="0"/>
+                  </a:rPr>
+                  <a:t>public class </a:t>
+                </a:r>
+                <a:r>
+                  <a:rPr kumimoji="0" lang="zh-TW" altLang="zh-TW" sz="1050" b="0" i="0" u="none" strike="noStrike" kern="1200" cap="none" spc="0" normalizeH="0" baseline="0" noProof="0">
+                    <a:ln>
+                      <a:noFill/>
+                    </a:ln>
+                    <a:solidFill>
+                      <a:srgbClr val="BCBEC4"/>
+                    </a:solidFill>
+                    <a:effectLst/>
+                    <a:uLnTx/>
+                    <a:uFillTx/>
+                    <a:latin typeface="Consolas"/>
+                    <a:ea typeface="微軟正黑體 Light"/>
+                    <a:cs typeface="JetBrains Mono" panose="02000009000000000000" pitchFamily="49" charset="0"/>
+                  </a:rPr>
+                  <a:t>Main {</a:t>
+                </a:r>
+                <a:br>
+                  <a:rPr kumimoji="0" lang="zh-TW" altLang="zh-TW" sz="1050" b="0" i="0" u="none" strike="noStrike" kern="1200" cap="none" spc="0" normalizeH="0" baseline="0" noProof="0">
+                    <a:ln>
+                      <a:noFill/>
+                    </a:ln>
+                    <a:solidFill>
+                      <a:srgbClr val="BCBEC4"/>
+                    </a:solidFill>
+                    <a:effectLst/>
+                    <a:uLnTx/>
+                    <a:uFillTx/>
+                    <a:latin typeface="Consolas"/>
+                    <a:ea typeface="微軟正黑體 Light"/>
+                    <a:cs typeface="JetBrains Mono" panose="02000009000000000000" pitchFamily="49" charset="0"/>
+                  </a:rPr>
+                </a:br>
+                <a:br>
+                  <a:rPr kumimoji="0" lang="zh-TW" altLang="zh-TW" sz="1050" b="0" i="0" u="none" strike="noStrike" kern="1200" cap="none" spc="0" normalizeH="0" baseline="0" noProof="0">
+                    <a:ln>
+                      <a:noFill/>
+                    </a:ln>
+                    <a:solidFill>
+                      <a:srgbClr val="BCBEC4"/>
+                    </a:solidFill>
+                    <a:effectLst/>
+                    <a:uLnTx/>
+                    <a:uFillTx/>
+                    <a:latin typeface="Consolas"/>
+                    <a:ea typeface="微軟正黑體 Light"/>
+                    <a:cs typeface="JetBrains Mono" panose="02000009000000000000" pitchFamily="49" charset="0"/>
+                  </a:rPr>
+                </a:br>
+                <a:r>
+                  <a:rPr kumimoji="0" lang="zh-TW" altLang="zh-TW" sz="1050" b="0" i="0" u="none" strike="noStrike" kern="1200" cap="none" spc="0" normalizeH="0" baseline="0" noProof="0">
+                    <a:ln>
+                      <a:noFill/>
+                    </a:ln>
+                    <a:solidFill>
+                      <a:srgbClr val="BCBEC4"/>
+                    </a:solidFill>
+                    <a:effectLst/>
+                    <a:uLnTx/>
+                    <a:uFillTx/>
+                    <a:latin typeface="Consolas"/>
+                    <a:ea typeface="微軟正黑體 Light"/>
+                    <a:cs typeface="JetBrains Mono" panose="02000009000000000000" pitchFamily="49" charset="0"/>
+                  </a:rPr>
+                  <a:t>    </a:t>
+                </a:r>
+                <a:r>
+                  <a:rPr kumimoji="0" lang="en-US" altLang="zh-TW" sz="1050" b="0" i="0" u="none" strike="noStrike" kern="1200" cap="none" spc="0" normalizeH="0" baseline="0" noProof="0">
+                    <a:ln>
+                      <a:noFill/>
+                    </a:ln>
+                    <a:solidFill>
+                      <a:srgbClr val="7A7E85"/>
+                    </a:solidFill>
+                    <a:effectLst/>
+                    <a:uLnTx/>
+                    <a:uFillTx/>
+                    <a:latin typeface="Consolas"/>
+                    <a:ea typeface="微軟正黑體 Light"/>
+                    <a:cs typeface="JetBrains Mono" panose="02000009000000000000" pitchFamily="49" charset="0"/>
+                  </a:rPr>
+                  <a:t>// Java </a:t>
+                </a:r>
+                <a:r>
+                  <a:rPr kumimoji="0" lang="zh-TW" altLang="en-US" sz="1050" b="0" i="0" u="none" strike="noStrike" kern="1200" cap="none" spc="0" normalizeH="0" baseline="0" noProof="0">
+                    <a:ln>
+                      <a:noFill/>
+                    </a:ln>
+                    <a:solidFill>
+                      <a:srgbClr val="7A7E85"/>
+                    </a:solidFill>
+                    <a:effectLst/>
+                    <a:uLnTx/>
+                    <a:uFillTx/>
+                    <a:latin typeface="Consolas"/>
+                    <a:ea typeface="微軟正黑體 Light"/>
+                    <a:cs typeface="JetBrains Mono" panose="02000009000000000000" pitchFamily="49" charset="0"/>
+                  </a:rPr>
+                  <a:t>程式需要一個主方法</a:t>
+                </a:r>
+                <a:r>
+                  <a:rPr kumimoji="0" lang="en-US" altLang="zh-TW" sz="1050" b="0" i="0" u="none" strike="noStrike" kern="1200" cap="none" spc="0" normalizeH="0" baseline="0" noProof="0">
+                    <a:ln>
+                      <a:noFill/>
+                    </a:ln>
+                    <a:solidFill>
+                      <a:srgbClr val="7A7E85"/>
+                    </a:solidFill>
+                    <a:effectLst/>
+                    <a:uLnTx/>
+                    <a:uFillTx/>
+                    <a:latin typeface="Consolas"/>
+                    <a:ea typeface="微軟正黑體 Light"/>
+                    <a:cs typeface="JetBrains Mono" panose="02000009000000000000" pitchFamily="49" charset="0"/>
+                  </a:rPr>
+                  <a:t>(main </a:t>
+                </a:r>
+                <a:r>
+                  <a:rPr kumimoji="0" lang="zh-TW" altLang="en-US" sz="1050" b="0" i="0" u="none" strike="noStrike" kern="1200" cap="none" spc="0" normalizeH="0" baseline="0" noProof="0">
+                    <a:ln>
+                      <a:noFill/>
+                    </a:ln>
+                    <a:solidFill>
+                      <a:srgbClr val="7A7E85"/>
+                    </a:solidFill>
+                    <a:effectLst/>
+                    <a:uLnTx/>
+                    <a:uFillTx/>
+                    <a:latin typeface="Consolas"/>
+                    <a:ea typeface="微軟正黑體 Light"/>
+                    <a:cs typeface="JetBrains Mono" panose="02000009000000000000" pitchFamily="49" charset="0"/>
+                  </a:rPr>
+                  <a:t>方法</a:t>
+                </a:r>
+                <a:r>
+                  <a:rPr kumimoji="0" lang="en-US" altLang="zh-TW" sz="1050" b="0" i="0" u="none" strike="noStrike" kern="1200" cap="none" spc="0" normalizeH="0" baseline="0" noProof="0">
+                    <a:ln>
+                      <a:noFill/>
+                    </a:ln>
+                    <a:solidFill>
+                      <a:srgbClr val="7A7E85"/>
+                    </a:solidFill>
+                    <a:effectLst/>
+                    <a:uLnTx/>
+                    <a:uFillTx/>
+                    <a:latin typeface="Consolas"/>
+                    <a:ea typeface="微軟正黑體 Light"/>
+                    <a:cs typeface="JetBrains Mono" panose="02000009000000000000" pitchFamily="49" charset="0"/>
+                  </a:rPr>
+                  <a:t>)</a:t>
+                </a:r>
+                <a:r>
+                  <a:rPr kumimoji="0" lang="zh-TW" altLang="en-US" sz="1050" b="0" i="0" u="none" strike="noStrike" kern="1200" cap="none" spc="0" normalizeH="0" baseline="0" noProof="0">
+                    <a:ln>
+                      <a:noFill/>
+                    </a:ln>
+                    <a:solidFill>
+                      <a:srgbClr val="7A7E85"/>
+                    </a:solidFill>
+                    <a:effectLst/>
+                    <a:uLnTx/>
+                    <a:uFillTx/>
+                    <a:latin typeface="Consolas"/>
+                    <a:ea typeface="微軟正黑體 Light"/>
+                    <a:cs typeface="JetBrains Mono" panose="02000009000000000000" pitchFamily="49" charset="0"/>
+                  </a:rPr>
+                  <a:t>，程式從這裡開始執行</a:t>
+                </a:r>
+                <a:br>
+                  <a:rPr kumimoji="0" lang="zh-TW" altLang="zh-TW" sz="1050" b="0" i="0" u="none" strike="noStrike" kern="1200" cap="none" spc="0" normalizeH="0" baseline="0" noProof="0">
+                    <a:ln>
+                      <a:noFill/>
+                    </a:ln>
+                    <a:solidFill>
+                      <a:srgbClr val="7A7E85"/>
+                    </a:solidFill>
+                    <a:effectLst/>
+                    <a:uLnTx/>
+                    <a:uFillTx/>
+                    <a:latin typeface="Consolas"/>
+                    <a:ea typeface="微軟正黑體 Light"/>
+                    <a:cs typeface="JetBrains Mono" panose="02000009000000000000" pitchFamily="49" charset="0"/>
+                  </a:rPr>
+                </a:br>
+                <a:r>
+                  <a:rPr kumimoji="0" lang="zh-TW" altLang="zh-TW" sz="1050" b="0" i="0" u="none" strike="noStrike" kern="1200" cap="none" spc="0" normalizeH="0" baseline="0" noProof="0">
+                    <a:ln>
+                      <a:noFill/>
+                    </a:ln>
+                    <a:solidFill>
+                      <a:srgbClr val="7A7E85"/>
+                    </a:solidFill>
+                    <a:effectLst/>
+                    <a:uLnTx/>
+                    <a:uFillTx/>
+                    <a:latin typeface="Consolas"/>
+                    <a:ea typeface="微軟正黑體 Light"/>
+                    <a:cs typeface="JetBrains Mono" panose="02000009000000000000" pitchFamily="49" charset="0"/>
+                  </a:rPr>
+                  <a:t>    </a:t>
+                </a:r>
+                <a:r>
+                  <a:rPr kumimoji="0" lang="zh-TW" altLang="zh-TW" sz="1050" b="0" i="0" u="none" strike="noStrike" kern="1200" cap="none" spc="0" normalizeH="0" baseline="0" noProof="0">
+                    <a:ln>
+                      <a:noFill/>
+                    </a:ln>
+                    <a:solidFill>
+                      <a:srgbClr val="CF8E6D"/>
+                    </a:solidFill>
+                    <a:effectLst/>
+                    <a:uLnTx/>
+                    <a:uFillTx/>
+                    <a:latin typeface="Consolas"/>
+                    <a:ea typeface="微軟正黑體 Light"/>
+                    <a:cs typeface="JetBrains Mono" panose="02000009000000000000" pitchFamily="49" charset="0"/>
+                  </a:rPr>
+                  <a:t>public static void </a:t>
+                </a:r>
+                <a:r>
+                  <a:rPr kumimoji="0" lang="zh-TW" altLang="zh-TW" sz="1050" b="0" i="0" u="none" strike="noStrike" kern="1200" cap="none" spc="0" normalizeH="0" baseline="0" noProof="0">
+                    <a:ln>
+                      <a:noFill/>
+                    </a:ln>
+                    <a:solidFill>
+                      <a:srgbClr val="56A8F5"/>
+                    </a:solidFill>
+                    <a:effectLst/>
+                    <a:uLnTx/>
+                    <a:uFillTx/>
+                    <a:latin typeface="Consolas"/>
+                    <a:ea typeface="微軟正黑體 Light"/>
+                    <a:cs typeface="JetBrains Mono" panose="02000009000000000000" pitchFamily="49" charset="0"/>
+                  </a:rPr>
+                  <a:t>main</a:t>
+                </a:r>
+                <a:r>
+                  <a:rPr kumimoji="0" lang="zh-TW" altLang="zh-TW" sz="1050" b="0" i="0" u="none" strike="noStrike" kern="1200" cap="none" spc="0" normalizeH="0" baseline="0" noProof="0">
+                    <a:ln>
+                      <a:noFill/>
+                    </a:ln>
+                    <a:solidFill>
+                      <a:srgbClr val="BCBEC4"/>
+                    </a:solidFill>
+                    <a:effectLst/>
+                    <a:uLnTx/>
+                    <a:uFillTx/>
+                    <a:latin typeface="Consolas"/>
+                    <a:ea typeface="微軟正黑體 Light"/>
+                    <a:cs typeface="JetBrains Mono" panose="02000009000000000000" pitchFamily="49" charset="0"/>
+                  </a:rPr>
+                  <a:t>(String[] args) {</a:t>
+                </a:r>
+                <a:br>
+                  <a:rPr kumimoji="0" lang="zh-TW" altLang="zh-TW" sz="1050" b="0" i="0" u="none" strike="noStrike" kern="1200" cap="none" spc="0" normalizeH="0" baseline="0" noProof="0">
+                    <a:ln>
+                      <a:noFill/>
+                    </a:ln>
+                    <a:solidFill>
+                      <a:srgbClr val="BCBEC4"/>
+                    </a:solidFill>
+                    <a:effectLst/>
+                    <a:uLnTx/>
+                    <a:uFillTx/>
+                    <a:latin typeface="Consolas"/>
+                    <a:ea typeface="微軟正黑體 Light"/>
+                    <a:cs typeface="JetBrains Mono" panose="02000009000000000000" pitchFamily="49" charset="0"/>
+                  </a:rPr>
+                </a:br>
+                <a:br>
+                  <a:rPr kumimoji="0" lang="zh-TW" altLang="zh-TW" sz="1050" b="0" i="0" u="none" strike="noStrike" kern="1200" cap="none" spc="0" normalizeH="0" baseline="0" noProof="0">
+                    <a:ln>
+                      <a:noFill/>
+                    </a:ln>
+                    <a:solidFill>
+                      <a:srgbClr val="BCBEC4"/>
+                    </a:solidFill>
+                    <a:effectLst/>
+                    <a:uLnTx/>
+                    <a:uFillTx/>
+                    <a:latin typeface="Consolas"/>
+                    <a:ea typeface="微軟正黑體 Light"/>
+                    <a:cs typeface="JetBrains Mono" panose="02000009000000000000" pitchFamily="49" charset="0"/>
+                  </a:rPr>
+                </a:br>
+                <a:r>
+                  <a:rPr kumimoji="0" lang="zh-TW" altLang="zh-TW" sz="1050" b="0" i="0" u="none" strike="noStrike" kern="1200" cap="none" spc="0" normalizeH="0" baseline="0" noProof="0">
+                    <a:ln>
+                      <a:noFill/>
+                    </a:ln>
+                    <a:solidFill>
+                      <a:srgbClr val="BCBEC4"/>
+                    </a:solidFill>
+                    <a:effectLst/>
+                    <a:uLnTx/>
+                    <a:uFillTx/>
+                    <a:latin typeface="Consolas"/>
+                    <a:ea typeface="微軟正黑體 Light"/>
+                    <a:cs typeface="JetBrains Mono" panose="02000009000000000000" pitchFamily="49" charset="0"/>
+                  </a:rPr>
+                  <a:t>        </a:t>
+                </a:r>
+                <a:r>
+                  <a:rPr kumimoji="0" lang="zh-TW" altLang="zh-TW" sz="1050" b="0" i="0" u="none" strike="noStrike" kern="1200" cap="none" spc="0" normalizeH="0" baseline="0" noProof="0">
+                    <a:ln>
+                      <a:noFill/>
+                    </a:ln>
+                    <a:solidFill>
+                      <a:srgbClr val="7A7E85"/>
+                    </a:solidFill>
+                    <a:effectLst/>
+                    <a:uLnTx/>
+                    <a:uFillTx/>
+                    <a:latin typeface="Consolas"/>
+                    <a:ea typeface="微軟正黑體 Light"/>
+                    <a:cs typeface="JetBrains Mono" panose="02000009000000000000" pitchFamily="49" charset="0"/>
+                  </a:rPr>
+                  <a:t>// </a:t>
+                </a:r>
+                <a:r>
+                  <a:rPr kumimoji="0" lang="zh-TW" altLang="zh-TW" sz="1050" b="0" i="0" u="none" strike="noStrike" kern="1200" cap="none" spc="0" normalizeH="0" baseline="0" noProof="0">
+                    <a:ln>
+                      <a:noFill/>
+                    </a:ln>
+                    <a:solidFill>
+                      <a:srgbClr val="7A7E85"/>
+                    </a:solidFill>
+                    <a:effectLst/>
+                    <a:uLnTx/>
+                    <a:uFillTx/>
+                    <a:latin typeface="Consolas"/>
+                    <a:ea typeface="微軟正黑體" panose="020B0604030504040204" pitchFamily="34" charset="-120"/>
+                    <a:cs typeface="JetBrains Mono" panose="02000009000000000000" pitchFamily="49" charset="0"/>
+                  </a:rPr>
+                  <a:t>在</a:t>
+                </a:r>
+                <a:r>
+                  <a:rPr kumimoji="0" lang="zh-TW" altLang="zh-TW" sz="1050" b="0" i="0" u="none" strike="noStrike" kern="1200" cap="none" spc="0" normalizeH="0" baseline="0" noProof="0">
+                    <a:ln>
+                      <a:noFill/>
+                    </a:ln>
+                    <a:solidFill>
+                      <a:srgbClr val="7A7E85"/>
+                    </a:solidFill>
+                    <a:effectLst/>
+                    <a:uLnTx/>
+                    <a:uFillTx/>
+                    <a:latin typeface="Consolas"/>
+                    <a:ea typeface="微軟正黑體 Light"/>
+                    <a:cs typeface="JetBrains Mono" panose="02000009000000000000" pitchFamily="49" charset="0"/>
+                  </a:rPr>
+                  <a:t> Java </a:t>
+                </a:r>
+                <a:r>
+                  <a:rPr kumimoji="0" lang="zh-TW" altLang="zh-TW" sz="1050" b="0" i="0" u="none" strike="noStrike" kern="1200" cap="none" spc="0" normalizeH="0" baseline="0" noProof="0">
+                    <a:ln>
+                      <a:noFill/>
+                    </a:ln>
+                    <a:solidFill>
+                      <a:srgbClr val="7A7E85"/>
+                    </a:solidFill>
+                    <a:effectLst/>
+                    <a:uLnTx/>
+                    <a:uFillTx/>
+                    <a:latin typeface="Consolas"/>
+                    <a:ea typeface="微軟正黑體" panose="020B0604030504040204" pitchFamily="34" charset="-120"/>
+                    <a:cs typeface="JetBrains Mono" panose="02000009000000000000" pitchFamily="49" charset="0"/>
+                  </a:rPr>
+                  <a:t>中，使用</a:t>
+                </a:r>
+                <a:r>
+                  <a:rPr kumimoji="0" lang="zh-TW" altLang="zh-TW" sz="1050" b="0" i="0" u="none" strike="noStrike" kern="1200" cap="none" spc="0" normalizeH="0" baseline="0" noProof="0">
+                    <a:ln>
+                      <a:noFill/>
+                    </a:ln>
+                    <a:solidFill>
+                      <a:srgbClr val="7A7E85"/>
+                    </a:solidFill>
+                    <a:effectLst/>
+                    <a:uLnTx/>
+                    <a:uFillTx/>
+                    <a:latin typeface="Consolas"/>
+                    <a:ea typeface="微軟正黑體 Light"/>
+                    <a:cs typeface="JetBrains Mono" panose="02000009000000000000" pitchFamily="49" charset="0"/>
+                  </a:rPr>
+                  <a:t> System.out.println() </a:t>
+                </a:r>
+                <a:r>
+                  <a:rPr kumimoji="0" lang="zh-TW" altLang="zh-TW" sz="1050" b="0" i="0" u="none" strike="noStrike" kern="1200" cap="none" spc="0" normalizeH="0" baseline="0" noProof="0">
+                    <a:ln>
+                      <a:noFill/>
+                    </a:ln>
+                    <a:solidFill>
+                      <a:srgbClr val="7A7E85"/>
+                    </a:solidFill>
+                    <a:effectLst/>
+                    <a:uLnTx/>
+                    <a:uFillTx/>
+                    <a:latin typeface="Consolas"/>
+                    <a:ea typeface="微軟正黑體" panose="020B0604030504040204" pitchFamily="34" charset="-120"/>
+                    <a:cs typeface="JetBrains Mono" panose="02000009000000000000" pitchFamily="49" charset="0"/>
+                  </a:rPr>
+                  <a:t>來輸出資料</a:t>
+                </a:r>
+                <a:br>
+                  <a:rPr kumimoji="0" lang="zh-TW" altLang="zh-TW" sz="1050" b="0" i="0" u="none" strike="noStrike" kern="1200" cap="none" spc="0" normalizeH="0" baseline="0" noProof="0">
+                    <a:ln>
+                      <a:noFill/>
+                    </a:ln>
+                    <a:solidFill>
+                      <a:srgbClr val="7A7E85"/>
+                    </a:solidFill>
+                    <a:effectLst/>
+                    <a:uLnTx/>
+                    <a:uFillTx/>
+                    <a:latin typeface="Consolas"/>
+                    <a:ea typeface="微軟正黑體" panose="020B0604030504040204" pitchFamily="34" charset="-120"/>
+                    <a:cs typeface="JetBrains Mono" panose="02000009000000000000" pitchFamily="49" charset="0"/>
+                  </a:rPr>
+                </a:br>
+                <a:r>
+                  <a:rPr kumimoji="0" lang="zh-TW" altLang="zh-TW" sz="1050" b="0" i="0" u="none" strike="noStrike" kern="1200" cap="none" spc="0" normalizeH="0" baseline="0" noProof="0">
+                    <a:ln>
+                      <a:noFill/>
+                    </a:ln>
+                    <a:solidFill>
+                      <a:srgbClr val="7A7E85"/>
+                    </a:solidFill>
+                    <a:effectLst/>
+                    <a:uLnTx/>
+                    <a:uFillTx/>
+                    <a:latin typeface="Consolas"/>
+                    <a:ea typeface="微軟正黑體" panose="020B0604030504040204" pitchFamily="34" charset="-120"/>
+                    <a:cs typeface="JetBrains Mono" panose="02000009000000000000" pitchFamily="49" charset="0"/>
+                  </a:rPr>
+                  <a:t>        </a:t>
+                </a:r>
+                <a:r>
+                  <a:rPr kumimoji="0" lang="zh-TW" altLang="zh-TW" sz="1050" b="0" i="0" u="none" strike="noStrike" kern="1200" cap="none" spc="0" normalizeH="0" baseline="0" noProof="0">
+                    <a:ln>
+                      <a:noFill/>
+                    </a:ln>
+                    <a:solidFill>
+                      <a:srgbClr val="BCBEC4"/>
+                    </a:solidFill>
+                    <a:effectLst/>
+                    <a:uLnTx/>
+                    <a:uFillTx/>
+                    <a:latin typeface="Consolas"/>
+                    <a:ea typeface="微軟正黑體 Light"/>
+                    <a:cs typeface="JetBrains Mono" panose="02000009000000000000" pitchFamily="49" charset="0"/>
+                  </a:rPr>
+                  <a:t>System.</a:t>
+                </a:r>
+                <a:r>
+                  <a:rPr kumimoji="0" lang="zh-TW" altLang="zh-TW" sz="1050" b="0" i="1" u="none" strike="noStrike" kern="1200" cap="none" spc="0" normalizeH="0" baseline="0" noProof="0">
+                    <a:ln>
+                      <a:noFill/>
+                    </a:ln>
+                    <a:solidFill>
+                      <a:srgbClr val="C77DBB"/>
+                    </a:solidFill>
+                    <a:effectLst/>
+                    <a:uLnTx/>
+                    <a:uFillTx/>
+                    <a:latin typeface="Consolas"/>
+                    <a:ea typeface="微軟正黑體 Light"/>
+                    <a:cs typeface="JetBrains Mono" panose="02000009000000000000" pitchFamily="49" charset="0"/>
+                  </a:rPr>
+                  <a:t>out</a:t>
+                </a:r>
+                <a:r>
+                  <a:rPr kumimoji="0" lang="zh-TW" altLang="zh-TW" sz="1050" b="0" i="0" u="none" strike="noStrike" kern="1200" cap="none" spc="0" normalizeH="0" baseline="0" noProof="0">
+                    <a:ln>
+                      <a:noFill/>
+                    </a:ln>
+                    <a:solidFill>
+                      <a:srgbClr val="BCBEC4"/>
+                    </a:solidFill>
+                    <a:effectLst/>
+                    <a:uLnTx/>
+                    <a:uFillTx/>
+                    <a:latin typeface="Consolas"/>
+                    <a:ea typeface="微軟正黑體 Light"/>
+                    <a:cs typeface="JetBrains Mono" panose="02000009000000000000" pitchFamily="49" charset="0"/>
+                  </a:rPr>
+                  <a:t>.println(</a:t>
+                </a:r>
+                <a:r>
+                  <a:rPr kumimoji="0" lang="zh-TW" altLang="zh-TW" sz="1050" b="0" i="0" u="none" strike="noStrike" kern="1200" cap="none" spc="0" normalizeH="0" baseline="0" noProof="0">
+                    <a:ln>
+                      <a:noFill/>
+                    </a:ln>
+                    <a:solidFill>
+                      <a:srgbClr val="6AAB73"/>
+                    </a:solidFill>
+                    <a:effectLst/>
+                    <a:uLnTx/>
+                    <a:uFillTx/>
+                    <a:latin typeface="Consolas"/>
+                    <a:ea typeface="微軟正黑體 Light"/>
+                    <a:cs typeface="JetBrains Mono" panose="02000009000000000000" pitchFamily="49" charset="0"/>
+                  </a:rPr>
+                  <a:t>"Hello, World!"</a:t>
+                </a:r>
+                <a:r>
+                  <a:rPr kumimoji="0" lang="zh-TW" altLang="zh-TW" sz="1050" b="0" i="0" u="none" strike="noStrike" kern="1200" cap="none" spc="0" normalizeH="0" baseline="0" noProof="0">
+                    <a:ln>
+                      <a:noFill/>
+                    </a:ln>
+                    <a:solidFill>
+                      <a:srgbClr val="BCBEC4"/>
+                    </a:solidFill>
+                    <a:effectLst/>
+                    <a:uLnTx/>
+                    <a:uFillTx/>
+                    <a:latin typeface="Consolas"/>
+                    <a:ea typeface="微軟正黑體 Light"/>
+                    <a:cs typeface="JetBrains Mono" panose="02000009000000000000" pitchFamily="49" charset="0"/>
+                  </a:rPr>
+                  <a:t>);</a:t>
+                </a:r>
+                <a:br>
+                  <a:rPr kumimoji="0" lang="zh-TW" altLang="zh-TW" sz="1050" b="0" i="0" u="none" strike="noStrike" kern="1200" cap="none" spc="0" normalizeH="0" baseline="0" noProof="0">
+                    <a:ln>
+                      <a:noFill/>
+                    </a:ln>
+                    <a:solidFill>
+                      <a:srgbClr val="BCBEC4"/>
+                    </a:solidFill>
+                    <a:effectLst/>
+                    <a:uLnTx/>
+                    <a:uFillTx/>
+                    <a:latin typeface="Consolas"/>
+                    <a:ea typeface="微軟正黑體 Light"/>
+                    <a:cs typeface="JetBrains Mono" panose="02000009000000000000" pitchFamily="49" charset="0"/>
+                  </a:rPr>
+                </a:br>
+                <a:br>
+                  <a:rPr kumimoji="0" lang="zh-TW" altLang="zh-TW" sz="1050" b="0" i="0" u="none" strike="noStrike" kern="1200" cap="none" spc="0" normalizeH="0" baseline="0" noProof="0">
+                    <a:ln>
+                      <a:noFill/>
+                    </a:ln>
+                    <a:solidFill>
+                      <a:srgbClr val="BCBEC4"/>
+                    </a:solidFill>
+                    <a:effectLst/>
+                    <a:uLnTx/>
+                    <a:uFillTx/>
+                    <a:latin typeface="Consolas"/>
+                    <a:ea typeface="微軟正黑體 Light"/>
+                    <a:cs typeface="JetBrains Mono" panose="02000009000000000000" pitchFamily="49" charset="0"/>
+                  </a:rPr>
+                </a:br>
+                <a:r>
+                  <a:rPr kumimoji="0" lang="zh-TW" altLang="zh-TW" sz="1050" b="0" i="0" u="none" strike="noStrike" kern="1200" cap="none" spc="0" normalizeH="0" baseline="0" noProof="0">
+                    <a:ln>
+                      <a:noFill/>
+                    </a:ln>
+                    <a:solidFill>
+                      <a:srgbClr val="BCBEC4"/>
+                    </a:solidFill>
+                    <a:effectLst/>
+                    <a:uLnTx/>
+                    <a:uFillTx/>
+                    <a:latin typeface="Consolas"/>
+                    <a:ea typeface="微軟正黑體 Light"/>
+                    <a:cs typeface="JetBrains Mono" panose="02000009000000000000" pitchFamily="49" charset="0"/>
+                  </a:rPr>
+                  <a:t>    }</a:t>
+                </a:r>
+                <a:br>
+                  <a:rPr kumimoji="0" lang="zh-TW" altLang="zh-TW" sz="1050" b="0" i="0" u="none" strike="noStrike" kern="1200" cap="none" spc="0" normalizeH="0" baseline="0" noProof="0">
+                    <a:ln>
+                      <a:noFill/>
+                    </a:ln>
+                    <a:solidFill>
+                      <a:srgbClr val="BCBEC4"/>
+                    </a:solidFill>
+                    <a:effectLst/>
+                    <a:uLnTx/>
+                    <a:uFillTx/>
+                    <a:latin typeface="Consolas"/>
+                    <a:ea typeface="微軟正黑體 Light"/>
+                    <a:cs typeface="JetBrains Mono" panose="02000009000000000000" pitchFamily="49" charset="0"/>
+                  </a:rPr>
+                </a:br>
+                <a:r>
+                  <a:rPr kumimoji="0" lang="zh-TW" altLang="zh-TW" sz="1050" b="0" i="0" u="none" strike="noStrike" kern="1200" cap="none" spc="0" normalizeH="0" baseline="0" noProof="0">
+                    <a:ln>
+                      <a:noFill/>
+                    </a:ln>
+                    <a:solidFill>
+                      <a:srgbClr val="BCBEC4"/>
+                    </a:solidFill>
+                    <a:effectLst/>
+                    <a:uLnTx/>
+                    <a:uFillTx/>
+                    <a:latin typeface="Consolas"/>
+                    <a:ea typeface="微軟正黑體 Light"/>
+                    <a:cs typeface="JetBrains Mono" panose="02000009000000000000" pitchFamily="49" charset="0"/>
+                  </a:rPr>
+                  <a:t>}</a:t>
+                </a:r>
+                <a:endParaRPr kumimoji="0" lang="zh-TW" altLang="zh-TW" sz="1600" b="0" i="0" u="none" strike="noStrike" kern="1200" cap="none" spc="0" normalizeH="0" baseline="0" noProof="0">
                   <a:ln>
                     <a:noFill/>
                   </a:ln>
                   <a:solidFill>
-                    <a:srgbClr val="7A7E85"/>
+                    <a:prstClr val="white"/>
                   </a:solidFill>
                   <a:effectLst/>
                   <a:uLnTx/>
                   <a:uFillTx/>
                   <a:latin typeface="Consolas"/>
                   <a:ea typeface="微軟正黑體 Light"/>
-                  <a:cs typeface="JetBrains Mono" panose="02000009000000000000" pitchFamily="49" charset="0"/>
-                </a:rPr>
-                <a:t>// </a:t>
-              </a:r>
-              <a:r>
-                <a:rPr kumimoji="0" lang="zh-TW" altLang="en-US" sz="1050" b="0" i="0" u="none" strike="noStrike" kern="1200" cap="none" spc="0" normalizeH="0" baseline="0" noProof="0">
-                  <a:ln>
-                    <a:noFill/>
-                  </a:ln>
-                  <a:solidFill>
-                    <a:srgbClr val="7A7E85"/>
-                  </a:solidFill>
-                  <a:effectLst/>
-                  <a:uLnTx/>
-                  <a:uFillTx/>
-                  <a:latin typeface="Consolas"/>
-                  <a:ea typeface="微軟正黑體 Light"/>
-                  <a:cs typeface="JetBrains Mono" panose="02000009000000000000" pitchFamily="49" charset="0"/>
-                </a:rPr>
-                <a:t>類別</a:t>
-              </a:r>
-              <a:r>
-                <a:rPr kumimoji="0" lang="en-US" altLang="zh-TW" sz="1050" b="0" i="0" u="none" strike="noStrike" kern="1200" cap="none" spc="0" normalizeH="0" baseline="0" noProof="0">
-                  <a:ln>
-                    <a:noFill/>
-                  </a:ln>
-                  <a:solidFill>
-                    <a:srgbClr val="7A7E85"/>
-                  </a:solidFill>
-                  <a:effectLst/>
-                  <a:uLnTx/>
-                  <a:uFillTx/>
-                  <a:latin typeface="Consolas"/>
-                  <a:ea typeface="微軟正黑體 Light"/>
-                  <a:cs typeface="JetBrains Mono" panose="02000009000000000000" pitchFamily="49" charset="0"/>
-                </a:rPr>
-                <a:t>(class)</a:t>
-              </a:r>
-              <a:r>
-                <a:rPr kumimoji="0" lang="zh-TW" altLang="zh-TW" sz="1050" b="0" i="0" u="none" strike="noStrike" kern="1200" cap="none" spc="0" normalizeH="0" baseline="0" noProof="0">
-                  <a:ln>
-                    <a:noFill/>
-                  </a:ln>
-                  <a:solidFill>
-                    <a:srgbClr val="7A7E85"/>
-                  </a:solidFill>
-                  <a:effectLst/>
-                  <a:uLnTx/>
-                  <a:uFillTx/>
-                  <a:latin typeface="Consolas"/>
-                  <a:ea typeface="微軟正黑體" panose="020B0604030504040204" pitchFamily="34" charset="-120"/>
-                  <a:cs typeface="JetBrains Mono" panose="02000009000000000000" pitchFamily="49" charset="0"/>
-                </a:rPr>
-                <a:t>名稱必須跟檔案名稱一樣</a:t>
-              </a:r>
-              <a:br>
-                <a:rPr kumimoji="0" lang="zh-TW" altLang="zh-TW" sz="1050" b="0" i="0" u="none" strike="noStrike" kern="1200" cap="none" spc="0" normalizeH="0" baseline="0" noProof="0">
-                  <a:ln>
-                    <a:noFill/>
-                  </a:ln>
-                  <a:solidFill>
-                    <a:srgbClr val="7A7E85"/>
-                  </a:solidFill>
-                  <a:effectLst/>
-                  <a:uLnTx/>
-                  <a:uFillTx/>
-                  <a:latin typeface="Consolas"/>
-                  <a:ea typeface="微軟正黑體" panose="020B0604030504040204" pitchFamily="34" charset="-120"/>
-                  <a:cs typeface="JetBrains Mono" panose="02000009000000000000" pitchFamily="49" charset="0"/>
-                </a:rPr>
-              </a:br>
-              <a:r>
-                <a:rPr kumimoji="0" lang="zh-TW" altLang="zh-TW" sz="1050" b="0" i="0" u="none" strike="noStrike" kern="1200" cap="none" spc="0" normalizeH="0" baseline="0" noProof="0">
-                  <a:ln>
-                    <a:noFill/>
-                  </a:ln>
-                  <a:solidFill>
-                    <a:srgbClr val="CF8E6D"/>
-                  </a:solidFill>
-                  <a:effectLst/>
-                  <a:uLnTx/>
-                  <a:uFillTx/>
-                  <a:latin typeface="Consolas"/>
-                  <a:ea typeface="微軟正黑體 Light"/>
-                  <a:cs typeface="JetBrains Mono" panose="02000009000000000000" pitchFamily="49" charset="0"/>
-                </a:rPr>
-                <a:t>public class </a:t>
-              </a:r>
-              <a:r>
-                <a:rPr kumimoji="0" lang="zh-TW" altLang="zh-TW" sz="1050" b="0" i="0" u="none" strike="noStrike" kern="1200" cap="none" spc="0" normalizeH="0" baseline="0" noProof="0">
-                  <a:ln>
-                    <a:noFill/>
-                  </a:ln>
-                  <a:solidFill>
-                    <a:srgbClr val="BCBEC4"/>
-                  </a:solidFill>
-                  <a:effectLst/>
-                  <a:uLnTx/>
-                  <a:uFillTx/>
-                  <a:latin typeface="Consolas"/>
-                  <a:ea typeface="微軟正黑體 Light"/>
-                  <a:cs typeface="JetBrains Mono" panose="02000009000000000000" pitchFamily="49" charset="0"/>
-                </a:rPr>
-                <a:t>Main {</a:t>
-              </a:r>
-              <a:br>
-                <a:rPr kumimoji="0" lang="zh-TW" altLang="zh-TW" sz="1050" b="0" i="0" u="none" strike="noStrike" kern="1200" cap="none" spc="0" normalizeH="0" baseline="0" noProof="0">
-                  <a:ln>
-                    <a:noFill/>
-                  </a:ln>
-                  <a:solidFill>
-                    <a:srgbClr val="BCBEC4"/>
-                  </a:solidFill>
-                  <a:effectLst/>
-                  <a:uLnTx/>
-                  <a:uFillTx/>
-                  <a:latin typeface="Consolas"/>
-                  <a:ea typeface="微軟正黑體 Light"/>
-                  <a:cs typeface="JetBrains Mono" panose="02000009000000000000" pitchFamily="49" charset="0"/>
-                </a:rPr>
-              </a:br>
-              <a:br>
-                <a:rPr kumimoji="0" lang="zh-TW" altLang="zh-TW" sz="1050" b="0" i="0" u="none" strike="noStrike" kern="1200" cap="none" spc="0" normalizeH="0" baseline="0" noProof="0">
-                  <a:ln>
-                    <a:noFill/>
-                  </a:ln>
-                  <a:solidFill>
-                    <a:srgbClr val="BCBEC4"/>
-                  </a:solidFill>
-                  <a:effectLst/>
-                  <a:uLnTx/>
-                  <a:uFillTx/>
-                  <a:latin typeface="Consolas"/>
-                  <a:ea typeface="微軟正黑體 Light"/>
-                  <a:cs typeface="JetBrains Mono" panose="02000009000000000000" pitchFamily="49" charset="0"/>
-                </a:rPr>
-              </a:br>
-              <a:r>
-                <a:rPr kumimoji="0" lang="zh-TW" altLang="zh-TW" sz="1050" b="0" i="0" u="none" strike="noStrike" kern="1200" cap="none" spc="0" normalizeH="0" baseline="0" noProof="0">
-                  <a:ln>
-                    <a:noFill/>
-                  </a:ln>
-                  <a:solidFill>
-                    <a:srgbClr val="BCBEC4"/>
-                  </a:solidFill>
-                  <a:effectLst/>
-                  <a:uLnTx/>
-                  <a:uFillTx/>
-                  <a:latin typeface="Consolas"/>
-                  <a:ea typeface="微軟正黑體 Light"/>
-                  <a:cs typeface="JetBrains Mono" panose="02000009000000000000" pitchFamily="49" charset="0"/>
-                </a:rPr>
-                <a:t>    </a:t>
-              </a:r>
-              <a:r>
-                <a:rPr kumimoji="0" lang="en-US" altLang="zh-TW" sz="1050" b="0" i="0" u="none" strike="noStrike" kern="1200" cap="none" spc="0" normalizeH="0" baseline="0" noProof="0">
-                  <a:ln>
-                    <a:noFill/>
-                  </a:ln>
-                  <a:solidFill>
-                    <a:srgbClr val="7A7E85"/>
-                  </a:solidFill>
-                  <a:effectLst/>
-                  <a:uLnTx/>
-                  <a:uFillTx/>
-                  <a:latin typeface="Consolas"/>
-                  <a:ea typeface="微軟正黑體 Light"/>
-                  <a:cs typeface="JetBrains Mono" panose="02000009000000000000" pitchFamily="49" charset="0"/>
-                </a:rPr>
-                <a:t>// Java </a:t>
-              </a:r>
-              <a:r>
-                <a:rPr kumimoji="0" lang="zh-TW" altLang="en-US" sz="1050" b="0" i="0" u="none" strike="noStrike" kern="1200" cap="none" spc="0" normalizeH="0" baseline="0" noProof="0">
-                  <a:ln>
-                    <a:noFill/>
-                  </a:ln>
-                  <a:solidFill>
-                    <a:srgbClr val="7A7E85"/>
-                  </a:solidFill>
-                  <a:effectLst/>
-                  <a:uLnTx/>
-                  <a:uFillTx/>
-                  <a:latin typeface="Consolas"/>
-                  <a:ea typeface="微軟正黑體 Light"/>
-                  <a:cs typeface="JetBrains Mono" panose="02000009000000000000" pitchFamily="49" charset="0"/>
-                </a:rPr>
-                <a:t>程式需要一個主方法</a:t>
-              </a:r>
-              <a:r>
-                <a:rPr kumimoji="0" lang="en-US" altLang="zh-TW" sz="1050" b="0" i="0" u="none" strike="noStrike" kern="1200" cap="none" spc="0" normalizeH="0" baseline="0" noProof="0">
-                  <a:ln>
-                    <a:noFill/>
-                  </a:ln>
-                  <a:solidFill>
-                    <a:srgbClr val="7A7E85"/>
-                  </a:solidFill>
-                  <a:effectLst/>
-                  <a:uLnTx/>
-                  <a:uFillTx/>
-                  <a:latin typeface="Consolas"/>
-                  <a:ea typeface="微軟正黑體 Light"/>
-                  <a:cs typeface="JetBrains Mono" panose="02000009000000000000" pitchFamily="49" charset="0"/>
-                </a:rPr>
-                <a:t>(main </a:t>
-              </a:r>
-              <a:r>
-                <a:rPr kumimoji="0" lang="zh-TW" altLang="en-US" sz="1050" b="0" i="0" u="none" strike="noStrike" kern="1200" cap="none" spc="0" normalizeH="0" baseline="0" noProof="0">
-                  <a:ln>
-                    <a:noFill/>
-                  </a:ln>
-                  <a:solidFill>
-                    <a:srgbClr val="7A7E85"/>
-                  </a:solidFill>
-                  <a:effectLst/>
-                  <a:uLnTx/>
-                  <a:uFillTx/>
-                  <a:latin typeface="Consolas"/>
-                  <a:ea typeface="微軟正黑體 Light"/>
-                  <a:cs typeface="JetBrains Mono" panose="02000009000000000000" pitchFamily="49" charset="0"/>
-                </a:rPr>
-                <a:t>方法</a:t>
-              </a:r>
-              <a:r>
-                <a:rPr kumimoji="0" lang="en-US" altLang="zh-TW" sz="1050" b="0" i="0" u="none" strike="noStrike" kern="1200" cap="none" spc="0" normalizeH="0" baseline="0" noProof="0">
-                  <a:ln>
-                    <a:noFill/>
-                  </a:ln>
-                  <a:solidFill>
-                    <a:srgbClr val="7A7E85"/>
-                  </a:solidFill>
-                  <a:effectLst/>
-                  <a:uLnTx/>
-                  <a:uFillTx/>
-                  <a:latin typeface="Consolas"/>
-                  <a:ea typeface="微軟正黑體 Light"/>
-                  <a:cs typeface="JetBrains Mono" panose="02000009000000000000" pitchFamily="49" charset="0"/>
-                </a:rPr>
-                <a:t>)</a:t>
-              </a:r>
-              <a:r>
-                <a:rPr kumimoji="0" lang="zh-TW" altLang="en-US" sz="1050" b="0" i="0" u="none" strike="noStrike" kern="1200" cap="none" spc="0" normalizeH="0" baseline="0" noProof="0">
-                  <a:ln>
-                    <a:noFill/>
-                  </a:ln>
-                  <a:solidFill>
-                    <a:srgbClr val="7A7E85"/>
-                  </a:solidFill>
-                  <a:effectLst/>
-                  <a:uLnTx/>
-                  <a:uFillTx/>
-                  <a:latin typeface="Consolas"/>
-                  <a:ea typeface="微軟正黑體 Light"/>
-                  <a:cs typeface="JetBrains Mono" panose="02000009000000000000" pitchFamily="49" charset="0"/>
-                </a:rPr>
-                <a:t>，程式從這裡開始執行</a:t>
-              </a:r>
-              <a:br>
-                <a:rPr kumimoji="0" lang="zh-TW" altLang="zh-TW" sz="1050" b="0" i="0" u="none" strike="noStrike" kern="1200" cap="none" spc="0" normalizeH="0" baseline="0" noProof="0">
-                  <a:ln>
-                    <a:noFill/>
-                  </a:ln>
-                  <a:solidFill>
-                    <a:srgbClr val="7A7E85"/>
-                  </a:solidFill>
-                  <a:effectLst/>
-                  <a:uLnTx/>
-                  <a:uFillTx/>
-                  <a:latin typeface="Consolas"/>
-                  <a:ea typeface="微軟正黑體 Light"/>
-                  <a:cs typeface="JetBrains Mono" panose="02000009000000000000" pitchFamily="49" charset="0"/>
-                </a:rPr>
-              </a:br>
-              <a:r>
-                <a:rPr kumimoji="0" lang="zh-TW" altLang="zh-TW" sz="1050" b="0" i="0" u="none" strike="noStrike" kern="1200" cap="none" spc="0" normalizeH="0" baseline="0" noProof="0">
-                  <a:ln>
-                    <a:noFill/>
-                  </a:ln>
-                  <a:solidFill>
-                    <a:srgbClr val="7A7E85"/>
-                  </a:solidFill>
-                  <a:effectLst/>
-                  <a:uLnTx/>
-                  <a:uFillTx/>
-                  <a:latin typeface="Consolas"/>
-                  <a:ea typeface="微軟正黑體 Light"/>
-                  <a:cs typeface="JetBrains Mono" panose="02000009000000000000" pitchFamily="49" charset="0"/>
-                </a:rPr>
-                <a:t>    </a:t>
-              </a:r>
-              <a:r>
-                <a:rPr kumimoji="0" lang="zh-TW" altLang="zh-TW" sz="1050" b="0" i="0" u="none" strike="noStrike" kern="1200" cap="none" spc="0" normalizeH="0" baseline="0" noProof="0">
-                  <a:ln>
-                    <a:noFill/>
-                  </a:ln>
-                  <a:solidFill>
-                    <a:srgbClr val="CF8E6D"/>
-                  </a:solidFill>
-                  <a:effectLst/>
-                  <a:uLnTx/>
-                  <a:uFillTx/>
-                  <a:latin typeface="Consolas"/>
-                  <a:ea typeface="微軟正黑體 Light"/>
-                  <a:cs typeface="JetBrains Mono" panose="02000009000000000000" pitchFamily="49" charset="0"/>
-                </a:rPr>
-                <a:t>public static void </a:t>
-              </a:r>
-              <a:r>
-                <a:rPr kumimoji="0" lang="zh-TW" altLang="zh-TW" sz="1050" b="0" i="0" u="none" strike="noStrike" kern="1200" cap="none" spc="0" normalizeH="0" baseline="0" noProof="0">
-                  <a:ln>
-                    <a:noFill/>
-                  </a:ln>
-                  <a:solidFill>
-                    <a:srgbClr val="56A8F5"/>
-                  </a:solidFill>
-                  <a:effectLst/>
-                  <a:uLnTx/>
-                  <a:uFillTx/>
-                  <a:latin typeface="Consolas"/>
-                  <a:ea typeface="微軟正黑體 Light"/>
-                  <a:cs typeface="JetBrains Mono" panose="02000009000000000000" pitchFamily="49" charset="0"/>
-                </a:rPr>
-                <a:t>main</a:t>
-              </a:r>
-              <a:r>
-                <a:rPr kumimoji="0" lang="zh-TW" altLang="zh-TW" sz="1050" b="0" i="0" u="none" strike="noStrike" kern="1200" cap="none" spc="0" normalizeH="0" baseline="0" noProof="0">
-                  <a:ln>
-                    <a:noFill/>
-                  </a:ln>
-                  <a:solidFill>
-                    <a:srgbClr val="BCBEC4"/>
-                  </a:solidFill>
-                  <a:effectLst/>
-                  <a:uLnTx/>
-                  <a:uFillTx/>
-                  <a:latin typeface="Consolas"/>
-                  <a:ea typeface="微軟正黑體 Light"/>
-                  <a:cs typeface="JetBrains Mono" panose="02000009000000000000" pitchFamily="49" charset="0"/>
-                </a:rPr>
-                <a:t>(String[] args) {</a:t>
-              </a:r>
-              <a:br>
-                <a:rPr kumimoji="0" lang="zh-TW" altLang="zh-TW" sz="1050" b="0" i="0" u="none" strike="noStrike" kern="1200" cap="none" spc="0" normalizeH="0" baseline="0" noProof="0">
-                  <a:ln>
-                    <a:noFill/>
-                  </a:ln>
-                  <a:solidFill>
-                    <a:srgbClr val="BCBEC4"/>
-                  </a:solidFill>
-                  <a:effectLst/>
-                  <a:uLnTx/>
-                  <a:uFillTx/>
-                  <a:latin typeface="Consolas"/>
-                  <a:ea typeface="微軟正黑體 Light"/>
-                  <a:cs typeface="JetBrains Mono" panose="02000009000000000000" pitchFamily="49" charset="0"/>
-                </a:rPr>
-              </a:br>
-              <a:br>
-                <a:rPr kumimoji="0" lang="zh-TW" altLang="zh-TW" sz="1050" b="0" i="0" u="none" strike="noStrike" kern="1200" cap="none" spc="0" normalizeH="0" baseline="0" noProof="0">
-                  <a:ln>
-                    <a:noFill/>
-                  </a:ln>
-                  <a:solidFill>
-                    <a:srgbClr val="BCBEC4"/>
-                  </a:solidFill>
-                  <a:effectLst/>
-                  <a:uLnTx/>
-                  <a:uFillTx/>
-                  <a:latin typeface="Consolas"/>
-                  <a:ea typeface="微軟正黑體 Light"/>
-                  <a:cs typeface="JetBrains Mono" panose="02000009000000000000" pitchFamily="49" charset="0"/>
-                </a:rPr>
-              </a:br>
-              <a:r>
-                <a:rPr kumimoji="0" lang="zh-TW" altLang="zh-TW" sz="1050" b="0" i="0" u="none" strike="noStrike" kern="1200" cap="none" spc="0" normalizeH="0" baseline="0" noProof="0">
-                  <a:ln>
-                    <a:noFill/>
-                  </a:ln>
-                  <a:solidFill>
-                    <a:srgbClr val="BCBEC4"/>
-                  </a:solidFill>
-                  <a:effectLst/>
-                  <a:uLnTx/>
-                  <a:uFillTx/>
-                  <a:latin typeface="Consolas"/>
-                  <a:ea typeface="微軟正黑體 Light"/>
-                  <a:cs typeface="JetBrains Mono" panose="02000009000000000000" pitchFamily="49" charset="0"/>
-                </a:rPr>
-                <a:t>        </a:t>
-              </a:r>
-              <a:r>
-                <a:rPr kumimoji="0" lang="zh-TW" altLang="zh-TW" sz="1050" b="0" i="0" u="none" strike="noStrike" kern="1200" cap="none" spc="0" normalizeH="0" baseline="0" noProof="0">
-                  <a:ln>
-                    <a:noFill/>
-                  </a:ln>
-                  <a:solidFill>
-                    <a:srgbClr val="7A7E85"/>
-                  </a:solidFill>
-                  <a:effectLst/>
-                  <a:uLnTx/>
-                  <a:uFillTx/>
-                  <a:latin typeface="Consolas"/>
-                  <a:ea typeface="微軟正黑體 Light"/>
-                  <a:cs typeface="JetBrains Mono" panose="02000009000000000000" pitchFamily="49" charset="0"/>
-                </a:rPr>
-                <a:t>// </a:t>
-              </a:r>
-              <a:r>
-                <a:rPr kumimoji="0" lang="zh-TW" altLang="zh-TW" sz="1050" b="0" i="0" u="none" strike="noStrike" kern="1200" cap="none" spc="0" normalizeH="0" baseline="0" noProof="0">
-                  <a:ln>
-                    <a:noFill/>
-                  </a:ln>
-                  <a:solidFill>
-                    <a:srgbClr val="7A7E85"/>
-                  </a:solidFill>
-                  <a:effectLst/>
-                  <a:uLnTx/>
-                  <a:uFillTx/>
-                  <a:latin typeface="Consolas"/>
-                  <a:ea typeface="微軟正黑體" panose="020B0604030504040204" pitchFamily="34" charset="-120"/>
-                  <a:cs typeface="JetBrains Mono" panose="02000009000000000000" pitchFamily="49" charset="0"/>
-                </a:rPr>
-                <a:t>在</a:t>
-              </a:r>
-              <a:r>
-                <a:rPr kumimoji="0" lang="zh-TW" altLang="zh-TW" sz="1050" b="0" i="0" u="none" strike="noStrike" kern="1200" cap="none" spc="0" normalizeH="0" baseline="0" noProof="0">
-                  <a:ln>
-                    <a:noFill/>
-                  </a:ln>
-                  <a:solidFill>
-                    <a:srgbClr val="7A7E85"/>
-                  </a:solidFill>
-                  <a:effectLst/>
-                  <a:uLnTx/>
-                  <a:uFillTx/>
-                  <a:latin typeface="Consolas"/>
-                  <a:ea typeface="微軟正黑體 Light"/>
-                  <a:cs typeface="JetBrains Mono" panose="02000009000000000000" pitchFamily="49" charset="0"/>
-                </a:rPr>
-                <a:t> Java </a:t>
-              </a:r>
-              <a:r>
-                <a:rPr kumimoji="0" lang="zh-TW" altLang="zh-TW" sz="1050" b="0" i="0" u="none" strike="noStrike" kern="1200" cap="none" spc="0" normalizeH="0" baseline="0" noProof="0">
-                  <a:ln>
-                    <a:noFill/>
-                  </a:ln>
-                  <a:solidFill>
-                    <a:srgbClr val="7A7E85"/>
-                  </a:solidFill>
-                  <a:effectLst/>
-                  <a:uLnTx/>
-                  <a:uFillTx/>
-                  <a:latin typeface="Consolas"/>
-                  <a:ea typeface="微軟正黑體" panose="020B0604030504040204" pitchFamily="34" charset="-120"/>
-                  <a:cs typeface="JetBrains Mono" panose="02000009000000000000" pitchFamily="49" charset="0"/>
-                </a:rPr>
-                <a:t>中，使用</a:t>
-              </a:r>
-              <a:r>
-                <a:rPr kumimoji="0" lang="zh-TW" altLang="zh-TW" sz="1050" b="0" i="0" u="none" strike="noStrike" kern="1200" cap="none" spc="0" normalizeH="0" baseline="0" noProof="0">
-                  <a:ln>
-                    <a:noFill/>
-                  </a:ln>
-                  <a:solidFill>
-                    <a:srgbClr val="7A7E85"/>
-                  </a:solidFill>
-                  <a:effectLst/>
-                  <a:uLnTx/>
-                  <a:uFillTx/>
-                  <a:latin typeface="Consolas"/>
-                  <a:ea typeface="微軟正黑體 Light"/>
-                  <a:cs typeface="JetBrains Mono" panose="02000009000000000000" pitchFamily="49" charset="0"/>
-                </a:rPr>
-                <a:t> System.out.println() </a:t>
-              </a:r>
-              <a:r>
-                <a:rPr kumimoji="0" lang="zh-TW" altLang="zh-TW" sz="1050" b="0" i="0" u="none" strike="noStrike" kern="1200" cap="none" spc="0" normalizeH="0" baseline="0" noProof="0">
-                  <a:ln>
-                    <a:noFill/>
-                  </a:ln>
-                  <a:solidFill>
-                    <a:srgbClr val="7A7E85"/>
-                  </a:solidFill>
-                  <a:effectLst/>
-                  <a:uLnTx/>
-                  <a:uFillTx/>
-                  <a:latin typeface="Consolas"/>
-                  <a:ea typeface="微軟正黑體" panose="020B0604030504040204" pitchFamily="34" charset="-120"/>
-                  <a:cs typeface="JetBrains Mono" panose="02000009000000000000" pitchFamily="49" charset="0"/>
-                </a:rPr>
-                <a:t>來輸出資料</a:t>
-              </a:r>
-              <a:br>
-                <a:rPr kumimoji="0" lang="zh-TW" altLang="zh-TW" sz="1050" b="0" i="0" u="none" strike="noStrike" kern="1200" cap="none" spc="0" normalizeH="0" baseline="0" noProof="0">
-                  <a:ln>
-                    <a:noFill/>
-                  </a:ln>
-                  <a:solidFill>
-                    <a:srgbClr val="7A7E85"/>
-                  </a:solidFill>
-                  <a:effectLst/>
-                  <a:uLnTx/>
-                  <a:uFillTx/>
-                  <a:latin typeface="Consolas"/>
-                  <a:ea typeface="微軟正黑體" panose="020B0604030504040204" pitchFamily="34" charset="-120"/>
-                  <a:cs typeface="JetBrains Mono" panose="02000009000000000000" pitchFamily="49" charset="0"/>
-                </a:rPr>
-              </a:br>
-              <a:r>
-                <a:rPr kumimoji="0" lang="zh-TW" altLang="zh-TW" sz="1050" b="0" i="0" u="none" strike="noStrike" kern="1200" cap="none" spc="0" normalizeH="0" baseline="0" noProof="0">
-                  <a:ln>
-                    <a:noFill/>
-                  </a:ln>
-                  <a:solidFill>
-                    <a:srgbClr val="7A7E85"/>
-                  </a:solidFill>
-                  <a:effectLst/>
-                  <a:uLnTx/>
-                  <a:uFillTx/>
-                  <a:latin typeface="Consolas"/>
-                  <a:ea typeface="微軟正黑體" panose="020B0604030504040204" pitchFamily="34" charset="-120"/>
-                  <a:cs typeface="JetBrains Mono" panose="02000009000000000000" pitchFamily="49" charset="0"/>
-                </a:rPr>
-                <a:t>        </a:t>
-              </a:r>
-              <a:r>
-                <a:rPr kumimoji="0" lang="zh-TW" altLang="zh-TW" sz="1050" b="0" i="0" u="none" strike="noStrike" kern="1200" cap="none" spc="0" normalizeH="0" baseline="0" noProof="0">
-                  <a:ln>
-                    <a:noFill/>
-                  </a:ln>
-                  <a:solidFill>
-                    <a:srgbClr val="BCBEC4"/>
-                  </a:solidFill>
-                  <a:effectLst/>
-                  <a:uLnTx/>
-                  <a:uFillTx/>
-                  <a:latin typeface="Consolas"/>
-                  <a:ea typeface="微軟正黑體 Light"/>
-                  <a:cs typeface="JetBrains Mono" panose="02000009000000000000" pitchFamily="49" charset="0"/>
-                </a:rPr>
-                <a:t>System.</a:t>
-              </a:r>
-              <a:r>
-                <a:rPr kumimoji="0" lang="zh-TW" altLang="zh-TW" sz="1050" b="0" i="1" u="none" strike="noStrike" kern="1200" cap="none" spc="0" normalizeH="0" baseline="0" noProof="0">
-                  <a:ln>
-                    <a:noFill/>
-                  </a:ln>
-                  <a:solidFill>
-                    <a:srgbClr val="C77DBB"/>
-                  </a:solidFill>
-                  <a:effectLst/>
-                  <a:uLnTx/>
-                  <a:uFillTx/>
-                  <a:latin typeface="Consolas"/>
-                  <a:ea typeface="微軟正黑體 Light"/>
-                  <a:cs typeface="JetBrains Mono" panose="02000009000000000000" pitchFamily="49" charset="0"/>
-                </a:rPr>
-                <a:t>out</a:t>
-              </a:r>
-              <a:r>
-                <a:rPr kumimoji="0" lang="zh-TW" altLang="zh-TW" sz="1050" b="0" i="0" u="none" strike="noStrike" kern="1200" cap="none" spc="0" normalizeH="0" baseline="0" noProof="0">
-                  <a:ln>
-                    <a:noFill/>
-                  </a:ln>
-                  <a:solidFill>
-                    <a:srgbClr val="BCBEC4"/>
-                  </a:solidFill>
-                  <a:effectLst/>
-                  <a:uLnTx/>
-                  <a:uFillTx/>
-                  <a:latin typeface="Consolas"/>
-                  <a:ea typeface="微軟正黑體 Light"/>
-                  <a:cs typeface="JetBrains Mono" panose="02000009000000000000" pitchFamily="49" charset="0"/>
-                </a:rPr>
-                <a:t>.println(</a:t>
-              </a:r>
-              <a:r>
-                <a:rPr kumimoji="0" lang="zh-TW" altLang="zh-TW" sz="1050" b="0" i="0" u="none" strike="noStrike" kern="1200" cap="none" spc="0" normalizeH="0" baseline="0" noProof="0">
-                  <a:ln>
-                    <a:noFill/>
-                  </a:ln>
-                  <a:solidFill>
-                    <a:srgbClr val="6AAB73"/>
-                  </a:solidFill>
-                  <a:effectLst/>
-                  <a:uLnTx/>
-                  <a:uFillTx/>
-                  <a:latin typeface="Consolas"/>
-                  <a:ea typeface="微軟正黑體 Light"/>
-                  <a:cs typeface="JetBrains Mono" panose="02000009000000000000" pitchFamily="49" charset="0"/>
-                </a:rPr>
-                <a:t>"Hello, World!"</a:t>
-              </a:r>
-              <a:r>
-                <a:rPr kumimoji="0" lang="zh-TW" altLang="zh-TW" sz="1050" b="0" i="0" u="none" strike="noStrike" kern="1200" cap="none" spc="0" normalizeH="0" baseline="0" noProof="0">
-                  <a:ln>
-                    <a:noFill/>
-                  </a:ln>
-                  <a:solidFill>
-                    <a:srgbClr val="BCBEC4"/>
-                  </a:solidFill>
-                  <a:effectLst/>
-                  <a:uLnTx/>
-                  <a:uFillTx/>
-                  <a:latin typeface="Consolas"/>
-                  <a:ea typeface="微軟正黑體 Light"/>
-                  <a:cs typeface="JetBrains Mono" panose="02000009000000000000" pitchFamily="49" charset="0"/>
-                </a:rPr>
-                <a:t>);</a:t>
-              </a:r>
-              <a:br>
-                <a:rPr kumimoji="0" lang="zh-TW" altLang="zh-TW" sz="1050" b="0" i="0" u="none" strike="noStrike" kern="1200" cap="none" spc="0" normalizeH="0" baseline="0" noProof="0">
-                  <a:ln>
-                    <a:noFill/>
-                  </a:ln>
-                  <a:solidFill>
-                    <a:srgbClr val="BCBEC4"/>
-                  </a:solidFill>
-                  <a:effectLst/>
-                  <a:uLnTx/>
-                  <a:uFillTx/>
-                  <a:latin typeface="Consolas"/>
-                  <a:ea typeface="微軟正黑體 Light"/>
-                  <a:cs typeface="JetBrains Mono" panose="02000009000000000000" pitchFamily="49" charset="0"/>
-                </a:rPr>
-              </a:br>
-              <a:br>
-                <a:rPr kumimoji="0" lang="zh-TW" altLang="zh-TW" sz="1050" b="0" i="0" u="none" strike="noStrike" kern="1200" cap="none" spc="0" normalizeH="0" baseline="0" noProof="0">
-                  <a:ln>
-                    <a:noFill/>
-                  </a:ln>
-                  <a:solidFill>
-                    <a:srgbClr val="BCBEC4"/>
-                  </a:solidFill>
-                  <a:effectLst/>
-                  <a:uLnTx/>
-                  <a:uFillTx/>
-                  <a:latin typeface="Consolas"/>
-                  <a:ea typeface="微軟正黑體 Light"/>
-                  <a:cs typeface="JetBrains Mono" panose="02000009000000000000" pitchFamily="49" charset="0"/>
-                </a:rPr>
-              </a:br>
-              <a:r>
-                <a:rPr kumimoji="0" lang="zh-TW" altLang="zh-TW" sz="1050" b="0" i="0" u="none" strike="noStrike" kern="1200" cap="none" spc="0" normalizeH="0" baseline="0" noProof="0">
-                  <a:ln>
-                    <a:noFill/>
-                  </a:ln>
-                  <a:solidFill>
-                    <a:srgbClr val="BCBEC4"/>
-                  </a:solidFill>
-                  <a:effectLst/>
-                  <a:uLnTx/>
-                  <a:uFillTx/>
-                  <a:latin typeface="Consolas"/>
-                  <a:ea typeface="微軟正黑體 Light"/>
-                  <a:cs typeface="JetBrains Mono" panose="02000009000000000000" pitchFamily="49" charset="0"/>
-                </a:rPr>
-                <a:t>    }</a:t>
-              </a:r>
-              <a:br>
-                <a:rPr kumimoji="0" lang="zh-TW" altLang="zh-TW" sz="1050" b="0" i="0" u="none" strike="noStrike" kern="1200" cap="none" spc="0" normalizeH="0" baseline="0" noProof="0">
-                  <a:ln>
-                    <a:noFill/>
-                  </a:ln>
-                  <a:solidFill>
-                    <a:srgbClr val="BCBEC4"/>
-                  </a:solidFill>
-                  <a:effectLst/>
-                  <a:uLnTx/>
-                  <a:uFillTx/>
-                  <a:latin typeface="Consolas"/>
-                  <a:ea typeface="微軟正黑體 Light"/>
-                  <a:cs typeface="JetBrains Mono" panose="02000009000000000000" pitchFamily="49" charset="0"/>
-                </a:rPr>
-              </a:br>
-              <a:r>
-                <a:rPr kumimoji="0" lang="zh-TW" altLang="zh-TW" sz="1050" b="0" i="0" u="none" strike="noStrike" kern="1200" cap="none" spc="0" normalizeH="0" baseline="0" noProof="0">
-                  <a:ln>
-                    <a:noFill/>
-                  </a:ln>
-                  <a:solidFill>
-                    <a:srgbClr val="BCBEC4"/>
-                  </a:solidFill>
-                  <a:effectLst/>
-                  <a:uLnTx/>
-                  <a:uFillTx/>
-                  <a:latin typeface="Consolas"/>
-                  <a:ea typeface="微軟正黑體 Light"/>
-                  <a:cs typeface="JetBrains Mono" panose="02000009000000000000" pitchFamily="49" charset="0"/>
-                </a:rPr>
-                <a:t>}</a:t>
-              </a:r>
-              <a:endParaRPr kumimoji="0" lang="zh-TW" altLang="zh-TW" sz="1600" b="0" i="0" u="none" strike="noStrike" kern="1200" cap="none" spc="0" normalizeH="0" baseline="0" noProof="0">
-                <a:ln>
-                  <a:noFill/>
-                </a:ln>
-                <a:solidFill>
-                  <a:prstClr val="white"/>
-                </a:solidFill>
-                <a:effectLst/>
-                <a:uLnTx/>
-                <a:uFillTx/>
-                <a:latin typeface="Consolas"/>
-                <a:ea typeface="微軟正黑體 Light"/>
-                <a:cs typeface="+mn-cs"/>
-              </a:endParaRPr>
-            </a:p>
-          </p:txBody>
-        </p:sp>
-        <p:pic>
-          <p:nvPicPr>
-            <p:cNvPr id="6" name="圖片 5">
-              <a:hlinkClick r:id="rId2"/>
-              <a:extLst>
-                <a:ext uri="{FF2B5EF4-FFF2-40B4-BE49-F238E27FC236}">
-                  <a16:creationId xmlns:a16="http://schemas.microsoft.com/office/drawing/2014/main" id="{ABAA4BF6-08AE-485C-BCA0-18B15998B6CF}"/>
-                </a:ext>
-              </a:extLst>
-            </p:cNvPr>
-            <p:cNvPicPr>
-              <a:picLocks noChangeAspect="1"/>
-            </p:cNvPicPr>
-            <p:nvPr/>
-          </p:nvPicPr>
-          <p:blipFill>
-            <a:blip r:embed="rId3">
-              <a:extLst>
-                <a:ext uri="{28A0092B-C50C-407E-A947-70E740481C1C}">
-                  <a14:useLocalDpi xmlns:a14="http://schemas.microsoft.com/office/drawing/2010/main" val="0"/>
-                </a:ext>
-              </a:extLst>
-            </a:blip>
-            <a:stretch>
-              <a:fillRect/>
-            </a:stretch>
-          </p:blipFill>
-          <p:spPr>
-            <a:xfrm>
-              <a:off x="5472187" y="3328325"/>
-              <a:ext cx="283154" cy="276999"/>
-            </a:xfrm>
-            <a:prstGeom prst="rect">
-              <a:avLst/>
-            </a:prstGeom>
-          </p:spPr>
-        </p:pic>
-        <p:sp>
-          <p:nvSpPr>
-            <p:cNvPr id="7" name="文字方塊 6">
-              <a:extLst>
-                <a:ext uri="{FF2B5EF4-FFF2-40B4-BE49-F238E27FC236}">
-                  <a16:creationId xmlns:a16="http://schemas.microsoft.com/office/drawing/2014/main" id="{FB92C758-5E63-45FA-85E0-8697B7225DD2}"/>
-                </a:ext>
-              </a:extLst>
-            </p:cNvPr>
-            <p:cNvSpPr txBox="1"/>
-            <p:nvPr/>
-          </p:nvSpPr>
-          <p:spPr>
-            <a:xfrm>
-              <a:off x="5230838" y="4921069"/>
-              <a:ext cx="524503" cy="276999"/>
-            </a:xfrm>
-            <a:prstGeom prst="rect">
-              <a:avLst/>
-            </a:prstGeom>
-            <a:noFill/>
-          </p:spPr>
-          <p:txBody>
-            <a:bodyPr wrap="none" rtlCol="0">
-              <a:spAutoFit/>
-            </a:bodyPr>
-            <a:lstStyle/>
-            <a:p>
-              <a:pPr marL="0" marR="0" lvl="0" indent="0" algn="l" defTabSz="914400" rtl="0" eaLnBrk="1" fontAlgn="auto" latinLnBrk="0" hangingPunct="1">
-                <a:lnSpc>
-                  <a:spcPct val="100000"/>
-                </a:lnSpc>
-                <a:spcBef>
-                  <a:spcPts val="0"/>
-                </a:spcBef>
-                <a:spcAft>
-                  <a:spcPts val="0"/>
-                </a:spcAft>
-                <a:buClrTx/>
-                <a:buSzTx/>
-                <a:buFontTx/>
-                <a:buNone/>
-                <a:tabLst/>
-                <a:defRPr/>
-              </a:pPr>
-              <a:r>
-                <a:rPr kumimoji="0" lang="en-US" altLang="zh-TW" sz="1200" b="0" i="0" u="none" strike="noStrike" kern="1200" cap="none" spc="0" normalizeH="0" baseline="0" noProof="0">
+                  <a:cs typeface="+mn-cs"/>
+                </a:endParaRPr>
+              </a:p>
+            </p:txBody>
+          </p:sp>
+          <p:pic>
+            <p:nvPicPr>
+              <p:cNvPr id="6" name="圖片 5">
+                <a:hlinkClick r:id="rId2"/>
+                <a:extLst>
+                  <a:ext uri="{FF2B5EF4-FFF2-40B4-BE49-F238E27FC236}">
+                    <a16:creationId xmlns:a16="http://schemas.microsoft.com/office/drawing/2014/main" id="{ABAA4BF6-08AE-485C-BCA0-18B15998B6CF}"/>
+                  </a:ext>
+                </a:extLst>
+              </p:cNvPr>
+              <p:cNvPicPr>
+                <a:picLocks noChangeAspect="1"/>
+              </p:cNvPicPr>
+              <p:nvPr/>
+            </p:nvPicPr>
+            <p:blipFill>
+              <a:blip r:embed="rId3">
+                <a:extLst>
+                  <a:ext uri="{28A0092B-C50C-407E-A947-70E740481C1C}">
+                    <a14:useLocalDpi xmlns:a14="http://schemas.microsoft.com/office/drawing/2010/main" val="0"/>
+                  </a:ext>
+                </a:extLst>
+              </a:blip>
+              <a:stretch>
+                <a:fillRect/>
+              </a:stretch>
+            </p:blipFill>
+            <p:spPr>
+              <a:xfrm>
+                <a:off x="5472187" y="3328325"/>
+                <a:ext cx="283154" cy="276999"/>
+              </a:xfrm>
+              <a:prstGeom prst="rect">
+                <a:avLst/>
+              </a:prstGeom>
+            </p:spPr>
+          </p:pic>
+          <p:sp>
+            <p:nvSpPr>
+              <p:cNvPr id="7" name="文字方塊 6">
+                <a:extLst>
+                  <a:ext uri="{FF2B5EF4-FFF2-40B4-BE49-F238E27FC236}">
+                    <a16:creationId xmlns:a16="http://schemas.microsoft.com/office/drawing/2014/main" id="{FB92C758-5E63-45FA-85E0-8697B7225DD2}"/>
+                  </a:ext>
+                </a:extLst>
+              </p:cNvPr>
+              <p:cNvSpPr txBox="1"/>
+              <p:nvPr/>
+            </p:nvSpPr>
+            <p:spPr>
+              <a:xfrm>
+                <a:off x="5230838" y="4921069"/>
+                <a:ext cx="524503" cy="276999"/>
+              </a:xfrm>
+              <a:prstGeom prst="rect">
+                <a:avLst/>
+              </a:prstGeom>
+              <a:noFill/>
+            </p:spPr>
+            <p:txBody>
+              <a:bodyPr wrap="none" rtlCol="0">
+                <a:spAutoFit/>
+              </a:bodyPr>
+              <a:lstStyle/>
+              <a:p>
+                <a:pPr marL="0" marR="0" lvl="0" indent="0" algn="l" defTabSz="914400" rtl="0" eaLnBrk="1" fontAlgn="auto" latinLnBrk="0" hangingPunct="1">
+                  <a:lnSpc>
+                    <a:spcPct val="100000"/>
+                  </a:lnSpc>
+                  <a:spcBef>
+                    <a:spcPts val="0"/>
+                  </a:spcBef>
+                  <a:spcAft>
+                    <a:spcPts val="0"/>
+                  </a:spcAft>
+                  <a:buClrTx/>
+                  <a:buSzTx/>
+                  <a:buFontTx/>
+                  <a:buNone/>
+                  <a:tabLst/>
+                  <a:defRPr/>
+                </a:pPr>
+                <a:r>
+                  <a:rPr kumimoji="0" lang="en-US" altLang="zh-TW" sz="1200" b="0" i="0" u="none" strike="noStrike" kern="1200" cap="none" spc="0" normalizeH="0" baseline="0" noProof="0">
+                    <a:ln>
+                      <a:noFill/>
+                    </a:ln>
+                    <a:solidFill>
+                      <a:srgbClr val="808080"/>
+                    </a:solidFill>
+                    <a:effectLst/>
+                    <a:uLnTx/>
+                    <a:uFillTx/>
+                    <a:latin typeface="Consolas"/>
+                    <a:ea typeface="微軟正黑體 Light"/>
+                    <a:cs typeface="+mn-cs"/>
+                  </a:rPr>
+                  <a:t>java</a:t>
+                </a:r>
+                <a:endParaRPr kumimoji="0" lang="zh-TW" altLang="en-US" sz="1200" b="0" i="0" u="none" strike="noStrike" kern="1200" cap="none" spc="0" normalizeH="0" baseline="0" noProof="0">
                   <a:ln>
                     <a:noFill/>
                   </a:ln>
@@ -15715,340 +15878,17 @@
                   <a:latin typeface="Consolas"/>
                   <a:ea typeface="微軟正黑體 Light"/>
                   <a:cs typeface="+mn-cs"/>
-                </a:rPr>
-                <a:t>java</a:t>
-              </a:r>
-              <a:endParaRPr kumimoji="0" lang="zh-TW" altLang="en-US" sz="1200" b="0" i="0" u="none" strike="noStrike" kern="1200" cap="none" spc="0" normalizeH="0" baseline="0" noProof="0">
-                <a:ln>
-                  <a:noFill/>
-                </a:ln>
-                <a:solidFill>
-                  <a:srgbClr val="808080"/>
-                </a:solidFill>
-                <a:effectLst/>
-                <a:uLnTx/>
-                <a:uFillTx/>
-                <a:latin typeface="Consolas"/>
-                <a:ea typeface="微軟正黑體 Light"/>
-                <a:cs typeface="+mn-cs"/>
-              </a:endParaRPr>
-            </a:p>
-          </p:txBody>
-        </p:sp>
-      </p:grpSp>
-      <p:sp>
-        <p:nvSpPr>
-          <p:cNvPr id="10" name="箭號: 向右 9">
-            <a:extLst>
-              <a:ext uri="{FF2B5EF4-FFF2-40B4-BE49-F238E27FC236}">
-                <a16:creationId xmlns:a16="http://schemas.microsoft.com/office/drawing/2014/main" id="{7BD68E95-72A4-4350-ADE9-8F343DCA82BB}"/>
-              </a:ext>
-            </a:extLst>
-          </p:cNvPr>
-          <p:cNvSpPr/>
-          <p:nvPr/>
-        </p:nvSpPr>
-        <p:spPr>
-          <a:xfrm>
-            <a:off x="5876542" y="3998666"/>
-            <a:ext cx="1864625" cy="277907"/>
-          </a:xfrm>
-          <a:prstGeom prst="rightArrow">
-            <a:avLst/>
-          </a:prstGeom>
-          <a:solidFill>
-            <a:srgbClr val="FFC000"/>
-          </a:solidFill>
-          <a:ln>
-            <a:noFill/>
-          </a:ln>
-        </p:spPr>
-        <p:style>
-          <a:lnRef idx="2">
-            <a:schemeClr val="accent1">
-              <a:shade val="50000"/>
-            </a:schemeClr>
-          </a:lnRef>
-          <a:fillRef idx="1">
-            <a:schemeClr val="accent1"/>
-          </a:fillRef>
-          <a:effectRef idx="0">
-            <a:schemeClr val="accent1"/>
-          </a:effectRef>
-          <a:fontRef idx="minor">
-            <a:schemeClr val="lt1"/>
-          </a:fontRef>
-        </p:style>
-        <p:txBody>
-          <a:bodyPr rtlCol="0" anchor="ctr"/>
-          <a:lstStyle/>
-          <a:p>
-            <a:pPr algn="ctr"/>
-            <a:endParaRPr lang="zh-TW" altLang="en-US"/>
-          </a:p>
-        </p:txBody>
-      </p:sp>
-      <p:grpSp>
-        <p:nvGrpSpPr>
-          <p:cNvPr id="18" name="群組 17">
-            <a:extLst>
-              <a:ext uri="{FF2B5EF4-FFF2-40B4-BE49-F238E27FC236}">
-                <a16:creationId xmlns:a16="http://schemas.microsoft.com/office/drawing/2014/main" id="{B97973BC-D254-4A82-B5A1-16758E39A521}"/>
-              </a:ext>
-            </a:extLst>
-          </p:cNvPr>
-          <p:cNvGrpSpPr/>
-          <p:nvPr/>
-        </p:nvGrpSpPr>
-        <p:grpSpPr>
-          <a:xfrm>
-            <a:off x="7826826" y="3138769"/>
-            <a:ext cx="1487506" cy="2044303"/>
-            <a:chOff x="7226188" y="2771286"/>
-            <a:chExt cx="2106072" cy="2894408"/>
-          </a:xfrm>
-        </p:grpSpPr>
-        <p:grpSp>
-          <p:nvGrpSpPr>
-            <p:cNvPr id="14" name="群組 13">
-              <a:extLst>
-                <a:ext uri="{FF2B5EF4-FFF2-40B4-BE49-F238E27FC236}">
-                  <a16:creationId xmlns:a16="http://schemas.microsoft.com/office/drawing/2014/main" id="{1CF3208E-A532-43E6-A430-63234CD0C5AD}"/>
-                </a:ext>
-              </a:extLst>
-            </p:cNvPr>
-            <p:cNvGrpSpPr/>
-            <p:nvPr/>
-          </p:nvGrpSpPr>
-          <p:grpSpPr>
-            <a:xfrm>
-              <a:off x="7226188" y="2771286"/>
-              <a:ext cx="2106072" cy="2894408"/>
-              <a:chOff x="7176098" y="2835265"/>
-              <a:chExt cx="3082813" cy="4236758"/>
-            </a:xfrm>
-          </p:grpSpPr>
-          <p:sp>
-            <p:nvSpPr>
-              <p:cNvPr id="13" name="矩形: 圓角 12">
-                <a:extLst>
-                  <a:ext uri="{FF2B5EF4-FFF2-40B4-BE49-F238E27FC236}">
-                    <a16:creationId xmlns:a16="http://schemas.microsoft.com/office/drawing/2014/main" id="{D08E6DB2-009E-4D6D-AC65-814D99BE2766}"/>
-                  </a:ext>
-                </a:extLst>
-              </p:cNvPr>
-              <p:cNvSpPr/>
-              <p:nvPr/>
-            </p:nvSpPr>
-            <p:spPr>
-              <a:xfrm>
-                <a:off x="7176098" y="2835265"/>
-                <a:ext cx="3082813" cy="4236758"/>
-              </a:xfrm>
-              <a:prstGeom prst="roundRect">
-                <a:avLst/>
-              </a:prstGeom>
-              <a:ln>
-                <a:noFill/>
-              </a:ln>
-            </p:spPr>
-            <p:style>
-              <a:lnRef idx="2">
-                <a:schemeClr val="accent1">
-                  <a:shade val="50000"/>
-                </a:schemeClr>
-              </a:lnRef>
-              <a:fillRef idx="1">
-                <a:schemeClr val="accent1"/>
-              </a:fillRef>
-              <a:effectRef idx="0">
-                <a:schemeClr val="accent1"/>
-              </a:effectRef>
-              <a:fontRef idx="minor">
-                <a:schemeClr val="lt1"/>
-              </a:fontRef>
-            </p:style>
-            <p:txBody>
-              <a:bodyPr rtlCol="0" anchor="ctr"/>
-              <a:lstStyle/>
-              <a:p>
-                <a:pPr algn="ctr"/>
-                <a:endParaRPr lang="zh-TW" altLang="en-US"/>
+                </a:endParaRPr>
               </a:p>
             </p:txBody>
           </p:sp>
-          <p:pic>
-            <p:nvPicPr>
-              <p:cNvPr id="12" name="圖片 11">
-                <a:extLst>
-                  <a:ext uri="{FF2B5EF4-FFF2-40B4-BE49-F238E27FC236}">
-                    <a16:creationId xmlns:a16="http://schemas.microsoft.com/office/drawing/2014/main" id="{052FA7E3-76DF-412D-8B0A-5F8E2B97DDBC}"/>
-                  </a:ext>
-                </a:extLst>
-              </p:cNvPr>
-              <p:cNvPicPr>
-                <a:picLocks noChangeAspect="1"/>
-              </p:cNvPicPr>
-              <p:nvPr/>
-            </p:nvPicPr>
-            <p:blipFill>
-              <a:blip r:embed="rId4">
-                <a:extLst>
-                  <a:ext uri="{28A0092B-C50C-407E-A947-70E740481C1C}">
-                    <a14:useLocalDpi xmlns:a14="http://schemas.microsoft.com/office/drawing/2010/main" val="0"/>
-                  </a:ext>
-                </a:extLst>
-              </a:blip>
-              <a:stretch>
-                <a:fillRect/>
-              </a:stretch>
-            </p:blipFill>
-            <p:spPr>
-              <a:xfrm>
-                <a:off x="7438824" y="3097991"/>
-                <a:ext cx="2557360" cy="2557360"/>
-              </a:xfrm>
-              <a:prstGeom prst="rect">
-                <a:avLst/>
-              </a:prstGeom>
-            </p:spPr>
-          </p:pic>
         </p:grpSp>
         <p:sp>
           <p:nvSpPr>
-            <p:cNvPr id="17" name="文字方塊 16">
+            <p:cNvPr id="10" name="箭號: 向右 9">
               <a:extLst>
                 <a:ext uri="{FF2B5EF4-FFF2-40B4-BE49-F238E27FC236}">
-                  <a16:creationId xmlns:a16="http://schemas.microsoft.com/office/drawing/2014/main" id="{0BA6AE0E-CCA9-4C21-89FD-723705EC8074}"/>
-                </a:ext>
-              </a:extLst>
-            </p:cNvPr>
-            <p:cNvSpPr txBox="1"/>
-            <p:nvPr/>
-          </p:nvSpPr>
-          <p:spPr>
-            <a:xfrm>
-              <a:off x="7226188" y="4649314"/>
-              <a:ext cx="2106072" cy="1002254"/>
-            </a:xfrm>
-            <a:prstGeom prst="rect">
-              <a:avLst/>
-            </a:prstGeom>
-            <a:noFill/>
-          </p:spPr>
-          <p:txBody>
-            <a:bodyPr wrap="square">
-              <a:spAutoFit/>
-            </a:bodyPr>
-            <a:lstStyle/>
-            <a:p>
-              <a:pPr algn="ctr"/>
-              <a:r>
-                <a:rPr lang="en-US" altLang="zh-TW" sz="2000">
-                  <a:solidFill>
-                    <a:schemeClr val="bg2"/>
-                  </a:solidFill>
-                </a:rPr>
-                <a:t>Java</a:t>
-              </a:r>
-            </a:p>
-            <a:p>
-              <a:pPr algn="ctr"/>
-              <a:r>
-                <a:rPr lang="en-US" altLang="zh-TW" sz="2000">
-                  <a:solidFill>
-                    <a:schemeClr val="bg2"/>
-                  </a:solidFill>
-                </a:rPr>
-                <a:t>bytecode</a:t>
-              </a:r>
-              <a:endParaRPr lang="zh-TW" altLang="en-US" sz="2000">
-                <a:solidFill>
-                  <a:schemeClr val="bg2"/>
-                </a:solidFill>
-              </a:endParaRPr>
-            </a:p>
-          </p:txBody>
-        </p:sp>
-      </p:grpSp>
-      <p:sp>
-        <p:nvSpPr>
-          <p:cNvPr id="19" name="箭號: 向右 18">
-            <a:extLst>
-              <a:ext uri="{FF2B5EF4-FFF2-40B4-BE49-F238E27FC236}">
-                <a16:creationId xmlns:a16="http://schemas.microsoft.com/office/drawing/2014/main" id="{0B7CC601-F082-4B53-B660-35463BEFB6E8}"/>
-              </a:ext>
-            </a:extLst>
-          </p:cNvPr>
-          <p:cNvSpPr/>
-          <p:nvPr/>
-        </p:nvSpPr>
-        <p:spPr>
-          <a:xfrm>
-            <a:off x="9476615" y="3998666"/>
-            <a:ext cx="1854775" cy="277907"/>
-          </a:xfrm>
-          <a:prstGeom prst="rightArrow">
-            <a:avLst/>
-          </a:prstGeom>
-          <a:solidFill>
-            <a:srgbClr val="FFC000"/>
-          </a:solidFill>
-          <a:ln>
-            <a:noFill/>
-          </a:ln>
-        </p:spPr>
-        <p:style>
-          <a:lnRef idx="2">
-            <a:schemeClr val="accent1">
-              <a:shade val="50000"/>
-            </a:schemeClr>
-          </a:lnRef>
-          <a:fillRef idx="1">
-            <a:schemeClr val="accent1"/>
-          </a:fillRef>
-          <a:effectRef idx="0">
-            <a:schemeClr val="accent1"/>
-          </a:effectRef>
-          <a:fontRef idx="minor">
-            <a:schemeClr val="lt1"/>
-          </a:fontRef>
-        </p:style>
-        <p:txBody>
-          <a:bodyPr rtlCol="0" anchor="ctr"/>
-          <a:lstStyle/>
-          <a:p>
-            <a:pPr algn="ctr"/>
-            <a:endParaRPr lang="zh-TW" altLang="en-US"/>
-          </a:p>
-        </p:txBody>
-      </p:sp>
-      <p:grpSp>
-        <p:nvGrpSpPr>
-          <p:cNvPr id="27" name="群組 26">
-            <a:extLst>
-              <a:ext uri="{FF2B5EF4-FFF2-40B4-BE49-F238E27FC236}">
-                <a16:creationId xmlns:a16="http://schemas.microsoft.com/office/drawing/2014/main" id="{DAD4D107-E684-4366-9C9D-E8109D0E76CA}"/>
-              </a:ext>
-            </a:extLst>
-          </p:cNvPr>
-          <p:cNvGrpSpPr/>
-          <p:nvPr/>
-        </p:nvGrpSpPr>
-        <p:grpSpPr>
-          <a:xfrm>
-            <a:off x="9476615" y="4439684"/>
-            <a:ext cx="1658471" cy="2196676"/>
-            <a:chOff x="9628093" y="2783675"/>
-            <a:chExt cx="2217053" cy="2936529"/>
-          </a:xfrm>
-        </p:grpSpPr>
-        <p:sp>
-          <p:nvSpPr>
-            <p:cNvPr id="23" name="矩形: 圓角 22">
-              <a:extLst>
-                <a:ext uri="{FF2B5EF4-FFF2-40B4-BE49-F238E27FC236}">
-                  <a16:creationId xmlns:a16="http://schemas.microsoft.com/office/drawing/2014/main" id="{6522AA41-EB07-4C61-AB72-6A590530AB4D}"/>
+                  <a16:creationId xmlns:a16="http://schemas.microsoft.com/office/drawing/2014/main" id="{7BD68E95-72A4-4350-ADE9-8F343DCA82BB}"/>
                 </a:ext>
               </a:extLst>
             </p:cNvPr>
@@ -16057,14 +15897,14 @@
           </p:nvSpPr>
           <p:spPr>
             <a:xfrm>
-              <a:off x="9628093" y="2783675"/>
-              <a:ext cx="2217053" cy="2936529"/>
+              <a:off x="5876542" y="3998666"/>
+              <a:ext cx="1864625" cy="277907"/>
             </a:xfrm>
-            <a:prstGeom prst="roundRect">
+            <a:prstGeom prst="rightArrow">
               <a:avLst/>
             </a:prstGeom>
             <a:solidFill>
-              <a:schemeClr val="tx1"/>
+              <a:srgbClr val="FFC000"/>
             </a:solidFill>
             <a:ln>
               <a:noFill/>
@@ -16095,210 +15935,195 @@
             </a:p>
           </p:txBody>
         </p:sp>
-        <p:pic>
-          <p:nvPicPr>
-            <p:cNvPr id="25" name="圖形 24">
+        <p:grpSp>
+          <p:nvGrpSpPr>
+            <p:cNvPr id="18" name="群組 17">
               <a:extLst>
                 <a:ext uri="{FF2B5EF4-FFF2-40B4-BE49-F238E27FC236}">
-                  <a16:creationId xmlns:a16="http://schemas.microsoft.com/office/drawing/2014/main" id="{2B9852A7-A7E4-43CF-B401-B0920BC3571A}"/>
+                  <a16:creationId xmlns:a16="http://schemas.microsoft.com/office/drawing/2014/main" id="{B97973BC-D254-4A82-B5A1-16758E39A521}"/>
                 </a:ext>
               </a:extLst>
             </p:cNvPr>
-            <p:cNvPicPr>
-              <a:picLocks noChangeAspect="1"/>
-            </p:cNvPicPr>
+            <p:cNvGrpSpPr/>
             <p:nvPr/>
-          </p:nvPicPr>
-          <p:blipFill rotWithShape="1">
-            <a:blip r:embed="rId5">
-              <a:extLst>
-                <a:ext uri="{28A0092B-C50C-407E-A947-70E740481C1C}">
-                  <a14:useLocalDpi xmlns:a14="http://schemas.microsoft.com/office/drawing/2010/main" val="0"/>
-                </a:ext>
-                <a:ext uri="{96DAC541-7B7A-43D3-8B79-37D633B846F1}">
-                  <asvg:svgBlip xmlns:asvg="http://schemas.microsoft.com/office/drawing/2016/SVG/main" r:embed="rId6"/>
-                </a:ext>
-              </a:extLst>
-            </a:blip>
-            <a:srcRect b="27900"/>
-            <a:stretch/>
-          </p:blipFill>
-          <p:spPr>
+          </p:nvGrpSpPr>
+          <p:grpSpPr>
             <a:xfrm>
-              <a:off x="10120670" y="2783675"/>
-              <a:ext cx="1231898" cy="1624569"/>
+              <a:off x="7826826" y="3138769"/>
+              <a:ext cx="1487506" cy="2044303"/>
+              <a:chOff x="7226188" y="2771286"/>
+              <a:chExt cx="2106072" cy="2894408"/>
             </a:xfrm>
-            <a:prstGeom prst="rect">
-              <a:avLst/>
-            </a:prstGeom>
-          </p:spPr>
-        </p:pic>
-        <p:sp>
-          <p:nvSpPr>
-            <p:cNvPr id="26" name="文字方塊 25">
-              <a:extLst>
-                <a:ext uri="{FF2B5EF4-FFF2-40B4-BE49-F238E27FC236}">
-                  <a16:creationId xmlns:a16="http://schemas.microsoft.com/office/drawing/2014/main" id="{ED107219-897F-4BB3-943E-BFE54408BD01}"/>
-                </a:ext>
-              </a:extLst>
-            </p:cNvPr>
-            <p:cNvSpPr txBox="1"/>
-            <p:nvPr/>
-          </p:nvSpPr>
-          <p:spPr>
-            <a:xfrm>
-              <a:off x="9843436" y="4362460"/>
-              <a:ext cx="1786366" cy="1357744"/>
-            </a:xfrm>
-            <a:prstGeom prst="rect">
-              <a:avLst/>
-            </a:prstGeom>
-            <a:noFill/>
-          </p:spPr>
-          <p:txBody>
-            <a:bodyPr wrap="square">
-              <a:spAutoFit/>
-            </a:bodyPr>
-            <a:lstStyle/>
-            <a:p>
-              <a:pPr algn="ctr"/>
-              <a:r>
-                <a:rPr lang="en-US" altLang="zh-TW" sz="2000">
+          </p:grpSpPr>
+          <p:grpSp>
+            <p:nvGrpSpPr>
+              <p:cNvPr id="14" name="群組 13">
+                <a:extLst>
+                  <a:ext uri="{FF2B5EF4-FFF2-40B4-BE49-F238E27FC236}">
+                    <a16:creationId xmlns:a16="http://schemas.microsoft.com/office/drawing/2014/main" id="{1CF3208E-A532-43E6-A430-63234CD0C5AD}"/>
+                  </a:ext>
+                </a:extLst>
+              </p:cNvPr>
+              <p:cNvGrpSpPr/>
+              <p:nvPr/>
+            </p:nvGrpSpPr>
+            <p:grpSpPr>
+              <a:xfrm>
+                <a:off x="7226188" y="2771286"/>
+                <a:ext cx="2106072" cy="2894408"/>
+                <a:chOff x="7176098" y="2835265"/>
+                <a:chExt cx="3082813" cy="4236758"/>
+              </a:xfrm>
+            </p:grpSpPr>
+            <p:sp>
+              <p:nvSpPr>
+                <p:cNvPr id="13" name="矩形: 圓角 12">
+                  <a:extLst>
+                    <a:ext uri="{FF2B5EF4-FFF2-40B4-BE49-F238E27FC236}">
+                      <a16:creationId xmlns:a16="http://schemas.microsoft.com/office/drawing/2014/main" id="{D08E6DB2-009E-4D6D-AC65-814D99BE2766}"/>
+                    </a:ext>
+                  </a:extLst>
+                </p:cNvPr>
+                <p:cNvSpPr/>
+                <p:nvPr/>
+              </p:nvSpPr>
+              <p:spPr>
+                <a:xfrm>
+                  <a:off x="7176098" y="2835265"/>
+                  <a:ext cx="3082813" cy="4236758"/>
+                </a:xfrm>
+                <a:prstGeom prst="roundRect">
+                  <a:avLst/>
+                </a:prstGeom>
+                <a:ln>
+                  <a:noFill/>
+                </a:ln>
+              </p:spPr>
+              <p:style>
+                <a:lnRef idx="2">
+                  <a:schemeClr val="accent1">
+                    <a:shade val="50000"/>
+                  </a:schemeClr>
+                </a:lnRef>
+                <a:fillRef idx="1">
+                  <a:schemeClr val="accent1"/>
+                </a:fillRef>
+                <a:effectRef idx="0">
+                  <a:schemeClr val="accent1"/>
+                </a:effectRef>
+                <a:fontRef idx="minor">
+                  <a:schemeClr val="lt1"/>
+                </a:fontRef>
+              </p:style>
+              <p:txBody>
+                <a:bodyPr rtlCol="0" anchor="ctr"/>
+                <a:lstStyle/>
+                <a:p>
+                  <a:pPr algn="ctr"/>
+                  <a:endParaRPr lang="zh-TW" altLang="en-US"/>
+                </a:p>
+              </p:txBody>
+            </p:sp>
+            <p:pic>
+              <p:nvPicPr>
+                <p:cNvPr id="12" name="圖片 11">
+                  <a:extLst>
+                    <a:ext uri="{FF2B5EF4-FFF2-40B4-BE49-F238E27FC236}">
+                      <a16:creationId xmlns:a16="http://schemas.microsoft.com/office/drawing/2014/main" id="{052FA7E3-76DF-412D-8B0A-5F8E2B97DDBC}"/>
+                    </a:ext>
+                  </a:extLst>
+                </p:cNvPr>
+                <p:cNvPicPr>
+                  <a:picLocks noChangeAspect="1"/>
+                </p:cNvPicPr>
+                <p:nvPr/>
+              </p:nvPicPr>
+              <p:blipFill>
+                <a:blip r:embed="rId4">
+                  <a:extLst>
+                    <a:ext uri="{28A0092B-C50C-407E-A947-70E740481C1C}">
+                      <a14:useLocalDpi xmlns:a14="http://schemas.microsoft.com/office/drawing/2010/main" val="0"/>
+                    </a:ext>
+                  </a:extLst>
+                </a:blip>
+                <a:stretch>
+                  <a:fillRect/>
+                </a:stretch>
+              </p:blipFill>
+              <p:spPr>
+                <a:xfrm>
+                  <a:off x="7438824" y="3097991"/>
+                  <a:ext cx="2557360" cy="2557360"/>
+                </a:xfrm>
+                <a:prstGeom prst="rect">
+                  <a:avLst/>
+                </a:prstGeom>
+              </p:spPr>
+            </p:pic>
+          </p:grpSp>
+          <p:sp>
+            <p:nvSpPr>
+              <p:cNvPr id="17" name="文字方塊 16">
+                <a:extLst>
+                  <a:ext uri="{FF2B5EF4-FFF2-40B4-BE49-F238E27FC236}">
+                    <a16:creationId xmlns:a16="http://schemas.microsoft.com/office/drawing/2014/main" id="{0BA6AE0E-CCA9-4C21-89FD-723705EC8074}"/>
+                  </a:ext>
+                </a:extLst>
+              </p:cNvPr>
+              <p:cNvSpPr txBox="1"/>
+              <p:nvPr/>
+            </p:nvSpPr>
+            <p:spPr>
+              <a:xfrm>
+                <a:off x="7226188" y="4649314"/>
+                <a:ext cx="2106072" cy="1002254"/>
+              </a:xfrm>
+              <a:prstGeom prst="rect">
+                <a:avLst/>
+              </a:prstGeom>
+              <a:noFill/>
+            </p:spPr>
+            <p:txBody>
+              <a:bodyPr wrap="square">
+                <a:spAutoFit/>
+              </a:bodyPr>
+              <a:lstStyle/>
+              <a:p>
+                <a:pPr algn="ctr"/>
+                <a:r>
+                  <a:rPr lang="en-US" altLang="zh-TW" sz="2000">
+                    <a:solidFill>
+                      <a:schemeClr val="bg2"/>
+                    </a:solidFill>
+                  </a:rPr>
+                  <a:t>Java</a:t>
+                </a:r>
+              </a:p>
+              <a:p>
+                <a:pPr algn="ctr"/>
+                <a:r>
+                  <a:rPr lang="en-US" altLang="zh-TW" sz="2000">
+                    <a:solidFill>
+                      <a:schemeClr val="bg2"/>
+                    </a:solidFill>
+                  </a:rPr>
+                  <a:t>bytecode</a:t>
+                </a:r>
+                <a:endParaRPr lang="zh-TW" altLang="en-US" sz="2000">
                   <a:solidFill>
                     <a:schemeClr val="bg2"/>
                   </a:solidFill>
-                </a:rPr>
-                <a:t>Java</a:t>
-              </a:r>
-            </a:p>
-            <a:p>
-              <a:pPr algn="ctr"/>
-              <a:r>
-                <a:rPr lang="en-US" altLang="zh-TW" sz="2000">
-                  <a:solidFill>
-                    <a:schemeClr val="bg2"/>
-                  </a:solidFill>
-                </a:rPr>
-                <a:t>Virtual</a:t>
-              </a:r>
-            </a:p>
-            <a:p>
-              <a:pPr algn="ctr"/>
-              <a:r>
-                <a:rPr lang="en-US" altLang="zh-TW" sz="2000">
-                  <a:solidFill>
-                    <a:schemeClr val="bg2"/>
-                  </a:solidFill>
-                </a:rPr>
-                <a:t>Machine</a:t>
-              </a:r>
-              <a:endParaRPr lang="zh-TW" altLang="en-US" sz="2000">
-                <a:solidFill>
-                  <a:schemeClr val="bg2"/>
-                </a:solidFill>
-              </a:endParaRPr>
-            </a:p>
-          </p:txBody>
-        </p:sp>
-      </p:grpSp>
-      <p:sp>
-        <p:nvSpPr>
-          <p:cNvPr id="28" name="文字方塊 27">
-            <a:extLst>
-              <a:ext uri="{FF2B5EF4-FFF2-40B4-BE49-F238E27FC236}">
-                <a16:creationId xmlns:a16="http://schemas.microsoft.com/office/drawing/2014/main" id="{63114F1D-F3FE-42FD-9733-13694EAEE64D}"/>
-              </a:ext>
-            </a:extLst>
-          </p:cNvPr>
-          <p:cNvSpPr txBox="1"/>
-          <p:nvPr/>
-        </p:nvSpPr>
-        <p:spPr>
-          <a:xfrm>
-            <a:off x="6096000" y="3528576"/>
-            <a:ext cx="1487506" cy="523220"/>
-          </a:xfrm>
-          <a:prstGeom prst="rect">
-            <a:avLst/>
-          </a:prstGeom>
-          <a:noFill/>
-        </p:spPr>
-        <p:txBody>
-          <a:bodyPr wrap="square">
-            <a:spAutoFit/>
-          </a:bodyPr>
-          <a:lstStyle/>
-          <a:p>
-            <a:pPr algn="ctr"/>
-            <a:r>
-              <a:rPr lang="zh-TW" altLang="en-US" sz="2800"/>
-              <a:t>編譯</a:t>
-            </a:r>
-          </a:p>
-        </p:txBody>
-      </p:sp>
-      <p:sp>
-        <p:nvSpPr>
-          <p:cNvPr id="30" name="文字方塊 29">
-            <a:extLst>
-              <a:ext uri="{FF2B5EF4-FFF2-40B4-BE49-F238E27FC236}">
-                <a16:creationId xmlns:a16="http://schemas.microsoft.com/office/drawing/2014/main" id="{198625E0-8FD9-47F6-B63A-42A54891C347}"/>
-              </a:ext>
-            </a:extLst>
-          </p:cNvPr>
-          <p:cNvSpPr txBox="1"/>
-          <p:nvPr/>
-        </p:nvSpPr>
-        <p:spPr>
-          <a:xfrm>
-            <a:off x="9562097" y="3528576"/>
-            <a:ext cx="1487506" cy="523220"/>
-          </a:xfrm>
-          <a:prstGeom prst="rect">
-            <a:avLst/>
-          </a:prstGeom>
-          <a:noFill/>
-        </p:spPr>
-        <p:txBody>
-          <a:bodyPr wrap="square">
-            <a:spAutoFit/>
-          </a:bodyPr>
-          <a:lstStyle/>
-          <a:p>
-            <a:pPr algn="ctr"/>
-            <a:r>
-              <a:rPr lang="zh-TW" altLang="en-US" sz="2800"/>
-              <a:t>執行</a:t>
-            </a:r>
-          </a:p>
-        </p:txBody>
-      </p:sp>
-      <p:grpSp>
-        <p:nvGrpSpPr>
-          <p:cNvPr id="31" name="群組 30">
-            <a:extLst>
-              <a:ext uri="{FF2B5EF4-FFF2-40B4-BE49-F238E27FC236}">
-                <a16:creationId xmlns:a16="http://schemas.microsoft.com/office/drawing/2014/main" id="{10AE3CC1-5393-4655-997D-CDC257FA6F2B}"/>
-              </a:ext>
-            </a:extLst>
-          </p:cNvPr>
-          <p:cNvGrpSpPr/>
-          <p:nvPr/>
-        </p:nvGrpSpPr>
-        <p:grpSpPr>
-          <a:xfrm>
-            <a:off x="6035389" y="4405718"/>
-            <a:ext cx="1658471" cy="1948131"/>
-            <a:chOff x="9628093" y="2783675"/>
-            <a:chExt cx="2217053" cy="2604272"/>
-          </a:xfrm>
-        </p:grpSpPr>
+                </a:endParaRPr>
+              </a:p>
+            </p:txBody>
+          </p:sp>
+        </p:grpSp>
         <p:sp>
           <p:nvSpPr>
-            <p:cNvPr id="32" name="矩形: 圓角 31">
+            <p:cNvPr id="19" name="箭號: 向右 18">
               <a:extLst>
                 <a:ext uri="{FF2B5EF4-FFF2-40B4-BE49-F238E27FC236}">
-                  <a16:creationId xmlns:a16="http://schemas.microsoft.com/office/drawing/2014/main" id="{03616254-89FF-4D88-AFE8-1AD970751966}"/>
+                  <a16:creationId xmlns:a16="http://schemas.microsoft.com/office/drawing/2014/main" id="{0B7CC601-F082-4B53-B660-35463BEFB6E8}"/>
                 </a:ext>
               </a:extLst>
             </p:cNvPr>
@@ -16307,14 +16132,14 @@
           </p:nvSpPr>
           <p:spPr>
             <a:xfrm>
-              <a:off x="9628093" y="2783675"/>
-              <a:ext cx="2217053" cy="2604272"/>
+              <a:off x="9476615" y="3998666"/>
+              <a:ext cx="1854775" cy="277907"/>
             </a:xfrm>
-            <a:prstGeom prst="roundRect">
+            <a:prstGeom prst="rightArrow">
               <a:avLst/>
             </a:prstGeom>
             <a:solidFill>
-              <a:schemeClr val="tx1"/>
+              <a:srgbClr val="FFC000"/>
             </a:solidFill>
             <a:ln>
               <a:noFill/>
@@ -16345,50 +16170,190 @@
             </a:p>
           </p:txBody>
         </p:sp>
-        <p:pic>
-          <p:nvPicPr>
-            <p:cNvPr id="33" name="圖形 32">
+        <p:grpSp>
+          <p:nvGrpSpPr>
+            <p:cNvPr id="27" name="群組 26">
               <a:extLst>
                 <a:ext uri="{FF2B5EF4-FFF2-40B4-BE49-F238E27FC236}">
-                  <a16:creationId xmlns:a16="http://schemas.microsoft.com/office/drawing/2014/main" id="{4AB11632-4A85-4C14-92CC-A2A647BF181F}"/>
+                  <a16:creationId xmlns:a16="http://schemas.microsoft.com/office/drawing/2014/main" id="{DAD4D107-E684-4366-9C9D-E8109D0E76CA}"/>
                 </a:ext>
               </a:extLst>
             </p:cNvPr>
-            <p:cNvPicPr>
-              <a:picLocks noChangeAspect="1"/>
-            </p:cNvPicPr>
+            <p:cNvGrpSpPr/>
             <p:nvPr/>
-          </p:nvPicPr>
-          <p:blipFill rotWithShape="1">
-            <a:blip r:embed="rId5">
-              <a:extLst>
-                <a:ext uri="{28A0092B-C50C-407E-A947-70E740481C1C}">
-                  <a14:useLocalDpi xmlns:a14="http://schemas.microsoft.com/office/drawing/2010/main" val="0"/>
-                </a:ext>
-                <a:ext uri="{96DAC541-7B7A-43D3-8B79-37D633B846F1}">
-                  <asvg:svgBlip xmlns:asvg="http://schemas.microsoft.com/office/drawing/2016/SVG/main" r:embed="rId6"/>
-                </a:ext>
-              </a:extLst>
-            </a:blip>
-            <a:srcRect b="27900"/>
-            <a:stretch/>
-          </p:blipFill>
-          <p:spPr>
+          </p:nvGrpSpPr>
+          <p:grpSpPr>
             <a:xfrm>
-              <a:off x="10110319" y="2813277"/>
-              <a:ext cx="1252600" cy="1651869"/>
+              <a:off x="9476615" y="4439684"/>
+              <a:ext cx="1658471" cy="2196676"/>
+              <a:chOff x="9628093" y="2783675"/>
+              <a:chExt cx="2217053" cy="2936529"/>
             </a:xfrm>
-            <a:prstGeom prst="rect">
-              <a:avLst/>
-            </a:prstGeom>
-          </p:spPr>
-        </p:pic>
+          </p:grpSpPr>
+          <p:sp>
+            <p:nvSpPr>
+              <p:cNvPr id="23" name="矩形: 圓角 22">
+                <a:extLst>
+                  <a:ext uri="{FF2B5EF4-FFF2-40B4-BE49-F238E27FC236}">
+                    <a16:creationId xmlns:a16="http://schemas.microsoft.com/office/drawing/2014/main" id="{6522AA41-EB07-4C61-AB72-6A590530AB4D}"/>
+                  </a:ext>
+                </a:extLst>
+              </p:cNvPr>
+              <p:cNvSpPr/>
+              <p:nvPr/>
+            </p:nvSpPr>
+            <p:spPr>
+              <a:xfrm>
+                <a:off x="9628093" y="2783675"/>
+                <a:ext cx="2217053" cy="2936529"/>
+              </a:xfrm>
+              <a:prstGeom prst="roundRect">
+                <a:avLst/>
+              </a:prstGeom>
+              <a:noFill/>
+              <a:ln w="57150">
+                <a:solidFill>
+                  <a:srgbClr val="92D050"/>
+                </a:solidFill>
+              </a:ln>
+            </p:spPr>
+            <p:style>
+              <a:lnRef idx="2">
+                <a:schemeClr val="accent1">
+                  <a:shade val="50000"/>
+                </a:schemeClr>
+              </a:lnRef>
+              <a:fillRef idx="1">
+                <a:schemeClr val="accent1"/>
+              </a:fillRef>
+              <a:effectRef idx="0">
+                <a:schemeClr val="accent1"/>
+              </a:effectRef>
+              <a:fontRef idx="minor">
+                <a:schemeClr val="lt1"/>
+              </a:fontRef>
+            </p:style>
+            <p:txBody>
+              <a:bodyPr rtlCol="0" anchor="ctr"/>
+              <a:lstStyle/>
+              <a:p>
+                <a:pPr algn="ctr"/>
+                <a:endParaRPr lang="zh-TW" altLang="en-US"/>
+              </a:p>
+            </p:txBody>
+          </p:sp>
+          <p:pic>
+            <p:nvPicPr>
+              <p:cNvPr id="25" name="圖形 24">
+                <a:extLst>
+                  <a:ext uri="{FF2B5EF4-FFF2-40B4-BE49-F238E27FC236}">
+                    <a16:creationId xmlns:a16="http://schemas.microsoft.com/office/drawing/2014/main" id="{2B9852A7-A7E4-43CF-B401-B0920BC3571A}"/>
+                  </a:ext>
+                </a:extLst>
+              </p:cNvPr>
+              <p:cNvPicPr>
+                <a:picLocks noChangeAspect="1"/>
+              </p:cNvPicPr>
+              <p:nvPr/>
+            </p:nvPicPr>
+            <p:blipFill rotWithShape="1">
+              <a:blip r:embed="rId5">
+                <a:extLst>
+                  <a:ext uri="{28A0092B-C50C-407E-A947-70E740481C1C}">
+                    <a14:useLocalDpi xmlns:a14="http://schemas.microsoft.com/office/drawing/2010/main" val="0"/>
+                  </a:ext>
+                  <a:ext uri="{96DAC541-7B7A-43D3-8B79-37D633B846F1}">
+                    <asvg:svgBlip xmlns:asvg="http://schemas.microsoft.com/office/drawing/2016/SVG/main" r:embed="rId6"/>
+                  </a:ext>
+                </a:extLst>
+              </a:blip>
+              <a:srcRect b="27900"/>
+              <a:stretch/>
+            </p:blipFill>
+            <p:spPr>
+              <a:xfrm>
+                <a:off x="10120670" y="2783675"/>
+                <a:ext cx="1231898" cy="1624569"/>
+              </a:xfrm>
+              <a:prstGeom prst="rect">
+                <a:avLst/>
+              </a:prstGeom>
+            </p:spPr>
+          </p:pic>
+          <p:sp>
+            <p:nvSpPr>
+              <p:cNvPr id="26" name="文字方塊 25">
+                <a:extLst>
+                  <a:ext uri="{FF2B5EF4-FFF2-40B4-BE49-F238E27FC236}">
+                    <a16:creationId xmlns:a16="http://schemas.microsoft.com/office/drawing/2014/main" id="{ED107219-897F-4BB3-943E-BFE54408BD01}"/>
+                  </a:ext>
+                </a:extLst>
+              </p:cNvPr>
+              <p:cNvSpPr txBox="1"/>
+              <p:nvPr/>
+            </p:nvSpPr>
+            <p:spPr>
+              <a:xfrm>
+                <a:off x="9843436" y="4362460"/>
+                <a:ext cx="1786366" cy="1357744"/>
+              </a:xfrm>
+              <a:prstGeom prst="rect">
+                <a:avLst/>
+              </a:prstGeom>
+              <a:noFill/>
+            </p:spPr>
+            <p:txBody>
+              <a:bodyPr wrap="square">
+                <a:spAutoFit/>
+              </a:bodyPr>
+              <a:lstStyle/>
+              <a:p>
+                <a:pPr algn="ctr"/>
+                <a:r>
+                  <a:rPr lang="en-US" altLang="zh-TW" sz="2000">
+                    <a:solidFill>
+                      <a:srgbClr val="00B0F0"/>
+                    </a:solidFill>
+                  </a:rPr>
+                  <a:t>Java</a:t>
+                </a:r>
+              </a:p>
+              <a:p>
+                <a:pPr algn="ctr"/>
+                <a:r>
+                  <a:rPr lang="en-US" altLang="zh-TW" sz="2000">
+                    <a:solidFill>
+                      <a:srgbClr val="00B0F0"/>
+                    </a:solidFill>
+                  </a:rPr>
+                  <a:t>Virtual</a:t>
+                </a:r>
+              </a:p>
+              <a:p>
+                <a:pPr algn="ctr"/>
+                <a:r>
+                  <a:rPr lang="en-US" altLang="zh-TW" sz="2000">
+                    <a:solidFill>
+                      <a:srgbClr val="00B0F0"/>
+                    </a:solidFill>
+                  </a:rPr>
+                  <a:t>Machine</a:t>
+                </a:r>
+                <a:endParaRPr lang="zh-TW" altLang="en-US" sz="2000">
+                  <a:solidFill>
+                    <a:srgbClr val="00B0F0"/>
+                  </a:solidFill>
+                </a:endParaRPr>
+              </a:p>
+            </p:txBody>
+          </p:sp>
+        </p:grpSp>
         <p:sp>
           <p:nvSpPr>
-            <p:cNvPr id="34" name="文字方塊 33">
+            <p:cNvPr id="28" name="文字方塊 27">
               <a:extLst>
                 <a:ext uri="{FF2B5EF4-FFF2-40B4-BE49-F238E27FC236}">
-                  <a16:creationId xmlns:a16="http://schemas.microsoft.com/office/drawing/2014/main" id="{CB5303F6-4C71-4D32-A96D-29BC658933D2}"/>
+                  <a16:creationId xmlns:a16="http://schemas.microsoft.com/office/drawing/2014/main" id="{63114F1D-F3FE-42FD-9733-13694EAEE64D}"/>
                 </a:ext>
               </a:extLst>
             </p:cNvPr>
@@ -16397,8 +16362,8 @@
           </p:nvSpPr>
           <p:spPr>
             <a:xfrm>
-              <a:off x="9843436" y="4441641"/>
-              <a:ext cx="1786366" cy="946306"/>
+              <a:off x="6096000" y="3528576"/>
+              <a:ext cx="1487506" cy="523220"/>
             </a:xfrm>
             <a:prstGeom prst="rect">
               <a:avLst/>
@@ -16413,69 +16378,252 @@
             <a:p>
               <a:pPr algn="ctr"/>
               <a:r>
-                <a:rPr lang="en-US" altLang="zh-TW" sz="2000">
-                  <a:solidFill>
-                    <a:schemeClr val="bg2"/>
-                  </a:solidFill>
-                </a:rPr>
-                <a:t>Java</a:t>
+                <a:rPr lang="zh-TW" altLang="en-US" sz="2800"/>
+                <a:t>編譯</a:t>
               </a:r>
             </a:p>
+          </p:txBody>
+        </p:sp>
+        <p:sp>
+          <p:nvSpPr>
+            <p:cNvPr id="30" name="文字方塊 29">
+              <a:extLst>
+                <a:ext uri="{FF2B5EF4-FFF2-40B4-BE49-F238E27FC236}">
+                  <a16:creationId xmlns:a16="http://schemas.microsoft.com/office/drawing/2014/main" id="{198625E0-8FD9-47F6-B63A-42A54891C347}"/>
+                </a:ext>
+              </a:extLst>
+            </p:cNvPr>
+            <p:cNvSpPr txBox="1"/>
+            <p:nvPr/>
+          </p:nvSpPr>
+          <p:spPr>
+            <a:xfrm>
+              <a:off x="9562097" y="3528576"/>
+              <a:ext cx="1487506" cy="523220"/>
+            </a:xfrm>
+            <a:prstGeom prst="rect">
+              <a:avLst/>
+            </a:prstGeom>
+            <a:noFill/>
+          </p:spPr>
+          <p:txBody>
+            <a:bodyPr wrap="square">
+              <a:spAutoFit/>
+            </a:bodyPr>
+            <a:lstStyle/>
             <a:p>
               <a:pPr algn="ctr"/>
               <a:r>
-                <a:rPr lang="en-US" altLang="zh-TW" sz="2000">
+                <a:rPr lang="zh-TW" altLang="en-US" sz="2800"/>
+                <a:t>執行</a:t>
+              </a:r>
+            </a:p>
+          </p:txBody>
+        </p:sp>
+        <p:grpSp>
+          <p:nvGrpSpPr>
+            <p:cNvPr id="31" name="群組 30">
+              <a:extLst>
+                <a:ext uri="{FF2B5EF4-FFF2-40B4-BE49-F238E27FC236}">
+                  <a16:creationId xmlns:a16="http://schemas.microsoft.com/office/drawing/2014/main" id="{10AE3CC1-5393-4655-997D-CDC257FA6F2B}"/>
+                </a:ext>
+              </a:extLst>
+            </p:cNvPr>
+            <p:cNvGrpSpPr/>
+            <p:nvPr/>
+          </p:nvGrpSpPr>
+          <p:grpSpPr>
+            <a:xfrm>
+              <a:off x="6035389" y="4405718"/>
+              <a:ext cx="1658471" cy="1948131"/>
+              <a:chOff x="9628093" y="2783675"/>
+              <a:chExt cx="2217053" cy="2604272"/>
+            </a:xfrm>
+          </p:grpSpPr>
+          <p:sp>
+            <p:nvSpPr>
+              <p:cNvPr id="32" name="矩形: 圓角 31">
+                <a:extLst>
+                  <a:ext uri="{FF2B5EF4-FFF2-40B4-BE49-F238E27FC236}">
+                    <a16:creationId xmlns:a16="http://schemas.microsoft.com/office/drawing/2014/main" id="{03616254-89FF-4D88-AFE8-1AD970751966}"/>
+                  </a:ext>
+                </a:extLst>
+              </p:cNvPr>
+              <p:cNvSpPr/>
+              <p:nvPr/>
+            </p:nvSpPr>
+            <p:spPr>
+              <a:xfrm>
+                <a:off x="9628093" y="2783675"/>
+                <a:ext cx="2217053" cy="2604272"/>
+              </a:xfrm>
+              <a:prstGeom prst="roundRect">
+                <a:avLst/>
+              </a:prstGeom>
+              <a:noFill/>
+              <a:ln w="57150">
+                <a:solidFill>
+                  <a:srgbClr val="92D050"/>
+                </a:solidFill>
+              </a:ln>
+            </p:spPr>
+            <p:style>
+              <a:lnRef idx="2">
+                <a:schemeClr val="accent1">
+                  <a:shade val="50000"/>
+                </a:schemeClr>
+              </a:lnRef>
+              <a:fillRef idx="1">
+                <a:schemeClr val="accent1"/>
+              </a:fillRef>
+              <a:effectRef idx="0">
+                <a:schemeClr val="accent1"/>
+              </a:effectRef>
+              <a:fontRef idx="minor">
+                <a:schemeClr val="lt1"/>
+              </a:fontRef>
+            </p:style>
+            <p:txBody>
+              <a:bodyPr rtlCol="0" anchor="ctr"/>
+              <a:lstStyle/>
+              <a:p>
+                <a:pPr algn="ctr"/>
+                <a:endParaRPr lang="zh-TW" altLang="en-US"/>
+              </a:p>
+            </p:txBody>
+          </p:sp>
+          <p:pic>
+            <p:nvPicPr>
+              <p:cNvPr id="33" name="圖形 32">
+                <a:extLst>
+                  <a:ext uri="{FF2B5EF4-FFF2-40B4-BE49-F238E27FC236}">
+                    <a16:creationId xmlns:a16="http://schemas.microsoft.com/office/drawing/2014/main" id="{4AB11632-4A85-4C14-92CC-A2A647BF181F}"/>
+                  </a:ext>
+                </a:extLst>
+              </p:cNvPr>
+              <p:cNvPicPr>
+                <a:picLocks noChangeAspect="1"/>
+              </p:cNvPicPr>
+              <p:nvPr/>
+            </p:nvPicPr>
+            <p:blipFill rotWithShape="1">
+              <a:blip r:embed="rId5">
+                <a:extLst>
+                  <a:ext uri="{28A0092B-C50C-407E-A947-70E740481C1C}">
+                    <a14:useLocalDpi xmlns:a14="http://schemas.microsoft.com/office/drawing/2010/main" val="0"/>
+                  </a:ext>
+                  <a:ext uri="{96DAC541-7B7A-43D3-8B79-37D633B846F1}">
+                    <asvg:svgBlip xmlns:asvg="http://schemas.microsoft.com/office/drawing/2016/SVG/main" r:embed="rId6"/>
+                  </a:ext>
+                </a:extLst>
+              </a:blip>
+              <a:srcRect b="27900"/>
+              <a:stretch/>
+            </p:blipFill>
+            <p:spPr>
+              <a:xfrm>
+                <a:off x="10110319" y="2813277"/>
+                <a:ext cx="1252600" cy="1651869"/>
+              </a:xfrm>
+              <a:prstGeom prst="rect">
+                <a:avLst/>
+              </a:prstGeom>
+            </p:spPr>
+          </p:pic>
+          <p:sp>
+            <p:nvSpPr>
+              <p:cNvPr id="34" name="文字方塊 33">
+                <a:extLst>
+                  <a:ext uri="{FF2B5EF4-FFF2-40B4-BE49-F238E27FC236}">
+                    <a16:creationId xmlns:a16="http://schemas.microsoft.com/office/drawing/2014/main" id="{CB5303F6-4C71-4D32-A96D-29BC658933D2}"/>
+                  </a:ext>
+                </a:extLst>
+              </p:cNvPr>
+              <p:cNvSpPr txBox="1"/>
+              <p:nvPr/>
+            </p:nvSpPr>
+            <p:spPr>
+              <a:xfrm>
+                <a:off x="9843436" y="4441641"/>
+                <a:ext cx="1786366" cy="946306"/>
+              </a:xfrm>
+              <a:prstGeom prst="rect">
+                <a:avLst/>
+              </a:prstGeom>
+              <a:noFill/>
+            </p:spPr>
+            <p:txBody>
+              <a:bodyPr wrap="square">
+                <a:spAutoFit/>
+              </a:bodyPr>
+              <a:lstStyle/>
+              <a:p>
+                <a:pPr algn="ctr"/>
+                <a:r>
+                  <a:rPr lang="en-US" altLang="zh-TW" sz="2000">
+                    <a:solidFill>
+                      <a:srgbClr val="00B0F0"/>
+                    </a:solidFill>
+                  </a:rPr>
+                  <a:t>Java</a:t>
+                </a:r>
+              </a:p>
+              <a:p>
+                <a:pPr algn="ctr"/>
+                <a:r>
+                  <a:rPr lang="en-US" altLang="zh-TW" sz="2000">
+                    <a:solidFill>
+                      <a:srgbClr val="00B0F0"/>
+                    </a:solidFill>
+                  </a:rPr>
+                  <a:t>Compiler</a:t>
+                </a:r>
+                <a:endParaRPr lang="zh-TW" altLang="en-US" sz="2000">
                   <a:solidFill>
-                    <a:schemeClr val="bg2"/>
+                    <a:srgbClr val="00B0F0"/>
                   </a:solidFill>
-                </a:rPr>
-                <a:t>Compiler</a:t>
+                </a:endParaRPr>
+              </a:p>
+            </p:txBody>
+          </p:sp>
+        </p:grpSp>
+        <p:sp>
+          <p:nvSpPr>
+            <p:cNvPr id="36" name="文字方塊 35">
+              <a:extLst>
+                <a:ext uri="{FF2B5EF4-FFF2-40B4-BE49-F238E27FC236}">
+                  <a16:creationId xmlns:a16="http://schemas.microsoft.com/office/drawing/2014/main" id="{627DEED8-BE54-475A-A9F5-D80C8CB523DF}"/>
+                </a:ext>
+              </a:extLst>
+            </p:cNvPr>
+            <p:cNvSpPr txBox="1"/>
+            <p:nvPr/>
+          </p:nvSpPr>
+          <p:spPr>
+            <a:xfrm>
+              <a:off x="2570877" y="5138247"/>
+              <a:ext cx="1487506" cy="523220"/>
+            </a:xfrm>
+            <a:prstGeom prst="rect">
+              <a:avLst/>
+            </a:prstGeom>
+            <a:noFill/>
+          </p:spPr>
+          <p:txBody>
+            <a:bodyPr wrap="square">
+              <a:spAutoFit/>
+            </a:bodyPr>
+            <a:lstStyle/>
+            <a:p>
+              <a:pPr algn="ctr"/>
+              <a:r>
+                <a:rPr lang="zh-TW" altLang="en-US" sz="2800"/>
+                <a:t>程式碼</a:t>
               </a:r>
-              <a:endParaRPr lang="zh-TW" altLang="en-US" sz="2000">
-                <a:solidFill>
-                  <a:schemeClr val="bg2"/>
-                </a:solidFill>
-              </a:endParaRPr>
             </a:p>
           </p:txBody>
         </p:sp>
       </p:grpSp>
-      <p:sp>
-        <p:nvSpPr>
-          <p:cNvPr id="36" name="文字方塊 35">
-            <a:extLst>
-              <a:ext uri="{FF2B5EF4-FFF2-40B4-BE49-F238E27FC236}">
-                <a16:creationId xmlns:a16="http://schemas.microsoft.com/office/drawing/2014/main" id="{627DEED8-BE54-475A-A9F5-D80C8CB523DF}"/>
-              </a:ext>
-            </a:extLst>
-          </p:cNvPr>
-          <p:cNvSpPr txBox="1"/>
-          <p:nvPr/>
-        </p:nvSpPr>
-        <p:spPr>
-          <a:xfrm>
-            <a:off x="2570877" y="5138247"/>
-            <a:ext cx="1487506" cy="523220"/>
-          </a:xfrm>
-          <a:prstGeom prst="rect">
-            <a:avLst/>
-          </a:prstGeom>
-          <a:noFill/>
-        </p:spPr>
-        <p:txBody>
-          <a:bodyPr wrap="square">
-            <a:spAutoFit/>
-          </a:bodyPr>
-          <a:lstStyle/>
-          <a:p>
-            <a:pPr algn="ctr"/>
-            <a:r>
-              <a:rPr lang="zh-TW" altLang="en-US" sz="2800"/>
-              <a:t>程式碼</a:t>
-            </a:r>
-          </a:p>
-        </p:txBody>
-      </p:sp>
     </p:spTree>
     <p:extLst>
       <p:ext uri="{BB962C8B-B14F-4D97-AF65-F5344CB8AC3E}">
@@ -16493,7 +16641,7 @@
 </file>
 
 <file path=ppt/slides/slide15.xml><?xml version="1.0" encoding="utf-8"?>
-<p:sld xmlns:a="http://schemas.openxmlformats.org/drawingml/2006/main" xmlns:r="http://schemas.openxmlformats.org/officeDocument/2006/relationships" xmlns:p="http://schemas.openxmlformats.org/presentationml/2006/main" show="0">
+<p:sld xmlns:a="http://schemas.openxmlformats.org/drawingml/2006/main" xmlns:r="http://schemas.openxmlformats.org/officeDocument/2006/relationships" xmlns:p="http://schemas.openxmlformats.org/presentationml/2006/main">
   <p:cSld>
     <p:spTree>
       <p:nvGrpSpPr>
@@ -16560,8 +16708,8 @@
         </p:nvSpPr>
         <p:spPr>
           <a:xfrm>
-            <a:off x="838200" y="1825625"/>
-            <a:ext cx="10515600" cy="3176681"/>
+            <a:off x="667865" y="1825625"/>
+            <a:ext cx="10856270" cy="3176681"/>
           </a:xfrm>
         </p:spPr>
         <p:txBody>
@@ -16576,129 +16724,237 @@
             </a:r>
             <a:r>
               <a:rPr lang="zh-TW" altLang="en-US"/>
-              <a:t> 程式碼會直接被編譯器編譯成機器碼</a:t>
+              <a:t> 程式碼會直接被</a:t>
+            </a:r>
+            <a:r>
+              <a:rPr lang="zh-TW" altLang="en-US">
+                <a:solidFill>
+                  <a:srgbClr val="00B0F0"/>
+                </a:solidFill>
+              </a:rPr>
+              <a:t>編譯器</a:t>
+            </a:r>
+            <a:r>
+              <a:rPr lang="zh-TW" altLang="en-US"/>
+              <a:t>編譯成</a:t>
+            </a:r>
+            <a:r>
+              <a:rPr lang="zh-TW" altLang="en-US">
+                <a:solidFill>
+                  <a:srgbClr val="00B0F0"/>
+                </a:solidFill>
+              </a:rPr>
+              <a:t>機器碼</a:t>
+            </a:r>
+            <a:endParaRPr lang="en-US" altLang="zh-TW">
+              <a:solidFill>
+                <a:srgbClr val="00B0F0"/>
+              </a:solidFill>
+            </a:endParaRPr>
+          </a:p>
+          <a:p>
+            <a:r>
+              <a:rPr lang="zh-TW" altLang="en-US"/>
+              <a:t>所以 </a:t>
+            </a:r>
+            <a:r>
+              <a:rPr lang="en-US" altLang="zh-TW"/>
+              <a:t>C/C++ </a:t>
+            </a:r>
+            <a:r>
+              <a:rPr lang="zh-TW" altLang="en-US"/>
+              <a:t>無法</a:t>
+            </a:r>
+            <a:r>
+              <a:rPr lang="zh-TW" altLang="en-US">
+                <a:solidFill>
+                  <a:srgbClr val="FFC000"/>
+                </a:solidFill>
+              </a:rPr>
+              <a:t>一次編譯到處執行</a:t>
+            </a:r>
+            <a:endParaRPr lang="en-US" altLang="zh-TW">
+              <a:solidFill>
+                <a:srgbClr val="FFC000"/>
+              </a:solidFill>
+            </a:endParaRPr>
+          </a:p>
+          <a:p>
+            <a:r>
+              <a:rPr lang="zh-TW" altLang="en-US"/>
+              <a:t>只能在同系統、同 </a:t>
+            </a:r>
+            <a:r>
+              <a:rPr lang="en-US" altLang="zh-TW">
+                <a:solidFill>
+                  <a:srgbClr val="00B0F0"/>
+                </a:solidFill>
+              </a:rPr>
+              <a:t>CPU</a:t>
+            </a:r>
+            <a:r>
+              <a:rPr lang="zh-TW" altLang="en-US"/>
+              <a:t> </a:t>
+            </a:r>
+            <a:r>
+              <a:rPr lang="zh-TW" altLang="en-US">
+                <a:solidFill>
+                  <a:srgbClr val="00B0F0"/>
+                </a:solidFill>
+              </a:rPr>
+              <a:t>指令集</a:t>
+            </a:r>
+            <a:r>
+              <a:rPr lang="en-US" altLang="zh-TW">
+                <a:solidFill>
+                  <a:srgbClr val="00B0F0"/>
+                </a:solidFill>
+              </a:rPr>
+              <a:t>(Instruction Set)</a:t>
+            </a:r>
+            <a:r>
+              <a:rPr lang="zh-TW" altLang="en-US"/>
+              <a:t>的電腦上執行</a:t>
             </a:r>
             <a:endParaRPr lang="en-US" altLang="zh-TW"/>
           </a:p>
           <a:p>
             <a:r>
               <a:rPr lang="zh-TW" altLang="en-US"/>
-              <a:t>所以 </a:t>
+              <a:t>如在 </a:t>
+            </a:r>
+            <a:r>
+              <a:rPr lang="en-US" altLang="zh-TW">
+                <a:solidFill>
+                  <a:srgbClr val="92D050"/>
+                </a:solidFill>
+              </a:rPr>
+              <a:t>Windows</a:t>
             </a:r>
             <a:r>
               <a:rPr lang="en-US" altLang="zh-TW"/>
-              <a:t>C/C++ </a:t>
+              <a:t> </a:t>
             </a:r>
             <a:r>
               <a:rPr lang="zh-TW" altLang="en-US"/>
-              <a:t>無法一次編譯到處執行</a:t>
+              <a:t>上編譯的可執行檔無法在 </a:t>
+            </a:r>
+            <a:r>
+              <a:rPr lang="en-US" altLang="zh-TW">
+                <a:solidFill>
+                  <a:srgbClr val="92D050"/>
+                </a:solidFill>
+              </a:rPr>
+              <a:t>Linux</a:t>
+            </a:r>
+            <a:r>
+              <a:rPr lang="zh-TW" altLang="en-US"/>
+              <a:t> 上執行</a:t>
             </a:r>
             <a:endParaRPr lang="en-US" altLang="zh-TW"/>
           </a:p>
           <a:p>
             <a:r>
               <a:rPr lang="zh-TW" altLang="en-US"/>
-              <a:t>只能在同系統、同</a:t>
+              <a:t>但在 </a:t>
+            </a:r>
+            <a:r>
+              <a:rPr lang="en-US" altLang="zh-TW">
+                <a:solidFill>
+                  <a:srgbClr val="FFFF00"/>
+                </a:solidFill>
+              </a:rPr>
+              <a:t>Intel</a:t>
+            </a:r>
+            <a:r>
+              <a:rPr lang="zh-TW" altLang="en-US">
+                <a:solidFill>
+                  <a:srgbClr val="FFFF00"/>
+                </a:solidFill>
+              </a:rPr>
+              <a:t> </a:t>
+            </a:r>
+            <a:r>
+              <a:rPr lang="en-US" altLang="zh-TW">
+                <a:solidFill>
+                  <a:srgbClr val="FFFF00"/>
+                </a:solidFill>
+              </a:rPr>
+              <a:t>Core i9</a:t>
             </a:r>
             <a:r>
               <a:rPr lang="en-US" altLang="zh-TW"/>
-              <a:t>CPU</a:t>
+              <a:t> </a:t>
             </a:r>
             <a:r>
               <a:rPr lang="zh-TW" altLang="en-US"/>
-              <a:t>指令集</a:t>
-            </a:r>
-            <a:r>
-              <a:rPr lang="en-US" altLang="zh-TW"/>
-              <a:t>(Instruction Set)</a:t>
+              <a:t>上編譯的可執行檔可在 </a:t>
+            </a:r>
+            <a:r>
+              <a:rPr lang="en-US" altLang="zh-TW">
+                <a:solidFill>
+                  <a:srgbClr val="FFFF00"/>
+                </a:solidFill>
+              </a:rPr>
+              <a:t>AMD Ryzen</a:t>
             </a:r>
             <a:r>
               <a:rPr lang="zh-TW" altLang="en-US"/>
-              <a:t>的電腦上執行</a:t>
+              <a:t> 執行</a:t>
             </a:r>
             <a:endParaRPr lang="en-US" altLang="zh-TW"/>
           </a:p>
           <a:p>
             <a:r>
               <a:rPr lang="zh-TW" altLang="en-US"/>
-              <a:t>如在 </a:t>
-            </a:r>
-            <a:r>
-              <a:rPr lang="en-US" altLang="zh-TW"/>
-              <a:t>Windows </a:t>
-            </a:r>
-            <a:r>
-              <a:rPr lang="zh-TW" altLang="en-US"/>
-              <a:t>上編譯的可執行檔無法在 </a:t>
-            </a:r>
-            <a:r>
-              <a:rPr lang="en-US" altLang="zh-TW"/>
-              <a:t>Linux</a:t>
-            </a:r>
-            <a:r>
-              <a:rPr lang="zh-TW" altLang="en-US"/>
-              <a:t> 上執行</a:t>
-            </a:r>
-            <a:endParaRPr lang="en-US" altLang="zh-TW"/>
-          </a:p>
-          <a:p>
-            <a:r>
-              <a:rPr lang="zh-TW" altLang="en-US"/>
-              <a:t>但在 </a:t>
-            </a:r>
-            <a:r>
-              <a:rPr lang="en-US" altLang="zh-TW"/>
-              <a:t>Intel</a:t>
-            </a:r>
-            <a:r>
-              <a:rPr lang="zh-TW" altLang="en-US"/>
-              <a:t> </a:t>
-            </a:r>
-            <a:r>
-              <a:rPr lang="en-US" altLang="zh-TW"/>
-              <a:t>Core i9 </a:t>
-            </a:r>
-            <a:r>
-              <a:rPr lang="zh-TW" altLang="en-US"/>
-              <a:t>上編譯的可執行檔可在 </a:t>
-            </a:r>
-            <a:r>
-              <a:rPr lang="en-US" altLang="zh-TW"/>
-              <a:t>AMD Ryzen</a:t>
-            </a:r>
-            <a:r>
-              <a:rPr lang="zh-TW" altLang="en-US"/>
-              <a:t> 執行</a:t>
-            </a:r>
-            <a:endParaRPr lang="en-US" altLang="zh-TW"/>
-          </a:p>
-          <a:p>
-            <a:r>
-              <a:rPr lang="zh-TW" altLang="en-US"/>
               <a:t>因為他們皆使用 </a:t>
             </a:r>
             <a:r>
-              <a:rPr lang="en-US" altLang="zh-TW"/>
+              <a:rPr lang="en-US" altLang="zh-TW">
+                <a:solidFill>
+                  <a:srgbClr val="00B0F0"/>
+                </a:solidFill>
+              </a:rPr>
               <a:t>x86_64 (x64</a:t>
             </a:r>
             <a:r>
-              <a:rPr lang="zh-TW" altLang="en-US"/>
+              <a:rPr lang="zh-TW" altLang="en-US">
+                <a:solidFill>
+                  <a:srgbClr val="00B0F0"/>
+                </a:solidFill>
+              </a:rPr>
               <a:t>、</a:t>
             </a:r>
             <a:r>
-              <a:rPr lang="en-US" altLang="zh-TW"/>
+              <a:rPr lang="en-US" altLang="zh-TW">
+                <a:solidFill>
+                  <a:srgbClr val="00B0F0"/>
+                </a:solidFill>
+              </a:rPr>
               <a:t>Intel 64</a:t>
             </a:r>
             <a:r>
-              <a:rPr lang="zh-TW" altLang="en-US"/>
+              <a:rPr lang="zh-TW" altLang="en-US">
+                <a:solidFill>
+                  <a:srgbClr val="00B0F0"/>
+                </a:solidFill>
+              </a:rPr>
               <a:t>、</a:t>
             </a:r>
             <a:r>
-              <a:rPr lang="en-US" altLang="zh-TW"/>
+              <a:rPr lang="en-US" altLang="zh-TW">
+                <a:solidFill>
+                  <a:srgbClr val="00B0F0"/>
+                </a:solidFill>
+              </a:rPr>
               <a:t>AMD 64) </a:t>
             </a:r>
             <a:r>
-              <a:rPr lang="zh-TW" altLang="en-US"/>
+              <a:rPr lang="zh-TW" altLang="en-US">
+                <a:solidFill>
+                  <a:srgbClr val="00B0F0"/>
+                </a:solidFill>
+              </a:rPr>
               <a:t>指令集</a:t>
             </a:r>
           </a:p>
@@ -17704,7 +17960,7 @@
 </file>
 
 <file path=ppt/slides/slide16.xml><?xml version="1.0" encoding="utf-8"?>
-<p:sld xmlns:a="http://schemas.openxmlformats.org/drawingml/2006/main" xmlns:r="http://schemas.openxmlformats.org/officeDocument/2006/relationships" xmlns:p="http://schemas.openxmlformats.org/presentationml/2006/main" show="0">
+<p:sld xmlns:a="http://schemas.openxmlformats.org/drawingml/2006/main" xmlns:r="http://schemas.openxmlformats.org/officeDocument/2006/relationships" xmlns:p="http://schemas.openxmlformats.org/presentationml/2006/main">
   <p:cSld>
     <p:spTree>
       <p:nvGrpSpPr>
@@ -17888,7 +18144,11 @@
               <a:t>類似的語言還有 </a:t>
             </a:r>
             <a:r>
-              <a:rPr lang="en-US" altLang="zh-TW"/>
+              <a:rPr lang="en-US" altLang="zh-TW">
+                <a:solidFill>
+                  <a:srgbClr val="FFFF00"/>
+                </a:solidFill>
+              </a:rPr>
               <a:t>JavaScript</a:t>
             </a:r>
             <a:r>
@@ -23036,12 +23296,24 @@
               <a:t>第一次是出現在一本介紹 </a:t>
             </a:r>
             <a:r>
-              <a:rPr lang="en-US" altLang="zh-TW"/>
+              <a:rPr lang="en-US" altLang="zh-TW">
+                <a:solidFill>
+                  <a:srgbClr val="00B0F0"/>
+                </a:solidFill>
+              </a:rPr>
               <a:t>B </a:t>
             </a:r>
             <a:r>
+              <a:rPr lang="zh-TW" altLang="en-US">
+                <a:solidFill>
+                  <a:srgbClr val="00B0F0"/>
+                </a:solidFill>
+              </a:rPr>
+              <a:t>語言</a:t>
+            </a:r>
+            <a:r>
               <a:rPr lang="zh-TW" altLang="en-US"/>
-              <a:t>語言的書</a:t>
+              <a:t>的書</a:t>
             </a:r>
             <a:endParaRPr lang="en-US" altLang="zh-TW"/>
           </a:p>
@@ -23067,56 +23339,88 @@
               <a:t>後來 </a:t>
             </a:r>
             <a:r>
-              <a:rPr lang="en-US" altLang="zh-TW"/>
+              <a:rPr lang="en-US" altLang="zh-TW">
+                <a:solidFill>
+                  <a:srgbClr val="00B0F0"/>
+                </a:solidFill>
+              </a:rPr>
               <a:t>B </a:t>
             </a:r>
             <a:r>
+              <a:rPr lang="zh-TW" altLang="en-US">
+                <a:solidFill>
+                  <a:srgbClr val="00B0F0"/>
+                </a:solidFill>
+              </a:rPr>
+              <a:t>語言</a:t>
+            </a:r>
+            <a:r>
               <a:rPr lang="zh-TW" altLang="en-US"/>
-              <a:t>語言演變成 </a:t>
-            </a:r>
-            <a:r>
-              <a:rPr lang="en-US" altLang="zh-TW"/>
+              <a:t>演變成 </a:t>
+            </a:r>
+            <a:r>
+              <a:rPr lang="en-US" altLang="zh-TW">
+                <a:solidFill>
+                  <a:srgbClr val="00B0F0"/>
+                </a:solidFill>
+              </a:rPr>
               <a:t>C </a:t>
             </a:r>
             <a:r>
+              <a:rPr lang="zh-TW" altLang="en-US">
+                <a:solidFill>
+                  <a:srgbClr val="00B0F0"/>
+                </a:solidFill>
+              </a:rPr>
+              <a:t>語言</a:t>
+            </a:r>
+            <a:endParaRPr lang="en-US" altLang="zh-TW">
+              <a:solidFill>
+                <a:srgbClr val="00B0F0"/>
+              </a:solidFill>
+            </a:endParaRPr>
+          </a:p>
+          <a:p>
+            <a:r>
               <a:rPr lang="zh-TW" altLang="en-US"/>
-              <a:t>語言</a:t>
+              <a:t>在</a:t>
+            </a:r>
+            <a:r>
+              <a:rPr lang="it-IT" altLang="zh-TW"/>
+              <a:t>《Programming in C: A Tutorial》</a:t>
+            </a:r>
+            <a:r>
+              <a:rPr lang="zh-TW" altLang="en-US"/>
+              <a:t>中</a:t>
             </a:r>
             <a:endParaRPr lang="en-US" altLang="zh-TW"/>
           </a:p>
           <a:p>
             <a:r>
+              <a:rPr lang="en-US" altLang="zh-TW">
+                <a:solidFill>
+                  <a:srgbClr val="92D050"/>
+                </a:solidFill>
+              </a:rPr>
+              <a:t>"Hello, World!" </a:t>
+            </a:r>
+            <a:r>
               <a:rPr lang="zh-TW" altLang="en-US"/>
-              <a:t>在</a:t>
-            </a:r>
-            <a:r>
-              <a:rPr lang="it-IT" altLang="zh-TW"/>
-              <a:t>《Programming in C: A Tutorial》</a:t>
-            </a:r>
-            <a:r>
-              <a:rPr lang="zh-TW" altLang="en-US"/>
-              <a:t>中</a:t>
+              <a:t>被作為了範例程式碼</a:t>
             </a:r>
             <a:endParaRPr lang="en-US" altLang="zh-TW"/>
           </a:p>
           <a:p>
             <a:r>
-              <a:rPr lang="en-US" altLang="zh-TW"/>
-              <a:t>"Hello, World!" </a:t>
-            </a:r>
-            <a:r>
-              <a:rPr lang="zh-TW" altLang="en-US"/>
-              <a:t>被作為了範例程式碼</a:t>
-            </a:r>
-            <a:endParaRPr lang="en-US" altLang="zh-TW"/>
-          </a:p>
-          <a:p>
-            <a:r>
               <a:rPr lang="zh-TW" altLang="en-US"/>
               <a:t>爾後大家都開始使用 </a:t>
             </a:r>
             <a:r>
-              <a:rPr lang="en-US" altLang="zh-TW"/>
+              <a:rPr lang="en-US" altLang="zh-TW">
+                <a:solidFill>
+                  <a:srgbClr val="92D050"/>
+                </a:solidFill>
+              </a:rPr>
               <a:t>"Hello, World!" </a:t>
             </a:r>
             <a:r>
@@ -23446,9 +23750,6 @@
                 <a:ln>
                   <a:noFill/>
                 </a:ln>
-                <a:solidFill>
-                  <a:srgbClr val="92D050"/>
-                </a:solidFill>
                 <a:effectLst/>
                 <a:uLnTx/>
                 <a:uFillTx/>
@@ -23462,9 +23763,6 @@
               <a:ln>
                 <a:noFill/>
               </a:ln>
-              <a:solidFill>
-                <a:srgbClr val="92D050"/>
-              </a:solidFill>
               <a:effectLst/>
               <a:uLnTx/>
               <a:uFillTx/>
@@ -23496,9 +23794,6 @@
                 <a:ln>
                   <a:noFill/>
                 </a:ln>
-                <a:solidFill>
-                  <a:srgbClr val="92D050"/>
-                </a:solidFill>
                 <a:effectLst/>
                 <a:uLnTx/>
                 <a:uFillTx/>
@@ -23513,9 +23808,6 @@
                 <a:ln>
                   <a:noFill/>
                 </a:ln>
-                <a:solidFill>
-                  <a:srgbClr val="92D050"/>
-                </a:solidFill>
                 <a:effectLst/>
                 <a:uLnTx/>
                 <a:uFillTx/>
@@ -23530,9 +23822,6 @@
                 <a:ln>
                   <a:noFill/>
                 </a:ln>
-                <a:solidFill>
-                  <a:srgbClr val="92D050"/>
-                </a:solidFill>
                 <a:effectLst/>
                 <a:uLnTx/>
                 <a:uFillTx/>
@@ -23547,9 +23836,6 @@
                 <a:ln>
                   <a:noFill/>
                 </a:ln>
-                <a:solidFill>
-                  <a:srgbClr val="92D050"/>
-                </a:solidFill>
                 <a:effectLst/>
                 <a:uLnTx/>
                 <a:uFillTx/>
@@ -23564,9 +23850,6 @@
                 <a:ln>
                   <a:noFill/>
                 </a:ln>
-                <a:solidFill>
-                  <a:srgbClr val="92D050"/>
-                </a:solidFill>
                 <a:effectLst/>
                 <a:uLnTx/>
                 <a:uFillTx/>
@@ -23580,9 +23863,6 @@
               <a:ln>
                 <a:noFill/>
               </a:ln>
-              <a:solidFill>
-                <a:srgbClr val="92D050"/>
-              </a:solidFill>
               <a:effectLst/>
               <a:uLnTx/>
               <a:uFillTx/>
@@ -23614,9 +23894,6 @@
                 <a:ln>
                   <a:noFill/>
                 </a:ln>
-                <a:solidFill>
-                  <a:srgbClr val="92D050"/>
-                </a:solidFill>
                 <a:effectLst/>
                 <a:uLnTx/>
                 <a:uFillTx/>
@@ -23630,9 +23907,6 @@
               <a:ln>
                 <a:noFill/>
               </a:ln>
-              <a:solidFill>
-                <a:srgbClr val="92D050"/>
-              </a:solidFill>
               <a:effectLst/>
               <a:uLnTx/>
               <a:uFillTx/>

--- a/powerpoint/03_編輯器與第一個 Java 程式.pptx
+++ b/powerpoint/03_編輯器與第一個 Java 程式.pptx
@@ -214,7 +214,7 @@
           <a:p>
             <a:fld id="{7CB51037-9A88-43F8-8062-A2DDD941B0DA}" type="datetimeFigureOut">
               <a:rPr lang="zh-TW" altLang="en-US" smtClean="0"/>
-              <a:t>2024/8/6</a:t>
+              <a:t>2024/8/15</a:t>
             </a:fld>
             <a:endParaRPr lang="zh-TW" altLang="en-US"/>
           </a:p>

--- a/powerpoint/03_編輯器與第一個 Java 程式.pptx
+++ b/powerpoint/03_編輯器與第一個 Java 程式.pptx
@@ -214,7 +214,7 @@
           <a:p>
             <a:fld id="{7CB51037-9A88-43F8-8062-A2DDD941B0DA}" type="datetimeFigureOut">
               <a:rPr lang="zh-TW" altLang="en-US" smtClean="0"/>
-              <a:t>2024/8/15</a:t>
+              <a:t>2024/8/21</a:t>
             </a:fld>
             <a:endParaRPr lang="zh-TW" altLang="en-US"/>
           </a:p>
@@ -23216,7 +23216,7 @@
 </file>
 
 <file path=ppt/slides/slide5.xml><?xml version="1.0" encoding="utf-8"?>
-<p:sld xmlns:a="http://schemas.openxmlformats.org/drawingml/2006/main" xmlns:r="http://schemas.openxmlformats.org/officeDocument/2006/relationships" xmlns:p="http://schemas.openxmlformats.org/presentationml/2006/main" show="0">
+<p:sld xmlns:a="http://schemas.openxmlformats.org/drawingml/2006/main" xmlns:r="http://schemas.openxmlformats.org/officeDocument/2006/relationships" xmlns:p="http://schemas.openxmlformats.org/presentationml/2006/main">
   <p:cSld>
     <p:spTree>
       <p:nvGrpSpPr>

--- a/powerpoint/03_編輯器與第一個 Java 程式.pptx
+++ b/powerpoint/03_編輯器與第一個 Java 程式.pptx
@@ -2,7 +2,7 @@
 <file path=ppt/presentation.xml><?xml version="1.0" encoding="utf-8"?>
 <p:presentation xmlns:a="http://schemas.openxmlformats.org/drawingml/2006/main" xmlns:r="http://schemas.openxmlformats.org/officeDocument/2006/relationships" xmlns:p="http://schemas.openxmlformats.org/presentationml/2006/main" saveSubsetFonts="1">
   <p:sldMasterIdLst>
-    <p:sldMasterId id="2147483685" r:id="rId1"/>
+    <p:sldMasterId id="2147483709" r:id="rId1"/>
   </p:sldMasterIdLst>
   <p:notesMasterIdLst>
     <p:notesMasterId r:id="rId20"/>
@@ -214,7 +214,7 @@
           <a:p>
             <a:fld id="{7CB51037-9A88-43F8-8062-A2DDD941B0DA}" type="datetimeFigureOut">
               <a:rPr lang="zh-TW" altLang="en-US" smtClean="0"/>
-              <a:t>2024/8/21</a:t>
+              <a:t>2024/8/28</a:t>
             </a:fld>
             <a:endParaRPr lang="zh-TW" altLang="en-US"/>
           </a:p>
@@ -2117,1457 +2117,7 @@
     </p:spTree>
     <p:extLst>
       <p:ext uri="{BB962C8B-B14F-4D97-AF65-F5344CB8AC3E}">
-        <p14:creationId xmlns:p14="http://schemas.microsoft.com/office/powerpoint/2010/main" val="749550927"/>
-      </p:ext>
-    </p:extLst>
-  </p:cSld>
-  <p:clrMapOvr>
-    <a:masterClrMapping/>
-  </p:clrMapOvr>
-  <p:transition spd="slow">
-    <p:push dir="u"/>
-  </p:transition>
-</p:sldLayout>
-</file>
-
-<file path=ppt/slideLayouts/slideLayout10.xml><?xml version="1.0" encoding="utf-8"?>
-<p:sldLayout xmlns:a="http://schemas.openxmlformats.org/drawingml/2006/main" xmlns:r="http://schemas.openxmlformats.org/officeDocument/2006/relationships" xmlns:p="http://schemas.openxmlformats.org/presentationml/2006/main" type="vertTx" preserve="1">
-  <p:cSld name="標題及直排文字">
-    <p:spTree>
-      <p:nvGrpSpPr>
-        <p:cNvPr id="1" name=""/>
-        <p:cNvGrpSpPr/>
-        <p:nvPr/>
-      </p:nvGrpSpPr>
-      <p:grpSpPr>
-        <a:xfrm>
-          <a:off x="0" y="0"/>
-          <a:ext cx="0" cy="0"/>
-          <a:chOff x="0" y="0"/>
-          <a:chExt cx="0" cy="0"/>
-        </a:xfrm>
-      </p:grpSpPr>
-      <p:sp>
-        <p:nvSpPr>
-          <p:cNvPr id="2" name="標題 1">
-            <a:extLst>
-              <a:ext uri="{FF2B5EF4-FFF2-40B4-BE49-F238E27FC236}">
-                <a16:creationId xmlns:a16="http://schemas.microsoft.com/office/drawing/2014/main" id="{0FDDC07F-519C-49CA-AA44-B985B88C2335}"/>
-              </a:ext>
-            </a:extLst>
-          </p:cNvPr>
-          <p:cNvSpPr>
-            <a:spLocks noGrp="1"/>
-          </p:cNvSpPr>
-          <p:nvPr>
-            <p:ph type="title"/>
-          </p:nvPr>
-        </p:nvSpPr>
-        <p:spPr/>
-        <p:txBody>
-          <a:bodyPr/>
-          <a:lstStyle/>
-          <a:p>
-            <a:r>
-              <a:rPr lang="zh-TW" altLang="en-US"/>
-              <a:t>按一下以編輯母片標題樣式</a:t>
-            </a:r>
-          </a:p>
-        </p:txBody>
-      </p:sp>
-      <p:sp>
-        <p:nvSpPr>
-          <p:cNvPr id="3" name="直排文字版面配置區 2">
-            <a:extLst>
-              <a:ext uri="{FF2B5EF4-FFF2-40B4-BE49-F238E27FC236}">
-                <a16:creationId xmlns:a16="http://schemas.microsoft.com/office/drawing/2014/main" id="{EA4FAF03-5463-4183-9F65-A1E11FD43A75}"/>
-              </a:ext>
-            </a:extLst>
-          </p:cNvPr>
-          <p:cNvSpPr>
-            <a:spLocks noGrp="1"/>
-          </p:cNvSpPr>
-          <p:nvPr>
-            <p:ph type="body" orient="vert" idx="1"/>
-          </p:nvPr>
-        </p:nvSpPr>
-        <p:spPr/>
-        <p:txBody>
-          <a:bodyPr vert="eaVert"/>
-          <a:lstStyle/>
-          <a:p>
-            <a:pPr lvl="0"/>
-            <a:r>
-              <a:rPr lang="zh-TW" altLang="en-US"/>
-              <a:t>按一下以編輯母片文字樣式</a:t>
-            </a:r>
-          </a:p>
-          <a:p>
-            <a:pPr lvl="1"/>
-            <a:r>
-              <a:rPr lang="zh-TW" altLang="en-US"/>
-              <a:t>第二層</a:t>
-            </a:r>
-          </a:p>
-          <a:p>
-            <a:pPr lvl="2"/>
-            <a:r>
-              <a:rPr lang="zh-TW" altLang="en-US"/>
-              <a:t>第三層</a:t>
-            </a:r>
-          </a:p>
-          <a:p>
-            <a:pPr lvl="3"/>
-            <a:r>
-              <a:rPr lang="zh-TW" altLang="en-US"/>
-              <a:t>第四層</a:t>
-            </a:r>
-          </a:p>
-          <a:p>
-            <a:pPr lvl="4"/>
-            <a:r>
-              <a:rPr lang="zh-TW" altLang="en-US"/>
-              <a:t>第五層</a:t>
-            </a:r>
-          </a:p>
-        </p:txBody>
-      </p:sp>
-      <p:sp>
-        <p:nvSpPr>
-          <p:cNvPr id="7" name="頁尾版面配置區 4">
-            <a:extLst>
-              <a:ext uri="{FF2B5EF4-FFF2-40B4-BE49-F238E27FC236}">
-                <a16:creationId xmlns:a16="http://schemas.microsoft.com/office/drawing/2014/main" id="{673CEE49-E682-4987-B5C6-44AC5441606B}"/>
-              </a:ext>
-            </a:extLst>
-          </p:cNvPr>
-          <p:cNvSpPr txBox="1">
-            <a:spLocks/>
-          </p:cNvSpPr>
-          <p:nvPr/>
-        </p:nvSpPr>
-        <p:spPr>
-          <a:xfrm>
-            <a:off x="0" y="6492875"/>
-            <a:ext cx="2743200" cy="365125"/>
-          </a:xfrm>
-          <a:prstGeom prst="rect">
-            <a:avLst/>
-          </a:prstGeom>
-        </p:spPr>
-        <p:txBody>
-          <a:bodyPr vert="horz" lIns="91440" tIns="45720" rIns="91440" bIns="45720" rtlCol="0" anchor="ctr"/>
-          <a:lstStyle>
-            <a:defPPr>
-              <a:defRPr lang="zh-TW"/>
-            </a:defPPr>
-            <a:lvl1pPr marL="0" algn="l" defTabSz="914400" rtl="0" eaLnBrk="1" latinLnBrk="0" hangingPunct="1">
-              <a:defRPr sz="1200" kern="1200">
-                <a:solidFill>
-                  <a:schemeClr val="tx1">
-                    <a:tint val="75000"/>
-                  </a:schemeClr>
-                </a:solidFill>
-                <a:latin typeface="+mn-lt"/>
-                <a:ea typeface="+mn-ea"/>
-                <a:cs typeface="+mn-cs"/>
-              </a:defRPr>
-            </a:lvl1pPr>
-            <a:lvl2pPr marL="457200" algn="l" defTabSz="914400" rtl="0" eaLnBrk="1" latinLnBrk="0" hangingPunct="1">
-              <a:defRPr sz="1800" kern="1200">
-                <a:solidFill>
-                  <a:schemeClr val="tx1"/>
-                </a:solidFill>
-                <a:latin typeface="+mn-lt"/>
-                <a:ea typeface="+mn-ea"/>
-                <a:cs typeface="+mn-cs"/>
-              </a:defRPr>
-            </a:lvl2pPr>
-            <a:lvl3pPr marL="914400" algn="l" defTabSz="914400" rtl="0" eaLnBrk="1" latinLnBrk="0" hangingPunct="1">
-              <a:defRPr sz="1800" kern="1200">
-                <a:solidFill>
-                  <a:schemeClr val="tx1"/>
-                </a:solidFill>
-                <a:latin typeface="+mn-lt"/>
-                <a:ea typeface="+mn-ea"/>
-                <a:cs typeface="+mn-cs"/>
-              </a:defRPr>
-            </a:lvl3pPr>
-            <a:lvl4pPr marL="1371600" algn="l" defTabSz="914400" rtl="0" eaLnBrk="1" latinLnBrk="0" hangingPunct="1">
-              <a:defRPr sz="1800" kern="1200">
-                <a:solidFill>
-                  <a:schemeClr val="tx1"/>
-                </a:solidFill>
-                <a:latin typeface="+mn-lt"/>
-                <a:ea typeface="+mn-ea"/>
-                <a:cs typeface="+mn-cs"/>
-              </a:defRPr>
-            </a:lvl4pPr>
-            <a:lvl5pPr marL="1828800" algn="l" defTabSz="914400" rtl="0" eaLnBrk="1" latinLnBrk="0" hangingPunct="1">
-              <a:defRPr sz="1800" kern="1200">
-                <a:solidFill>
-                  <a:schemeClr val="tx1"/>
-                </a:solidFill>
-                <a:latin typeface="+mn-lt"/>
-                <a:ea typeface="+mn-ea"/>
-                <a:cs typeface="+mn-cs"/>
-              </a:defRPr>
-            </a:lvl5pPr>
-            <a:lvl6pPr marL="2286000" algn="l" defTabSz="914400" rtl="0" eaLnBrk="1" latinLnBrk="0" hangingPunct="1">
-              <a:defRPr sz="1800" kern="1200">
-                <a:solidFill>
-                  <a:schemeClr val="tx1"/>
-                </a:solidFill>
-                <a:latin typeface="+mn-lt"/>
-                <a:ea typeface="+mn-ea"/>
-                <a:cs typeface="+mn-cs"/>
-              </a:defRPr>
-            </a:lvl6pPr>
-            <a:lvl7pPr marL="2743200" algn="l" defTabSz="914400" rtl="0" eaLnBrk="1" latinLnBrk="0" hangingPunct="1">
-              <a:defRPr sz="1800" kern="1200">
-                <a:solidFill>
-                  <a:schemeClr val="tx1"/>
-                </a:solidFill>
-                <a:latin typeface="+mn-lt"/>
-                <a:ea typeface="+mn-ea"/>
-                <a:cs typeface="+mn-cs"/>
-              </a:defRPr>
-            </a:lvl7pPr>
-            <a:lvl8pPr marL="3200400" algn="l" defTabSz="914400" rtl="0" eaLnBrk="1" latinLnBrk="0" hangingPunct="1">
-              <a:defRPr sz="1800" kern="1200">
-                <a:solidFill>
-                  <a:schemeClr val="tx1"/>
-                </a:solidFill>
-                <a:latin typeface="+mn-lt"/>
-                <a:ea typeface="+mn-ea"/>
-                <a:cs typeface="+mn-cs"/>
-              </a:defRPr>
-            </a:lvl8pPr>
-            <a:lvl9pPr marL="3657600" algn="l" defTabSz="914400" rtl="0" eaLnBrk="1" latinLnBrk="0" hangingPunct="1">
-              <a:defRPr sz="1800" kern="1200">
-                <a:solidFill>
-                  <a:schemeClr val="tx1"/>
-                </a:solidFill>
-                <a:latin typeface="+mn-lt"/>
-                <a:ea typeface="+mn-ea"/>
-                <a:cs typeface="+mn-cs"/>
-              </a:defRPr>
-            </a:lvl9pPr>
-          </a:lstStyle>
-          <a:p>
-            <a:r>
-              <a:rPr lang="en-US" altLang="zh-TW"/>
-              <a:t>TYIC</a:t>
-            </a:r>
-            <a:r>
-              <a:rPr lang="zh-TW" altLang="en-US"/>
-              <a:t>桃高資訊社</a:t>
-            </a:r>
-          </a:p>
-        </p:txBody>
-      </p:sp>
-      <p:sp>
-        <p:nvSpPr>
-          <p:cNvPr id="8" name="投影片編號版面配置區 5">
-            <a:extLst>
-              <a:ext uri="{FF2B5EF4-FFF2-40B4-BE49-F238E27FC236}">
-                <a16:creationId xmlns:a16="http://schemas.microsoft.com/office/drawing/2014/main" id="{30FE2C57-B7B9-4C62-97C3-180398C5D84A}"/>
-              </a:ext>
-            </a:extLst>
-          </p:cNvPr>
-          <p:cNvSpPr txBox="1">
-            <a:spLocks/>
-          </p:cNvSpPr>
-          <p:nvPr/>
-        </p:nvSpPr>
-        <p:spPr>
-          <a:xfrm>
-            <a:off x="9448800" y="6492874"/>
-            <a:ext cx="2743200" cy="365125"/>
-          </a:xfrm>
-          <a:prstGeom prst="rect">
-            <a:avLst/>
-          </a:prstGeom>
-        </p:spPr>
-        <p:txBody>
-          <a:bodyPr vert="horz" lIns="91440" tIns="45720" rIns="91440" bIns="45720" rtlCol="0" anchor="ctr"/>
-          <a:lstStyle>
-            <a:defPPr>
-              <a:defRPr lang="zh-TW"/>
-            </a:defPPr>
-            <a:lvl1pPr marL="0" algn="r" defTabSz="914400" rtl="0" eaLnBrk="1" latinLnBrk="0" hangingPunct="1">
-              <a:defRPr sz="1200" kern="1200">
-                <a:solidFill>
-                  <a:schemeClr val="tx1">
-                    <a:tint val="75000"/>
-                  </a:schemeClr>
-                </a:solidFill>
-                <a:latin typeface="+mn-lt"/>
-                <a:ea typeface="+mn-ea"/>
-                <a:cs typeface="+mn-cs"/>
-              </a:defRPr>
-            </a:lvl1pPr>
-            <a:lvl2pPr marL="457200" algn="l" defTabSz="914400" rtl="0" eaLnBrk="1" latinLnBrk="0" hangingPunct="1">
-              <a:defRPr sz="1800" kern="1200">
-                <a:solidFill>
-                  <a:schemeClr val="tx1"/>
-                </a:solidFill>
-                <a:latin typeface="+mn-lt"/>
-                <a:ea typeface="+mn-ea"/>
-                <a:cs typeface="+mn-cs"/>
-              </a:defRPr>
-            </a:lvl2pPr>
-            <a:lvl3pPr marL="914400" algn="l" defTabSz="914400" rtl="0" eaLnBrk="1" latinLnBrk="0" hangingPunct="1">
-              <a:defRPr sz="1800" kern="1200">
-                <a:solidFill>
-                  <a:schemeClr val="tx1"/>
-                </a:solidFill>
-                <a:latin typeface="+mn-lt"/>
-                <a:ea typeface="+mn-ea"/>
-                <a:cs typeface="+mn-cs"/>
-              </a:defRPr>
-            </a:lvl3pPr>
-            <a:lvl4pPr marL="1371600" algn="l" defTabSz="914400" rtl="0" eaLnBrk="1" latinLnBrk="0" hangingPunct="1">
-              <a:defRPr sz="1800" kern="1200">
-                <a:solidFill>
-                  <a:schemeClr val="tx1"/>
-                </a:solidFill>
-                <a:latin typeface="+mn-lt"/>
-                <a:ea typeface="+mn-ea"/>
-                <a:cs typeface="+mn-cs"/>
-              </a:defRPr>
-            </a:lvl4pPr>
-            <a:lvl5pPr marL="1828800" algn="l" defTabSz="914400" rtl="0" eaLnBrk="1" latinLnBrk="0" hangingPunct="1">
-              <a:defRPr sz="1800" kern="1200">
-                <a:solidFill>
-                  <a:schemeClr val="tx1"/>
-                </a:solidFill>
-                <a:latin typeface="+mn-lt"/>
-                <a:ea typeface="+mn-ea"/>
-                <a:cs typeface="+mn-cs"/>
-              </a:defRPr>
-            </a:lvl5pPr>
-            <a:lvl6pPr marL="2286000" algn="l" defTabSz="914400" rtl="0" eaLnBrk="1" latinLnBrk="0" hangingPunct="1">
-              <a:defRPr sz="1800" kern="1200">
-                <a:solidFill>
-                  <a:schemeClr val="tx1"/>
-                </a:solidFill>
-                <a:latin typeface="+mn-lt"/>
-                <a:ea typeface="+mn-ea"/>
-                <a:cs typeface="+mn-cs"/>
-              </a:defRPr>
-            </a:lvl6pPr>
-            <a:lvl7pPr marL="2743200" algn="l" defTabSz="914400" rtl="0" eaLnBrk="1" latinLnBrk="0" hangingPunct="1">
-              <a:defRPr sz="1800" kern="1200">
-                <a:solidFill>
-                  <a:schemeClr val="tx1"/>
-                </a:solidFill>
-                <a:latin typeface="+mn-lt"/>
-                <a:ea typeface="+mn-ea"/>
-                <a:cs typeface="+mn-cs"/>
-              </a:defRPr>
-            </a:lvl7pPr>
-            <a:lvl8pPr marL="3200400" algn="l" defTabSz="914400" rtl="0" eaLnBrk="1" latinLnBrk="0" hangingPunct="1">
-              <a:defRPr sz="1800" kern="1200">
-                <a:solidFill>
-                  <a:schemeClr val="tx1"/>
-                </a:solidFill>
-                <a:latin typeface="+mn-lt"/>
-                <a:ea typeface="+mn-ea"/>
-                <a:cs typeface="+mn-cs"/>
-              </a:defRPr>
-            </a:lvl8pPr>
-            <a:lvl9pPr marL="3657600" algn="l" defTabSz="914400" rtl="0" eaLnBrk="1" latinLnBrk="0" hangingPunct="1">
-              <a:defRPr sz="1800" kern="1200">
-                <a:solidFill>
-                  <a:schemeClr val="tx1"/>
-                </a:solidFill>
-                <a:latin typeface="+mn-lt"/>
-                <a:ea typeface="+mn-ea"/>
-                <a:cs typeface="+mn-cs"/>
-              </a:defRPr>
-            </a:lvl9pPr>
-          </a:lstStyle>
-          <a:p>
-            <a:fld id="{D4328D90-2A6F-4F23-88A8-C5DCC2B5F307}" type="slidenum">
-              <a:rPr lang="zh-TW" altLang="en-US" smtClean="0"/>
-              <a:pPr/>
-              <a:t>‹#›</a:t>
-            </a:fld>
-            <a:endParaRPr lang="zh-TW" altLang="en-US"/>
-          </a:p>
-        </p:txBody>
-      </p:sp>
-      <p:sp>
-        <p:nvSpPr>
-          <p:cNvPr id="6" name="頁尾版面配置區 4">
-            <a:extLst>
-              <a:ext uri="{FF2B5EF4-FFF2-40B4-BE49-F238E27FC236}">
-                <a16:creationId xmlns:a16="http://schemas.microsoft.com/office/drawing/2014/main" id="{B6D0D332-58F6-44F7-8B06-11E5EF864545}"/>
-              </a:ext>
-            </a:extLst>
-          </p:cNvPr>
-          <p:cNvSpPr txBox="1">
-            <a:spLocks/>
-          </p:cNvSpPr>
-          <p:nvPr userDrawn="1"/>
-        </p:nvSpPr>
-        <p:spPr>
-          <a:xfrm>
-            <a:off x="0" y="6492875"/>
-            <a:ext cx="2743200" cy="365125"/>
-          </a:xfrm>
-          <a:prstGeom prst="rect">
-            <a:avLst/>
-          </a:prstGeom>
-        </p:spPr>
-        <p:txBody>
-          <a:bodyPr vert="horz" lIns="91440" tIns="45720" rIns="91440" bIns="45720" rtlCol="0" anchor="ctr"/>
-          <a:lstStyle>
-            <a:defPPr>
-              <a:defRPr lang="zh-TW"/>
-            </a:defPPr>
-            <a:lvl1pPr marL="0" algn="l" defTabSz="914400" rtl="0" eaLnBrk="1" latinLnBrk="0" hangingPunct="1">
-              <a:defRPr sz="1200" kern="1200">
-                <a:solidFill>
-                  <a:schemeClr val="tx1">
-                    <a:tint val="75000"/>
-                  </a:schemeClr>
-                </a:solidFill>
-                <a:latin typeface="+mn-lt"/>
-                <a:ea typeface="+mn-ea"/>
-                <a:cs typeface="+mn-cs"/>
-              </a:defRPr>
-            </a:lvl1pPr>
-            <a:lvl2pPr marL="457200" algn="l" defTabSz="914400" rtl="0" eaLnBrk="1" latinLnBrk="0" hangingPunct="1">
-              <a:defRPr sz="1800" kern="1200">
-                <a:solidFill>
-                  <a:schemeClr val="tx1"/>
-                </a:solidFill>
-                <a:latin typeface="+mn-lt"/>
-                <a:ea typeface="+mn-ea"/>
-                <a:cs typeface="+mn-cs"/>
-              </a:defRPr>
-            </a:lvl2pPr>
-            <a:lvl3pPr marL="914400" algn="l" defTabSz="914400" rtl="0" eaLnBrk="1" latinLnBrk="0" hangingPunct="1">
-              <a:defRPr sz="1800" kern="1200">
-                <a:solidFill>
-                  <a:schemeClr val="tx1"/>
-                </a:solidFill>
-                <a:latin typeface="+mn-lt"/>
-                <a:ea typeface="+mn-ea"/>
-                <a:cs typeface="+mn-cs"/>
-              </a:defRPr>
-            </a:lvl3pPr>
-            <a:lvl4pPr marL="1371600" algn="l" defTabSz="914400" rtl="0" eaLnBrk="1" latinLnBrk="0" hangingPunct="1">
-              <a:defRPr sz="1800" kern="1200">
-                <a:solidFill>
-                  <a:schemeClr val="tx1"/>
-                </a:solidFill>
-                <a:latin typeface="+mn-lt"/>
-                <a:ea typeface="+mn-ea"/>
-                <a:cs typeface="+mn-cs"/>
-              </a:defRPr>
-            </a:lvl4pPr>
-            <a:lvl5pPr marL="1828800" algn="l" defTabSz="914400" rtl="0" eaLnBrk="1" latinLnBrk="0" hangingPunct="1">
-              <a:defRPr sz="1800" kern="1200">
-                <a:solidFill>
-                  <a:schemeClr val="tx1"/>
-                </a:solidFill>
-                <a:latin typeface="+mn-lt"/>
-                <a:ea typeface="+mn-ea"/>
-                <a:cs typeface="+mn-cs"/>
-              </a:defRPr>
-            </a:lvl5pPr>
-            <a:lvl6pPr marL="2286000" algn="l" defTabSz="914400" rtl="0" eaLnBrk="1" latinLnBrk="0" hangingPunct="1">
-              <a:defRPr sz="1800" kern="1200">
-                <a:solidFill>
-                  <a:schemeClr val="tx1"/>
-                </a:solidFill>
-                <a:latin typeface="+mn-lt"/>
-                <a:ea typeface="+mn-ea"/>
-                <a:cs typeface="+mn-cs"/>
-              </a:defRPr>
-            </a:lvl6pPr>
-            <a:lvl7pPr marL="2743200" algn="l" defTabSz="914400" rtl="0" eaLnBrk="1" latinLnBrk="0" hangingPunct="1">
-              <a:defRPr sz="1800" kern="1200">
-                <a:solidFill>
-                  <a:schemeClr val="tx1"/>
-                </a:solidFill>
-                <a:latin typeface="+mn-lt"/>
-                <a:ea typeface="+mn-ea"/>
-                <a:cs typeface="+mn-cs"/>
-              </a:defRPr>
-            </a:lvl7pPr>
-            <a:lvl8pPr marL="3200400" algn="l" defTabSz="914400" rtl="0" eaLnBrk="1" latinLnBrk="0" hangingPunct="1">
-              <a:defRPr sz="1800" kern="1200">
-                <a:solidFill>
-                  <a:schemeClr val="tx1"/>
-                </a:solidFill>
-                <a:latin typeface="+mn-lt"/>
-                <a:ea typeface="+mn-ea"/>
-                <a:cs typeface="+mn-cs"/>
-              </a:defRPr>
-            </a:lvl8pPr>
-            <a:lvl9pPr marL="3657600" algn="l" defTabSz="914400" rtl="0" eaLnBrk="1" latinLnBrk="0" hangingPunct="1">
-              <a:defRPr sz="1800" kern="1200">
-                <a:solidFill>
-                  <a:schemeClr val="tx1"/>
-                </a:solidFill>
-                <a:latin typeface="+mn-lt"/>
-                <a:ea typeface="+mn-ea"/>
-                <a:cs typeface="+mn-cs"/>
-              </a:defRPr>
-            </a:lvl9pPr>
-          </a:lstStyle>
-          <a:p>
-            <a:r>
-              <a:rPr lang="en-US" altLang="zh-TW" dirty="0"/>
-              <a:t>TYIC</a:t>
-            </a:r>
-            <a:r>
-              <a:rPr lang="zh-TW" altLang="en-US"/>
-              <a:t>桃高資訊社</a:t>
-            </a:r>
-          </a:p>
-        </p:txBody>
-      </p:sp>
-      <p:sp>
-        <p:nvSpPr>
-          <p:cNvPr id="9" name="投影片編號版面配置區 5">
-            <a:extLst>
-              <a:ext uri="{FF2B5EF4-FFF2-40B4-BE49-F238E27FC236}">
-                <a16:creationId xmlns:a16="http://schemas.microsoft.com/office/drawing/2014/main" id="{7C1B046E-D8B9-4FA8-A126-F87F0D813BB6}"/>
-              </a:ext>
-            </a:extLst>
-          </p:cNvPr>
-          <p:cNvSpPr txBox="1">
-            <a:spLocks/>
-          </p:cNvSpPr>
-          <p:nvPr userDrawn="1"/>
-        </p:nvSpPr>
-        <p:spPr>
-          <a:xfrm>
-            <a:off x="9448800" y="6492874"/>
-            <a:ext cx="2743200" cy="365125"/>
-          </a:xfrm>
-          <a:prstGeom prst="rect">
-            <a:avLst/>
-          </a:prstGeom>
-        </p:spPr>
-        <p:txBody>
-          <a:bodyPr vert="horz" lIns="91440" tIns="45720" rIns="91440" bIns="45720" rtlCol="0" anchor="ctr"/>
-          <a:lstStyle>
-            <a:defPPr>
-              <a:defRPr lang="zh-TW"/>
-            </a:defPPr>
-            <a:lvl1pPr marL="0" algn="r" defTabSz="914400" rtl="0" eaLnBrk="1" latinLnBrk="0" hangingPunct="1">
-              <a:defRPr sz="1200" kern="1200">
-                <a:solidFill>
-                  <a:schemeClr val="tx1">
-                    <a:tint val="75000"/>
-                  </a:schemeClr>
-                </a:solidFill>
-                <a:latin typeface="+mn-lt"/>
-                <a:ea typeface="+mn-ea"/>
-                <a:cs typeface="+mn-cs"/>
-              </a:defRPr>
-            </a:lvl1pPr>
-            <a:lvl2pPr marL="457200" algn="l" defTabSz="914400" rtl="0" eaLnBrk="1" latinLnBrk="0" hangingPunct="1">
-              <a:defRPr sz="1800" kern="1200">
-                <a:solidFill>
-                  <a:schemeClr val="tx1"/>
-                </a:solidFill>
-                <a:latin typeface="+mn-lt"/>
-                <a:ea typeface="+mn-ea"/>
-                <a:cs typeface="+mn-cs"/>
-              </a:defRPr>
-            </a:lvl2pPr>
-            <a:lvl3pPr marL="914400" algn="l" defTabSz="914400" rtl="0" eaLnBrk="1" latinLnBrk="0" hangingPunct="1">
-              <a:defRPr sz="1800" kern="1200">
-                <a:solidFill>
-                  <a:schemeClr val="tx1"/>
-                </a:solidFill>
-                <a:latin typeface="+mn-lt"/>
-                <a:ea typeface="+mn-ea"/>
-                <a:cs typeface="+mn-cs"/>
-              </a:defRPr>
-            </a:lvl3pPr>
-            <a:lvl4pPr marL="1371600" algn="l" defTabSz="914400" rtl="0" eaLnBrk="1" latinLnBrk="0" hangingPunct="1">
-              <a:defRPr sz="1800" kern="1200">
-                <a:solidFill>
-                  <a:schemeClr val="tx1"/>
-                </a:solidFill>
-                <a:latin typeface="+mn-lt"/>
-                <a:ea typeface="+mn-ea"/>
-                <a:cs typeface="+mn-cs"/>
-              </a:defRPr>
-            </a:lvl4pPr>
-            <a:lvl5pPr marL="1828800" algn="l" defTabSz="914400" rtl="0" eaLnBrk="1" latinLnBrk="0" hangingPunct="1">
-              <a:defRPr sz="1800" kern="1200">
-                <a:solidFill>
-                  <a:schemeClr val="tx1"/>
-                </a:solidFill>
-                <a:latin typeface="+mn-lt"/>
-                <a:ea typeface="+mn-ea"/>
-                <a:cs typeface="+mn-cs"/>
-              </a:defRPr>
-            </a:lvl5pPr>
-            <a:lvl6pPr marL="2286000" algn="l" defTabSz="914400" rtl="0" eaLnBrk="1" latinLnBrk="0" hangingPunct="1">
-              <a:defRPr sz="1800" kern="1200">
-                <a:solidFill>
-                  <a:schemeClr val="tx1"/>
-                </a:solidFill>
-                <a:latin typeface="+mn-lt"/>
-                <a:ea typeface="+mn-ea"/>
-                <a:cs typeface="+mn-cs"/>
-              </a:defRPr>
-            </a:lvl6pPr>
-            <a:lvl7pPr marL="2743200" algn="l" defTabSz="914400" rtl="0" eaLnBrk="1" latinLnBrk="0" hangingPunct="1">
-              <a:defRPr sz="1800" kern="1200">
-                <a:solidFill>
-                  <a:schemeClr val="tx1"/>
-                </a:solidFill>
-                <a:latin typeface="+mn-lt"/>
-                <a:ea typeface="+mn-ea"/>
-                <a:cs typeface="+mn-cs"/>
-              </a:defRPr>
-            </a:lvl7pPr>
-            <a:lvl8pPr marL="3200400" algn="l" defTabSz="914400" rtl="0" eaLnBrk="1" latinLnBrk="0" hangingPunct="1">
-              <a:defRPr sz="1800" kern="1200">
-                <a:solidFill>
-                  <a:schemeClr val="tx1"/>
-                </a:solidFill>
-                <a:latin typeface="+mn-lt"/>
-                <a:ea typeface="+mn-ea"/>
-                <a:cs typeface="+mn-cs"/>
-              </a:defRPr>
-            </a:lvl8pPr>
-            <a:lvl9pPr marL="3657600" algn="l" defTabSz="914400" rtl="0" eaLnBrk="1" latinLnBrk="0" hangingPunct="1">
-              <a:defRPr sz="1800" kern="1200">
-                <a:solidFill>
-                  <a:schemeClr val="tx1"/>
-                </a:solidFill>
-                <a:latin typeface="+mn-lt"/>
-                <a:ea typeface="+mn-ea"/>
-                <a:cs typeface="+mn-cs"/>
-              </a:defRPr>
-            </a:lvl9pPr>
-          </a:lstStyle>
-          <a:p>
-            <a:fld id="{D4328D90-2A6F-4F23-88A8-C5DCC2B5F307}" type="slidenum">
-              <a:rPr lang="zh-TW" altLang="en-US" smtClean="0"/>
-              <a:pPr/>
-              <a:t>‹#›</a:t>
-            </a:fld>
-            <a:endParaRPr lang="zh-TW" altLang="en-US"/>
-          </a:p>
-        </p:txBody>
-      </p:sp>
-    </p:spTree>
-    <p:extLst>
-      <p:ext uri="{BB962C8B-B14F-4D97-AF65-F5344CB8AC3E}">
-        <p14:creationId xmlns:p14="http://schemas.microsoft.com/office/powerpoint/2010/main" val="371398039"/>
-      </p:ext>
-    </p:extLst>
-  </p:cSld>
-  <p:clrMapOvr>
-    <a:masterClrMapping/>
-  </p:clrMapOvr>
-  <p:transition spd="slow">
-    <p:push dir="u"/>
-  </p:transition>
-</p:sldLayout>
-</file>
-
-<file path=ppt/slideLayouts/slideLayout11.xml><?xml version="1.0" encoding="utf-8"?>
-<p:sldLayout xmlns:a="http://schemas.openxmlformats.org/drawingml/2006/main" xmlns:r="http://schemas.openxmlformats.org/officeDocument/2006/relationships" xmlns:p="http://schemas.openxmlformats.org/presentationml/2006/main" type="vertTitleAndTx" preserve="1">
-  <p:cSld name="直排標題及文字">
-    <p:spTree>
-      <p:nvGrpSpPr>
-        <p:cNvPr id="1" name=""/>
-        <p:cNvGrpSpPr/>
-        <p:nvPr/>
-      </p:nvGrpSpPr>
-      <p:grpSpPr>
-        <a:xfrm>
-          <a:off x="0" y="0"/>
-          <a:ext cx="0" cy="0"/>
-          <a:chOff x="0" y="0"/>
-          <a:chExt cx="0" cy="0"/>
-        </a:xfrm>
-      </p:grpSpPr>
-      <p:sp>
-        <p:nvSpPr>
-          <p:cNvPr id="2" name="直排標題 1">
-            <a:extLst>
-              <a:ext uri="{FF2B5EF4-FFF2-40B4-BE49-F238E27FC236}">
-                <a16:creationId xmlns:a16="http://schemas.microsoft.com/office/drawing/2014/main" id="{1BA0FB70-3691-4CFB-B11C-DCA42F242EBA}"/>
-              </a:ext>
-            </a:extLst>
-          </p:cNvPr>
-          <p:cNvSpPr>
-            <a:spLocks noGrp="1"/>
-          </p:cNvSpPr>
-          <p:nvPr>
-            <p:ph type="title" orient="vert"/>
-          </p:nvPr>
-        </p:nvSpPr>
-        <p:spPr>
-          <a:xfrm>
-            <a:off x="8724900" y="365125"/>
-            <a:ext cx="2628900" cy="5811838"/>
-          </a:xfrm>
-        </p:spPr>
-        <p:txBody>
-          <a:bodyPr vert="eaVert"/>
-          <a:lstStyle/>
-          <a:p>
-            <a:r>
-              <a:rPr lang="zh-TW" altLang="en-US"/>
-              <a:t>按一下以編輯母片標題樣式</a:t>
-            </a:r>
-          </a:p>
-        </p:txBody>
-      </p:sp>
-      <p:sp>
-        <p:nvSpPr>
-          <p:cNvPr id="3" name="直排文字版面配置區 2">
-            <a:extLst>
-              <a:ext uri="{FF2B5EF4-FFF2-40B4-BE49-F238E27FC236}">
-                <a16:creationId xmlns:a16="http://schemas.microsoft.com/office/drawing/2014/main" id="{443DC9D4-0B7C-43C6-9ED5-146AB071FB9D}"/>
-              </a:ext>
-            </a:extLst>
-          </p:cNvPr>
-          <p:cNvSpPr>
-            <a:spLocks noGrp="1"/>
-          </p:cNvSpPr>
-          <p:nvPr>
-            <p:ph type="body" orient="vert" idx="1"/>
-          </p:nvPr>
-        </p:nvSpPr>
-        <p:spPr>
-          <a:xfrm>
-            <a:off x="838200" y="365125"/>
-            <a:ext cx="7734300" cy="5811838"/>
-          </a:xfrm>
-        </p:spPr>
-        <p:txBody>
-          <a:bodyPr vert="eaVert"/>
-          <a:lstStyle/>
-          <a:p>
-            <a:pPr lvl="0"/>
-            <a:r>
-              <a:rPr lang="zh-TW" altLang="en-US"/>
-              <a:t>按一下以編輯母片文字樣式</a:t>
-            </a:r>
-          </a:p>
-          <a:p>
-            <a:pPr lvl="1"/>
-            <a:r>
-              <a:rPr lang="zh-TW" altLang="en-US"/>
-              <a:t>第二層</a:t>
-            </a:r>
-          </a:p>
-          <a:p>
-            <a:pPr lvl="2"/>
-            <a:r>
-              <a:rPr lang="zh-TW" altLang="en-US"/>
-              <a:t>第三層</a:t>
-            </a:r>
-          </a:p>
-          <a:p>
-            <a:pPr lvl="3"/>
-            <a:r>
-              <a:rPr lang="zh-TW" altLang="en-US"/>
-              <a:t>第四層</a:t>
-            </a:r>
-          </a:p>
-          <a:p>
-            <a:pPr lvl="4"/>
-            <a:r>
-              <a:rPr lang="zh-TW" altLang="en-US"/>
-              <a:t>第五層</a:t>
-            </a:r>
-          </a:p>
-        </p:txBody>
-      </p:sp>
-      <p:sp>
-        <p:nvSpPr>
-          <p:cNvPr id="7" name="頁尾版面配置區 4">
-            <a:extLst>
-              <a:ext uri="{FF2B5EF4-FFF2-40B4-BE49-F238E27FC236}">
-                <a16:creationId xmlns:a16="http://schemas.microsoft.com/office/drawing/2014/main" id="{C07E68E1-74E8-4B75-8BF6-3AD8D3EC35C4}"/>
-              </a:ext>
-            </a:extLst>
-          </p:cNvPr>
-          <p:cNvSpPr txBox="1">
-            <a:spLocks/>
-          </p:cNvSpPr>
-          <p:nvPr/>
-        </p:nvSpPr>
-        <p:spPr>
-          <a:xfrm>
-            <a:off x="0" y="6492875"/>
-            <a:ext cx="2743200" cy="365125"/>
-          </a:xfrm>
-          <a:prstGeom prst="rect">
-            <a:avLst/>
-          </a:prstGeom>
-        </p:spPr>
-        <p:txBody>
-          <a:bodyPr vert="horz" lIns="91440" tIns="45720" rIns="91440" bIns="45720" rtlCol="0" anchor="ctr"/>
-          <a:lstStyle>
-            <a:defPPr>
-              <a:defRPr lang="zh-TW"/>
-            </a:defPPr>
-            <a:lvl1pPr marL="0" algn="l" defTabSz="914400" rtl="0" eaLnBrk="1" latinLnBrk="0" hangingPunct="1">
-              <a:defRPr sz="1200" kern="1200">
-                <a:solidFill>
-                  <a:schemeClr val="tx1">
-                    <a:tint val="75000"/>
-                  </a:schemeClr>
-                </a:solidFill>
-                <a:latin typeface="+mn-lt"/>
-                <a:ea typeface="+mn-ea"/>
-                <a:cs typeface="+mn-cs"/>
-              </a:defRPr>
-            </a:lvl1pPr>
-            <a:lvl2pPr marL="457200" algn="l" defTabSz="914400" rtl="0" eaLnBrk="1" latinLnBrk="0" hangingPunct="1">
-              <a:defRPr sz="1800" kern="1200">
-                <a:solidFill>
-                  <a:schemeClr val="tx1"/>
-                </a:solidFill>
-                <a:latin typeface="+mn-lt"/>
-                <a:ea typeface="+mn-ea"/>
-                <a:cs typeface="+mn-cs"/>
-              </a:defRPr>
-            </a:lvl2pPr>
-            <a:lvl3pPr marL="914400" algn="l" defTabSz="914400" rtl="0" eaLnBrk="1" latinLnBrk="0" hangingPunct="1">
-              <a:defRPr sz="1800" kern="1200">
-                <a:solidFill>
-                  <a:schemeClr val="tx1"/>
-                </a:solidFill>
-                <a:latin typeface="+mn-lt"/>
-                <a:ea typeface="+mn-ea"/>
-                <a:cs typeface="+mn-cs"/>
-              </a:defRPr>
-            </a:lvl3pPr>
-            <a:lvl4pPr marL="1371600" algn="l" defTabSz="914400" rtl="0" eaLnBrk="1" latinLnBrk="0" hangingPunct="1">
-              <a:defRPr sz="1800" kern="1200">
-                <a:solidFill>
-                  <a:schemeClr val="tx1"/>
-                </a:solidFill>
-                <a:latin typeface="+mn-lt"/>
-                <a:ea typeface="+mn-ea"/>
-                <a:cs typeface="+mn-cs"/>
-              </a:defRPr>
-            </a:lvl4pPr>
-            <a:lvl5pPr marL="1828800" algn="l" defTabSz="914400" rtl="0" eaLnBrk="1" latinLnBrk="0" hangingPunct="1">
-              <a:defRPr sz="1800" kern="1200">
-                <a:solidFill>
-                  <a:schemeClr val="tx1"/>
-                </a:solidFill>
-                <a:latin typeface="+mn-lt"/>
-                <a:ea typeface="+mn-ea"/>
-                <a:cs typeface="+mn-cs"/>
-              </a:defRPr>
-            </a:lvl5pPr>
-            <a:lvl6pPr marL="2286000" algn="l" defTabSz="914400" rtl="0" eaLnBrk="1" latinLnBrk="0" hangingPunct="1">
-              <a:defRPr sz="1800" kern="1200">
-                <a:solidFill>
-                  <a:schemeClr val="tx1"/>
-                </a:solidFill>
-                <a:latin typeface="+mn-lt"/>
-                <a:ea typeface="+mn-ea"/>
-                <a:cs typeface="+mn-cs"/>
-              </a:defRPr>
-            </a:lvl6pPr>
-            <a:lvl7pPr marL="2743200" algn="l" defTabSz="914400" rtl="0" eaLnBrk="1" latinLnBrk="0" hangingPunct="1">
-              <a:defRPr sz="1800" kern="1200">
-                <a:solidFill>
-                  <a:schemeClr val="tx1"/>
-                </a:solidFill>
-                <a:latin typeface="+mn-lt"/>
-                <a:ea typeface="+mn-ea"/>
-                <a:cs typeface="+mn-cs"/>
-              </a:defRPr>
-            </a:lvl7pPr>
-            <a:lvl8pPr marL="3200400" algn="l" defTabSz="914400" rtl="0" eaLnBrk="1" latinLnBrk="0" hangingPunct="1">
-              <a:defRPr sz="1800" kern="1200">
-                <a:solidFill>
-                  <a:schemeClr val="tx1"/>
-                </a:solidFill>
-                <a:latin typeface="+mn-lt"/>
-                <a:ea typeface="+mn-ea"/>
-                <a:cs typeface="+mn-cs"/>
-              </a:defRPr>
-            </a:lvl8pPr>
-            <a:lvl9pPr marL="3657600" algn="l" defTabSz="914400" rtl="0" eaLnBrk="1" latinLnBrk="0" hangingPunct="1">
-              <a:defRPr sz="1800" kern="1200">
-                <a:solidFill>
-                  <a:schemeClr val="tx1"/>
-                </a:solidFill>
-                <a:latin typeface="+mn-lt"/>
-                <a:ea typeface="+mn-ea"/>
-                <a:cs typeface="+mn-cs"/>
-              </a:defRPr>
-            </a:lvl9pPr>
-          </a:lstStyle>
-          <a:p>
-            <a:r>
-              <a:rPr lang="en-US" altLang="zh-TW"/>
-              <a:t>TYIC</a:t>
-            </a:r>
-            <a:r>
-              <a:rPr lang="zh-TW" altLang="en-US"/>
-              <a:t>桃高資訊社</a:t>
-            </a:r>
-          </a:p>
-        </p:txBody>
-      </p:sp>
-      <p:sp>
-        <p:nvSpPr>
-          <p:cNvPr id="8" name="投影片編號版面配置區 5">
-            <a:extLst>
-              <a:ext uri="{FF2B5EF4-FFF2-40B4-BE49-F238E27FC236}">
-                <a16:creationId xmlns:a16="http://schemas.microsoft.com/office/drawing/2014/main" id="{0A141965-84F2-41A3-BCDC-079B065A2E38}"/>
-              </a:ext>
-            </a:extLst>
-          </p:cNvPr>
-          <p:cNvSpPr txBox="1">
-            <a:spLocks/>
-          </p:cNvSpPr>
-          <p:nvPr/>
-        </p:nvSpPr>
-        <p:spPr>
-          <a:xfrm>
-            <a:off x="9448800" y="6492874"/>
-            <a:ext cx="2743200" cy="365125"/>
-          </a:xfrm>
-          <a:prstGeom prst="rect">
-            <a:avLst/>
-          </a:prstGeom>
-        </p:spPr>
-        <p:txBody>
-          <a:bodyPr vert="horz" lIns="91440" tIns="45720" rIns="91440" bIns="45720" rtlCol="0" anchor="ctr"/>
-          <a:lstStyle>
-            <a:defPPr>
-              <a:defRPr lang="zh-TW"/>
-            </a:defPPr>
-            <a:lvl1pPr marL="0" algn="r" defTabSz="914400" rtl="0" eaLnBrk="1" latinLnBrk="0" hangingPunct="1">
-              <a:defRPr sz="1200" kern="1200">
-                <a:solidFill>
-                  <a:schemeClr val="tx1">
-                    <a:tint val="75000"/>
-                  </a:schemeClr>
-                </a:solidFill>
-                <a:latin typeface="+mn-lt"/>
-                <a:ea typeface="+mn-ea"/>
-                <a:cs typeface="+mn-cs"/>
-              </a:defRPr>
-            </a:lvl1pPr>
-            <a:lvl2pPr marL="457200" algn="l" defTabSz="914400" rtl="0" eaLnBrk="1" latinLnBrk="0" hangingPunct="1">
-              <a:defRPr sz="1800" kern="1200">
-                <a:solidFill>
-                  <a:schemeClr val="tx1"/>
-                </a:solidFill>
-                <a:latin typeface="+mn-lt"/>
-                <a:ea typeface="+mn-ea"/>
-                <a:cs typeface="+mn-cs"/>
-              </a:defRPr>
-            </a:lvl2pPr>
-            <a:lvl3pPr marL="914400" algn="l" defTabSz="914400" rtl="0" eaLnBrk="1" latinLnBrk="0" hangingPunct="1">
-              <a:defRPr sz="1800" kern="1200">
-                <a:solidFill>
-                  <a:schemeClr val="tx1"/>
-                </a:solidFill>
-                <a:latin typeface="+mn-lt"/>
-                <a:ea typeface="+mn-ea"/>
-                <a:cs typeface="+mn-cs"/>
-              </a:defRPr>
-            </a:lvl3pPr>
-            <a:lvl4pPr marL="1371600" algn="l" defTabSz="914400" rtl="0" eaLnBrk="1" latinLnBrk="0" hangingPunct="1">
-              <a:defRPr sz="1800" kern="1200">
-                <a:solidFill>
-                  <a:schemeClr val="tx1"/>
-                </a:solidFill>
-                <a:latin typeface="+mn-lt"/>
-                <a:ea typeface="+mn-ea"/>
-                <a:cs typeface="+mn-cs"/>
-              </a:defRPr>
-            </a:lvl4pPr>
-            <a:lvl5pPr marL="1828800" algn="l" defTabSz="914400" rtl="0" eaLnBrk="1" latinLnBrk="0" hangingPunct="1">
-              <a:defRPr sz="1800" kern="1200">
-                <a:solidFill>
-                  <a:schemeClr val="tx1"/>
-                </a:solidFill>
-                <a:latin typeface="+mn-lt"/>
-                <a:ea typeface="+mn-ea"/>
-                <a:cs typeface="+mn-cs"/>
-              </a:defRPr>
-            </a:lvl5pPr>
-            <a:lvl6pPr marL="2286000" algn="l" defTabSz="914400" rtl="0" eaLnBrk="1" latinLnBrk="0" hangingPunct="1">
-              <a:defRPr sz="1800" kern="1200">
-                <a:solidFill>
-                  <a:schemeClr val="tx1"/>
-                </a:solidFill>
-                <a:latin typeface="+mn-lt"/>
-                <a:ea typeface="+mn-ea"/>
-                <a:cs typeface="+mn-cs"/>
-              </a:defRPr>
-            </a:lvl6pPr>
-            <a:lvl7pPr marL="2743200" algn="l" defTabSz="914400" rtl="0" eaLnBrk="1" latinLnBrk="0" hangingPunct="1">
-              <a:defRPr sz="1800" kern="1200">
-                <a:solidFill>
-                  <a:schemeClr val="tx1"/>
-                </a:solidFill>
-                <a:latin typeface="+mn-lt"/>
-                <a:ea typeface="+mn-ea"/>
-                <a:cs typeface="+mn-cs"/>
-              </a:defRPr>
-            </a:lvl7pPr>
-            <a:lvl8pPr marL="3200400" algn="l" defTabSz="914400" rtl="0" eaLnBrk="1" latinLnBrk="0" hangingPunct="1">
-              <a:defRPr sz="1800" kern="1200">
-                <a:solidFill>
-                  <a:schemeClr val="tx1"/>
-                </a:solidFill>
-                <a:latin typeface="+mn-lt"/>
-                <a:ea typeface="+mn-ea"/>
-                <a:cs typeface="+mn-cs"/>
-              </a:defRPr>
-            </a:lvl8pPr>
-            <a:lvl9pPr marL="3657600" algn="l" defTabSz="914400" rtl="0" eaLnBrk="1" latinLnBrk="0" hangingPunct="1">
-              <a:defRPr sz="1800" kern="1200">
-                <a:solidFill>
-                  <a:schemeClr val="tx1"/>
-                </a:solidFill>
-                <a:latin typeface="+mn-lt"/>
-                <a:ea typeface="+mn-ea"/>
-                <a:cs typeface="+mn-cs"/>
-              </a:defRPr>
-            </a:lvl9pPr>
-          </a:lstStyle>
-          <a:p>
-            <a:fld id="{D4328D90-2A6F-4F23-88A8-C5DCC2B5F307}" type="slidenum">
-              <a:rPr lang="zh-TW" altLang="en-US" smtClean="0"/>
-              <a:pPr/>
-              <a:t>‹#›</a:t>
-            </a:fld>
-            <a:endParaRPr lang="zh-TW" altLang="en-US"/>
-          </a:p>
-        </p:txBody>
-      </p:sp>
-      <p:sp>
-        <p:nvSpPr>
-          <p:cNvPr id="6" name="頁尾版面配置區 4">
-            <a:extLst>
-              <a:ext uri="{FF2B5EF4-FFF2-40B4-BE49-F238E27FC236}">
-                <a16:creationId xmlns:a16="http://schemas.microsoft.com/office/drawing/2014/main" id="{34401409-FF0A-4514-8915-53F19DD13094}"/>
-              </a:ext>
-            </a:extLst>
-          </p:cNvPr>
-          <p:cNvSpPr txBox="1">
-            <a:spLocks/>
-          </p:cNvSpPr>
-          <p:nvPr userDrawn="1"/>
-        </p:nvSpPr>
-        <p:spPr>
-          <a:xfrm>
-            <a:off x="0" y="6492875"/>
-            <a:ext cx="2743200" cy="365125"/>
-          </a:xfrm>
-          <a:prstGeom prst="rect">
-            <a:avLst/>
-          </a:prstGeom>
-        </p:spPr>
-        <p:txBody>
-          <a:bodyPr vert="horz" lIns="91440" tIns="45720" rIns="91440" bIns="45720" rtlCol="0" anchor="ctr"/>
-          <a:lstStyle>
-            <a:defPPr>
-              <a:defRPr lang="zh-TW"/>
-            </a:defPPr>
-            <a:lvl1pPr marL="0" algn="l" defTabSz="914400" rtl="0" eaLnBrk="1" latinLnBrk="0" hangingPunct="1">
-              <a:defRPr sz="1200" kern="1200">
-                <a:solidFill>
-                  <a:schemeClr val="tx1">
-                    <a:tint val="75000"/>
-                  </a:schemeClr>
-                </a:solidFill>
-                <a:latin typeface="+mn-lt"/>
-                <a:ea typeface="+mn-ea"/>
-                <a:cs typeface="+mn-cs"/>
-              </a:defRPr>
-            </a:lvl1pPr>
-            <a:lvl2pPr marL="457200" algn="l" defTabSz="914400" rtl="0" eaLnBrk="1" latinLnBrk="0" hangingPunct="1">
-              <a:defRPr sz="1800" kern="1200">
-                <a:solidFill>
-                  <a:schemeClr val="tx1"/>
-                </a:solidFill>
-                <a:latin typeface="+mn-lt"/>
-                <a:ea typeface="+mn-ea"/>
-                <a:cs typeface="+mn-cs"/>
-              </a:defRPr>
-            </a:lvl2pPr>
-            <a:lvl3pPr marL="914400" algn="l" defTabSz="914400" rtl="0" eaLnBrk="1" latinLnBrk="0" hangingPunct="1">
-              <a:defRPr sz="1800" kern="1200">
-                <a:solidFill>
-                  <a:schemeClr val="tx1"/>
-                </a:solidFill>
-                <a:latin typeface="+mn-lt"/>
-                <a:ea typeface="+mn-ea"/>
-                <a:cs typeface="+mn-cs"/>
-              </a:defRPr>
-            </a:lvl3pPr>
-            <a:lvl4pPr marL="1371600" algn="l" defTabSz="914400" rtl="0" eaLnBrk="1" latinLnBrk="0" hangingPunct="1">
-              <a:defRPr sz="1800" kern="1200">
-                <a:solidFill>
-                  <a:schemeClr val="tx1"/>
-                </a:solidFill>
-                <a:latin typeface="+mn-lt"/>
-                <a:ea typeface="+mn-ea"/>
-                <a:cs typeface="+mn-cs"/>
-              </a:defRPr>
-            </a:lvl4pPr>
-            <a:lvl5pPr marL="1828800" algn="l" defTabSz="914400" rtl="0" eaLnBrk="1" latinLnBrk="0" hangingPunct="1">
-              <a:defRPr sz="1800" kern="1200">
-                <a:solidFill>
-                  <a:schemeClr val="tx1"/>
-                </a:solidFill>
-                <a:latin typeface="+mn-lt"/>
-                <a:ea typeface="+mn-ea"/>
-                <a:cs typeface="+mn-cs"/>
-              </a:defRPr>
-            </a:lvl5pPr>
-            <a:lvl6pPr marL="2286000" algn="l" defTabSz="914400" rtl="0" eaLnBrk="1" latinLnBrk="0" hangingPunct="1">
-              <a:defRPr sz="1800" kern="1200">
-                <a:solidFill>
-                  <a:schemeClr val="tx1"/>
-                </a:solidFill>
-                <a:latin typeface="+mn-lt"/>
-                <a:ea typeface="+mn-ea"/>
-                <a:cs typeface="+mn-cs"/>
-              </a:defRPr>
-            </a:lvl6pPr>
-            <a:lvl7pPr marL="2743200" algn="l" defTabSz="914400" rtl="0" eaLnBrk="1" latinLnBrk="0" hangingPunct="1">
-              <a:defRPr sz="1800" kern="1200">
-                <a:solidFill>
-                  <a:schemeClr val="tx1"/>
-                </a:solidFill>
-                <a:latin typeface="+mn-lt"/>
-                <a:ea typeface="+mn-ea"/>
-                <a:cs typeface="+mn-cs"/>
-              </a:defRPr>
-            </a:lvl7pPr>
-            <a:lvl8pPr marL="3200400" algn="l" defTabSz="914400" rtl="0" eaLnBrk="1" latinLnBrk="0" hangingPunct="1">
-              <a:defRPr sz="1800" kern="1200">
-                <a:solidFill>
-                  <a:schemeClr val="tx1"/>
-                </a:solidFill>
-                <a:latin typeface="+mn-lt"/>
-                <a:ea typeface="+mn-ea"/>
-                <a:cs typeface="+mn-cs"/>
-              </a:defRPr>
-            </a:lvl8pPr>
-            <a:lvl9pPr marL="3657600" algn="l" defTabSz="914400" rtl="0" eaLnBrk="1" latinLnBrk="0" hangingPunct="1">
-              <a:defRPr sz="1800" kern="1200">
-                <a:solidFill>
-                  <a:schemeClr val="tx1"/>
-                </a:solidFill>
-                <a:latin typeface="+mn-lt"/>
-                <a:ea typeface="+mn-ea"/>
-                <a:cs typeface="+mn-cs"/>
-              </a:defRPr>
-            </a:lvl9pPr>
-          </a:lstStyle>
-          <a:p>
-            <a:r>
-              <a:rPr lang="en-US" altLang="zh-TW" dirty="0"/>
-              <a:t>TYIC</a:t>
-            </a:r>
-            <a:r>
-              <a:rPr lang="zh-TW" altLang="en-US"/>
-              <a:t>桃高資訊社</a:t>
-            </a:r>
-          </a:p>
-        </p:txBody>
-      </p:sp>
-      <p:sp>
-        <p:nvSpPr>
-          <p:cNvPr id="9" name="投影片編號版面配置區 5">
-            <a:extLst>
-              <a:ext uri="{FF2B5EF4-FFF2-40B4-BE49-F238E27FC236}">
-                <a16:creationId xmlns:a16="http://schemas.microsoft.com/office/drawing/2014/main" id="{FB25D919-C7D1-4A41-8D37-72F630F4A97B}"/>
-              </a:ext>
-            </a:extLst>
-          </p:cNvPr>
-          <p:cNvSpPr txBox="1">
-            <a:spLocks/>
-          </p:cNvSpPr>
-          <p:nvPr userDrawn="1"/>
-        </p:nvSpPr>
-        <p:spPr>
-          <a:xfrm>
-            <a:off x="9448800" y="6492874"/>
-            <a:ext cx="2743200" cy="365125"/>
-          </a:xfrm>
-          <a:prstGeom prst="rect">
-            <a:avLst/>
-          </a:prstGeom>
-        </p:spPr>
-        <p:txBody>
-          <a:bodyPr vert="horz" lIns="91440" tIns="45720" rIns="91440" bIns="45720" rtlCol="0" anchor="ctr"/>
-          <a:lstStyle>
-            <a:defPPr>
-              <a:defRPr lang="zh-TW"/>
-            </a:defPPr>
-            <a:lvl1pPr marL="0" algn="r" defTabSz="914400" rtl="0" eaLnBrk="1" latinLnBrk="0" hangingPunct="1">
-              <a:defRPr sz="1200" kern="1200">
-                <a:solidFill>
-                  <a:schemeClr val="tx1">
-                    <a:tint val="75000"/>
-                  </a:schemeClr>
-                </a:solidFill>
-                <a:latin typeface="+mn-lt"/>
-                <a:ea typeface="+mn-ea"/>
-                <a:cs typeface="+mn-cs"/>
-              </a:defRPr>
-            </a:lvl1pPr>
-            <a:lvl2pPr marL="457200" algn="l" defTabSz="914400" rtl="0" eaLnBrk="1" latinLnBrk="0" hangingPunct="1">
-              <a:defRPr sz="1800" kern="1200">
-                <a:solidFill>
-                  <a:schemeClr val="tx1"/>
-                </a:solidFill>
-                <a:latin typeface="+mn-lt"/>
-                <a:ea typeface="+mn-ea"/>
-                <a:cs typeface="+mn-cs"/>
-              </a:defRPr>
-            </a:lvl2pPr>
-            <a:lvl3pPr marL="914400" algn="l" defTabSz="914400" rtl="0" eaLnBrk="1" latinLnBrk="0" hangingPunct="1">
-              <a:defRPr sz="1800" kern="1200">
-                <a:solidFill>
-                  <a:schemeClr val="tx1"/>
-                </a:solidFill>
-                <a:latin typeface="+mn-lt"/>
-                <a:ea typeface="+mn-ea"/>
-                <a:cs typeface="+mn-cs"/>
-              </a:defRPr>
-            </a:lvl3pPr>
-            <a:lvl4pPr marL="1371600" algn="l" defTabSz="914400" rtl="0" eaLnBrk="1" latinLnBrk="0" hangingPunct="1">
-              <a:defRPr sz="1800" kern="1200">
-                <a:solidFill>
-                  <a:schemeClr val="tx1"/>
-                </a:solidFill>
-                <a:latin typeface="+mn-lt"/>
-                <a:ea typeface="+mn-ea"/>
-                <a:cs typeface="+mn-cs"/>
-              </a:defRPr>
-            </a:lvl4pPr>
-            <a:lvl5pPr marL="1828800" algn="l" defTabSz="914400" rtl="0" eaLnBrk="1" latinLnBrk="0" hangingPunct="1">
-              <a:defRPr sz="1800" kern="1200">
-                <a:solidFill>
-                  <a:schemeClr val="tx1"/>
-                </a:solidFill>
-                <a:latin typeface="+mn-lt"/>
-                <a:ea typeface="+mn-ea"/>
-                <a:cs typeface="+mn-cs"/>
-              </a:defRPr>
-            </a:lvl5pPr>
-            <a:lvl6pPr marL="2286000" algn="l" defTabSz="914400" rtl="0" eaLnBrk="1" latinLnBrk="0" hangingPunct="1">
-              <a:defRPr sz="1800" kern="1200">
-                <a:solidFill>
-                  <a:schemeClr val="tx1"/>
-                </a:solidFill>
-                <a:latin typeface="+mn-lt"/>
-                <a:ea typeface="+mn-ea"/>
-                <a:cs typeface="+mn-cs"/>
-              </a:defRPr>
-            </a:lvl6pPr>
-            <a:lvl7pPr marL="2743200" algn="l" defTabSz="914400" rtl="0" eaLnBrk="1" latinLnBrk="0" hangingPunct="1">
-              <a:defRPr sz="1800" kern="1200">
-                <a:solidFill>
-                  <a:schemeClr val="tx1"/>
-                </a:solidFill>
-                <a:latin typeface="+mn-lt"/>
-                <a:ea typeface="+mn-ea"/>
-                <a:cs typeface="+mn-cs"/>
-              </a:defRPr>
-            </a:lvl7pPr>
-            <a:lvl8pPr marL="3200400" algn="l" defTabSz="914400" rtl="0" eaLnBrk="1" latinLnBrk="0" hangingPunct="1">
-              <a:defRPr sz="1800" kern="1200">
-                <a:solidFill>
-                  <a:schemeClr val="tx1"/>
-                </a:solidFill>
-                <a:latin typeface="+mn-lt"/>
-                <a:ea typeface="+mn-ea"/>
-                <a:cs typeface="+mn-cs"/>
-              </a:defRPr>
-            </a:lvl8pPr>
-            <a:lvl9pPr marL="3657600" algn="l" defTabSz="914400" rtl="0" eaLnBrk="1" latinLnBrk="0" hangingPunct="1">
-              <a:defRPr sz="1800" kern="1200">
-                <a:solidFill>
-                  <a:schemeClr val="tx1"/>
-                </a:solidFill>
-                <a:latin typeface="+mn-lt"/>
-                <a:ea typeface="+mn-ea"/>
-                <a:cs typeface="+mn-cs"/>
-              </a:defRPr>
-            </a:lvl9pPr>
-          </a:lstStyle>
-          <a:p>
-            <a:fld id="{D4328D90-2A6F-4F23-88A8-C5DCC2B5F307}" type="slidenum">
-              <a:rPr lang="zh-TW" altLang="en-US" smtClean="0"/>
-              <a:pPr/>
-              <a:t>‹#›</a:t>
-            </a:fld>
-            <a:endParaRPr lang="zh-TW" altLang="en-US"/>
-          </a:p>
-        </p:txBody>
-      </p:sp>
-    </p:spTree>
-    <p:extLst>
-      <p:ext uri="{BB962C8B-B14F-4D97-AF65-F5344CB8AC3E}">
-        <p14:creationId xmlns:p14="http://schemas.microsoft.com/office/powerpoint/2010/main" val="638342470"/>
-      </p:ext>
-    </p:extLst>
-  </p:cSld>
-  <p:clrMapOvr>
-    <a:masterClrMapping/>
-  </p:clrMapOvr>
-  <p:transition spd="slow">
-    <p:push dir="u"/>
-  </p:transition>
-</p:sldLayout>
-</file>
-
-<file path=ppt/slideLayouts/slideLayout12.xml><?xml version="1.0" encoding="utf-8"?>
-<p:sldLayout xmlns:a="http://schemas.openxmlformats.org/drawingml/2006/main" xmlns:r="http://schemas.openxmlformats.org/officeDocument/2006/relationships" xmlns:p="http://schemas.openxmlformats.org/presentationml/2006/main" preserve="1" userDrawn="1">
-  <p:cSld name="1_標題投影片">
-    <p:spTree>
-      <p:nvGrpSpPr>
-        <p:cNvPr id="1" name=""/>
-        <p:cNvGrpSpPr/>
-        <p:nvPr/>
-      </p:nvGrpSpPr>
-      <p:grpSpPr>
-        <a:xfrm>
-          <a:off x="0" y="0"/>
-          <a:ext cx="0" cy="0"/>
-          <a:chOff x="0" y="0"/>
-          <a:chExt cx="0" cy="0"/>
-        </a:xfrm>
-      </p:grpSpPr>
-      <p:sp>
-        <p:nvSpPr>
-          <p:cNvPr id="2" name="標題 1">
-            <a:extLst>
-              <a:ext uri="{FF2B5EF4-FFF2-40B4-BE49-F238E27FC236}">
-                <a16:creationId xmlns:a16="http://schemas.microsoft.com/office/drawing/2014/main" id="{2EB502BE-089D-4633-B90E-46A3D4FB7D4E}"/>
-              </a:ext>
-            </a:extLst>
-          </p:cNvPr>
-          <p:cNvSpPr>
-            <a:spLocks noGrp="1"/>
-          </p:cNvSpPr>
-          <p:nvPr>
-            <p:ph type="ctrTitle"/>
-          </p:nvPr>
-        </p:nvSpPr>
-        <p:spPr>
-          <a:xfrm>
-            <a:off x="1524000" y="1122363"/>
-            <a:ext cx="9144000" cy="2387600"/>
-          </a:xfrm>
-        </p:spPr>
-        <p:txBody>
-          <a:bodyPr anchor="b"/>
-          <a:lstStyle>
-            <a:lvl1pPr algn="ctr">
-              <a:defRPr sz="6000"/>
-            </a:lvl1pPr>
-          </a:lstStyle>
-          <a:p>
-            <a:r>
-              <a:rPr lang="zh-TW" altLang="en-US"/>
-              <a:t>按一下以編輯母片標題樣式</a:t>
-            </a:r>
-          </a:p>
-        </p:txBody>
-      </p:sp>
-      <p:sp>
-        <p:nvSpPr>
-          <p:cNvPr id="3" name="副標題 2">
-            <a:extLst>
-              <a:ext uri="{FF2B5EF4-FFF2-40B4-BE49-F238E27FC236}">
-                <a16:creationId xmlns:a16="http://schemas.microsoft.com/office/drawing/2014/main" id="{471674D0-0840-4D4C-93FB-3ABDEB2CAD45}"/>
-              </a:ext>
-            </a:extLst>
-          </p:cNvPr>
-          <p:cNvSpPr>
-            <a:spLocks noGrp="1"/>
-          </p:cNvSpPr>
-          <p:nvPr>
-            <p:ph type="subTitle" idx="1"/>
-          </p:nvPr>
-        </p:nvSpPr>
-        <p:spPr>
-          <a:xfrm>
-            <a:off x="1524000" y="3602038"/>
-            <a:ext cx="9144000" cy="1655762"/>
-          </a:xfrm>
-        </p:spPr>
-        <p:txBody>
-          <a:bodyPr/>
-          <a:lstStyle>
-            <a:lvl1pPr marL="0" indent="0" algn="ctr">
-              <a:buNone/>
-              <a:defRPr sz="2400"/>
-            </a:lvl1pPr>
-            <a:lvl2pPr marL="457200" indent="0" algn="ctr">
-              <a:buNone/>
-              <a:defRPr sz="2000"/>
-            </a:lvl2pPr>
-            <a:lvl3pPr marL="914400" indent="0" algn="ctr">
-              <a:buNone/>
-              <a:defRPr sz="1800"/>
-            </a:lvl3pPr>
-            <a:lvl4pPr marL="1371600" indent="0" algn="ctr">
-              <a:buNone/>
-              <a:defRPr sz="1600"/>
-            </a:lvl4pPr>
-            <a:lvl5pPr marL="1828800" indent="0" algn="ctr">
-              <a:buNone/>
-              <a:defRPr sz="1600"/>
-            </a:lvl5pPr>
-            <a:lvl6pPr marL="2286000" indent="0" algn="ctr">
-              <a:buNone/>
-              <a:defRPr sz="1600"/>
-            </a:lvl6pPr>
-            <a:lvl7pPr marL="2743200" indent="0" algn="ctr">
-              <a:buNone/>
-              <a:defRPr sz="1600"/>
-            </a:lvl7pPr>
-            <a:lvl8pPr marL="3200400" indent="0" algn="ctr">
-              <a:buNone/>
-              <a:defRPr sz="1600"/>
-            </a:lvl8pPr>
-            <a:lvl9pPr marL="3657600" indent="0" algn="ctr">
-              <a:buNone/>
-              <a:defRPr sz="1600"/>
-            </a:lvl9pPr>
-          </a:lstStyle>
-          <a:p>
-            <a:r>
-              <a:rPr lang="zh-TW" altLang="en-US"/>
-              <a:t>按一下以編輯母片子標題樣式</a:t>
-            </a:r>
-          </a:p>
-        </p:txBody>
-      </p:sp>
-    </p:spTree>
-    <p:extLst>
-      <p:ext uri="{BB962C8B-B14F-4D97-AF65-F5344CB8AC3E}">
-        <p14:creationId xmlns:p14="http://schemas.microsoft.com/office/powerpoint/2010/main" val="295035679"/>
+        <p14:creationId xmlns:p14="http://schemas.microsoft.com/office/powerpoint/2010/main" val="833631951"/>
       </p:ext>
     </p:extLst>
   </p:cSld>
@@ -3811,7 +2361,7 @@
             </a:r>
             <a:r>
               <a:rPr lang="zh-TW" altLang="en-US"/>
-              <a:t>桃高資訊社</a:t>
+              <a:t> 桃高資訊社</a:t>
             </a:r>
           </a:p>
         </p:txBody>
@@ -3948,276 +2498,10 @@
           </a:p>
         </p:txBody>
       </p:sp>
-      <p:sp>
-        <p:nvSpPr>
-          <p:cNvPr id="6" name="頁尾版面配置區 4">
-            <a:extLst>
-              <a:ext uri="{FF2B5EF4-FFF2-40B4-BE49-F238E27FC236}">
-                <a16:creationId xmlns:a16="http://schemas.microsoft.com/office/drawing/2014/main" id="{4EFEB44B-B18F-472F-97B4-61D1CE94D3C7}"/>
-              </a:ext>
-            </a:extLst>
-          </p:cNvPr>
-          <p:cNvSpPr txBox="1">
-            <a:spLocks/>
-          </p:cNvSpPr>
-          <p:nvPr userDrawn="1"/>
-        </p:nvSpPr>
-        <p:spPr>
-          <a:xfrm>
-            <a:off x="0" y="6492875"/>
-            <a:ext cx="2743200" cy="365125"/>
-          </a:xfrm>
-          <a:prstGeom prst="rect">
-            <a:avLst/>
-          </a:prstGeom>
-        </p:spPr>
-        <p:txBody>
-          <a:bodyPr vert="horz" lIns="91440" tIns="45720" rIns="91440" bIns="45720" rtlCol="0" anchor="ctr"/>
-          <a:lstStyle>
-            <a:defPPr>
-              <a:defRPr lang="zh-TW"/>
-            </a:defPPr>
-            <a:lvl1pPr marL="0" algn="l" defTabSz="914400" rtl="0" eaLnBrk="1" latinLnBrk="0" hangingPunct="1">
-              <a:defRPr sz="1200" kern="1200">
-                <a:solidFill>
-                  <a:schemeClr val="tx1">
-                    <a:tint val="75000"/>
-                  </a:schemeClr>
-                </a:solidFill>
-                <a:latin typeface="+mn-lt"/>
-                <a:ea typeface="+mn-ea"/>
-                <a:cs typeface="+mn-cs"/>
-              </a:defRPr>
-            </a:lvl1pPr>
-            <a:lvl2pPr marL="457200" algn="l" defTabSz="914400" rtl="0" eaLnBrk="1" latinLnBrk="0" hangingPunct="1">
-              <a:defRPr sz="1800" kern="1200">
-                <a:solidFill>
-                  <a:schemeClr val="tx1"/>
-                </a:solidFill>
-                <a:latin typeface="+mn-lt"/>
-                <a:ea typeface="+mn-ea"/>
-                <a:cs typeface="+mn-cs"/>
-              </a:defRPr>
-            </a:lvl2pPr>
-            <a:lvl3pPr marL="914400" algn="l" defTabSz="914400" rtl="0" eaLnBrk="1" latinLnBrk="0" hangingPunct="1">
-              <a:defRPr sz="1800" kern="1200">
-                <a:solidFill>
-                  <a:schemeClr val="tx1"/>
-                </a:solidFill>
-                <a:latin typeface="+mn-lt"/>
-                <a:ea typeface="+mn-ea"/>
-                <a:cs typeface="+mn-cs"/>
-              </a:defRPr>
-            </a:lvl3pPr>
-            <a:lvl4pPr marL="1371600" algn="l" defTabSz="914400" rtl="0" eaLnBrk="1" latinLnBrk="0" hangingPunct="1">
-              <a:defRPr sz="1800" kern="1200">
-                <a:solidFill>
-                  <a:schemeClr val="tx1"/>
-                </a:solidFill>
-                <a:latin typeface="+mn-lt"/>
-                <a:ea typeface="+mn-ea"/>
-                <a:cs typeface="+mn-cs"/>
-              </a:defRPr>
-            </a:lvl4pPr>
-            <a:lvl5pPr marL="1828800" algn="l" defTabSz="914400" rtl="0" eaLnBrk="1" latinLnBrk="0" hangingPunct="1">
-              <a:defRPr sz="1800" kern="1200">
-                <a:solidFill>
-                  <a:schemeClr val="tx1"/>
-                </a:solidFill>
-                <a:latin typeface="+mn-lt"/>
-                <a:ea typeface="+mn-ea"/>
-                <a:cs typeface="+mn-cs"/>
-              </a:defRPr>
-            </a:lvl5pPr>
-            <a:lvl6pPr marL="2286000" algn="l" defTabSz="914400" rtl="0" eaLnBrk="1" latinLnBrk="0" hangingPunct="1">
-              <a:defRPr sz="1800" kern="1200">
-                <a:solidFill>
-                  <a:schemeClr val="tx1"/>
-                </a:solidFill>
-                <a:latin typeface="+mn-lt"/>
-                <a:ea typeface="+mn-ea"/>
-                <a:cs typeface="+mn-cs"/>
-              </a:defRPr>
-            </a:lvl6pPr>
-            <a:lvl7pPr marL="2743200" algn="l" defTabSz="914400" rtl="0" eaLnBrk="1" latinLnBrk="0" hangingPunct="1">
-              <a:defRPr sz="1800" kern="1200">
-                <a:solidFill>
-                  <a:schemeClr val="tx1"/>
-                </a:solidFill>
-                <a:latin typeface="+mn-lt"/>
-                <a:ea typeface="+mn-ea"/>
-                <a:cs typeface="+mn-cs"/>
-              </a:defRPr>
-            </a:lvl7pPr>
-            <a:lvl8pPr marL="3200400" algn="l" defTabSz="914400" rtl="0" eaLnBrk="1" latinLnBrk="0" hangingPunct="1">
-              <a:defRPr sz="1800" kern="1200">
-                <a:solidFill>
-                  <a:schemeClr val="tx1"/>
-                </a:solidFill>
-                <a:latin typeface="+mn-lt"/>
-                <a:ea typeface="+mn-ea"/>
-                <a:cs typeface="+mn-cs"/>
-              </a:defRPr>
-            </a:lvl8pPr>
-            <a:lvl9pPr marL="3657600" algn="l" defTabSz="914400" rtl="0" eaLnBrk="1" latinLnBrk="0" hangingPunct="1">
-              <a:defRPr sz="1800" kern="1200">
-                <a:solidFill>
-                  <a:schemeClr val="tx1"/>
-                </a:solidFill>
-                <a:latin typeface="+mn-lt"/>
-                <a:ea typeface="+mn-ea"/>
-                <a:cs typeface="+mn-cs"/>
-              </a:defRPr>
-            </a:lvl9pPr>
-          </a:lstStyle>
-          <a:p>
-            <a:r>
-              <a:rPr lang="en-US" altLang="zh-TW" dirty="0"/>
-              <a:t>TYIC</a:t>
-            </a:r>
-            <a:r>
-              <a:rPr lang="zh-TW" altLang="en-US"/>
-              <a:t>桃高資訊社</a:t>
-            </a:r>
-          </a:p>
-        </p:txBody>
-      </p:sp>
-      <p:sp>
-        <p:nvSpPr>
-          <p:cNvPr id="9" name="投影片編號版面配置區 5">
-            <a:extLst>
-              <a:ext uri="{FF2B5EF4-FFF2-40B4-BE49-F238E27FC236}">
-                <a16:creationId xmlns:a16="http://schemas.microsoft.com/office/drawing/2014/main" id="{402E92B5-4BB1-4E6F-A32C-6E1A69B65B9E}"/>
-              </a:ext>
-            </a:extLst>
-          </p:cNvPr>
-          <p:cNvSpPr txBox="1">
-            <a:spLocks/>
-          </p:cNvSpPr>
-          <p:nvPr userDrawn="1"/>
-        </p:nvSpPr>
-        <p:spPr>
-          <a:xfrm>
-            <a:off x="9448800" y="6492874"/>
-            <a:ext cx="2743200" cy="365125"/>
-          </a:xfrm>
-          <a:prstGeom prst="rect">
-            <a:avLst/>
-          </a:prstGeom>
-        </p:spPr>
-        <p:txBody>
-          <a:bodyPr vert="horz" lIns="91440" tIns="45720" rIns="91440" bIns="45720" rtlCol="0" anchor="ctr"/>
-          <a:lstStyle>
-            <a:defPPr>
-              <a:defRPr lang="zh-TW"/>
-            </a:defPPr>
-            <a:lvl1pPr marL="0" algn="r" defTabSz="914400" rtl="0" eaLnBrk="1" latinLnBrk="0" hangingPunct="1">
-              <a:defRPr sz="1200" kern="1200">
-                <a:solidFill>
-                  <a:schemeClr val="tx1">
-                    <a:tint val="75000"/>
-                  </a:schemeClr>
-                </a:solidFill>
-                <a:latin typeface="+mn-lt"/>
-                <a:ea typeface="+mn-ea"/>
-                <a:cs typeface="+mn-cs"/>
-              </a:defRPr>
-            </a:lvl1pPr>
-            <a:lvl2pPr marL="457200" algn="l" defTabSz="914400" rtl="0" eaLnBrk="1" latinLnBrk="0" hangingPunct="1">
-              <a:defRPr sz="1800" kern="1200">
-                <a:solidFill>
-                  <a:schemeClr val="tx1"/>
-                </a:solidFill>
-                <a:latin typeface="+mn-lt"/>
-                <a:ea typeface="+mn-ea"/>
-                <a:cs typeface="+mn-cs"/>
-              </a:defRPr>
-            </a:lvl2pPr>
-            <a:lvl3pPr marL="914400" algn="l" defTabSz="914400" rtl="0" eaLnBrk="1" latinLnBrk="0" hangingPunct="1">
-              <a:defRPr sz="1800" kern="1200">
-                <a:solidFill>
-                  <a:schemeClr val="tx1"/>
-                </a:solidFill>
-                <a:latin typeface="+mn-lt"/>
-                <a:ea typeface="+mn-ea"/>
-                <a:cs typeface="+mn-cs"/>
-              </a:defRPr>
-            </a:lvl3pPr>
-            <a:lvl4pPr marL="1371600" algn="l" defTabSz="914400" rtl="0" eaLnBrk="1" latinLnBrk="0" hangingPunct="1">
-              <a:defRPr sz="1800" kern="1200">
-                <a:solidFill>
-                  <a:schemeClr val="tx1"/>
-                </a:solidFill>
-                <a:latin typeface="+mn-lt"/>
-                <a:ea typeface="+mn-ea"/>
-                <a:cs typeface="+mn-cs"/>
-              </a:defRPr>
-            </a:lvl4pPr>
-            <a:lvl5pPr marL="1828800" algn="l" defTabSz="914400" rtl="0" eaLnBrk="1" latinLnBrk="0" hangingPunct="1">
-              <a:defRPr sz="1800" kern="1200">
-                <a:solidFill>
-                  <a:schemeClr val="tx1"/>
-                </a:solidFill>
-                <a:latin typeface="+mn-lt"/>
-                <a:ea typeface="+mn-ea"/>
-                <a:cs typeface="+mn-cs"/>
-              </a:defRPr>
-            </a:lvl5pPr>
-            <a:lvl6pPr marL="2286000" algn="l" defTabSz="914400" rtl="0" eaLnBrk="1" latinLnBrk="0" hangingPunct="1">
-              <a:defRPr sz="1800" kern="1200">
-                <a:solidFill>
-                  <a:schemeClr val="tx1"/>
-                </a:solidFill>
-                <a:latin typeface="+mn-lt"/>
-                <a:ea typeface="+mn-ea"/>
-                <a:cs typeface="+mn-cs"/>
-              </a:defRPr>
-            </a:lvl6pPr>
-            <a:lvl7pPr marL="2743200" algn="l" defTabSz="914400" rtl="0" eaLnBrk="1" latinLnBrk="0" hangingPunct="1">
-              <a:defRPr sz="1800" kern="1200">
-                <a:solidFill>
-                  <a:schemeClr val="tx1"/>
-                </a:solidFill>
-                <a:latin typeface="+mn-lt"/>
-                <a:ea typeface="+mn-ea"/>
-                <a:cs typeface="+mn-cs"/>
-              </a:defRPr>
-            </a:lvl7pPr>
-            <a:lvl8pPr marL="3200400" algn="l" defTabSz="914400" rtl="0" eaLnBrk="1" latinLnBrk="0" hangingPunct="1">
-              <a:defRPr sz="1800" kern="1200">
-                <a:solidFill>
-                  <a:schemeClr val="tx1"/>
-                </a:solidFill>
-                <a:latin typeface="+mn-lt"/>
-                <a:ea typeface="+mn-ea"/>
-                <a:cs typeface="+mn-cs"/>
-              </a:defRPr>
-            </a:lvl8pPr>
-            <a:lvl9pPr marL="3657600" algn="l" defTabSz="914400" rtl="0" eaLnBrk="1" latinLnBrk="0" hangingPunct="1">
-              <a:defRPr sz="1800" kern="1200">
-                <a:solidFill>
-                  <a:schemeClr val="tx1"/>
-                </a:solidFill>
-                <a:latin typeface="+mn-lt"/>
-                <a:ea typeface="+mn-ea"/>
-                <a:cs typeface="+mn-cs"/>
-              </a:defRPr>
-            </a:lvl9pPr>
-          </a:lstStyle>
-          <a:p>
-            <a:fld id="{D4328D90-2A6F-4F23-88A8-C5DCC2B5F307}" type="slidenum">
-              <a:rPr lang="zh-TW" altLang="en-US" smtClean="0"/>
-              <a:pPr/>
-              <a:t>‹#›</a:t>
-            </a:fld>
-            <a:endParaRPr lang="zh-TW" altLang="en-US"/>
-          </a:p>
-        </p:txBody>
-      </p:sp>
     </p:spTree>
     <p:extLst>
       <p:ext uri="{BB962C8B-B14F-4D97-AF65-F5344CB8AC3E}">
-        <p14:creationId xmlns:p14="http://schemas.microsoft.com/office/powerpoint/2010/main" val="950145846"/>
+        <p14:creationId xmlns:p14="http://schemas.microsoft.com/office/powerpoint/2010/main" val="4137013862"/>
       </p:ext>
     </p:extLst>
   </p:cSld>
@@ -4231,2314 +2515,6 @@
 </file>
 
 <file path=ppt/slideLayouts/slideLayout3.xml><?xml version="1.0" encoding="utf-8"?>
-<p:sldLayout xmlns:a="http://schemas.openxmlformats.org/drawingml/2006/main" xmlns:r="http://schemas.openxmlformats.org/officeDocument/2006/relationships" xmlns:p="http://schemas.openxmlformats.org/presentationml/2006/main" type="secHead" preserve="1">
-  <p:cSld name="章節標題">
-    <p:spTree>
-      <p:nvGrpSpPr>
-        <p:cNvPr id="1" name=""/>
-        <p:cNvGrpSpPr/>
-        <p:nvPr/>
-      </p:nvGrpSpPr>
-      <p:grpSpPr>
-        <a:xfrm>
-          <a:off x="0" y="0"/>
-          <a:ext cx="0" cy="0"/>
-          <a:chOff x="0" y="0"/>
-          <a:chExt cx="0" cy="0"/>
-        </a:xfrm>
-      </p:grpSpPr>
-      <p:sp>
-        <p:nvSpPr>
-          <p:cNvPr id="2" name="標題 1">
-            <a:extLst>
-              <a:ext uri="{FF2B5EF4-FFF2-40B4-BE49-F238E27FC236}">
-                <a16:creationId xmlns:a16="http://schemas.microsoft.com/office/drawing/2014/main" id="{CE768223-9832-40C6-9F3C-AE20E7AB8621}"/>
-              </a:ext>
-            </a:extLst>
-          </p:cNvPr>
-          <p:cNvSpPr>
-            <a:spLocks noGrp="1"/>
-          </p:cNvSpPr>
-          <p:nvPr>
-            <p:ph type="title"/>
-          </p:nvPr>
-        </p:nvSpPr>
-        <p:spPr>
-          <a:xfrm>
-            <a:off x="831850" y="1709738"/>
-            <a:ext cx="10515600" cy="2852737"/>
-          </a:xfrm>
-        </p:spPr>
-        <p:txBody>
-          <a:bodyPr anchor="b"/>
-          <a:lstStyle>
-            <a:lvl1pPr>
-              <a:defRPr sz="6000"/>
-            </a:lvl1pPr>
-          </a:lstStyle>
-          <a:p>
-            <a:r>
-              <a:rPr lang="zh-TW" altLang="en-US"/>
-              <a:t>按一下以編輯母片標題樣式</a:t>
-            </a:r>
-          </a:p>
-        </p:txBody>
-      </p:sp>
-      <p:sp>
-        <p:nvSpPr>
-          <p:cNvPr id="3" name="文字版面配置區 2">
-            <a:extLst>
-              <a:ext uri="{FF2B5EF4-FFF2-40B4-BE49-F238E27FC236}">
-                <a16:creationId xmlns:a16="http://schemas.microsoft.com/office/drawing/2014/main" id="{0DA52283-8089-4430-AD3E-3D1C2559F3A0}"/>
-              </a:ext>
-            </a:extLst>
-          </p:cNvPr>
-          <p:cNvSpPr>
-            <a:spLocks noGrp="1"/>
-          </p:cNvSpPr>
-          <p:nvPr>
-            <p:ph type="body" idx="1"/>
-          </p:nvPr>
-        </p:nvSpPr>
-        <p:spPr>
-          <a:xfrm>
-            <a:off x="831850" y="4589463"/>
-            <a:ext cx="10515600" cy="1500187"/>
-          </a:xfrm>
-        </p:spPr>
-        <p:txBody>
-          <a:bodyPr/>
-          <a:lstStyle>
-            <a:lvl1pPr marL="0" indent="0">
-              <a:buNone/>
-              <a:defRPr sz="2400">
-                <a:solidFill>
-                  <a:schemeClr val="tx1">
-                    <a:tint val="75000"/>
-                  </a:schemeClr>
-                </a:solidFill>
-              </a:defRPr>
-            </a:lvl1pPr>
-            <a:lvl2pPr marL="457200" indent="0">
-              <a:buNone/>
-              <a:defRPr sz="2000">
-                <a:solidFill>
-                  <a:schemeClr val="tx1">
-                    <a:tint val="75000"/>
-                  </a:schemeClr>
-                </a:solidFill>
-              </a:defRPr>
-            </a:lvl2pPr>
-            <a:lvl3pPr marL="914400" indent="0">
-              <a:buNone/>
-              <a:defRPr sz="1800">
-                <a:solidFill>
-                  <a:schemeClr val="tx1">
-                    <a:tint val="75000"/>
-                  </a:schemeClr>
-                </a:solidFill>
-              </a:defRPr>
-            </a:lvl3pPr>
-            <a:lvl4pPr marL="1371600" indent="0">
-              <a:buNone/>
-              <a:defRPr sz="1600">
-                <a:solidFill>
-                  <a:schemeClr val="tx1">
-                    <a:tint val="75000"/>
-                  </a:schemeClr>
-                </a:solidFill>
-              </a:defRPr>
-            </a:lvl4pPr>
-            <a:lvl5pPr marL="1828800" indent="0">
-              <a:buNone/>
-              <a:defRPr sz="1600">
-                <a:solidFill>
-                  <a:schemeClr val="tx1">
-                    <a:tint val="75000"/>
-                  </a:schemeClr>
-                </a:solidFill>
-              </a:defRPr>
-            </a:lvl5pPr>
-            <a:lvl6pPr marL="2286000" indent="0">
-              <a:buNone/>
-              <a:defRPr sz="1600">
-                <a:solidFill>
-                  <a:schemeClr val="tx1">
-                    <a:tint val="75000"/>
-                  </a:schemeClr>
-                </a:solidFill>
-              </a:defRPr>
-            </a:lvl6pPr>
-            <a:lvl7pPr marL="2743200" indent="0">
-              <a:buNone/>
-              <a:defRPr sz="1600">
-                <a:solidFill>
-                  <a:schemeClr val="tx1">
-                    <a:tint val="75000"/>
-                  </a:schemeClr>
-                </a:solidFill>
-              </a:defRPr>
-            </a:lvl7pPr>
-            <a:lvl8pPr marL="3200400" indent="0">
-              <a:buNone/>
-              <a:defRPr sz="1600">
-                <a:solidFill>
-                  <a:schemeClr val="tx1">
-                    <a:tint val="75000"/>
-                  </a:schemeClr>
-                </a:solidFill>
-              </a:defRPr>
-            </a:lvl8pPr>
-            <a:lvl9pPr marL="3657600" indent="0">
-              <a:buNone/>
-              <a:defRPr sz="1600">
-                <a:solidFill>
-                  <a:schemeClr val="tx1">
-                    <a:tint val="75000"/>
-                  </a:schemeClr>
-                </a:solidFill>
-              </a:defRPr>
-            </a:lvl9pPr>
-          </a:lstStyle>
-          <a:p>
-            <a:pPr lvl="0"/>
-            <a:r>
-              <a:rPr lang="zh-TW" altLang="en-US"/>
-              <a:t>按一下以編輯母片文字樣式</a:t>
-            </a:r>
-          </a:p>
-        </p:txBody>
-      </p:sp>
-      <p:sp>
-        <p:nvSpPr>
-          <p:cNvPr id="7" name="頁尾版面配置區 4">
-            <a:extLst>
-              <a:ext uri="{FF2B5EF4-FFF2-40B4-BE49-F238E27FC236}">
-                <a16:creationId xmlns:a16="http://schemas.microsoft.com/office/drawing/2014/main" id="{FD7123E0-421B-4835-AD6B-2FDC040BCC53}"/>
-              </a:ext>
-            </a:extLst>
-          </p:cNvPr>
-          <p:cNvSpPr txBox="1">
-            <a:spLocks/>
-          </p:cNvSpPr>
-          <p:nvPr/>
-        </p:nvSpPr>
-        <p:spPr>
-          <a:xfrm>
-            <a:off x="0" y="6492875"/>
-            <a:ext cx="2743200" cy="365125"/>
-          </a:xfrm>
-          <a:prstGeom prst="rect">
-            <a:avLst/>
-          </a:prstGeom>
-        </p:spPr>
-        <p:txBody>
-          <a:bodyPr vert="horz" lIns="91440" tIns="45720" rIns="91440" bIns="45720" rtlCol="0" anchor="ctr"/>
-          <a:lstStyle>
-            <a:defPPr>
-              <a:defRPr lang="zh-TW"/>
-            </a:defPPr>
-            <a:lvl1pPr marL="0" algn="l" defTabSz="914400" rtl="0" eaLnBrk="1" latinLnBrk="0" hangingPunct="1">
-              <a:defRPr sz="1200" kern="1200">
-                <a:solidFill>
-                  <a:schemeClr val="tx1">
-                    <a:tint val="75000"/>
-                  </a:schemeClr>
-                </a:solidFill>
-                <a:latin typeface="+mn-lt"/>
-                <a:ea typeface="+mn-ea"/>
-                <a:cs typeface="+mn-cs"/>
-              </a:defRPr>
-            </a:lvl1pPr>
-            <a:lvl2pPr marL="457200" algn="l" defTabSz="914400" rtl="0" eaLnBrk="1" latinLnBrk="0" hangingPunct="1">
-              <a:defRPr sz="1800" kern="1200">
-                <a:solidFill>
-                  <a:schemeClr val="tx1"/>
-                </a:solidFill>
-                <a:latin typeface="+mn-lt"/>
-                <a:ea typeface="+mn-ea"/>
-                <a:cs typeface="+mn-cs"/>
-              </a:defRPr>
-            </a:lvl2pPr>
-            <a:lvl3pPr marL="914400" algn="l" defTabSz="914400" rtl="0" eaLnBrk="1" latinLnBrk="0" hangingPunct="1">
-              <a:defRPr sz="1800" kern="1200">
-                <a:solidFill>
-                  <a:schemeClr val="tx1"/>
-                </a:solidFill>
-                <a:latin typeface="+mn-lt"/>
-                <a:ea typeface="+mn-ea"/>
-                <a:cs typeface="+mn-cs"/>
-              </a:defRPr>
-            </a:lvl3pPr>
-            <a:lvl4pPr marL="1371600" algn="l" defTabSz="914400" rtl="0" eaLnBrk="1" latinLnBrk="0" hangingPunct="1">
-              <a:defRPr sz="1800" kern="1200">
-                <a:solidFill>
-                  <a:schemeClr val="tx1"/>
-                </a:solidFill>
-                <a:latin typeface="+mn-lt"/>
-                <a:ea typeface="+mn-ea"/>
-                <a:cs typeface="+mn-cs"/>
-              </a:defRPr>
-            </a:lvl4pPr>
-            <a:lvl5pPr marL="1828800" algn="l" defTabSz="914400" rtl="0" eaLnBrk="1" latinLnBrk="0" hangingPunct="1">
-              <a:defRPr sz="1800" kern="1200">
-                <a:solidFill>
-                  <a:schemeClr val="tx1"/>
-                </a:solidFill>
-                <a:latin typeface="+mn-lt"/>
-                <a:ea typeface="+mn-ea"/>
-                <a:cs typeface="+mn-cs"/>
-              </a:defRPr>
-            </a:lvl5pPr>
-            <a:lvl6pPr marL="2286000" algn="l" defTabSz="914400" rtl="0" eaLnBrk="1" latinLnBrk="0" hangingPunct="1">
-              <a:defRPr sz="1800" kern="1200">
-                <a:solidFill>
-                  <a:schemeClr val="tx1"/>
-                </a:solidFill>
-                <a:latin typeface="+mn-lt"/>
-                <a:ea typeface="+mn-ea"/>
-                <a:cs typeface="+mn-cs"/>
-              </a:defRPr>
-            </a:lvl6pPr>
-            <a:lvl7pPr marL="2743200" algn="l" defTabSz="914400" rtl="0" eaLnBrk="1" latinLnBrk="0" hangingPunct="1">
-              <a:defRPr sz="1800" kern="1200">
-                <a:solidFill>
-                  <a:schemeClr val="tx1"/>
-                </a:solidFill>
-                <a:latin typeface="+mn-lt"/>
-                <a:ea typeface="+mn-ea"/>
-                <a:cs typeface="+mn-cs"/>
-              </a:defRPr>
-            </a:lvl7pPr>
-            <a:lvl8pPr marL="3200400" algn="l" defTabSz="914400" rtl="0" eaLnBrk="1" latinLnBrk="0" hangingPunct="1">
-              <a:defRPr sz="1800" kern="1200">
-                <a:solidFill>
-                  <a:schemeClr val="tx1"/>
-                </a:solidFill>
-                <a:latin typeface="+mn-lt"/>
-                <a:ea typeface="+mn-ea"/>
-                <a:cs typeface="+mn-cs"/>
-              </a:defRPr>
-            </a:lvl8pPr>
-            <a:lvl9pPr marL="3657600" algn="l" defTabSz="914400" rtl="0" eaLnBrk="1" latinLnBrk="0" hangingPunct="1">
-              <a:defRPr sz="1800" kern="1200">
-                <a:solidFill>
-                  <a:schemeClr val="tx1"/>
-                </a:solidFill>
-                <a:latin typeface="+mn-lt"/>
-                <a:ea typeface="+mn-ea"/>
-                <a:cs typeface="+mn-cs"/>
-              </a:defRPr>
-            </a:lvl9pPr>
-          </a:lstStyle>
-          <a:p>
-            <a:r>
-              <a:rPr lang="en-US" altLang="zh-TW"/>
-              <a:t>TYIC</a:t>
-            </a:r>
-            <a:r>
-              <a:rPr lang="zh-TW" altLang="en-US"/>
-              <a:t>桃高資訊社</a:t>
-            </a:r>
-          </a:p>
-        </p:txBody>
-      </p:sp>
-      <p:sp>
-        <p:nvSpPr>
-          <p:cNvPr id="8" name="投影片編號版面配置區 5">
-            <a:extLst>
-              <a:ext uri="{FF2B5EF4-FFF2-40B4-BE49-F238E27FC236}">
-                <a16:creationId xmlns:a16="http://schemas.microsoft.com/office/drawing/2014/main" id="{013C5E04-2F03-430B-BA13-D3137E372625}"/>
-              </a:ext>
-            </a:extLst>
-          </p:cNvPr>
-          <p:cNvSpPr txBox="1">
-            <a:spLocks/>
-          </p:cNvSpPr>
-          <p:nvPr/>
-        </p:nvSpPr>
-        <p:spPr>
-          <a:xfrm>
-            <a:off x="9448800" y="6492874"/>
-            <a:ext cx="2743200" cy="365125"/>
-          </a:xfrm>
-          <a:prstGeom prst="rect">
-            <a:avLst/>
-          </a:prstGeom>
-        </p:spPr>
-        <p:txBody>
-          <a:bodyPr vert="horz" lIns="91440" tIns="45720" rIns="91440" bIns="45720" rtlCol="0" anchor="ctr"/>
-          <a:lstStyle>
-            <a:defPPr>
-              <a:defRPr lang="zh-TW"/>
-            </a:defPPr>
-            <a:lvl1pPr marL="0" algn="r" defTabSz="914400" rtl="0" eaLnBrk="1" latinLnBrk="0" hangingPunct="1">
-              <a:defRPr sz="1200" kern="1200">
-                <a:solidFill>
-                  <a:schemeClr val="tx1">
-                    <a:tint val="75000"/>
-                  </a:schemeClr>
-                </a:solidFill>
-                <a:latin typeface="+mn-lt"/>
-                <a:ea typeface="+mn-ea"/>
-                <a:cs typeface="+mn-cs"/>
-              </a:defRPr>
-            </a:lvl1pPr>
-            <a:lvl2pPr marL="457200" algn="l" defTabSz="914400" rtl="0" eaLnBrk="1" latinLnBrk="0" hangingPunct="1">
-              <a:defRPr sz="1800" kern="1200">
-                <a:solidFill>
-                  <a:schemeClr val="tx1"/>
-                </a:solidFill>
-                <a:latin typeface="+mn-lt"/>
-                <a:ea typeface="+mn-ea"/>
-                <a:cs typeface="+mn-cs"/>
-              </a:defRPr>
-            </a:lvl2pPr>
-            <a:lvl3pPr marL="914400" algn="l" defTabSz="914400" rtl="0" eaLnBrk="1" latinLnBrk="0" hangingPunct="1">
-              <a:defRPr sz="1800" kern="1200">
-                <a:solidFill>
-                  <a:schemeClr val="tx1"/>
-                </a:solidFill>
-                <a:latin typeface="+mn-lt"/>
-                <a:ea typeface="+mn-ea"/>
-                <a:cs typeface="+mn-cs"/>
-              </a:defRPr>
-            </a:lvl3pPr>
-            <a:lvl4pPr marL="1371600" algn="l" defTabSz="914400" rtl="0" eaLnBrk="1" latinLnBrk="0" hangingPunct="1">
-              <a:defRPr sz="1800" kern="1200">
-                <a:solidFill>
-                  <a:schemeClr val="tx1"/>
-                </a:solidFill>
-                <a:latin typeface="+mn-lt"/>
-                <a:ea typeface="+mn-ea"/>
-                <a:cs typeface="+mn-cs"/>
-              </a:defRPr>
-            </a:lvl4pPr>
-            <a:lvl5pPr marL="1828800" algn="l" defTabSz="914400" rtl="0" eaLnBrk="1" latinLnBrk="0" hangingPunct="1">
-              <a:defRPr sz="1800" kern="1200">
-                <a:solidFill>
-                  <a:schemeClr val="tx1"/>
-                </a:solidFill>
-                <a:latin typeface="+mn-lt"/>
-                <a:ea typeface="+mn-ea"/>
-                <a:cs typeface="+mn-cs"/>
-              </a:defRPr>
-            </a:lvl5pPr>
-            <a:lvl6pPr marL="2286000" algn="l" defTabSz="914400" rtl="0" eaLnBrk="1" latinLnBrk="0" hangingPunct="1">
-              <a:defRPr sz="1800" kern="1200">
-                <a:solidFill>
-                  <a:schemeClr val="tx1"/>
-                </a:solidFill>
-                <a:latin typeface="+mn-lt"/>
-                <a:ea typeface="+mn-ea"/>
-                <a:cs typeface="+mn-cs"/>
-              </a:defRPr>
-            </a:lvl6pPr>
-            <a:lvl7pPr marL="2743200" algn="l" defTabSz="914400" rtl="0" eaLnBrk="1" latinLnBrk="0" hangingPunct="1">
-              <a:defRPr sz="1800" kern="1200">
-                <a:solidFill>
-                  <a:schemeClr val="tx1"/>
-                </a:solidFill>
-                <a:latin typeface="+mn-lt"/>
-                <a:ea typeface="+mn-ea"/>
-                <a:cs typeface="+mn-cs"/>
-              </a:defRPr>
-            </a:lvl7pPr>
-            <a:lvl8pPr marL="3200400" algn="l" defTabSz="914400" rtl="0" eaLnBrk="1" latinLnBrk="0" hangingPunct="1">
-              <a:defRPr sz="1800" kern="1200">
-                <a:solidFill>
-                  <a:schemeClr val="tx1"/>
-                </a:solidFill>
-                <a:latin typeface="+mn-lt"/>
-                <a:ea typeface="+mn-ea"/>
-                <a:cs typeface="+mn-cs"/>
-              </a:defRPr>
-            </a:lvl8pPr>
-            <a:lvl9pPr marL="3657600" algn="l" defTabSz="914400" rtl="0" eaLnBrk="1" latinLnBrk="0" hangingPunct="1">
-              <a:defRPr sz="1800" kern="1200">
-                <a:solidFill>
-                  <a:schemeClr val="tx1"/>
-                </a:solidFill>
-                <a:latin typeface="+mn-lt"/>
-                <a:ea typeface="+mn-ea"/>
-                <a:cs typeface="+mn-cs"/>
-              </a:defRPr>
-            </a:lvl9pPr>
-          </a:lstStyle>
-          <a:p>
-            <a:fld id="{D4328D90-2A6F-4F23-88A8-C5DCC2B5F307}" type="slidenum">
-              <a:rPr lang="zh-TW" altLang="en-US" smtClean="0"/>
-              <a:pPr/>
-              <a:t>‹#›</a:t>
-            </a:fld>
-            <a:endParaRPr lang="zh-TW" altLang="en-US"/>
-          </a:p>
-        </p:txBody>
-      </p:sp>
-      <p:sp>
-        <p:nvSpPr>
-          <p:cNvPr id="6" name="頁尾版面配置區 4">
-            <a:extLst>
-              <a:ext uri="{FF2B5EF4-FFF2-40B4-BE49-F238E27FC236}">
-                <a16:creationId xmlns:a16="http://schemas.microsoft.com/office/drawing/2014/main" id="{C4CC887B-C0A8-4A82-9A58-FE8B0FAD3FD6}"/>
-              </a:ext>
-            </a:extLst>
-          </p:cNvPr>
-          <p:cNvSpPr txBox="1">
-            <a:spLocks/>
-          </p:cNvSpPr>
-          <p:nvPr userDrawn="1"/>
-        </p:nvSpPr>
-        <p:spPr>
-          <a:xfrm>
-            <a:off x="0" y="6492875"/>
-            <a:ext cx="2743200" cy="365125"/>
-          </a:xfrm>
-          <a:prstGeom prst="rect">
-            <a:avLst/>
-          </a:prstGeom>
-        </p:spPr>
-        <p:txBody>
-          <a:bodyPr vert="horz" lIns="91440" tIns="45720" rIns="91440" bIns="45720" rtlCol="0" anchor="ctr"/>
-          <a:lstStyle>
-            <a:defPPr>
-              <a:defRPr lang="zh-TW"/>
-            </a:defPPr>
-            <a:lvl1pPr marL="0" algn="l" defTabSz="914400" rtl="0" eaLnBrk="1" latinLnBrk="0" hangingPunct="1">
-              <a:defRPr sz="1200" kern="1200">
-                <a:solidFill>
-                  <a:schemeClr val="tx1">
-                    <a:tint val="75000"/>
-                  </a:schemeClr>
-                </a:solidFill>
-                <a:latin typeface="+mn-lt"/>
-                <a:ea typeface="+mn-ea"/>
-                <a:cs typeface="+mn-cs"/>
-              </a:defRPr>
-            </a:lvl1pPr>
-            <a:lvl2pPr marL="457200" algn="l" defTabSz="914400" rtl="0" eaLnBrk="1" latinLnBrk="0" hangingPunct="1">
-              <a:defRPr sz="1800" kern="1200">
-                <a:solidFill>
-                  <a:schemeClr val="tx1"/>
-                </a:solidFill>
-                <a:latin typeface="+mn-lt"/>
-                <a:ea typeface="+mn-ea"/>
-                <a:cs typeface="+mn-cs"/>
-              </a:defRPr>
-            </a:lvl2pPr>
-            <a:lvl3pPr marL="914400" algn="l" defTabSz="914400" rtl="0" eaLnBrk="1" latinLnBrk="0" hangingPunct="1">
-              <a:defRPr sz="1800" kern="1200">
-                <a:solidFill>
-                  <a:schemeClr val="tx1"/>
-                </a:solidFill>
-                <a:latin typeface="+mn-lt"/>
-                <a:ea typeface="+mn-ea"/>
-                <a:cs typeface="+mn-cs"/>
-              </a:defRPr>
-            </a:lvl3pPr>
-            <a:lvl4pPr marL="1371600" algn="l" defTabSz="914400" rtl="0" eaLnBrk="1" latinLnBrk="0" hangingPunct="1">
-              <a:defRPr sz="1800" kern="1200">
-                <a:solidFill>
-                  <a:schemeClr val="tx1"/>
-                </a:solidFill>
-                <a:latin typeface="+mn-lt"/>
-                <a:ea typeface="+mn-ea"/>
-                <a:cs typeface="+mn-cs"/>
-              </a:defRPr>
-            </a:lvl4pPr>
-            <a:lvl5pPr marL="1828800" algn="l" defTabSz="914400" rtl="0" eaLnBrk="1" latinLnBrk="0" hangingPunct="1">
-              <a:defRPr sz="1800" kern="1200">
-                <a:solidFill>
-                  <a:schemeClr val="tx1"/>
-                </a:solidFill>
-                <a:latin typeface="+mn-lt"/>
-                <a:ea typeface="+mn-ea"/>
-                <a:cs typeface="+mn-cs"/>
-              </a:defRPr>
-            </a:lvl5pPr>
-            <a:lvl6pPr marL="2286000" algn="l" defTabSz="914400" rtl="0" eaLnBrk="1" latinLnBrk="0" hangingPunct="1">
-              <a:defRPr sz="1800" kern="1200">
-                <a:solidFill>
-                  <a:schemeClr val="tx1"/>
-                </a:solidFill>
-                <a:latin typeface="+mn-lt"/>
-                <a:ea typeface="+mn-ea"/>
-                <a:cs typeface="+mn-cs"/>
-              </a:defRPr>
-            </a:lvl6pPr>
-            <a:lvl7pPr marL="2743200" algn="l" defTabSz="914400" rtl="0" eaLnBrk="1" latinLnBrk="0" hangingPunct="1">
-              <a:defRPr sz="1800" kern="1200">
-                <a:solidFill>
-                  <a:schemeClr val="tx1"/>
-                </a:solidFill>
-                <a:latin typeface="+mn-lt"/>
-                <a:ea typeface="+mn-ea"/>
-                <a:cs typeface="+mn-cs"/>
-              </a:defRPr>
-            </a:lvl7pPr>
-            <a:lvl8pPr marL="3200400" algn="l" defTabSz="914400" rtl="0" eaLnBrk="1" latinLnBrk="0" hangingPunct="1">
-              <a:defRPr sz="1800" kern="1200">
-                <a:solidFill>
-                  <a:schemeClr val="tx1"/>
-                </a:solidFill>
-                <a:latin typeface="+mn-lt"/>
-                <a:ea typeface="+mn-ea"/>
-                <a:cs typeface="+mn-cs"/>
-              </a:defRPr>
-            </a:lvl8pPr>
-            <a:lvl9pPr marL="3657600" algn="l" defTabSz="914400" rtl="0" eaLnBrk="1" latinLnBrk="0" hangingPunct="1">
-              <a:defRPr sz="1800" kern="1200">
-                <a:solidFill>
-                  <a:schemeClr val="tx1"/>
-                </a:solidFill>
-                <a:latin typeface="+mn-lt"/>
-                <a:ea typeface="+mn-ea"/>
-                <a:cs typeface="+mn-cs"/>
-              </a:defRPr>
-            </a:lvl9pPr>
-          </a:lstStyle>
-          <a:p>
-            <a:r>
-              <a:rPr lang="en-US" altLang="zh-TW" dirty="0"/>
-              <a:t>TYIC</a:t>
-            </a:r>
-            <a:r>
-              <a:rPr lang="zh-TW" altLang="en-US"/>
-              <a:t>桃高資訊社</a:t>
-            </a:r>
-          </a:p>
-        </p:txBody>
-      </p:sp>
-      <p:sp>
-        <p:nvSpPr>
-          <p:cNvPr id="9" name="投影片編號版面配置區 5">
-            <a:extLst>
-              <a:ext uri="{FF2B5EF4-FFF2-40B4-BE49-F238E27FC236}">
-                <a16:creationId xmlns:a16="http://schemas.microsoft.com/office/drawing/2014/main" id="{6B740742-BB51-4CCB-AA18-2F0900F32D31}"/>
-              </a:ext>
-            </a:extLst>
-          </p:cNvPr>
-          <p:cNvSpPr txBox="1">
-            <a:spLocks/>
-          </p:cNvSpPr>
-          <p:nvPr userDrawn="1"/>
-        </p:nvSpPr>
-        <p:spPr>
-          <a:xfrm>
-            <a:off x="9448800" y="6492874"/>
-            <a:ext cx="2743200" cy="365125"/>
-          </a:xfrm>
-          <a:prstGeom prst="rect">
-            <a:avLst/>
-          </a:prstGeom>
-        </p:spPr>
-        <p:txBody>
-          <a:bodyPr vert="horz" lIns="91440" tIns="45720" rIns="91440" bIns="45720" rtlCol="0" anchor="ctr"/>
-          <a:lstStyle>
-            <a:defPPr>
-              <a:defRPr lang="zh-TW"/>
-            </a:defPPr>
-            <a:lvl1pPr marL="0" algn="r" defTabSz="914400" rtl="0" eaLnBrk="1" latinLnBrk="0" hangingPunct="1">
-              <a:defRPr sz="1200" kern="1200">
-                <a:solidFill>
-                  <a:schemeClr val="tx1">
-                    <a:tint val="75000"/>
-                  </a:schemeClr>
-                </a:solidFill>
-                <a:latin typeface="+mn-lt"/>
-                <a:ea typeface="+mn-ea"/>
-                <a:cs typeface="+mn-cs"/>
-              </a:defRPr>
-            </a:lvl1pPr>
-            <a:lvl2pPr marL="457200" algn="l" defTabSz="914400" rtl="0" eaLnBrk="1" latinLnBrk="0" hangingPunct="1">
-              <a:defRPr sz="1800" kern="1200">
-                <a:solidFill>
-                  <a:schemeClr val="tx1"/>
-                </a:solidFill>
-                <a:latin typeface="+mn-lt"/>
-                <a:ea typeface="+mn-ea"/>
-                <a:cs typeface="+mn-cs"/>
-              </a:defRPr>
-            </a:lvl2pPr>
-            <a:lvl3pPr marL="914400" algn="l" defTabSz="914400" rtl="0" eaLnBrk="1" latinLnBrk="0" hangingPunct="1">
-              <a:defRPr sz="1800" kern="1200">
-                <a:solidFill>
-                  <a:schemeClr val="tx1"/>
-                </a:solidFill>
-                <a:latin typeface="+mn-lt"/>
-                <a:ea typeface="+mn-ea"/>
-                <a:cs typeface="+mn-cs"/>
-              </a:defRPr>
-            </a:lvl3pPr>
-            <a:lvl4pPr marL="1371600" algn="l" defTabSz="914400" rtl="0" eaLnBrk="1" latinLnBrk="0" hangingPunct="1">
-              <a:defRPr sz="1800" kern="1200">
-                <a:solidFill>
-                  <a:schemeClr val="tx1"/>
-                </a:solidFill>
-                <a:latin typeface="+mn-lt"/>
-                <a:ea typeface="+mn-ea"/>
-                <a:cs typeface="+mn-cs"/>
-              </a:defRPr>
-            </a:lvl4pPr>
-            <a:lvl5pPr marL="1828800" algn="l" defTabSz="914400" rtl="0" eaLnBrk="1" latinLnBrk="0" hangingPunct="1">
-              <a:defRPr sz="1800" kern="1200">
-                <a:solidFill>
-                  <a:schemeClr val="tx1"/>
-                </a:solidFill>
-                <a:latin typeface="+mn-lt"/>
-                <a:ea typeface="+mn-ea"/>
-                <a:cs typeface="+mn-cs"/>
-              </a:defRPr>
-            </a:lvl5pPr>
-            <a:lvl6pPr marL="2286000" algn="l" defTabSz="914400" rtl="0" eaLnBrk="1" latinLnBrk="0" hangingPunct="1">
-              <a:defRPr sz="1800" kern="1200">
-                <a:solidFill>
-                  <a:schemeClr val="tx1"/>
-                </a:solidFill>
-                <a:latin typeface="+mn-lt"/>
-                <a:ea typeface="+mn-ea"/>
-                <a:cs typeface="+mn-cs"/>
-              </a:defRPr>
-            </a:lvl6pPr>
-            <a:lvl7pPr marL="2743200" algn="l" defTabSz="914400" rtl="0" eaLnBrk="1" latinLnBrk="0" hangingPunct="1">
-              <a:defRPr sz="1800" kern="1200">
-                <a:solidFill>
-                  <a:schemeClr val="tx1"/>
-                </a:solidFill>
-                <a:latin typeface="+mn-lt"/>
-                <a:ea typeface="+mn-ea"/>
-                <a:cs typeface="+mn-cs"/>
-              </a:defRPr>
-            </a:lvl7pPr>
-            <a:lvl8pPr marL="3200400" algn="l" defTabSz="914400" rtl="0" eaLnBrk="1" latinLnBrk="0" hangingPunct="1">
-              <a:defRPr sz="1800" kern="1200">
-                <a:solidFill>
-                  <a:schemeClr val="tx1"/>
-                </a:solidFill>
-                <a:latin typeface="+mn-lt"/>
-                <a:ea typeface="+mn-ea"/>
-                <a:cs typeface="+mn-cs"/>
-              </a:defRPr>
-            </a:lvl8pPr>
-            <a:lvl9pPr marL="3657600" algn="l" defTabSz="914400" rtl="0" eaLnBrk="1" latinLnBrk="0" hangingPunct="1">
-              <a:defRPr sz="1800" kern="1200">
-                <a:solidFill>
-                  <a:schemeClr val="tx1"/>
-                </a:solidFill>
-                <a:latin typeface="+mn-lt"/>
-                <a:ea typeface="+mn-ea"/>
-                <a:cs typeface="+mn-cs"/>
-              </a:defRPr>
-            </a:lvl9pPr>
-          </a:lstStyle>
-          <a:p>
-            <a:fld id="{D4328D90-2A6F-4F23-88A8-C5DCC2B5F307}" type="slidenum">
-              <a:rPr lang="zh-TW" altLang="en-US" smtClean="0"/>
-              <a:pPr/>
-              <a:t>‹#›</a:t>
-            </a:fld>
-            <a:endParaRPr lang="zh-TW" altLang="en-US"/>
-          </a:p>
-        </p:txBody>
-      </p:sp>
-    </p:spTree>
-    <p:extLst>
-      <p:ext uri="{BB962C8B-B14F-4D97-AF65-F5344CB8AC3E}">
-        <p14:creationId xmlns:p14="http://schemas.microsoft.com/office/powerpoint/2010/main" val="4076003152"/>
-      </p:ext>
-    </p:extLst>
-  </p:cSld>
-  <p:clrMapOvr>
-    <a:masterClrMapping/>
-  </p:clrMapOvr>
-  <p:transition spd="slow">
-    <p:push dir="u"/>
-  </p:transition>
-</p:sldLayout>
-</file>
-
-<file path=ppt/slideLayouts/slideLayout4.xml><?xml version="1.0" encoding="utf-8"?>
-<p:sldLayout xmlns:a="http://schemas.openxmlformats.org/drawingml/2006/main" xmlns:r="http://schemas.openxmlformats.org/officeDocument/2006/relationships" xmlns:p="http://schemas.openxmlformats.org/presentationml/2006/main" type="twoObj" preserve="1">
-  <p:cSld name="兩個內容">
-    <p:spTree>
-      <p:nvGrpSpPr>
-        <p:cNvPr id="1" name=""/>
-        <p:cNvGrpSpPr/>
-        <p:nvPr/>
-      </p:nvGrpSpPr>
-      <p:grpSpPr>
-        <a:xfrm>
-          <a:off x="0" y="0"/>
-          <a:ext cx="0" cy="0"/>
-          <a:chOff x="0" y="0"/>
-          <a:chExt cx="0" cy="0"/>
-        </a:xfrm>
-      </p:grpSpPr>
-      <p:sp>
-        <p:nvSpPr>
-          <p:cNvPr id="2" name="標題 1">
-            <a:extLst>
-              <a:ext uri="{FF2B5EF4-FFF2-40B4-BE49-F238E27FC236}">
-                <a16:creationId xmlns:a16="http://schemas.microsoft.com/office/drawing/2014/main" id="{98909132-6CD8-4DB4-8922-349AAC7CBF28}"/>
-              </a:ext>
-            </a:extLst>
-          </p:cNvPr>
-          <p:cNvSpPr>
-            <a:spLocks noGrp="1"/>
-          </p:cNvSpPr>
-          <p:nvPr>
-            <p:ph type="title"/>
-          </p:nvPr>
-        </p:nvSpPr>
-        <p:spPr/>
-        <p:txBody>
-          <a:bodyPr/>
-          <a:lstStyle/>
-          <a:p>
-            <a:r>
-              <a:rPr lang="zh-TW" altLang="en-US"/>
-              <a:t>按一下以編輯母片標題樣式</a:t>
-            </a:r>
-          </a:p>
-        </p:txBody>
-      </p:sp>
-      <p:sp>
-        <p:nvSpPr>
-          <p:cNvPr id="3" name="內容版面配置區 2">
-            <a:extLst>
-              <a:ext uri="{FF2B5EF4-FFF2-40B4-BE49-F238E27FC236}">
-                <a16:creationId xmlns:a16="http://schemas.microsoft.com/office/drawing/2014/main" id="{EB255D59-E76E-4ADA-A943-4A398DF946C0}"/>
-              </a:ext>
-            </a:extLst>
-          </p:cNvPr>
-          <p:cNvSpPr>
-            <a:spLocks noGrp="1"/>
-          </p:cNvSpPr>
-          <p:nvPr>
-            <p:ph sz="half" idx="1"/>
-          </p:nvPr>
-        </p:nvSpPr>
-        <p:spPr>
-          <a:xfrm>
-            <a:off x="838200" y="1825625"/>
-            <a:ext cx="5181600" cy="4351338"/>
-          </a:xfrm>
-        </p:spPr>
-        <p:txBody>
-          <a:bodyPr/>
-          <a:lstStyle/>
-          <a:p>
-            <a:pPr lvl="0"/>
-            <a:r>
-              <a:rPr lang="zh-TW" altLang="en-US"/>
-              <a:t>按一下以編輯母片文字樣式</a:t>
-            </a:r>
-          </a:p>
-          <a:p>
-            <a:pPr lvl="1"/>
-            <a:r>
-              <a:rPr lang="zh-TW" altLang="en-US"/>
-              <a:t>第二層</a:t>
-            </a:r>
-          </a:p>
-          <a:p>
-            <a:pPr lvl="2"/>
-            <a:r>
-              <a:rPr lang="zh-TW" altLang="en-US"/>
-              <a:t>第三層</a:t>
-            </a:r>
-          </a:p>
-          <a:p>
-            <a:pPr lvl="3"/>
-            <a:r>
-              <a:rPr lang="zh-TW" altLang="en-US"/>
-              <a:t>第四層</a:t>
-            </a:r>
-          </a:p>
-          <a:p>
-            <a:pPr lvl="4"/>
-            <a:r>
-              <a:rPr lang="zh-TW" altLang="en-US"/>
-              <a:t>第五層</a:t>
-            </a:r>
-          </a:p>
-        </p:txBody>
-      </p:sp>
-      <p:sp>
-        <p:nvSpPr>
-          <p:cNvPr id="4" name="內容版面配置區 3">
-            <a:extLst>
-              <a:ext uri="{FF2B5EF4-FFF2-40B4-BE49-F238E27FC236}">
-                <a16:creationId xmlns:a16="http://schemas.microsoft.com/office/drawing/2014/main" id="{28909BA4-D9F5-4D3A-8AF7-74A53147863D}"/>
-              </a:ext>
-            </a:extLst>
-          </p:cNvPr>
-          <p:cNvSpPr>
-            <a:spLocks noGrp="1"/>
-          </p:cNvSpPr>
-          <p:nvPr>
-            <p:ph sz="half" idx="2"/>
-          </p:nvPr>
-        </p:nvSpPr>
-        <p:spPr>
-          <a:xfrm>
-            <a:off x="6172200" y="1825625"/>
-            <a:ext cx="5181600" cy="4351338"/>
-          </a:xfrm>
-        </p:spPr>
-        <p:txBody>
-          <a:bodyPr/>
-          <a:lstStyle/>
-          <a:p>
-            <a:pPr lvl="0"/>
-            <a:r>
-              <a:rPr lang="zh-TW" altLang="en-US"/>
-              <a:t>按一下以編輯母片文字樣式</a:t>
-            </a:r>
-          </a:p>
-          <a:p>
-            <a:pPr lvl="1"/>
-            <a:r>
-              <a:rPr lang="zh-TW" altLang="en-US"/>
-              <a:t>第二層</a:t>
-            </a:r>
-          </a:p>
-          <a:p>
-            <a:pPr lvl="2"/>
-            <a:r>
-              <a:rPr lang="zh-TW" altLang="en-US"/>
-              <a:t>第三層</a:t>
-            </a:r>
-          </a:p>
-          <a:p>
-            <a:pPr lvl="3"/>
-            <a:r>
-              <a:rPr lang="zh-TW" altLang="en-US"/>
-              <a:t>第四層</a:t>
-            </a:r>
-          </a:p>
-          <a:p>
-            <a:pPr lvl="4"/>
-            <a:r>
-              <a:rPr lang="zh-TW" altLang="en-US"/>
-              <a:t>第五層</a:t>
-            </a:r>
-          </a:p>
-        </p:txBody>
-      </p:sp>
-      <p:sp>
-        <p:nvSpPr>
-          <p:cNvPr id="8" name="頁尾版面配置區 4">
-            <a:extLst>
-              <a:ext uri="{FF2B5EF4-FFF2-40B4-BE49-F238E27FC236}">
-                <a16:creationId xmlns:a16="http://schemas.microsoft.com/office/drawing/2014/main" id="{260865D4-10BE-42AB-942E-8A6A7231E073}"/>
-              </a:ext>
-            </a:extLst>
-          </p:cNvPr>
-          <p:cNvSpPr txBox="1">
-            <a:spLocks/>
-          </p:cNvSpPr>
-          <p:nvPr/>
-        </p:nvSpPr>
-        <p:spPr>
-          <a:xfrm>
-            <a:off x="0" y="6492875"/>
-            <a:ext cx="2743200" cy="365125"/>
-          </a:xfrm>
-          <a:prstGeom prst="rect">
-            <a:avLst/>
-          </a:prstGeom>
-        </p:spPr>
-        <p:txBody>
-          <a:bodyPr vert="horz" lIns="91440" tIns="45720" rIns="91440" bIns="45720" rtlCol="0" anchor="ctr"/>
-          <a:lstStyle>
-            <a:defPPr>
-              <a:defRPr lang="zh-TW"/>
-            </a:defPPr>
-            <a:lvl1pPr marL="0" algn="l" defTabSz="914400" rtl="0" eaLnBrk="1" latinLnBrk="0" hangingPunct="1">
-              <a:defRPr sz="1200" kern="1200">
-                <a:solidFill>
-                  <a:schemeClr val="tx1">
-                    <a:tint val="75000"/>
-                  </a:schemeClr>
-                </a:solidFill>
-                <a:latin typeface="+mn-lt"/>
-                <a:ea typeface="+mn-ea"/>
-                <a:cs typeface="+mn-cs"/>
-              </a:defRPr>
-            </a:lvl1pPr>
-            <a:lvl2pPr marL="457200" algn="l" defTabSz="914400" rtl="0" eaLnBrk="1" latinLnBrk="0" hangingPunct="1">
-              <a:defRPr sz="1800" kern="1200">
-                <a:solidFill>
-                  <a:schemeClr val="tx1"/>
-                </a:solidFill>
-                <a:latin typeface="+mn-lt"/>
-                <a:ea typeface="+mn-ea"/>
-                <a:cs typeface="+mn-cs"/>
-              </a:defRPr>
-            </a:lvl2pPr>
-            <a:lvl3pPr marL="914400" algn="l" defTabSz="914400" rtl="0" eaLnBrk="1" latinLnBrk="0" hangingPunct="1">
-              <a:defRPr sz="1800" kern="1200">
-                <a:solidFill>
-                  <a:schemeClr val="tx1"/>
-                </a:solidFill>
-                <a:latin typeface="+mn-lt"/>
-                <a:ea typeface="+mn-ea"/>
-                <a:cs typeface="+mn-cs"/>
-              </a:defRPr>
-            </a:lvl3pPr>
-            <a:lvl4pPr marL="1371600" algn="l" defTabSz="914400" rtl="0" eaLnBrk="1" latinLnBrk="0" hangingPunct="1">
-              <a:defRPr sz="1800" kern="1200">
-                <a:solidFill>
-                  <a:schemeClr val="tx1"/>
-                </a:solidFill>
-                <a:latin typeface="+mn-lt"/>
-                <a:ea typeface="+mn-ea"/>
-                <a:cs typeface="+mn-cs"/>
-              </a:defRPr>
-            </a:lvl4pPr>
-            <a:lvl5pPr marL="1828800" algn="l" defTabSz="914400" rtl="0" eaLnBrk="1" latinLnBrk="0" hangingPunct="1">
-              <a:defRPr sz="1800" kern="1200">
-                <a:solidFill>
-                  <a:schemeClr val="tx1"/>
-                </a:solidFill>
-                <a:latin typeface="+mn-lt"/>
-                <a:ea typeface="+mn-ea"/>
-                <a:cs typeface="+mn-cs"/>
-              </a:defRPr>
-            </a:lvl5pPr>
-            <a:lvl6pPr marL="2286000" algn="l" defTabSz="914400" rtl="0" eaLnBrk="1" latinLnBrk="0" hangingPunct="1">
-              <a:defRPr sz="1800" kern="1200">
-                <a:solidFill>
-                  <a:schemeClr val="tx1"/>
-                </a:solidFill>
-                <a:latin typeface="+mn-lt"/>
-                <a:ea typeface="+mn-ea"/>
-                <a:cs typeface="+mn-cs"/>
-              </a:defRPr>
-            </a:lvl6pPr>
-            <a:lvl7pPr marL="2743200" algn="l" defTabSz="914400" rtl="0" eaLnBrk="1" latinLnBrk="0" hangingPunct="1">
-              <a:defRPr sz="1800" kern="1200">
-                <a:solidFill>
-                  <a:schemeClr val="tx1"/>
-                </a:solidFill>
-                <a:latin typeface="+mn-lt"/>
-                <a:ea typeface="+mn-ea"/>
-                <a:cs typeface="+mn-cs"/>
-              </a:defRPr>
-            </a:lvl7pPr>
-            <a:lvl8pPr marL="3200400" algn="l" defTabSz="914400" rtl="0" eaLnBrk="1" latinLnBrk="0" hangingPunct="1">
-              <a:defRPr sz="1800" kern="1200">
-                <a:solidFill>
-                  <a:schemeClr val="tx1"/>
-                </a:solidFill>
-                <a:latin typeface="+mn-lt"/>
-                <a:ea typeface="+mn-ea"/>
-                <a:cs typeface="+mn-cs"/>
-              </a:defRPr>
-            </a:lvl8pPr>
-            <a:lvl9pPr marL="3657600" algn="l" defTabSz="914400" rtl="0" eaLnBrk="1" latinLnBrk="0" hangingPunct="1">
-              <a:defRPr sz="1800" kern="1200">
-                <a:solidFill>
-                  <a:schemeClr val="tx1"/>
-                </a:solidFill>
-                <a:latin typeface="+mn-lt"/>
-                <a:ea typeface="+mn-ea"/>
-                <a:cs typeface="+mn-cs"/>
-              </a:defRPr>
-            </a:lvl9pPr>
-          </a:lstStyle>
-          <a:p>
-            <a:r>
-              <a:rPr lang="en-US" altLang="zh-TW"/>
-              <a:t>TYIC</a:t>
-            </a:r>
-            <a:r>
-              <a:rPr lang="zh-TW" altLang="en-US"/>
-              <a:t>桃高資訊社</a:t>
-            </a:r>
-          </a:p>
-        </p:txBody>
-      </p:sp>
-      <p:sp>
-        <p:nvSpPr>
-          <p:cNvPr id="9" name="投影片編號版面配置區 5">
-            <a:extLst>
-              <a:ext uri="{FF2B5EF4-FFF2-40B4-BE49-F238E27FC236}">
-                <a16:creationId xmlns:a16="http://schemas.microsoft.com/office/drawing/2014/main" id="{086F29C3-C792-4CB1-A6F8-A95D8E6D4CBA}"/>
-              </a:ext>
-            </a:extLst>
-          </p:cNvPr>
-          <p:cNvSpPr txBox="1">
-            <a:spLocks/>
-          </p:cNvSpPr>
-          <p:nvPr/>
-        </p:nvSpPr>
-        <p:spPr>
-          <a:xfrm>
-            <a:off x="9448800" y="6492874"/>
-            <a:ext cx="2743200" cy="365125"/>
-          </a:xfrm>
-          <a:prstGeom prst="rect">
-            <a:avLst/>
-          </a:prstGeom>
-        </p:spPr>
-        <p:txBody>
-          <a:bodyPr vert="horz" lIns="91440" tIns="45720" rIns="91440" bIns="45720" rtlCol="0" anchor="ctr"/>
-          <a:lstStyle>
-            <a:defPPr>
-              <a:defRPr lang="zh-TW"/>
-            </a:defPPr>
-            <a:lvl1pPr marL="0" algn="r" defTabSz="914400" rtl="0" eaLnBrk="1" latinLnBrk="0" hangingPunct="1">
-              <a:defRPr sz="1200" kern="1200">
-                <a:solidFill>
-                  <a:schemeClr val="tx1">
-                    <a:tint val="75000"/>
-                  </a:schemeClr>
-                </a:solidFill>
-                <a:latin typeface="+mn-lt"/>
-                <a:ea typeface="+mn-ea"/>
-                <a:cs typeface="+mn-cs"/>
-              </a:defRPr>
-            </a:lvl1pPr>
-            <a:lvl2pPr marL="457200" algn="l" defTabSz="914400" rtl="0" eaLnBrk="1" latinLnBrk="0" hangingPunct="1">
-              <a:defRPr sz="1800" kern="1200">
-                <a:solidFill>
-                  <a:schemeClr val="tx1"/>
-                </a:solidFill>
-                <a:latin typeface="+mn-lt"/>
-                <a:ea typeface="+mn-ea"/>
-                <a:cs typeface="+mn-cs"/>
-              </a:defRPr>
-            </a:lvl2pPr>
-            <a:lvl3pPr marL="914400" algn="l" defTabSz="914400" rtl="0" eaLnBrk="1" latinLnBrk="0" hangingPunct="1">
-              <a:defRPr sz="1800" kern="1200">
-                <a:solidFill>
-                  <a:schemeClr val="tx1"/>
-                </a:solidFill>
-                <a:latin typeface="+mn-lt"/>
-                <a:ea typeface="+mn-ea"/>
-                <a:cs typeface="+mn-cs"/>
-              </a:defRPr>
-            </a:lvl3pPr>
-            <a:lvl4pPr marL="1371600" algn="l" defTabSz="914400" rtl="0" eaLnBrk="1" latinLnBrk="0" hangingPunct="1">
-              <a:defRPr sz="1800" kern="1200">
-                <a:solidFill>
-                  <a:schemeClr val="tx1"/>
-                </a:solidFill>
-                <a:latin typeface="+mn-lt"/>
-                <a:ea typeface="+mn-ea"/>
-                <a:cs typeface="+mn-cs"/>
-              </a:defRPr>
-            </a:lvl4pPr>
-            <a:lvl5pPr marL="1828800" algn="l" defTabSz="914400" rtl="0" eaLnBrk="1" latinLnBrk="0" hangingPunct="1">
-              <a:defRPr sz="1800" kern="1200">
-                <a:solidFill>
-                  <a:schemeClr val="tx1"/>
-                </a:solidFill>
-                <a:latin typeface="+mn-lt"/>
-                <a:ea typeface="+mn-ea"/>
-                <a:cs typeface="+mn-cs"/>
-              </a:defRPr>
-            </a:lvl5pPr>
-            <a:lvl6pPr marL="2286000" algn="l" defTabSz="914400" rtl="0" eaLnBrk="1" latinLnBrk="0" hangingPunct="1">
-              <a:defRPr sz="1800" kern="1200">
-                <a:solidFill>
-                  <a:schemeClr val="tx1"/>
-                </a:solidFill>
-                <a:latin typeface="+mn-lt"/>
-                <a:ea typeface="+mn-ea"/>
-                <a:cs typeface="+mn-cs"/>
-              </a:defRPr>
-            </a:lvl6pPr>
-            <a:lvl7pPr marL="2743200" algn="l" defTabSz="914400" rtl="0" eaLnBrk="1" latinLnBrk="0" hangingPunct="1">
-              <a:defRPr sz="1800" kern="1200">
-                <a:solidFill>
-                  <a:schemeClr val="tx1"/>
-                </a:solidFill>
-                <a:latin typeface="+mn-lt"/>
-                <a:ea typeface="+mn-ea"/>
-                <a:cs typeface="+mn-cs"/>
-              </a:defRPr>
-            </a:lvl7pPr>
-            <a:lvl8pPr marL="3200400" algn="l" defTabSz="914400" rtl="0" eaLnBrk="1" latinLnBrk="0" hangingPunct="1">
-              <a:defRPr sz="1800" kern="1200">
-                <a:solidFill>
-                  <a:schemeClr val="tx1"/>
-                </a:solidFill>
-                <a:latin typeface="+mn-lt"/>
-                <a:ea typeface="+mn-ea"/>
-                <a:cs typeface="+mn-cs"/>
-              </a:defRPr>
-            </a:lvl8pPr>
-            <a:lvl9pPr marL="3657600" algn="l" defTabSz="914400" rtl="0" eaLnBrk="1" latinLnBrk="0" hangingPunct="1">
-              <a:defRPr sz="1800" kern="1200">
-                <a:solidFill>
-                  <a:schemeClr val="tx1"/>
-                </a:solidFill>
-                <a:latin typeface="+mn-lt"/>
-                <a:ea typeface="+mn-ea"/>
-                <a:cs typeface="+mn-cs"/>
-              </a:defRPr>
-            </a:lvl9pPr>
-          </a:lstStyle>
-          <a:p>
-            <a:fld id="{D4328D90-2A6F-4F23-88A8-C5DCC2B5F307}" type="slidenum">
-              <a:rPr lang="zh-TW" altLang="en-US" smtClean="0"/>
-              <a:pPr/>
-              <a:t>‹#›</a:t>
-            </a:fld>
-            <a:endParaRPr lang="zh-TW" altLang="en-US"/>
-          </a:p>
-        </p:txBody>
-      </p:sp>
-      <p:sp>
-        <p:nvSpPr>
-          <p:cNvPr id="7" name="頁尾版面配置區 4">
-            <a:extLst>
-              <a:ext uri="{FF2B5EF4-FFF2-40B4-BE49-F238E27FC236}">
-                <a16:creationId xmlns:a16="http://schemas.microsoft.com/office/drawing/2014/main" id="{EF7FE82B-39CB-4D43-85C1-1888CFE5720D}"/>
-              </a:ext>
-            </a:extLst>
-          </p:cNvPr>
-          <p:cNvSpPr txBox="1">
-            <a:spLocks/>
-          </p:cNvSpPr>
-          <p:nvPr userDrawn="1"/>
-        </p:nvSpPr>
-        <p:spPr>
-          <a:xfrm>
-            <a:off x="0" y="6492875"/>
-            <a:ext cx="2743200" cy="365125"/>
-          </a:xfrm>
-          <a:prstGeom prst="rect">
-            <a:avLst/>
-          </a:prstGeom>
-        </p:spPr>
-        <p:txBody>
-          <a:bodyPr vert="horz" lIns="91440" tIns="45720" rIns="91440" bIns="45720" rtlCol="0" anchor="ctr"/>
-          <a:lstStyle>
-            <a:defPPr>
-              <a:defRPr lang="zh-TW"/>
-            </a:defPPr>
-            <a:lvl1pPr marL="0" algn="l" defTabSz="914400" rtl="0" eaLnBrk="1" latinLnBrk="0" hangingPunct="1">
-              <a:defRPr sz="1200" kern="1200">
-                <a:solidFill>
-                  <a:schemeClr val="tx1">
-                    <a:tint val="75000"/>
-                  </a:schemeClr>
-                </a:solidFill>
-                <a:latin typeface="+mn-lt"/>
-                <a:ea typeface="+mn-ea"/>
-                <a:cs typeface="+mn-cs"/>
-              </a:defRPr>
-            </a:lvl1pPr>
-            <a:lvl2pPr marL="457200" algn="l" defTabSz="914400" rtl="0" eaLnBrk="1" latinLnBrk="0" hangingPunct="1">
-              <a:defRPr sz="1800" kern="1200">
-                <a:solidFill>
-                  <a:schemeClr val="tx1"/>
-                </a:solidFill>
-                <a:latin typeface="+mn-lt"/>
-                <a:ea typeface="+mn-ea"/>
-                <a:cs typeface="+mn-cs"/>
-              </a:defRPr>
-            </a:lvl2pPr>
-            <a:lvl3pPr marL="914400" algn="l" defTabSz="914400" rtl="0" eaLnBrk="1" latinLnBrk="0" hangingPunct="1">
-              <a:defRPr sz="1800" kern="1200">
-                <a:solidFill>
-                  <a:schemeClr val="tx1"/>
-                </a:solidFill>
-                <a:latin typeface="+mn-lt"/>
-                <a:ea typeface="+mn-ea"/>
-                <a:cs typeface="+mn-cs"/>
-              </a:defRPr>
-            </a:lvl3pPr>
-            <a:lvl4pPr marL="1371600" algn="l" defTabSz="914400" rtl="0" eaLnBrk="1" latinLnBrk="0" hangingPunct="1">
-              <a:defRPr sz="1800" kern="1200">
-                <a:solidFill>
-                  <a:schemeClr val="tx1"/>
-                </a:solidFill>
-                <a:latin typeface="+mn-lt"/>
-                <a:ea typeface="+mn-ea"/>
-                <a:cs typeface="+mn-cs"/>
-              </a:defRPr>
-            </a:lvl4pPr>
-            <a:lvl5pPr marL="1828800" algn="l" defTabSz="914400" rtl="0" eaLnBrk="1" latinLnBrk="0" hangingPunct="1">
-              <a:defRPr sz="1800" kern="1200">
-                <a:solidFill>
-                  <a:schemeClr val="tx1"/>
-                </a:solidFill>
-                <a:latin typeface="+mn-lt"/>
-                <a:ea typeface="+mn-ea"/>
-                <a:cs typeface="+mn-cs"/>
-              </a:defRPr>
-            </a:lvl5pPr>
-            <a:lvl6pPr marL="2286000" algn="l" defTabSz="914400" rtl="0" eaLnBrk="1" latinLnBrk="0" hangingPunct="1">
-              <a:defRPr sz="1800" kern="1200">
-                <a:solidFill>
-                  <a:schemeClr val="tx1"/>
-                </a:solidFill>
-                <a:latin typeface="+mn-lt"/>
-                <a:ea typeface="+mn-ea"/>
-                <a:cs typeface="+mn-cs"/>
-              </a:defRPr>
-            </a:lvl6pPr>
-            <a:lvl7pPr marL="2743200" algn="l" defTabSz="914400" rtl="0" eaLnBrk="1" latinLnBrk="0" hangingPunct="1">
-              <a:defRPr sz="1800" kern="1200">
-                <a:solidFill>
-                  <a:schemeClr val="tx1"/>
-                </a:solidFill>
-                <a:latin typeface="+mn-lt"/>
-                <a:ea typeface="+mn-ea"/>
-                <a:cs typeface="+mn-cs"/>
-              </a:defRPr>
-            </a:lvl7pPr>
-            <a:lvl8pPr marL="3200400" algn="l" defTabSz="914400" rtl="0" eaLnBrk="1" latinLnBrk="0" hangingPunct="1">
-              <a:defRPr sz="1800" kern="1200">
-                <a:solidFill>
-                  <a:schemeClr val="tx1"/>
-                </a:solidFill>
-                <a:latin typeface="+mn-lt"/>
-                <a:ea typeface="+mn-ea"/>
-                <a:cs typeface="+mn-cs"/>
-              </a:defRPr>
-            </a:lvl8pPr>
-            <a:lvl9pPr marL="3657600" algn="l" defTabSz="914400" rtl="0" eaLnBrk="1" latinLnBrk="0" hangingPunct="1">
-              <a:defRPr sz="1800" kern="1200">
-                <a:solidFill>
-                  <a:schemeClr val="tx1"/>
-                </a:solidFill>
-                <a:latin typeface="+mn-lt"/>
-                <a:ea typeface="+mn-ea"/>
-                <a:cs typeface="+mn-cs"/>
-              </a:defRPr>
-            </a:lvl9pPr>
-          </a:lstStyle>
-          <a:p>
-            <a:r>
-              <a:rPr lang="en-US" altLang="zh-TW" dirty="0"/>
-              <a:t>TYIC</a:t>
-            </a:r>
-            <a:r>
-              <a:rPr lang="zh-TW" altLang="en-US"/>
-              <a:t>桃高資訊社</a:t>
-            </a:r>
-          </a:p>
-        </p:txBody>
-      </p:sp>
-      <p:sp>
-        <p:nvSpPr>
-          <p:cNvPr id="10" name="投影片編號版面配置區 5">
-            <a:extLst>
-              <a:ext uri="{FF2B5EF4-FFF2-40B4-BE49-F238E27FC236}">
-                <a16:creationId xmlns:a16="http://schemas.microsoft.com/office/drawing/2014/main" id="{C49BA910-B89D-480D-839D-27EA45309D92}"/>
-              </a:ext>
-            </a:extLst>
-          </p:cNvPr>
-          <p:cNvSpPr txBox="1">
-            <a:spLocks/>
-          </p:cNvSpPr>
-          <p:nvPr userDrawn="1"/>
-        </p:nvSpPr>
-        <p:spPr>
-          <a:xfrm>
-            <a:off x="9448800" y="6492874"/>
-            <a:ext cx="2743200" cy="365125"/>
-          </a:xfrm>
-          <a:prstGeom prst="rect">
-            <a:avLst/>
-          </a:prstGeom>
-        </p:spPr>
-        <p:txBody>
-          <a:bodyPr vert="horz" lIns="91440" tIns="45720" rIns="91440" bIns="45720" rtlCol="0" anchor="ctr"/>
-          <a:lstStyle>
-            <a:defPPr>
-              <a:defRPr lang="zh-TW"/>
-            </a:defPPr>
-            <a:lvl1pPr marL="0" algn="r" defTabSz="914400" rtl="0" eaLnBrk="1" latinLnBrk="0" hangingPunct="1">
-              <a:defRPr sz="1200" kern="1200">
-                <a:solidFill>
-                  <a:schemeClr val="tx1">
-                    <a:tint val="75000"/>
-                  </a:schemeClr>
-                </a:solidFill>
-                <a:latin typeface="+mn-lt"/>
-                <a:ea typeface="+mn-ea"/>
-                <a:cs typeface="+mn-cs"/>
-              </a:defRPr>
-            </a:lvl1pPr>
-            <a:lvl2pPr marL="457200" algn="l" defTabSz="914400" rtl="0" eaLnBrk="1" latinLnBrk="0" hangingPunct="1">
-              <a:defRPr sz="1800" kern="1200">
-                <a:solidFill>
-                  <a:schemeClr val="tx1"/>
-                </a:solidFill>
-                <a:latin typeface="+mn-lt"/>
-                <a:ea typeface="+mn-ea"/>
-                <a:cs typeface="+mn-cs"/>
-              </a:defRPr>
-            </a:lvl2pPr>
-            <a:lvl3pPr marL="914400" algn="l" defTabSz="914400" rtl="0" eaLnBrk="1" latinLnBrk="0" hangingPunct="1">
-              <a:defRPr sz="1800" kern="1200">
-                <a:solidFill>
-                  <a:schemeClr val="tx1"/>
-                </a:solidFill>
-                <a:latin typeface="+mn-lt"/>
-                <a:ea typeface="+mn-ea"/>
-                <a:cs typeface="+mn-cs"/>
-              </a:defRPr>
-            </a:lvl3pPr>
-            <a:lvl4pPr marL="1371600" algn="l" defTabSz="914400" rtl="0" eaLnBrk="1" latinLnBrk="0" hangingPunct="1">
-              <a:defRPr sz="1800" kern="1200">
-                <a:solidFill>
-                  <a:schemeClr val="tx1"/>
-                </a:solidFill>
-                <a:latin typeface="+mn-lt"/>
-                <a:ea typeface="+mn-ea"/>
-                <a:cs typeface="+mn-cs"/>
-              </a:defRPr>
-            </a:lvl4pPr>
-            <a:lvl5pPr marL="1828800" algn="l" defTabSz="914400" rtl="0" eaLnBrk="1" latinLnBrk="0" hangingPunct="1">
-              <a:defRPr sz="1800" kern="1200">
-                <a:solidFill>
-                  <a:schemeClr val="tx1"/>
-                </a:solidFill>
-                <a:latin typeface="+mn-lt"/>
-                <a:ea typeface="+mn-ea"/>
-                <a:cs typeface="+mn-cs"/>
-              </a:defRPr>
-            </a:lvl5pPr>
-            <a:lvl6pPr marL="2286000" algn="l" defTabSz="914400" rtl="0" eaLnBrk="1" latinLnBrk="0" hangingPunct="1">
-              <a:defRPr sz="1800" kern="1200">
-                <a:solidFill>
-                  <a:schemeClr val="tx1"/>
-                </a:solidFill>
-                <a:latin typeface="+mn-lt"/>
-                <a:ea typeface="+mn-ea"/>
-                <a:cs typeface="+mn-cs"/>
-              </a:defRPr>
-            </a:lvl6pPr>
-            <a:lvl7pPr marL="2743200" algn="l" defTabSz="914400" rtl="0" eaLnBrk="1" latinLnBrk="0" hangingPunct="1">
-              <a:defRPr sz="1800" kern="1200">
-                <a:solidFill>
-                  <a:schemeClr val="tx1"/>
-                </a:solidFill>
-                <a:latin typeface="+mn-lt"/>
-                <a:ea typeface="+mn-ea"/>
-                <a:cs typeface="+mn-cs"/>
-              </a:defRPr>
-            </a:lvl7pPr>
-            <a:lvl8pPr marL="3200400" algn="l" defTabSz="914400" rtl="0" eaLnBrk="1" latinLnBrk="0" hangingPunct="1">
-              <a:defRPr sz="1800" kern="1200">
-                <a:solidFill>
-                  <a:schemeClr val="tx1"/>
-                </a:solidFill>
-                <a:latin typeface="+mn-lt"/>
-                <a:ea typeface="+mn-ea"/>
-                <a:cs typeface="+mn-cs"/>
-              </a:defRPr>
-            </a:lvl8pPr>
-            <a:lvl9pPr marL="3657600" algn="l" defTabSz="914400" rtl="0" eaLnBrk="1" latinLnBrk="0" hangingPunct="1">
-              <a:defRPr sz="1800" kern="1200">
-                <a:solidFill>
-                  <a:schemeClr val="tx1"/>
-                </a:solidFill>
-                <a:latin typeface="+mn-lt"/>
-                <a:ea typeface="+mn-ea"/>
-                <a:cs typeface="+mn-cs"/>
-              </a:defRPr>
-            </a:lvl9pPr>
-          </a:lstStyle>
-          <a:p>
-            <a:fld id="{D4328D90-2A6F-4F23-88A8-C5DCC2B5F307}" type="slidenum">
-              <a:rPr lang="zh-TW" altLang="en-US" smtClean="0"/>
-              <a:pPr/>
-              <a:t>‹#›</a:t>
-            </a:fld>
-            <a:endParaRPr lang="zh-TW" altLang="en-US"/>
-          </a:p>
-        </p:txBody>
-      </p:sp>
-    </p:spTree>
-    <p:extLst>
-      <p:ext uri="{BB962C8B-B14F-4D97-AF65-F5344CB8AC3E}">
-        <p14:creationId xmlns:p14="http://schemas.microsoft.com/office/powerpoint/2010/main" val="3982701301"/>
-      </p:ext>
-    </p:extLst>
-  </p:cSld>
-  <p:clrMapOvr>
-    <a:masterClrMapping/>
-  </p:clrMapOvr>
-  <p:transition spd="slow">
-    <p:push dir="u"/>
-  </p:transition>
-</p:sldLayout>
-</file>
-
-<file path=ppt/slideLayouts/slideLayout5.xml><?xml version="1.0" encoding="utf-8"?>
-<p:sldLayout xmlns:a="http://schemas.openxmlformats.org/drawingml/2006/main" xmlns:r="http://schemas.openxmlformats.org/officeDocument/2006/relationships" xmlns:p="http://schemas.openxmlformats.org/presentationml/2006/main" type="twoTxTwoObj" preserve="1">
-  <p:cSld name="比較">
-    <p:spTree>
-      <p:nvGrpSpPr>
-        <p:cNvPr id="1" name=""/>
-        <p:cNvGrpSpPr/>
-        <p:nvPr/>
-      </p:nvGrpSpPr>
-      <p:grpSpPr>
-        <a:xfrm>
-          <a:off x="0" y="0"/>
-          <a:ext cx="0" cy="0"/>
-          <a:chOff x="0" y="0"/>
-          <a:chExt cx="0" cy="0"/>
-        </a:xfrm>
-      </p:grpSpPr>
-      <p:sp>
-        <p:nvSpPr>
-          <p:cNvPr id="2" name="標題 1">
-            <a:extLst>
-              <a:ext uri="{FF2B5EF4-FFF2-40B4-BE49-F238E27FC236}">
-                <a16:creationId xmlns:a16="http://schemas.microsoft.com/office/drawing/2014/main" id="{1261A8C4-296D-438B-8D76-3F8B57A7B280}"/>
-              </a:ext>
-            </a:extLst>
-          </p:cNvPr>
-          <p:cNvSpPr>
-            <a:spLocks noGrp="1"/>
-          </p:cNvSpPr>
-          <p:nvPr>
-            <p:ph type="title"/>
-          </p:nvPr>
-        </p:nvSpPr>
-        <p:spPr>
-          <a:xfrm>
-            <a:off x="839788" y="365125"/>
-            <a:ext cx="10515600" cy="1325563"/>
-          </a:xfrm>
-        </p:spPr>
-        <p:txBody>
-          <a:bodyPr/>
-          <a:lstStyle/>
-          <a:p>
-            <a:r>
-              <a:rPr lang="zh-TW" altLang="en-US"/>
-              <a:t>按一下以編輯母片標題樣式</a:t>
-            </a:r>
-          </a:p>
-        </p:txBody>
-      </p:sp>
-      <p:sp>
-        <p:nvSpPr>
-          <p:cNvPr id="3" name="文字版面配置區 2">
-            <a:extLst>
-              <a:ext uri="{FF2B5EF4-FFF2-40B4-BE49-F238E27FC236}">
-                <a16:creationId xmlns:a16="http://schemas.microsoft.com/office/drawing/2014/main" id="{1D56BB08-0AE2-466A-A236-AF0465E555C2}"/>
-              </a:ext>
-            </a:extLst>
-          </p:cNvPr>
-          <p:cNvSpPr>
-            <a:spLocks noGrp="1"/>
-          </p:cNvSpPr>
-          <p:nvPr>
-            <p:ph type="body" idx="1"/>
-          </p:nvPr>
-        </p:nvSpPr>
-        <p:spPr>
-          <a:xfrm>
-            <a:off x="839788" y="1681163"/>
-            <a:ext cx="5157787" cy="823912"/>
-          </a:xfrm>
-        </p:spPr>
-        <p:txBody>
-          <a:bodyPr anchor="b"/>
-          <a:lstStyle>
-            <a:lvl1pPr marL="0" indent="0">
-              <a:buNone/>
-              <a:defRPr sz="2400" b="1"/>
-            </a:lvl1pPr>
-            <a:lvl2pPr marL="457200" indent="0">
-              <a:buNone/>
-              <a:defRPr sz="2000" b="1"/>
-            </a:lvl2pPr>
-            <a:lvl3pPr marL="914400" indent="0">
-              <a:buNone/>
-              <a:defRPr sz="1800" b="1"/>
-            </a:lvl3pPr>
-            <a:lvl4pPr marL="1371600" indent="0">
-              <a:buNone/>
-              <a:defRPr sz="1600" b="1"/>
-            </a:lvl4pPr>
-            <a:lvl5pPr marL="1828800" indent="0">
-              <a:buNone/>
-              <a:defRPr sz="1600" b="1"/>
-            </a:lvl5pPr>
-            <a:lvl6pPr marL="2286000" indent="0">
-              <a:buNone/>
-              <a:defRPr sz="1600" b="1"/>
-            </a:lvl6pPr>
-            <a:lvl7pPr marL="2743200" indent="0">
-              <a:buNone/>
-              <a:defRPr sz="1600" b="1"/>
-            </a:lvl7pPr>
-            <a:lvl8pPr marL="3200400" indent="0">
-              <a:buNone/>
-              <a:defRPr sz="1600" b="1"/>
-            </a:lvl8pPr>
-            <a:lvl9pPr marL="3657600" indent="0">
-              <a:buNone/>
-              <a:defRPr sz="1600" b="1"/>
-            </a:lvl9pPr>
-          </a:lstStyle>
-          <a:p>
-            <a:pPr lvl="0"/>
-            <a:r>
-              <a:rPr lang="zh-TW" altLang="en-US"/>
-              <a:t>按一下以編輯母片文字樣式</a:t>
-            </a:r>
-          </a:p>
-        </p:txBody>
-      </p:sp>
-      <p:sp>
-        <p:nvSpPr>
-          <p:cNvPr id="4" name="內容版面配置區 3">
-            <a:extLst>
-              <a:ext uri="{FF2B5EF4-FFF2-40B4-BE49-F238E27FC236}">
-                <a16:creationId xmlns:a16="http://schemas.microsoft.com/office/drawing/2014/main" id="{DBF7F7E7-C7E3-438A-9287-5ABE84A43B59}"/>
-              </a:ext>
-            </a:extLst>
-          </p:cNvPr>
-          <p:cNvSpPr>
-            <a:spLocks noGrp="1"/>
-          </p:cNvSpPr>
-          <p:nvPr>
-            <p:ph sz="half" idx="2"/>
-          </p:nvPr>
-        </p:nvSpPr>
-        <p:spPr>
-          <a:xfrm>
-            <a:off x="839788" y="2505075"/>
-            <a:ext cx="5157787" cy="3684588"/>
-          </a:xfrm>
-        </p:spPr>
-        <p:txBody>
-          <a:bodyPr/>
-          <a:lstStyle/>
-          <a:p>
-            <a:pPr lvl="0"/>
-            <a:r>
-              <a:rPr lang="zh-TW" altLang="en-US"/>
-              <a:t>按一下以編輯母片文字樣式</a:t>
-            </a:r>
-          </a:p>
-          <a:p>
-            <a:pPr lvl="1"/>
-            <a:r>
-              <a:rPr lang="zh-TW" altLang="en-US"/>
-              <a:t>第二層</a:t>
-            </a:r>
-          </a:p>
-          <a:p>
-            <a:pPr lvl="2"/>
-            <a:r>
-              <a:rPr lang="zh-TW" altLang="en-US"/>
-              <a:t>第三層</a:t>
-            </a:r>
-          </a:p>
-          <a:p>
-            <a:pPr lvl="3"/>
-            <a:r>
-              <a:rPr lang="zh-TW" altLang="en-US"/>
-              <a:t>第四層</a:t>
-            </a:r>
-          </a:p>
-          <a:p>
-            <a:pPr lvl="4"/>
-            <a:r>
-              <a:rPr lang="zh-TW" altLang="en-US"/>
-              <a:t>第五層</a:t>
-            </a:r>
-          </a:p>
-        </p:txBody>
-      </p:sp>
-      <p:sp>
-        <p:nvSpPr>
-          <p:cNvPr id="5" name="文字版面配置區 4">
-            <a:extLst>
-              <a:ext uri="{FF2B5EF4-FFF2-40B4-BE49-F238E27FC236}">
-                <a16:creationId xmlns:a16="http://schemas.microsoft.com/office/drawing/2014/main" id="{9DD36D3E-55E7-4DE3-A367-2D7A37528211}"/>
-              </a:ext>
-            </a:extLst>
-          </p:cNvPr>
-          <p:cNvSpPr>
-            <a:spLocks noGrp="1"/>
-          </p:cNvSpPr>
-          <p:nvPr>
-            <p:ph type="body" sz="quarter" idx="3"/>
-          </p:nvPr>
-        </p:nvSpPr>
-        <p:spPr>
-          <a:xfrm>
-            <a:off x="6172200" y="1681163"/>
-            <a:ext cx="5183188" cy="823912"/>
-          </a:xfrm>
-        </p:spPr>
-        <p:txBody>
-          <a:bodyPr anchor="b"/>
-          <a:lstStyle>
-            <a:lvl1pPr marL="0" indent="0">
-              <a:buNone/>
-              <a:defRPr sz="2400" b="1"/>
-            </a:lvl1pPr>
-            <a:lvl2pPr marL="457200" indent="0">
-              <a:buNone/>
-              <a:defRPr sz="2000" b="1"/>
-            </a:lvl2pPr>
-            <a:lvl3pPr marL="914400" indent="0">
-              <a:buNone/>
-              <a:defRPr sz="1800" b="1"/>
-            </a:lvl3pPr>
-            <a:lvl4pPr marL="1371600" indent="0">
-              <a:buNone/>
-              <a:defRPr sz="1600" b="1"/>
-            </a:lvl4pPr>
-            <a:lvl5pPr marL="1828800" indent="0">
-              <a:buNone/>
-              <a:defRPr sz="1600" b="1"/>
-            </a:lvl5pPr>
-            <a:lvl6pPr marL="2286000" indent="0">
-              <a:buNone/>
-              <a:defRPr sz="1600" b="1"/>
-            </a:lvl6pPr>
-            <a:lvl7pPr marL="2743200" indent="0">
-              <a:buNone/>
-              <a:defRPr sz="1600" b="1"/>
-            </a:lvl7pPr>
-            <a:lvl8pPr marL="3200400" indent="0">
-              <a:buNone/>
-              <a:defRPr sz="1600" b="1"/>
-            </a:lvl8pPr>
-            <a:lvl9pPr marL="3657600" indent="0">
-              <a:buNone/>
-              <a:defRPr sz="1600" b="1"/>
-            </a:lvl9pPr>
-          </a:lstStyle>
-          <a:p>
-            <a:pPr lvl="0"/>
-            <a:r>
-              <a:rPr lang="zh-TW" altLang="en-US"/>
-              <a:t>按一下以編輯母片文字樣式</a:t>
-            </a:r>
-          </a:p>
-        </p:txBody>
-      </p:sp>
-      <p:sp>
-        <p:nvSpPr>
-          <p:cNvPr id="6" name="內容版面配置區 5">
-            <a:extLst>
-              <a:ext uri="{FF2B5EF4-FFF2-40B4-BE49-F238E27FC236}">
-                <a16:creationId xmlns:a16="http://schemas.microsoft.com/office/drawing/2014/main" id="{AC2AB8B4-F49C-4138-953D-5AA69A9F2ED5}"/>
-              </a:ext>
-            </a:extLst>
-          </p:cNvPr>
-          <p:cNvSpPr>
-            <a:spLocks noGrp="1"/>
-          </p:cNvSpPr>
-          <p:nvPr>
-            <p:ph sz="quarter" idx="4"/>
-          </p:nvPr>
-        </p:nvSpPr>
-        <p:spPr>
-          <a:xfrm>
-            <a:off x="6172200" y="2505075"/>
-            <a:ext cx="5183188" cy="3684588"/>
-          </a:xfrm>
-        </p:spPr>
-        <p:txBody>
-          <a:bodyPr/>
-          <a:lstStyle/>
-          <a:p>
-            <a:pPr lvl="0"/>
-            <a:r>
-              <a:rPr lang="zh-TW" altLang="en-US"/>
-              <a:t>按一下以編輯母片文字樣式</a:t>
-            </a:r>
-          </a:p>
-          <a:p>
-            <a:pPr lvl="1"/>
-            <a:r>
-              <a:rPr lang="zh-TW" altLang="en-US"/>
-              <a:t>第二層</a:t>
-            </a:r>
-          </a:p>
-          <a:p>
-            <a:pPr lvl="2"/>
-            <a:r>
-              <a:rPr lang="zh-TW" altLang="en-US"/>
-              <a:t>第三層</a:t>
-            </a:r>
-          </a:p>
-          <a:p>
-            <a:pPr lvl="3"/>
-            <a:r>
-              <a:rPr lang="zh-TW" altLang="en-US"/>
-              <a:t>第四層</a:t>
-            </a:r>
-          </a:p>
-          <a:p>
-            <a:pPr lvl="4"/>
-            <a:r>
-              <a:rPr lang="zh-TW" altLang="en-US"/>
-              <a:t>第五層</a:t>
-            </a:r>
-          </a:p>
-        </p:txBody>
-      </p:sp>
-      <p:sp>
-        <p:nvSpPr>
-          <p:cNvPr id="10" name="頁尾版面配置區 4">
-            <a:extLst>
-              <a:ext uri="{FF2B5EF4-FFF2-40B4-BE49-F238E27FC236}">
-                <a16:creationId xmlns:a16="http://schemas.microsoft.com/office/drawing/2014/main" id="{EE0D0455-DB77-4E86-9A44-7A5FDD1DD418}"/>
-              </a:ext>
-            </a:extLst>
-          </p:cNvPr>
-          <p:cNvSpPr txBox="1">
-            <a:spLocks/>
-          </p:cNvSpPr>
-          <p:nvPr/>
-        </p:nvSpPr>
-        <p:spPr>
-          <a:xfrm>
-            <a:off x="0" y="6492875"/>
-            <a:ext cx="2743200" cy="365125"/>
-          </a:xfrm>
-          <a:prstGeom prst="rect">
-            <a:avLst/>
-          </a:prstGeom>
-        </p:spPr>
-        <p:txBody>
-          <a:bodyPr vert="horz" lIns="91440" tIns="45720" rIns="91440" bIns="45720" rtlCol="0" anchor="ctr"/>
-          <a:lstStyle>
-            <a:defPPr>
-              <a:defRPr lang="zh-TW"/>
-            </a:defPPr>
-            <a:lvl1pPr marL="0" algn="l" defTabSz="914400" rtl="0" eaLnBrk="1" latinLnBrk="0" hangingPunct="1">
-              <a:defRPr sz="1200" kern="1200">
-                <a:solidFill>
-                  <a:schemeClr val="tx1">
-                    <a:tint val="75000"/>
-                  </a:schemeClr>
-                </a:solidFill>
-                <a:latin typeface="+mn-lt"/>
-                <a:ea typeface="+mn-ea"/>
-                <a:cs typeface="+mn-cs"/>
-              </a:defRPr>
-            </a:lvl1pPr>
-            <a:lvl2pPr marL="457200" algn="l" defTabSz="914400" rtl="0" eaLnBrk="1" latinLnBrk="0" hangingPunct="1">
-              <a:defRPr sz="1800" kern="1200">
-                <a:solidFill>
-                  <a:schemeClr val="tx1"/>
-                </a:solidFill>
-                <a:latin typeface="+mn-lt"/>
-                <a:ea typeface="+mn-ea"/>
-                <a:cs typeface="+mn-cs"/>
-              </a:defRPr>
-            </a:lvl2pPr>
-            <a:lvl3pPr marL="914400" algn="l" defTabSz="914400" rtl="0" eaLnBrk="1" latinLnBrk="0" hangingPunct="1">
-              <a:defRPr sz="1800" kern="1200">
-                <a:solidFill>
-                  <a:schemeClr val="tx1"/>
-                </a:solidFill>
-                <a:latin typeface="+mn-lt"/>
-                <a:ea typeface="+mn-ea"/>
-                <a:cs typeface="+mn-cs"/>
-              </a:defRPr>
-            </a:lvl3pPr>
-            <a:lvl4pPr marL="1371600" algn="l" defTabSz="914400" rtl="0" eaLnBrk="1" latinLnBrk="0" hangingPunct="1">
-              <a:defRPr sz="1800" kern="1200">
-                <a:solidFill>
-                  <a:schemeClr val="tx1"/>
-                </a:solidFill>
-                <a:latin typeface="+mn-lt"/>
-                <a:ea typeface="+mn-ea"/>
-                <a:cs typeface="+mn-cs"/>
-              </a:defRPr>
-            </a:lvl4pPr>
-            <a:lvl5pPr marL="1828800" algn="l" defTabSz="914400" rtl="0" eaLnBrk="1" latinLnBrk="0" hangingPunct="1">
-              <a:defRPr sz="1800" kern="1200">
-                <a:solidFill>
-                  <a:schemeClr val="tx1"/>
-                </a:solidFill>
-                <a:latin typeface="+mn-lt"/>
-                <a:ea typeface="+mn-ea"/>
-                <a:cs typeface="+mn-cs"/>
-              </a:defRPr>
-            </a:lvl5pPr>
-            <a:lvl6pPr marL="2286000" algn="l" defTabSz="914400" rtl="0" eaLnBrk="1" latinLnBrk="0" hangingPunct="1">
-              <a:defRPr sz="1800" kern="1200">
-                <a:solidFill>
-                  <a:schemeClr val="tx1"/>
-                </a:solidFill>
-                <a:latin typeface="+mn-lt"/>
-                <a:ea typeface="+mn-ea"/>
-                <a:cs typeface="+mn-cs"/>
-              </a:defRPr>
-            </a:lvl6pPr>
-            <a:lvl7pPr marL="2743200" algn="l" defTabSz="914400" rtl="0" eaLnBrk="1" latinLnBrk="0" hangingPunct="1">
-              <a:defRPr sz="1800" kern="1200">
-                <a:solidFill>
-                  <a:schemeClr val="tx1"/>
-                </a:solidFill>
-                <a:latin typeface="+mn-lt"/>
-                <a:ea typeface="+mn-ea"/>
-                <a:cs typeface="+mn-cs"/>
-              </a:defRPr>
-            </a:lvl7pPr>
-            <a:lvl8pPr marL="3200400" algn="l" defTabSz="914400" rtl="0" eaLnBrk="1" latinLnBrk="0" hangingPunct="1">
-              <a:defRPr sz="1800" kern="1200">
-                <a:solidFill>
-                  <a:schemeClr val="tx1"/>
-                </a:solidFill>
-                <a:latin typeface="+mn-lt"/>
-                <a:ea typeface="+mn-ea"/>
-                <a:cs typeface="+mn-cs"/>
-              </a:defRPr>
-            </a:lvl8pPr>
-            <a:lvl9pPr marL="3657600" algn="l" defTabSz="914400" rtl="0" eaLnBrk="1" latinLnBrk="0" hangingPunct="1">
-              <a:defRPr sz="1800" kern="1200">
-                <a:solidFill>
-                  <a:schemeClr val="tx1"/>
-                </a:solidFill>
-                <a:latin typeface="+mn-lt"/>
-                <a:ea typeface="+mn-ea"/>
-                <a:cs typeface="+mn-cs"/>
-              </a:defRPr>
-            </a:lvl9pPr>
-          </a:lstStyle>
-          <a:p>
-            <a:r>
-              <a:rPr lang="en-US" altLang="zh-TW"/>
-              <a:t>TYIC</a:t>
-            </a:r>
-            <a:r>
-              <a:rPr lang="zh-TW" altLang="en-US"/>
-              <a:t>桃高資訊社</a:t>
-            </a:r>
-          </a:p>
-        </p:txBody>
-      </p:sp>
-      <p:sp>
-        <p:nvSpPr>
-          <p:cNvPr id="11" name="投影片編號版面配置區 5">
-            <a:extLst>
-              <a:ext uri="{FF2B5EF4-FFF2-40B4-BE49-F238E27FC236}">
-                <a16:creationId xmlns:a16="http://schemas.microsoft.com/office/drawing/2014/main" id="{61BEB5C0-CA6F-4D05-A5B1-D9B3326D213A}"/>
-              </a:ext>
-            </a:extLst>
-          </p:cNvPr>
-          <p:cNvSpPr txBox="1">
-            <a:spLocks/>
-          </p:cNvSpPr>
-          <p:nvPr/>
-        </p:nvSpPr>
-        <p:spPr>
-          <a:xfrm>
-            <a:off x="9448800" y="6492874"/>
-            <a:ext cx="2743200" cy="365125"/>
-          </a:xfrm>
-          <a:prstGeom prst="rect">
-            <a:avLst/>
-          </a:prstGeom>
-        </p:spPr>
-        <p:txBody>
-          <a:bodyPr vert="horz" lIns="91440" tIns="45720" rIns="91440" bIns="45720" rtlCol="0" anchor="ctr"/>
-          <a:lstStyle>
-            <a:defPPr>
-              <a:defRPr lang="zh-TW"/>
-            </a:defPPr>
-            <a:lvl1pPr marL="0" algn="r" defTabSz="914400" rtl="0" eaLnBrk="1" latinLnBrk="0" hangingPunct="1">
-              <a:defRPr sz="1200" kern="1200">
-                <a:solidFill>
-                  <a:schemeClr val="tx1">
-                    <a:tint val="75000"/>
-                  </a:schemeClr>
-                </a:solidFill>
-                <a:latin typeface="+mn-lt"/>
-                <a:ea typeface="+mn-ea"/>
-                <a:cs typeface="+mn-cs"/>
-              </a:defRPr>
-            </a:lvl1pPr>
-            <a:lvl2pPr marL="457200" algn="l" defTabSz="914400" rtl="0" eaLnBrk="1" latinLnBrk="0" hangingPunct="1">
-              <a:defRPr sz="1800" kern="1200">
-                <a:solidFill>
-                  <a:schemeClr val="tx1"/>
-                </a:solidFill>
-                <a:latin typeface="+mn-lt"/>
-                <a:ea typeface="+mn-ea"/>
-                <a:cs typeface="+mn-cs"/>
-              </a:defRPr>
-            </a:lvl2pPr>
-            <a:lvl3pPr marL="914400" algn="l" defTabSz="914400" rtl="0" eaLnBrk="1" latinLnBrk="0" hangingPunct="1">
-              <a:defRPr sz="1800" kern="1200">
-                <a:solidFill>
-                  <a:schemeClr val="tx1"/>
-                </a:solidFill>
-                <a:latin typeface="+mn-lt"/>
-                <a:ea typeface="+mn-ea"/>
-                <a:cs typeface="+mn-cs"/>
-              </a:defRPr>
-            </a:lvl3pPr>
-            <a:lvl4pPr marL="1371600" algn="l" defTabSz="914400" rtl="0" eaLnBrk="1" latinLnBrk="0" hangingPunct="1">
-              <a:defRPr sz="1800" kern="1200">
-                <a:solidFill>
-                  <a:schemeClr val="tx1"/>
-                </a:solidFill>
-                <a:latin typeface="+mn-lt"/>
-                <a:ea typeface="+mn-ea"/>
-                <a:cs typeface="+mn-cs"/>
-              </a:defRPr>
-            </a:lvl4pPr>
-            <a:lvl5pPr marL="1828800" algn="l" defTabSz="914400" rtl="0" eaLnBrk="1" latinLnBrk="0" hangingPunct="1">
-              <a:defRPr sz="1800" kern="1200">
-                <a:solidFill>
-                  <a:schemeClr val="tx1"/>
-                </a:solidFill>
-                <a:latin typeface="+mn-lt"/>
-                <a:ea typeface="+mn-ea"/>
-                <a:cs typeface="+mn-cs"/>
-              </a:defRPr>
-            </a:lvl5pPr>
-            <a:lvl6pPr marL="2286000" algn="l" defTabSz="914400" rtl="0" eaLnBrk="1" latinLnBrk="0" hangingPunct="1">
-              <a:defRPr sz="1800" kern="1200">
-                <a:solidFill>
-                  <a:schemeClr val="tx1"/>
-                </a:solidFill>
-                <a:latin typeface="+mn-lt"/>
-                <a:ea typeface="+mn-ea"/>
-                <a:cs typeface="+mn-cs"/>
-              </a:defRPr>
-            </a:lvl6pPr>
-            <a:lvl7pPr marL="2743200" algn="l" defTabSz="914400" rtl="0" eaLnBrk="1" latinLnBrk="0" hangingPunct="1">
-              <a:defRPr sz="1800" kern="1200">
-                <a:solidFill>
-                  <a:schemeClr val="tx1"/>
-                </a:solidFill>
-                <a:latin typeface="+mn-lt"/>
-                <a:ea typeface="+mn-ea"/>
-                <a:cs typeface="+mn-cs"/>
-              </a:defRPr>
-            </a:lvl7pPr>
-            <a:lvl8pPr marL="3200400" algn="l" defTabSz="914400" rtl="0" eaLnBrk="1" latinLnBrk="0" hangingPunct="1">
-              <a:defRPr sz="1800" kern="1200">
-                <a:solidFill>
-                  <a:schemeClr val="tx1"/>
-                </a:solidFill>
-                <a:latin typeface="+mn-lt"/>
-                <a:ea typeface="+mn-ea"/>
-                <a:cs typeface="+mn-cs"/>
-              </a:defRPr>
-            </a:lvl8pPr>
-            <a:lvl9pPr marL="3657600" algn="l" defTabSz="914400" rtl="0" eaLnBrk="1" latinLnBrk="0" hangingPunct="1">
-              <a:defRPr sz="1800" kern="1200">
-                <a:solidFill>
-                  <a:schemeClr val="tx1"/>
-                </a:solidFill>
-                <a:latin typeface="+mn-lt"/>
-                <a:ea typeface="+mn-ea"/>
-                <a:cs typeface="+mn-cs"/>
-              </a:defRPr>
-            </a:lvl9pPr>
-          </a:lstStyle>
-          <a:p>
-            <a:fld id="{D4328D90-2A6F-4F23-88A8-C5DCC2B5F307}" type="slidenum">
-              <a:rPr lang="zh-TW" altLang="en-US" smtClean="0"/>
-              <a:pPr/>
-              <a:t>‹#›</a:t>
-            </a:fld>
-            <a:endParaRPr lang="zh-TW" altLang="en-US"/>
-          </a:p>
-        </p:txBody>
-      </p:sp>
-      <p:sp>
-        <p:nvSpPr>
-          <p:cNvPr id="9" name="頁尾版面配置區 4">
-            <a:extLst>
-              <a:ext uri="{FF2B5EF4-FFF2-40B4-BE49-F238E27FC236}">
-                <a16:creationId xmlns:a16="http://schemas.microsoft.com/office/drawing/2014/main" id="{605C848C-2FFE-453B-B32A-6EEEAD465B71}"/>
-              </a:ext>
-            </a:extLst>
-          </p:cNvPr>
-          <p:cNvSpPr txBox="1">
-            <a:spLocks/>
-          </p:cNvSpPr>
-          <p:nvPr userDrawn="1"/>
-        </p:nvSpPr>
-        <p:spPr>
-          <a:xfrm>
-            <a:off x="0" y="6492875"/>
-            <a:ext cx="2743200" cy="365125"/>
-          </a:xfrm>
-          <a:prstGeom prst="rect">
-            <a:avLst/>
-          </a:prstGeom>
-        </p:spPr>
-        <p:txBody>
-          <a:bodyPr vert="horz" lIns="91440" tIns="45720" rIns="91440" bIns="45720" rtlCol="0" anchor="ctr"/>
-          <a:lstStyle>
-            <a:defPPr>
-              <a:defRPr lang="zh-TW"/>
-            </a:defPPr>
-            <a:lvl1pPr marL="0" algn="l" defTabSz="914400" rtl="0" eaLnBrk="1" latinLnBrk="0" hangingPunct="1">
-              <a:defRPr sz="1200" kern="1200">
-                <a:solidFill>
-                  <a:schemeClr val="tx1">
-                    <a:tint val="75000"/>
-                  </a:schemeClr>
-                </a:solidFill>
-                <a:latin typeface="+mn-lt"/>
-                <a:ea typeface="+mn-ea"/>
-                <a:cs typeface="+mn-cs"/>
-              </a:defRPr>
-            </a:lvl1pPr>
-            <a:lvl2pPr marL="457200" algn="l" defTabSz="914400" rtl="0" eaLnBrk="1" latinLnBrk="0" hangingPunct="1">
-              <a:defRPr sz="1800" kern="1200">
-                <a:solidFill>
-                  <a:schemeClr val="tx1"/>
-                </a:solidFill>
-                <a:latin typeface="+mn-lt"/>
-                <a:ea typeface="+mn-ea"/>
-                <a:cs typeface="+mn-cs"/>
-              </a:defRPr>
-            </a:lvl2pPr>
-            <a:lvl3pPr marL="914400" algn="l" defTabSz="914400" rtl="0" eaLnBrk="1" latinLnBrk="0" hangingPunct="1">
-              <a:defRPr sz="1800" kern="1200">
-                <a:solidFill>
-                  <a:schemeClr val="tx1"/>
-                </a:solidFill>
-                <a:latin typeface="+mn-lt"/>
-                <a:ea typeface="+mn-ea"/>
-                <a:cs typeface="+mn-cs"/>
-              </a:defRPr>
-            </a:lvl3pPr>
-            <a:lvl4pPr marL="1371600" algn="l" defTabSz="914400" rtl="0" eaLnBrk="1" latinLnBrk="0" hangingPunct="1">
-              <a:defRPr sz="1800" kern="1200">
-                <a:solidFill>
-                  <a:schemeClr val="tx1"/>
-                </a:solidFill>
-                <a:latin typeface="+mn-lt"/>
-                <a:ea typeface="+mn-ea"/>
-                <a:cs typeface="+mn-cs"/>
-              </a:defRPr>
-            </a:lvl4pPr>
-            <a:lvl5pPr marL="1828800" algn="l" defTabSz="914400" rtl="0" eaLnBrk="1" latinLnBrk="0" hangingPunct="1">
-              <a:defRPr sz="1800" kern="1200">
-                <a:solidFill>
-                  <a:schemeClr val="tx1"/>
-                </a:solidFill>
-                <a:latin typeface="+mn-lt"/>
-                <a:ea typeface="+mn-ea"/>
-                <a:cs typeface="+mn-cs"/>
-              </a:defRPr>
-            </a:lvl5pPr>
-            <a:lvl6pPr marL="2286000" algn="l" defTabSz="914400" rtl="0" eaLnBrk="1" latinLnBrk="0" hangingPunct="1">
-              <a:defRPr sz="1800" kern="1200">
-                <a:solidFill>
-                  <a:schemeClr val="tx1"/>
-                </a:solidFill>
-                <a:latin typeface="+mn-lt"/>
-                <a:ea typeface="+mn-ea"/>
-                <a:cs typeface="+mn-cs"/>
-              </a:defRPr>
-            </a:lvl6pPr>
-            <a:lvl7pPr marL="2743200" algn="l" defTabSz="914400" rtl="0" eaLnBrk="1" latinLnBrk="0" hangingPunct="1">
-              <a:defRPr sz="1800" kern="1200">
-                <a:solidFill>
-                  <a:schemeClr val="tx1"/>
-                </a:solidFill>
-                <a:latin typeface="+mn-lt"/>
-                <a:ea typeface="+mn-ea"/>
-                <a:cs typeface="+mn-cs"/>
-              </a:defRPr>
-            </a:lvl7pPr>
-            <a:lvl8pPr marL="3200400" algn="l" defTabSz="914400" rtl="0" eaLnBrk="1" latinLnBrk="0" hangingPunct="1">
-              <a:defRPr sz="1800" kern="1200">
-                <a:solidFill>
-                  <a:schemeClr val="tx1"/>
-                </a:solidFill>
-                <a:latin typeface="+mn-lt"/>
-                <a:ea typeface="+mn-ea"/>
-                <a:cs typeface="+mn-cs"/>
-              </a:defRPr>
-            </a:lvl8pPr>
-            <a:lvl9pPr marL="3657600" algn="l" defTabSz="914400" rtl="0" eaLnBrk="1" latinLnBrk="0" hangingPunct="1">
-              <a:defRPr sz="1800" kern="1200">
-                <a:solidFill>
-                  <a:schemeClr val="tx1"/>
-                </a:solidFill>
-                <a:latin typeface="+mn-lt"/>
-                <a:ea typeface="+mn-ea"/>
-                <a:cs typeface="+mn-cs"/>
-              </a:defRPr>
-            </a:lvl9pPr>
-          </a:lstStyle>
-          <a:p>
-            <a:r>
-              <a:rPr lang="en-US" altLang="zh-TW" dirty="0"/>
-              <a:t>TYIC</a:t>
-            </a:r>
-            <a:r>
-              <a:rPr lang="zh-TW" altLang="en-US"/>
-              <a:t>桃高資訊社</a:t>
-            </a:r>
-          </a:p>
-        </p:txBody>
-      </p:sp>
-      <p:sp>
-        <p:nvSpPr>
-          <p:cNvPr id="12" name="投影片編號版面配置區 5">
-            <a:extLst>
-              <a:ext uri="{FF2B5EF4-FFF2-40B4-BE49-F238E27FC236}">
-                <a16:creationId xmlns:a16="http://schemas.microsoft.com/office/drawing/2014/main" id="{BA25B8BA-C96A-4CF8-B988-C05CD53A4761}"/>
-              </a:ext>
-            </a:extLst>
-          </p:cNvPr>
-          <p:cNvSpPr txBox="1">
-            <a:spLocks/>
-          </p:cNvSpPr>
-          <p:nvPr userDrawn="1"/>
-        </p:nvSpPr>
-        <p:spPr>
-          <a:xfrm>
-            <a:off x="9448800" y="6492874"/>
-            <a:ext cx="2743200" cy="365125"/>
-          </a:xfrm>
-          <a:prstGeom prst="rect">
-            <a:avLst/>
-          </a:prstGeom>
-        </p:spPr>
-        <p:txBody>
-          <a:bodyPr vert="horz" lIns="91440" tIns="45720" rIns="91440" bIns="45720" rtlCol="0" anchor="ctr"/>
-          <a:lstStyle>
-            <a:defPPr>
-              <a:defRPr lang="zh-TW"/>
-            </a:defPPr>
-            <a:lvl1pPr marL="0" algn="r" defTabSz="914400" rtl="0" eaLnBrk="1" latinLnBrk="0" hangingPunct="1">
-              <a:defRPr sz="1200" kern="1200">
-                <a:solidFill>
-                  <a:schemeClr val="tx1">
-                    <a:tint val="75000"/>
-                  </a:schemeClr>
-                </a:solidFill>
-                <a:latin typeface="+mn-lt"/>
-                <a:ea typeface="+mn-ea"/>
-                <a:cs typeface="+mn-cs"/>
-              </a:defRPr>
-            </a:lvl1pPr>
-            <a:lvl2pPr marL="457200" algn="l" defTabSz="914400" rtl="0" eaLnBrk="1" latinLnBrk="0" hangingPunct="1">
-              <a:defRPr sz="1800" kern="1200">
-                <a:solidFill>
-                  <a:schemeClr val="tx1"/>
-                </a:solidFill>
-                <a:latin typeface="+mn-lt"/>
-                <a:ea typeface="+mn-ea"/>
-                <a:cs typeface="+mn-cs"/>
-              </a:defRPr>
-            </a:lvl2pPr>
-            <a:lvl3pPr marL="914400" algn="l" defTabSz="914400" rtl="0" eaLnBrk="1" latinLnBrk="0" hangingPunct="1">
-              <a:defRPr sz="1800" kern="1200">
-                <a:solidFill>
-                  <a:schemeClr val="tx1"/>
-                </a:solidFill>
-                <a:latin typeface="+mn-lt"/>
-                <a:ea typeface="+mn-ea"/>
-                <a:cs typeface="+mn-cs"/>
-              </a:defRPr>
-            </a:lvl3pPr>
-            <a:lvl4pPr marL="1371600" algn="l" defTabSz="914400" rtl="0" eaLnBrk="1" latinLnBrk="0" hangingPunct="1">
-              <a:defRPr sz="1800" kern="1200">
-                <a:solidFill>
-                  <a:schemeClr val="tx1"/>
-                </a:solidFill>
-                <a:latin typeface="+mn-lt"/>
-                <a:ea typeface="+mn-ea"/>
-                <a:cs typeface="+mn-cs"/>
-              </a:defRPr>
-            </a:lvl4pPr>
-            <a:lvl5pPr marL="1828800" algn="l" defTabSz="914400" rtl="0" eaLnBrk="1" latinLnBrk="0" hangingPunct="1">
-              <a:defRPr sz="1800" kern="1200">
-                <a:solidFill>
-                  <a:schemeClr val="tx1"/>
-                </a:solidFill>
-                <a:latin typeface="+mn-lt"/>
-                <a:ea typeface="+mn-ea"/>
-                <a:cs typeface="+mn-cs"/>
-              </a:defRPr>
-            </a:lvl5pPr>
-            <a:lvl6pPr marL="2286000" algn="l" defTabSz="914400" rtl="0" eaLnBrk="1" latinLnBrk="0" hangingPunct="1">
-              <a:defRPr sz="1800" kern="1200">
-                <a:solidFill>
-                  <a:schemeClr val="tx1"/>
-                </a:solidFill>
-                <a:latin typeface="+mn-lt"/>
-                <a:ea typeface="+mn-ea"/>
-                <a:cs typeface="+mn-cs"/>
-              </a:defRPr>
-            </a:lvl6pPr>
-            <a:lvl7pPr marL="2743200" algn="l" defTabSz="914400" rtl="0" eaLnBrk="1" latinLnBrk="0" hangingPunct="1">
-              <a:defRPr sz="1800" kern="1200">
-                <a:solidFill>
-                  <a:schemeClr val="tx1"/>
-                </a:solidFill>
-                <a:latin typeface="+mn-lt"/>
-                <a:ea typeface="+mn-ea"/>
-                <a:cs typeface="+mn-cs"/>
-              </a:defRPr>
-            </a:lvl7pPr>
-            <a:lvl8pPr marL="3200400" algn="l" defTabSz="914400" rtl="0" eaLnBrk="1" latinLnBrk="0" hangingPunct="1">
-              <a:defRPr sz="1800" kern="1200">
-                <a:solidFill>
-                  <a:schemeClr val="tx1"/>
-                </a:solidFill>
-                <a:latin typeface="+mn-lt"/>
-                <a:ea typeface="+mn-ea"/>
-                <a:cs typeface="+mn-cs"/>
-              </a:defRPr>
-            </a:lvl8pPr>
-            <a:lvl9pPr marL="3657600" algn="l" defTabSz="914400" rtl="0" eaLnBrk="1" latinLnBrk="0" hangingPunct="1">
-              <a:defRPr sz="1800" kern="1200">
-                <a:solidFill>
-                  <a:schemeClr val="tx1"/>
-                </a:solidFill>
-                <a:latin typeface="+mn-lt"/>
-                <a:ea typeface="+mn-ea"/>
-                <a:cs typeface="+mn-cs"/>
-              </a:defRPr>
-            </a:lvl9pPr>
-          </a:lstStyle>
-          <a:p>
-            <a:fld id="{D4328D90-2A6F-4F23-88A8-C5DCC2B5F307}" type="slidenum">
-              <a:rPr lang="zh-TW" altLang="en-US" smtClean="0"/>
-              <a:pPr/>
-              <a:t>‹#›</a:t>
-            </a:fld>
-            <a:endParaRPr lang="zh-TW" altLang="en-US"/>
-          </a:p>
-        </p:txBody>
-      </p:sp>
-    </p:spTree>
-    <p:extLst>
-      <p:ext uri="{BB962C8B-B14F-4D97-AF65-F5344CB8AC3E}">
-        <p14:creationId xmlns:p14="http://schemas.microsoft.com/office/powerpoint/2010/main" val="439621575"/>
-      </p:ext>
-    </p:extLst>
-  </p:cSld>
-  <p:clrMapOvr>
-    <a:masterClrMapping/>
-  </p:clrMapOvr>
-  <p:transition spd="slow">
-    <p:push dir="u"/>
-  </p:transition>
-</p:sldLayout>
-</file>
-
-<file path=ppt/slideLayouts/slideLayout6.xml><?xml version="1.0" encoding="utf-8"?>
 <p:sldLayout xmlns:a="http://schemas.openxmlformats.org/drawingml/2006/main" xmlns:r="http://schemas.openxmlformats.org/officeDocument/2006/relationships" xmlns:p="http://schemas.openxmlformats.org/presentationml/2006/main" type="titleOnly" preserve="1">
   <p:cSld name="只有標題">
     <p:spTree>
@@ -6712,7 +2688,7 @@
             </a:r>
             <a:r>
               <a:rPr lang="zh-TW" altLang="en-US"/>
-              <a:t>桃高資訊社</a:t>
+              <a:t> 桃高資訊社</a:t>
             </a:r>
           </a:p>
         </p:txBody>
@@ -6849,276 +2825,10 @@
           </a:p>
         </p:txBody>
       </p:sp>
-      <p:sp>
-        <p:nvSpPr>
-          <p:cNvPr id="5" name="頁尾版面配置區 4">
-            <a:extLst>
-              <a:ext uri="{FF2B5EF4-FFF2-40B4-BE49-F238E27FC236}">
-                <a16:creationId xmlns:a16="http://schemas.microsoft.com/office/drawing/2014/main" id="{D8E74B65-EAF7-495F-B1FC-F79D9D03475E}"/>
-              </a:ext>
-            </a:extLst>
-          </p:cNvPr>
-          <p:cNvSpPr txBox="1">
-            <a:spLocks/>
-          </p:cNvSpPr>
-          <p:nvPr userDrawn="1"/>
-        </p:nvSpPr>
-        <p:spPr>
-          <a:xfrm>
-            <a:off x="0" y="6492875"/>
-            <a:ext cx="2743200" cy="365125"/>
-          </a:xfrm>
-          <a:prstGeom prst="rect">
-            <a:avLst/>
-          </a:prstGeom>
-        </p:spPr>
-        <p:txBody>
-          <a:bodyPr vert="horz" lIns="91440" tIns="45720" rIns="91440" bIns="45720" rtlCol="0" anchor="ctr"/>
-          <a:lstStyle>
-            <a:defPPr>
-              <a:defRPr lang="zh-TW"/>
-            </a:defPPr>
-            <a:lvl1pPr marL="0" algn="l" defTabSz="914400" rtl="0" eaLnBrk="1" latinLnBrk="0" hangingPunct="1">
-              <a:defRPr sz="1200" kern="1200">
-                <a:solidFill>
-                  <a:schemeClr val="tx1">
-                    <a:tint val="75000"/>
-                  </a:schemeClr>
-                </a:solidFill>
-                <a:latin typeface="+mn-lt"/>
-                <a:ea typeface="+mn-ea"/>
-                <a:cs typeface="+mn-cs"/>
-              </a:defRPr>
-            </a:lvl1pPr>
-            <a:lvl2pPr marL="457200" algn="l" defTabSz="914400" rtl="0" eaLnBrk="1" latinLnBrk="0" hangingPunct="1">
-              <a:defRPr sz="1800" kern="1200">
-                <a:solidFill>
-                  <a:schemeClr val="tx1"/>
-                </a:solidFill>
-                <a:latin typeface="+mn-lt"/>
-                <a:ea typeface="+mn-ea"/>
-                <a:cs typeface="+mn-cs"/>
-              </a:defRPr>
-            </a:lvl2pPr>
-            <a:lvl3pPr marL="914400" algn="l" defTabSz="914400" rtl="0" eaLnBrk="1" latinLnBrk="0" hangingPunct="1">
-              <a:defRPr sz="1800" kern="1200">
-                <a:solidFill>
-                  <a:schemeClr val="tx1"/>
-                </a:solidFill>
-                <a:latin typeface="+mn-lt"/>
-                <a:ea typeface="+mn-ea"/>
-                <a:cs typeface="+mn-cs"/>
-              </a:defRPr>
-            </a:lvl3pPr>
-            <a:lvl4pPr marL="1371600" algn="l" defTabSz="914400" rtl="0" eaLnBrk="1" latinLnBrk="0" hangingPunct="1">
-              <a:defRPr sz="1800" kern="1200">
-                <a:solidFill>
-                  <a:schemeClr val="tx1"/>
-                </a:solidFill>
-                <a:latin typeface="+mn-lt"/>
-                <a:ea typeface="+mn-ea"/>
-                <a:cs typeface="+mn-cs"/>
-              </a:defRPr>
-            </a:lvl4pPr>
-            <a:lvl5pPr marL="1828800" algn="l" defTabSz="914400" rtl="0" eaLnBrk="1" latinLnBrk="0" hangingPunct="1">
-              <a:defRPr sz="1800" kern="1200">
-                <a:solidFill>
-                  <a:schemeClr val="tx1"/>
-                </a:solidFill>
-                <a:latin typeface="+mn-lt"/>
-                <a:ea typeface="+mn-ea"/>
-                <a:cs typeface="+mn-cs"/>
-              </a:defRPr>
-            </a:lvl5pPr>
-            <a:lvl6pPr marL="2286000" algn="l" defTabSz="914400" rtl="0" eaLnBrk="1" latinLnBrk="0" hangingPunct="1">
-              <a:defRPr sz="1800" kern="1200">
-                <a:solidFill>
-                  <a:schemeClr val="tx1"/>
-                </a:solidFill>
-                <a:latin typeface="+mn-lt"/>
-                <a:ea typeface="+mn-ea"/>
-                <a:cs typeface="+mn-cs"/>
-              </a:defRPr>
-            </a:lvl6pPr>
-            <a:lvl7pPr marL="2743200" algn="l" defTabSz="914400" rtl="0" eaLnBrk="1" latinLnBrk="0" hangingPunct="1">
-              <a:defRPr sz="1800" kern="1200">
-                <a:solidFill>
-                  <a:schemeClr val="tx1"/>
-                </a:solidFill>
-                <a:latin typeface="+mn-lt"/>
-                <a:ea typeface="+mn-ea"/>
-                <a:cs typeface="+mn-cs"/>
-              </a:defRPr>
-            </a:lvl7pPr>
-            <a:lvl8pPr marL="3200400" algn="l" defTabSz="914400" rtl="0" eaLnBrk="1" latinLnBrk="0" hangingPunct="1">
-              <a:defRPr sz="1800" kern="1200">
-                <a:solidFill>
-                  <a:schemeClr val="tx1"/>
-                </a:solidFill>
-                <a:latin typeface="+mn-lt"/>
-                <a:ea typeface="+mn-ea"/>
-                <a:cs typeface="+mn-cs"/>
-              </a:defRPr>
-            </a:lvl8pPr>
-            <a:lvl9pPr marL="3657600" algn="l" defTabSz="914400" rtl="0" eaLnBrk="1" latinLnBrk="0" hangingPunct="1">
-              <a:defRPr sz="1800" kern="1200">
-                <a:solidFill>
-                  <a:schemeClr val="tx1"/>
-                </a:solidFill>
-                <a:latin typeface="+mn-lt"/>
-                <a:ea typeface="+mn-ea"/>
-                <a:cs typeface="+mn-cs"/>
-              </a:defRPr>
-            </a:lvl9pPr>
-          </a:lstStyle>
-          <a:p>
-            <a:r>
-              <a:rPr lang="en-US" altLang="zh-TW" dirty="0"/>
-              <a:t>TYIC</a:t>
-            </a:r>
-            <a:r>
-              <a:rPr lang="zh-TW" altLang="en-US"/>
-              <a:t>桃高資訊社</a:t>
-            </a:r>
-          </a:p>
-        </p:txBody>
-      </p:sp>
-      <p:sp>
-        <p:nvSpPr>
-          <p:cNvPr id="8" name="投影片編號版面配置區 5">
-            <a:extLst>
-              <a:ext uri="{FF2B5EF4-FFF2-40B4-BE49-F238E27FC236}">
-                <a16:creationId xmlns:a16="http://schemas.microsoft.com/office/drawing/2014/main" id="{9D527980-0A68-41A1-8AEA-310C2B755958}"/>
-              </a:ext>
-            </a:extLst>
-          </p:cNvPr>
-          <p:cNvSpPr txBox="1">
-            <a:spLocks/>
-          </p:cNvSpPr>
-          <p:nvPr userDrawn="1"/>
-        </p:nvSpPr>
-        <p:spPr>
-          <a:xfrm>
-            <a:off x="9448800" y="6492874"/>
-            <a:ext cx="2743200" cy="365125"/>
-          </a:xfrm>
-          <a:prstGeom prst="rect">
-            <a:avLst/>
-          </a:prstGeom>
-        </p:spPr>
-        <p:txBody>
-          <a:bodyPr vert="horz" lIns="91440" tIns="45720" rIns="91440" bIns="45720" rtlCol="0" anchor="ctr"/>
-          <a:lstStyle>
-            <a:defPPr>
-              <a:defRPr lang="zh-TW"/>
-            </a:defPPr>
-            <a:lvl1pPr marL="0" algn="r" defTabSz="914400" rtl="0" eaLnBrk="1" latinLnBrk="0" hangingPunct="1">
-              <a:defRPr sz="1200" kern="1200">
-                <a:solidFill>
-                  <a:schemeClr val="tx1">
-                    <a:tint val="75000"/>
-                  </a:schemeClr>
-                </a:solidFill>
-                <a:latin typeface="+mn-lt"/>
-                <a:ea typeface="+mn-ea"/>
-                <a:cs typeface="+mn-cs"/>
-              </a:defRPr>
-            </a:lvl1pPr>
-            <a:lvl2pPr marL="457200" algn="l" defTabSz="914400" rtl="0" eaLnBrk="1" latinLnBrk="0" hangingPunct="1">
-              <a:defRPr sz="1800" kern="1200">
-                <a:solidFill>
-                  <a:schemeClr val="tx1"/>
-                </a:solidFill>
-                <a:latin typeface="+mn-lt"/>
-                <a:ea typeface="+mn-ea"/>
-                <a:cs typeface="+mn-cs"/>
-              </a:defRPr>
-            </a:lvl2pPr>
-            <a:lvl3pPr marL="914400" algn="l" defTabSz="914400" rtl="0" eaLnBrk="1" latinLnBrk="0" hangingPunct="1">
-              <a:defRPr sz="1800" kern="1200">
-                <a:solidFill>
-                  <a:schemeClr val="tx1"/>
-                </a:solidFill>
-                <a:latin typeface="+mn-lt"/>
-                <a:ea typeface="+mn-ea"/>
-                <a:cs typeface="+mn-cs"/>
-              </a:defRPr>
-            </a:lvl3pPr>
-            <a:lvl4pPr marL="1371600" algn="l" defTabSz="914400" rtl="0" eaLnBrk="1" latinLnBrk="0" hangingPunct="1">
-              <a:defRPr sz="1800" kern="1200">
-                <a:solidFill>
-                  <a:schemeClr val="tx1"/>
-                </a:solidFill>
-                <a:latin typeface="+mn-lt"/>
-                <a:ea typeface="+mn-ea"/>
-                <a:cs typeface="+mn-cs"/>
-              </a:defRPr>
-            </a:lvl4pPr>
-            <a:lvl5pPr marL="1828800" algn="l" defTabSz="914400" rtl="0" eaLnBrk="1" latinLnBrk="0" hangingPunct="1">
-              <a:defRPr sz="1800" kern="1200">
-                <a:solidFill>
-                  <a:schemeClr val="tx1"/>
-                </a:solidFill>
-                <a:latin typeface="+mn-lt"/>
-                <a:ea typeface="+mn-ea"/>
-                <a:cs typeface="+mn-cs"/>
-              </a:defRPr>
-            </a:lvl5pPr>
-            <a:lvl6pPr marL="2286000" algn="l" defTabSz="914400" rtl="0" eaLnBrk="1" latinLnBrk="0" hangingPunct="1">
-              <a:defRPr sz="1800" kern="1200">
-                <a:solidFill>
-                  <a:schemeClr val="tx1"/>
-                </a:solidFill>
-                <a:latin typeface="+mn-lt"/>
-                <a:ea typeface="+mn-ea"/>
-                <a:cs typeface="+mn-cs"/>
-              </a:defRPr>
-            </a:lvl6pPr>
-            <a:lvl7pPr marL="2743200" algn="l" defTabSz="914400" rtl="0" eaLnBrk="1" latinLnBrk="0" hangingPunct="1">
-              <a:defRPr sz="1800" kern="1200">
-                <a:solidFill>
-                  <a:schemeClr val="tx1"/>
-                </a:solidFill>
-                <a:latin typeface="+mn-lt"/>
-                <a:ea typeface="+mn-ea"/>
-                <a:cs typeface="+mn-cs"/>
-              </a:defRPr>
-            </a:lvl7pPr>
-            <a:lvl8pPr marL="3200400" algn="l" defTabSz="914400" rtl="0" eaLnBrk="1" latinLnBrk="0" hangingPunct="1">
-              <a:defRPr sz="1800" kern="1200">
-                <a:solidFill>
-                  <a:schemeClr val="tx1"/>
-                </a:solidFill>
-                <a:latin typeface="+mn-lt"/>
-                <a:ea typeface="+mn-ea"/>
-                <a:cs typeface="+mn-cs"/>
-              </a:defRPr>
-            </a:lvl8pPr>
-            <a:lvl9pPr marL="3657600" algn="l" defTabSz="914400" rtl="0" eaLnBrk="1" latinLnBrk="0" hangingPunct="1">
-              <a:defRPr sz="1800" kern="1200">
-                <a:solidFill>
-                  <a:schemeClr val="tx1"/>
-                </a:solidFill>
-                <a:latin typeface="+mn-lt"/>
-                <a:ea typeface="+mn-ea"/>
-                <a:cs typeface="+mn-cs"/>
-              </a:defRPr>
-            </a:lvl9pPr>
-          </a:lstStyle>
-          <a:p>
-            <a:fld id="{D4328D90-2A6F-4F23-88A8-C5DCC2B5F307}" type="slidenum">
-              <a:rPr lang="zh-TW" altLang="en-US" smtClean="0"/>
-              <a:pPr/>
-              <a:t>‹#›</a:t>
-            </a:fld>
-            <a:endParaRPr lang="zh-TW" altLang="en-US"/>
-          </a:p>
-        </p:txBody>
-      </p:sp>
     </p:spTree>
     <p:extLst>
       <p:ext uri="{BB962C8B-B14F-4D97-AF65-F5344CB8AC3E}">
-        <p14:creationId xmlns:p14="http://schemas.microsoft.com/office/powerpoint/2010/main" val="138617793"/>
+        <p14:creationId xmlns:p14="http://schemas.microsoft.com/office/powerpoint/2010/main" val="3940762730"/>
       </p:ext>
     </p:extLst>
   </p:cSld>
@@ -7131,7 +2841,7 @@
 </p:sldLayout>
 </file>
 
-<file path=ppt/slideLayouts/slideLayout7.xml><?xml version="1.0" encoding="utf-8"?>
+<file path=ppt/slideLayouts/slideLayout4.xml><?xml version="1.0" encoding="utf-8"?>
 <p:sldLayout xmlns:a="http://schemas.openxmlformats.org/drawingml/2006/main" xmlns:r="http://schemas.openxmlformats.org/officeDocument/2006/relationships" xmlns:p="http://schemas.openxmlformats.org/presentationml/2006/main" type="blank" preserve="1">
   <p:cSld name="空白">
     <p:spTree>
@@ -7277,7 +2987,7 @@
             </a:r>
             <a:r>
               <a:rPr lang="zh-TW" altLang="en-US"/>
-              <a:t>桃高資訊社</a:t>
+              <a:t> 桃高資訊社</a:t>
             </a:r>
           </a:p>
         </p:txBody>
@@ -7414,1782 +3124,10 @@
           </a:p>
         </p:txBody>
       </p:sp>
-      <p:sp>
-        <p:nvSpPr>
-          <p:cNvPr id="4" name="頁尾版面配置區 4">
-            <a:extLst>
-              <a:ext uri="{FF2B5EF4-FFF2-40B4-BE49-F238E27FC236}">
-                <a16:creationId xmlns:a16="http://schemas.microsoft.com/office/drawing/2014/main" id="{DE9530A3-8E8B-4035-8447-3C54676CB584}"/>
-              </a:ext>
-            </a:extLst>
-          </p:cNvPr>
-          <p:cNvSpPr txBox="1">
-            <a:spLocks/>
-          </p:cNvSpPr>
-          <p:nvPr userDrawn="1"/>
-        </p:nvSpPr>
-        <p:spPr>
-          <a:xfrm>
-            <a:off x="0" y="6492875"/>
-            <a:ext cx="2743200" cy="365125"/>
-          </a:xfrm>
-          <a:prstGeom prst="rect">
-            <a:avLst/>
-          </a:prstGeom>
-        </p:spPr>
-        <p:txBody>
-          <a:bodyPr vert="horz" lIns="91440" tIns="45720" rIns="91440" bIns="45720" rtlCol="0" anchor="ctr"/>
-          <a:lstStyle>
-            <a:defPPr>
-              <a:defRPr lang="zh-TW"/>
-            </a:defPPr>
-            <a:lvl1pPr marL="0" algn="l" defTabSz="914400" rtl="0" eaLnBrk="1" latinLnBrk="0" hangingPunct="1">
-              <a:defRPr sz="1200" kern="1200">
-                <a:solidFill>
-                  <a:schemeClr val="tx1">
-                    <a:tint val="75000"/>
-                  </a:schemeClr>
-                </a:solidFill>
-                <a:latin typeface="+mn-lt"/>
-                <a:ea typeface="+mn-ea"/>
-                <a:cs typeface="+mn-cs"/>
-              </a:defRPr>
-            </a:lvl1pPr>
-            <a:lvl2pPr marL="457200" algn="l" defTabSz="914400" rtl="0" eaLnBrk="1" latinLnBrk="0" hangingPunct="1">
-              <a:defRPr sz="1800" kern="1200">
-                <a:solidFill>
-                  <a:schemeClr val="tx1"/>
-                </a:solidFill>
-                <a:latin typeface="+mn-lt"/>
-                <a:ea typeface="+mn-ea"/>
-                <a:cs typeface="+mn-cs"/>
-              </a:defRPr>
-            </a:lvl2pPr>
-            <a:lvl3pPr marL="914400" algn="l" defTabSz="914400" rtl="0" eaLnBrk="1" latinLnBrk="0" hangingPunct="1">
-              <a:defRPr sz="1800" kern="1200">
-                <a:solidFill>
-                  <a:schemeClr val="tx1"/>
-                </a:solidFill>
-                <a:latin typeface="+mn-lt"/>
-                <a:ea typeface="+mn-ea"/>
-                <a:cs typeface="+mn-cs"/>
-              </a:defRPr>
-            </a:lvl3pPr>
-            <a:lvl4pPr marL="1371600" algn="l" defTabSz="914400" rtl="0" eaLnBrk="1" latinLnBrk="0" hangingPunct="1">
-              <a:defRPr sz="1800" kern="1200">
-                <a:solidFill>
-                  <a:schemeClr val="tx1"/>
-                </a:solidFill>
-                <a:latin typeface="+mn-lt"/>
-                <a:ea typeface="+mn-ea"/>
-                <a:cs typeface="+mn-cs"/>
-              </a:defRPr>
-            </a:lvl4pPr>
-            <a:lvl5pPr marL="1828800" algn="l" defTabSz="914400" rtl="0" eaLnBrk="1" latinLnBrk="0" hangingPunct="1">
-              <a:defRPr sz="1800" kern="1200">
-                <a:solidFill>
-                  <a:schemeClr val="tx1"/>
-                </a:solidFill>
-                <a:latin typeface="+mn-lt"/>
-                <a:ea typeface="+mn-ea"/>
-                <a:cs typeface="+mn-cs"/>
-              </a:defRPr>
-            </a:lvl5pPr>
-            <a:lvl6pPr marL="2286000" algn="l" defTabSz="914400" rtl="0" eaLnBrk="1" latinLnBrk="0" hangingPunct="1">
-              <a:defRPr sz="1800" kern="1200">
-                <a:solidFill>
-                  <a:schemeClr val="tx1"/>
-                </a:solidFill>
-                <a:latin typeface="+mn-lt"/>
-                <a:ea typeface="+mn-ea"/>
-                <a:cs typeface="+mn-cs"/>
-              </a:defRPr>
-            </a:lvl6pPr>
-            <a:lvl7pPr marL="2743200" algn="l" defTabSz="914400" rtl="0" eaLnBrk="1" latinLnBrk="0" hangingPunct="1">
-              <a:defRPr sz="1800" kern="1200">
-                <a:solidFill>
-                  <a:schemeClr val="tx1"/>
-                </a:solidFill>
-                <a:latin typeface="+mn-lt"/>
-                <a:ea typeface="+mn-ea"/>
-                <a:cs typeface="+mn-cs"/>
-              </a:defRPr>
-            </a:lvl7pPr>
-            <a:lvl8pPr marL="3200400" algn="l" defTabSz="914400" rtl="0" eaLnBrk="1" latinLnBrk="0" hangingPunct="1">
-              <a:defRPr sz="1800" kern="1200">
-                <a:solidFill>
-                  <a:schemeClr val="tx1"/>
-                </a:solidFill>
-                <a:latin typeface="+mn-lt"/>
-                <a:ea typeface="+mn-ea"/>
-                <a:cs typeface="+mn-cs"/>
-              </a:defRPr>
-            </a:lvl8pPr>
-            <a:lvl9pPr marL="3657600" algn="l" defTabSz="914400" rtl="0" eaLnBrk="1" latinLnBrk="0" hangingPunct="1">
-              <a:defRPr sz="1800" kern="1200">
-                <a:solidFill>
-                  <a:schemeClr val="tx1"/>
-                </a:solidFill>
-                <a:latin typeface="+mn-lt"/>
-                <a:ea typeface="+mn-ea"/>
-                <a:cs typeface="+mn-cs"/>
-              </a:defRPr>
-            </a:lvl9pPr>
-          </a:lstStyle>
-          <a:p>
-            <a:r>
-              <a:rPr lang="en-US" altLang="zh-TW" dirty="0"/>
-              <a:t>TYIC</a:t>
-            </a:r>
-            <a:r>
-              <a:rPr lang="zh-TW" altLang="en-US"/>
-              <a:t>桃高資訊社</a:t>
-            </a:r>
-          </a:p>
-        </p:txBody>
-      </p:sp>
-      <p:sp>
-        <p:nvSpPr>
-          <p:cNvPr id="7" name="投影片編號版面配置區 5">
-            <a:extLst>
-              <a:ext uri="{FF2B5EF4-FFF2-40B4-BE49-F238E27FC236}">
-                <a16:creationId xmlns:a16="http://schemas.microsoft.com/office/drawing/2014/main" id="{A1767755-B60F-4671-8CA1-A778B3D23A26}"/>
-              </a:ext>
-            </a:extLst>
-          </p:cNvPr>
-          <p:cNvSpPr txBox="1">
-            <a:spLocks/>
-          </p:cNvSpPr>
-          <p:nvPr userDrawn="1"/>
-        </p:nvSpPr>
-        <p:spPr>
-          <a:xfrm>
-            <a:off x="9448800" y="6492874"/>
-            <a:ext cx="2743200" cy="365125"/>
-          </a:xfrm>
-          <a:prstGeom prst="rect">
-            <a:avLst/>
-          </a:prstGeom>
-        </p:spPr>
-        <p:txBody>
-          <a:bodyPr vert="horz" lIns="91440" tIns="45720" rIns="91440" bIns="45720" rtlCol="0" anchor="ctr"/>
-          <a:lstStyle>
-            <a:defPPr>
-              <a:defRPr lang="zh-TW"/>
-            </a:defPPr>
-            <a:lvl1pPr marL="0" algn="r" defTabSz="914400" rtl="0" eaLnBrk="1" latinLnBrk="0" hangingPunct="1">
-              <a:defRPr sz="1200" kern="1200">
-                <a:solidFill>
-                  <a:schemeClr val="tx1">
-                    <a:tint val="75000"/>
-                  </a:schemeClr>
-                </a:solidFill>
-                <a:latin typeface="+mn-lt"/>
-                <a:ea typeface="+mn-ea"/>
-                <a:cs typeface="+mn-cs"/>
-              </a:defRPr>
-            </a:lvl1pPr>
-            <a:lvl2pPr marL="457200" algn="l" defTabSz="914400" rtl="0" eaLnBrk="1" latinLnBrk="0" hangingPunct="1">
-              <a:defRPr sz="1800" kern="1200">
-                <a:solidFill>
-                  <a:schemeClr val="tx1"/>
-                </a:solidFill>
-                <a:latin typeface="+mn-lt"/>
-                <a:ea typeface="+mn-ea"/>
-                <a:cs typeface="+mn-cs"/>
-              </a:defRPr>
-            </a:lvl2pPr>
-            <a:lvl3pPr marL="914400" algn="l" defTabSz="914400" rtl="0" eaLnBrk="1" latinLnBrk="0" hangingPunct="1">
-              <a:defRPr sz="1800" kern="1200">
-                <a:solidFill>
-                  <a:schemeClr val="tx1"/>
-                </a:solidFill>
-                <a:latin typeface="+mn-lt"/>
-                <a:ea typeface="+mn-ea"/>
-                <a:cs typeface="+mn-cs"/>
-              </a:defRPr>
-            </a:lvl3pPr>
-            <a:lvl4pPr marL="1371600" algn="l" defTabSz="914400" rtl="0" eaLnBrk="1" latinLnBrk="0" hangingPunct="1">
-              <a:defRPr sz="1800" kern="1200">
-                <a:solidFill>
-                  <a:schemeClr val="tx1"/>
-                </a:solidFill>
-                <a:latin typeface="+mn-lt"/>
-                <a:ea typeface="+mn-ea"/>
-                <a:cs typeface="+mn-cs"/>
-              </a:defRPr>
-            </a:lvl4pPr>
-            <a:lvl5pPr marL="1828800" algn="l" defTabSz="914400" rtl="0" eaLnBrk="1" latinLnBrk="0" hangingPunct="1">
-              <a:defRPr sz="1800" kern="1200">
-                <a:solidFill>
-                  <a:schemeClr val="tx1"/>
-                </a:solidFill>
-                <a:latin typeface="+mn-lt"/>
-                <a:ea typeface="+mn-ea"/>
-                <a:cs typeface="+mn-cs"/>
-              </a:defRPr>
-            </a:lvl5pPr>
-            <a:lvl6pPr marL="2286000" algn="l" defTabSz="914400" rtl="0" eaLnBrk="1" latinLnBrk="0" hangingPunct="1">
-              <a:defRPr sz="1800" kern="1200">
-                <a:solidFill>
-                  <a:schemeClr val="tx1"/>
-                </a:solidFill>
-                <a:latin typeface="+mn-lt"/>
-                <a:ea typeface="+mn-ea"/>
-                <a:cs typeface="+mn-cs"/>
-              </a:defRPr>
-            </a:lvl6pPr>
-            <a:lvl7pPr marL="2743200" algn="l" defTabSz="914400" rtl="0" eaLnBrk="1" latinLnBrk="0" hangingPunct="1">
-              <a:defRPr sz="1800" kern="1200">
-                <a:solidFill>
-                  <a:schemeClr val="tx1"/>
-                </a:solidFill>
-                <a:latin typeface="+mn-lt"/>
-                <a:ea typeface="+mn-ea"/>
-                <a:cs typeface="+mn-cs"/>
-              </a:defRPr>
-            </a:lvl7pPr>
-            <a:lvl8pPr marL="3200400" algn="l" defTabSz="914400" rtl="0" eaLnBrk="1" latinLnBrk="0" hangingPunct="1">
-              <a:defRPr sz="1800" kern="1200">
-                <a:solidFill>
-                  <a:schemeClr val="tx1"/>
-                </a:solidFill>
-                <a:latin typeface="+mn-lt"/>
-                <a:ea typeface="+mn-ea"/>
-                <a:cs typeface="+mn-cs"/>
-              </a:defRPr>
-            </a:lvl8pPr>
-            <a:lvl9pPr marL="3657600" algn="l" defTabSz="914400" rtl="0" eaLnBrk="1" latinLnBrk="0" hangingPunct="1">
-              <a:defRPr sz="1800" kern="1200">
-                <a:solidFill>
-                  <a:schemeClr val="tx1"/>
-                </a:solidFill>
-                <a:latin typeface="+mn-lt"/>
-                <a:ea typeface="+mn-ea"/>
-                <a:cs typeface="+mn-cs"/>
-              </a:defRPr>
-            </a:lvl9pPr>
-          </a:lstStyle>
-          <a:p>
-            <a:fld id="{D4328D90-2A6F-4F23-88A8-C5DCC2B5F307}" type="slidenum">
-              <a:rPr lang="zh-TW" altLang="en-US" smtClean="0"/>
-              <a:pPr/>
-              <a:t>‹#›</a:t>
-            </a:fld>
-            <a:endParaRPr lang="zh-TW" altLang="en-US"/>
-          </a:p>
-        </p:txBody>
-      </p:sp>
     </p:spTree>
     <p:extLst>
       <p:ext uri="{BB962C8B-B14F-4D97-AF65-F5344CB8AC3E}">
-        <p14:creationId xmlns:p14="http://schemas.microsoft.com/office/powerpoint/2010/main" val="1552246857"/>
-      </p:ext>
-    </p:extLst>
-  </p:cSld>
-  <p:clrMapOvr>
-    <a:masterClrMapping/>
-  </p:clrMapOvr>
-  <p:transition spd="slow">
-    <p:push dir="u"/>
-  </p:transition>
-</p:sldLayout>
-</file>
-
-<file path=ppt/slideLayouts/slideLayout8.xml><?xml version="1.0" encoding="utf-8"?>
-<p:sldLayout xmlns:a="http://schemas.openxmlformats.org/drawingml/2006/main" xmlns:r="http://schemas.openxmlformats.org/officeDocument/2006/relationships" xmlns:p="http://schemas.openxmlformats.org/presentationml/2006/main" type="objTx" preserve="1">
-  <p:cSld name="含輔助字幕的內容">
-    <p:spTree>
-      <p:nvGrpSpPr>
-        <p:cNvPr id="1" name=""/>
-        <p:cNvGrpSpPr/>
-        <p:nvPr/>
-      </p:nvGrpSpPr>
-      <p:grpSpPr>
-        <a:xfrm>
-          <a:off x="0" y="0"/>
-          <a:ext cx="0" cy="0"/>
-          <a:chOff x="0" y="0"/>
-          <a:chExt cx="0" cy="0"/>
-        </a:xfrm>
-      </p:grpSpPr>
-      <p:sp>
-        <p:nvSpPr>
-          <p:cNvPr id="2" name="標題 1">
-            <a:extLst>
-              <a:ext uri="{FF2B5EF4-FFF2-40B4-BE49-F238E27FC236}">
-                <a16:creationId xmlns:a16="http://schemas.microsoft.com/office/drawing/2014/main" id="{B3FF8213-F1BD-48FF-9D09-6E26FB79AEA1}"/>
-              </a:ext>
-            </a:extLst>
-          </p:cNvPr>
-          <p:cNvSpPr>
-            <a:spLocks noGrp="1"/>
-          </p:cNvSpPr>
-          <p:nvPr>
-            <p:ph type="title"/>
-          </p:nvPr>
-        </p:nvSpPr>
-        <p:spPr>
-          <a:xfrm>
-            <a:off x="839788" y="457200"/>
-            <a:ext cx="3932237" cy="1600200"/>
-          </a:xfrm>
-        </p:spPr>
-        <p:txBody>
-          <a:bodyPr anchor="b"/>
-          <a:lstStyle>
-            <a:lvl1pPr>
-              <a:defRPr sz="3200"/>
-            </a:lvl1pPr>
-          </a:lstStyle>
-          <a:p>
-            <a:r>
-              <a:rPr lang="zh-TW" altLang="en-US"/>
-              <a:t>按一下以編輯母片標題樣式</a:t>
-            </a:r>
-          </a:p>
-        </p:txBody>
-      </p:sp>
-      <p:sp>
-        <p:nvSpPr>
-          <p:cNvPr id="3" name="內容版面配置區 2">
-            <a:extLst>
-              <a:ext uri="{FF2B5EF4-FFF2-40B4-BE49-F238E27FC236}">
-                <a16:creationId xmlns:a16="http://schemas.microsoft.com/office/drawing/2014/main" id="{86E10944-F816-4D3C-9D55-2000BE13A95A}"/>
-              </a:ext>
-            </a:extLst>
-          </p:cNvPr>
-          <p:cNvSpPr>
-            <a:spLocks noGrp="1"/>
-          </p:cNvSpPr>
-          <p:nvPr>
-            <p:ph idx="1"/>
-          </p:nvPr>
-        </p:nvSpPr>
-        <p:spPr>
-          <a:xfrm>
-            <a:off x="5183188" y="987425"/>
-            <a:ext cx="6172200" cy="4873625"/>
-          </a:xfrm>
-        </p:spPr>
-        <p:txBody>
-          <a:bodyPr/>
-          <a:lstStyle>
-            <a:lvl1pPr>
-              <a:defRPr sz="3200"/>
-            </a:lvl1pPr>
-            <a:lvl2pPr>
-              <a:defRPr sz="2800"/>
-            </a:lvl2pPr>
-            <a:lvl3pPr>
-              <a:defRPr sz="2400"/>
-            </a:lvl3pPr>
-            <a:lvl4pPr>
-              <a:defRPr sz="2000"/>
-            </a:lvl4pPr>
-            <a:lvl5pPr>
-              <a:defRPr sz="2000"/>
-            </a:lvl5pPr>
-            <a:lvl6pPr>
-              <a:defRPr sz="2000"/>
-            </a:lvl6pPr>
-            <a:lvl7pPr>
-              <a:defRPr sz="2000"/>
-            </a:lvl7pPr>
-            <a:lvl8pPr>
-              <a:defRPr sz="2000"/>
-            </a:lvl8pPr>
-            <a:lvl9pPr>
-              <a:defRPr sz="2000"/>
-            </a:lvl9pPr>
-          </a:lstStyle>
-          <a:p>
-            <a:pPr lvl="0"/>
-            <a:r>
-              <a:rPr lang="zh-TW" altLang="en-US"/>
-              <a:t>按一下以編輯母片文字樣式</a:t>
-            </a:r>
-          </a:p>
-          <a:p>
-            <a:pPr lvl="1"/>
-            <a:r>
-              <a:rPr lang="zh-TW" altLang="en-US"/>
-              <a:t>第二層</a:t>
-            </a:r>
-          </a:p>
-          <a:p>
-            <a:pPr lvl="2"/>
-            <a:r>
-              <a:rPr lang="zh-TW" altLang="en-US"/>
-              <a:t>第三層</a:t>
-            </a:r>
-          </a:p>
-          <a:p>
-            <a:pPr lvl="3"/>
-            <a:r>
-              <a:rPr lang="zh-TW" altLang="en-US"/>
-              <a:t>第四層</a:t>
-            </a:r>
-          </a:p>
-          <a:p>
-            <a:pPr lvl="4"/>
-            <a:r>
-              <a:rPr lang="zh-TW" altLang="en-US"/>
-              <a:t>第五層</a:t>
-            </a:r>
-          </a:p>
-        </p:txBody>
-      </p:sp>
-      <p:sp>
-        <p:nvSpPr>
-          <p:cNvPr id="4" name="文字版面配置區 3">
-            <a:extLst>
-              <a:ext uri="{FF2B5EF4-FFF2-40B4-BE49-F238E27FC236}">
-                <a16:creationId xmlns:a16="http://schemas.microsoft.com/office/drawing/2014/main" id="{39490BF7-1244-48E3-92BD-9B7BCFA0C5CD}"/>
-              </a:ext>
-            </a:extLst>
-          </p:cNvPr>
-          <p:cNvSpPr>
-            <a:spLocks noGrp="1"/>
-          </p:cNvSpPr>
-          <p:nvPr>
-            <p:ph type="body" sz="half" idx="2"/>
-          </p:nvPr>
-        </p:nvSpPr>
-        <p:spPr>
-          <a:xfrm>
-            <a:off x="839788" y="2057400"/>
-            <a:ext cx="3932237" cy="3811588"/>
-          </a:xfrm>
-        </p:spPr>
-        <p:txBody>
-          <a:bodyPr/>
-          <a:lstStyle>
-            <a:lvl1pPr marL="0" indent="0">
-              <a:buNone/>
-              <a:defRPr sz="1600"/>
-            </a:lvl1pPr>
-            <a:lvl2pPr marL="457200" indent="0">
-              <a:buNone/>
-              <a:defRPr sz="1400"/>
-            </a:lvl2pPr>
-            <a:lvl3pPr marL="914400" indent="0">
-              <a:buNone/>
-              <a:defRPr sz="1200"/>
-            </a:lvl3pPr>
-            <a:lvl4pPr marL="1371600" indent="0">
-              <a:buNone/>
-              <a:defRPr sz="1000"/>
-            </a:lvl4pPr>
-            <a:lvl5pPr marL="1828800" indent="0">
-              <a:buNone/>
-              <a:defRPr sz="1000"/>
-            </a:lvl5pPr>
-            <a:lvl6pPr marL="2286000" indent="0">
-              <a:buNone/>
-              <a:defRPr sz="1000"/>
-            </a:lvl6pPr>
-            <a:lvl7pPr marL="2743200" indent="0">
-              <a:buNone/>
-              <a:defRPr sz="1000"/>
-            </a:lvl7pPr>
-            <a:lvl8pPr marL="3200400" indent="0">
-              <a:buNone/>
-              <a:defRPr sz="1000"/>
-            </a:lvl8pPr>
-            <a:lvl9pPr marL="3657600" indent="0">
-              <a:buNone/>
-              <a:defRPr sz="1000"/>
-            </a:lvl9pPr>
-          </a:lstStyle>
-          <a:p>
-            <a:pPr lvl="0"/>
-            <a:r>
-              <a:rPr lang="zh-TW" altLang="en-US"/>
-              <a:t>按一下以編輯母片文字樣式</a:t>
-            </a:r>
-          </a:p>
-        </p:txBody>
-      </p:sp>
-      <p:sp>
-        <p:nvSpPr>
-          <p:cNvPr id="8" name="頁尾版面配置區 4">
-            <a:extLst>
-              <a:ext uri="{FF2B5EF4-FFF2-40B4-BE49-F238E27FC236}">
-                <a16:creationId xmlns:a16="http://schemas.microsoft.com/office/drawing/2014/main" id="{62A376CE-D98D-486D-A1FC-0FAA7CB56CB4}"/>
-              </a:ext>
-            </a:extLst>
-          </p:cNvPr>
-          <p:cNvSpPr txBox="1">
-            <a:spLocks/>
-          </p:cNvSpPr>
-          <p:nvPr/>
-        </p:nvSpPr>
-        <p:spPr>
-          <a:xfrm>
-            <a:off x="0" y="6492875"/>
-            <a:ext cx="2743200" cy="365125"/>
-          </a:xfrm>
-          <a:prstGeom prst="rect">
-            <a:avLst/>
-          </a:prstGeom>
-        </p:spPr>
-        <p:txBody>
-          <a:bodyPr vert="horz" lIns="91440" tIns="45720" rIns="91440" bIns="45720" rtlCol="0" anchor="ctr"/>
-          <a:lstStyle>
-            <a:defPPr>
-              <a:defRPr lang="zh-TW"/>
-            </a:defPPr>
-            <a:lvl1pPr marL="0" algn="l" defTabSz="914400" rtl="0" eaLnBrk="1" latinLnBrk="0" hangingPunct="1">
-              <a:defRPr sz="1200" kern="1200">
-                <a:solidFill>
-                  <a:schemeClr val="tx1">
-                    <a:tint val="75000"/>
-                  </a:schemeClr>
-                </a:solidFill>
-                <a:latin typeface="+mn-lt"/>
-                <a:ea typeface="+mn-ea"/>
-                <a:cs typeface="+mn-cs"/>
-              </a:defRPr>
-            </a:lvl1pPr>
-            <a:lvl2pPr marL="457200" algn="l" defTabSz="914400" rtl="0" eaLnBrk="1" latinLnBrk="0" hangingPunct="1">
-              <a:defRPr sz="1800" kern="1200">
-                <a:solidFill>
-                  <a:schemeClr val="tx1"/>
-                </a:solidFill>
-                <a:latin typeface="+mn-lt"/>
-                <a:ea typeface="+mn-ea"/>
-                <a:cs typeface="+mn-cs"/>
-              </a:defRPr>
-            </a:lvl2pPr>
-            <a:lvl3pPr marL="914400" algn="l" defTabSz="914400" rtl="0" eaLnBrk="1" latinLnBrk="0" hangingPunct="1">
-              <a:defRPr sz="1800" kern="1200">
-                <a:solidFill>
-                  <a:schemeClr val="tx1"/>
-                </a:solidFill>
-                <a:latin typeface="+mn-lt"/>
-                <a:ea typeface="+mn-ea"/>
-                <a:cs typeface="+mn-cs"/>
-              </a:defRPr>
-            </a:lvl3pPr>
-            <a:lvl4pPr marL="1371600" algn="l" defTabSz="914400" rtl="0" eaLnBrk="1" latinLnBrk="0" hangingPunct="1">
-              <a:defRPr sz="1800" kern="1200">
-                <a:solidFill>
-                  <a:schemeClr val="tx1"/>
-                </a:solidFill>
-                <a:latin typeface="+mn-lt"/>
-                <a:ea typeface="+mn-ea"/>
-                <a:cs typeface="+mn-cs"/>
-              </a:defRPr>
-            </a:lvl4pPr>
-            <a:lvl5pPr marL="1828800" algn="l" defTabSz="914400" rtl="0" eaLnBrk="1" latinLnBrk="0" hangingPunct="1">
-              <a:defRPr sz="1800" kern="1200">
-                <a:solidFill>
-                  <a:schemeClr val="tx1"/>
-                </a:solidFill>
-                <a:latin typeface="+mn-lt"/>
-                <a:ea typeface="+mn-ea"/>
-                <a:cs typeface="+mn-cs"/>
-              </a:defRPr>
-            </a:lvl5pPr>
-            <a:lvl6pPr marL="2286000" algn="l" defTabSz="914400" rtl="0" eaLnBrk="1" latinLnBrk="0" hangingPunct="1">
-              <a:defRPr sz="1800" kern="1200">
-                <a:solidFill>
-                  <a:schemeClr val="tx1"/>
-                </a:solidFill>
-                <a:latin typeface="+mn-lt"/>
-                <a:ea typeface="+mn-ea"/>
-                <a:cs typeface="+mn-cs"/>
-              </a:defRPr>
-            </a:lvl6pPr>
-            <a:lvl7pPr marL="2743200" algn="l" defTabSz="914400" rtl="0" eaLnBrk="1" latinLnBrk="0" hangingPunct="1">
-              <a:defRPr sz="1800" kern="1200">
-                <a:solidFill>
-                  <a:schemeClr val="tx1"/>
-                </a:solidFill>
-                <a:latin typeface="+mn-lt"/>
-                <a:ea typeface="+mn-ea"/>
-                <a:cs typeface="+mn-cs"/>
-              </a:defRPr>
-            </a:lvl7pPr>
-            <a:lvl8pPr marL="3200400" algn="l" defTabSz="914400" rtl="0" eaLnBrk="1" latinLnBrk="0" hangingPunct="1">
-              <a:defRPr sz="1800" kern="1200">
-                <a:solidFill>
-                  <a:schemeClr val="tx1"/>
-                </a:solidFill>
-                <a:latin typeface="+mn-lt"/>
-                <a:ea typeface="+mn-ea"/>
-                <a:cs typeface="+mn-cs"/>
-              </a:defRPr>
-            </a:lvl8pPr>
-            <a:lvl9pPr marL="3657600" algn="l" defTabSz="914400" rtl="0" eaLnBrk="1" latinLnBrk="0" hangingPunct="1">
-              <a:defRPr sz="1800" kern="1200">
-                <a:solidFill>
-                  <a:schemeClr val="tx1"/>
-                </a:solidFill>
-                <a:latin typeface="+mn-lt"/>
-                <a:ea typeface="+mn-ea"/>
-                <a:cs typeface="+mn-cs"/>
-              </a:defRPr>
-            </a:lvl9pPr>
-          </a:lstStyle>
-          <a:p>
-            <a:r>
-              <a:rPr lang="en-US" altLang="zh-TW"/>
-              <a:t>TYIC</a:t>
-            </a:r>
-            <a:r>
-              <a:rPr lang="zh-TW" altLang="en-US"/>
-              <a:t>桃高資訊社</a:t>
-            </a:r>
-          </a:p>
-        </p:txBody>
-      </p:sp>
-      <p:sp>
-        <p:nvSpPr>
-          <p:cNvPr id="9" name="投影片編號版面配置區 5">
-            <a:extLst>
-              <a:ext uri="{FF2B5EF4-FFF2-40B4-BE49-F238E27FC236}">
-                <a16:creationId xmlns:a16="http://schemas.microsoft.com/office/drawing/2014/main" id="{2DE69523-299D-4C3A-A754-1550C8F5D7F7}"/>
-              </a:ext>
-            </a:extLst>
-          </p:cNvPr>
-          <p:cNvSpPr txBox="1">
-            <a:spLocks/>
-          </p:cNvSpPr>
-          <p:nvPr/>
-        </p:nvSpPr>
-        <p:spPr>
-          <a:xfrm>
-            <a:off x="9448800" y="6492874"/>
-            <a:ext cx="2743200" cy="365125"/>
-          </a:xfrm>
-          <a:prstGeom prst="rect">
-            <a:avLst/>
-          </a:prstGeom>
-        </p:spPr>
-        <p:txBody>
-          <a:bodyPr vert="horz" lIns="91440" tIns="45720" rIns="91440" bIns="45720" rtlCol="0" anchor="ctr"/>
-          <a:lstStyle>
-            <a:defPPr>
-              <a:defRPr lang="zh-TW"/>
-            </a:defPPr>
-            <a:lvl1pPr marL="0" algn="r" defTabSz="914400" rtl="0" eaLnBrk="1" latinLnBrk="0" hangingPunct="1">
-              <a:defRPr sz="1200" kern="1200">
-                <a:solidFill>
-                  <a:schemeClr val="tx1">
-                    <a:tint val="75000"/>
-                  </a:schemeClr>
-                </a:solidFill>
-                <a:latin typeface="+mn-lt"/>
-                <a:ea typeface="+mn-ea"/>
-                <a:cs typeface="+mn-cs"/>
-              </a:defRPr>
-            </a:lvl1pPr>
-            <a:lvl2pPr marL="457200" algn="l" defTabSz="914400" rtl="0" eaLnBrk="1" latinLnBrk="0" hangingPunct="1">
-              <a:defRPr sz="1800" kern="1200">
-                <a:solidFill>
-                  <a:schemeClr val="tx1"/>
-                </a:solidFill>
-                <a:latin typeface="+mn-lt"/>
-                <a:ea typeface="+mn-ea"/>
-                <a:cs typeface="+mn-cs"/>
-              </a:defRPr>
-            </a:lvl2pPr>
-            <a:lvl3pPr marL="914400" algn="l" defTabSz="914400" rtl="0" eaLnBrk="1" latinLnBrk="0" hangingPunct="1">
-              <a:defRPr sz="1800" kern="1200">
-                <a:solidFill>
-                  <a:schemeClr val="tx1"/>
-                </a:solidFill>
-                <a:latin typeface="+mn-lt"/>
-                <a:ea typeface="+mn-ea"/>
-                <a:cs typeface="+mn-cs"/>
-              </a:defRPr>
-            </a:lvl3pPr>
-            <a:lvl4pPr marL="1371600" algn="l" defTabSz="914400" rtl="0" eaLnBrk="1" latinLnBrk="0" hangingPunct="1">
-              <a:defRPr sz="1800" kern="1200">
-                <a:solidFill>
-                  <a:schemeClr val="tx1"/>
-                </a:solidFill>
-                <a:latin typeface="+mn-lt"/>
-                <a:ea typeface="+mn-ea"/>
-                <a:cs typeface="+mn-cs"/>
-              </a:defRPr>
-            </a:lvl4pPr>
-            <a:lvl5pPr marL="1828800" algn="l" defTabSz="914400" rtl="0" eaLnBrk="1" latinLnBrk="0" hangingPunct="1">
-              <a:defRPr sz="1800" kern="1200">
-                <a:solidFill>
-                  <a:schemeClr val="tx1"/>
-                </a:solidFill>
-                <a:latin typeface="+mn-lt"/>
-                <a:ea typeface="+mn-ea"/>
-                <a:cs typeface="+mn-cs"/>
-              </a:defRPr>
-            </a:lvl5pPr>
-            <a:lvl6pPr marL="2286000" algn="l" defTabSz="914400" rtl="0" eaLnBrk="1" latinLnBrk="0" hangingPunct="1">
-              <a:defRPr sz="1800" kern="1200">
-                <a:solidFill>
-                  <a:schemeClr val="tx1"/>
-                </a:solidFill>
-                <a:latin typeface="+mn-lt"/>
-                <a:ea typeface="+mn-ea"/>
-                <a:cs typeface="+mn-cs"/>
-              </a:defRPr>
-            </a:lvl6pPr>
-            <a:lvl7pPr marL="2743200" algn="l" defTabSz="914400" rtl="0" eaLnBrk="1" latinLnBrk="0" hangingPunct="1">
-              <a:defRPr sz="1800" kern="1200">
-                <a:solidFill>
-                  <a:schemeClr val="tx1"/>
-                </a:solidFill>
-                <a:latin typeface="+mn-lt"/>
-                <a:ea typeface="+mn-ea"/>
-                <a:cs typeface="+mn-cs"/>
-              </a:defRPr>
-            </a:lvl7pPr>
-            <a:lvl8pPr marL="3200400" algn="l" defTabSz="914400" rtl="0" eaLnBrk="1" latinLnBrk="0" hangingPunct="1">
-              <a:defRPr sz="1800" kern="1200">
-                <a:solidFill>
-                  <a:schemeClr val="tx1"/>
-                </a:solidFill>
-                <a:latin typeface="+mn-lt"/>
-                <a:ea typeface="+mn-ea"/>
-                <a:cs typeface="+mn-cs"/>
-              </a:defRPr>
-            </a:lvl8pPr>
-            <a:lvl9pPr marL="3657600" algn="l" defTabSz="914400" rtl="0" eaLnBrk="1" latinLnBrk="0" hangingPunct="1">
-              <a:defRPr sz="1800" kern="1200">
-                <a:solidFill>
-                  <a:schemeClr val="tx1"/>
-                </a:solidFill>
-                <a:latin typeface="+mn-lt"/>
-                <a:ea typeface="+mn-ea"/>
-                <a:cs typeface="+mn-cs"/>
-              </a:defRPr>
-            </a:lvl9pPr>
-          </a:lstStyle>
-          <a:p>
-            <a:fld id="{D4328D90-2A6F-4F23-88A8-C5DCC2B5F307}" type="slidenum">
-              <a:rPr lang="zh-TW" altLang="en-US" smtClean="0"/>
-              <a:pPr/>
-              <a:t>‹#›</a:t>
-            </a:fld>
-            <a:endParaRPr lang="zh-TW" altLang="en-US"/>
-          </a:p>
-        </p:txBody>
-      </p:sp>
-      <p:sp>
-        <p:nvSpPr>
-          <p:cNvPr id="7" name="頁尾版面配置區 4">
-            <a:extLst>
-              <a:ext uri="{FF2B5EF4-FFF2-40B4-BE49-F238E27FC236}">
-                <a16:creationId xmlns:a16="http://schemas.microsoft.com/office/drawing/2014/main" id="{5C61AB5E-1760-475F-A1B8-061721352C76}"/>
-              </a:ext>
-            </a:extLst>
-          </p:cNvPr>
-          <p:cNvSpPr txBox="1">
-            <a:spLocks/>
-          </p:cNvSpPr>
-          <p:nvPr userDrawn="1"/>
-        </p:nvSpPr>
-        <p:spPr>
-          <a:xfrm>
-            <a:off x="0" y="6492875"/>
-            <a:ext cx="2743200" cy="365125"/>
-          </a:xfrm>
-          <a:prstGeom prst="rect">
-            <a:avLst/>
-          </a:prstGeom>
-        </p:spPr>
-        <p:txBody>
-          <a:bodyPr vert="horz" lIns="91440" tIns="45720" rIns="91440" bIns="45720" rtlCol="0" anchor="ctr"/>
-          <a:lstStyle>
-            <a:defPPr>
-              <a:defRPr lang="zh-TW"/>
-            </a:defPPr>
-            <a:lvl1pPr marL="0" algn="l" defTabSz="914400" rtl="0" eaLnBrk="1" latinLnBrk="0" hangingPunct="1">
-              <a:defRPr sz="1200" kern="1200">
-                <a:solidFill>
-                  <a:schemeClr val="tx1">
-                    <a:tint val="75000"/>
-                  </a:schemeClr>
-                </a:solidFill>
-                <a:latin typeface="+mn-lt"/>
-                <a:ea typeface="+mn-ea"/>
-                <a:cs typeface="+mn-cs"/>
-              </a:defRPr>
-            </a:lvl1pPr>
-            <a:lvl2pPr marL="457200" algn="l" defTabSz="914400" rtl="0" eaLnBrk="1" latinLnBrk="0" hangingPunct="1">
-              <a:defRPr sz="1800" kern="1200">
-                <a:solidFill>
-                  <a:schemeClr val="tx1"/>
-                </a:solidFill>
-                <a:latin typeface="+mn-lt"/>
-                <a:ea typeface="+mn-ea"/>
-                <a:cs typeface="+mn-cs"/>
-              </a:defRPr>
-            </a:lvl2pPr>
-            <a:lvl3pPr marL="914400" algn="l" defTabSz="914400" rtl="0" eaLnBrk="1" latinLnBrk="0" hangingPunct="1">
-              <a:defRPr sz="1800" kern="1200">
-                <a:solidFill>
-                  <a:schemeClr val="tx1"/>
-                </a:solidFill>
-                <a:latin typeface="+mn-lt"/>
-                <a:ea typeface="+mn-ea"/>
-                <a:cs typeface="+mn-cs"/>
-              </a:defRPr>
-            </a:lvl3pPr>
-            <a:lvl4pPr marL="1371600" algn="l" defTabSz="914400" rtl="0" eaLnBrk="1" latinLnBrk="0" hangingPunct="1">
-              <a:defRPr sz="1800" kern="1200">
-                <a:solidFill>
-                  <a:schemeClr val="tx1"/>
-                </a:solidFill>
-                <a:latin typeface="+mn-lt"/>
-                <a:ea typeface="+mn-ea"/>
-                <a:cs typeface="+mn-cs"/>
-              </a:defRPr>
-            </a:lvl4pPr>
-            <a:lvl5pPr marL="1828800" algn="l" defTabSz="914400" rtl="0" eaLnBrk="1" latinLnBrk="0" hangingPunct="1">
-              <a:defRPr sz="1800" kern="1200">
-                <a:solidFill>
-                  <a:schemeClr val="tx1"/>
-                </a:solidFill>
-                <a:latin typeface="+mn-lt"/>
-                <a:ea typeface="+mn-ea"/>
-                <a:cs typeface="+mn-cs"/>
-              </a:defRPr>
-            </a:lvl5pPr>
-            <a:lvl6pPr marL="2286000" algn="l" defTabSz="914400" rtl="0" eaLnBrk="1" latinLnBrk="0" hangingPunct="1">
-              <a:defRPr sz="1800" kern="1200">
-                <a:solidFill>
-                  <a:schemeClr val="tx1"/>
-                </a:solidFill>
-                <a:latin typeface="+mn-lt"/>
-                <a:ea typeface="+mn-ea"/>
-                <a:cs typeface="+mn-cs"/>
-              </a:defRPr>
-            </a:lvl6pPr>
-            <a:lvl7pPr marL="2743200" algn="l" defTabSz="914400" rtl="0" eaLnBrk="1" latinLnBrk="0" hangingPunct="1">
-              <a:defRPr sz="1800" kern="1200">
-                <a:solidFill>
-                  <a:schemeClr val="tx1"/>
-                </a:solidFill>
-                <a:latin typeface="+mn-lt"/>
-                <a:ea typeface="+mn-ea"/>
-                <a:cs typeface="+mn-cs"/>
-              </a:defRPr>
-            </a:lvl7pPr>
-            <a:lvl8pPr marL="3200400" algn="l" defTabSz="914400" rtl="0" eaLnBrk="1" latinLnBrk="0" hangingPunct="1">
-              <a:defRPr sz="1800" kern="1200">
-                <a:solidFill>
-                  <a:schemeClr val="tx1"/>
-                </a:solidFill>
-                <a:latin typeface="+mn-lt"/>
-                <a:ea typeface="+mn-ea"/>
-                <a:cs typeface="+mn-cs"/>
-              </a:defRPr>
-            </a:lvl8pPr>
-            <a:lvl9pPr marL="3657600" algn="l" defTabSz="914400" rtl="0" eaLnBrk="1" latinLnBrk="0" hangingPunct="1">
-              <a:defRPr sz="1800" kern="1200">
-                <a:solidFill>
-                  <a:schemeClr val="tx1"/>
-                </a:solidFill>
-                <a:latin typeface="+mn-lt"/>
-                <a:ea typeface="+mn-ea"/>
-                <a:cs typeface="+mn-cs"/>
-              </a:defRPr>
-            </a:lvl9pPr>
-          </a:lstStyle>
-          <a:p>
-            <a:r>
-              <a:rPr lang="en-US" altLang="zh-TW" dirty="0"/>
-              <a:t>TYIC</a:t>
-            </a:r>
-            <a:r>
-              <a:rPr lang="zh-TW" altLang="en-US"/>
-              <a:t>桃高資訊社</a:t>
-            </a:r>
-          </a:p>
-        </p:txBody>
-      </p:sp>
-      <p:sp>
-        <p:nvSpPr>
-          <p:cNvPr id="10" name="投影片編號版面配置區 5">
-            <a:extLst>
-              <a:ext uri="{FF2B5EF4-FFF2-40B4-BE49-F238E27FC236}">
-                <a16:creationId xmlns:a16="http://schemas.microsoft.com/office/drawing/2014/main" id="{9E366190-11AD-4701-810E-B13A72A655B0}"/>
-              </a:ext>
-            </a:extLst>
-          </p:cNvPr>
-          <p:cNvSpPr txBox="1">
-            <a:spLocks/>
-          </p:cNvSpPr>
-          <p:nvPr userDrawn="1"/>
-        </p:nvSpPr>
-        <p:spPr>
-          <a:xfrm>
-            <a:off x="9448800" y="6492874"/>
-            <a:ext cx="2743200" cy="365125"/>
-          </a:xfrm>
-          <a:prstGeom prst="rect">
-            <a:avLst/>
-          </a:prstGeom>
-        </p:spPr>
-        <p:txBody>
-          <a:bodyPr vert="horz" lIns="91440" tIns="45720" rIns="91440" bIns="45720" rtlCol="0" anchor="ctr"/>
-          <a:lstStyle>
-            <a:defPPr>
-              <a:defRPr lang="zh-TW"/>
-            </a:defPPr>
-            <a:lvl1pPr marL="0" algn="r" defTabSz="914400" rtl="0" eaLnBrk="1" latinLnBrk="0" hangingPunct="1">
-              <a:defRPr sz="1200" kern="1200">
-                <a:solidFill>
-                  <a:schemeClr val="tx1">
-                    <a:tint val="75000"/>
-                  </a:schemeClr>
-                </a:solidFill>
-                <a:latin typeface="+mn-lt"/>
-                <a:ea typeface="+mn-ea"/>
-                <a:cs typeface="+mn-cs"/>
-              </a:defRPr>
-            </a:lvl1pPr>
-            <a:lvl2pPr marL="457200" algn="l" defTabSz="914400" rtl="0" eaLnBrk="1" latinLnBrk="0" hangingPunct="1">
-              <a:defRPr sz="1800" kern="1200">
-                <a:solidFill>
-                  <a:schemeClr val="tx1"/>
-                </a:solidFill>
-                <a:latin typeface="+mn-lt"/>
-                <a:ea typeface="+mn-ea"/>
-                <a:cs typeface="+mn-cs"/>
-              </a:defRPr>
-            </a:lvl2pPr>
-            <a:lvl3pPr marL="914400" algn="l" defTabSz="914400" rtl="0" eaLnBrk="1" latinLnBrk="0" hangingPunct="1">
-              <a:defRPr sz="1800" kern="1200">
-                <a:solidFill>
-                  <a:schemeClr val="tx1"/>
-                </a:solidFill>
-                <a:latin typeface="+mn-lt"/>
-                <a:ea typeface="+mn-ea"/>
-                <a:cs typeface="+mn-cs"/>
-              </a:defRPr>
-            </a:lvl3pPr>
-            <a:lvl4pPr marL="1371600" algn="l" defTabSz="914400" rtl="0" eaLnBrk="1" latinLnBrk="0" hangingPunct="1">
-              <a:defRPr sz="1800" kern="1200">
-                <a:solidFill>
-                  <a:schemeClr val="tx1"/>
-                </a:solidFill>
-                <a:latin typeface="+mn-lt"/>
-                <a:ea typeface="+mn-ea"/>
-                <a:cs typeface="+mn-cs"/>
-              </a:defRPr>
-            </a:lvl4pPr>
-            <a:lvl5pPr marL="1828800" algn="l" defTabSz="914400" rtl="0" eaLnBrk="1" latinLnBrk="0" hangingPunct="1">
-              <a:defRPr sz="1800" kern="1200">
-                <a:solidFill>
-                  <a:schemeClr val="tx1"/>
-                </a:solidFill>
-                <a:latin typeface="+mn-lt"/>
-                <a:ea typeface="+mn-ea"/>
-                <a:cs typeface="+mn-cs"/>
-              </a:defRPr>
-            </a:lvl5pPr>
-            <a:lvl6pPr marL="2286000" algn="l" defTabSz="914400" rtl="0" eaLnBrk="1" latinLnBrk="0" hangingPunct="1">
-              <a:defRPr sz="1800" kern="1200">
-                <a:solidFill>
-                  <a:schemeClr val="tx1"/>
-                </a:solidFill>
-                <a:latin typeface="+mn-lt"/>
-                <a:ea typeface="+mn-ea"/>
-                <a:cs typeface="+mn-cs"/>
-              </a:defRPr>
-            </a:lvl6pPr>
-            <a:lvl7pPr marL="2743200" algn="l" defTabSz="914400" rtl="0" eaLnBrk="1" latinLnBrk="0" hangingPunct="1">
-              <a:defRPr sz="1800" kern="1200">
-                <a:solidFill>
-                  <a:schemeClr val="tx1"/>
-                </a:solidFill>
-                <a:latin typeface="+mn-lt"/>
-                <a:ea typeface="+mn-ea"/>
-                <a:cs typeface="+mn-cs"/>
-              </a:defRPr>
-            </a:lvl7pPr>
-            <a:lvl8pPr marL="3200400" algn="l" defTabSz="914400" rtl="0" eaLnBrk="1" latinLnBrk="0" hangingPunct="1">
-              <a:defRPr sz="1800" kern="1200">
-                <a:solidFill>
-                  <a:schemeClr val="tx1"/>
-                </a:solidFill>
-                <a:latin typeface="+mn-lt"/>
-                <a:ea typeface="+mn-ea"/>
-                <a:cs typeface="+mn-cs"/>
-              </a:defRPr>
-            </a:lvl8pPr>
-            <a:lvl9pPr marL="3657600" algn="l" defTabSz="914400" rtl="0" eaLnBrk="1" latinLnBrk="0" hangingPunct="1">
-              <a:defRPr sz="1800" kern="1200">
-                <a:solidFill>
-                  <a:schemeClr val="tx1"/>
-                </a:solidFill>
-                <a:latin typeface="+mn-lt"/>
-                <a:ea typeface="+mn-ea"/>
-                <a:cs typeface="+mn-cs"/>
-              </a:defRPr>
-            </a:lvl9pPr>
-          </a:lstStyle>
-          <a:p>
-            <a:fld id="{D4328D90-2A6F-4F23-88A8-C5DCC2B5F307}" type="slidenum">
-              <a:rPr lang="zh-TW" altLang="en-US" smtClean="0"/>
-              <a:pPr/>
-              <a:t>‹#›</a:t>
-            </a:fld>
-            <a:endParaRPr lang="zh-TW" altLang="en-US"/>
-          </a:p>
-        </p:txBody>
-      </p:sp>
-    </p:spTree>
-    <p:extLst>
-      <p:ext uri="{BB962C8B-B14F-4D97-AF65-F5344CB8AC3E}">
-        <p14:creationId xmlns:p14="http://schemas.microsoft.com/office/powerpoint/2010/main" val="2806510409"/>
-      </p:ext>
-    </p:extLst>
-  </p:cSld>
-  <p:clrMapOvr>
-    <a:masterClrMapping/>
-  </p:clrMapOvr>
-  <p:transition spd="slow">
-    <p:push dir="u"/>
-  </p:transition>
-</p:sldLayout>
-</file>
-
-<file path=ppt/slideLayouts/slideLayout9.xml><?xml version="1.0" encoding="utf-8"?>
-<p:sldLayout xmlns:a="http://schemas.openxmlformats.org/drawingml/2006/main" xmlns:r="http://schemas.openxmlformats.org/officeDocument/2006/relationships" xmlns:p="http://schemas.openxmlformats.org/presentationml/2006/main" type="picTx" preserve="1">
-  <p:cSld name="含輔助字幕的圖片">
-    <p:spTree>
-      <p:nvGrpSpPr>
-        <p:cNvPr id="1" name=""/>
-        <p:cNvGrpSpPr/>
-        <p:nvPr/>
-      </p:nvGrpSpPr>
-      <p:grpSpPr>
-        <a:xfrm>
-          <a:off x="0" y="0"/>
-          <a:ext cx="0" cy="0"/>
-          <a:chOff x="0" y="0"/>
-          <a:chExt cx="0" cy="0"/>
-        </a:xfrm>
-      </p:grpSpPr>
-      <p:sp>
-        <p:nvSpPr>
-          <p:cNvPr id="2" name="標題 1">
-            <a:extLst>
-              <a:ext uri="{FF2B5EF4-FFF2-40B4-BE49-F238E27FC236}">
-                <a16:creationId xmlns:a16="http://schemas.microsoft.com/office/drawing/2014/main" id="{BE535801-9853-4F81-918E-E55C33357D57}"/>
-              </a:ext>
-            </a:extLst>
-          </p:cNvPr>
-          <p:cNvSpPr>
-            <a:spLocks noGrp="1"/>
-          </p:cNvSpPr>
-          <p:nvPr>
-            <p:ph type="title"/>
-          </p:nvPr>
-        </p:nvSpPr>
-        <p:spPr>
-          <a:xfrm>
-            <a:off x="839788" y="457200"/>
-            <a:ext cx="3932237" cy="1600200"/>
-          </a:xfrm>
-        </p:spPr>
-        <p:txBody>
-          <a:bodyPr anchor="b"/>
-          <a:lstStyle>
-            <a:lvl1pPr>
-              <a:defRPr sz="3200"/>
-            </a:lvl1pPr>
-          </a:lstStyle>
-          <a:p>
-            <a:r>
-              <a:rPr lang="zh-TW" altLang="en-US"/>
-              <a:t>按一下以編輯母片標題樣式</a:t>
-            </a:r>
-          </a:p>
-        </p:txBody>
-      </p:sp>
-      <p:sp>
-        <p:nvSpPr>
-          <p:cNvPr id="3" name="圖片版面配置區 2">
-            <a:extLst>
-              <a:ext uri="{FF2B5EF4-FFF2-40B4-BE49-F238E27FC236}">
-                <a16:creationId xmlns:a16="http://schemas.microsoft.com/office/drawing/2014/main" id="{7CCBC987-FAA7-4264-8CC0-2E6F221D3AB9}"/>
-              </a:ext>
-            </a:extLst>
-          </p:cNvPr>
-          <p:cNvSpPr>
-            <a:spLocks noGrp="1"/>
-          </p:cNvSpPr>
-          <p:nvPr>
-            <p:ph type="pic" idx="1"/>
-          </p:nvPr>
-        </p:nvSpPr>
-        <p:spPr>
-          <a:xfrm>
-            <a:off x="5183188" y="987425"/>
-            <a:ext cx="6172200" cy="4873625"/>
-          </a:xfrm>
-        </p:spPr>
-        <p:txBody>
-          <a:bodyPr/>
-          <a:lstStyle>
-            <a:lvl1pPr marL="0" indent="0">
-              <a:buNone/>
-              <a:defRPr sz="3200"/>
-            </a:lvl1pPr>
-            <a:lvl2pPr marL="457200" indent="0">
-              <a:buNone/>
-              <a:defRPr sz="2800"/>
-            </a:lvl2pPr>
-            <a:lvl3pPr marL="914400" indent="0">
-              <a:buNone/>
-              <a:defRPr sz="2400"/>
-            </a:lvl3pPr>
-            <a:lvl4pPr marL="1371600" indent="0">
-              <a:buNone/>
-              <a:defRPr sz="2000"/>
-            </a:lvl4pPr>
-            <a:lvl5pPr marL="1828800" indent="0">
-              <a:buNone/>
-              <a:defRPr sz="2000"/>
-            </a:lvl5pPr>
-            <a:lvl6pPr marL="2286000" indent="0">
-              <a:buNone/>
-              <a:defRPr sz="2000"/>
-            </a:lvl6pPr>
-            <a:lvl7pPr marL="2743200" indent="0">
-              <a:buNone/>
-              <a:defRPr sz="2000"/>
-            </a:lvl7pPr>
-            <a:lvl8pPr marL="3200400" indent="0">
-              <a:buNone/>
-              <a:defRPr sz="2000"/>
-            </a:lvl8pPr>
-            <a:lvl9pPr marL="3657600" indent="0">
-              <a:buNone/>
-              <a:defRPr sz="2000"/>
-            </a:lvl9pPr>
-          </a:lstStyle>
-          <a:p>
-            <a:r>
-              <a:rPr lang="zh-TW" altLang="en-US"/>
-              <a:t>按一下圖示以新增圖片</a:t>
-            </a:r>
-          </a:p>
-        </p:txBody>
-      </p:sp>
-      <p:sp>
-        <p:nvSpPr>
-          <p:cNvPr id="4" name="文字版面配置區 3">
-            <a:extLst>
-              <a:ext uri="{FF2B5EF4-FFF2-40B4-BE49-F238E27FC236}">
-                <a16:creationId xmlns:a16="http://schemas.microsoft.com/office/drawing/2014/main" id="{6113A0E9-5B1A-476F-B87A-DD123DA8BFDF}"/>
-              </a:ext>
-            </a:extLst>
-          </p:cNvPr>
-          <p:cNvSpPr>
-            <a:spLocks noGrp="1"/>
-          </p:cNvSpPr>
-          <p:nvPr>
-            <p:ph type="body" sz="half" idx="2"/>
-          </p:nvPr>
-        </p:nvSpPr>
-        <p:spPr>
-          <a:xfrm>
-            <a:off x="839788" y="2057400"/>
-            <a:ext cx="3932237" cy="3811588"/>
-          </a:xfrm>
-        </p:spPr>
-        <p:txBody>
-          <a:bodyPr/>
-          <a:lstStyle>
-            <a:lvl1pPr marL="0" indent="0">
-              <a:buNone/>
-              <a:defRPr sz="1600"/>
-            </a:lvl1pPr>
-            <a:lvl2pPr marL="457200" indent="0">
-              <a:buNone/>
-              <a:defRPr sz="1400"/>
-            </a:lvl2pPr>
-            <a:lvl3pPr marL="914400" indent="0">
-              <a:buNone/>
-              <a:defRPr sz="1200"/>
-            </a:lvl3pPr>
-            <a:lvl4pPr marL="1371600" indent="0">
-              <a:buNone/>
-              <a:defRPr sz="1000"/>
-            </a:lvl4pPr>
-            <a:lvl5pPr marL="1828800" indent="0">
-              <a:buNone/>
-              <a:defRPr sz="1000"/>
-            </a:lvl5pPr>
-            <a:lvl6pPr marL="2286000" indent="0">
-              <a:buNone/>
-              <a:defRPr sz="1000"/>
-            </a:lvl6pPr>
-            <a:lvl7pPr marL="2743200" indent="0">
-              <a:buNone/>
-              <a:defRPr sz="1000"/>
-            </a:lvl7pPr>
-            <a:lvl8pPr marL="3200400" indent="0">
-              <a:buNone/>
-              <a:defRPr sz="1000"/>
-            </a:lvl8pPr>
-            <a:lvl9pPr marL="3657600" indent="0">
-              <a:buNone/>
-              <a:defRPr sz="1000"/>
-            </a:lvl9pPr>
-          </a:lstStyle>
-          <a:p>
-            <a:pPr lvl="0"/>
-            <a:r>
-              <a:rPr lang="zh-TW" altLang="en-US"/>
-              <a:t>按一下以編輯母片文字樣式</a:t>
-            </a:r>
-          </a:p>
-        </p:txBody>
-      </p:sp>
-      <p:sp>
-        <p:nvSpPr>
-          <p:cNvPr id="8" name="頁尾版面配置區 4">
-            <a:extLst>
-              <a:ext uri="{FF2B5EF4-FFF2-40B4-BE49-F238E27FC236}">
-                <a16:creationId xmlns:a16="http://schemas.microsoft.com/office/drawing/2014/main" id="{7B7B89AD-AB9E-48F8-B85F-14FF932E8842}"/>
-              </a:ext>
-            </a:extLst>
-          </p:cNvPr>
-          <p:cNvSpPr txBox="1">
-            <a:spLocks/>
-          </p:cNvSpPr>
-          <p:nvPr/>
-        </p:nvSpPr>
-        <p:spPr>
-          <a:xfrm>
-            <a:off x="0" y="6492875"/>
-            <a:ext cx="2743200" cy="365125"/>
-          </a:xfrm>
-          <a:prstGeom prst="rect">
-            <a:avLst/>
-          </a:prstGeom>
-        </p:spPr>
-        <p:txBody>
-          <a:bodyPr vert="horz" lIns="91440" tIns="45720" rIns="91440" bIns="45720" rtlCol="0" anchor="ctr"/>
-          <a:lstStyle>
-            <a:defPPr>
-              <a:defRPr lang="zh-TW"/>
-            </a:defPPr>
-            <a:lvl1pPr marL="0" algn="l" defTabSz="914400" rtl="0" eaLnBrk="1" latinLnBrk="0" hangingPunct="1">
-              <a:defRPr sz="1200" kern="1200">
-                <a:solidFill>
-                  <a:schemeClr val="tx1">
-                    <a:tint val="75000"/>
-                  </a:schemeClr>
-                </a:solidFill>
-                <a:latin typeface="+mn-lt"/>
-                <a:ea typeface="+mn-ea"/>
-                <a:cs typeface="+mn-cs"/>
-              </a:defRPr>
-            </a:lvl1pPr>
-            <a:lvl2pPr marL="457200" algn="l" defTabSz="914400" rtl="0" eaLnBrk="1" latinLnBrk="0" hangingPunct="1">
-              <a:defRPr sz="1800" kern="1200">
-                <a:solidFill>
-                  <a:schemeClr val="tx1"/>
-                </a:solidFill>
-                <a:latin typeface="+mn-lt"/>
-                <a:ea typeface="+mn-ea"/>
-                <a:cs typeface="+mn-cs"/>
-              </a:defRPr>
-            </a:lvl2pPr>
-            <a:lvl3pPr marL="914400" algn="l" defTabSz="914400" rtl="0" eaLnBrk="1" latinLnBrk="0" hangingPunct="1">
-              <a:defRPr sz="1800" kern="1200">
-                <a:solidFill>
-                  <a:schemeClr val="tx1"/>
-                </a:solidFill>
-                <a:latin typeface="+mn-lt"/>
-                <a:ea typeface="+mn-ea"/>
-                <a:cs typeface="+mn-cs"/>
-              </a:defRPr>
-            </a:lvl3pPr>
-            <a:lvl4pPr marL="1371600" algn="l" defTabSz="914400" rtl="0" eaLnBrk="1" latinLnBrk="0" hangingPunct="1">
-              <a:defRPr sz="1800" kern="1200">
-                <a:solidFill>
-                  <a:schemeClr val="tx1"/>
-                </a:solidFill>
-                <a:latin typeface="+mn-lt"/>
-                <a:ea typeface="+mn-ea"/>
-                <a:cs typeface="+mn-cs"/>
-              </a:defRPr>
-            </a:lvl4pPr>
-            <a:lvl5pPr marL="1828800" algn="l" defTabSz="914400" rtl="0" eaLnBrk="1" latinLnBrk="0" hangingPunct="1">
-              <a:defRPr sz="1800" kern="1200">
-                <a:solidFill>
-                  <a:schemeClr val="tx1"/>
-                </a:solidFill>
-                <a:latin typeface="+mn-lt"/>
-                <a:ea typeface="+mn-ea"/>
-                <a:cs typeface="+mn-cs"/>
-              </a:defRPr>
-            </a:lvl5pPr>
-            <a:lvl6pPr marL="2286000" algn="l" defTabSz="914400" rtl="0" eaLnBrk="1" latinLnBrk="0" hangingPunct="1">
-              <a:defRPr sz="1800" kern="1200">
-                <a:solidFill>
-                  <a:schemeClr val="tx1"/>
-                </a:solidFill>
-                <a:latin typeface="+mn-lt"/>
-                <a:ea typeface="+mn-ea"/>
-                <a:cs typeface="+mn-cs"/>
-              </a:defRPr>
-            </a:lvl6pPr>
-            <a:lvl7pPr marL="2743200" algn="l" defTabSz="914400" rtl="0" eaLnBrk="1" latinLnBrk="0" hangingPunct="1">
-              <a:defRPr sz="1800" kern="1200">
-                <a:solidFill>
-                  <a:schemeClr val="tx1"/>
-                </a:solidFill>
-                <a:latin typeface="+mn-lt"/>
-                <a:ea typeface="+mn-ea"/>
-                <a:cs typeface="+mn-cs"/>
-              </a:defRPr>
-            </a:lvl7pPr>
-            <a:lvl8pPr marL="3200400" algn="l" defTabSz="914400" rtl="0" eaLnBrk="1" latinLnBrk="0" hangingPunct="1">
-              <a:defRPr sz="1800" kern="1200">
-                <a:solidFill>
-                  <a:schemeClr val="tx1"/>
-                </a:solidFill>
-                <a:latin typeface="+mn-lt"/>
-                <a:ea typeface="+mn-ea"/>
-                <a:cs typeface="+mn-cs"/>
-              </a:defRPr>
-            </a:lvl8pPr>
-            <a:lvl9pPr marL="3657600" algn="l" defTabSz="914400" rtl="0" eaLnBrk="1" latinLnBrk="0" hangingPunct="1">
-              <a:defRPr sz="1800" kern="1200">
-                <a:solidFill>
-                  <a:schemeClr val="tx1"/>
-                </a:solidFill>
-                <a:latin typeface="+mn-lt"/>
-                <a:ea typeface="+mn-ea"/>
-                <a:cs typeface="+mn-cs"/>
-              </a:defRPr>
-            </a:lvl9pPr>
-          </a:lstStyle>
-          <a:p>
-            <a:r>
-              <a:rPr lang="en-US" altLang="zh-TW"/>
-              <a:t>TYIC</a:t>
-            </a:r>
-            <a:r>
-              <a:rPr lang="zh-TW" altLang="en-US"/>
-              <a:t>桃高資訊社</a:t>
-            </a:r>
-          </a:p>
-        </p:txBody>
-      </p:sp>
-      <p:sp>
-        <p:nvSpPr>
-          <p:cNvPr id="9" name="投影片編號版面配置區 5">
-            <a:extLst>
-              <a:ext uri="{FF2B5EF4-FFF2-40B4-BE49-F238E27FC236}">
-                <a16:creationId xmlns:a16="http://schemas.microsoft.com/office/drawing/2014/main" id="{462D3499-D09D-4E37-BE04-5CFD293C1093}"/>
-              </a:ext>
-            </a:extLst>
-          </p:cNvPr>
-          <p:cNvSpPr txBox="1">
-            <a:spLocks/>
-          </p:cNvSpPr>
-          <p:nvPr/>
-        </p:nvSpPr>
-        <p:spPr>
-          <a:xfrm>
-            <a:off x="9448800" y="6492874"/>
-            <a:ext cx="2743200" cy="365125"/>
-          </a:xfrm>
-          <a:prstGeom prst="rect">
-            <a:avLst/>
-          </a:prstGeom>
-        </p:spPr>
-        <p:txBody>
-          <a:bodyPr vert="horz" lIns="91440" tIns="45720" rIns="91440" bIns="45720" rtlCol="0" anchor="ctr"/>
-          <a:lstStyle>
-            <a:defPPr>
-              <a:defRPr lang="zh-TW"/>
-            </a:defPPr>
-            <a:lvl1pPr marL="0" algn="r" defTabSz="914400" rtl="0" eaLnBrk="1" latinLnBrk="0" hangingPunct="1">
-              <a:defRPr sz="1200" kern="1200">
-                <a:solidFill>
-                  <a:schemeClr val="tx1">
-                    <a:tint val="75000"/>
-                  </a:schemeClr>
-                </a:solidFill>
-                <a:latin typeface="+mn-lt"/>
-                <a:ea typeface="+mn-ea"/>
-                <a:cs typeface="+mn-cs"/>
-              </a:defRPr>
-            </a:lvl1pPr>
-            <a:lvl2pPr marL="457200" algn="l" defTabSz="914400" rtl="0" eaLnBrk="1" latinLnBrk="0" hangingPunct="1">
-              <a:defRPr sz="1800" kern="1200">
-                <a:solidFill>
-                  <a:schemeClr val="tx1"/>
-                </a:solidFill>
-                <a:latin typeface="+mn-lt"/>
-                <a:ea typeface="+mn-ea"/>
-                <a:cs typeface="+mn-cs"/>
-              </a:defRPr>
-            </a:lvl2pPr>
-            <a:lvl3pPr marL="914400" algn="l" defTabSz="914400" rtl="0" eaLnBrk="1" latinLnBrk="0" hangingPunct="1">
-              <a:defRPr sz="1800" kern="1200">
-                <a:solidFill>
-                  <a:schemeClr val="tx1"/>
-                </a:solidFill>
-                <a:latin typeface="+mn-lt"/>
-                <a:ea typeface="+mn-ea"/>
-                <a:cs typeface="+mn-cs"/>
-              </a:defRPr>
-            </a:lvl3pPr>
-            <a:lvl4pPr marL="1371600" algn="l" defTabSz="914400" rtl="0" eaLnBrk="1" latinLnBrk="0" hangingPunct="1">
-              <a:defRPr sz="1800" kern="1200">
-                <a:solidFill>
-                  <a:schemeClr val="tx1"/>
-                </a:solidFill>
-                <a:latin typeface="+mn-lt"/>
-                <a:ea typeface="+mn-ea"/>
-                <a:cs typeface="+mn-cs"/>
-              </a:defRPr>
-            </a:lvl4pPr>
-            <a:lvl5pPr marL="1828800" algn="l" defTabSz="914400" rtl="0" eaLnBrk="1" latinLnBrk="0" hangingPunct="1">
-              <a:defRPr sz="1800" kern="1200">
-                <a:solidFill>
-                  <a:schemeClr val="tx1"/>
-                </a:solidFill>
-                <a:latin typeface="+mn-lt"/>
-                <a:ea typeface="+mn-ea"/>
-                <a:cs typeface="+mn-cs"/>
-              </a:defRPr>
-            </a:lvl5pPr>
-            <a:lvl6pPr marL="2286000" algn="l" defTabSz="914400" rtl="0" eaLnBrk="1" latinLnBrk="0" hangingPunct="1">
-              <a:defRPr sz="1800" kern="1200">
-                <a:solidFill>
-                  <a:schemeClr val="tx1"/>
-                </a:solidFill>
-                <a:latin typeface="+mn-lt"/>
-                <a:ea typeface="+mn-ea"/>
-                <a:cs typeface="+mn-cs"/>
-              </a:defRPr>
-            </a:lvl6pPr>
-            <a:lvl7pPr marL="2743200" algn="l" defTabSz="914400" rtl="0" eaLnBrk="1" latinLnBrk="0" hangingPunct="1">
-              <a:defRPr sz="1800" kern="1200">
-                <a:solidFill>
-                  <a:schemeClr val="tx1"/>
-                </a:solidFill>
-                <a:latin typeface="+mn-lt"/>
-                <a:ea typeface="+mn-ea"/>
-                <a:cs typeface="+mn-cs"/>
-              </a:defRPr>
-            </a:lvl7pPr>
-            <a:lvl8pPr marL="3200400" algn="l" defTabSz="914400" rtl="0" eaLnBrk="1" latinLnBrk="0" hangingPunct="1">
-              <a:defRPr sz="1800" kern="1200">
-                <a:solidFill>
-                  <a:schemeClr val="tx1"/>
-                </a:solidFill>
-                <a:latin typeface="+mn-lt"/>
-                <a:ea typeface="+mn-ea"/>
-                <a:cs typeface="+mn-cs"/>
-              </a:defRPr>
-            </a:lvl8pPr>
-            <a:lvl9pPr marL="3657600" algn="l" defTabSz="914400" rtl="0" eaLnBrk="1" latinLnBrk="0" hangingPunct="1">
-              <a:defRPr sz="1800" kern="1200">
-                <a:solidFill>
-                  <a:schemeClr val="tx1"/>
-                </a:solidFill>
-                <a:latin typeface="+mn-lt"/>
-                <a:ea typeface="+mn-ea"/>
-                <a:cs typeface="+mn-cs"/>
-              </a:defRPr>
-            </a:lvl9pPr>
-          </a:lstStyle>
-          <a:p>
-            <a:fld id="{D4328D90-2A6F-4F23-88A8-C5DCC2B5F307}" type="slidenum">
-              <a:rPr lang="zh-TW" altLang="en-US" smtClean="0"/>
-              <a:pPr/>
-              <a:t>‹#›</a:t>
-            </a:fld>
-            <a:endParaRPr lang="zh-TW" altLang="en-US"/>
-          </a:p>
-        </p:txBody>
-      </p:sp>
-      <p:sp>
-        <p:nvSpPr>
-          <p:cNvPr id="7" name="頁尾版面配置區 4">
-            <a:extLst>
-              <a:ext uri="{FF2B5EF4-FFF2-40B4-BE49-F238E27FC236}">
-                <a16:creationId xmlns:a16="http://schemas.microsoft.com/office/drawing/2014/main" id="{98EB7A71-ECA5-4881-9036-A2C34C4BD790}"/>
-              </a:ext>
-            </a:extLst>
-          </p:cNvPr>
-          <p:cNvSpPr txBox="1">
-            <a:spLocks/>
-          </p:cNvSpPr>
-          <p:nvPr userDrawn="1"/>
-        </p:nvSpPr>
-        <p:spPr>
-          <a:xfrm>
-            <a:off x="0" y="6492875"/>
-            <a:ext cx="2743200" cy="365125"/>
-          </a:xfrm>
-          <a:prstGeom prst="rect">
-            <a:avLst/>
-          </a:prstGeom>
-        </p:spPr>
-        <p:txBody>
-          <a:bodyPr vert="horz" lIns="91440" tIns="45720" rIns="91440" bIns="45720" rtlCol="0" anchor="ctr"/>
-          <a:lstStyle>
-            <a:defPPr>
-              <a:defRPr lang="zh-TW"/>
-            </a:defPPr>
-            <a:lvl1pPr marL="0" algn="l" defTabSz="914400" rtl="0" eaLnBrk="1" latinLnBrk="0" hangingPunct="1">
-              <a:defRPr sz="1200" kern="1200">
-                <a:solidFill>
-                  <a:schemeClr val="tx1">
-                    <a:tint val="75000"/>
-                  </a:schemeClr>
-                </a:solidFill>
-                <a:latin typeface="+mn-lt"/>
-                <a:ea typeface="+mn-ea"/>
-                <a:cs typeface="+mn-cs"/>
-              </a:defRPr>
-            </a:lvl1pPr>
-            <a:lvl2pPr marL="457200" algn="l" defTabSz="914400" rtl="0" eaLnBrk="1" latinLnBrk="0" hangingPunct="1">
-              <a:defRPr sz="1800" kern="1200">
-                <a:solidFill>
-                  <a:schemeClr val="tx1"/>
-                </a:solidFill>
-                <a:latin typeface="+mn-lt"/>
-                <a:ea typeface="+mn-ea"/>
-                <a:cs typeface="+mn-cs"/>
-              </a:defRPr>
-            </a:lvl2pPr>
-            <a:lvl3pPr marL="914400" algn="l" defTabSz="914400" rtl="0" eaLnBrk="1" latinLnBrk="0" hangingPunct="1">
-              <a:defRPr sz="1800" kern="1200">
-                <a:solidFill>
-                  <a:schemeClr val="tx1"/>
-                </a:solidFill>
-                <a:latin typeface="+mn-lt"/>
-                <a:ea typeface="+mn-ea"/>
-                <a:cs typeface="+mn-cs"/>
-              </a:defRPr>
-            </a:lvl3pPr>
-            <a:lvl4pPr marL="1371600" algn="l" defTabSz="914400" rtl="0" eaLnBrk="1" latinLnBrk="0" hangingPunct="1">
-              <a:defRPr sz="1800" kern="1200">
-                <a:solidFill>
-                  <a:schemeClr val="tx1"/>
-                </a:solidFill>
-                <a:latin typeface="+mn-lt"/>
-                <a:ea typeface="+mn-ea"/>
-                <a:cs typeface="+mn-cs"/>
-              </a:defRPr>
-            </a:lvl4pPr>
-            <a:lvl5pPr marL="1828800" algn="l" defTabSz="914400" rtl="0" eaLnBrk="1" latinLnBrk="0" hangingPunct="1">
-              <a:defRPr sz="1800" kern="1200">
-                <a:solidFill>
-                  <a:schemeClr val="tx1"/>
-                </a:solidFill>
-                <a:latin typeface="+mn-lt"/>
-                <a:ea typeface="+mn-ea"/>
-                <a:cs typeface="+mn-cs"/>
-              </a:defRPr>
-            </a:lvl5pPr>
-            <a:lvl6pPr marL="2286000" algn="l" defTabSz="914400" rtl="0" eaLnBrk="1" latinLnBrk="0" hangingPunct="1">
-              <a:defRPr sz="1800" kern="1200">
-                <a:solidFill>
-                  <a:schemeClr val="tx1"/>
-                </a:solidFill>
-                <a:latin typeface="+mn-lt"/>
-                <a:ea typeface="+mn-ea"/>
-                <a:cs typeface="+mn-cs"/>
-              </a:defRPr>
-            </a:lvl6pPr>
-            <a:lvl7pPr marL="2743200" algn="l" defTabSz="914400" rtl="0" eaLnBrk="1" latinLnBrk="0" hangingPunct="1">
-              <a:defRPr sz="1800" kern="1200">
-                <a:solidFill>
-                  <a:schemeClr val="tx1"/>
-                </a:solidFill>
-                <a:latin typeface="+mn-lt"/>
-                <a:ea typeface="+mn-ea"/>
-                <a:cs typeface="+mn-cs"/>
-              </a:defRPr>
-            </a:lvl7pPr>
-            <a:lvl8pPr marL="3200400" algn="l" defTabSz="914400" rtl="0" eaLnBrk="1" latinLnBrk="0" hangingPunct="1">
-              <a:defRPr sz="1800" kern="1200">
-                <a:solidFill>
-                  <a:schemeClr val="tx1"/>
-                </a:solidFill>
-                <a:latin typeface="+mn-lt"/>
-                <a:ea typeface="+mn-ea"/>
-                <a:cs typeface="+mn-cs"/>
-              </a:defRPr>
-            </a:lvl8pPr>
-            <a:lvl9pPr marL="3657600" algn="l" defTabSz="914400" rtl="0" eaLnBrk="1" latinLnBrk="0" hangingPunct="1">
-              <a:defRPr sz="1800" kern="1200">
-                <a:solidFill>
-                  <a:schemeClr val="tx1"/>
-                </a:solidFill>
-                <a:latin typeface="+mn-lt"/>
-                <a:ea typeface="+mn-ea"/>
-                <a:cs typeface="+mn-cs"/>
-              </a:defRPr>
-            </a:lvl9pPr>
-          </a:lstStyle>
-          <a:p>
-            <a:r>
-              <a:rPr lang="en-US" altLang="zh-TW" dirty="0"/>
-              <a:t>TYIC</a:t>
-            </a:r>
-            <a:r>
-              <a:rPr lang="zh-TW" altLang="en-US"/>
-              <a:t>桃高資訊社</a:t>
-            </a:r>
-          </a:p>
-        </p:txBody>
-      </p:sp>
-      <p:sp>
-        <p:nvSpPr>
-          <p:cNvPr id="10" name="投影片編號版面配置區 5">
-            <a:extLst>
-              <a:ext uri="{FF2B5EF4-FFF2-40B4-BE49-F238E27FC236}">
-                <a16:creationId xmlns:a16="http://schemas.microsoft.com/office/drawing/2014/main" id="{99F2AF6F-1679-4208-AC9D-B2480349397D}"/>
-              </a:ext>
-            </a:extLst>
-          </p:cNvPr>
-          <p:cNvSpPr txBox="1">
-            <a:spLocks/>
-          </p:cNvSpPr>
-          <p:nvPr userDrawn="1"/>
-        </p:nvSpPr>
-        <p:spPr>
-          <a:xfrm>
-            <a:off x="9448800" y="6492874"/>
-            <a:ext cx="2743200" cy="365125"/>
-          </a:xfrm>
-          <a:prstGeom prst="rect">
-            <a:avLst/>
-          </a:prstGeom>
-        </p:spPr>
-        <p:txBody>
-          <a:bodyPr vert="horz" lIns="91440" tIns="45720" rIns="91440" bIns="45720" rtlCol="0" anchor="ctr"/>
-          <a:lstStyle>
-            <a:defPPr>
-              <a:defRPr lang="zh-TW"/>
-            </a:defPPr>
-            <a:lvl1pPr marL="0" algn="r" defTabSz="914400" rtl="0" eaLnBrk="1" latinLnBrk="0" hangingPunct="1">
-              <a:defRPr sz="1200" kern="1200">
-                <a:solidFill>
-                  <a:schemeClr val="tx1">
-                    <a:tint val="75000"/>
-                  </a:schemeClr>
-                </a:solidFill>
-                <a:latin typeface="+mn-lt"/>
-                <a:ea typeface="+mn-ea"/>
-                <a:cs typeface="+mn-cs"/>
-              </a:defRPr>
-            </a:lvl1pPr>
-            <a:lvl2pPr marL="457200" algn="l" defTabSz="914400" rtl="0" eaLnBrk="1" latinLnBrk="0" hangingPunct="1">
-              <a:defRPr sz="1800" kern="1200">
-                <a:solidFill>
-                  <a:schemeClr val="tx1"/>
-                </a:solidFill>
-                <a:latin typeface="+mn-lt"/>
-                <a:ea typeface="+mn-ea"/>
-                <a:cs typeface="+mn-cs"/>
-              </a:defRPr>
-            </a:lvl2pPr>
-            <a:lvl3pPr marL="914400" algn="l" defTabSz="914400" rtl="0" eaLnBrk="1" latinLnBrk="0" hangingPunct="1">
-              <a:defRPr sz="1800" kern="1200">
-                <a:solidFill>
-                  <a:schemeClr val="tx1"/>
-                </a:solidFill>
-                <a:latin typeface="+mn-lt"/>
-                <a:ea typeface="+mn-ea"/>
-                <a:cs typeface="+mn-cs"/>
-              </a:defRPr>
-            </a:lvl3pPr>
-            <a:lvl4pPr marL="1371600" algn="l" defTabSz="914400" rtl="0" eaLnBrk="1" latinLnBrk="0" hangingPunct="1">
-              <a:defRPr sz="1800" kern="1200">
-                <a:solidFill>
-                  <a:schemeClr val="tx1"/>
-                </a:solidFill>
-                <a:latin typeface="+mn-lt"/>
-                <a:ea typeface="+mn-ea"/>
-                <a:cs typeface="+mn-cs"/>
-              </a:defRPr>
-            </a:lvl4pPr>
-            <a:lvl5pPr marL="1828800" algn="l" defTabSz="914400" rtl="0" eaLnBrk="1" latinLnBrk="0" hangingPunct="1">
-              <a:defRPr sz="1800" kern="1200">
-                <a:solidFill>
-                  <a:schemeClr val="tx1"/>
-                </a:solidFill>
-                <a:latin typeface="+mn-lt"/>
-                <a:ea typeface="+mn-ea"/>
-                <a:cs typeface="+mn-cs"/>
-              </a:defRPr>
-            </a:lvl5pPr>
-            <a:lvl6pPr marL="2286000" algn="l" defTabSz="914400" rtl="0" eaLnBrk="1" latinLnBrk="0" hangingPunct="1">
-              <a:defRPr sz="1800" kern="1200">
-                <a:solidFill>
-                  <a:schemeClr val="tx1"/>
-                </a:solidFill>
-                <a:latin typeface="+mn-lt"/>
-                <a:ea typeface="+mn-ea"/>
-                <a:cs typeface="+mn-cs"/>
-              </a:defRPr>
-            </a:lvl6pPr>
-            <a:lvl7pPr marL="2743200" algn="l" defTabSz="914400" rtl="0" eaLnBrk="1" latinLnBrk="0" hangingPunct="1">
-              <a:defRPr sz="1800" kern="1200">
-                <a:solidFill>
-                  <a:schemeClr val="tx1"/>
-                </a:solidFill>
-                <a:latin typeface="+mn-lt"/>
-                <a:ea typeface="+mn-ea"/>
-                <a:cs typeface="+mn-cs"/>
-              </a:defRPr>
-            </a:lvl7pPr>
-            <a:lvl8pPr marL="3200400" algn="l" defTabSz="914400" rtl="0" eaLnBrk="1" latinLnBrk="0" hangingPunct="1">
-              <a:defRPr sz="1800" kern="1200">
-                <a:solidFill>
-                  <a:schemeClr val="tx1"/>
-                </a:solidFill>
-                <a:latin typeface="+mn-lt"/>
-                <a:ea typeface="+mn-ea"/>
-                <a:cs typeface="+mn-cs"/>
-              </a:defRPr>
-            </a:lvl8pPr>
-            <a:lvl9pPr marL="3657600" algn="l" defTabSz="914400" rtl="0" eaLnBrk="1" latinLnBrk="0" hangingPunct="1">
-              <a:defRPr sz="1800" kern="1200">
-                <a:solidFill>
-                  <a:schemeClr val="tx1"/>
-                </a:solidFill>
-                <a:latin typeface="+mn-lt"/>
-                <a:ea typeface="+mn-ea"/>
-                <a:cs typeface="+mn-cs"/>
-              </a:defRPr>
-            </a:lvl9pPr>
-          </a:lstStyle>
-          <a:p>
-            <a:fld id="{D4328D90-2A6F-4F23-88A8-C5DCC2B5F307}" type="slidenum">
-              <a:rPr lang="zh-TW" altLang="en-US" smtClean="0"/>
-              <a:pPr/>
-              <a:t>‹#›</a:t>
-            </a:fld>
-            <a:endParaRPr lang="zh-TW" altLang="en-US"/>
-          </a:p>
-        </p:txBody>
-      </p:sp>
-    </p:spTree>
-    <p:extLst>
-      <p:ext uri="{BB962C8B-B14F-4D97-AF65-F5344CB8AC3E}">
-        <p14:creationId xmlns:p14="http://schemas.microsoft.com/office/powerpoint/2010/main" val="2865360451"/>
+        <p14:creationId xmlns:p14="http://schemas.microsoft.com/office/powerpoint/2010/main" val="2708962244"/>
       </p:ext>
     </p:extLst>
   </p:cSld>
@@ -9422,24 +3360,16 @@
     </p:spTree>
     <p:extLst>
       <p:ext uri="{BB962C8B-B14F-4D97-AF65-F5344CB8AC3E}">
-        <p14:creationId xmlns:p14="http://schemas.microsoft.com/office/powerpoint/2010/main" val="701320909"/>
+        <p14:creationId xmlns:p14="http://schemas.microsoft.com/office/powerpoint/2010/main" val="2812084148"/>
       </p:ext>
     </p:extLst>
   </p:cSld>
   <p:clrMap bg1="dk1" tx1="lt1" bg2="dk2" tx2="lt2" accent1="accent1" accent2="accent2" accent3="accent3" accent4="accent4" accent5="accent5" accent6="accent6" hlink="hlink" folHlink="folHlink"/>
   <p:sldLayoutIdLst>
-    <p:sldLayoutId id="2147483686" r:id="rId1"/>
-    <p:sldLayoutId id="2147483687" r:id="rId2"/>
-    <p:sldLayoutId id="2147483688" r:id="rId3"/>
-    <p:sldLayoutId id="2147483689" r:id="rId4"/>
-    <p:sldLayoutId id="2147483690" r:id="rId5"/>
-    <p:sldLayoutId id="2147483691" r:id="rId6"/>
-    <p:sldLayoutId id="2147483692" r:id="rId7"/>
-    <p:sldLayoutId id="2147483693" r:id="rId8"/>
-    <p:sldLayoutId id="2147483694" r:id="rId9"/>
-    <p:sldLayoutId id="2147483695" r:id="rId10"/>
-    <p:sldLayoutId id="2147483696" r:id="rId11"/>
-    <p:sldLayoutId id="2147483672" r:id="rId12"/>
+    <p:sldLayoutId id="2147483710" r:id="rId1"/>
+    <p:sldLayoutId id="2147483711" r:id="rId2"/>
+    <p:sldLayoutId id="2147483712" r:id="rId3"/>
+    <p:sldLayoutId id="2147483713" r:id="rId4"/>
   </p:sldLayoutIdLst>
   <p:transition spd="slow">
     <p:push dir="u"/>
@@ -9814,7 +3744,7 @@
             </a:r>
             <a:r>
               <a:rPr lang="zh-TW" altLang="en-US"/>
-              <a:t>桃高資訊社</a:t>
+              <a:t> 桃高資訊社</a:t>
             </a:r>
           </a:p>
         </p:txBody>
@@ -11753,12 +5683,7 @@
             <p:ph type="title"/>
           </p:nvPr>
         </p:nvSpPr>
-        <p:spPr>
-          <a:xfrm>
-            <a:off x="838200" y="365125"/>
-            <a:ext cx="10515600" cy="1325563"/>
-          </a:xfrm>
-        </p:spPr>
+        <p:spPr/>
         <p:txBody>
           <a:bodyPr/>
           <a:lstStyle/>
@@ -31685,7 +25610,7 @@
   <a:extraClrSchemeLst/>
   <a:extLst>
     <a:ext uri="{05A4C25C-085E-4340-85A3-A5531E510DB2}">
-      <thm15:themeFamily xmlns:thm15="http://schemas.microsoft.com/office/thememl/2012/main" name="TYIC" id="{12E5EBF5-EAA2-4FAB-A3C0-6E914B17EAE8}" vid="{2D8CCBD1-B73A-4486-8538-2045EDEC7421}"/>
+      <thm15:themeFamily xmlns:thm15="http://schemas.microsoft.com/office/thememl/2012/main" name="TYIC" id="{1CBE48E2-41FD-4EDA-8801-606A138B7FC3}" vid="{F6EAACDE-0833-4468-B256-0551E0034979}"/>
     </a:ext>
   </a:extLst>
 </a:theme>
